--- a/Presentation.pptx
+++ b/Presentation.pptx
@@ -4,16 +4,20 @@
   <p:sldMasterIdLst>
     <p:sldMasterId id="2147483827" r:id="rId1"/>
   </p:sldMasterIdLst>
+  <p:notesMasterIdLst>
+    <p:notesMasterId r:id="rId12"/>
+  </p:notesMasterIdLst>
   <p:sldIdLst>
     <p:sldId id="256" r:id="rId2"/>
-    <p:sldId id="257" r:id="rId3"/>
+    <p:sldId id="271" r:id="rId3"/>
     <p:sldId id="258" r:id="rId4"/>
     <p:sldId id="261" r:id="rId5"/>
     <p:sldId id="264" r:id="rId6"/>
     <p:sldId id="262" r:id="rId7"/>
     <p:sldId id="265" r:id="rId8"/>
     <p:sldId id="269" r:id="rId9"/>
-    <p:sldId id="266" r:id="rId10"/>
+    <p:sldId id="260" r:id="rId10"/>
+    <p:sldId id="266" r:id="rId11"/>
   </p:sldIdLst>
   <p:sldSz cx="12192000" cy="6858000"/>
   <p:notesSz cx="6858000" cy="9144000"/>
@@ -118,13 +122,14 @@
         <p14:section name="Default Section" id="{B4D6250A-F69E-E049-8704-36B265A1615F}">
           <p14:sldIdLst>
             <p14:sldId id="256"/>
-            <p14:sldId id="257"/>
+            <p14:sldId id="271"/>
             <p14:sldId id="258"/>
             <p14:sldId id="261"/>
             <p14:sldId id="264"/>
             <p14:sldId id="262"/>
             <p14:sldId id="265"/>
             <p14:sldId id="269"/>
+            <p14:sldId id="260"/>
             <p14:sldId id="266"/>
           </p14:sldIdLst>
         </p14:section>
@@ -140,8 +145,7 @@
 <file path=ppt/revisionInfo.xml><?xml version="1.0" encoding="utf-8"?>
 <p1510:revInfo xmlns:a="http://schemas.openxmlformats.org/drawingml/2006/main" xmlns:r="http://schemas.openxmlformats.org/officeDocument/2006/relationships" xmlns:p1510="http://schemas.microsoft.com/office/powerpoint/2015/10/main">
   <p1510:revLst>
-    <p1510:client id="{20C2B948-EF28-CFE4-9F8D-3160B5CD79A2}" v="142" dt="2023-03-08T16:52:12.591"/>
-    <p1510:client id="{4DCE87A6-5692-DD46-89CD-9FD091247F19}" v="114" dt="2023-03-09T11:06:16.048"/>
+    <p1510:client id="{4DCE87A6-5692-DD46-89CD-9FD091247F19}" v="182" dt="2023-03-10T19:00:07.621"/>
   </p1510:revLst>
 </p1510:revInfo>
 </file>
@@ -1830,7 +1834,7 @@
   <pc:docChgLst>
     <pc:chgData name="Pirani,Antonio A." userId="b27b35d6-1459-4bed-af76-eef7aff762d7" providerId="ADAL" clId="{4DCE87A6-5692-DD46-89CD-9FD091247F19}"/>
     <pc:docChg chg="undo redo custSel addSld delSld modSld sldOrd addSection delSection modSection">
-      <pc:chgData name="Pirani,Antonio A." userId="b27b35d6-1459-4bed-af76-eef7aff762d7" providerId="ADAL" clId="{4DCE87A6-5692-DD46-89CD-9FD091247F19}" dt="2023-03-09T11:06:22.224" v="1489" actId="20577"/>
+      <pc:chgData name="Pirani,Antonio A." userId="b27b35d6-1459-4bed-af76-eef7aff762d7" providerId="ADAL" clId="{4DCE87A6-5692-DD46-89CD-9FD091247F19}" dt="2023-03-10T19:00:32.164" v="1980" actId="2696"/>
       <pc:docMkLst>
         <pc:docMk/>
       </pc:docMkLst>
@@ -1937,8 +1941,8 @@
           </ac:picMkLst>
         </pc:picChg>
       </pc:sldChg>
-      <pc:sldChg chg="addSp delSp modSp mod setBg modAnim">
-        <pc:chgData name="Pirani,Antonio A." userId="b27b35d6-1459-4bed-af76-eef7aff762d7" providerId="ADAL" clId="{4DCE87A6-5692-DD46-89CD-9FD091247F19}" dt="2023-03-08T17:36:47.535" v="437" actId="403"/>
+      <pc:sldChg chg="addSp delSp modSp del mod setBg modAnim">
+        <pc:chgData name="Pirani,Antonio A." userId="b27b35d6-1459-4bed-af76-eef7aff762d7" providerId="ADAL" clId="{4DCE87A6-5692-DD46-89CD-9FD091247F19}" dt="2023-03-10T19:00:32.164" v="1980" actId="2696"/>
         <pc:sldMkLst>
           <pc:docMk/>
           <pc:sldMk cId="764908316" sldId="257"/>
@@ -1976,6 +1980,14 @@
           </ac:spMkLst>
         </pc:spChg>
         <pc:spChg chg="add del mod">
+          <ac:chgData name="Pirani,Antonio A." userId="b27b35d6-1459-4bed-af76-eef7aff762d7" providerId="ADAL" clId="{4DCE87A6-5692-DD46-89CD-9FD091247F19}" dt="2023-03-10T18:40:59.149" v="1756"/>
+          <ac:spMkLst>
+            <pc:docMk/>
+            <pc:sldMk cId="764908316" sldId="257"/>
+            <ac:spMk id="6" creationId="{6FB78E12-38A7-C9DE-3AFA-CA625F0FD7F7}"/>
+          </ac:spMkLst>
+        </pc:spChg>
+        <pc:spChg chg="add del mod">
           <ac:chgData name="Pirani,Antonio A." userId="b27b35d6-1459-4bed-af76-eef7aff762d7" providerId="ADAL" clId="{4DCE87A6-5692-DD46-89CD-9FD091247F19}" dt="2023-03-08T17:05:32.948" v="52"/>
           <ac:spMkLst>
             <pc:docMk/>
@@ -1989,6 +2001,14 @@
             <pc:docMk/>
             <pc:sldMk cId="764908316" sldId="257"/>
             <ac:spMk id="7" creationId="{7B76B942-12B3-C21E-8B90-AC73A65826E9}"/>
+          </ac:spMkLst>
+        </pc:spChg>
+        <pc:spChg chg="add del mod">
+          <ac:chgData name="Pirani,Antonio A." userId="b27b35d6-1459-4bed-af76-eef7aff762d7" providerId="ADAL" clId="{4DCE87A6-5692-DD46-89CD-9FD091247F19}" dt="2023-03-10T18:41:00.866" v="1758"/>
+          <ac:spMkLst>
+            <pc:docMk/>
+            <pc:sldMk cId="764908316" sldId="257"/>
+            <ac:spMk id="7" creationId="{EB106DC7-C001-1B51-2926-8D3276783B1C}"/>
           </ac:spMkLst>
         </pc:spChg>
         <pc:spChg chg="add del mod">
@@ -2336,7 +2356,7 @@
           </ac:cxnSpMkLst>
         </pc:cxnChg>
         <pc:cxnChg chg="add mod">
-          <ac:chgData name="Pirani,Antonio A." userId="b27b35d6-1459-4bed-af76-eef7aff762d7" providerId="ADAL" clId="{4DCE87A6-5692-DD46-89CD-9FD091247F19}" dt="2023-03-08T17:35:35.939" v="420" actId="1076"/>
+          <ac:chgData name="Pirani,Antonio A." userId="b27b35d6-1459-4bed-af76-eef7aff762d7" providerId="ADAL" clId="{4DCE87A6-5692-DD46-89CD-9FD091247F19}" dt="2023-03-10T18:06:33.978" v="1491" actId="14100"/>
           <ac:cxnSpMkLst>
             <pc:docMk/>
             <pc:sldMk cId="764908316" sldId="257"/>
@@ -2360,7 +2380,7 @@
           </ac:cxnSpMkLst>
         </pc:cxnChg>
         <pc:cxnChg chg="add mod">
-          <ac:chgData name="Pirani,Antonio A." userId="b27b35d6-1459-4bed-af76-eef7aff762d7" providerId="ADAL" clId="{4DCE87A6-5692-DD46-89CD-9FD091247F19}" dt="2023-03-08T17:25:20.419" v="367" actId="208"/>
+          <ac:chgData name="Pirani,Antonio A." userId="b27b35d6-1459-4bed-af76-eef7aff762d7" providerId="ADAL" clId="{4DCE87A6-5692-DD46-89CD-9FD091247F19}" dt="2023-03-10T18:06:42.747" v="1492" actId="14100"/>
           <ac:cxnSpMkLst>
             <pc:docMk/>
             <pc:sldMk cId="764908316" sldId="257"/>
@@ -2374,6 +2394,173 @@
           <pc:docMk/>
           <pc:sldMk cId="1051841186" sldId="259"/>
         </pc:sldMkLst>
+      </pc:sldChg>
+      <pc:sldChg chg="addSp delSp modSp add mod modAnim">
+        <pc:chgData name="Pirani,Antonio A." userId="b27b35d6-1459-4bed-af76-eef7aff762d7" providerId="ADAL" clId="{4DCE87A6-5692-DD46-89CD-9FD091247F19}" dt="2023-03-10T18:45:13.785" v="1849" actId="1076"/>
+        <pc:sldMkLst>
+          <pc:docMk/>
+          <pc:sldMk cId="0" sldId="260"/>
+        </pc:sldMkLst>
+        <pc:spChg chg="add mod">
+          <ac:chgData name="Pirani,Antonio A." userId="b27b35d6-1459-4bed-af76-eef7aff762d7" providerId="ADAL" clId="{4DCE87A6-5692-DD46-89CD-9FD091247F19}" dt="2023-03-10T18:45:13.785" v="1849" actId="1076"/>
+          <ac:spMkLst>
+            <pc:docMk/>
+            <pc:sldMk cId="0" sldId="260"/>
+            <ac:spMk id="14" creationId="{C4F5AACD-0FBE-4578-E0C5-297664277814}"/>
+          </ac:spMkLst>
+        </pc:spChg>
+        <pc:spChg chg="mod">
+          <ac:chgData name="Pirani,Antonio A." userId="b27b35d6-1459-4bed-af76-eef7aff762d7" providerId="ADAL" clId="{4DCE87A6-5692-DD46-89CD-9FD091247F19}" dt="2023-03-10T18:39:58.667" v="1752" actId="1076"/>
+          <ac:spMkLst>
+            <pc:docMk/>
+            <pc:sldMk cId="0" sldId="260"/>
+            <ac:spMk id="254" creationId="{00000000-0000-0000-0000-000000000000}"/>
+          </ac:spMkLst>
+        </pc:spChg>
+        <pc:spChg chg="mod">
+          <ac:chgData name="Pirani,Antonio A." userId="b27b35d6-1459-4bed-af76-eef7aff762d7" providerId="ADAL" clId="{4DCE87A6-5692-DD46-89CD-9FD091247F19}" dt="2023-03-10T18:27:49.535" v="1574" actId="207"/>
+          <ac:spMkLst>
+            <pc:docMk/>
+            <pc:sldMk cId="0" sldId="260"/>
+            <ac:spMk id="256" creationId="{00000000-0000-0000-0000-000000000000}"/>
+          </ac:spMkLst>
+        </pc:spChg>
+        <pc:spChg chg="mod">
+          <ac:chgData name="Pirani,Antonio A." userId="b27b35d6-1459-4bed-af76-eef7aff762d7" providerId="ADAL" clId="{4DCE87A6-5692-DD46-89CD-9FD091247F19}" dt="2023-03-10T18:28:14.728" v="1578" actId="207"/>
+          <ac:spMkLst>
+            <pc:docMk/>
+            <pc:sldMk cId="0" sldId="260"/>
+            <ac:spMk id="257" creationId="{00000000-0000-0000-0000-000000000000}"/>
+          </ac:spMkLst>
+        </pc:spChg>
+        <pc:spChg chg="mod">
+          <ac:chgData name="Pirani,Antonio A." userId="b27b35d6-1459-4bed-af76-eef7aff762d7" providerId="ADAL" clId="{4DCE87A6-5692-DD46-89CD-9FD091247F19}" dt="2023-03-10T18:36:38.372" v="1692" actId="1076"/>
+          <ac:spMkLst>
+            <pc:docMk/>
+            <pc:sldMk cId="0" sldId="260"/>
+            <ac:spMk id="258" creationId="{00000000-0000-0000-0000-000000000000}"/>
+          </ac:spMkLst>
+        </pc:spChg>
+        <pc:spChg chg="mod">
+          <ac:chgData name="Pirani,Antonio A." userId="b27b35d6-1459-4bed-af76-eef7aff762d7" providerId="ADAL" clId="{4DCE87A6-5692-DD46-89CD-9FD091247F19}" dt="2023-03-10T18:24:23.486" v="1558" actId="20577"/>
+          <ac:spMkLst>
+            <pc:docMk/>
+            <pc:sldMk cId="0" sldId="260"/>
+            <ac:spMk id="261" creationId="{00000000-0000-0000-0000-000000000000}"/>
+          </ac:spMkLst>
+        </pc:spChg>
+        <pc:spChg chg="mod">
+          <ac:chgData name="Pirani,Antonio A." userId="b27b35d6-1459-4bed-af76-eef7aff762d7" providerId="ADAL" clId="{4DCE87A6-5692-DD46-89CD-9FD091247F19}" dt="2023-03-10T18:37:54.033" v="1732" actId="1076"/>
+          <ac:spMkLst>
+            <pc:docMk/>
+            <pc:sldMk cId="0" sldId="260"/>
+            <ac:spMk id="262" creationId="{00000000-0000-0000-0000-000000000000}"/>
+          </ac:spMkLst>
+        </pc:spChg>
+        <pc:spChg chg="mod">
+          <ac:chgData name="Pirani,Antonio A." userId="b27b35d6-1459-4bed-af76-eef7aff762d7" providerId="ADAL" clId="{4DCE87A6-5692-DD46-89CD-9FD091247F19}" dt="2023-03-10T18:25:52.995" v="1567" actId="20577"/>
+          <ac:spMkLst>
+            <pc:docMk/>
+            <pc:sldMk cId="0" sldId="260"/>
+            <ac:spMk id="265" creationId="{00000000-0000-0000-0000-000000000000}"/>
+          </ac:spMkLst>
+        </pc:spChg>
+        <pc:spChg chg="mod">
+          <ac:chgData name="Pirani,Antonio A." userId="b27b35d6-1459-4bed-af76-eef7aff762d7" providerId="ADAL" clId="{4DCE87A6-5692-DD46-89CD-9FD091247F19}" dt="2023-03-10T18:36:53.131" v="1693" actId="14100"/>
+          <ac:spMkLst>
+            <pc:docMk/>
+            <pc:sldMk cId="0" sldId="260"/>
+            <ac:spMk id="266" creationId="{00000000-0000-0000-0000-000000000000}"/>
+          </ac:spMkLst>
+        </pc:spChg>
+        <pc:spChg chg="mod">
+          <ac:chgData name="Pirani,Antonio A." userId="b27b35d6-1459-4bed-af76-eef7aff762d7" providerId="ADAL" clId="{4DCE87A6-5692-DD46-89CD-9FD091247F19}" dt="2023-03-10T18:39:31.578" v="1751" actId="113"/>
+          <ac:spMkLst>
+            <pc:docMk/>
+            <pc:sldMk cId="0" sldId="260"/>
+            <ac:spMk id="295" creationId="{00000000-0000-0000-0000-000000000000}"/>
+          </ac:spMkLst>
+        </pc:spChg>
+        <pc:grpChg chg="del">
+          <ac:chgData name="Pirani,Antonio A." userId="b27b35d6-1459-4bed-af76-eef7aff762d7" providerId="ADAL" clId="{4DCE87A6-5692-DD46-89CD-9FD091247F19}" dt="2023-03-10T18:32:57.595" v="1634" actId="21"/>
+          <ac:grpSpMkLst>
+            <pc:docMk/>
+            <pc:sldMk cId="0" sldId="260"/>
+            <ac:grpSpMk id="267" creationId="{00000000-0000-0000-0000-000000000000}"/>
+          </ac:grpSpMkLst>
+        </pc:grpChg>
+        <pc:grpChg chg="del">
+          <ac:chgData name="Pirani,Antonio A." userId="b27b35d6-1459-4bed-af76-eef7aff762d7" providerId="ADAL" clId="{4DCE87A6-5692-DD46-89CD-9FD091247F19}" dt="2023-03-10T18:32:04.823" v="1626" actId="21"/>
+          <ac:grpSpMkLst>
+            <pc:docMk/>
+            <pc:sldMk cId="0" sldId="260"/>
+            <ac:grpSpMk id="270" creationId="{00000000-0000-0000-0000-000000000000}"/>
+          </ac:grpSpMkLst>
+        </pc:grpChg>
+        <pc:grpChg chg="del">
+          <ac:chgData name="Pirani,Antonio A." userId="b27b35d6-1459-4bed-af76-eef7aff762d7" providerId="ADAL" clId="{4DCE87A6-5692-DD46-89CD-9FD091247F19}" dt="2023-03-10T18:29:45.696" v="1614" actId="21"/>
+          <ac:grpSpMkLst>
+            <pc:docMk/>
+            <pc:sldMk cId="0" sldId="260"/>
+            <ac:grpSpMk id="274" creationId="{00000000-0000-0000-0000-000000000000}"/>
+          </ac:grpSpMkLst>
+        </pc:grpChg>
+        <pc:grpChg chg="mod">
+          <ac:chgData name="Pirani,Antonio A." userId="b27b35d6-1459-4bed-af76-eef7aff762d7" providerId="ADAL" clId="{4DCE87A6-5692-DD46-89CD-9FD091247F19}" dt="2023-03-10T18:23:46.674" v="1529" actId="1076"/>
+          <ac:grpSpMkLst>
+            <pc:docMk/>
+            <pc:sldMk cId="0" sldId="260"/>
+            <ac:grpSpMk id="283" creationId="{00000000-0000-0000-0000-000000000000}"/>
+          </ac:grpSpMkLst>
+        </pc:grpChg>
+        <pc:picChg chg="add del mod">
+          <ac:chgData name="Pirani,Antonio A." userId="b27b35d6-1459-4bed-af76-eef7aff762d7" providerId="ADAL" clId="{4DCE87A6-5692-DD46-89CD-9FD091247F19}" dt="2023-03-10T18:29:04.264" v="1601" actId="931"/>
+          <ac:picMkLst>
+            <pc:docMk/>
+            <pc:sldMk cId="0" sldId="260"/>
+            <ac:picMk id="3" creationId="{C066583A-235A-20F5-5AF8-98043FAECD56}"/>
+          </ac:picMkLst>
+        </pc:picChg>
+        <pc:picChg chg="add del mod">
+          <ac:chgData name="Pirani,Antonio A." userId="b27b35d6-1459-4bed-af76-eef7aff762d7" providerId="ADAL" clId="{4DCE87A6-5692-DD46-89CD-9FD091247F19}" dt="2023-03-10T18:29:04.264" v="1601" actId="931"/>
+          <ac:picMkLst>
+            <pc:docMk/>
+            <pc:sldMk cId="0" sldId="260"/>
+            <ac:picMk id="5" creationId="{2F46EE75-3119-73E1-9058-62E2F9E71714}"/>
+          </ac:picMkLst>
+        </pc:picChg>
+        <pc:picChg chg="add del mod">
+          <ac:chgData name="Pirani,Antonio A." userId="b27b35d6-1459-4bed-af76-eef7aff762d7" providerId="ADAL" clId="{4DCE87A6-5692-DD46-89CD-9FD091247F19}" dt="2023-03-10T18:29:04.264" v="1601" actId="931"/>
+          <ac:picMkLst>
+            <pc:docMk/>
+            <pc:sldMk cId="0" sldId="260"/>
+            <ac:picMk id="7" creationId="{FDC229C8-260D-5F01-ED3F-2AB295034192}"/>
+          </ac:picMkLst>
+        </pc:picChg>
+        <pc:picChg chg="add mod">
+          <ac:chgData name="Pirani,Antonio A." userId="b27b35d6-1459-4bed-af76-eef7aff762d7" providerId="ADAL" clId="{4DCE87A6-5692-DD46-89CD-9FD091247F19}" dt="2023-03-10T18:34:20.658" v="1638" actId="1367"/>
+          <ac:picMkLst>
+            <pc:docMk/>
+            <pc:sldMk cId="0" sldId="260"/>
+            <ac:picMk id="9" creationId="{DC7D2A9E-04A3-35F0-A8AB-9841504371C2}"/>
+          </ac:picMkLst>
+        </pc:picChg>
+        <pc:picChg chg="add mod">
+          <ac:chgData name="Pirani,Antonio A." userId="b27b35d6-1459-4bed-af76-eef7aff762d7" providerId="ADAL" clId="{4DCE87A6-5692-DD46-89CD-9FD091247F19}" dt="2023-03-10T18:33:18.693" v="1637" actId="1076"/>
+          <ac:picMkLst>
+            <pc:docMk/>
+            <pc:sldMk cId="0" sldId="260"/>
+            <ac:picMk id="11" creationId="{B6E72FEF-5570-3AED-D753-82D95C90F163}"/>
+          </ac:picMkLst>
+        </pc:picChg>
+        <pc:picChg chg="add mod">
+          <ac:chgData name="Pirani,Antonio A." userId="b27b35d6-1459-4bed-af76-eef7aff762d7" providerId="ADAL" clId="{4DCE87A6-5692-DD46-89CD-9FD091247F19}" dt="2023-03-10T18:32:52.172" v="1633" actId="1076"/>
+          <ac:picMkLst>
+            <pc:docMk/>
+            <pc:sldMk cId="0" sldId="260"/>
+            <ac:picMk id="13" creationId="{D6A24831-F17B-64FE-5EDC-BD077C4AEC2F}"/>
+          </ac:picMkLst>
+        </pc:picChg>
       </pc:sldChg>
       <pc:sldChg chg="del">
         <pc:chgData name="Pirani,Antonio A." userId="b27b35d6-1459-4bed-af76-eef7aff762d7" providerId="ADAL" clId="{4DCE87A6-5692-DD46-89CD-9FD091247F19}" dt="2023-03-08T18:52:27.866" v="523" actId="2696"/>
@@ -2533,13 +2720,13 @@
         </pc:spChg>
       </pc:sldChg>
       <pc:sldChg chg="addSp delSp modSp add mod ord">
-        <pc:chgData name="Pirani,Antonio A." userId="b27b35d6-1459-4bed-af76-eef7aff762d7" providerId="ADAL" clId="{4DCE87A6-5692-DD46-89CD-9FD091247F19}" dt="2023-03-09T10:55:26.279" v="1465" actId="2711"/>
+        <pc:chgData name="Pirani,Antonio A." userId="b27b35d6-1459-4bed-af76-eef7aff762d7" providerId="ADAL" clId="{4DCE87A6-5692-DD46-89CD-9FD091247F19}" dt="2023-03-10T18:42:45.773" v="1777" actId="1076"/>
         <pc:sldMkLst>
           <pc:docMk/>
           <pc:sldMk cId="3053361262" sldId="269"/>
         </pc:sldMkLst>
         <pc:spChg chg="mod">
-          <ac:chgData name="Pirani,Antonio A." userId="b27b35d6-1459-4bed-af76-eef7aff762d7" providerId="ADAL" clId="{4DCE87A6-5692-DD46-89CD-9FD091247F19}" dt="2023-03-09T10:49:08.099" v="1427" actId="113"/>
+          <ac:chgData name="Pirani,Antonio A." userId="b27b35d6-1459-4bed-af76-eef7aff762d7" providerId="ADAL" clId="{4DCE87A6-5692-DD46-89CD-9FD091247F19}" dt="2023-03-10T18:42:45.773" v="1777" actId="1076"/>
           <ac:spMkLst>
             <pc:docMk/>
             <pc:sldMk cId="3053361262" sldId="269"/>
@@ -2794,6 +2981,316 @@
             <ac:picMk id="14" creationId="{7C4CA7C9-3685-55F1-98CF-844DCFB458CD}"/>
           </ac:picMkLst>
         </pc:picChg>
+      </pc:sldChg>
+      <pc:sldChg chg="addSp delSp modSp add del mod">
+        <pc:chgData name="Pirani,Antonio A." userId="b27b35d6-1459-4bed-af76-eef7aff762d7" providerId="ADAL" clId="{4DCE87A6-5692-DD46-89CD-9FD091247F19}" dt="2023-03-10T19:00:25.864" v="1979" actId="2696"/>
+        <pc:sldMkLst>
+          <pc:docMk/>
+          <pc:sldMk cId="1441458281" sldId="270"/>
+        </pc:sldMkLst>
+        <pc:spChg chg="add del mod">
+          <ac:chgData name="Pirani,Antonio A." userId="b27b35d6-1459-4bed-af76-eef7aff762d7" providerId="ADAL" clId="{4DCE87A6-5692-DD46-89CD-9FD091247F19}" dt="2023-03-10T18:54:02.684" v="1854"/>
+          <ac:spMkLst>
+            <pc:docMk/>
+            <pc:sldMk cId="1441458281" sldId="270"/>
+            <ac:spMk id="2" creationId="{AE68FB48-794E-9308-0ABB-F63BD4AB9504}"/>
+          </ac:spMkLst>
+        </pc:spChg>
+        <pc:spChg chg="mod">
+          <ac:chgData name="Pirani,Antonio A." userId="b27b35d6-1459-4bed-af76-eef7aff762d7" providerId="ADAL" clId="{4DCE87A6-5692-DD46-89CD-9FD091247F19}" dt="2023-03-10T18:53:45.662" v="1851" actId="27636"/>
+          <ac:spMkLst>
+            <pc:docMk/>
+            <pc:sldMk cId="1441458281" sldId="270"/>
+            <ac:spMk id="53" creationId="{00000000-0000-0000-0000-000000000000}"/>
+          </ac:spMkLst>
+        </pc:spChg>
+        <pc:spChg chg="del">
+          <ac:chgData name="Pirani,Antonio A." userId="b27b35d6-1459-4bed-af76-eef7aff762d7" providerId="ADAL" clId="{4DCE87A6-5692-DD46-89CD-9FD091247F19}" dt="2023-03-10T18:54:17.139" v="1860" actId="21"/>
+          <ac:spMkLst>
+            <pc:docMk/>
+            <pc:sldMk cId="1441458281" sldId="270"/>
+            <ac:spMk id="369" creationId="{5879D2C6-676C-4E93-995B-06A30D1586C8}"/>
+          </ac:spMkLst>
+        </pc:spChg>
+        <pc:spChg chg="mod">
+          <ac:chgData name="Pirani,Antonio A." userId="b27b35d6-1459-4bed-af76-eef7aff762d7" providerId="ADAL" clId="{4DCE87A6-5692-DD46-89CD-9FD091247F19}" dt="2023-03-10T18:56:27.325" v="1956" actId="404"/>
+          <ac:spMkLst>
+            <pc:docMk/>
+            <pc:sldMk cId="1441458281" sldId="270"/>
+            <ac:spMk id="370" creationId="{58647FCE-4EC8-4BA1-BB5E-B6A00C1DBE4D}"/>
+          </ac:spMkLst>
+        </pc:spChg>
+        <pc:spChg chg="mod">
+          <ac:chgData name="Pirani,Antonio A." userId="b27b35d6-1459-4bed-af76-eef7aff762d7" providerId="ADAL" clId="{4DCE87A6-5692-DD46-89CD-9FD091247F19}" dt="2023-03-10T18:55:48.584" v="1933" actId="1076"/>
+          <ac:spMkLst>
+            <pc:docMk/>
+            <pc:sldMk cId="1441458281" sldId="270"/>
+            <ac:spMk id="372" creationId="{FEC61A7B-049B-49F2-852E-68ECE1ECA14B}"/>
+          </ac:spMkLst>
+        </pc:spChg>
+        <pc:spChg chg="del">
+          <ac:chgData name="Pirani,Antonio A." userId="b27b35d6-1459-4bed-af76-eef7aff762d7" providerId="ADAL" clId="{4DCE87A6-5692-DD46-89CD-9FD091247F19}" dt="2023-03-10T18:54:18.824" v="1861" actId="21"/>
+          <ac:spMkLst>
+            <pc:docMk/>
+            <pc:sldMk cId="1441458281" sldId="270"/>
+            <ac:spMk id="373" creationId="{4567A60C-A8EA-4B31-B9E0-553BBFB30D29}"/>
+          </ac:spMkLst>
+        </pc:spChg>
+        <pc:spChg chg="mod">
+          <ac:chgData name="Pirani,Antonio A." userId="b27b35d6-1459-4bed-af76-eef7aff762d7" providerId="ADAL" clId="{4DCE87A6-5692-DD46-89CD-9FD091247F19}" dt="2023-03-10T18:55:58.559" v="1938" actId="404"/>
+          <ac:spMkLst>
+            <pc:docMk/>
+            <pc:sldMk cId="1441458281" sldId="270"/>
+            <ac:spMk id="375" creationId="{FE722E90-0C94-4608-A4BB-B9989AA25064}"/>
+          </ac:spMkLst>
+        </pc:spChg>
+        <pc:spChg chg="del">
+          <ac:chgData name="Pirani,Antonio A." userId="b27b35d6-1459-4bed-af76-eef7aff762d7" providerId="ADAL" clId="{4DCE87A6-5692-DD46-89CD-9FD091247F19}" dt="2023-03-10T18:54:22.602" v="1863" actId="21"/>
+          <ac:spMkLst>
+            <pc:docMk/>
+            <pc:sldMk cId="1441458281" sldId="270"/>
+            <ac:spMk id="376" creationId="{15839F0E-2A9C-4C1E-A94C-27547AB86372}"/>
+          </ac:spMkLst>
+        </pc:spChg>
+        <pc:spChg chg="mod">
+          <ac:chgData name="Pirani,Antonio A." userId="b27b35d6-1459-4bed-af76-eef7aff762d7" providerId="ADAL" clId="{4DCE87A6-5692-DD46-89CD-9FD091247F19}" dt="2023-03-10T18:55:04.546" v="1898" actId="404"/>
+          <ac:spMkLst>
+            <pc:docMk/>
+            <pc:sldMk cId="1441458281" sldId="270"/>
+            <ac:spMk id="378" creationId="{0D15C4B6-5A16-4736-BBFD-A469374C2114}"/>
+          </ac:spMkLst>
+        </pc:spChg>
+        <pc:spChg chg="del">
+          <ac:chgData name="Pirani,Antonio A." userId="b27b35d6-1459-4bed-af76-eef7aff762d7" providerId="ADAL" clId="{4DCE87A6-5692-DD46-89CD-9FD091247F19}" dt="2023-03-10T18:54:20.459" v="1862" actId="21"/>
+          <ac:spMkLst>
+            <pc:docMk/>
+            <pc:sldMk cId="1441458281" sldId="270"/>
+            <ac:spMk id="379" creationId="{71DA7654-90F7-4470-89C1-F034331B5D8B}"/>
+          </ac:spMkLst>
+        </pc:spChg>
+        <pc:spChg chg="mod">
+          <ac:chgData name="Pirani,Antonio A." userId="b27b35d6-1459-4bed-af76-eef7aff762d7" providerId="ADAL" clId="{4DCE87A6-5692-DD46-89CD-9FD091247F19}" dt="2023-03-10T18:55:08.490" v="1899" actId="404"/>
+          <ac:spMkLst>
+            <pc:docMk/>
+            <pc:sldMk cId="1441458281" sldId="270"/>
+            <ac:spMk id="381" creationId="{33B3E92B-2985-4289-BBC7-10B3FBA93032}"/>
+          </ac:spMkLst>
+        </pc:spChg>
+        <pc:spChg chg="del">
+          <ac:chgData name="Pirani,Antonio A." userId="b27b35d6-1459-4bed-af76-eef7aff762d7" providerId="ADAL" clId="{4DCE87A6-5692-DD46-89CD-9FD091247F19}" dt="2023-03-10T18:54:24.568" v="1864" actId="21"/>
+          <ac:spMkLst>
+            <pc:docMk/>
+            <pc:sldMk cId="1441458281" sldId="270"/>
+            <ac:spMk id="382" creationId="{A7C097C9-24CD-45C7-AD55-0E682E434C98}"/>
+          </ac:spMkLst>
+        </pc:spChg>
+        <pc:spChg chg="del">
+          <ac:chgData name="Pirani,Antonio A." userId="b27b35d6-1459-4bed-af76-eef7aff762d7" providerId="ADAL" clId="{4DCE87A6-5692-DD46-89CD-9FD091247F19}" dt="2023-03-10T18:54:10.973" v="1855" actId="21"/>
+          <ac:spMkLst>
+            <pc:docMk/>
+            <pc:sldMk cId="1441458281" sldId="270"/>
+            <ac:spMk id="383" creationId="{932C13B7-7B47-441D-894F-1884CB221151}"/>
+          </ac:spMkLst>
+        </pc:spChg>
+        <pc:spChg chg="del">
+          <ac:chgData name="Pirani,Antonio A." userId="b27b35d6-1459-4bed-af76-eef7aff762d7" providerId="ADAL" clId="{4DCE87A6-5692-DD46-89CD-9FD091247F19}" dt="2023-03-10T18:54:15.187" v="1859" actId="21"/>
+          <ac:spMkLst>
+            <pc:docMk/>
+            <pc:sldMk cId="1441458281" sldId="270"/>
+            <ac:spMk id="384" creationId="{6AB58748-F558-4054-952C-6A54BF3A346B}"/>
+          </ac:spMkLst>
+        </pc:spChg>
+        <pc:spChg chg="del">
+          <ac:chgData name="Pirani,Antonio A." userId="b27b35d6-1459-4bed-af76-eef7aff762d7" providerId="ADAL" clId="{4DCE87A6-5692-DD46-89CD-9FD091247F19}" dt="2023-03-10T18:54:14.191" v="1858" actId="21"/>
+          <ac:spMkLst>
+            <pc:docMk/>
+            <pc:sldMk cId="1441458281" sldId="270"/>
+            <ac:spMk id="385" creationId="{5B8EC154-9C29-4662-8C2E-73B27195E3CA}"/>
+          </ac:spMkLst>
+        </pc:spChg>
+        <pc:spChg chg="del">
+          <ac:chgData name="Pirani,Antonio A." userId="b27b35d6-1459-4bed-af76-eef7aff762d7" providerId="ADAL" clId="{4DCE87A6-5692-DD46-89CD-9FD091247F19}" dt="2023-03-10T18:54:13.059" v="1857" actId="21"/>
+          <ac:spMkLst>
+            <pc:docMk/>
+            <pc:sldMk cId="1441458281" sldId="270"/>
+            <ac:spMk id="386" creationId="{866B0FC2-592F-415F-9D1D-A62B2608D704}"/>
+          </ac:spMkLst>
+        </pc:spChg>
+        <pc:spChg chg="del">
+          <ac:chgData name="Pirani,Antonio A." userId="b27b35d6-1459-4bed-af76-eef7aff762d7" providerId="ADAL" clId="{4DCE87A6-5692-DD46-89CD-9FD091247F19}" dt="2023-03-10T18:54:12.145" v="1856" actId="21"/>
+          <ac:spMkLst>
+            <pc:docMk/>
+            <pc:sldMk cId="1441458281" sldId="270"/>
+            <ac:spMk id="387" creationId="{D7AB415B-6458-440B-9160-7E69738C6512}"/>
+          </ac:spMkLst>
+        </pc:spChg>
+      </pc:sldChg>
+      <pc:sldChg chg="addSp delSp modSp add mod delAnim modAnim">
+        <pc:chgData name="Pirani,Antonio A." userId="b27b35d6-1459-4bed-af76-eef7aff762d7" providerId="ADAL" clId="{4DCE87A6-5692-DD46-89CD-9FD091247F19}" dt="2023-03-10T19:00:07.621" v="1978"/>
+        <pc:sldMkLst>
+          <pc:docMk/>
+          <pc:sldMk cId="336183426" sldId="271"/>
+        </pc:sldMkLst>
+        <pc:spChg chg="add mod">
+          <ac:chgData name="Pirani,Antonio A." userId="b27b35d6-1459-4bed-af76-eef7aff762d7" providerId="ADAL" clId="{4DCE87A6-5692-DD46-89CD-9FD091247F19}" dt="2023-03-10T18:57:18.152" v="1960" actId="1076"/>
+          <ac:spMkLst>
+            <pc:docMk/>
+            <pc:sldMk cId="336183426" sldId="271"/>
+            <ac:spMk id="3" creationId="{FCAB8665-8AF1-DC6A-6ED8-B530E4B9BF14}"/>
+          </ac:spMkLst>
+        </pc:spChg>
+        <pc:spChg chg="add mod">
+          <ac:chgData name="Pirani,Antonio A." userId="b27b35d6-1459-4bed-af76-eef7aff762d7" providerId="ADAL" clId="{4DCE87A6-5692-DD46-89CD-9FD091247F19}" dt="2023-03-10T18:57:18.152" v="1960" actId="1076"/>
+          <ac:spMkLst>
+            <pc:docMk/>
+            <pc:sldMk cId="336183426" sldId="271"/>
+            <ac:spMk id="4" creationId="{BBC80B9D-4C0C-53EB-E745-2A7F03B5EED8}"/>
+          </ac:spMkLst>
+        </pc:spChg>
+        <pc:spChg chg="add mod">
+          <ac:chgData name="Pirani,Antonio A." userId="b27b35d6-1459-4bed-af76-eef7aff762d7" providerId="ADAL" clId="{4DCE87A6-5692-DD46-89CD-9FD091247F19}" dt="2023-03-10T18:57:18.152" v="1960" actId="1076"/>
+          <ac:spMkLst>
+            <pc:docMk/>
+            <pc:sldMk cId="336183426" sldId="271"/>
+            <ac:spMk id="5" creationId="{9E643970-E4E5-292D-8357-77EC05E533A5}"/>
+          </ac:spMkLst>
+        </pc:spChg>
+        <pc:spChg chg="add mod">
+          <ac:chgData name="Pirani,Antonio A." userId="b27b35d6-1459-4bed-af76-eef7aff762d7" providerId="ADAL" clId="{4DCE87A6-5692-DD46-89CD-9FD091247F19}" dt="2023-03-10T18:57:18.152" v="1960" actId="1076"/>
+          <ac:spMkLst>
+            <pc:docMk/>
+            <pc:sldMk cId="336183426" sldId="271"/>
+            <ac:spMk id="6" creationId="{77192079-8CE4-F5B1-84D5-849DB62AD8EC}"/>
+          </ac:spMkLst>
+        </pc:spChg>
+        <pc:spChg chg="add mod">
+          <ac:chgData name="Pirani,Antonio A." userId="b27b35d6-1459-4bed-af76-eef7aff762d7" providerId="ADAL" clId="{4DCE87A6-5692-DD46-89CD-9FD091247F19}" dt="2023-03-10T18:57:18.152" v="1960" actId="1076"/>
+          <ac:spMkLst>
+            <pc:docMk/>
+            <pc:sldMk cId="336183426" sldId="271"/>
+            <ac:spMk id="7" creationId="{8FFC2765-ACAE-477A-6BF3-EB3F6150A00B}"/>
+          </ac:spMkLst>
+        </pc:spChg>
+        <pc:spChg chg="add mod">
+          <ac:chgData name="Pirani,Antonio A." userId="b27b35d6-1459-4bed-af76-eef7aff762d7" providerId="ADAL" clId="{4DCE87A6-5692-DD46-89CD-9FD091247F19}" dt="2023-03-10T18:57:18.152" v="1960" actId="1076"/>
+          <ac:spMkLst>
+            <pc:docMk/>
+            <pc:sldMk cId="336183426" sldId="271"/>
+            <ac:spMk id="8" creationId="{1EA68F38-E0DA-34E3-C5E9-AE82DC1C5D22}"/>
+          </ac:spMkLst>
+        </pc:spChg>
+        <pc:spChg chg="add mod">
+          <ac:chgData name="Pirani,Antonio A." userId="b27b35d6-1459-4bed-af76-eef7aff762d7" providerId="ADAL" clId="{4DCE87A6-5692-DD46-89CD-9FD091247F19}" dt="2023-03-10T18:57:18.152" v="1960" actId="1076"/>
+          <ac:spMkLst>
+            <pc:docMk/>
+            <pc:sldMk cId="336183426" sldId="271"/>
+            <ac:spMk id="9" creationId="{A14B1879-6096-84E7-D51F-0701D19D89D4}"/>
+          </ac:spMkLst>
+        </pc:spChg>
+        <pc:spChg chg="add mod">
+          <ac:chgData name="Pirani,Antonio A." userId="b27b35d6-1459-4bed-af76-eef7aff762d7" providerId="ADAL" clId="{4DCE87A6-5692-DD46-89CD-9FD091247F19}" dt="2023-03-10T18:57:18.152" v="1960" actId="1076"/>
+          <ac:spMkLst>
+            <pc:docMk/>
+            <pc:sldMk cId="336183426" sldId="271"/>
+            <ac:spMk id="10" creationId="{8968903C-9B7A-5D45-19AF-9384BA54D5A7}"/>
+          </ac:spMkLst>
+        </pc:spChg>
+        <pc:spChg chg="del">
+          <ac:chgData name="Pirani,Antonio A." userId="b27b35d6-1459-4bed-af76-eef7aff762d7" providerId="ADAL" clId="{4DCE87A6-5692-DD46-89CD-9FD091247F19}" dt="2023-03-10T18:56:53.772" v="1958" actId="21"/>
+          <ac:spMkLst>
+            <pc:docMk/>
+            <pc:sldMk cId="336183426" sldId="271"/>
+            <ac:spMk id="11" creationId="{38236D8A-62D0-DF02-57F3-D4F39258FC8D}"/>
+          </ac:spMkLst>
+        </pc:spChg>
+        <pc:spChg chg="add mod">
+          <ac:chgData name="Pirani,Antonio A." userId="b27b35d6-1459-4bed-af76-eef7aff762d7" providerId="ADAL" clId="{4DCE87A6-5692-DD46-89CD-9FD091247F19}" dt="2023-03-10T18:57:18.152" v="1960" actId="1076"/>
+          <ac:spMkLst>
+            <pc:docMk/>
+            <pc:sldMk cId="336183426" sldId="271"/>
+            <ac:spMk id="12" creationId="{080F396A-301B-62B7-F64A-0F765655D82C}"/>
+          </ac:spMkLst>
+        </pc:spChg>
+        <pc:spChg chg="del">
+          <ac:chgData name="Pirani,Antonio A." userId="b27b35d6-1459-4bed-af76-eef7aff762d7" providerId="ADAL" clId="{4DCE87A6-5692-DD46-89CD-9FD091247F19}" dt="2023-03-10T18:56:53.772" v="1958" actId="21"/>
+          <ac:spMkLst>
+            <pc:docMk/>
+            <pc:sldMk cId="336183426" sldId="271"/>
+            <ac:spMk id="13" creationId="{946C4C04-842F-D7AD-4989-AF24B371CC25}"/>
+          </ac:spMkLst>
+        </pc:spChg>
+        <pc:spChg chg="del">
+          <ac:chgData name="Pirani,Antonio A." userId="b27b35d6-1459-4bed-af76-eef7aff762d7" providerId="ADAL" clId="{4DCE87A6-5692-DD46-89CD-9FD091247F19}" dt="2023-03-10T18:56:53.772" v="1958" actId="21"/>
+          <ac:spMkLst>
+            <pc:docMk/>
+            <pc:sldMk cId="336183426" sldId="271"/>
+            <ac:spMk id="14" creationId="{92E4E34C-9C31-FB83-401C-FE99E3F6FAFF}"/>
+          </ac:spMkLst>
+        </pc:spChg>
+        <pc:spChg chg="del">
+          <ac:chgData name="Pirani,Antonio A." userId="b27b35d6-1459-4bed-af76-eef7aff762d7" providerId="ADAL" clId="{4DCE87A6-5692-DD46-89CD-9FD091247F19}" dt="2023-03-10T18:56:53.772" v="1958" actId="21"/>
+          <ac:spMkLst>
+            <pc:docMk/>
+            <pc:sldMk cId="336183426" sldId="271"/>
+            <ac:spMk id="15" creationId="{B9F85607-8DF8-A7D8-3B45-08C44EC4C273}"/>
+          </ac:spMkLst>
+        </pc:spChg>
+        <pc:spChg chg="del">
+          <ac:chgData name="Pirani,Antonio A." userId="b27b35d6-1459-4bed-af76-eef7aff762d7" providerId="ADAL" clId="{4DCE87A6-5692-DD46-89CD-9FD091247F19}" dt="2023-03-10T18:56:53.772" v="1958" actId="21"/>
+          <ac:spMkLst>
+            <pc:docMk/>
+            <pc:sldMk cId="336183426" sldId="271"/>
+            <ac:spMk id="16" creationId="{A7B0CF5C-D14A-0669-48A5-427AD9063084}"/>
+          </ac:spMkLst>
+        </pc:spChg>
+        <pc:spChg chg="add mod">
+          <ac:chgData name="Pirani,Antonio A." userId="b27b35d6-1459-4bed-af76-eef7aff762d7" providerId="ADAL" clId="{4DCE87A6-5692-DD46-89CD-9FD091247F19}" dt="2023-03-10T18:57:18.152" v="1960" actId="1076"/>
+          <ac:spMkLst>
+            <pc:docMk/>
+            <pc:sldMk cId="336183426" sldId="271"/>
+            <ac:spMk id="17" creationId="{02BB3668-472C-AB79-4756-1832BA7E6AD7}"/>
+          </ac:spMkLst>
+        </pc:spChg>
+        <pc:spChg chg="add mod">
+          <ac:chgData name="Pirani,Antonio A." userId="b27b35d6-1459-4bed-af76-eef7aff762d7" providerId="ADAL" clId="{4DCE87A6-5692-DD46-89CD-9FD091247F19}" dt="2023-03-10T18:57:18.152" v="1960" actId="1076"/>
+          <ac:spMkLst>
+            <pc:docMk/>
+            <pc:sldMk cId="336183426" sldId="271"/>
+            <ac:spMk id="18" creationId="{3FFD354F-61B3-4E66-88F6-2F6798F0EE71}"/>
+          </ac:spMkLst>
+        </pc:spChg>
+        <pc:cxnChg chg="del mod">
+          <ac:chgData name="Pirani,Antonio A." userId="b27b35d6-1459-4bed-af76-eef7aff762d7" providerId="ADAL" clId="{4DCE87A6-5692-DD46-89CD-9FD091247F19}" dt="2023-03-10T18:56:53.772" v="1958" actId="21"/>
+          <ac:cxnSpMkLst>
+            <pc:docMk/>
+            <pc:sldMk cId="336183426" sldId="271"/>
+            <ac:cxnSpMk id="59" creationId="{D71F6EAA-ADE1-1B21-E689-68ED0A289653}"/>
+          </ac:cxnSpMkLst>
+        </pc:cxnChg>
+        <pc:cxnChg chg="del mod">
+          <ac:chgData name="Pirani,Antonio A." userId="b27b35d6-1459-4bed-af76-eef7aff762d7" providerId="ADAL" clId="{4DCE87A6-5692-DD46-89CD-9FD091247F19}" dt="2023-03-10T18:56:53.772" v="1958" actId="21"/>
+          <ac:cxnSpMkLst>
+            <pc:docMk/>
+            <pc:sldMk cId="336183426" sldId="271"/>
+            <ac:cxnSpMk id="65" creationId="{CA912B27-99F7-2110-8985-BD305FD8FB1B}"/>
+          </ac:cxnSpMkLst>
+        </pc:cxnChg>
+        <pc:cxnChg chg="del mod">
+          <ac:chgData name="Pirani,Antonio A." userId="b27b35d6-1459-4bed-af76-eef7aff762d7" providerId="ADAL" clId="{4DCE87A6-5692-DD46-89CD-9FD091247F19}" dt="2023-03-10T18:56:53.772" v="1958" actId="21"/>
+          <ac:cxnSpMkLst>
+            <pc:docMk/>
+            <pc:sldMk cId="336183426" sldId="271"/>
+            <ac:cxnSpMk id="72" creationId="{499E62E4-9164-C908-6FAE-0304F1A1C954}"/>
+          </ac:cxnSpMkLst>
+        </pc:cxnChg>
+        <pc:cxnChg chg="del mod">
+          <ac:chgData name="Pirani,Antonio A." userId="b27b35d6-1459-4bed-af76-eef7aff762d7" providerId="ADAL" clId="{4DCE87A6-5692-DD46-89CD-9FD091247F19}" dt="2023-03-10T18:56:53.772" v="1958" actId="21"/>
+          <ac:cxnSpMkLst>
+            <pc:docMk/>
+            <pc:sldMk cId="336183426" sldId="271"/>
+            <ac:cxnSpMk id="76" creationId="{1B3834A9-6AB3-E927-A61C-E520A7D80D60}"/>
+          </ac:cxnSpMkLst>
+        </pc:cxnChg>
       </pc:sldChg>
     </pc:docChg>
   </pc:docChgLst>
@@ -3522,6 +4019,460 @@
     </pc:docChg>
   </pc:docChgLst>
 </pc:chgInfo>
+</file>
+
+<file path=ppt/notesMasters/notesMaster1.xml><?xml version="1.0" encoding="utf-8"?>
+<p:notesMaster xmlns:a="http://schemas.openxmlformats.org/drawingml/2006/main" xmlns:r="http://schemas.openxmlformats.org/officeDocument/2006/relationships" xmlns:p="http://schemas.openxmlformats.org/presentationml/2006/main">
+  <p:cSld>
+    <p:bg>
+      <p:bgRef idx="1001">
+        <a:schemeClr val="bg1"/>
+      </p:bgRef>
+    </p:bg>
+    <p:spTree>
+      <p:nvGrpSpPr>
+        <p:cNvPr id="1" name=""/>
+        <p:cNvGrpSpPr/>
+        <p:nvPr/>
+      </p:nvGrpSpPr>
+      <p:grpSpPr>
+        <a:xfrm>
+          <a:off x="0" y="0"/>
+          <a:ext cx="0" cy="0"/>
+          <a:chOff x="0" y="0"/>
+          <a:chExt cx="0" cy="0"/>
+        </a:xfrm>
+      </p:grpSpPr>
+      <p:sp>
+        <p:nvSpPr>
+          <p:cNvPr id="2" name="Header Placeholder 1"/>
+          <p:cNvSpPr>
+            <a:spLocks noGrp="1"/>
+          </p:cNvSpPr>
+          <p:nvPr>
+            <p:ph type="hdr" sz="quarter"/>
+          </p:nvPr>
+        </p:nvSpPr>
+        <p:spPr>
+          <a:xfrm>
+            <a:off x="0" y="0"/>
+            <a:ext cx="2971800" cy="458788"/>
+          </a:xfrm>
+          <a:prstGeom prst="rect">
+            <a:avLst/>
+          </a:prstGeom>
+        </p:spPr>
+        <p:txBody>
+          <a:bodyPr vert="horz" lIns="91440" tIns="45720" rIns="91440" bIns="45720" rtlCol="0"/>
+          <a:lstStyle>
+            <a:lvl1pPr algn="l">
+              <a:defRPr sz="1200"/>
+            </a:lvl1pPr>
+          </a:lstStyle>
+          <a:p>
+            <a:endParaRPr lang="en-NL"/>
+          </a:p>
+        </p:txBody>
+      </p:sp>
+      <p:sp>
+        <p:nvSpPr>
+          <p:cNvPr id="3" name="Date Placeholder 2"/>
+          <p:cNvSpPr>
+            <a:spLocks noGrp="1"/>
+          </p:cNvSpPr>
+          <p:nvPr>
+            <p:ph type="dt" idx="1"/>
+          </p:nvPr>
+        </p:nvSpPr>
+        <p:spPr>
+          <a:xfrm>
+            <a:off x="3884613" y="0"/>
+            <a:ext cx="2971800" cy="458788"/>
+          </a:xfrm>
+          <a:prstGeom prst="rect">
+            <a:avLst/>
+          </a:prstGeom>
+        </p:spPr>
+        <p:txBody>
+          <a:bodyPr vert="horz" lIns="91440" tIns="45720" rIns="91440" bIns="45720" rtlCol="0"/>
+          <a:lstStyle>
+            <a:lvl1pPr algn="r">
+              <a:defRPr sz="1200"/>
+            </a:lvl1pPr>
+          </a:lstStyle>
+          <a:p>
+            <a:fld id="{7C3C2E73-F490-1C4D-8B91-A2AFB76D4979}" type="datetimeFigureOut">
+              <a:rPr lang="en-NL" smtClean="0"/>
+              <a:t>10/03/2023</a:t>
+            </a:fld>
+            <a:endParaRPr lang="en-NL"/>
+          </a:p>
+        </p:txBody>
+      </p:sp>
+      <p:sp>
+        <p:nvSpPr>
+          <p:cNvPr id="4" name="Slide Image Placeholder 3"/>
+          <p:cNvSpPr>
+            <a:spLocks noGrp="1" noRot="1" noChangeAspect="1"/>
+          </p:cNvSpPr>
+          <p:nvPr>
+            <p:ph type="sldImg" idx="2"/>
+          </p:nvPr>
+        </p:nvSpPr>
+        <p:spPr>
+          <a:xfrm>
+            <a:off x="685800" y="1143000"/>
+            <a:ext cx="5486400" cy="3086100"/>
+          </a:xfrm>
+          <a:prstGeom prst="rect">
+            <a:avLst/>
+          </a:prstGeom>
+          <a:noFill/>
+          <a:ln w="12700">
+            <a:solidFill>
+              <a:prstClr val="black"/>
+            </a:solidFill>
+          </a:ln>
+        </p:spPr>
+        <p:txBody>
+          <a:bodyPr vert="horz" lIns="91440" tIns="45720" rIns="91440" bIns="45720" rtlCol="0" anchor="ctr"/>
+          <a:lstStyle/>
+          <a:p>
+            <a:endParaRPr lang="en-NL"/>
+          </a:p>
+        </p:txBody>
+      </p:sp>
+      <p:sp>
+        <p:nvSpPr>
+          <p:cNvPr id="5" name="Notes Placeholder 4"/>
+          <p:cNvSpPr>
+            <a:spLocks noGrp="1"/>
+          </p:cNvSpPr>
+          <p:nvPr>
+            <p:ph type="body" sz="quarter" idx="3"/>
+          </p:nvPr>
+        </p:nvSpPr>
+        <p:spPr>
+          <a:xfrm>
+            <a:off x="685800" y="4400550"/>
+            <a:ext cx="5486400" cy="3600450"/>
+          </a:xfrm>
+          <a:prstGeom prst="rect">
+            <a:avLst/>
+          </a:prstGeom>
+        </p:spPr>
+        <p:txBody>
+          <a:bodyPr vert="horz" lIns="91440" tIns="45720" rIns="91440" bIns="45720" rtlCol="0"/>
+          <a:lstStyle/>
+          <a:p>
+            <a:pPr lvl="0"/>
+            <a:r>
+              <a:rPr lang="en-GB"/>
+              <a:t>Click to edit Master text styles</a:t>
+            </a:r>
+          </a:p>
+          <a:p>
+            <a:pPr lvl="1"/>
+            <a:r>
+              <a:rPr lang="en-GB"/>
+              <a:t>Second level</a:t>
+            </a:r>
+          </a:p>
+          <a:p>
+            <a:pPr lvl="2"/>
+            <a:r>
+              <a:rPr lang="en-GB"/>
+              <a:t>Third level</a:t>
+            </a:r>
+          </a:p>
+          <a:p>
+            <a:pPr lvl="3"/>
+            <a:r>
+              <a:rPr lang="en-GB"/>
+              <a:t>Fourth level</a:t>
+            </a:r>
+          </a:p>
+          <a:p>
+            <a:pPr lvl="4"/>
+            <a:r>
+              <a:rPr lang="en-GB"/>
+              <a:t>Fifth level</a:t>
+            </a:r>
+            <a:endParaRPr lang="en-NL"/>
+          </a:p>
+        </p:txBody>
+      </p:sp>
+      <p:sp>
+        <p:nvSpPr>
+          <p:cNvPr id="6" name="Footer Placeholder 5"/>
+          <p:cNvSpPr>
+            <a:spLocks noGrp="1"/>
+          </p:cNvSpPr>
+          <p:nvPr>
+            <p:ph type="ftr" sz="quarter" idx="4"/>
+          </p:nvPr>
+        </p:nvSpPr>
+        <p:spPr>
+          <a:xfrm>
+            <a:off x="0" y="8685213"/>
+            <a:ext cx="2971800" cy="458787"/>
+          </a:xfrm>
+          <a:prstGeom prst="rect">
+            <a:avLst/>
+          </a:prstGeom>
+        </p:spPr>
+        <p:txBody>
+          <a:bodyPr vert="horz" lIns="91440" tIns="45720" rIns="91440" bIns="45720" rtlCol="0" anchor="b"/>
+          <a:lstStyle>
+            <a:lvl1pPr algn="l">
+              <a:defRPr sz="1200"/>
+            </a:lvl1pPr>
+          </a:lstStyle>
+          <a:p>
+            <a:endParaRPr lang="en-NL"/>
+          </a:p>
+        </p:txBody>
+      </p:sp>
+      <p:sp>
+        <p:nvSpPr>
+          <p:cNvPr id="7" name="Slide Number Placeholder 6"/>
+          <p:cNvSpPr>
+            <a:spLocks noGrp="1"/>
+          </p:cNvSpPr>
+          <p:nvPr>
+            <p:ph type="sldNum" sz="quarter" idx="5"/>
+          </p:nvPr>
+        </p:nvSpPr>
+        <p:spPr>
+          <a:xfrm>
+            <a:off x="3884613" y="8685213"/>
+            <a:ext cx="2971800" cy="458787"/>
+          </a:xfrm>
+          <a:prstGeom prst="rect">
+            <a:avLst/>
+          </a:prstGeom>
+        </p:spPr>
+        <p:txBody>
+          <a:bodyPr vert="horz" lIns="91440" tIns="45720" rIns="91440" bIns="45720" rtlCol="0" anchor="b"/>
+          <a:lstStyle>
+            <a:lvl1pPr algn="r">
+              <a:defRPr sz="1200"/>
+            </a:lvl1pPr>
+          </a:lstStyle>
+          <a:p>
+            <a:fld id="{30AA7F33-C387-1D4E-B7EB-678414E95F43}" type="slidenum">
+              <a:rPr lang="en-NL" smtClean="0"/>
+              <a:t>‹#›</a:t>
+            </a:fld>
+            <a:endParaRPr lang="en-NL"/>
+          </a:p>
+        </p:txBody>
+      </p:sp>
+    </p:spTree>
+    <p:extLst>
+      <p:ext uri="{BB962C8B-B14F-4D97-AF65-F5344CB8AC3E}">
+        <p14:creationId xmlns:p14="http://schemas.microsoft.com/office/powerpoint/2010/main" val="2372333691"/>
+      </p:ext>
+    </p:extLst>
+  </p:cSld>
+  <p:clrMap bg1="lt1" tx1="dk1" bg2="lt2" tx2="dk2" accent1="accent1" accent2="accent2" accent3="accent3" accent4="accent4" accent5="accent5" accent6="accent6" hlink="hlink" folHlink="folHlink"/>
+  <p:notesStyle>
+    <a:lvl1pPr marL="0" algn="l" defTabSz="914400" rtl="0" eaLnBrk="1" latinLnBrk="0" hangingPunct="1">
+      <a:defRPr sz="1200" kern="1200">
+        <a:solidFill>
+          <a:schemeClr val="tx1"/>
+        </a:solidFill>
+        <a:latin typeface="+mn-lt"/>
+        <a:ea typeface="+mn-ea"/>
+        <a:cs typeface="+mn-cs"/>
+      </a:defRPr>
+    </a:lvl1pPr>
+    <a:lvl2pPr marL="457200" algn="l" defTabSz="914400" rtl="0" eaLnBrk="1" latinLnBrk="0" hangingPunct="1">
+      <a:defRPr sz="1200" kern="1200">
+        <a:solidFill>
+          <a:schemeClr val="tx1"/>
+        </a:solidFill>
+        <a:latin typeface="+mn-lt"/>
+        <a:ea typeface="+mn-ea"/>
+        <a:cs typeface="+mn-cs"/>
+      </a:defRPr>
+    </a:lvl2pPr>
+    <a:lvl3pPr marL="914400" algn="l" defTabSz="914400" rtl="0" eaLnBrk="1" latinLnBrk="0" hangingPunct="1">
+      <a:defRPr sz="1200" kern="1200">
+        <a:solidFill>
+          <a:schemeClr val="tx1"/>
+        </a:solidFill>
+        <a:latin typeface="+mn-lt"/>
+        <a:ea typeface="+mn-ea"/>
+        <a:cs typeface="+mn-cs"/>
+      </a:defRPr>
+    </a:lvl3pPr>
+    <a:lvl4pPr marL="1371600" algn="l" defTabSz="914400" rtl="0" eaLnBrk="1" latinLnBrk="0" hangingPunct="1">
+      <a:defRPr sz="1200" kern="1200">
+        <a:solidFill>
+          <a:schemeClr val="tx1"/>
+        </a:solidFill>
+        <a:latin typeface="+mn-lt"/>
+        <a:ea typeface="+mn-ea"/>
+        <a:cs typeface="+mn-cs"/>
+      </a:defRPr>
+    </a:lvl4pPr>
+    <a:lvl5pPr marL="1828800" algn="l" defTabSz="914400" rtl="0" eaLnBrk="1" latinLnBrk="0" hangingPunct="1">
+      <a:defRPr sz="1200" kern="1200">
+        <a:solidFill>
+          <a:schemeClr val="tx1"/>
+        </a:solidFill>
+        <a:latin typeface="+mn-lt"/>
+        <a:ea typeface="+mn-ea"/>
+        <a:cs typeface="+mn-cs"/>
+      </a:defRPr>
+    </a:lvl5pPr>
+    <a:lvl6pPr marL="2286000" algn="l" defTabSz="914400" rtl="0" eaLnBrk="1" latinLnBrk="0" hangingPunct="1">
+      <a:defRPr sz="1200" kern="1200">
+        <a:solidFill>
+          <a:schemeClr val="tx1"/>
+        </a:solidFill>
+        <a:latin typeface="+mn-lt"/>
+        <a:ea typeface="+mn-ea"/>
+        <a:cs typeface="+mn-cs"/>
+      </a:defRPr>
+    </a:lvl6pPr>
+    <a:lvl7pPr marL="2743200" algn="l" defTabSz="914400" rtl="0" eaLnBrk="1" latinLnBrk="0" hangingPunct="1">
+      <a:defRPr sz="1200" kern="1200">
+        <a:solidFill>
+          <a:schemeClr val="tx1"/>
+        </a:solidFill>
+        <a:latin typeface="+mn-lt"/>
+        <a:ea typeface="+mn-ea"/>
+        <a:cs typeface="+mn-cs"/>
+      </a:defRPr>
+    </a:lvl7pPr>
+    <a:lvl8pPr marL="3200400" algn="l" defTabSz="914400" rtl="0" eaLnBrk="1" latinLnBrk="0" hangingPunct="1">
+      <a:defRPr sz="1200" kern="1200">
+        <a:solidFill>
+          <a:schemeClr val="tx1"/>
+        </a:solidFill>
+        <a:latin typeface="+mn-lt"/>
+        <a:ea typeface="+mn-ea"/>
+        <a:cs typeface="+mn-cs"/>
+      </a:defRPr>
+    </a:lvl8pPr>
+    <a:lvl9pPr marL="3657600" algn="l" defTabSz="914400" rtl="0" eaLnBrk="1" latinLnBrk="0" hangingPunct="1">
+      <a:defRPr sz="1200" kern="1200">
+        <a:solidFill>
+          <a:schemeClr val="tx1"/>
+        </a:solidFill>
+        <a:latin typeface="+mn-lt"/>
+        <a:ea typeface="+mn-ea"/>
+        <a:cs typeface="+mn-cs"/>
+      </a:defRPr>
+    </a:lvl9pPr>
+  </p:notesStyle>
+</p:notesMaster>
+</file>
+
+<file path=ppt/notesSlides/notesSlide1.xml><?xml version="1.0" encoding="utf-8"?>
+<p:notes xmlns:a="http://schemas.openxmlformats.org/drawingml/2006/main" xmlns:r="http://schemas.openxmlformats.org/officeDocument/2006/relationships" xmlns:p="http://schemas.openxmlformats.org/presentationml/2006/main" showMasterSp="0" showMasterPhAnim="0">
+  <p:cSld>
+    <p:spTree>
+      <p:nvGrpSpPr>
+        <p:cNvPr id="1" name="Shape 250"/>
+        <p:cNvGrpSpPr/>
+        <p:nvPr/>
+      </p:nvGrpSpPr>
+      <p:grpSpPr>
+        <a:xfrm>
+          <a:off x="0" y="0"/>
+          <a:ext cx="0" cy="0"/>
+          <a:chOff x="0" y="0"/>
+          <a:chExt cx="0" cy="0"/>
+        </a:xfrm>
+      </p:grpSpPr>
+      <p:sp>
+        <p:nvSpPr>
+          <p:cNvPr id="251" name="Google Shape;251;g8a1b6e5601_0_43:notes"/>
+          <p:cNvSpPr>
+            <a:spLocks noGrp="1" noRot="1" noChangeAspect="1"/>
+          </p:cNvSpPr>
+          <p:nvPr>
+            <p:ph type="sldImg" idx="2"/>
+          </p:nvPr>
+        </p:nvSpPr>
+        <p:spPr>
+          <a:xfrm>
+            <a:off x="381000" y="685800"/>
+            <a:ext cx="6096000" cy="3429000"/>
+          </a:xfrm>
+          <a:custGeom>
+            <a:avLst/>
+            <a:gdLst/>
+            <a:ahLst/>
+            <a:cxnLst/>
+            <a:rect l="l" t="t" r="r" b="b"/>
+            <a:pathLst>
+              <a:path w="120000" h="120000" extrusionOk="0">
+                <a:moveTo>
+                  <a:pt x="0" y="0"/>
+                </a:moveTo>
+                <a:lnTo>
+                  <a:pt x="120000" y="0"/>
+                </a:lnTo>
+                <a:lnTo>
+                  <a:pt x="120000" y="120000"/>
+                </a:lnTo>
+                <a:lnTo>
+                  <a:pt x="0" y="120000"/>
+                </a:lnTo>
+                <a:close/>
+              </a:path>
+            </a:pathLst>
+          </a:custGeom>
+        </p:spPr>
+      </p:sp>
+      <p:sp>
+        <p:nvSpPr>
+          <p:cNvPr id="252" name="Google Shape;252;g8a1b6e5601_0_43:notes"/>
+          <p:cNvSpPr txBox="1">
+            <a:spLocks noGrp="1"/>
+          </p:cNvSpPr>
+          <p:nvPr>
+            <p:ph type="body" idx="1"/>
+          </p:nvPr>
+        </p:nvSpPr>
+        <p:spPr>
+          <a:xfrm>
+            <a:off x="685800" y="4343400"/>
+            <a:ext cx="5486400" cy="4114800"/>
+          </a:xfrm>
+          <a:prstGeom prst="rect">
+            <a:avLst/>
+          </a:prstGeom>
+        </p:spPr>
+        <p:txBody>
+          <a:bodyPr spcFirstLastPara="1" wrap="square" lIns="91425" tIns="91425" rIns="91425" bIns="91425" anchor="t" anchorCtr="0">
+            <a:noAutofit/>
+          </a:bodyPr>
+          <a:lstStyle/>
+          <a:p>
+            <a:pPr marL="0" lvl="0" indent="0" algn="l" rtl="0">
+              <a:spcBef>
+                <a:spcPts val="0"/>
+              </a:spcBef>
+              <a:spcAft>
+                <a:spcPts val="0"/>
+              </a:spcAft>
+              <a:buNone/>
+            </a:pPr>
+            <a:endParaRPr/>
+          </a:p>
+        </p:txBody>
+      </p:sp>
+    </p:spTree>
+  </p:cSld>
+  <p:clrMapOvr>
+    <a:masterClrMapping/>
+  </p:clrMapOvr>
+</p:notes>
 </file>
 
 <file path=ppt/slideLayouts/slideLayout1.xml><?xml version="1.0" encoding="utf-8"?>
@@ -3653,7 +4604,7 @@
           <a:p>
             <a:fld id="{C764DE79-268F-4C1A-8933-263129D2AF90}" type="datetimeFigureOut">
               <a:rPr lang="en-US" dirty="0"/>
-              <a:t>3/9/23</a:t>
+              <a:t>3/10/23</a:t>
             </a:fld>
             <a:endParaRPr lang="en-US" dirty="0"/>
           </a:p>
@@ -3821,7 +4772,7 @@
           <a:p>
             <a:fld id="{C764DE79-268F-4C1A-8933-263129D2AF90}" type="datetimeFigureOut">
               <a:rPr lang="en-US" dirty="0"/>
-              <a:t>3/9/23</a:t>
+              <a:t>3/10/23</a:t>
             </a:fld>
             <a:endParaRPr lang="en-US" dirty="0"/>
           </a:p>
@@ -3999,7 +4950,7 @@
           <a:p>
             <a:fld id="{C764DE79-268F-4C1A-8933-263129D2AF90}" type="datetimeFigureOut">
               <a:rPr lang="en-US" dirty="0"/>
-              <a:t>3/9/23</a:t>
+              <a:t>3/10/23</a:t>
             </a:fld>
             <a:endParaRPr lang="en-US" dirty="0"/>
           </a:p>
@@ -4374,7 +5325,7 @@
           <a:p>
             <a:fld id="{C764DE79-268F-4C1A-8933-263129D2AF90}" type="datetimeFigureOut">
               <a:rPr lang="en-US" dirty="0"/>
-              <a:t>3/9/23</a:t>
+              <a:t>3/10/23</a:t>
             </a:fld>
             <a:endParaRPr lang="en-US" dirty="0"/>
           </a:p>
@@ -4619,7 +5570,7 @@
           <a:p>
             <a:fld id="{C764DE79-268F-4C1A-8933-263129D2AF90}" type="datetimeFigureOut">
               <a:rPr lang="en-US" dirty="0"/>
-              <a:t>3/9/23</a:t>
+              <a:t>3/10/23</a:t>
             </a:fld>
             <a:endParaRPr lang="en-US" dirty="0"/>
           </a:p>
@@ -4848,7 +5799,7 @@
           <a:p>
             <a:fld id="{C764DE79-268F-4C1A-8933-263129D2AF90}" type="datetimeFigureOut">
               <a:rPr lang="en-US" dirty="0"/>
-              <a:t>3/9/23</a:t>
+              <a:t>3/10/23</a:t>
             </a:fld>
             <a:endParaRPr lang="en-US" dirty="0"/>
           </a:p>
@@ -5212,7 +6163,7 @@
           <a:p>
             <a:fld id="{C764DE79-268F-4C1A-8933-263129D2AF90}" type="datetimeFigureOut">
               <a:rPr lang="en-US" dirty="0"/>
-              <a:t>3/9/23</a:t>
+              <a:t>3/10/23</a:t>
             </a:fld>
             <a:endParaRPr lang="en-US" dirty="0"/>
           </a:p>
@@ -5329,7 +6280,7 @@
           <a:p>
             <a:fld id="{C764DE79-268F-4C1A-8933-263129D2AF90}" type="datetimeFigureOut">
               <a:rPr lang="en-US" dirty="0"/>
-              <a:t>3/9/23</a:t>
+              <a:t>3/10/23</a:t>
             </a:fld>
             <a:endParaRPr lang="en-US" dirty="0"/>
           </a:p>
@@ -5424,7 +6375,7 @@
           <a:p>
             <a:fld id="{C764DE79-268F-4C1A-8933-263129D2AF90}" type="datetimeFigureOut">
               <a:rPr lang="en-US" dirty="0"/>
-              <a:t>3/9/23</a:t>
+              <a:t>3/10/23</a:t>
             </a:fld>
             <a:endParaRPr lang="en-US" dirty="0"/>
           </a:p>
@@ -5699,7 +6650,7 @@
           <a:p>
             <a:fld id="{C764DE79-268F-4C1A-8933-263129D2AF90}" type="datetimeFigureOut">
               <a:rPr lang="en-US" dirty="0"/>
-              <a:t>3/9/23</a:t>
+              <a:t>3/10/23</a:t>
             </a:fld>
             <a:endParaRPr lang="en-US" dirty="0"/>
           </a:p>
@@ -5951,7 +6902,7 @@
           <a:p>
             <a:fld id="{C764DE79-268F-4C1A-8933-263129D2AF90}" type="datetimeFigureOut">
               <a:rPr lang="en-US" dirty="0"/>
-              <a:t>3/9/23</a:t>
+              <a:t>3/10/23</a:t>
             </a:fld>
             <a:endParaRPr lang="en-US" dirty="0"/>
           </a:p>
@@ -6162,7 +7113,7 @@
           <a:p>
             <a:fld id="{C764DE79-268F-4C1A-8933-263129D2AF90}" type="datetimeFigureOut">
               <a:rPr lang="en-US" dirty="0"/>
-              <a:t>3/9/23</a:t>
+              <a:t>3/10/23</a:t>
             </a:fld>
             <a:endParaRPr lang="en-US" dirty="0"/>
           </a:p>
@@ -7150,6 +8101,107 @@
 </p:sld>
 </file>
 
+<file path=ppt/slides/slide10.xml><?xml version="1.0" encoding="utf-8"?>
+<p:sld xmlns:a="http://schemas.openxmlformats.org/drawingml/2006/main" xmlns:r="http://schemas.openxmlformats.org/officeDocument/2006/relationships" xmlns:p="http://schemas.openxmlformats.org/presentationml/2006/main">
+  <p:cSld>
+    <p:spTree>
+      <p:nvGrpSpPr>
+        <p:cNvPr id="1" name=""/>
+        <p:cNvGrpSpPr/>
+        <p:nvPr/>
+      </p:nvGrpSpPr>
+      <p:grpSpPr>
+        <a:xfrm>
+          <a:off x="0" y="0"/>
+          <a:ext cx="0" cy="0"/>
+          <a:chOff x="0" y="0"/>
+          <a:chExt cx="0" cy="0"/>
+        </a:xfrm>
+      </p:grpSpPr>
+      <p:sp>
+        <p:nvSpPr>
+          <p:cNvPr id="2" name="Title 1">
+            <a:extLst>
+              <a:ext uri="{FF2B5EF4-FFF2-40B4-BE49-F238E27FC236}">
+                <a16:creationId xmlns:a16="http://schemas.microsoft.com/office/drawing/2014/main" id="{405A28B1-AA46-0319-1D2F-EBDAAA4038D5}"/>
+              </a:ext>
+            </a:extLst>
+          </p:cNvPr>
+          <p:cNvSpPr>
+            <a:spLocks noGrp="1"/>
+          </p:cNvSpPr>
+          <p:nvPr>
+            <p:ph type="title"/>
+          </p:nvPr>
+        </p:nvSpPr>
+        <p:spPr/>
+        <p:txBody>
+          <a:bodyPr/>
+          <a:lstStyle/>
+          <a:p>
+            <a:r>
+              <a:rPr lang="en-US" dirty="0"/>
+              <a:t>Bibliography</a:t>
+            </a:r>
+            <a:endParaRPr lang="en-NL" dirty="0"/>
+          </a:p>
+        </p:txBody>
+      </p:sp>
+      <p:sp>
+        <p:nvSpPr>
+          <p:cNvPr id="3" name="TextBox 2">
+            <a:extLst>
+              <a:ext uri="{FF2B5EF4-FFF2-40B4-BE49-F238E27FC236}">
+                <a16:creationId xmlns:a16="http://schemas.microsoft.com/office/drawing/2014/main" id="{2039AD18-D7A3-1351-E27F-1F37517CBE2F}"/>
+              </a:ext>
+            </a:extLst>
+          </p:cNvPr>
+          <p:cNvSpPr txBox="1"/>
+          <p:nvPr/>
+        </p:nvSpPr>
+        <p:spPr>
+          <a:xfrm>
+            <a:off x="1023257" y="1894114"/>
+            <a:ext cx="8787598" cy="369332"/>
+          </a:xfrm>
+          <a:prstGeom prst="rect">
+            <a:avLst/>
+          </a:prstGeom>
+          <a:noFill/>
+        </p:spPr>
+        <p:txBody>
+          <a:bodyPr wrap="none" rtlCol="0">
+            <a:spAutoFit/>
+          </a:bodyPr>
+          <a:lstStyle/>
+          <a:p>
+            <a:r>
+              <a:rPr lang="en-GB" dirty="0">
+                <a:hlinkClick r:id="rId2"/>
+              </a:rPr>
+              <a:t>https://corecursive.com/066-sqlite-with-richard-hipp/</a:t>
+            </a:r>
+            <a:r>
+              <a:rPr lang="en-GB" dirty="0"/>
+              <a:t>		Richard Hipp Interview</a:t>
+            </a:r>
+            <a:endParaRPr lang="en-NL" dirty="0"/>
+          </a:p>
+        </p:txBody>
+      </p:sp>
+    </p:spTree>
+    <p:extLst>
+      <p:ext uri="{BB962C8B-B14F-4D97-AF65-F5344CB8AC3E}">
+        <p14:creationId xmlns:p14="http://schemas.microsoft.com/office/powerpoint/2010/main" val="3346795327"/>
+      </p:ext>
+    </p:extLst>
+  </p:cSld>
+  <p:clrMapOvr>
+    <a:masterClrMapping/>
+  </p:clrMapOvr>
+</p:sld>
+</file>
+
 <file path=ppt/slides/slide2.xml><?xml version="1.0" encoding="utf-8"?>
 <p:sld xmlns:a="http://schemas.openxmlformats.org/drawingml/2006/main" xmlns:r="http://schemas.openxmlformats.org/officeDocument/2006/relationships" xmlns:p="http://schemas.openxmlformats.org/presentationml/2006/main">
   <p:cSld>
@@ -7607,10 +8659,10 @@
       </p:cxnSp>
       <p:sp>
         <p:nvSpPr>
-          <p:cNvPr id="11" name="Oval 10">
+          <p:cNvPr id="3" name="Freeform: Shape 387">
             <a:extLst>
               <a:ext uri="{FF2B5EF4-FFF2-40B4-BE49-F238E27FC236}">
-                <a16:creationId xmlns:a16="http://schemas.microsoft.com/office/drawing/2014/main" id="{38236D8A-62D0-DF02-57F3-D4F39258FC8D}"/>
+                <a16:creationId xmlns:a16="http://schemas.microsoft.com/office/drawing/2014/main" id="{FCAB8665-8AF1-DC6A-6ED8-B530E4B9BF14}"/>
               </a:ext>
             </a:extLst>
           </p:cNvPr>
@@ -7619,46 +8671,496 @@
         </p:nvSpPr>
         <p:spPr>
           <a:xfrm>
-            <a:off x="3771510" y="4826882"/>
-            <a:ext cx="1400538" cy="1400538"/>
+            <a:off x="655283" y="3106654"/>
+            <a:ext cx="11068670" cy="3694017"/>
           </a:xfrm>
-          <a:prstGeom prst="ellipse">
+          <a:custGeom>
+            <a:avLst/>
+            <a:gdLst>
+              <a:gd name="connsiteX0" fmla="*/ 0 w 11068670"/>
+              <a:gd name="connsiteY0" fmla="*/ 0 h 3694017"/>
+              <a:gd name="connsiteX1" fmla="*/ 5579724 w 11068670"/>
+              <a:gd name="connsiteY1" fmla="*/ 1051291 h 3694017"/>
+              <a:gd name="connsiteX2" fmla="*/ 4000171 w 11068670"/>
+              <a:gd name="connsiteY2" fmla="*/ 1993485 h 3694017"/>
+              <a:gd name="connsiteX3" fmla="*/ 10347309 w 11068670"/>
+              <a:gd name="connsiteY3" fmla="*/ 3089790 h 3694017"/>
+              <a:gd name="connsiteX4" fmla="*/ 10461160 w 11068670"/>
+              <a:gd name="connsiteY4" fmla="*/ 2846776 h 3694017"/>
+              <a:gd name="connsiteX5" fmla="*/ 11068670 w 11068670"/>
+              <a:gd name="connsiteY5" fmla="*/ 3451222 h 3694017"/>
+              <a:gd name="connsiteX6" fmla="*/ 10064229 w 11068670"/>
+              <a:gd name="connsiteY6" fmla="*/ 3694017 h 3694017"/>
+              <a:gd name="connsiteX7" fmla="*/ 10182751 w 11068670"/>
+              <a:gd name="connsiteY7" fmla="*/ 3441035 h 3694017"/>
+              <a:gd name="connsiteX8" fmla="*/ 3559126 w 11068670"/>
+              <a:gd name="connsiteY8" fmla="*/ 2132335 h 3694017"/>
+              <a:gd name="connsiteX9" fmla="*/ 5333561 w 11068670"/>
+              <a:gd name="connsiteY9" fmla="*/ 1031453 h 3694017"/>
+              <a:gd name="connsiteX10" fmla="*/ 20516 w 11068670"/>
+              <a:gd name="connsiteY10" fmla="*/ 39672 h 3694017"/>
+            </a:gdLst>
+            <a:ahLst/>
+            <a:cxnLst>
+              <a:cxn ang="0">
+                <a:pos x="connsiteX0" y="connsiteY0"/>
+              </a:cxn>
+              <a:cxn ang="0">
+                <a:pos x="connsiteX1" y="connsiteY1"/>
+              </a:cxn>
+              <a:cxn ang="0">
+                <a:pos x="connsiteX2" y="connsiteY2"/>
+              </a:cxn>
+              <a:cxn ang="0">
+                <a:pos x="connsiteX3" y="connsiteY3"/>
+              </a:cxn>
+              <a:cxn ang="0">
+                <a:pos x="connsiteX4" y="connsiteY4"/>
+              </a:cxn>
+              <a:cxn ang="0">
+                <a:pos x="connsiteX5" y="connsiteY5"/>
+              </a:cxn>
+              <a:cxn ang="0">
+                <a:pos x="connsiteX6" y="connsiteY6"/>
+              </a:cxn>
+              <a:cxn ang="0">
+                <a:pos x="connsiteX7" y="connsiteY7"/>
+              </a:cxn>
+              <a:cxn ang="0">
+                <a:pos x="connsiteX8" y="connsiteY8"/>
+              </a:cxn>
+              <a:cxn ang="0">
+                <a:pos x="connsiteX9" y="connsiteY9"/>
+              </a:cxn>
+              <a:cxn ang="0">
+                <a:pos x="connsiteX10" y="connsiteY10"/>
+              </a:cxn>
+            </a:cxnLst>
+            <a:rect l="l" t="t" r="r" b="b"/>
+            <a:pathLst>
+              <a:path w="11068670" h="3694017">
+                <a:moveTo>
+                  <a:pt x="0" y="0"/>
+                </a:moveTo>
+                <a:cubicBezTo>
+                  <a:pt x="2639428" y="82650"/>
+                  <a:pt x="6622502" y="502505"/>
+                  <a:pt x="5579724" y="1051291"/>
+                </a:cubicBezTo>
+                <a:cubicBezTo>
+                  <a:pt x="5029274" y="1345521"/>
+                  <a:pt x="2837729" y="1848022"/>
+                  <a:pt x="4000171" y="1993485"/>
+                </a:cubicBezTo>
+                <a:lnTo>
+                  <a:pt x="10347309" y="3089790"/>
+                </a:lnTo>
+                <a:lnTo>
+                  <a:pt x="10461160" y="2846776"/>
+                </a:lnTo>
+                <a:lnTo>
+                  <a:pt x="11068670" y="3451222"/>
+                </a:lnTo>
+                <a:lnTo>
+                  <a:pt x="10064229" y="3694017"/>
+                </a:lnTo>
+                <a:lnTo>
+                  <a:pt x="10182751" y="3441035"/>
+                </a:lnTo>
+                <a:lnTo>
+                  <a:pt x="3559126" y="2132335"/>
+                </a:lnTo>
+                <a:cubicBezTo>
+                  <a:pt x="2328305" y="1818270"/>
+                  <a:pt x="4666866" y="1295929"/>
+                  <a:pt x="5333561" y="1031453"/>
+                </a:cubicBezTo>
+                <a:cubicBezTo>
+                  <a:pt x="6393436" y="575232"/>
+                  <a:pt x="2212062" y="128931"/>
+                  <a:pt x="20516" y="39672"/>
+                </a:cubicBezTo>
+                <a:close/>
+              </a:path>
+            </a:pathLst>
+          </a:custGeom>
+          <a:solidFill>
+            <a:schemeClr val="accent6"/>
+          </a:solidFill>
+          <a:ln w="6350">
+            <a:noFill/>
+          </a:ln>
+          <a:effectLst>
+            <a:outerShdw blurRad="50800" dist="38100" dir="8100000" algn="tr" rotWithShape="0">
+              <a:prstClr val="black">
+                <a:alpha val="40000"/>
+              </a:prstClr>
+            </a:outerShdw>
+          </a:effectLst>
+        </p:spPr>
+        <p:style>
+          <a:lnRef idx="2">
+            <a:schemeClr val="accent1">
+              <a:shade val="50000"/>
+            </a:schemeClr>
+          </a:lnRef>
+          <a:fillRef idx="1">
+            <a:schemeClr val="accent1"/>
+          </a:fillRef>
+          <a:effectRef idx="0">
+            <a:schemeClr val="accent1"/>
+          </a:effectRef>
+          <a:fontRef idx="minor">
+            <a:schemeClr val="lt1"/>
+          </a:fontRef>
+        </p:style>
+        <p:txBody>
+          <a:bodyPr wrap="square" rtlCol="0" anchor="ctr">
+            <a:noAutofit/>
+          </a:bodyPr>
+          <a:lstStyle/>
+          <a:p>
+            <a:pPr algn="ctr"/>
+            <a:endParaRPr lang="ko-KR" altLang="en-US" sz="2800">
+              <a:solidFill>
+                <a:schemeClr val="tx1">
+                  <a:lumMod val="65000"/>
+                  <a:lumOff val="35000"/>
+                </a:schemeClr>
+              </a:solidFill>
+            </a:endParaRPr>
+          </a:p>
+        </p:txBody>
+      </p:sp>
+      <p:sp>
+        <p:nvSpPr>
+          <p:cNvPr id="4" name="TextBox 3">
+            <a:extLst>
+              <a:ext uri="{FF2B5EF4-FFF2-40B4-BE49-F238E27FC236}">
+                <a16:creationId xmlns:a16="http://schemas.microsoft.com/office/drawing/2014/main" id="{BBC80B9D-4C0C-53EB-E745-2A7F03B5EED8}"/>
+              </a:ext>
+            </a:extLst>
+          </p:cNvPr>
+          <p:cNvSpPr txBox="1"/>
+          <p:nvPr/>
+        </p:nvSpPr>
+        <p:spPr>
+          <a:xfrm>
+            <a:off x="9426622" y="5384222"/>
+            <a:ext cx="2471472" cy="461665"/>
+          </a:xfrm>
+          <a:prstGeom prst="rect">
             <a:avLst/>
           </a:prstGeom>
-          <a:gradFill flip="none" rotWithShape="1">
-            <a:gsLst>
-              <a:gs pos="0">
-                <a:schemeClr val="accent1">
-                  <a:shade val="30000"/>
-                  <a:satMod val="115000"/>
-                </a:schemeClr>
-              </a:gs>
-              <a:gs pos="50000">
-                <a:schemeClr val="accent1">
-                  <a:shade val="67500"/>
-                  <a:satMod val="115000"/>
-                </a:schemeClr>
-              </a:gs>
-              <a:gs pos="100000">
-                <a:schemeClr val="accent1">
-                  <a:shade val="100000"/>
-                  <a:satMod val="115000"/>
-                </a:schemeClr>
-              </a:gs>
-            </a:gsLst>
-            <a:path path="circle">
-              <a:fillToRect t="100000" r="100000"/>
-            </a:path>
-            <a:tileRect l="-100000" b="-100000"/>
-          </a:gradFill>
+          <a:noFill/>
+        </p:spPr>
+        <p:txBody>
+          <a:bodyPr wrap="square" rtlCol="0">
+            <a:spAutoFit/>
+          </a:bodyPr>
+          <a:lstStyle/>
+          <a:p>
+            <a:pPr algn="ctr"/>
+            <a:r>
+              <a:rPr lang="en-US" altLang="ko-KR" sz="2400" b="1" dirty="0">
+                <a:solidFill>
+                  <a:schemeClr val="accent5"/>
+                </a:solidFill>
+                <a:cs typeface="Arial" pitchFamily="34" charset="0"/>
+              </a:rPr>
+              <a:t>Pros &amp; Cons</a:t>
+            </a:r>
+            <a:endParaRPr lang="ko-KR" altLang="en-US" sz="2400" b="1" dirty="0">
+              <a:solidFill>
+                <a:schemeClr val="accent5"/>
+              </a:solidFill>
+              <a:cs typeface="Arial" pitchFamily="34" charset="0"/>
+            </a:endParaRPr>
+          </a:p>
+        </p:txBody>
+      </p:sp>
+      <p:sp>
+        <p:nvSpPr>
+          <p:cNvPr id="5" name="TextBox 4">
+            <a:extLst>
+              <a:ext uri="{FF2B5EF4-FFF2-40B4-BE49-F238E27FC236}">
+                <a16:creationId xmlns:a16="http://schemas.microsoft.com/office/drawing/2014/main" id="{9E643970-E4E5-292D-8357-77EC05E533A5}"/>
+              </a:ext>
+            </a:extLst>
+          </p:cNvPr>
+          <p:cNvSpPr txBox="1"/>
+          <p:nvPr/>
+        </p:nvSpPr>
+        <p:spPr>
+          <a:xfrm>
+            <a:off x="6082949" y="4483853"/>
+            <a:ext cx="1728884" cy="855675"/>
+          </a:xfrm>
+          <a:prstGeom prst="rect">
+            <a:avLst/>
+          </a:prstGeom>
+          <a:noFill/>
+        </p:spPr>
+        <p:txBody>
+          <a:bodyPr wrap="square" rtlCol="0">
+            <a:spAutoFit/>
+          </a:bodyPr>
+          <a:lstStyle/>
+          <a:p>
+            <a:pPr algn="ctr"/>
+            <a:r>
+              <a:rPr lang="en-US" altLang="ko-KR" sz="2400" b="1" dirty="0">
+                <a:solidFill>
+                  <a:schemeClr val="accent3"/>
+                </a:solidFill>
+                <a:cs typeface="Arial" pitchFamily="34" charset="0"/>
+              </a:rPr>
+              <a:t>History and Examples</a:t>
+            </a:r>
+            <a:endParaRPr lang="ko-KR" altLang="en-US" sz="2400" b="1" dirty="0">
+              <a:solidFill>
+                <a:schemeClr val="accent3"/>
+              </a:solidFill>
+              <a:cs typeface="Arial" pitchFamily="34" charset="0"/>
+            </a:endParaRPr>
+          </a:p>
+        </p:txBody>
+      </p:sp>
+      <p:sp>
+        <p:nvSpPr>
+          <p:cNvPr id="6" name="TextBox 5">
+            <a:extLst>
+              <a:ext uri="{FF2B5EF4-FFF2-40B4-BE49-F238E27FC236}">
+                <a16:creationId xmlns:a16="http://schemas.microsoft.com/office/drawing/2014/main" id="{77192079-8CE4-F5B1-84D5-849DB62AD8EC}"/>
+              </a:ext>
+            </a:extLst>
+          </p:cNvPr>
+          <p:cNvSpPr txBox="1"/>
+          <p:nvPr/>
+        </p:nvSpPr>
+        <p:spPr>
+          <a:xfrm>
+            <a:off x="2840208" y="5494436"/>
+            <a:ext cx="1047720" cy="461665"/>
+          </a:xfrm>
+          <a:prstGeom prst="rect">
+            <a:avLst/>
+          </a:prstGeom>
+          <a:noFill/>
+        </p:spPr>
+        <p:txBody>
+          <a:bodyPr wrap="square" rtlCol="0">
+            <a:spAutoFit/>
+          </a:bodyPr>
+          <a:lstStyle/>
+          <a:p>
+            <a:pPr algn="ctr"/>
+            <a:r>
+              <a:rPr lang="en-US" altLang="ko-KR" sz="2400" b="1" dirty="0">
+                <a:solidFill>
+                  <a:schemeClr val="accent4"/>
+                </a:solidFill>
+                <a:cs typeface="Arial" pitchFamily="34" charset="0"/>
+              </a:rPr>
+              <a:t>Demo</a:t>
+            </a:r>
+            <a:endParaRPr lang="ko-KR" altLang="en-US" sz="2400" b="1" dirty="0">
+              <a:solidFill>
+                <a:schemeClr val="accent4"/>
+              </a:solidFill>
+              <a:cs typeface="Arial" pitchFamily="34" charset="0"/>
+            </a:endParaRPr>
+          </a:p>
+        </p:txBody>
+      </p:sp>
+      <p:sp>
+        <p:nvSpPr>
+          <p:cNvPr id="7" name="TextBox 6">
+            <a:extLst>
+              <a:ext uri="{FF2B5EF4-FFF2-40B4-BE49-F238E27FC236}">
+                <a16:creationId xmlns:a16="http://schemas.microsoft.com/office/drawing/2014/main" id="{8FFC2765-ACAE-477A-6BF3-EB3F6150A00B}"/>
+              </a:ext>
+            </a:extLst>
+          </p:cNvPr>
+          <p:cNvSpPr txBox="1"/>
+          <p:nvPr/>
+        </p:nvSpPr>
+        <p:spPr>
+          <a:xfrm>
+            <a:off x="3662137" y="3695088"/>
+            <a:ext cx="1728883" cy="461665"/>
+          </a:xfrm>
+          <a:prstGeom prst="rect">
+            <a:avLst/>
+          </a:prstGeom>
+          <a:noFill/>
+        </p:spPr>
+        <p:txBody>
+          <a:bodyPr wrap="square" rtlCol="0">
+            <a:spAutoFit/>
+          </a:bodyPr>
+          <a:lstStyle/>
+          <a:p>
+            <a:pPr algn="ctr"/>
+            <a:r>
+              <a:rPr lang="en-US" altLang="ko-KR" sz="2400" b="1" dirty="0">
+                <a:solidFill>
+                  <a:schemeClr val="accent2"/>
+                </a:solidFill>
+                <a:cs typeface="Arial" pitchFamily="34" charset="0"/>
+              </a:rPr>
+              <a:t>Principles</a:t>
+            </a:r>
+            <a:endParaRPr lang="ko-KR" altLang="en-US" sz="2800" b="1" dirty="0">
+              <a:solidFill>
+                <a:schemeClr val="accent2"/>
+              </a:solidFill>
+              <a:cs typeface="Arial" pitchFamily="34" charset="0"/>
+            </a:endParaRPr>
+          </a:p>
+        </p:txBody>
+      </p:sp>
+      <p:sp>
+        <p:nvSpPr>
+          <p:cNvPr id="8" name="TextBox 7">
+            <a:extLst>
+              <a:ext uri="{FF2B5EF4-FFF2-40B4-BE49-F238E27FC236}">
+                <a16:creationId xmlns:a16="http://schemas.microsoft.com/office/drawing/2014/main" id="{1EA68F38-E0DA-34E3-C5E9-AE82DC1C5D22}"/>
+              </a:ext>
+            </a:extLst>
+          </p:cNvPr>
+          <p:cNvSpPr txBox="1"/>
+          <p:nvPr/>
+        </p:nvSpPr>
+        <p:spPr>
+          <a:xfrm>
+            <a:off x="1346369" y="3414145"/>
+            <a:ext cx="1443197" cy="830997"/>
+          </a:xfrm>
+          <a:prstGeom prst="rect">
+            <a:avLst/>
+          </a:prstGeom>
+          <a:noFill/>
+        </p:spPr>
+        <p:txBody>
+          <a:bodyPr wrap="square" rtlCol="0">
+            <a:spAutoFit/>
+          </a:bodyPr>
+          <a:lstStyle/>
+          <a:p>
+            <a:pPr algn="ctr"/>
+            <a:r>
+              <a:rPr lang="en-US" altLang="ko-KR" sz="2400" b="1" dirty="0">
+                <a:solidFill>
+                  <a:schemeClr val="accent1"/>
+                </a:solidFill>
+                <a:cs typeface="Arial" pitchFamily="34" charset="0"/>
+              </a:rPr>
+              <a:t>Why SQLite?</a:t>
+            </a:r>
+            <a:endParaRPr lang="ko-KR" altLang="en-US" sz="2400" b="1" dirty="0">
+              <a:solidFill>
+                <a:schemeClr val="accent1"/>
+              </a:solidFill>
+              <a:cs typeface="Arial" pitchFamily="34" charset="0"/>
+            </a:endParaRPr>
+          </a:p>
+        </p:txBody>
+      </p:sp>
+      <p:sp>
+        <p:nvSpPr>
+          <p:cNvPr id="9" name="Oval 4">
+            <a:extLst>
+              <a:ext uri="{FF2B5EF4-FFF2-40B4-BE49-F238E27FC236}">
+                <a16:creationId xmlns:a16="http://schemas.microsoft.com/office/drawing/2014/main" id="{A14B1879-6096-84E7-D51F-0701D19D89D4}"/>
+              </a:ext>
+            </a:extLst>
+          </p:cNvPr>
+          <p:cNvSpPr/>
+          <p:nvPr/>
+        </p:nvSpPr>
+        <p:spPr>
+          <a:xfrm>
+            <a:off x="10025229" y="3414145"/>
+            <a:ext cx="1250406" cy="1988784"/>
+          </a:xfrm>
+          <a:custGeom>
+            <a:avLst/>
+            <a:gdLst/>
+            <a:ahLst/>
+            <a:cxnLst/>
+            <a:rect l="l" t="t" r="r" b="b"/>
+            <a:pathLst>
+              <a:path w="898090" h="1428422">
+                <a:moveTo>
+                  <a:pt x="449216" y="94631"/>
+                </a:moveTo>
+                <a:cubicBezTo>
+                  <a:pt x="253684" y="94631"/>
+                  <a:pt x="95174" y="253159"/>
+                  <a:pt x="95174" y="448713"/>
+                </a:cubicBezTo>
+                <a:cubicBezTo>
+                  <a:pt x="95174" y="644267"/>
+                  <a:pt x="253684" y="802795"/>
+                  <a:pt x="449216" y="802795"/>
+                </a:cubicBezTo>
+                <a:cubicBezTo>
+                  <a:pt x="644748" y="802795"/>
+                  <a:pt x="803258" y="644267"/>
+                  <a:pt x="803258" y="448713"/>
+                </a:cubicBezTo>
+                <a:cubicBezTo>
+                  <a:pt x="803258" y="253159"/>
+                  <a:pt x="644748" y="94631"/>
+                  <a:pt x="449216" y="94631"/>
+                </a:cubicBezTo>
+                <a:close/>
+                <a:moveTo>
+                  <a:pt x="450538" y="0"/>
+                </a:moveTo>
+                <a:cubicBezTo>
+                  <a:pt x="568723" y="1"/>
+                  <a:pt x="686907" y="45086"/>
+                  <a:pt x="777080" y="135258"/>
+                </a:cubicBezTo>
+                <a:cubicBezTo>
+                  <a:pt x="957424" y="315603"/>
+                  <a:pt x="918245" y="575926"/>
+                  <a:pt x="777080" y="788342"/>
+                </a:cubicBezTo>
+                <a:cubicBezTo>
+                  <a:pt x="629152" y="1010934"/>
+                  <a:pt x="568618" y="1140847"/>
+                  <a:pt x="450539" y="1428422"/>
+                </a:cubicBezTo>
+                <a:cubicBezTo>
+                  <a:pt x="310500" y="1123277"/>
+                  <a:pt x="280710" y="1028502"/>
+                  <a:pt x="123997" y="788342"/>
+                </a:cubicBezTo>
+                <a:cubicBezTo>
+                  <a:pt x="-25604" y="572861"/>
+                  <a:pt x="-56348" y="315602"/>
+                  <a:pt x="123996" y="135258"/>
+                </a:cubicBezTo>
+                <a:cubicBezTo>
+                  <a:pt x="214168" y="45086"/>
+                  <a:pt x="332353" y="1"/>
+                  <a:pt x="450538" y="0"/>
+                </a:cubicBezTo>
+                <a:close/>
+              </a:path>
+            </a:pathLst>
+          </a:custGeom>
+          <a:solidFill>
+            <a:schemeClr val="accent5"/>
+          </a:solidFill>
+          <a:ln w="6350">
+            <a:noFill/>
+          </a:ln>
           <a:effectLst>
-            <a:glow rad="101600">
-              <a:schemeClr val="accent1">
-                <a:satMod val="175000"/>
-                <a:alpha val="40000"/>
-              </a:schemeClr>
-            </a:glow>
-            <a:outerShdw blurRad="50800" dist="38100" dir="2700000" algn="tl" rotWithShape="0">
+            <a:outerShdw blurRad="50800" dist="38100" dir="8100000" algn="tr" rotWithShape="0">
               <a:prstClr val="black">
                 <a:alpha val="40000"/>
               </a:prstClr>
@@ -7685,32 +9187,24 @@
           <a:bodyPr rtlCol="0" anchor="ctr"/>
           <a:lstStyle/>
           <a:p>
-            <a:pPr algn="ctr" defTabSz="758952">
-              <a:spcAft>
-                <a:spcPts val="600"/>
-              </a:spcAft>
-            </a:pPr>
-            <a:r>
-              <a:rPr lang="en-NL" sz="1494" b="1" kern="1200" dirty="0">
-                <a:solidFill>
-                  <a:schemeClr val="lt1"/>
-                </a:solidFill>
-                <a:latin typeface="+mn-lt"/>
-                <a:ea typeface="+mn-ea"/>
-                <a:cs typeface="+mn-cs"/>
-              </a:rPr>
-              <a:t>Principles</a:t>
-            </a:r>
-            <a:endParaRPr lang="en-NL" b="1" dirty="0"/>
+            <a:pPr algn="ctr"/>
+            <a:endParaRPr lang="ko-KR" altLang="en-US" sz="2800">
+              <a:solidFill>
+                <a:schemeClr val="tx1">
+                  <a:lumMod val="65000"/>
+                  <a:lumOff val="35000"/>
+                </a:schemeClr>
+              </a:solidFill>
+            </a:endParaRPr>
           </a:p>
         </p:txBody>
       </p:sp>
       <p:sp>
         <p:nvSpPr>
-          <p:cNvPr id="13" name="Oval 12">
+          <p:cNvPr id="10" name="Oval 4">
             <a:extLst>
               <a:ext uri="{FF2B5EF4-FFF2-40B4-BE49-F238E27FC236}">
-                <a16:creationId xmlns:a16="http://schemas.microsoft.com/office/drawing/2014/main" id="{946C4C04-842F-D7AD-4989-AF24B371CC25}"/>
+                <a16:creationId xmlns:a16="http://schemas.microsoft.com/office/drawing/2014/main" id="{8968903C-9B7A-5D45-19AF-9384BA54D5A7}"/>
               </a:ext>
             </a:extLst>
           </p:cNvPr>
@@ -7719,44 +9213,86 @@
         </p:nvSpPr>
         <p:spPr>
           <a:xfrm>
-            <a:off x="2177730" y="3017520"/>
-            <a:ext cx="1400538" cy="1400538"/>
+            <a:off x="6471007" y="2820408"/>
+            <a:ext cx="1017348" cy="1618104"/>
           </a:xfrm>
-          <a:prstGeom prst="ellipse">
+          <a:custGeom>
             <a:avLst/>
-          </a:prstGeom>
-          <a:gradFill flip="none" rotWithShape="1">
-            <a:gsLst>
-              <a:gs pos="0">
-                <a:schemeClr val="accent1">
-                  <a:shade val="30000"/>
-                  <a:satMod val="115000"/>
-                </a:schemeClr>
-              </a:gs>
-              <a:gs pos="50000">
-                <a:schemeClr val="accent1">
-                  <a:shade val="67500"/>
-                  <a:satMod val="115000"/>
-                </a:schemeClr>
-              </a:gs>
-              <a:gs pos="100000">
-                <a:schemeClr val="accent1">
-                  <a:shade val="100000"/>
-                  <a:satMod val="115000"/>
-                </a:schemeClr>
-              </a:gs>
-            </a:gsLst>
-            <a:lin ang="2700000" scaled="1"/>
-            <a:tileRect/>
-          </a:gradFill>
+            <a:gdLst/>
+            <a:ahLst/>
+            <a:cxnLst/>
+            <a:rect l="l" t="t" r="r" b="b"/>
+            <a:pathLst>
+              <a:path w="730699" h="1162185">
+                <a:moveTo>
+                  <a:pt x="365489" y="76993"/>
+                </a:moveTo>
+                <a:cubicBezTo>
+                  <a:pt x="206401" y="76993"/>
+                  <a:pt x="77435" y="205973"/>
+                  <a:pt x="77435" y="365079"/>
+                </a:cubicBezTo>
+                <a:cubicBezTo>
+                  <a:pt x="77435" y="524185"/>
+                  <a:pt x="206401" y="653165"/>
+                  <a:pt x="365489" y="653165"/>
+                </a:cubicBezTo>
+                <a:cubicBezTo>
+                  <a:pt x="524577" y="653165"/>
+                  <a:pt x="653543" y="524185"/>
+                  <a:pt x="653543" y="365079"/>
+                </a:cubicBezTo>
+                <a:cubicBezTo>
+                  <a:pt x="653543" y="205973"/>
+                  <a:pt x="524577" y="76993"/>
+                  <a:pt x="365489" y="76993"/>
+                </a:cubicBezTo>
+                <a:close/>
+                <a:moveTo>
+                  <a:pt x="366564" y="0"/>
+                </a:moveTo>
+                <a:cubicBezTo>
+                  <a:pt x="462721" y="0"/>
+                  <a:pt x="558878" y="36683"/>
+                  <a:pt x="632244" y="110048"/>
+                </a:cubicBezTo>
+                <a:cubicBezTo>
+                  <a:pt x="778974" y="256779"/>
+                  <a:pt x="747097" y="468582"/>
+                  <a:pt x="632244" y="641407"/>
+                </a:cubicBezTo>
+                <a:cubicBezTo>
+                  <a:pt x="511887" y="822511"/>
+                  <a:pt x="462636" y="928209"/>
+                  <a:pt x="366565" y="1162185"/>
+                </a:cubicBezTo>
+                <a:cubicBezTo>
+                  <a:pt x="252627" y="913915"/>
+                  <a:pt x="228389" y="836805"/>
+                  <a:pt x="100885" y="641406"/>
+                </a:cubicBezTo>
+                <a:cubicBezTo>
+                  <a:pt x="-20832" y="466088"/>
+                  <a:pt x="-45846" y="256778"/>
+                  <a:pt x="100885" y="110048"/>
+                </a:cubicBezTo>
+                <a:cubicBezTo>
+                  <a:pt x="174250" y="36683"/>
+                  <a:pt x="270407" y="0"/>
+                  <a:pt x="366564" y="0"/>
+                </a:cubicBezTo>
+                <a:close/>
+              </a:path>
+            </a:pathLst>
+          </a:custGeom>
+          <a:solidFill>
+            <a:schemeClr val="accent3"/>
+          </a:solidFill>
+          <a:ln w="6350">
+            <a:noFill/>
+          </a:ln>
           <a:effectLst>
-            <a:glow rad="101600">
-              <a:schemeClr val="accent1">
-                <a:satMod val="175000"/>
-                <a:alpha val="40000"/>
-              </a:schemeClr>
-            </a:glow>
-            <a:outerShdw blurRad="50800" dist="38100" dir="2700000" algn="tl" rotWithShape="0">
+            <a:outerShdw blurRad="50800" dist="38100" dir="8100000" algn="tr" rotWithShape="0">
               <a:prstClr val="black">
                 <a:alpha val="40000"/>
               </a:prstClr>
@@ -7783,32 +9319,24 @@
           <a:bodyPr rtlCol="0" anchor="ctr"/>
           <a:lstStyle/>
           <a:p>
-            <a:pPr algn="ctr" defTabSz="758952">
-              <a:spcAft>
-                <a:spcPts val="600"/>
-              </a:spcAft>
-            </a:pPr>
-            <a:r>
-              <a:rPr lang="en-NL" sz="1494" b="1" kern="1200" dirty="0">
-                <a:solidFill>
-                  <a:schemeClr val="lt1"/>
-                </a:solidFill>
-                <a:latin typeface="+mn-lt"/>
-                <a:ea typeface="+mn-ea"/>
-                <a:cs typeface="+mn-cs"/>
-              </a:rPr>
-              <a:t>Why SQLite?</a:t>
-            </a:r>
-            <a:endParaRPr lang="en-NL" b="1" dirty="0"/>
+            <a:pPr algn="ctr"/>
+            <a:endParaRPr lang="ko-KR" altLang="en-US" sz="2800">
+              <a:solidFill>
+                <a:schemeClr val="tx1">
+                  <a:lumMod val="65000"/>
+                  <a:lumOff val="35000"/>
+                </a:schemeClr>
+              </a:solidFill>
+            </a:endParaRPr>
           </a:p>
         </p:txBody>
       </p:sp>
       <p:sp>
         <p:nvSpPr>
-          <p:cNvPr id="14" name="Oval 13">
+          <p:cNvPr id="12" name="Oval 4">
             <a:extLst>
               <a:ext uri="{FF2B5EF4-FFF2-40B4-BE49-F238E27FC236}">
-                <a16:creationId xmlns:a16="http://schemas.microsoft.com/office/drawing/2014/main" id="{92E4E34C-9C31-FB83-401C-FE99E3F6FAFF}"/>
+                <a16:creationId xmlns:a16="http://schemas.microsoft.com/office/drawing/2014/main" id="{080F396A-301B-62B7-F64A-0F765655D82C}"/>
               </a:ext>
             </a:extLst>
           </p:cNvPr>
@@ -7817,44 +9345,86 @@
         </p:nvSpPr>
         <p:spPr>
           <a:xfrm>
-            <a:off x="5393552" y="3017519"/>
-            <a:ext cx="1400538" cy="1400538"/>
+            <a:off x="2879738" y="3818939"/>
+            <a:ext cx="989815" cy="1574312"/>
           </a:xfrm>
-          <a:prstGeom prst="ellipse">
+          <a:custGeom>
             <a:avLst/>
-          </a:prstGeom>
-          <a:gradFill flip="none" rotWithShape="1">
-            <a:gsLst>
-              <a:gs pos="0">
-                <a:schemeClr val="accent1">
-                  <a:shade val="30000"/>
-                  <a:satMod val="115000"/>
-                </a:schemeClr>
-              </a:gs>
-              <a:gs pos="50000">
-                <a:schemeClr val="accent1">
-                  <a:shade val="67500"/>
-                  <a:satMod val="115000"/>
-                </a:schemeClr>
-              </a:gs>
-              <a:gs pos="100000">
-                <a:schemeClr val="accent1">
-                  <a:shade val="100000"/>
-                  <a:satMod val="115000"/>
-                </a:schemeClr>
-              </a:gs>
-            </a:gsLst>
-            <a:lin ang="8100000" scaled="1"/>
-            <a:tileRect/>
-          </a:gradFill>
+            <a:gdLst/>
+            <a:ahLst/>
+            <a:cxnLst/>
+            <a:rect l="l" t="t" r="r" b="b"/>
+            <a:pathLst>
+              <a:path w="710924" h="1130732">
+                <a:moveTo>
+                  <a:pt x="355597" y="74909"/>
+                </a:moveTo>
+                <a:cubicBezTo>
+                  <a:pt x="200815" y="74909"/>
+                  <a:pt x="75339" y="200399"/>
+                  <a:pt x="75339" y="355199"/>
+                </a:cubicBezTo>
+                <a:cubicBezTo>
+                  <a:pt x="75339" y="509999"/>
+                  <a:pt x="200815" y="635489"/>
+                  <a:pt x="355597" y="635489"/>
+                </a:cubicBezTo>
+                <a:cubicBezTo>
+                  <a:pt x="510379" y="635489"/>
+                  <a:pt x="635855" y="509999"/>
+                  <a:pt x="635855" y="355199"/>
+                </a:cubicBezTo>
+                <a:cubicBezTo>
+                  <a:pt x="635855" y="200399"/>
+                  <a:pt x="510379" y="74909"/>
+                  <a:pt x="355597" y="74909"/>
+                </a:cubicBezTo>
+                <a:close/>
+                <a:moveTo>
+                  <a:pt x="356644" y="0"/>
+                </a:moveTo>
+                <a:cubicBezTo>
+                  <a:pt x="450198" y="0"/>
+                  <a:pt x="543753" y="35690"/>
+                  <a:pt x="615133" y="107070"/>
+                </a:cubicBezTo>
+                <a:cubicBezTo>
+                  <a:pt x="757893" y="249830"/>
+                  <a:pt x="726879" y="455901"/>
+                  <a:pt x="615133" y="624048"/>
+                </a:cubicBezTo>
+                <a:cubicBezTo>
+                  <a:pt x="498034" y="800250"/>
+                  <a:pt x="450115" y="903089"/>
+                  <a:pt x="356644" y="1130732"/>
+                </a:cubicBezTo>
+                <a:cubicBezTo>
+                  <a:pt x="245790" y="889181"/>
+                  <a:pt x="222208" y="814158"/>
+                  <a:pt x="98155" y="624047"/>
+                </a:cubicBezTo>
+                <a:cubicBezTo>
+                  <a:pt x="-20268" y="453474"/>
+                  <a:pt x="-44605" y="249829"/>
+                  <a:pt x="98155" y="107070"/>
+                </a:cubicBezTo>
+                <a:cubicBezTo>
+                  <a:pt x="169534" y="35690"/>
+                  <a:pt x="263089" y="0"/>
+                  <a:pt x="356644" y="0"/>
+                </a:cubicBezTo>
+                <a:close/>
+              </a:path>
+            </a:pathLst>
+          </a:custGeom>
+          <a:solidFill>
+            <a:schemeClr val="accent4"/>
+          </a:solidFill>
+          <a:ln w="6350">
+            <a:noFill/>
+          </a:ln>
           <a:effectLst>
-            <a:glow rad="101600">
-              <a:schemeClr val="accent1">
-                <a:satMod val="175000"/>
-                <a:alpha val="40000"/>
-              </a:schemeClr>
-            </a:glow>
-            <a:outerShdw blurRad="50800" dist="38100" dir="2700000" algn="tl" rotWithShape="0">
+            <a:outerShdw blurRad="50800" dist="38100" dir="8100000" algn="tr" rotWithShape="0">
               <a:prstClr val="black">
                 <a:alpha val="40000"/>
               </a:prstClr>
@@ -7881,32 +9451,24 @@
           <a:bodyPr rtlCol="0" anchor="ctr"/>
           <a:lstStyle/>
           <a:p>
-            <a:pPr algn="ctr" defTabSz="758952">
-              <a:spcAft>
-                <a:spcPts val="600"/>
-              </a:spcAft>
-            </a:pPr>
-            <a:r>
-              <a:rPr lang="en-NL" sz="1494" b="1" kern="1200" dirty="0">
-                <a:solidFill>
-                  <a:schemeClr val="lt1"/>
-                </a:solidFill>
-                <a:latin typeface="+mn-lt"/>
-                <a:ea typeface="+mn-ea"/>
-                <a:cs typeface="+mn-cs"/>
-              </a:rPr>
-              <a:t>History and Data</a:t>
-            </a:r>
-            <a:endParaRPr lang="en-NL" b="1" dirty="0"/>
+            <a:pPr algn="ctr"/>
+            <a:endParaRPr lang="ko-KR" altLang="en-US" sz="2800">
+              <a:solidFill>
+                <a:schemeClr val="tx1">
+                  <a:lumMod val="65000"/>
+                  <a:lumOff val="35000"/>
+                </a:schemeClr>
+              </a:solidFill>
+            </a:endParaRPr>
           </a:p>
         </p:txBody>
       </p:sp>
       <p:sp>
         <p:nvSpPr>
-          <p:cNvPr id="15" name="Oval 14">
+          <p:cNvPr id="17" name="Oval 4">
             <a:extLst>
               <a:ext uri="{FF2B5EF4-FFF2-40B4-BE49-F238E27FC236}">
-                <a16:creationId xmlns:a16="http://schemas.microsoft.com/office/drawing/2014/main" id="{B9F85607-8DF8-A7D8-3B45-08C44EC4C273}"/>
+                <a16:creationId xmlns:a16="http://schemas.microsoft.com/office/drawing/2014/main" id="{02BB3668-472C-AB79-4756-1832BA7E6AD7}"/>
               </a:ext>
             </a:extLst>
           </p:cNvPr>
@@ -7915,46 +9477,86 @@
         </p:nvSpPr>
         <p:spPr>
           <a:xfrm>
-            <a:off x="7137538" y="4826883"/>
-            <a:ext cx="1400538" cy="1400538"/>
+            <a:off x="4010066" y="2250979"/>
+            <a:ext cx="892462" cy="1419473"/>
           </a:xfrm>
-          <a:prstGeom prst="ellipse">
+          <a:custGeom>
             <a:avLst/>
-          </a:prstGeom>
-          <a:gradFill flip="none" rotWithShape="1">
-            <a:gsLst>
-              <a:gs pos="0">
-                <a:schemeClr val="accent1">
-                  <a:shade val="30000"/>
-                  <a:satMod val="115000"/>
-                </a:schemeClr>
-              </a:gs>
-              <a:gs pos="50000">
-                <a:schemeClr val="accent1">
-                  <a:shade val="67500"/>
-                  <a:satMod val="115000"/>
-                </a:schemeClr>
-              </a:gs>
-              <a:gs pos="100000">
-                <a:schemeClr val="accent1">
-                  <a:shade val="100000"/>
-                  <a:satMod val="115000"/>
-                </a:schemeClr>
-              </a:gs>
-            </a:gsLst>
-            <a:path path="circle">
-              <a:fillToRect l="100000" t="100000"/>
-            </a:path>
-            <a:tileRect r="-100000" b="-100000"/>
-          </a:gradFill>
+            <a:gdLst/>
+            <a:ahLst/>
+            <a:cxnLst/>
+            <a:rect l="l" t="t" r="r" b="b"/>
+            <a:pathLst>
+              <a:path w="641001" h="1019521">
+                <a:moveTo>
+                  <a:pt x="320623" y="67542"/>
+                </a:moveTo>
+                <a:cubicBezTo>
+                  <a:pt x="181064" y="67542"/>
+                  <a:pt x="67929" y="180689"/>
+                  <a:pt x="67929" y="320264"/>
+                </a:cubicBezTo>
+                <a:cubicBezTo>
+                  <a:pt x="67929" y="459839"/>
+                  <a:pt x="181064" y="572986"/>
+                  <a:pt x="320623" y="572986"/>
+                </a:cubicBezTo>
+                <a:cubicBezTo>
+                  <a:pt x="460182" y="572986"/>
+                  <a:pt x="573317" y="459839"/>
+                  <a:pt x="573317" y="320264"/>
+                </a:cubicBezTo>
+                <a:cubicBezTo>
+                  <a:pt x="573317" y="180689"/>
+                  <a:pt x="460182" y="67542"/>
+                  <a:pt x="320623" y="67542"/>
+                </a:cubicBezTo>
+                <a:close/>
+                <a:moveTo>
+                  <a:pt x="321566" y="0"/>
+                </a:moveTo>
+                <a:cubicBezTo>
+                  <a:pt x="405920" y="0"/>
+                  <a:pt x="490273" y="32180"/>
+                  <a:pt x="554632" y="96539"/>
+                </a:cubicBezTo>
+                <a:cubicBezTo>
+                  <a:pt x="683351" y="225258"/>
+                  <a:pt x="655387" y="411061"/>
+                  <a:pt x="554632" y="562671"/>
+                </a:cubicBezTo>
+                <a:cubicBezTo>
+                  <a:pt x="449051" y="721543"/>
+                  <a:pt x="405845" y="814267"/>
+                  <a:pt x="321567" y="1019521"/>
+                </a:cubicBezTo>
+                <a:cubicBezTo>
+                  <a:pt x="221616" y="801727"/>
+                  <a:pt x="200353" y="734083"/>
+                  <a:pt x="88501" y="562670"/>
+                </a:cubicBezTo>
+                <a:cubicBezTo>
+                  <a:pt x="-18275" y="408873"/>
+                  <a:pt x="-40218" y="225258"/>
+                  <a:pt x="88501" y="96539"/>
+                </a:cubicBezTo>
+                <a:cubicBezTo>
+                  <a:pt x="152860" y="32180"/>
+                  <a:pt x="237213" y="0"/>
+                  <a:pt x="321566" y="0"/>
+                </a:cubicBezTo>
+                <a:close/>
+              </a:path>
+            </a:pathLst>
+          </a:custGeom>
+          <a:solidFill>
+            <a:schemeClr val="accent2"/>
+          </a:solidFill>
+          <a:ln w="6350">
+            <a:noFill/>
+          </a:ln>
           <a:effectLst>
-            <a:glow rad="101600">
-              <a:schemeClr val="accent1">
-                <a:satMod val="175000"/>
-                <a:alpha val="40000"/>
-              </a:schemeClr>
-            </a:glow>
-            <a:outerShdw blurRad="50800" dist="38100" dir="2700000" algn="tl" rotWithShape="0">
+            <a:outerShdw blurRad="50800" dist="38100" dir="8100000" algn="tr" rotWithShape="0">
               <a:prstClr val="black">
                 <a:alpha val="40000"/>
               </a:prstClr>
@@ -7981,32 +9583,24 @@
           <a:bodyPr rtlCol="0" anchor="ctr"/>
           <a:lstStyle/>
           <a:p>
-            <a:pPr algn="ctr" defTabSz="758952">
-              <a:spcAft>
-                <a:spcPts val="600"/>
-              </a:spcAft>
-            </a:pPr>
-            <a:r>
-              <a:rPr lang="en-NL" sz="1494" b="1" kern="1200">
-                <a:solidFill>
-                  <a:schemeClr val="lt1"/>
-                </a:solidFill>
-                <a:latin typeface="+mn-lt"/>
-                <a:ea typeface="+mn-ea"/>
-                <a:cs typeface="+mn-cs"/>
-              </a:rPr>
-              <a:t>Demo</a:t>
-            </a:r>
-            <a:endParaRPr lang="en-NL" b="1"/>
+            <a:pPr algn="ctr"/>
+            <a:endParaRPr lang="ko-KR" altLang="en-US" sz="2800">
+              <a:solidFill>
+                <a:schemeClr val="tx1">
+                  <a:lumMod val="65000"/>
+                  <a:lumOff val="35000"/>
+                </a:schemeClr>
+              </a:solidFill>
+            </a:endParaRPr>
           </a:p>
         </p:txBody>
       </p:sp>
       <p:sp>
         <p:nvSpPr>
-          <p:cNvPr id="16" name="Oval 15">
+          <p:cNvPr id="18" name="Oval 4">
             <a:extLst>
               <a:ext uri="{FF2B5EF4-FFF2-40B4-BE49-F238E27FC236}">
-                <a16:creationId xmlns:a16="http://schemas.microsoft.com/office/drawing/2014/main" id="{A7B0CF5C-D14A-0669-48A5-427AD9063084}"/>
+                <a16:creationId xmlns:a16="http://schemas.microsoft.com/office/drawing/2014/main" id="{3FFD354F-61B3-4E66-88F6-2F6798F0EE71}"/>
               </a:ext>
             </a:extLst>
           </p:cNvPr>
@@ -8015,44 +9609,86 @@
         </p:nvSpPr>
         <p:spPr>
           <a:xfrm>
-            <a:off x="8613732" y="3017519"/>
-            <a:ext cx="1400538" cy="1400538"/>
+            <a:off x="1729183" y="2125114"/>
+            <a:ext cx="713937" cy="1135525"/>
           </a:xfrm>
-          <a:prstGeom prst="ellipse">
+          <a:custGeom>
             <a:avLst/>
-          </a:prstGeom>
-          <a:gradFill flip="none" rotWithShape="1">
-            <a:gsLst>
-              <a:gs pos="0">
-                <a:schemeClr val="accent1">
-                  <a:shade val="30000"/>
-                  <a:satMod val="115000"/>
-                </a:schemeClr>
-              </a:gs>
-              <a:gs pos="50000">
-                <a:schemeClr val="accent1">
-                  <a:shade val="67500"/>
-                  <a:satMod val="115000"/>
-                </a:schemeClr>
-              </a:gs>
-              <a:gs pos="100000">
-                <a:schemeClr val="accent1">
-                  <a:shade val="100000"/>
-                  <a:satMod val="115000"/>
-                </a:schemeClr>
-              </a:gs>
-            </a:gsLst>
-            <a:lin ang="10800000" scaled="1"/>
-            <a:tileRect/>
-          </a:gradFill>
+            <a:gdLst/>
+            <a:ahLst/>
+            <a:cxnLst/>
+            <a:rect l="l" t="t" r="r" b="b"/>
+            <a:pathLst>
+              <a:path w="512777" h="815578">
+                <a:moveTo>
+                  <a:pt x="256487" y="54031"/>
+                </a:moveTo>
+                <a:cubicBezTo>
+                  <a:pt x="144845" y="54031"/>
+                  <a:pt x="54341" y="144545"/>
+                  <a:pt x="54341" y="256199"/>
+                </a:cubicBezTo>
+                <a:cubicBezTo>
+                  <a:pt x="54341" y="367853"/>
+                  <a:pt x="144845" y="458367"/>
+                  <a:pt x="256487" y="458367"/>
+                </a:cubicBezTo>
+                <a:cubicBezTo>
+                  <a:pt x="368129" y="458367"/>
+                  <a:pt x="458633" y="367853"/>
+                  <a:pt x="458633" y="256199"/>
+                </a:cubicBezTo>
+                <a:cubicBezTo>
+                  <a:pt x="458633" y="144545"/>
+                  <a:pt x="368129" y="54031"/>
+                  <a:pt x="256487" y="54031"/>
+                </a:cubicBezTo>
+                <a:close/>
+                <a:moveTo>
+                  <a:pt x="257241" y="0"/>
+                </a:moveTo>
+                <a:cubicBezTo>
+                  <a:pt x="324720" y="0"/>
+                  <a:pt x="392199" y="25743"/>
+                  <a:pt x="443685" y="77228"/>
+                </a:cubicBezTo>
+                <a:cubicBezTo>
+                  <a:pt x="546655" y="180198"/>
+                  <a:pt x="524285" y="328833"/>
+                  <a:pt x="443685" y="450115"/>
+                </a:cubicBezTo>
+                <a:cubicBezTo>
+                  <a:pt x="359223" y="577207"/>
+                  <a:pt x="324660" y="651383"/>
+                  <a:pt x="257241" y="815578"/>
+                </a:cubicBezTo>
+                <a:cubicBezTo>
+                  <a:pt x="177284" y="641351"/>
+                  <a:pt x="160275" y="587238"/>
+                  <a:pt x="70797" y="450115"/>
+                </a:cubicBezTo>
+                <a:cubicBezTo>
+                  <a:pt x="-14619" y="327083"/>
+                  <a:pt x="-32173" y="180198"/>
+                  <a:pt x="70797" y="77228"/>
+                </a:cubicBezTo>
+                <a:cubicBezTo>
+                  <a:pt x="122282" y="25743"/>
+                  <a:pt x="189762" y="0"/>
+                  <a:pt x="257241" y="0"/>
+                </a:cubicBezTo>
+                <a:close/>
+              </a:path>
+            </a:pathLst>
+          </a:custGeom>
+          <a:solidFill>
+            <a:schemeClr val="accent1"/>
+          </a:solidFill>
+          <a:ln w="6350">
+            <a:noFill/>
+          </a:ln>
           <a:effectLst>
-            <a:glow rad="101600">
-              <a:schemeClr val="accent1">
-                <a:satMod val="175000"/>
-                <a:alpha val="40000"/>
-              </a:schemeClr>
-            </a:glow>
-            <a:outerShdw blurRad="50800" dist="38100" dir="2700000" algn="tl" rotWithShape="0">
+            <a:outerShdw blurRad="50800" dist="38100" dir="8100000" algn="tr" rotWithShape="0">
               <a:prstClr val="black">
                 <a:alpha val="40000"/>
               </a:prstClr>
@@ -8079,240 +9715,811 @@
           <a:bodyPr rtlCol="0" anchor="ctr"/>
           <a:lstStyle/>
           <a:p>
-            <a:pPr algn="ctr" defTabSz="758952">
-              <a:spcAft>
-                <a:spcPts val="600"/>
-              </a:spcAft>
-            </a:pPr>
-            <a:r>
-              <a:rPr lang="en-NL" sz="1494" b="1" kern="1200">
-                <a:solidFill>
-                  <a:schemeClr val="lt1"/>
-                </a:solidFill>
-                <a:latin typeface="+mn-lt"/>
-                <a:ea typeface="+mn-ea"/>
-                <a:cs typeface="+mn-cs"/>
-              </a:rPr>
-              <a:t>Pros</a:t>
-            </a:r>
-          </a:p>
-          <a:p>
-            <a:pPr algn="ctr" defTabSz="758952">
-              <a:spcAft>
-                <a:spcPts val="600"/>
-              </a:spcAft>
-            </a:pPr>
-            <a:r>
-              <a:rPr lang="en-NL" sz="1494" b="1" kern="1200">
-                <a:solidFill>
-                  <a:schemeClr val="lt1"/>
-                </a:solidFill>
-                <a:latin typeface="+mn-lt"/>
-                <a:ea typeface="+mn-ea"/>
-                <a:cs typeface="+mn-cs"/>
-              </a:rPr>
-              <a:t>&amp; Cons</a:t>
-            </a:r>
-            <a:endParaRPr lang="en-NL" b="1"/>
+            <a:pPr algn="ctr"/>
+            <a:endParaRPr lang="ko-KR" altLang="en-US" sz="2800">
+              <a:solidFill>
+                <a:schemeClr val="tx1">
+                  <a:lumMod val="65000"/>
+                  <a:lumOff val="35000"/>
+                </a:schemeClr>
+              </a:solidFill>
+            </a:endParaRPr>
           </a:p>
         </p:txBody>
       </p:sp>
-      <p:cxnSp>
-        <p:nvCxnSpPr>
-          <p:cNvPr id="59" name="Curved Connector 58">
-            <a:extLst>
-              <a:ext uri="{FF2B5EF4-FFF2-40B4-BE49-F238E27FC236}">
-                <a16:creationId xmlns:a16="http://schemas.microsoft.com/office/drawing/2014/main" id="{D71F6EAA-ADE1-1B21-E689-68ED0A289653}"/>
-              </a:ext>
-            </a:extLst>
-          </p:cNvPr>
-          <p:cNvCxnSpPr>
-            <a:cxnSpLocks/>
-            <a:stCxn id="13" idx="4"/>
-            <a:endCxn id="11" idx="1"/>
-          </p:cNvCxnSpPr>
-          <p:nvPr/>
-        </p:nvCxnSpPr>
-        <p:spPr>
-          <a:xfrm rot="16200000" flipH="1">
-            <a:off x="3120342" y="4175714"/>
-            <a:ext cx="613928" cy="1098615"/>
-          </a:xfrm>
-          <a:prstGeom prst="curvedConnector3">
-            <a:avLst>
-              <a:gd name="adj1" fmla="val 50000"/>
-            </a:avLst>
-          </a:prstGeom>
-          <a:ln>
-            <a:solidFill>
-              <a:srgbClr val="7030A0"/>
-            </a:solidFill>
-            <a:tailEnd type="triangle"/>
-          </a:ln>
-        </p:spPr>
-        <p:style>
-          <a:lnRef idx="3">
-            <a:schemeClr val="accent1"/>
-          </a:lnRef>
-          <a:fillRef idx="0">
-            <a:schemeClr val="accent1"/>
-          </a:fillRef>
-          <a:effectRef idx="2">
-            <a:schemeClr val="accent1"/>
-          </a:effectRef>
-          <a:fontRef idx="minor">
-            <a:schemeClr val="tx1"/>
-          </a:fontRef>
-        </p:style>
-      </p:cxnSp>
-      <p:cxnSp>
-        <p:nvCxnSpPr>
-          <p:cNvPr id="65" name="Curved Connector 64">
-            <a:extLst>
-              <a:ext uri="{FF2B5EF4-FFF2-40B4-BE49-F238E27FC236}">
-                <a16:creationId xmlns:a16="http://schemas.microsoft.com/office/drawing/2014/main" id="{CA912B27-99F7-2110-8985-BD305FD8FB1B}"/>
-              </a:ext>
-            </a:extLst>
-          </p:cNvPr>
-          <p:cNvCxnSpPr>
-            <a:cxnSpLocks/>
-            <a:stCxn id="11" idx="0"/>
-            <a:endCxn id="14" idx="2"/>
-          </p:cNvCxnSpPr>
-          <p:nvPr/>
-        </p:nvCxnSpPr>
-        <p:spPr>
-          <a:xfrm rot="5400000" flipH="1" flipV="1">
-            <a:off x="4378118" y="3811449"/>
-            <a:ext cx="1109094" cy="921773"/>
-          </a:xfrm>
-          <a:prstGeom prst="curvedConnector2">
-            <a:avLst/>
-          </a:prstGeom>
-          <a:ln>
-            <a:solidFill>
-              <a:srgbClr val="7030A0"/>
-            </a:solidFill>
-            <a:tailEnd type="triangle"/>
-          </a:ln>
-        </p:spPr>
-        <p:style>
-          <a:lnRef idx="3">
-            <a:schemeClr val="accent5"/>
-          </a:lnRef>
-          <a:fillRef idx="0">
-            <a:schemeClr val="accent5"/>
-          </a:fillRef>
-          <a:effectRef idx="2">
-            <a:schemeClr val="accent5"/>
-          </a:effectRef>
-          <a:fontRef idx="minor">
-            <a:schemeClr val="tx1"/>
-          </a:fontRef>
-        </p:style>
-      </p:cxnSp>
-      <p:cxnSp>
-        <p:nvCxnSpPr>
-          <p:cNvPr id="72" name="Curved Connector 71">
-            <a:extLst>
-              <a:ext uri="{FF2B5EF4-FFF2-40B4-BE49-F238E27FC236}">
-                <a16:creationId xmlns:a16="http://schemas.microsoft.com/office/drawing/2014/main" id="{499E62E4-9164-C908-6FAE-0304F1A1C954}"/>
-              </a:ext>
-            </a:extLst>
-          </p:cNvPr>
-          <p:cNvCxnSpPr>
-            <a:cxnSpLocks/>
-            <a:stCxn id="14" idx="5"/>
-            <a:endCxn id="15" idx="1"/>
-          </p:cNvCxnSpPr>
-          <p:nvPr/>
-        </p:nvCxnSpPr>
-        <p:spPr>
-          <a:xfrm rot="16200000" flipH="1">
-            <a:off x="6556297" y="4245642"/>
-            <a:ext cx="819034" cy="753656"/>
-          </a:xfrm>
-          <a:prstGeom prst="curvedConnector3">
-            <a:avLst/>
-          </a:prstGeom>
-          <a:ln>
-            <a:solidFill>
-              <a:srgbClr val="7030A0"/>
-            </a:solidFill>
-            <a:tailEnd type="triangle"/>
-          </a:ln>
-        </p:spPr>
-        <p:style>
-          <a:lnRef idx="3">
-            <a:schemeClr val="accent3"/>
-          </a:lnRef>
-          <a:fillRef idx="0">
-            <a:schemeClr val="accent3"/>
-          </a:fillRef>
-          <a:effectRef idx="2">
-            <a:schemeClr val="accent3"/>
-          </a:effectRef>
-          <a:fontRef idx="minor">
-            <a:schemeClr val="tx1"/>
-          </a:fontRef>
-        </p:style>
-      </p:cxnSp>
-      <p:cxnSp>
-        <p:nvCxnSpPr>
-          <p:cNvPr id="76" name="Curved Connector 75">
-            <a:extLst>
-              <a:ext uri="{FF2B5EF4-FFF2-40B4-BE49-F238E27FC236}">
-                <a16:creationId xmlns:a16="http://schemas.microsoft.com/office/drawing/2014/main" id="{1B3834A9-6AB3-E927-A61C-E520A7D80D60}"/>
-              </a:ext>
-            </a:extLst>
-          </p:cNvPr>
-          <p:cNvCxnSpPr>
-            <a:cxnSpLocks/>
-            <a:stCxn id="15" idx="6"/>
-            <a:endCxn id="16" idx="4"/>
-          </p:cNvCxnSpPr>
-          <p:nvPr/>
-        </p:nvCxnSpPr>
-        <p:spPr>
-          <a:xfrm flipV="1">
-            <a:off x="8538076" y="4418057"/>
-            <a:ext cx="775925" cy="1109095"/>
-          </a:xfrm>
-          <a:prstGeom prst="curvedConnector2">
-            <a:avLst/>
-          </a:prstGeom>
-          <a:ln>
-            <a:solidFill>
-              <a:srgbClr val="7030A0"/>
-            </a:solidFill>
-            <a:tailEnd type="triangle"/>
-          </a:ln>
-        </p:spPr>
-        <p:style>
-          <a:lnRef idx="3">
-            <a:schemeClr val="accent1"/>
-          </a:lnRef>
-          <a:fillRef idx="0">
-            <a:schemeClr val="accent1"/>
-          </a:fillRef>
-          <a:effectRef idx="2">
-            <a:schemeClr val="accent1"/>
-          </a:effectRef>
-          <a:fontRef idx="minor">
-            <a:schemeClr val="tx1"/>
-          </a:fontRef>
-        </p:style>
-      </p:cxnSp>
     </p:spTree>
     <p:extLst>
       <p:ext uri="{BB962C8B-B14F-4D97-AF65-F5344CB8AC3E}">
-        <p14:creationId xmlns:p14="http://schemas.microsoft.com/office/powerpoint/2010/main" val="764908316"/>
+        <p14:creationId xmlns:p14="http://schemas.microsoft.com/office/powerpoint/2010/main" val="336183426"/>
       </p:ext>
     </p:extLst>
   </p:cSld>
   <p:clrMapOvr>
     <a:masterClrMapping/>
   </p:clrMapOvr>
+  <p:timing>
+    <p:tnLst>
+      <p:par>
+        <p:cTn id="1" dur="indefinite" restart="never" nodeType="tmRoot">
+          <p:childTnLst>
+            <p:seq concurrent="1" nextAc="seek">
+              <p:cTn id="2" dur="indefinite" nodeType="mainSeq">
+                <p:childTnLst>
+                  <p:par>
+                    <p:cTn id="3" fill="hold">
+                      <p:stCondLst>
+                        <p:cond delay="indefinite"/>
+                        <p:cond evt="onBegin" delay="0">
+                          <p:tn val="2"/>
+                        </p:cond>
+                      </p:stCondLst>
+                      <p:childTnLst>
+                        <p:par>
+                          <p:cTn id="4" fill="hold">
+                            <p:stCondLst>
+                              <p:cond delay="0"/>
+                            </p:stCondLst>
+                            <p:childTnLst>
+                              <p:par>
+                                <p:cTn id="5" presetID="1" presetClass="exit" presetSubtype="0" fill="hold" grpId="0" nodeType="withEffect">
+                                  <p:stCondLst>
+                                    <p:cond delay="0"/>
+                                  </p:stCondLst>
+                                  <p:childTnLst>
+                                    <p:set>
+                                      <p:cBhvr>
+                                        <p:cTn id="6" dur="1" fill="hold">
+                                          <p:stCondLst>
+                                            <p:cond delay="0"/>
+                                          </p:stCondLst>
+                                        </p:cTn>
+                                        <p:tgtEl>
+                                          <p:spTgt spid="18"/>
+                                        </p:tgtEl>
+                                        <p:attrNameLst>
+                                          <p:attrName>style.visibility</p:attrName>
+                                        </p:attrNameLst>
+                                      </p:cBhvr>
+                                      <p:to>
+                                        <p:strVal val="hidden"/>
+                                      </p:to>
+                                    </p:set>
+                                  </p:childTnLst>
+                                </p:cTn>
+                              </p:par>
+                              <p:par>
+                                <p:cTn id="7" presetID="1" presetClass="exit" presetSubtype="0" fill="hold" grpId="0" nodeType="withEffect">
+                                  <p:stCondLst>
+                                    <p:cond delay="0"/>
+                                  </p:stCondLst>
+                                  <p:childTnLst>
+                                    <p:set>
+                                      <p:cBhvr>
+                                        <p:cTn id="8" dur="1" fill="hold">
+                                          <p:stCondLst>
+                                            <p:cond delay="0"/>
+                                          </p:stCondLst>
+                                        </p:cTn>
+                                        <p:tgtEl>
+                                          <p:spTgt spid="8"/>
+                                        </p:tgtEl>
+                                        <p:attrNameLst>
+                                          <p:attrName>style.visibility</p:attrName>
+                                        </p:attrNameLst>
+                                      </p:cBhvr>
+                                      <p:to>
+                                        <p:strVal val="hidden"/>
+                                      </p:to>
+                                    </p:set>
+                                  </p:childTnLst>
+                                </p:cTn>
+                              </p:par>
+                              <p:par>
+                                <p:cTn id="9" presetID="1" presetClass="exit" presetSubtype="0" fill="hold" grpId="0" nodeType="withEffect">
+                                  <p:stCondLst>
+                                    <p:cond delay="0"/>
+                                  </p:stCondLst>
+                                  <p:childTnLst>
+                                    <p:set>
+                                      <p:cBhvr>
+                                        <p:cTn id="10" dur="1" fill="hold">
+                                          <p:stCondLst>
+                                            <p:cond delay="0"/>
+                                          </p:stCondLst>
+                                        </p:cTn>
+                                        <p:tgtEl>
+                                          <p:spTgt spid="6"/>
+                                        </p:tgtEl>
+                                        <p:attrNameLst>
+                                          <p:attrName>style.visibility</p:attrName>
+                                        </p:attrNameLst>
+                                      </p:cBhvr>
+                                      <p:to>
+                                        <p:strVal val="hidden"/>
+                                      </p:to>
+                                    </p:set>
+                                  </p:childTnLst>
+                                </p:cTn>
+                              </p:par>
+                              <p:par>
+                                <p:cTn id="11" presetID="1" presetClass="exit" presetSubtype="0" fill="hold" grpId="0" nodeType="withEffect">
+                                  <p:stCondLst>
+                                    <p:cond delay="0"/>
+                                  </p:stCondLst>
+                                  <p:childTnLst>
+                                    <p:set>
+                                      <p:cBhvr>
+                                        <p:cTn id="12" dur="1" fill="hold">
+                                          <p:stCondLst>
+                                            <p:cond delay="0"/>
+                                          </p:stCondLst>
+                                        </p:cTn>
+                                        <p:tgtEl>
+                                          <p:spTgt spid="12"/>
+                                        </p:tgtEl>
+                                        <p:attrNameLst>
+                                          <p:attrName>style.visibility</p:attrName>
+                                        </p:attrNameLst>
+                                      </p:cBhvr>
+                                      <p:to>
+                                        <p:strVal val="hidden"/>
+                                      </p:to>
+                                    </p:set>
+                                  </p:childTnLst>
+                                </p:cTn>
+                              </p:par>
+                              <p:par>
+                                <p:cTn id="13" presetID="1" presetClass="exit" presetSubtype="0" fill="hold" grpId="0" nodeType="withEffect">
+                                  <p:stCondLst>
+                                    <p:cond delay="0"/>
+                                  </p:stCondLst>
+                                  <p:childTnLst>
+                                    <p:set>
+                                      <p:cBhvr>
+                                        <p:cTn id="14" dur="1" fill="hold">
+                                          <p:stCondLst>
+                                            <p:cond delay="0"/>
+                                          </p:stCondLst>
+                                        </p:cTn>
+                                        <p:tgtEl>
+                                          <p:spTgt spid="17"/>
+                                        </p:tgtEl>
+                                        <p:attrNameLst>
+                                          <p:attrName>style.visibility</p:attrName>
+                                        </p:attrNameLst>
+                                      </p:cBhvr>
+                                      <p:to>
+                                        <p:strVal val="hidden"/>
+                                      </p:to>
+                                    </p:set>
+                                  </p:childTnLst>
+                                </p:cTn>
+                              </p:par>
+                              <p:par>
+                                <p:cTn id="15" presetID="1" presetClass="exit" presetSubtype="0" fill="hold" grpId="0" nodeType="withEffect">
+                                  <p:stCondLst>
+                                    <p:cond delay="0"/>
+                                  </p:stCondLst>
+                                  <p:childTnLst>
+                                    <p:set>
+                                      <p:cBhvr>
+                                        <p:cTn id="16" dur="1" fill="hold">
+                                          <p:stCondLst>
+                                            <p:cond delay="0"/>
+                                          </p:stCondLst>
+                                        </p:cTn>
+                                        <p:tgtEl>
+                                          <p:spTgt spid="7"/>
+                                        </p:tgtEl>
+                                        <p:attrNameLst>
+                                          <p:attrName>style.visibility</p:attrName>
+                                        </p:attrNameLst>
+                                      </p:cBhvr>
+                                      <p:to>
+                                        <p:strVal val="hidden"/>
+                                      </p:to>
+                                    </p:set>
+                                  </p:childTnLst>
+                                </p:cTn>
+                              </p:par>
+                              <p:par>
+                                <p:cTn id="17" presetID="1" presetClass="exit" presetSubtype="0" fill="hold" grpId="0" nodeType="withEffect">
+                                  <p:stCondLst>
+                                    <p:cond delay="0"/>
+                                  </p:stCondLst>
+                                  <p:childTnLst>
+                                    <p:set>
+                                      <p:cBhvr>
+                                        <p:cTn id="18" dur="1" fill="hold">
+                                          <p:stCondLst>
+                                            <p:cond delay="0"/>
+                                          </p:stCondLst>
+                                        </p:cTn>
+                                        <p:tgtEl>
+                                          <p:spTgt spid="10"/>
+                                        </p:tgtEl>
+                                        <p:attrNameLst>
+                                          <p:attrName>style.visibility</p:attrName>
+                                        </p:attrNameLst>
+                                      </p:cBhvr>
+                                      <p:to>
+                                        <p:strVal val="hidden"/>
+                                      </p:to>
+                                    </p:set>
+                                  </p:childTnLst>
+                                </p:cTn>
+                              </p:par>
+                              <p:par>
+                                <p:cTn id="19" presetID="1" presetClass="exit" presetSubtype="0" fill="hold" grpId="0" nodeType="withEffect">
+                                  <p:stCondLst>
+                                    <p:cond delay="0"/>
+                                  </p:stCondLst>
+                                  <p:childTnLst>
+                                    <p:set>
+                                      <p:cBhvr>
+                                        <p:cTn id="20" dur="1" fill="hold">
+                                          <p:stCondLst>
+                                            <p:cond delay="0"/>
+                                          </p:stCondLst>
+                                        </p:cTn>
+                                        <p:tgtEl>
+                                          <p:spTgt spid="5"/>
+                                        </p:tgtEl>
+                                        <p:attrNameLst>
+                                          <p:attrName>style.visibility</p:attrName>
+                                        </p:attrNameLst>
+                                      </p:cBhvr>
+                                      <p:to>
+                                        <p:strVal val="hidden"/>
+                                      </p:to>
+                                    </p:set>
+                                  </p:childTnLst>
+                                </p:cTn>
+                              </p:par>
+                              <p:par>
+                                <p:cTn id="21" presetID="1" presetClass="exit" presetSubtype="0" fill="hold" grpId="0" nodeType="withEffect">
+                                  <p:stCondLst>
+                                    <p:cond delay="0"/>
+                                  </p:stCondLst>
+                                  <p:childTnLst>
+                                    <p:set>
+                                      <p:cBhvr>
+                                        <p:cTn id="22" dur="1" fill="hold">
+                                          <p:stCondLst>
+                                            <p:cond delay="0"/>
+                                          </p:stCondLst>
+                                        </p:cTn>
+                                        <p:tgtEl>
+                                          <p:spTgt spid="9"/>
+                                        </p:tgtEl>
+                                        <p:attrNameLst>
+                                          <p:attrName>style.visibility</p:attrName>
+                                        </p:attrNameLst>
+                                      </p:cBhvr>
+                                      <p:to>
+                                        <p:strVal val="hidden"/>
+                                      </p:to>
+                                    </p:set>
+                                  </p:childTnLst>
+                                </p:cTn>
+                              </p:par>
+                              <p:par>
+                                <p:cTn id="23" presetID="1" presetClass="exit" presetSubtype="0" fill="hold" grpId="0" nodeType="withEffect">
+                                  <p:stCondLst>
+                                    <p:cond delay="0"/>
+                                  </p:stCondLst>
+                                  <p:childTnLst>
+                                    <p:set>
+                                      <p:cBhvr>
+                                        <p:cTn id="24" dur="1" fill="hold">
+                                          <p:stCondLst>
+                                            <p:cond delay="0"/>
+                                          </p:stCondLst>
+                                        </p:cTn>
+                                        <p:tgtEl>
+                                          <p:spTgt spid="4"/>
+                                        </p:tgtEl>
+                                        <p:attrNameLst>
+                                          <p:attrName>style.visibility</p:attrName>
+                                        </p:attrNameLst>
+                                      </p:cBhvr>
+                                      <p:to>
+                                        <p:strVal val="hidden"/>
+                                      </p:to>
+                                    </p:set>
+                                  </p:childTnLst>
+                                </p:cTn>
+                              </p:par>
+                            </p:childTnLst>
+                          </p:cTn>
+                        </p:par>
+                      </p:childTnLst>
+                    </p:cTn>
+                  </p:par>
+                  <p:par>
+                    <p:cTn id="25" fill="hold">
+                      <p:stCondLst>
+                        <p:cond delay="indefinite"/>
+                      </p:stCondLst>
+                      <p:childTnLst>
+                        <p:par>
+                          <p:cTn id="26" fill="hold">
+                            <p:stCondLst>
+                              <p:cond delay="0"/>
+                            </p:stCondLst>
+                            <p:childTnLst>
+                              <p:par>
+                                <p:cTn id="27" presetID="9" presetClass="entr" presetSubtype="0" fill="hold" grpId="1" nodeType="clickEffect">
+                                  <p:stCondLst>
+                                    <p:cond delay="0"/>
+                                  </p:stCondLst>
+                                  <p:childTnLst>
+                                    <p:set>
+                                      <p:cBhvr>
+                                        <p:cTn id="28" dur="1" fill="hold">
+                                          <p:stCondLst>
+                                            <p:cond delay="0"/>
+                                          </p:stCondLst>
+                                        </p:cTn>
+                                        <p:tgtEl>
+                                          <p:spTgt spid="8"/>
+                                        </p:tgtEl>
+                                        <p:attrNameLst>
+                                          <p:attrName>style.visibility</p:attrName>
+                                        </p:attrNameLst>
+                                      </p:cBhvr>
+                                      <p:to>
+                                        <p:strVal val="visible"/>
+                                      </p:to>
+                                    </p:set>
+                                    <p:animEffect transition="in" filter="dissolve">
+                                      <p:cBhvr>
+                                        <p:cTn id="29" dur="500"/>
+                                        <p:tgtEl>
+                                          <p:spTgt spid="8"/>
+                                        </p:tgtEl>
+                                      </p:cBhvr>
+                                    </p:animEffect>
+                                  </p:childTnLst>
+                                </p:cTn>
+                              </p:par>
+                              <p:par>
+                                <p:cTn id="30" presetID="9" presetClass="entr" presetSubtype="0" fill="hold" grpId="1" nodeType="withEffect">
+                                  <p:stCondLst>
+                                    <p:cond delay="0"/>
+                                  </p:stCondLst>
+                                  <p:childTnLst>
+                                    <p:set>
+                                      <p:cBhvr>
+                                        <p:cTn id="31" dur="1" fill="hold">
+                                          <p:stCondLst>
+                                            <p:cond delay="0"/>
+                                          </p:stCondLst>
+                                        </p:cTn>
+                                        <p:tgtEl>
+                                          <p:spTgt spid="18"/>
+                                        </p:tgtEl>
+                                        <p:attrNameLst>
+                                          <p:attrName>style.visibility</p:attrName>
+                                        </p:attrNameLst>
+                                      </p:cBhvr>
+                                      <p:to>
+                                        <p:strVal val="visible"/>
+                                      </p:to>
+                                    </p:set>
+                                    <p:animEffect transition="in" filter="dissolve">
+                                      <p:cBhvr>
+                                        <p:cTn id="32" dur="500"/>
+                                        <p:tgtEl>
+                                          <p:spTgt spid="18"/>
+                                        </p:tgtEl>
+                                      </p:cBhvr>
+                                    </p:animEffect>
+                                  </p:childTnLst>
+                                </p:cTn>
+                              </p:par>
+                            </p:childTnLst>
+                          </p:cTn>
+                        </p:par>
+                      </p:childTnLst>
+                    </p:cTn>
+                  </p:par>
+                  <p:par>
+                    <p:cTn id="33" fill="hold">
+                      <p:stCondLst>
+                        <p:cond delay="indefinite"/>
+                      </p:stCondLst>
+                      <p:childTnLst>
+                        <p:par>
+                          <p:cTn id="34" fill="hold">
+                            <p:stCondLst>
+                              <p:cond delay="0"/>
+                            </p:stCondLst>
+                            <p:childTnLst>
+                              <p:par>
+                                <p:cTn id="35" presetID="9" presetClass="entr" presetSubtype="0" fill="hold" grpId="1" nodeType="clickEffect">
+                                  <p:stCondLst>
+                                    <p:cond delay="0"/>
+                                  </p:stCondLst>
+                                  <p:childTnLst>
+                                    <p:set>
+                                      <p:cBhvr>
+                                        <p:cTn id="36" dur="1" fill="hold">
+                                          <p:stCondLst>
+                                            <p:cond delay="0"/>
+                                          </p:stCondLst>
+                                        </p:cTn>
+                                        <p:tgtEl>
+                                          <p:spTgt spid="17"/>
+                                        </p:tgtEl>
+                                        <p:attrNameLst>
+                                          <p:attrName>style.visibility</p:attrName>
+                                        </p:attrNameLst>
+                                      </p:cBhvr>
+                                      <p:to>
+                                        <p:strVal val="visible"/>
+                                      </p:to>
+                                    </p:set>
+                                    <p:animEffect transition="in" filter="dissolve">
+                                      <p:cBhvr>
+                                        <p:cTn id="37" dur="500"/>
+                                        <p:tgtEl>
+                                          <p:spTgt spid="17"/>
+                                        </p:tgtEl>
+                                      </p:cBhvr>
+                                    </p:animEffect>
+                                  </p:childTnLst>
+                                </p:cTn>
+                              </p:par>
+                              <p:par>
+                                <p:cTn id="38" presetID="9" presetClass="entr" presetSubtype="0" fill="hold" grpId="1" nodeType="withEffect">
+                                  <p:stCondLst>
+                                    <p:cond delay="0"/>
+                                  </p:stCondLst>
+                                  <p:childTnLst>
+                                    <p:set>
+                                      <p:cBhvr>
+                                        <p:cTn id="39" dur="1" fill="hold">
+                                          <p:stCondLst>
+                                            <p:cond delay="0"/>
+                                          </p:stCondLst>
+                                        </p:cTn>
+                                        <p:tgtEl>
+                                          <p:spTgt spid="7"/>
+                                        </p:tgtEl>
+                                        <p:attrNameLst>
+                                          <p:attrName>style.visibility</p:attrName>
+                                        </p:attrNameLst>
+                                      </p:cBhvr>
+                                      <p:to>
+                                        <p:strVal val="visible"/>
+                                      </p:to>
+                                    </p:set>
+                                    <p:animEffect transition="in" filter="dissolve">
+                                      <p:cBhvr>
+                                        <p:cTn id="40" dur="500"/>
+                                        <p:tgtEl>
+                                          <p:spTgt spid="7"/>
+                                        </p:tgtEl>
+                                      </p:cBhvr>
+                                    </p:animEffect>
+                                  </p:childTnLst>
+                                </p:cTn>
+                              </p:par>
+                            </p:childTnLst>
+                          </p:cTn>
+                        </p:par>
+                      </p:childTnLst>
+                    </p:cTn>
+                  </p:par>
+                  <p:par>
+                    <p:cTn id="41" fill="hold">
+                      <p:stCondLst>
+                        <p:cond delay="indefinite"/>
+                      </p:stCondLst>
+                      <p:childTnLst>
+                        <p:par>
+                          <p:cTn id="42" fill="hold">
+                            <p:stCondLst>
+                              <p:cond delay="0"/>
+                            </p:stCondLst>
+                            <p:childTnLst>
+                              <p:par>
+                                <p:cTn id="43" presetID="9" presetClass="entr" presetSubtype="0" fill="hold" grpId="1" nodeType="clickEffect">
+                                  <p:stCondLst>
+                                    <p:cond delay="0"/>
+                                  </p:stCondLst>
+                                  <p:childTnLst>
+                                    <p:set>
+                                      <p:cBhvr>
+                                        <p:cTn id="44" dur="1" fill="hold">
+                                          <p:stCondLst>
+                                            <p:cond delay="0"/>
+                                          </p:stCondLst>
+                                        </p:cTn>
+                                        <p:tgtEl>
+                                          <p:spTgt spid="10"/>
+                                        </p:tgtEl>
+                                        <p:attrNameLst>
+                                          <p:attrName>style.visibility</p:attrName>
+                                        </p:attrNameLst>
+                                      </p:cBhvr>
+                                      <p:to>
+                                        <p:strVal val="visible"/>
+                                      </p:to>
+                                    </p:set>
+                                    <p:animEffect transition="in" filter="dissolve">
+                                      <p:cBhvr>
+                                        <p:cTn id="45" dur="500"/>
+                                        <p:tgtEl>
+                                          <p:spTgt spid="10"/>
+                                        </p:tgtEl>
+                                      </p:cBhvr>
+                                    </p:animEffect>
+                                  </p:childTnLst>
+                                </p:cTn>
+                              </p:par>
+                              <p:par>
+                                <p:cTn id="46" presetID="9" presetClass="entr" presetSubtype="0" fill="hold" grpId="1" nodeType="withEffect">
+                                  <p:stCondLst>
+                                    <p:cond delay="0"/>
+                                  </p:stCondLst>
+                                  <p:childTnLst>
+                                    <p:set>
+                                      <p:cBhvr>
+                                        <p:cTn id="47" dur="1" fill="hold">
+                                          <p:stCondLst>
+                                            <p:cond delay="0"/>
+                                          </p:stCondLst>
+                                        </p:cTn>
+                                        <p:tgtEl>
+                                          <p:spTgt spid="5"/>
+                                        </p:tgtEl>
+                                        <p:attrNameLst>
+                                          <p:attrName>style.visibility</p:attrName>
+                                        </p:attrNameLst>
+                                      </p:cBhvr>
+                                      <p:to>
+                                        <p:strVal val="visible"/>
+                                      </p:to>
+                                    </p:set>
+                                    <p:animEffect transition="in" filter="dissolve">
+                                      <p:cBhvr>
+                                        <p:cTn id="48" dur="500"/>
+                                        <p:tgtEl>
+                                          <p:spTgt spid="5"/>
+                                        </p:tgtEl>
+                                      </p:cBhvr>
+                                    </p:animEffect>
+                                  </p:childTnLst>
+                                </p:cTn>
+                              </p:par>
+                            </p:childTnLst>
+                          </p:cTn>
+                        </p:par>
+                      </p:childTnLst>
+                    </p:cTn>
+                  </p:par>
+                  <p:par>
+                    <p:cTn id="49" fill="hold">
+                      <p:stCondLst>
+                        <p:cond delay="indefinite"/>
+                      </p:stCondLst>
+                      <p:childTnLst>
+                        <p:par>
+                          <p:cTn id="50" fill="hold">
+                            <p:stCondLst>
+                              <p:cond delay="0"/>
+                            </p:stCondLst>
+                            <p:childTnLst>
+                              <p:par>
+                                <p:cTn id="51" presetID="9" presetClass="entr" presetSubtype="0" fill="hold" grpId="1" nodeType="clickEffect">
+                                  <p:stCondLst>
+                                    <p:cond delay="0"/>
+                                  </p:stCondLst>
+                                  <p:childTnLst>
+                                    <p:set>
+                                      <p:cBhvr>
+                                        <p:cTn id="52" dur="1" fill="hold">
+                                          <p:stCondLst>
+                                            <p:cond delay="0"/>
+                                          </p:stCondLst>
+                                        </p:cTn>
+                                        <p:tgtEl>
+                                          <p:spTgt spid="12"/>
+                                        </p:tgtEl>
+                                        <p:attrNameLst>
+                                          <p:attrName>style.visibility</p:attrName>
+                                        </p:attrNameLst>
+                                      </p:cBhvr>
+                                      <p:to>
+                                        <p:strVal val="visible"/>
+                                      </p:to>
+                                    </p:set>
+                                    <p:animEffect transition="in" filter="dissolve">
+                                      <p:cBhvr>
+                                        <p:cTn id="53" dur="500"/>
+                                        <p:tgtEl>
+                                          <p:spTgt spid="12"/>
+                                        </p:tgtEl>
+                                      </p:cBhvr>
+                                    </p:animEffect>
+                                  </p:childTnLst>
+                                </p:cTn>
+                              </p:par>
+                              <p:par>
+                                <p:cTn id="54" presetID="9" presetClass="entr" presetSubtype="0" fill="hold" grpId="1" nodeType="withEffect">
+                                  <p:stCondLst>
+                                    <p:cond delay="0"/>
+                                  </p:stCondLst>
+                                  <p:childTnLst>
+                                    <p:set>
+                                      <p:cBhvr>
+                                        <p:cTn id="55" dur="1" fill="hold">
+                                          <p:stCondLst>
+                                            <p:cond delay="0"/>
+                                          </p:stCondLst>
+                                        </p:cTn>
+                                        <p:tgtEl>
+                                          <p:spTgt spid="6"/>
+                                        </p:tgtEl>
+                                        <p:attrNameLst>
+                                          <p:attrName>style.visibility</p:attrName>
+                                        </p:attrNameLst>
+                                      </p:cBhvr>
+                                      <p:to>
+                                        <p:strVal val="visible"/>
+                                      </p:to>
+                                    </p:set>
+                                    <p:animEffect transition="in" filter="dissolve">
+                                      <p:cBhvr>
+                                        <p:cTn id="56" dur="500"/>
+                                        <p:tgtEl>
+                                          <p:spTgt spid="6"/>
+                                        </p:tgtEl>
+                                      </p:cBhvr>
+                                    </p:animEffect>
+                                  </p:childTnLst>
+                                </p:cTn>
+                              </p:par>
+                            </p:childTnLst>
+                          </p:cTn>
+                        </p:par>
+                      </p:childTnLst>
+                    </p:cTn>
+                  </p:par>
+                  <p:par>
+                    <p:cTn id="57" fill="hold">
+                      <p:stCondLst>
+                        <p:cond delay="indefinite"/>
+                      </p:stCondLst>
+                      <p:childTnLst>
+                        <p:par>
+                          <p:cTn id="58" fill="hold">
+                            <p:stCondLst>
+                              <p:cond delay="0"/>
+                            </p:stCondLst>
+                            <p:childTnLst>
+                              <p:par>
+                                <p:cTn id="59" presetID="9" presetClass="entr" presetSubtype="0" fill="hold" grpId="1" nodeType="clickEffect">
+                                  <p:stCondLst>
+                                    <p:cond delay="0"/>
+                                  </p:stCondLst>
+                                  <p:childTnLst>
+                                    <p:set>
+                                      <p:cBhvr>
+                                        <p:cTn id="60" dur="1" fill="hold">
+                                          <p:stCondLst>
+                                            <p:cond delay="0"/>
+                                          </p:stCondLst>
+                                        </p:cTn>
+                                        <p:tgtEl>
+                                          <p:spTgt spid="9"/>
+                                        </p:tgtEl>
+                                        <p:attrNameLst>
+                                          <p:attrName>style.visibility</p:attrName>
+                                        </p:attrNameLst>
+                                      </p:cBhvr>
+                                      <p:to>
+                                        <p:strVal val="visible"/>
+                                      </p:to>
+                                    </p:set>
+                                    <p:animEffect transition="in" filter="dissolve">
+                                      <p:cBhvr>
+                                        <p:cTn id="61" dur="500"/>
+                                        <p:tgtEl>
+                                          <p:spTgt spid="9"/>
+                                        </p:tgtEl>
+                                      </p:cBhvr>
+                                    </p:animEffect>
+                                  </p:childTnLst>
+                                </p:cTn>
+                              </p:par>
+                              <p:par>
+                                <p:cTn id="62" presetID="9" presetClass="entr" presetSubtype="0" fill="hold" grpId="1" nodeType="withEffect">
+                                  <p:stCondLst>
+                                    <p:cond delay="0"/>
+                                  </p:stCondLst>
+                                  <p:childTnLst>
+                                    <p:set>
+                                      <p:cBhvr>
+                                        <p:cTn id="63" dur="1" fill="hold">
+                                          <p:stCondLst>
+                                            <p:cond delay="0"/>
+                                          </p:stCondLst>
+                                        </p:cTn>
+                                        <p:tgtEl>
+                                          <p:spTgt spid="4"/>
+                                        </p:tgtEl>
+                                        <p:attrNameLst>
+                                          <p:attrName>style.visibility</p:attrName>
+                                        </p:attrNameLst>
+                                      </p:cBhvr>
+                                      <p:to>
+                                        <p:strVal val="visible"/>
+                                      </p:to>
+                                    </p:set>
+                                    <p:animEffect transition="in" filter="dissolve">
+                                      <p:cBhvr>
+                                        <p:cTn id="64" dur="500"/>
+                                        <p:tgtEl>
+                                          <p:spTgt spid="4"/>
+                                        </p:tgtEl>
+                                      </p:cBhvr>
+                                    </p:animEffect>
+                                  </p:childTnLst>
+                                </p:cTn>
+                              </p:par>
+                            </p:childTnLst>
+                          </p:cTn>
+                        </p:par>
+                      </p:childTnLst>
+                    </p:cTn>
+                  </p:par>
+                </p:childTnLst>
+              </p:cTn>
+              <p:prevCondLst>
+                <p:cond evt="onPrev" delay="0">
+                  <p:tgtEl>
+                    <p:sldTgt/>
+                  </p:tgtEl>
+                </p:cond>
+              </p:prevCondLst>
+              <p:nextCondLst>
+                <p:cond evt="onNext" delay="0">
+                  <p:tgtEl>
+                    <p:sldTgt/>
+                  </p:tgtEl>
+                </p:cond>
+              </p:nextCondLst>
+            </p:seq>
+          </p:childTnLst>
+        </p:cTn>
+      </p:par>
+    </p:tnLst>
+    <p:bldLst>
+      <p:bldP spid="4" grpId="0"/>
+      <p:bldP spid="4" grpId="1"/>
+      <p:bldP spid="5" grpId="0"/>
+      <p:bldP spid="5" grpId="1"/>
+      <p:bldP spid="6" grpId="0"/>
+      <p:bldP spid="6" grpId="1"/>
+      <p:bldP spid="7" grpId="0"/>
+      <p:bldP spid="7" grpId="1"/>
+      <p:bldP spid="8" grpId="0"/>
+      <p:bldP spid="8" grpId="1"/>
+      <p:bldP spid="9" grpId="0" animBg="1"/>
+      <p:bldP spid="9" grpId="1" animBg="1"/>
+      <p:bldP spid="10" grpId="0" animBg="1"/>
+      <p:bldP spid="10" grpId="1" animBg="1"/>
+      <p:bldP spid="12" grpId="0" animBg="1"/>
+      <p:bldP spid="12" grpId="1" animBg="1"/>
+      <p:bldP spid="17" grpId="0" animBg="1"/>
+      <p:bldP spid="17" grpId="1" animBg="1"/>
+      <p:bldP spid="18" grpId="0" animBg="1"/>
+      <p:bldP spid="18" grpId="1" animBg="1"/>
+    </p:bldLst>
+  </p:timing>
 </p:sld>
 </file>
 
@@ -8796,7 +11003,12 @@
             <p:ph type="title"/>
           </p:nvPr>
         </p:nvSpPr>
-        <p:spPr/>
+        <p:spPr>
+          <a:xfrm>
+            <a:off x="-6956" y="318033"/>
+            <a:ext cx="12192000" cy="775778"/>
+          </a:xfrm>
+        </p:spPr>
         <p:txBody>
           <a:bodyPr/>
           <a:lstStyle/>
@@ -12012,7 +14224,7 @@
   <p:cSld>
     <p:spTree>
       <p:nvGrpSpPr>
-        <p:cNvPr id="1" name=""/>
+        <p:cNvPr id="1" name="Shape 253"/>
         <p:cNvGrpSpPr/>
         <p:nvPr/>
       </p:nvGrpSpPr>
@@ -12026,39 +14238,1024 @@
       </p:grpSpPr>
       <p:sp>
         <p:nvSpPr>
-          <p:cNvPr id="2" name="Title 1">
-            <a:extLst>
-              <a:ext uri="{FF2B5EF4-FFF2-40B4-BE49-F238E27FC236}">
-                <a16:creationId xmlns:a16="http://schemas.microsoft.com/office/drawing/2014/main" id="{405A28B1-AA46-0319-1D2F-EBDAAA4038D5}"/>
-              </a:ext>
-            </a:extLst>
-          </p:cNvPr>
-          <p:cNvSpPr>
+          <p:cNvPr id="254" name="Google Shape;254;p19"/>
+          <p:cNvSpPr txBox="1">
             <a:spLocks noGrp="1"/>
           </p:cNvSpPr>
           <p:nvPr>
             <p:ph type="title"/>
           </p:nvPr>
         </p:nvSpPr>
-        <p:spPr/>
+        <p:spPr>
+          <a:xfrm>
+            <a:off x="947034" y="506088"/>
+            <a:ext cx="10298000" cy="641600"/>
+          </a:xfrm>
+          <a:prstGeom prst="rect">
+            <a:avLst/>
+          </a:prstGeom>
+        </p:spPr>
         <p:txBody>
-          <a:bodyPr/>
+          <a:bodyPr spcFirstLastPara="1" vert="horz" wrap="square" lIns="121900" tIns="121900" rIns="121900" bIns="121900" rtlCol="0" anchor="ctr" anchorCtr="0">
+            <a:noAutofit/>
+          </a:bodyPr>
           <a:lstStyle/>
           <a:p>
+            <a:pPr algn="ctr">
+              <a:spcBef>
+                <a:spcPts val="0"/>
+              </a:spcBef>
+            </a:pPr>
             <a:r>
-              <a:rPr lang="en-US" dirty="0"/>
-              <a:t>Bibliography</a:t>
+              <a:rPr lang="en" b="1" dirty="0"/>
+              <a:t>Famous Examples</a:t>
             </a:r>
-            <a:endParaRPr lang="en-NL" dirty="0"/>
+            <a:endParaRPr b="1" dirty="0"/>
           </a:p>
         </p:txBody>
       </p:sp>
+      <p:grpSp>
+        <p:nvGrpSpPr>
+          <p:cNvPr id="255" name="Google Shape;255;p19"/>
+          <p:cNvGrpSpPr/>
+          <p:nvPr/>
+        </p:nvGrpSpPr>
+        <p:grpSpPr>
+          <a:xfrm>
+            <a:off x="4577701" y="3212368"/>
+            <a:ext cx="6667265" cy="1129600"/>
+            <a:chOff x="3433276" y="2409276"/>
+            <a:chExt cx="5000449" cy="847200"/>
+          </a:xfrm>
+        </p:grpSpPr>
+        <p:sp>
+          <p:nvSpPr>
+            <p:cNvPr id="256" name="Google Shape;256;p19"/>
+            <p:cNvSpPr/>
+            <p:nvPr/>
+          </p:nvSpPr>
+          <p:spPr>
+            <a:xfrm rot="-5400000">
+              <a:off x="4121626" y="1720926"/>
+              <a:ext cx="847200" cy="2223900"/>
+            </a:xfrm>
+            <a:prstGeom prst="round2SameRect">
+              <a:avLst>
+                <a:gd name="adj1" fmla="val 50000"/>
+                <a:gd name="adj2" fmla="val 0"/>
+              </a:avLst>
+            </a:prstGeom>
+            <a:solidFill>
+              <a:schemeClr val="tx2">
+                <a:lumMod val="75000"/>
+              </a:schemeClr>
+            </a:solidFill>
+            <a:ln>
+              <a:noFill/>
+            </a:ln>
+          </p:spPr>
+          <p:txBody>
+            <a:bodyPr spcFirstLastPara="1" wrap="square" lIns="121900" tIns="121900" rIns="121900" bIns="121900" anchor="ctr" anchorCtr="0">
+              <a:noAutofit/>
+            </a:bodyPr>
+            <a:lstStyle/>
+            <a:p>
+              <a:endParaRPr sz="2400"/>
+            </a:p>
+          </p:txBody>
+        </p:sp>
+        <p:sp>
+          <p:nvSpPr>
+            <p:cNvPr id="257" name="Google Shape;257;p19"/>
+            <p:cNvSpPr/>
+            <p:nvPr/>
+          </p:nvSpPr>
+          <p:spPr>
+            <a:xfrm>
+              <a:off x="4288175" y="2639976"/>
+              <a:ext cx="1948800" cy="385800"/>
+            </a:xfrm>
+            <a:prstGeom prst="roundRect">
+              <a:avLst>
+                <a:gd name="adj" fmla="val 50000"/>
+              </a:avLst>
+            </a:prstGeom>
+            <a:solidFill>
+              <a:srgbClr val="FFFFFF"/>
+            </a:solidFill>
+            <a:ln w="9525" cap="flat" cmpd="sng">
+              <a:solidFill>
+                <a:schemeClr val="tx2">
+                  <a:lumMod val="75000"/>
+                </a:schemeClr>
+              </a:solidFill>
+              <a:prstDash val="solid"/>
+              <a:round/>
+              <a:headEnd type="none" w="sm" len="sm"/>
+              <a:tailEnd type="none" w="sm" len="sm"/>
+            </a:ln>
+          </p:spPr>
+          <p:txBody>
+            <a:bodyPr spcFirstLastPara="1" wrap="square" lIns="243833" tIns="121900" rIns="121900" bIns="121900" anchor="ctr" anchorCtr="0">
+              <a:noAutofit/>
+            </a:bodyPr>
+            <a:lstStyle/>
+            <a:p>
+              <a:pPr>
+                <a:buClr>
+                  <a:schemeClr val="dk1"/>
+                </a:buClr>
+                <a:buSzPts val="1100"/>
+              </a:pPr>
+              <a:r>
+                <a:rPr lang="en" sz="2267" dirty="0">
+                  <a:solidFill>
+                    <a:schemeClr val="tx2">
+                      <a:lumMod val="75000"/>
+                    </a:schemeClr>
+                  </a:solidFill>
+                  <a:latin typeface="Fira Sans Extra Condensed Medium"/>
+                  <a:ea typeface="Fira Sans Extra Condensed Medium"/>
+                  <a:cs typeface="Fira Sans Extra Condensed Medium"/>
+                  <a:sym typeface="Fira Sans Extra Condensed Medium"/>
+                </a:rPr>
+                <a:t>Google</a:t>
+              </a:r>
+              <a:endParaRPr sz="2400" dirty="0">
+                <a:solidFill>
+                  <a:schemeClr val="tx2">
+                    <a:lumMod val="75000"/>
+                  </a:schemeClr>
+                </a:solidFill>
+              </a:endParaRPr>
+            </a:p>
+          </p:txBody>
+        </p:sp>
+        <p:sp>
+          <p:nvSpPr>
+            <p:cNvPr id="258" name="Google Shape;258;p19"/>
+            <p:cNvSpPr txBox="1"/>
+            <p:nvPr/>
+          </p:nvSpPr>
+          <p:spPr>
+            <a:xfrm>
+              <a:off x="6346925" y="2457995"/>
+              <a:ext cx="2086800" cy="534900"/>
+            </a:xfrm>
+            <a:prstGeom prst="rect">
+              <a:avLst/>
+            </a:prstGeom>
+            <a:noFill/>
+            <a:ln>
+              <a:noFill/>
+            </a:ln>
+          </p:spPr>
+          <p:txBody>
+            <a:bodyPr spcFirstLastPara="1" wrap="square" lIns="121900" tIns="121900" rIns="121900" bIns="121900" anchor="t" anchorCtr="0">
+              <a:noAutofit/>
+            </a:bodyPr>
+            <a:lstStyle/>
+            <a:p>
+              <a:pPr algn="ctr"/>
+              <a:r>
+                <a:rPr lang="en-GB" sz="1400" dirty="0">
+                  <a:latin typeface="Roboto"/>
+                  <a:ea typeface="Roboto"/>
+                  <a:cs typeface="Roboto"/>
+                  <a:sym typeface="Roboto"/>
+                </a:rPr>
+                <a:t>Google uses SQLite in their Android cell-phone operating system, and in the Chrome Web Browser.</a:t>
+              </a:r>
+              <a:endParaRPr sz="1400" dirty="0">
+                <a:latin typeface="Roboto"/>
+                <a:ea typeface="Roboto"/>
+                <a:cs typeface="Roboto"/>
+                <a:sym typeface="Roboto"/>
+              </a:endParaRPr>
+            </a:p>
+          </p:txBody>
+        </p:sp>
+      </p:grpSp>
+      <p:grpSp>
+        <p:nvGrpSpPr>
+          <p:cNvPr id="259" name="Google Shape;259;p19"/>
+          <p:cNvGrpSpPr/>
+          <p:nvPr/>
+        </p:nvGrpSpPr>
+        <p:grpSpPr>
+          <a:xfrm>
+            <a:off x="4577701" y="4727517"/>
+            <a:ext cx="6667265" cy="1129600"/>
+            <a:chOff x="3433276" y="3545638"/>
+            <a:chExt cx="5000449" cy="847200"/>
+          </a:xfrm>
+        </p:grpSpPr>
+        <p:sp>
+          <p:nvSpPr>
+            <p:cNvPr id="260" name="Google Shape;260;p19"/>
+            <p:cNvSpPr/>
+            <p:nvPr/>
+          </p:nvSpPr>
+          <p:spPr>
+            <a:xfrm rot="-5400000">
+              <a:off x="4121626" y="2857288"/>
+              <a:ext cx="847200" cy="2223900"/>
+            </a:xfrm>
+            <a:prstGeom prst="round2SameRect">
+              <a:avLst>
+                <a:gd name="adj1" fmla="val 50000"/>
+                <a:gd name="adj2" fmla="val 0"/>
+              </a:avLst>
+            </a:prstGeom>
+            <a:solidFill>
+              <a:schemeClr val="accent3"/>
+            </a:solidFill>
+            <a:ln>
+              <a:noFill/>
+            </a:ln>
+          </p:spPr>
+          <p:txBody>
+            <a:bodyPr spcFirstLastPara="1" wrap="square" lIns="121900" tIns="121900" rIns="121900" bIns="121900" anchor="ctr" anchorCtr="0">
+              <a:noAutofit/>
+            </a:bodyPr>
+            <a:lstStyle/>
+            <a:p>
+              <a:endParaRPr sz="2400"/>
+            </a:p>
+          </p:txBody>
+        </p:sp>
+        <p:sp>
+          <p:nvSpPr>
+            <p:cNvPr id="261" name="Google Shape;261;p19"/>
+            <p:cNvSpPr/>
+            <p:nvPr/>
+          </p:nvSpPr>
+          <p:spPr>
+            <a:xfrm>
+              <a:off x="4288175" y="3776338"/>
+              <a:ext cx="1948800" cy="385800"/>
+            </a:xfrm>
+            <a:prstGeom prst="roundRect">
+              <a:avLst>
+                <a:gd name="adj" fmla="val 50000"/>
+              </a:avLst>
+            </a:prstGeom>
+            <a:solidFill>
+              <a:srgbClr val="FFFFFF"/>
+            </a:solidFill>
+            <a:ln w="9525" cap="flat" cmpd="sng">
+              <a:solidFill>
+                <a:schemeClr val="accent3"/>
+              </a:solidFill>
+              <a:prstDash val="solid"/>
+              <a:round/>
+              <a:headEnd type="none" w="sm" len="sm"/>
+              <a:tailEnd type="none" w="sm" len="sm"/>
+            </a:ln>
+          </p:spPr>
+          <p:txBody>
+            <a:bodyPr spcFirstLastPara="1" wrap="square" lIns="243833" tIns="121900" rIns="121900" bIns="121900" anchor="ctr" anchorCtr="0">
+              <a:noAutofit/>
+            </a:bodyPr>
+            <a:lstStyle/>
+            <a:p>
+              <a:pPr>
+                <a:buClr>
+                  <a:schemeClr val="dk1"/>
+                </a:buClr>
+                <a:buSzPts val="1100"/>
+              </a:pPr>
+              <a:r>
+                <a:rPr lang="en" sz="2267" dirty="0">
+                  <a:solidFill>
+                    <a:schemeClr val="accent3"/>
+                  </a:solidFill>
+                  <a:latin typeface="Fira Sans Extra Condensed Medium"/>
+                  <a:ea typeface="Fira Sans Extra Condensed Medium"/>
+                  <a:cs typeface="Fira Sans Extra Condensed Medium"/>
+                  <a:sym typeface="Fira Sans Extra Condensed Medium"/>
+                </a:rPr>
+                <a:t>Apple</a:t>
+              </a:r>
+              <a:endParaRPr sz="2400" dirty="0">
+                <a:solidFill>
+                  <a:schemeClr val="accent3"/>
+                </a:solidFill>
+              </a:endParaRPr>
+            </a:p>
+          </p:txBody>
+        </p:sp>
+        <p:sp>
+          <p:nvSpPr>
+            <p:cNvPr id="262" name="Google Shape;262;p19"/>
+            <p:cNvSpPr txBox="1"/>
+            <p:nvPr/>
+          </p:nvSpPr>
+          <p:spPr>
+            <a:xfrm>
+              <a:off x="6346925" y="3627180"/>
+              <a:ext cx="2086800" cy="534900"/>
+            </a:xfrm>
+            <a:prstGeom prst="rect">
+              <a:avLst/>
+            </a:prstGeom>
+            <a:noFill/>
+            <a:ln>
+              <a:noFill/>
+            </a:ln>
+          </p:spPr>
+          <p:txBody>
+            <a:bodyPr spcFirstLastPara="1" wrap="square" lIns="121900" tIns="121900" rIns="121900" bIns="121900" anchor="t" anchorCtr="0">
+              <a:noAutofit/>
+            </a:bodyPr>
+            <a:lstStyle/>
+            <a:p>
+              <a:pPr algn="ctr"/>
+              <a:r>
+                <a:rPr lang="en-GB" sz="1400" dirty="0">
+                  <a:latin typeface="Roboto"/>
+                  <a:ea typeface="Roboto"/>
+                  <a:cs typeface="Roboto"/>
+                  <a:sym typeface="Roboto"/>
+                </a:rPr>
+                <a:t>Apple uses SQLite in many of the native applications running on Mac OS-X desktops and servers and on iOS devices.</a:t>
+              </a:r>
+              <a:endParaRPr sz="1400" dirty="0">
+                <a:latin typeface="Roboto"/>
+                <a:ea typeface="Roboto"/>
+                <a:cs typeface="Roboto"/>
+                <a:sym typeface="Roboto"/>
+              </a:endParaRPr>
+            </a:p>
+          </p:txBody>
+        </p:sp>
+      </p:grpSp>
+      <p:grpSp>
+        <p:nvGrpSpPr>
+          <p:cNvPr id="263" name="Google Shape;263;p19"/>
+          <p:cNvGrpSpPr/>
+          <p:nvPr/>
+        </p:nvGrpSpPr>
+        <p:grpSpPr>
+          <a:xfrm>
+            <a:off x="4577701" y="1697220"/>
+            <a:ext cx="6778556" cy="1129600"/>
+            <a:chOff x="3433276" y="1272915"/>
+            <a:chExt cx="5083917" cy="847200"/>
+          </a:xfrm>
+        </p:grpSpPr>
+        <p:sp>
+          <p:nvSpPr>
+            <p:cNvPr id="264" name="Google Shape;264;p19"/>
+            <p:cNvSpPr/>
+            <p:nvPr/>
+          </p:nvSpPr>
+          <p:spPr>
+            <a:xfrm rot="-5400000">
+              <a:off x="4121626" y="584565"/>
+              <a:ext cx="847200" cy="2223900"/>
+            </a:xfrm>
+            <a:prstGeom prst="round2SameRect">
+              <a:avLst>
+                <a:gd name="adj1" fmla="val 50000"/>
+                <a:gd name="adj2" fmla="val 0"/>
+              </a:avLst>
+            </a:prstGeom>
+            <a:solidFill>
+              <a:schemeClr val="accent1"/>
+            </a:solidFill>
+            <a:ln>
+              <a:noFill/>
+            </a:ln>
+          </p:spPr>
+          <p:txBody>
+            <a:bodyPr spcFirstLastPara="1" wrap="square" lIns="121900" tIns="121900" rIns="121900" bIns="121900" anchor="ctr" anchorCtr="0">
+              <a:noAutofit/>
+            </a:bodyPr>
+            <a:lstStyle/>
+            <a:p>
+              <a:endParaRPr sz="2400"/>
+            </a:p>
+          </p:txBody>
+        </p:sp>
+        <p:sp>
+          <p:nvSpPr>
+            <p:cNvPr id="265" name="Google Shape;265;p19"/>
+            <p:cNvSpPr/>
+            <p:nvPr/>
+          </p:nvSpPr>
+          <p:spPr>
+            <a:xfrm>
+              <a:off x="4288175" y="1503615"/>
+              <a:ext cx="1948800" cy="385800"/>
+            </a:xfrm>
+            <a:prstGeom prst="roundRect">
+              <a:avLst>
+                <a:gd name="adj" fmla="val 50000"/>
+              </a:avLst>
+            </a:prstGeom>
+            <a:solidFill>
+              <a:srgbClr val="FFFFFF"/>
+            </a:solidFill>
+            <a:ln w="9525" cap="flat" cmpd="sng">
+              <a:solidFill>
+                <a:schemeClr val="accent1"/>
+              </a:solidFill>
+              <a:prstDash val="solid"/>
+              <a:round/>
+              <a:headEnd type="none" w="sm" len="sm"/>
+              <a:tailEnd type="none" w="sm" len="sm"/>
+            </a:ln>
+          </p:spPr>
+          <p:txBody>
+            <a:bodyPr spcFirstLastPara="1" wrap="square" lIns="243833" tIns="121900" rIns="121900" bIns="121900" anchor="ctr" anchorCtr="0">
+              <a:noAutofit/>
+            </a:bodyPr>
+            <a:lstStyle/>
+            <a:p>
+              <a:pPr>
+                <a:buClr>
+                  <a:schemeClr val="dk1"/>
+                </a:buClr>
+                <a:buSzPts val="1100"/>
+              </a:pPr>
+              <a:r>
+                <a:rPr lang="en" sz="2267" dirty="0">
+                  <a:solidFill>
+                    <a:schemeClr val="accent1"/>
+                  </a:solidFill>
+                  <a:latin typeface="Fira Sans Extra Condensed Medium"/>
+                  <a:ea typeface="Fira Sans Extra Condensed Medium"/>
+                  <a:cs typeface="Fira Sans Extra Condensed Medium"/>
+                  <a:sym typeface="Fira Sans Extra Condensed Medium"/>
+                </a:rPr>
+                <a:t>Microsoft</a:t>
+              </a:r>
+              <a:endParaRPr sz="2267" dirty="0">
+                <a:solidFill>
+                  <a:schemeClr val="accent1"/>
+                </a:solidFill>
+                <a:latin typeface="Fira Sans Extra Condensed Medium"/>
+                <a:ea typeface="Fira Sans Extra Condensed Medium"/>
+                <a:cs typeface="Fira Sans Extra Condensed Medium"/>
+                <a:sym typeface="Fira Sans Extra Condensed Medium"/>
+              </a:endParaRPr>
+            </a:p>
+          </p:txBody>
+        </p:sp>
+        <p:sp>
+          <p:nvSpPr>
+            <p:cNvPr id="266" name="Google Shape;266;p19"/>
+            <p:cNvSpPr txBox="1"/>
+            <p:nvPr/>
+          </p:nvSpPr>
+          <p:spPr>
+            <a:xfrm>
+              <a:off x="6347049" y="1429065"/>
+              <a:ext cx="2170144" cy="534900"/>
+            </a:xfrm>
+            <a:prstGeom prst="rect">
+              <a:avLst/>
+            </a:prstGeom>
+            <a:noFill/>
+            <a:ln>
+              <a:noFill/>
+            </a:ln>
+          </p:spPr>
+          <p:txBody>
+            <a:bodyPr spcFirstLastPara="1" wrap="square" lIns="121900" tIns="121900" rIns="121900" bIns="121900" anchor="t" anchorCtr="0">
+              <a:noAutofit/>
+            </a:bodyPr>
+            <a:lstStyle/>
+            <a:p>
+              <a:pPr algn="ctr"/>
+              <a:r>
+                <a:rPr lang="en-GB" sz="1400" dirty="0">
+                  <a:latin typeface="Roboto"/>
+                  <a:ea typeface="Roboto"/>
+                  <a:cs typeface="Roboto"/>
+                  <a:sym typeface="Roboto"/>
+                </a:rPr>
+                <a:t>Microsoft uses SQLite as a core component of Windows 10 and 11</a:t>
+              </a:r>
+              <a:endParaRPr sz="1400" dirty="0">
+                <a:latin typeface="Roboto"/>
+                <a:ea typeface="Roboto"/>
+                <a:cs typeface="Roboto"/>
+                <a:sym typeface="Roboto"/>
+              </a:endParaRPr>
+            </a:p>
+          </p:txBody>
+        </p:sp>
+      </p:grpSp>
+      <p:grpSp>
+        <p:nvGrpSpPr>
+          <p:cNvPr id="283" name="Google Shape;283;p19"/>
+          <p:cNvGrpSpPr/>
+          <p:nvPr/>
+        </p:nvGrpSpPr>
+        <p:grpSpPr>
+          <a:xfrm>
+            <a:off x="947034" y="2261927"/>
+            <a:ext cx="3280767" cy="3030589"/>
+            <a:chOff x="710275" y="1696445"/>
+            <a:chExt cx="2460575" cy="2272942"/>
+          </a:xfrm>
+        </p:grpSpPr>
+        <p:grpSp>
+          <p:nvGrpSpPr>
+            <p:cNvPr id="284" name="Google Shape;284;p19"/>
+            <p:cNvGrpSpPr/>
+            <p:nvPr/>
+          </p:nvGrpSpPr>
+          <p:grpSpPr>
+            <a:xfrm>
+              <a:off x="2288356" y="1696445"/>
+              <a:ext cx="882450" cy="1136250"/>
+              <a:chOff x="2288356" y="1696445"/>
+              <a:chExt cx="882450" cy="1136250"/>
+            </a:xfrm>
+          </p:grpSpPr>
+          <p:sp>
+            <p:nvSpPr>
+              <p:cNvPr id="285" name="Google Shape;285;p19"/>
+              <p:cNvSpPr/>
+              <p:nvPr/>
+            </p:nvSpPr>
+            <p:spPr>
+              <a:xfrm flipH="1">
+                <a:off x="2288356" y="1696445"/>
+                <a:ext cx="773700" cy="773700"/>
+              </a:xfrm>
+              <a:prstGeom prst="arc">
+                <a:avLst>
+                  <a:gd name="adj1" fmla="val 16200000"/>
+                  <a:gd name="adj2" fmla="val 0"/>
+                </a:avLst>
+              </a:prstGeom>
+              <a:noFill/>
+              <a:ln w="9525" cap="flat" cmpd="sng">
+                <a:solidFill>
+                  <a:srgbClr val="000000"/>
+                </a:solidFill>
+                <a:prstDash val="solid"/>
+                <a:round/>
+                <a:headEnd type="none" w="sm" len="sm"/>
+                <a:tailEnd type="none" w="sm" len="sm"/>
+              </a:ln>
+            </p:spPr>
+            <p:txBody>
+              <a:bodyPr spcFirstLastPara="1" wrap="square" lIns="121900" tIns="121900" rIns="121900" bIns="121900" anchor="ctr" anchorCtr="0">
+                <a:noAutofit/>
+              </a:bodyPr>
+              <a:lstStyle/>
+              <a:p>
+                <a:endParaRPr sz="2400"/>
+              </a:p>
+            </p:txBody>
+          </p:sp>
+          <p:cxnSp>
+            <p:nvCxnSpPr>
+              <p:cNvPr id="286" name="Google Shape;286;p19"/>
+              <p:cNvCxnSpPr>
+                <a:stCxn id="285" idx="0"/>
+              </p:cNvCxnSpPr>
+              <p:nvPr/>
+            </p:nvCxnSpPr>
+            <p:spPr>
+              <a:xfrm>
+                <a:off x="2675206" y="1696445"/>
+                <a:ext cx="495600" cy="0"/>
+              </a:xfrm>
+              <a:prstGeom prst="straightConnector1">
+                <a:avLst/>
+              </a:prstGeom>
+              <a:noFill/>
+              <a:ln w="9525" cap="flat" cmpd="sng">
+                <a:solidFill>
+                  <a:srgbClr val="000000"/>
+                </a:solidFill>
+                <a:prstDash val="solid"/>
+                <a:round/>
+                <a:headEnd type="none" w="med" len="med"/>
+                <a:tailEnd type="oval" w="med" len="med"/>
+              </a:ln>
+            </p:spPr>
+          </p:cxnSp>
+          <p:cxnSp>
+            <p:nvCxnSpPr>
+              <p:cNvPr id="287" name="Google Shape;287;p19"/>
+              <p:cNvCxnSpPr>
+                <a:stCxn id="285" idx="2"/>
+              </p:cNvCxnSpPr>
+              <p:nvPr/>
+            </p:nvCxnSpPr>
+            <p:spPr>
+              <a:xfrm>
+                <a:off x="2288356" y="2083295"/>
+                <a:ext cx="0" cy="749400"/>
+              </a:xfrm>
+              <a:prstGeom prst="straightConnector1">
+                <a:avLst/>
+              </a:prstGeom>
+              <a:noFill/>
+              <a:ln w="9525" cap="flat" cmpd="sng">
+                <a:solidFill>
+                  <a:srgbClr val="000000"/>
+                </a:solidFill>
+                <a:prstDash val="solid"/>
+                <a:round/>
+                <a:headEnd type="none" w="med" len="med"/>
+                <a:tailEnd type="none" w="med" len="med"/>
+              </a:ln>
+            </p:spPr>
+          </p:cxnSp>
+        </p:grpSp>
+        <p:grpSp>
+          <p:nvGrpSpPr>
+            <p:cNvPr id="288" name="Google Shape;288;p19"/>
+            <p:cNvGrpSpPr/>
+            <p:nvPr/>
+          </p:nvGrpSpPr>
+          <p:grpSpPr>
+            <a:xfrm>
+              <a:off x="2288412" y="2832906"/>
+              <a:ext cx="882422" cy="1136481"/>
+              <a:chOff x="7009125" y="3265500"/>
+              <a:chExt cx="565800" cy="728700"/>
+            </a:xfrm>
+          </p:grpSpPr>
+          <p:sp>
+            <p:nvSpPr>
+              <p:cNvPr id="289" name="Google Shape;289;p19"/>
+              <p:cNvSpPr/>
+              <p:nvPr/>
+            </p:nvSpPr>
+            <p:spPr>
+              <a:xfrm rot="10800000">
+                <a:off x="7009125" y="3498000"/>
+                <a:ext cx="496200" cy="496200"/>
+              </a:xfrm>
+              <a:prstGeom prst="arc">
+                <a:avLst>
+                  <a:gd name="adj1" fmla="val 16200000"/>
+                  <a:gd name="adj2" fmla="val 0"/>
+                </a:avLst>
+              </a:prstGeom>
+              <a:noFill/>
+              <a:ln w="9525" cap="flat" cmpd="sng">
+                <a:solidFill>
+                  <a:srgbClr val="000000"/>
+                </a:solidFill>
+                <a:prstDash val="solid"/>
+                <a:round/>
+                <a:headEnd type="none" w="sm" len="sm"/>
+                <a:tailEnd type="none" w="sm" len="sm"/>
+              </a:ln>
+            </p:spPr>
+            <p:txBody>
+              <a:bodyPr spcFirstLastPara="1" wrap="square" lIns="121900" tIns="121900" rIns="121900" bIns="121900" anchor="ctr" anchorCtr="0">
+                <a:noAutofit/>
+              </a:bodyPr>
+              <a:lstStyle/>
+              <a:p>
+                <a:endParaRPr sz="2400"/>
+              </a:p>
+            </p:txBody>
+          </p:sp>
+          <p:cxnSp>
+            <p:nvCxnSpPr>
+              <p:cNvPr id="290" name="Google Shape;290;p19"/>
+              <p:cNvCxnSpPr>
+                <a:stCxn id="289" idx="0"/>
+              </p:cNvCxnSpPr>
+              <p:nvPr/>
+            </p:nvCxnSpPr>
+            <p:spPr>
+              <a:xfrm>
+                <a:off x="7257225" y="3994200"/>
+                <a:ext cx="317700" cy="0"/>
+              </a:xfrm>
+              <a:prstGeom prst="straightConnector1">
+                <a:avLst/>
+              </a:prstGeom>
+              <a:noFill/>
+              <a:ln w="9525" cap="flat" cmpd="sng">
+                <a:solidFill>
+                  <a:srgbClr val="000000"/>
+                </a:solidFill>
+                <a:prstDash val="solid"/>
+                <a:round/>
+                <a:headEnd type="none" w="med" len="med"/>
+                <a:tailEnd type="oval" w="med" len="med"/>
+              </a:ln>
+            </p:spPr>
+          </p:cxnSp>
+          <p:cxnSp>
+            <p:nvCxnSpPr>
+              <p:cNvPr id="291" name="Google Shape;291;p19"/>
+              <p:cNvCxnSpPr>
+                <a:stCxn id="289" idx="2"/>
+              </p:cNvCxnSpPr>
+              <p:nvPr/>
+            </p:nvCxnSpPr>
+            <p:spPr>
+              <a:xfrm rot="10800000">
+                <a:off x="7009125" y="3265500"/>
+                <a:ext cx="0" cy="480600"/>
+              </a:xfrm>
+              <a:prstGeom prst="straightConnector1">
+                <a:avLst/>
+              </a:prstGeom>
+              <a:noFill/>
+              <a:ln w="9525" cap="flat" cmpd="sng">
+                <a:solidFill>
+                  <a:srgbClr val="000000"/>
+                </a:solidFill>
+                <a:prstDash val="solid"/>
+                <a:round/>
+                <a:headEnd type="none" w="med" len="med"/>
+                <a:tailEnd type="none" w="med" len="med"/>
+              </a:ln>
+            </p:spPr>
+          </p:cxnSp>
+        </p:grpSp>
+        <p:cxnSp>
+          <p:nvCxnSpPr>
+            <p:cNvPr id="292" name="Google Shape;292;p19"/>
+            <p:cNvCxnSpPr/>
+            <p:nvPr/>
+          </p:nvCxnSpPr>
+          <p:spPr>
+            <a:xfrm>
+              <a:off x="1602150" y="2832788"/>
+              <a:ext cx="1568700" cy="0"/>
+            </a:xfrm>
+            <a:prstGeom prst="straightConnector1">
+              <a:avLst/>
+            </a:prstGeom>
+            <a:noFill/>
+            <a:ln w="9525" cap="flat" cmpd="sng">
+              <a:solidFill>
+                <a:srgbClr val="000000"/>
+              </a:solidFill>
+              <a:prstDash val="solid"/>
+              <a:round/>
+              <a:headEnd type="none" w="med" len="med"/>
+              <a:tailEnd type="oval" w="med" len="med"/>
+            </a:ln>
+          </p:spPr>
+        </p:cxnSp>
+        <p:sp>
+          <p:nvSpPr>
+            <p:cNvPr id="293" name="Google Shape;293;p19"/>
+            <p:cNvSpPr/>
+            <p:nvPr/>
+          </p:nvSpPr>
+          <p:spPr>
+            <a:xfrm>
+              <a:off x="2215781" y="2760409"/>
+              <a:ext cx="144900" cy="144900"/>
+            </a:xfrm>
+            <a:prstGeom prst="ellipse">
+              <a:avLst/>
+            </a:prstGeom>
+            <a:solidFill>
+              <a:srgbClr val="FFFFFF"/>
+            </a:solidFill>
+            <a:ln w="28575" cap="flat" cmpd="sng">
+              <a:solidFill>
+                <a:schemeClr val="accent6"/>
+              </a:solidFill>
+              <a:prstDash val="solid"/>
+              <a:round/>
+              <a:headEnd type="none" w="sm" len="sm"/>
+              <a:tailEnd type="none" w="sm" len="sm"/>
+            </a:ln>
+          </p:spPr>
+          <p:txBody>
+            <a:bodyPr spcFirstLastPara="1" wrap="square" lIns="121900" tIns="121900" rIns="121900" bIns="121900" anchor="ctr" anchorCtr="0">
+              <a:noAutofit/>
+            </a:bodyPr>
+            <a:lstStyle/>
+            <a:p>
+              <a:endParaRPr sz="2400"/>
+            </a:p>
+          </p:txBody>
+        </p:sp>
+        <p:sp>
+          <p:nvSpPr>
+            <p:cNvPr id="294" name="Google Shape;294;p19"/>
+            <p:cNvSpPr/>
+            <p:nvPr/>
+          </p:nvSpPr>
+          <p:spPr>
+            <a:xfrm>
+              <a:off x="710275" y="2181958"/>
+              <a:ext cx="1301700" cy="1301700"/>
+            </a:xfrm>
+            <a:prstGeom prst="ellipse">
+              <a:avLst/>
+            </a:prstGeom>
+            <a:solidFill>
+              <a:schemeClr val="accent6"/>
+            </a:solidFill>
+            <a:ln>
+              <a:noFill/>
+            </a:ln>
+          </p:spPr>
+          <p:txBody>
+            <a:bodyPr spcFirstLastPara="1" wrap="square" lIns="121900" tIns="121900" rIns="121900" bIns="121900" anchor="ctr" anchorCtr="0">
+              <a:noAutofit/>
+            </a:bodyPr>
+            <a:lstStyle/>
+            <a:p>
+              <a:endParaRPr sz="2400"/>
+            </a:p>
+          </p:txBody>
+        </p:sp>
+        <p:sp>
+          <p:nvSpPr>
+            <p:cNvPr id="295" name="Google Shape;295;p19"/>
+            <p:cNvSpPr/>
+            <p:nvPr/>
+          </p:nvSpPr>
+          <p:spPr>
+            <a:xfrm>
+              <a:off x="779275" y="2250845"/>
+              <a:ext cx="1163700" cy="1163700"/>
+            </a:xfrm>
+            <a:prstGeom prst="ellipse">
+              <a:avLst/>
+            </a:prstGeom>
+            <a:solidFill>
+              <a:srgbClr val="FFFFFF"/>
+            </a:solidFill>
+            <a:ln>
+              <a:noFill/>
+            </a:ln>
+          </p:spPr>
+          <p:txBody>
+            <a:bodyPr spcFirstLastPara="1" wrap="square" lIns="121900" tIns="121900" rIns="121900" bIns="121900" anchor="ctr" anchorCtr="0">
+              <a:noAutofit/>
+            </a:bodyPr>
+            <a:lstStyle/>
+            <a:p>
+              <a:pPr algn="ctr">
+                <a:buClr>
+                  <a:schemeClr val="dk1"/>
+                </a:buClr>
+                <a:buSzPts val="1100"/>
+              </a:pPr>
+              <a:r>
+                <a:rPr lang="en" sz="2267" b="1" dirty="0">
+                  <a:solidFill>
+                    <a:schemeClr val="accent6"/>
+                  </a:solidFill>
+                  <a:latin typeface="Fira Sans Extra Condensed Medium"/>
+                  <a:ea typeface="Fira Sans Extra Condensed Medium"/>
+                  <a:cs typeface="Fira Sans Extra Condensed Medium"/>
+                  <a:sym typeface="Fira Sans Extra Condensed Medium"/>
+                </a:rPr>
+                <a:t>SQLite</a:t>
+              </a:r>
+              <a:endParaRPr sz="2267" b="1" dirty="0">
+                <a:solidFill>
+                  <a:schemeClr val="accent6"/>
+                </a:solidFill>
+                <a:latin typeface="Fira Sans Extra Condensed Medium"/>
+                <a:ea typeface="Fira Sans Extra Condensed Medium"/>
+                <a:cs typeface="Fira Sans Extra Condensed Medium"/>
+                <a:sym typeface="Fira Sans Extra Condensed Medium"/>
+              </a:endParaRPr>
+            </a:p>
+          </p:txBody>
+        </p:sp>
+      </p:grpSp>
+      <p:pic>
+        <p:nvPicPr>
+          <p:cNvPr id="9" name="Picture 8" descr="Shape&#10;&#10;Description automatically generated with low confidence">
+            <a:extLst>
+              <a:ext uri="{FF2B5EF4-FFF2-40B4-BE49-F238E27FC236}">
+                <a16:creationId xmlns:a16="http://schemas.microsoft.com/office/drawing/2014/main" id="{DC7D2A9E-04A3-35F0-A8AB-9841504371C2}"/>
+              </a:ext>
+            </a:extLst>
+          </p:cNvPr>
+          <p:cNvPicPr>
+            <a:picLocks noChangeAspect="1"/>
+          </p:cNvPicPr>
+          <p:nvPr/>
+        </p:nvPicPr>
+        <p:blipFill>
+          <a:blip r:embed="rId3">
+            <a:biLevel thresh="75000"/>
+            <a:extLst>
+              <a:ext uri="{BEBA8EAE-BF5A-486C-A8C5-ECC9F3942E4B}">
+                <a14:imgProps xmlns:a14="http://schemas.microsoft.com/office/drawing/2010/main">
+                  <a14:imgLayer r:embed="rId4">
+                    <a14:imgEffect>
+                      <a14:artisticPhotocopy/>
+                    </a14:imgEffect>
+                  </a14:imgLayer>
+                </a14:imgProps>
+              </a:ext>
+              <a:ext uri="{28A0092B-C50C-407E-A947-70E740481C1C}">
+                <a14:useLocalDpi xmlns:a14="http://schemas.microsoft.com/office/drawing/2010/main" val="0"/>
+              </a:ext>
+            </a:extLst>
+          </a:blip>
+          <a:stretch>
+            <a:fillRect/>
+          </a:stretch>
+        </p:blipFill>
+        <p:spPr>
+          <a:xfrm>
+            <a:off x="4910221" y="5085153"/>
+            <a:ext cx="410400" cy="410400"/>
+          </a:xfrm>
+          <a:prstGeom prst="rect">
+            <a:avLst/>
+          </a:prstGeom>
+        </p:spPr>
+      </p:pic>
+      <p:pic>
+        <p:nvPicPr>
+          <p:cNvPr id="11" name="Picture 10" descr="A picture containing text, clipart&#10;&#10;Description automatically generated">
+            <a:extLst>
+              <a:ext uri="{FF2B5EF4-FFF2-40B4-BE49-F238E27FC236}">
+                <a16:creationId xmlns:a16="http://schemas.microsoft.com/office/drawing/2014/main" id="{B6E72FEF-5570-3AED-D753-82D95C90F163}"/>
+              </a:ext>
+            </a:extLst>
+          </p:cNvPr>
+          <p:cNvPicPr>
+            <a:picLocks noChangeAspect="1"/>
+          </p:cNvPicPr>
+          <p:nvPr/>
+        </p:nvPicPr>
+        <p:blipFill>
+          <a:blip r:embed="rId5">
+            <a:extLst>
+              <a:ext uri="{28A0092B-C50C-407E-A947-70E740481C1C}">
+                <a14:useLocalDpi xmlns:a14="http://schemas.microsoft.com/office/drawing/2010/main" val="0"/>
+              </a:ext>
+            </a:extLst>
+          </a:blip>
+          <a:stretch>
+            <a:fillRect/>
+          </a:stretch>
+        </p:blipFill>
+        <p:spPr>
+          <a:xfrm>
+            <a:off x="4910221" y="2088540"/>
+            <a:ext cx="346774" cy="346774"/>
+          </a:xfrm>
+          <a:prstGeom prst="rect">
+            <a:avLst/>
+          </a:prstGeom>
+        </p:spPr>
+      </p:pic>
+      <p:pic>
+        <p:nvPicPr>
+          <p:cNvPr id="13" name="Picture 12" descr="A picture containing text, clipart&#10;&#10;Description automatically generated">
+            <a:extLst>
+              <a:ext uri="{FF2B5EF4-FFF2-40B4-BE49-F238E27FC236}">
+                <a16:creationId xmlns:a16="http://schemas.microsoft.com/office/drawing/2014/main" id="{D6A24831-F17B-64FE-5EDC-BD077C4AEC2F}"/>
+              </a:ext>
+            </a:extLst>
+          </p:cNvPr>
+          <p:cNvPicPr>
+            <a:picLocks noChangeAspect="1"/>
+          </p:cNvPicPr>
+          <p:nvPr/>
+        </p:nvPicPr>
+        <p:blipFill>
+          <a:blip r:embed="rId6">
+            <a:extLst>
+              <a:ext uri="{28A0092B-C50C-407E-A947-70E740481C1C}">
+                <a14:useLocalDpi xmlns:a14="http://schemas.microsoft.com/office/drawing/2010/main" val="0"/>
+              </a:ext>
+            </a:extLst>
+          </a:blip>
+          <a:stretch>
+            <a:fillRect/>
+          </a:stretch>
+        </p:blipFill>
+        <p:spPr>
+          <a:xfrm>
+            <a:off x="4887979" y="3575279"/>
+            <a:ext cx="403296" cy="403296"/>
+          </a:xfrm>
+          <a:prstGeom prst="rect">
+            <a:avLst/>
+          </a:prstGeom>
+        </p:spPr>
+      </p:pic>
       <p:sp>
         <p:nvSpPr>
-          <p:cNvPr id="3" name="TextBox 2">
+          <p:cNvPr id="14" name="TextBox 13">
             <a:extLst>
               <a:ext uri="{FF2B5EF4-FFF2-40B4-BE49-F238E27FC236}">
-                <a16:creationId xmlns:a16="http://schemas.microsoft.com/office/drawing/2014/main" id="{2039AD18-D7A3-1351-E27F-1F37517CBE2F}"/>
+                <a16:creationId xmlns:a16="http://schemas.microsoft.com/office/drawing/2014/main" id="{C4F5AACD-0FBE-4578-E0C5-297664277814}"/>
               </a:ext>
             </a:extLst>
           </p:cNvPr>
@@ -12067,8 +15264,8 @@
         </p:nvSpPr>
         <p:spPr>
           <a:xfrm>
-            <a:off x="1023257" y="1894114"/>
-            <a:ext cx="8787598" cy="369332"/>
+            <a:off x="3637573" y="6324349"/>
+            <a:ext cx="4159985" cy="369332"/>
           </a:xfrm>
           <a:prstGeom prst="rect">
             <a:avLst/>
@@ -12082,29 +15279,144 @@
           <a:lstStyle/>
           <a:p>
             <a:r>
-              <a:rPr lang="en-GB" dirty="0">
-                <a:hlinkClick r:id="rId2"/>
-              </a:rPr>
-              <a:t>https://corecursive.com/066-sqlite-with-richard-hipp/</a:t>
+              <a:rPr lang="en-NL" dirty="0"/>
+              <a:t>And more: Facebook, Mozilla, Php, Python</a:t>
             </a:r>
-            <a:r>
-              <a:rPr lang="en-GB" dirty="0"/>
-              <a:t>		Richard Hipp Interview</a:t>
-            </a:r>
-            <a:endParaRPr lang="en-NL" dirty="0"/>
           </a:p>
         </p:txBody>
       </p:sp>
     </p:spTree>
-    <p:extLst>
-      <p:ext uri="{BB962C8B-B14F-4D97-AF65-F5344CB8AC3E}">
-        <p14:creationId xmlns:p14="http://schemas.microsoft.com/office/powerpoint/2010/main" val="3346795327"/>
-      </p:ext>
-    </p:extLst>
   </p:cSld>
   <p:clrMapOvr>
     <a:masterClrMapping/>
   </p:clrMapOvr>
+  <p:timing>
+    <p:tnLst>
+      <p:par>
+        <p:cTn id="1" dur="indefinite" restart="never" nodeType="tmRoot">
+          <p:childTnLst>
+            <p:seq concurrent="1" nextAc="seek">
+              <p:cTn id="2" dur="indefinite" nodeType="mainSeq">
+                <p:childTnLst>
+                  <p:par>
+                    <p:cTn id="3" fill="hold">
+                      <p:stCondLst>
+                        <p:cond delay="indefinite"/>
+                        <p:cond evt="onBegin" delay="0">
+                          <p:tn val="2"/>
+                        </p:cond>
+                      </p:stCondLst>
+                      <p:childTnLst>
+                        <p:par>
+                          <p:cTn id="4" fill="hold">
+                            <p:stCondLst>
+                              <p:cond delay="0"/>
+                            </p:stCondLst>
+                            <p:childTnLst>
+                              <p:par>
+                                <p:cTn id="5" presetID="1" presetClass="exit" presetSubtype="0" fill="hold" grpId="1" nodeType="withEffect">
+                                  <p:stCondLst>
+                                    <p:cond delay="0"/>
+                                  </p:stCondLst>
+                                  <p:childTnLst>
+                                    <p:set>
+                                      <p:cBhvr>
+                                        <p:cTn id="6" dur="1" fill="hold">
+                                          <p:stCondLst>
+                                            <p:cond delay="0"/>
+                                          </p:stCondLst>
+                                        </p:cTn>
+                                        <p:tgtEl>
+                                          <p:spTgt spid="14"/>
+                                        </p:tgtEl>
+                                        <p:attrNameLst>
+                                          <p:attrName>style.visibility</p:attrName>
+                                        </p:attrNameLst>
+                                      </p:cBhvr>
+                                      <p:to>
+                                        <p:strVal val="hidden"/>
+                                      </p:to>
+                                    </p:set>
+                                  </p:childTnLst>
+                                </p:cTn>
+                              </p:par>
+                            </p:childTnLst>
+                          </p:cTn>
+                        </p:par>
+                      </p:childTnLst>
+                    </p:cTn>
+                  </p:par>
+                  <p:par>
+                    <p:cTn id="7" fill="hold">
+                      <p:stCondLst>
+                        <p:cond delay="indefinite"/>
+                      </p:stCondLst>
+                      <p:childTnLst>
+                        <p:par>
+                          <p:cTn id="8" fill="hold">
+                            <p:stCondLst>
+                              <p:cond delay="0"/>
+                            </p:stCondLst>
+                            <p:childTnLst>
+                              <p:par>
+                                <p:cTn id="9" presetID="1" presetClass="entr" presetSubtype="0" fill="hold" grpId="0" nodeType="clickEffect">
+                                  <p:stCondLst>
+                                    <p:cond delay="0"/>
+                                  </p:stCondLst>
+                                  <p:childTnLst>
+                                    <p:set>
+                                      <p:cBhvr>
+                                        <p:cTn id="10" dur="1" fill="hold">
+                                          <p:stCondLst>
+                                            <p:cond delay="0"/>
+                                          </p:stCondLst>
+                                        </p:cTn>
+                                        <p:tgtEl>
+                                          <p:spTgt spid="14"/>
+                                        </p:tgtEl>
+                                        <p:attrNameLst>
+                                          <p:attrName>style.visibility</p:attrName>
+                                        </p:attrNameLst>
+                                      </p:cBhvr>
+                                      <p:to>
+                                        <p:strVal val="visible"/>
+                                      </p:to>
+                                    </p:set>
+                                  </p:childTnLst>
+                                </p:cTn>
+                              </p:par>
+                            </p:childTnLst>
+                          </p:cTn>
+                        </p:par>
+                      </p:childTnLst>
+                    </p:cTn>
+                  </p:par>
+                </p:childTnLst>
+              </p:cTn>
+              <p:prevCondLst>
+                <p:cond evt="onPrev" delay="0">
+                  <p:tgtEl>
+                    <p:sldTgt/>
+                  </p:tgtEl>
+                </p:cond>
+              </p:prevCondLst>
+              <p:nextCondLst>
+                <p:cond evt="onNext" delay="0">
+                  <p:tgtEl>
+                    <p:sldTgt/>
+                  </p:tgtEl>
+                </p:cond>
+              </p:nextCondLst>
+            </p:seq>
+          </p:childTnLst>
+        </p:cTn>
+      </p:par>
+    </p:tnLst>
+    <p:bldLst>
+      <p:bldP spid="14" grpId="0"/>
+      <p:bldP spid="14" grpId="1"/>
+    </p:bldLst>
+  </p:timing>
 </p:sld>
 </file>
 
@@ -12367,4 +15679,299 @@
     </a:ext>
   </a:extLst>
 </a:theme>
+</file>
+
+<file path=ppt/theme/theme2.xml><?xml version="1.0" encoding="utf-8"?>
+<a:theme xmlns:a="http://schemas.openxmlformats.org/drawingml/2006/main" name="Office Theme">
+  <a:themeElements>
+    <a:clrScheme name="Office">
+      <a:dk1>
+        <a:sysClr val="windowText" lastClr="000000"/>
+      </a:dk1>
+      <a:lt1>
+        <a:sysClr val="window" lastClr="FFFFFF"/>
+      </a:lt1>
+      <a:dk2>
+        <a:srgbClr val="44546A"/>
+      </a:dk2>
+      <a:lt2>
+        <a:srgbClr val="E7E6E6"/>
+      </a:lt2>
+      <a:accent1>
+        <a:srgbClr val="4472C4"/>
+      </a:accent1>
+      <a:accent2>
+        <a:srgbClr val="ED7D31"/>
+      </a:accent2>
+      <a:accent3>
+        <a:srgbClr val="A5A5A5"/>
+      </a:accent3>
+      <a:accent4>
+        <a:srgbClr val="FFC000"/>
+      </a:accent4>
+      <a:accent5>
+        <a:srgbClr val="5B9BD5"/>
+      </a:accent5>
+      <a:accent6>
+        <a:srgbClr val="70AD47"/>
+      </a:accent6>
+      <a:hlink>
+        <a:srgbClr val="0563C1"/>
+      </a:hlink>
+      <a:folHlink>
+        <a:srgbClr val="954F72"/>
+      </a:folHlink>
+    </a:clrScheme>
+    <a:fontScheme name="Office">
+      <a:majorFont>
+        <a:latin typeface="Calibri Light" panose="020F0302020204030204"/>
+        <a:ea typeface=""/>
+        <a:cs typeface=""/>
+        <a:font script="Jpan" typeface="游ゴシック Light"/>
+        <a:font script="Hang" typeface="맑은 고딕"/>
+        <a:font script="Hans" typeface="等线 Light"/>
+        <a:font script="Hant" typeface="新細明體"/>
+        <a:font script="Arab" typeface="Times New Roman"/>
+        <a:font script="Hebr" typeface="Times New Roman"/>
+        <a:font script="Thai" typeface="Angsana New"/>
+        <a:font script="Ethi" typeface="Nyala"/>
+        <a:font script="Beng" typeface="Vrinda"/>
+        <a:font script="Gujr" typeface="Shruti"/>
+        <a:font script="Khmr" typeface="MoolBoran"/>
+        <a:font script="Knda" typeface="Tunga"/>
+        <a:font script="Guru" typeface="Raavi"/>
+        <a:font script="Cans" typeface="Euphemia"/>
+        <a:font script="Cher" typeface="Plantagenet Cherokee"/>
+        <a:font script="Yiii" typeface="Microsoft Yi Baiti"/>
+        <a:font script="Tibt" typeface="Microsoft Himalaya"/>
+        <a:font script="Thaa" typeface="MV Boli"/>
+        <a:font script="Deva" typeface="Mangal"/>
+        <a:font script="Telu" typeface="Gautami"/>
+        <a:font script="Taml" typeface="Latha"/>
+        <a:font script="Syrc" typeface="Estrangelo Edessa"/>
+        <a:font script="Orya" typeface="Kalinga"/>
+        <a:font script="Mlym" typeface="Kartika"/>
+        <a:font script="Laoo" typeface="DokChampa"/>
+        <a:font script="Sinh" typeface="Iskoola Pota"/>
+        <a:font script="Mong" typeface="Mongolian Baiti"/>
+        <a:font script="Viet" typeface="Times New Roman"/>
+        <a:font script="Uigh" typeface="Microsoft Uighur"/>
+        <a:font script="Geor" typeface="Sylfaen"/>
+        <a:font script="Armn" typeface="Arial"/>
+        <a:font script="Bugi" typeface="Leelawadee UI"/>
+        <a:font script="Bopo" typeface="Microsoft JhengHei"/>
+        <a:font script="Java" typeface="Javanese Text"/>
+        <a:font script="Lisu" typeface="Segoe UI"/>
+        <a:font script="Mymr" typeface="Myanmar Text"/>
+        <a:font script="Nkoo" typeface="Ebrima"/>
+        <a:font script="Olck" typeface="Nirmala UI"/>
+        <a:font script="Osma" typeface="Ebrima"/>
+        <a:font script="Phag" typeface="Phagspa"/>
+        <a:font script="Syrn" typeface="Estrangelo Edessa"/>
+        <a:font script="Syrj" typeface="Estrangelo Edessa"/>
+        <a:font script="Syre" typeface="Estrangelo Edessa"/>
+        <a:font script="Sora" typeface="Nirmala UI"/>
+        <a:font script="Tale" typeface="Microsoft Tai Le"/>
+        <a:font script="Talu" typeface="Microsoft New Tai Lue"/>
+        <a:font script="Tfng" typeface="Ebrima"/>
+      </a:majorFont>
+      <a:minorFont>
+        <a:latin typeface="Calibri" panose="020F0502020204030204"/>
+        <a:ea typeface=""/>
+        <a:cs typeface=""/>
+        <a:font script="Jpan" typeface="游ゴシック"/>
+        <a:font script="Hang" typeface="맑은 고딕"/>
+        <a:font script="Hans" typeface="等线"/>
+        <a:font script="Hant" typeface="新細明體"/>
+        <a:font script="Arab" typeface="Arial"/>
+        <a:font script="Hebr" typeface="Arial"/>
+        <a:font script="Thai" typeface="Cordia New"/>
+        <a:font script="Ethi" typeface="Nyala"/>
+        <a:font script="Beng" typeface="Vrinda"/>
+        <a:font script="Gujr" typeface="Shruti"/>
+        <a:font script="Khmr" typeface="DaunPenh"/>
+        <a:font script="Knda" typeface="Tunga"/>
+        <a:font script="Guru" typeface="Raavi"/>
+        <a:font script="Cans" typeface="Euphemia"/>
+        <a:font script="Cher" typeface="Plantagenet Cherokee"/>
+        <a:font script="Yiii" typeface="Microsoft Yi Baiti"/>
+        <a:font script="Tibt" typeface="Microsoft Himalaya"/>
+        <a:font script="Thaa" typeface="MV Boli"/>
+        <a:font script="Deva" typeface="Mangal"/>
+        <a:font script="Telu" typeface="Gautami"/>
+        <a:font script="Taml" typeface="Latha"/>
+        <a:font script="Syrc" typeface="Estrangelo Edessa"/>
+        <a:font script="Orya" typeface="Kalinga"/>
+        <a:font script="Mlym" typeface="Kartika"/>
+        <a:font script="Laoo" typeface="DokChampa"/>
+        <a:font script="Sinh" typeface="Iskoola Pota"/>
+        <a:font script="Mong" typeface="Mongolian Baiti"/>
+        <a:font script="Viet" typeface="Arial"/>
+        <a:font script="Uigh" typeface="Microsoft Uighur"/>
+        <a:font script="Geor" typeface="Sylfaen"/>
+        <a:font script="Armn" typeface="Arial"/>
+        <a:font script="Bugi" typeface="Leelawadee UI"/>
+        <a:font script="Bopo" typeface="Microsoft JhengHei"/>
+        <a:font script="Java" typeface="Javanese Text"/>
+        <a:font script="Lisu" typeface="Segoe UI"/>
+        <a:font script="Mymr" typeface="Myanmar Text"/>
+        <a:font script="Nkoo" typeface="Ebrima"/>
+        <a:font script="Olck" typeface="Nirmala UI"/>
+        <a:font script="Osma" typeface="Ebrima"/>
+        <a:font script="Phag" typeface="Phagspa"/>
+        <a:font script="Syrn" typeface="Estrangelo Edessa"/>
+        <a:font script="Syrj" typeface="Estrangelo Edessa"/>
+        <a:font script="Syre" typeface="Estrangelo Edessa"/>
+        <a:font script="Sora" typeface="Nirmala UI"/>
+        <a:font script="Tale" typeface="Microsoft Tai Le"/>
+        <a:font script="Talu" typeface="Microsoft New Tai Lue"/>
+        <a:font script="Tfng" typeface="Ebrima"/>
+      </a:minorFont>
+    </a:fontScheme>
+    <a:fmtScheme name="Office">
+      <a:fillStyleLst>
+        <a:solidFill>
+          <a:schemeClr val="phClr"/>
+        </a:solidFill>
+        <a:gradFill rotWithShape="1">
+          <a:gsLst>
+            <a:gs pos="0">
+              <a:schemeClr val="phClr">
+                <a:lumMod val="110000"/>
+                <a:satMod val="105000"/>
+                <a:tint val="67000"/>
+              </a:schemeClr>
+            </a:gs>
+            <a:gs pos="50000">
+              <a:schemeClr val="phClr">
+                <a:lumMod val="105000"/>
+                <a:satMod val="103000"/>
+                <a:tint val="73000"/>
+              </a:schemeClr>
+            </a:gs>
+            <a:gs pos="100000">
+              <a:schemeClr val="phClr">
+                <a:lumMod val="105000"/>
+                <a:satMod val="109000"/>
+                <a:tint val="81000"/>
+              </a:schemeClr>
+            </a:gs>
+          </a:gsLst>
+          <a:lin ang="5400000" scaled="0"/>
+        </a:gradFill>
+        <a:gradFill rotWithShape="1">
+          <a:gsLst>
+            <a:gs pos="0">
+              <a:schemeClr val="phClr">
+                <a:satMod val="103000"/>
+                <a:lumMod val="102000"/>
+                <a:tint val="94000"/>
+              </a:schemeClr>
+            </a:gs>
+            <a:gs pos="50000">
+              <a:schemeClr val="phClr">
+                <a:satMod val="110000"/>
+                <a:lumMod val="100000"/>
+                <a:shade val="100000"/>
+              </a:schemeClr>
+            </a:gs>
+            <a:gs pos="100000">
+              <a:schemeClr val="phClr">
+                <a:lumMod val="99000"/>
+                <a:satMod val="120000"/>
+                <a:shade val="78000"/>
+              </a:schemeClr>
+            </a:gs>
+          </a:gsLst>
+          <a:lin ang="5400000" scaled="0"/>
+        </a:gradFill>
+      </a:fillStyleLst>
+      <a:lnStyleLst>
+        <a:ln w="6350" cap="flat" cmpd="sng" algn="ctr">
+          <a:solidFill>
+            <a:schemeClr val="phClr"/>
+          </a:solidFill>
+          <a:prstDash val="solid"/>
+          <a:miter lim="800000"/>
+        </a:ln>
+        <a:ln w="12700" cap="flat" cmpd="sng" algn="ctr">
+          <a:solidFill>
+            <a:schemeClr val="phClr"/>
+          </a:solidFill>
+          <a:prstDash val="solid"/>
+          <a:miter lim="800000"/>
+        </a:ln>
+        <a:ln w="19050" cap="flat" cmpd="sng" algn="ctr">
+          <a:solidFill>
+            <a:schemeClr val="phClr"/>
+          </a:solidFill>
+          <a:prstDash val="solid"/>
+          <a:miter lim="800000"/>
+        </a:ln>
+      </a:lnStyleLst>
+      <a:effectStyleLst>
+        <a:effectStyle>
+          <a:effectLst/>
+        </a:effectStyle>
+        <a:effectStyle>
+          <a:effectLst/>
+        </a:effectStyle>
+        <a:effectStyle>
+          <a:effectLst>
+            <a:outerShdw blurRad="57150" dist="19050" dir="5400000" algn="ctr" rotWithShape="0">
+              <a:srgbClr val="000000">
+                <a:alpha val="63000"/>
+              </a:srgbClr>
+            </a:outerShdw>
+          </a:effectLst>
+        </a:effectStyle>
+      </a:effectStyleLst>
+      <a:bgFillStyleLst>
+        <a:solidFill>
+          <a:schemeClr val="phClr"/>
+        </a:solidFill>
+        <a:solidFill>
+          <a:schemeClr val="phClr">
+            <a:tint val="95000"/>
+            <a:satMod val="170000"/>
+          </a:schemeClr>
+        </a:solidFill>
+        <a:gradFill rotWithShape="1">
+          <a:gsLst>
+            <a:gs pos="0">
+              <a:schemeClr val="phClr">
+                <a:tint val="93000"/>
+                <a:satMod val="150000"/>
+                <a:shade val="98000"/>
+                <a:lumMod val="102000"/>
+              </a:schemeClr>
+            </a:gs>
+            <a:gs pos="50000">
+              <a:schemeClr val="phClr">
+                <a:tint val="98000"/>
+                <a:satMod val="130000"/>
+                <a:shade val="90000"/>
+                <a:lumMod val="103000"/>
+              </a:schemeClr>
+            </a:gs>
+            <a:gs pos="100000">
+              <a:schemeClr val="phClr">
+                <a:shade val="63000"/>
+                <a:satMod val="120000"/>
+              </a:schemeClr>
+            </a:gs>
+          </a:gsLst>
+          <a:lin ang="5400000" scaled="0"/>
+        </a:gradFill>
+      </a:bgFillStyleLst>
+    </a:fmtScheme>
+  </a:themeElements>
+  <a:objectDefaults/>
+  <a:extraClrSchemeLst/>
+  <a:extLst>
+    <a:ext uri="{05A4C25C-085E-4340-85A3-A5531E510DB2}">
+      <thm15:themeFamily xmlns:thm15="http://schemas.microsoft.com/office/thememl/2012/main" name="Office Theme" id="{62F939B6-93AF-4DB8-9C6B-D6C7DFDC589F}" vid="{4A3C46E8-61CC-4603-A589-7422A47A8E4A}"/>
+    </a:ext>
+  </a:extLst>
+</a:theme>
 </file>
--- a/Presentation.pptx
+++ b/Presentation.pptx
@@ -5,19 +5,20 @@
     <p:sldMasterId id="2147483827" r:id="rId1"/>
   </p:sldMasterIdLst>
   <p:notesMasterIdLst>
-    <p:notesMasterId r:id="rId12"/>
+    <p:notesMasterId r:id="rId13"/>
   </p:notesMasterIdLst>
   <p:sldIdLst>
     <p:sldId id="256" r:id="rId2"/>
     <p:sldId id="271" r:id="rId3"/>
     <p:sldId id="258" r:id="rId4"/>
     <p:sldId id="261" r:id="rId5"/>
-    <p:sldId id="264" r:id="rId6"/>
-    <p:sldId id="262" r:id="rId7"/>
-    <p:sldId id="265" r:id="rId8"/>
-    <p:sldId id="269" r:id="rId9"/>
-    <p:sldId id="260" r:id="rId10"/>
-    <p:sldId id="266" r:id="rId11"/>
+    <p:sldId id="272" r:id="rId6"/>
+    <p:sldId id="264" r:id="rId7"/>
+    <p:sldId id="262" r:id="rId8"/>
+    <p:sldId id="265" r:id="rId9"/>
+    <p:sldId id="269" r:id="rId10"/>
+    <p:sldId id="260" r:id="rId11"/>
+    <p:sldId id="266" r:id="rId12"/>
   </p:sldIdLst>
   <p:sldSz cx="12192000" cy="6858000"/>
   <p:notesSz cx="6858000" cy="9144000"/>
@@ -125,6 +126,7 @@
             <p14:sldId id="271"/>
             <p14:sldId id="258"/>
             <p14:sldId id="261"/>
+            <p14:sldId id="272"/>
             <p14:sldId id="264"/>
             <p14:sldId id="262"/>
             <p14:sldId id="265"/>
@@ -1832,6 +1834,730 @@
     </pc:docChg>
   </pc:docChgLst>
   <pc:docChgLst>
+    <pc:chgData name="Pirani,Antonio A." userId="S::523008@student.fontys.nl::b27b35d6-1459-4bed-af76-eef7aff762d7" providerId="AD" clId="Web-{43E6C3F7-EFA3-4AF8-A4FE-2AC6137E1578}"/>
+    <pc:docChg chg="addSld modSld sldOrd addMainMaster delMainMaster">
+      <pc:chgData name="Pirani,Antonio A." userId="S::523008@student.fontys.nl::b27b35d6-1459-4bed-af76-eef7aff762d7" providerId="AD" clId="Web-{43E6C3F7-EFA3-4AF8-A4FE-2AC6137E1578}" dt="2023-03-07T15:46:33.484" v="315"/>
+      <pc:docMkLst>
+        <pc:docMk/>
+      </pc:docMkLst>
+      <pc:sldChg chg="addSp delSp modSp mod setBg modClrScheme addAnim chgLayout">
+        <pc:chgData name="Pirani,Antonio A." userId="S::523008@student.fontys.nl::b27b35d6-1459-4bed-af76-eef7aff762d7" providerId="AD" clId="Web-{43E6C3F7-EFA3-4AF8-A4FE-2AC6137E1578}" dt="2023-03-07T14:59:22.611" v="9"/>
+        <pc:sldMkLst>
+          <pc:docMk/>
+          <pc:sldMk cId="109857222" sldId="256"/>
+        </pc:sldMkLst>
+        <pc:spChg chg="mod">
+          <ac:chgData name="Pirani,Antonio A." userId="S::523008@student.fontys.nl::b27b35d6-1459-4bed-af76-eef7aff762d7" providerId="AD" clId="Web-{43E6C3F7-EFA3-4AF8-A4FE-2AC6137E1578}" dt="2023-03-07T14:59:22.611" v="8"/>
+          <ac:spMkLst>
+            <pc:docMk/>
+            <pc:sldMk cId="109857222" sldId="256"/>
+            <ac:spMk id="2" creationId="{00000000-0000-0000-0000-000000000000}"/>
+          </ac:spMkLst>
+        </pc:spChg>
+        <pc:spChg chg="mod">
+          <ac:chgData name="Pirani,Antonio A." userId="S::523008@student.fontys.nl::b27b35d6-1459-4bed-af76-eef7aff762d7" providerId="AD" clId="Web-{43E6C3F7-EFA3-4AF8-A4FE-2AC6137E1578}" dt="2023-03-07T14:59:22.611" v="8"/>
+          <ac:spMkLst>
+            <pc:docMk/>
+            <pc:sldMk cId="109857222" sldId="256"/>
+            <ac:spMk id="3" creationId="{00000000-0000-0000-0000-000000000000}"/>
+          </ac:spMkLst>
+        </pc:spChg>
+        <pc:spChg chg="add del">
+          <ac:chgData name="Pirani,Antonio A." userId="S::523008@student.fontys.nl::b27b35d6-1459-4bed-af76-eef7aff762d7" providerId="AD" clId="Web-{43E6C3F7-EFA3-4AF8-A4FE-2AC6137E1578}" dt="2023-03-07T14:59:22.611" v="8"/>
+          <ac:spMkLst>
+            <pc:docMk/>
+            <pc:sldMk cId="109857222" sldId="256"/>
+            <ac:spMk id="9" creationId="{AFD23066-E0E4-4A0C-B554-B9F2A919124B}"/>
+          </ac:spMkLst>
+        </pc:spChg>
+        <pc:spChg chg="add del">
+          <ac:chgData name="Pirani,Antonio A." userId="S::523008@student.fontys.nl::b27b35d6-1459-4bed-af76-eef7aff762d7" providerId="AD" clId="Web-{43E6C3F7-EFA3-4AF8-A4FE-2AC6137E1578}" dt="2023-03-07T14:59:22.611" v="8"/>
+          <ac:spMkLst>
+            <pc:docMk/>
+            <pc:sldMk cId="109857222" sldId="256"/>
+            <ac:spMk id="11" creationId="{E5D2E6F5-4096-40AF-B31C-B6FBEEFFB122}"/>
+          </ac:spMkLst>
+        </pc:spChg>
+        <pc:spChg chg="add del">
+          <ac:chgData name="Pirani,Antonio A." userId="S::523008@student.fontys.nl::b27b35d6-1459-4bed-af76-eef7aff762d7" providerId="AD" clId="Web-{43E6C3F7-EFA3-4AF8-A4FE-2AC6137E1578}" dt="2023-03-07T14:59:22.548" v="7"/>
+          <ac:spMkLst>
+            <pc:docMk/>
+            <pc:sldMk cId="109857222" sldId="256"/>
+            <ac:spMk id="16" creationId="{F518D20D-5F05-49C3-8900-68783F8ACB6F}"/>
+          </ac:spMkLst>
+        </pc:spChg>
+        <pc:spChg chg="add del">
+          <ac:chgData name="Pirani,Antonio A." userId="S::523008@student.fontys.nl::b27b35d6-1459-4bed-af76-eef7aff762d7" providerId="AD" clId="Web-{43E6C3F7-EFA3-4AF8-A4FE-2AC6137E1578}" dt="2023-03-07T14:59:22.548" v="7"/>
+          <ac:spMkLst>
+            <pc:docMk/>
+            <pc:sldMk cId="109857222" sldId="256"/>
+            <ac:spMk id="18" creationId="{FF50CA5B-2FF8-43D9-B7D8-3BDE1BFD3CF1}"/>
+          </ac:spMkLst>
+        </pc:spChg>
+        <pc:spChg chg="add del">
+          <ac:chgData name="Pirani,Antonio A." userId="S::523008@student.fontys.nl::b27b35d6-1459-4bed-af76-eef7aff762d7" providerId="AD" clId="Web-{43E6C3F7-EFA3-4AF8-A4FE-2AC6137E1578}" dt="2023-03-07T14:59:22.548" v="7"/>
+          <ac:spMkLst>
+            <pc:docMk/>
+            <pc:sldMk cId="109857222" sldId="256"/>
+            <ac:spMk id="20" creationId="{D060EAFE-C840-4DAF-B8B5-D73E98076206}"/>
+          </ac:spMkLst>
+        </pc:spChg>
+        <pc:spChg chg="add del">
+          <ac:chgData name="Pirani,Antonio A." userId="S::523008@student.fontys.nl::b27b35d6-1459-4bed-af76-eef7aff762d7" providerId="AD" clId="Web-{43E6C3F7-EFA3-4AF8-A4FE-2AC6137E1578}" dt="2023-03-07T14:59:22.548" v="7"/>
+          <ac:spMkLst>
+            <pc:docMk/>
+            <pc:sldMk cId="109857222" sldId="256"/>
+            <ac:spMk id="24" creationId="{F5DEEAE0-BD8F-4966-B785-B522AE075F2B}"/>
+          </ac:spMkLst>
+        </pc:spChg>
+        <pc:spChg chg="add">
+          <ac:chgData name="Pirani,Antonio A." userId="S::523008@student.fontys.nl::b27b35d6-1459-4bed-af76-eef7aff762d7" providerId="AD" clId="Web-{43E6C3F7-EFA3-4AF8-A4FE-2AC6137E1578}" dt="2023-03-07T14:59:22.611" v="8"/>
+          <ac:spMkLst>
+            <pc:docMk/>
+            <pc:sldMk cId="109857222" sldId="256"/>
+            <ac:spMk id="29" creationId="{0149A9F6-B857-488C-AC3A-007B78165715}"/>
+          </ac:spMkLst>
+        </pc:spChg>
+        <pc:spChg chg="add">
+          <ac:chgData name="Pirani,Antonio A." userId="S::523008@student.fontys.nl::b27b35d6-1459-4bed-af76-eef7aff762d7" providerId="AD" clId="Web-{43E6C3F7-EFA3-4AF8-A4FE-2AC6137E1578}" dt="2023-03-07T14:59:22.611" v="8"/>
+          <ac:spMkLst>
+            <pc:docMk/>
+            <pc:sldMk cId="109857222" sldId="256"/>
+            <ac:spMk id="30" creationId="{249EFD05-C377-44BE-91F0-1D17C1D9BF60}"/>
+          </ac:spMkLst>
+        </pc:spChg>
+        <pc:grpChg chg="add">
+          <ac:chgData name="Pirani,Antonio A." userId="S::523008@student.fontys.nl::b27b35d6-1459-4bed-af76-eef7aff762d7" providerId="AD" clId="Web-{43E6C3F7-EFA3-4AF8-A4FE-2AC6137E1578}" dt="2023-03-07T14:59:22.611" v="8"/>
+          <ac:grpSpMkLst>
+            <pc:docMk/>
+            <pc:sldMk cId="109857222" sldId="256"/>
+            <ac:grpSpMk id="25" creationId="{3C9AA14C-80A4-427C-A911-28CD20C56E5E}"/>
+          </ac:grpSpMkLst>
+        </pc:grpChg>
+        <pc:grpChg chg="add">
+          <ac:chgData name="Pirani,Antonio A." userId="S::523008@student.fontys.nl::b27b35d6-1459-4bed-af76-eef7aff762d7" providerId="AD" clId="Web-{43E6C3F7-EFA3-4AF8-A4FE-2AC6137E1578}" dt="2023-03-07T14:59:22.611" v="8"/>
+          <ac:grpSpMkLst>
+            <pc:docMk/>
+            <pc:sldMk cId="109857222" sldId="256"/>
+            <ac:grpSpMk id="31" creationId="{F2FD01A0-E6FF-41CD-AEBD-279232B90D43}"/>
+          </ac:grpSpMkLst>
+        </pc:grpChg>
+        <pc:picChg chg="add mod">
+          <ac:chgData name="Pirani,Antonio A." userId="S::523008@student.fontys.nl::b27b35d6-1459-4bed-af76-eef7aff762d7" providerId="AD" clId="Web-{43E6C3F7-EFA3-4AF8-A4FE-2AC6137E1578}" dt="2023-03-07T14:59:22.611" v="8"/>
+          <ac:picMkLst>
+            <pc:docMk/>
+            <pc:sldMk cId="109857222" sldId="256"/>
+            <ac:picMk id="4" creationId="{CBE2077E-03C5-5347-4812-97EAF5BC59A4}"/>
+          </ac:picMkLst>
+        </pc:picChg>
+        <pc:picChg chg="add del">
+          <ac:chgData name="Pirani,Antonio A." userId="S::523008@student.fontys.nl::b27b35d6-1459-4bed-af76-eef7aff762d7" providerId="AD" clId="Web-{43E6C3F7-EFA3-4AF8-A4FE-2AC6137E1578}" dt="2023-03-07T14:59:22.548" v="7"/>
+          <ac:picMkLst>
+            <pc:docMk/>
+            <pc:sldMk cId="109857222" sldId="256"/>
+            <ac:picMk id="22" creationId="{CF86EB89-5CAA-4AA5-907F-09707CF4A866}"/>
+          </ac:picMkLst>
+        </pc:picChg>
+      </pc:sldChg>
+      <pc:sldChg chg="modSp new">
+        <pc:chgData name="Pirani,Antonio A." userId="S::523008@student.fontys.nl::b27b35d6-1459-4bed-af76-eef7aff762d7" providerId="AD" clId="Web-{43E6C3F7-EFA3-4AF8-A4FE-2AC6137E1578}" dt="2023-03-07T15:02:53.009" v="68" actId="14100"/>
+        <pc:sldMkLst>
+          <pc:docMk/>
+          <pc:sldMk cId="764908316" sldId="257"/>
+        </pc:sldMkLst>
+        <pc:spChg chg="mod">
+          <ac:chgData name="Pirani,Antonio A." userId="S::523008@student.fontys.nl::b27b35d6-1459-4bed-af76-eef7aff762d7" providerId="AD" clId="Web-{43E6C3F7-EFA3-4AF8-A4FE-2AC6137E1578}" dt="2023-03-07T15:02:00.382" v="32" actId="20577"/>
+          <ac:spMkLst>
+            <pc:docMk/>
+            <pc:sldMk cId="764908316" sldId="257"/>
+            <ac:spMk id="2" creationId="{859C2C55-BD17-96C4-BF59-DDEDDC87AD63}"/>
+          </ac:spMkLst>
+        </pc:spChg>
+        <pc:spChg chg="mod">
+          <ac:chgData name="Pirani,Antonio A." userId="S::523008@student.fontys.nl::b27b35d6-1459-4bed-af76-eef7aff762d7" providerId="AD" clId="Web-{43E6C3F7-EFA3-4AF8-A4FE-2AC6137E1578}" dt="2023-03-07T15:02:53.009" v="68" actId="14100"/>
+          <ac:spMkLst>
+            <pc:docMk/>
+            <pc:sldMk cId="764908316" sldId="257"/>
+            <ac:spMk id="3" creationId="{FE68B8D5-E03E-5F1B-EC01-4CABA2EBEF12}"/>
+          </ac:spMkLst>
+        </pc:spChg>
+      </pc:sldChg>
+      <pc:sldChg chg="modSp new">
+        <pc:chgData name="Pirani,Antonio A." userId="S::523008@student.fontys.nl::b27b35d6-1459-4bed-af76-eef7aff762d7" providerId="AD" clId="Web-{43E6C3F7-EFA3-4AF8-A4FE-2AC6137E1578}" dt="2023-03-07T15:06:42.331" v="175" actId="20577"/>
+        <pc:sldMkLst>
+          <pc:docMk/>
+          <pc:sldMk cId="3823489692" sldId="258"/>
+        </pc:sldMkLst>
+        <pc:spChg chg="mod">
+          <ac:chgData name="Pirani,Antonio A." userId="S::523008@student.fontys.nl::b27b35d6-1459-4bed-af76-eef7aff762d7" providerId="AD" clId="Web-{43E6C3F7-EFA3-4AF8-A4FE-2AC6137E1578}" dt="2023-03-07T15:05:15.671" v="124" actId="20577"/>
+          <ac:spMkLst>
+            <pc:docMk/>
+            <pc:sldMk cId="3823489692" sldId="258"/>
+            <ac:spMk id="2" creationId="{DD14F7B3-94E7-F391-A8A9-5378DFF46F1E}"/>
+          </ac:spMkLst>
+        </pc:spChg>
+        <pc:spChg chg="mod">
+          <ac:chgData name="Pirani,Antonio A." userId="S::523008@student.fontys.nl::b27b35d6-1459-4bed-af76-eef7aff762d7" providerId="AD" clId="Web-{43E6C3F7-EFA3-4AF8-A4FE-2AC6137E1578}" dt="2023-03-07T15:06:42.331" v="175" actId="20577"/>
+          <ac:spMkLst>
+            <pc:docMk/>
+            <pc:sldMk cId="3823489692" sldId="258"/>
+            <ac:spMk id="3" creationId="{8EC76816-802D-6F65-A85F-5C9C008E3823}"/>
+          </ac:spMkLst>
+        </pc:spChg>
+      </pc:sldChg>
+      <pc:sldChg chg="addSp modSp new mod setBg">
+        <pc:chgData name="Pirani,Antonio A." userId="S::523008@student.fontys.nl::b27b35d6-1459-4bed-af76-eef7aff762d7" providerId="AD" clId="Web-{43E6C3F7-EFA3-4AF8-A4FE-2AC6137E1578}" dt="2023-03-07T15:46:33.484" v="315"/>
+        <pc:sldMkLst>
+          <pc:docMk/>
+          <pc:sldMk cId="1051841186" sldId="259"/>
+        </pc:sldMkLst>
+        <pc:spChg chg="mod">
+          <ac:chgData name="Pirani,Antonio A." userId="S::523008@student.fontys.nl::b27b35d6-1459-4bed-af76-eef7aff762d7" providerId="AD" clId="Web-{43E6C3F7-EFA3-4AF8-A4FE-2AC6137E1578}" dt="2023-03-07T15:46:33.484" v="315"/>
+          <ac:spMkLst>
+            <pc:docMk/>
+            <pc:sldMk cId="1051841186" sldId="259"/>
+            <ac:spMk id="2" creationId="{8E8CC8C2-2F57-B2F4-A22B-B23AA726D47C}"/>
+          </ac:spMkLst>
+        </pc:spChg>
+        <pc:spChg chg="mod">
+          <ac:chgData name="Pirani,Antonio A." userId="S::523008@student.fontys.nl::b27b35d6-1459-4bed-af76-eef7aff762d7" providerId="AD" clId="Web-{43E6C3F7-EFA3-4AF8-A4FE-2AC6137E1578}" dt="2023-03-07T15:46:33.484" v="315"/>
+          <ac:spMkLst>
+            <pc:docMk/>
+            <pc:sldMk cId="1051841186" sldId="259"/>
+            <ac:spMk id="3" creationId="{7D3369F4-C1E2-15A0-25ED-C3D5A5502BB8}"/>
+          </ac:spMkLst>
+        </pc:spChg>
+        <pc:spChg chg="add">
+          <ac:chgData name="Pirani,Antonio A." userId="S::523008@student.fontys.nl::b27b35d6-1459-4bed-af76-eef7aff762d7" providerId="AD" clId="Web-{43E6C3F7-EFA3-4AF8-A4FE-2AC6137E1578}" dt="2023-03-07T15:46:33.484" v="315"/>
+          <ac:spMkLst>
+            <pc:docMk/>
+            <pc:sldMk cId="1051841186" sldId="259"/>
+            <ac:spMk id="9" creationId="{09646535-AEF6-4883-A4F9-EEC1F8B4319E}"/>
+          </ac:spMkLst>
+        </pc:spChg>
+        <pc:spChg chg="add">
+          <ac:chgData name="Pirani,Antonio A." userId="S::523008@student.fontys.nl::b27b35d6-1459-4bed-af76-eef7aff762d7" providerId="AD" clId="Web-{43E6C3F7-EFA3-4AF8-A4FE-2AC6137E1578}" dt="2023-03-07T15:46:33.484" v="315"/>
+          <ac:spMkLst>
+            <pc:docMk/>
+            <pc:sldMk cId="1051841186" sldId="259"/>
+            <ac:spMk id="11" creationId="{A4CEB5B4-CDED-47E6-9A79-D8983C3D4360}"/>
+          </ac:spMkLst>
+        </pc:spChg>
+        <pc:spChg chg="add">
+          <ac:chgData name="Pirani,Antonio A." userId="S::523008@student.fontys.nl::b27b35d6-1459-4bed-af76-eef7aff762d7" providerId="AD" clId="Web-{43E6C3F7-EFA3-4AF8-A4FE-2AC6137E1578}" dt="2023-03-07T15:46:33.484" v="315"/>
+          <ac:spMkLst>
+            <pc:docMk/>
+            <pc:sldMk cId="1051841186" sldId="259"/>
+            <ac:spMk id="13" creationId="{D50332B2-2BC3-434F-B11C-851A29882D15}"/>
+          </ac:spMkLst>
+        </pc:spChg>
+        <pc:spChg chg="add">
+          <ac:chgData name="Pirani,Antonio A." userId="S::523008@student.fontys.nl::b27b35d6-1459-4bed-af76-eef7aff762d7" providerId="AD" clId="Web-{43E6C3F7-EFA3-4AF8-A4FE-2AC6137E1578}" dt="2023-03-07T15:46:33.484" v="315"/>
+          <ac:spMkLst>
+            <pc:docMk/>
+            <pc:sldMk cId="1051841186" sldId="259"/>
+            <ac:spMk id="15" creationId="{FF54EC60-509D-4A90-A637-580B5967E1DC}"/>
+          </ac:spMkLst>
+        </pc:spChg>
+        <pc:spChg chg="add">
+          <ac:chgData name="Pirani,Antonio A." userId="S::523008@student.fontys.nl::b27b35d6-1459-4bed-af76-eef7aff762d7" providerId="AD" clId="Web-{43E6C3F7-EFA3-4AF8-A4FE-2AC6137E1578}" dt="2023-03-07T15:46:33.484" v="315"/>
+          <ac:spMkLst>
+            <pc:docMk/>
+            <pc:sldMk cId="1051841186" sldId="259"/>
+            <ac:spMk id="17" creationId="{FCC4408D-5823-4186-97B4-25D12A9F93B0}"/>
+          </ac:spMkLst>
+        </pc:spChg>
+        <pc:picChg chg="add">
+          <ac:chgData name="Pirani,Antonio A." userId="S::523008@student.fontys.nl::b27b35d6-1459-4bed-af76-eef7aff762d7" providerId="AD" clId="Web-{43E6C3F7-EFA3-4AF8-A4FE-2AC6137E1578}" dt="2023-03-07T15:46:33.484" v="315"/>
+          <ac:picMkLst>
+            <pc:docMk/>
+            <pc:sldMk cId="1051841186" sldId="259"/>
+            <ac:picMk id="5" creationId="{8153A015-8FC7-AC50-24FE-9D57B43CA84D}"/>
+          </ac:picMkLst>
+        </pc:picChg>
+      </pc:sldChg>
+      <pc:sldChg chg="modSp new ord">
+        <pc:chgData name="Pirani,Antonio A." userId="S::523008@student.fontys.nl::b27b35d6-1459-4bed-af76-eef7aff762d7" providerId="AD" clId="Web-{43E6C3F7-EFA3-4AF8-A4FE-2AC6137E1578}" dt="2023-03-07T15:22:04.397" v="223"/>
+        <pc:sldMkLst>
+          <pc:docMk/>
+          <pc:sldMk cId="798494627" sldId="260"/>
+        </pc:sldMkLst>
+        <pc:spChg chg="mod">
+          <ac:chgData name="Pirani,Antonio A." userId="S::523008@student.fontys.nl::b27b35d6-1459-4bed-af76-eef7aff762d7" providerId="AD" clId="Web-{43E6C3F7-EFA3-4AF8-A4FE-2AC6137E1578}" dt="2023-03-07T15:15:27.350" v="211" actId="20577"/>
+          <ac:spMkLst>
+            <pc:docMk/>
+            <pc:sldMk cId="798494627" sldId="260"/>
+            <ac:spMk id="2" creationId="{EAEE4D1A-2144-070C-FF02-F5DCBADCAC60}"/>
+          </ac:spMkLst>
+        </pc:spChg>
+        <pc:spChg chg="mod">
+          <ac:chgData name="Pirani,Antonio A." userId="S::523008@student.fontys.nl::b27b35d6-1459-4bed-af76-eef7aff762d7" providerId="AD" clId="Web-{43E6C3F7-EFA3-4AF8-A4FE-2AC6137E1578}" dt="2023-03-07T15:21:47.709" v="222" actId="20577"/>
+          <ac:spMkLst>
+            <pc:docMk/>
+            <pc:sldMk cId="798494627" sldId="260"/>
+            <ac:spMk id="3" creationId="{DD2152ED-C342-F018-0EBB-9AB9473CF607}"/>
+          </ac:spMkLst>
+        </pc:spChg>
+      </pc:sldChg>
+      <pc:sldChg chg="modSp new ord">
+        <pc:chgData name="Pirani,Antonio A." userId="S::523008@student.fontys.nl::b27b35d6-1459-4bed-af76-eef7aff762d7" providerId="AD" clId="Web-{43E6C3F7-EFA3-4AF8-A4FE-2AC6137E1578}" dt="2023-03-07T15:26:07.062" v="266" actId="20577"/>
+        <pc:sldMkLst>
+          <pc:docMk/>
+          <pc:sldMk cId="920567303" sldId="261"/>
+        </pc:sldMkLst>
+        <pc:spChg chg="mod">
+          <ac:chgData name="Pirani,Antonio A." userId="S::523008@student.fontys.nl::b27b35d6-1459-4bed-af76-eef7aff762d7" providerId="AD" clId="Web-{43E6C3F7-EFA3-4AF8-A4FE-2AC6137E1578}" dt="2023-03-07T15:22:40.304" v="229" actId="20577"/>
+          <ac:spMkLst>
+            <pc:docMk/>
+            <pc:sldMk cId="920567303" sldId="261"/>
+            <ac:spMk id="2" creationId="{6BEFF12F-249E-A5F2-924E-3F981ADD7706}"/>
+          </ac:spMkLst>
+        </pc:spChg>
+        <pc:spChg chg="mod">
+          <ac:chgData name="Pirani,Antonio A." userId="S::523008@student.fontys.nl::b27b35d6-1459-4bed-af76-eef7aff762d7" providerId="AD" clId="Web-{43E6C3F7-EFA3-4AF8-A4FE-2AC6137E1578}" dt="2023-03-07T15:26:07.062" v="266" actId="20577"/>
+          <ac:spMkLst>
+            <pc:docMk/>
+            <pc:sldMk cId="920567303" sldId="261"/>
+            <ac:spMk id="3" creationId="{30F0EAF9-66AE-0DD5-0C9D-341E4053F2EB}"/>
+          </ac:spMkLst>
+        </pc:spChg>
+      </pc:sldChg>
+      <pc:sldChg chg="modSp new ord">
+        <pc:chgData name="Pirani,Antonio A." userId="S::523008@student.fontys.nl::b27b35d6-1459-4bed-af76-eef7aff762d7" providerId="AD" clId="Web-{43E6C3F7-EFA3-4AF8-A4FE-2AC6137E1578}" dt="2023-03-07T15:25:51.999" v="262" actId="20577"/>
+        <pc:sldMkLst>
+          <pc:docMk/>
+          <pc:sldMk cId="2928994138" sldId="262"/>
+        </pc:sldMkLst>
+        <pc:spChg chg="mod">
+          <ac:chgData name="Pirani,Antonio A." userId="S::523008@student.fontys.nl::b27b35d6-1459-4bed-af76-eef7aff762d7" providerId="AD" clId="Web-{43E6C3F7-EFA3-4AF8-A4FE-2AC6137E1578}" dt="2023-03-07T15:25:25.857" v="256" actId="20577"/>
+          <ac:spMkLst>
+            <pc:docMk/>
+            <pc:sldMk cId="2928994138" sldId="262"/>
+            <ac:spMk id="2" creationId="{4BF88A79-76F3-5D58-BD01-022AD7EE41EF}"/>
+          </ac:spMkLst>
+        </pc:spChg>
+        <pc:spChg chg="mod">
+          <ac:chgData name="Pirani,Antonio A." userId="S::523008@student.fontys.nl::b27b35d6-1459-4bed-af76-eef7aff762d7" providerId="AD" clId="Web-{43E6C3F7-EFA3-4AF8-A4FE-2AC6137E1578}" dt="2023-03-07T15:25:51.999" v="262" actId="20577"/>
+          <ac:spMkLst>
+            <pc:docMk/>
+            <pc:sldMk cId="2928994138" sldId="262"/>
+            <ac:spMk id="3" creationId="{AC51AF08-306D-8B20-7C3C-E56F7D9A0443}"/>
+          </ac:spMkLst>
+        </pc:spChg>
+      </pc:sldChg>
+      <pc:sldChg chg="modSp new">
+        <pc:chgData name="Pirani,Antonio A." userId="S::523008@student.fontys.nl::b27b35d6-1459-4bed-af76-eef7aff762d7" providerId="AD" clId="Web-{43E6C3F7-EFA3-4AF8-A4FE-2AC6137E1578}" dt="2023-03-07T15:28:48.818" v="300" actId="20577"/>
+        <pc:sldMkLst>
+          <pc:docMk/>
+          <pc:sldMk cId="3700990553" sldId="263"/>
+        </pc:sldMkLst>
+        <pc:spChg chg="mod">
+          <ac:chgData name="Pirani,Antonio A." userId="S::523008@student.fontys.nl::b27b35d6-1459-4bed-af76-eef7aff762d7" providerId="AD" clId="Web-{43E6C3F7-EFA3-4AF8-A4FE-2AC6137E1578}" dt="2023-03-07T15:28:48.818" v="300" actId="20577"/>
+          <ac:spMkLst>
+            <pc:docMk/>
+            <pc:sldMk cId="3700990553" sldId="263"/>
+            <ac:spMk id="2" creationId="{1BACE221-1147-5EDD-6C22-B62FFD2F584C}"/>
+          </ac:spMkLst>
+        </pc:spChg>
+      </pc:sldChg>
+      <pc:sldChg chg="modSp new ord">
+        <pc:chgData name="Pirani,Antonio A." userId="S::523008@student.fontys.nl::b27b35d6-1459-4bed-af76-eef7aff762d7" providerId="AD" clId="Web-{43E6C3F7-EFA3-4AF8-A4FE-2AC6137E1578}" dt="2023-03-07T15:30:16.525" v="314"/>
+        <pc:sldMkLst>
+          <pc:docMk/>
+          <pc:sldMk cId="2818610950" sldId="264"/>
+        </pc:sldMkLst>
+        <pc:spChg chg="mod">
+          <ac:chgData name="Pirani,Antonio A." userId="S::523008@student.fontys.nl::b27b35d6-1459-4bed-af76-eef7aff762d7" providerId="AD" clId="Web-{43E6C3F7-EFA3-4AF8-A4FE-2AC6137E1578}" dt="2023-03-07T15:30:10.743" v="313" actId="20577"/>
+          <ac:spMkLst>
+            <pc:docMk/>
+            <pc:sldMk cId="2818610950" sldId="264"/>
+            <ac:spMk id="2" creationId="{F95A70B9-D451-D270-0CD6-D2FC63C4EDD5}"/>
+          </ac:spMkLst>
+        </pc:spChg>
+      </pc:sldChg>
+      <pc:sldMasterChg chg="del delSldLayout">
+        <pc:chgData name="Pirani,Antonio A." userId="S::523008@student.fontys.nl::b27b35d6-1459-4bed-af76-eef7aff762d7" providerId="AD" clId="Web-{43E6C3F7-EFA3-4AF8-A4FE-2AC6137E1578}" dt="2023-03-07T14:58:29.874" v="0"/>
+        <pc:sldMasterMkLst>
+          <pc:docMk/>
+          <pc:sldMasterMk cId="2460954070" sldId="2147483660"/>
+        </pc:sldMasterMkLst>
+        <pc:sldLayoutChg chg="del">
+          <pc:chgData name="Pirani,Antonio A." userId="S::523008@student.fontys.nl::b27b35d6-1459-4bed-af76-eef7aff762d7" providerId="AD" clId="Web-{43E6C3F7-EFA3-4AF8-A4FE-2AC6137E1578}" dt="2023-03-07T14:58:29.874" v="0"/>
+          <pc:sldLayoutMkLst>
+            <pc:docMk/>
+            <pc:sldMasterMk cId="2460954070" sldId="2147483660"/>
+            <pc:sldLayoutMk cId="2385387890" sldId="2147483661"/>
+          </pc:sldLayoutMkLst>
+        </pc:sldLayoutChg>
+        <pc:sldLayoutChg chg="del">
+          <pc:chgData name="Pirani,Antonio A." userId="S::523008@student.fontys.nl::b27b35d6-1459-4bed-af76-eef7aff762d7" providerId="AD" clId="Web-{43E6C3F7-EFA3-4AF8-A4FE-2AC6137E1578}" dt="2023-03-07T14:58:29.874" v="0"/>
+          <pc:sldLayoutMkLst>
+            <pc:docMk/>
+            <pc:sldMasterMk cId="2460954070" sldId="2147483660"/>
+            <pc:sldLayoutMk cId="949138452" sldId="2147483662"/>
+          </pc:sldLayoutMkLst>
+        </pc:sldLayoutChg>
+        <pc:sldLayoutChg chg="del">
+          <pc:chgData name="Pirani,Antonio A." userId="S::523008@student.fontys.nl::b27b35d6-1459-4bed-af76-eef7aff762d7" providerId="AD" clId="Web-{43E6C3F7-EFA3-4AF8-A4FE-2AC6137E1578}" dt="2023-03-07T14:58:29.874" v="0"/>
+          <pc:sldLayoutMkLst>
+            <pc:docMk/>
+            <pc:sldMasterMk cId="2460954070" sldId="2147483660"/>
+            <pc:sldLayoutMk cId="2591524520" sldId="2147483663"/>
+          </pc:sldLayoutMkLst>
+        </pc:sldLayoutChg>
+        <pc:sldLayoutChg chg="del">
+          <pc:chgData name="Pirani,Antonio A." userId="S::523008@student.fontys.nl::b27b35d6-1459-4bed-af76-eef7aff762d7" providerId="AD" clId="Web-{43E6C3F7-EFA3-4AF8-A4FE-2AC6137E1578}" dt="2023-03-07T14:58:29.874" v="0"/>
+          <pc:sldLayoutMkLst>
+            <pc:docMk/>
+            <pc:sldMasterMk cId="2460954070" sldId="2147483660"/>
+            <pc:sldLayoutMk cId="1203092039" sldId="2147483664"/>
+          </pc:sldLayoutMkLst>
+        </pc:sldLayoutChg>
+        <pc:sldLayoutChg chg="del">
+          <pc:chgData name="Pirani,Antonio A." userId="S::523008@student.fontys.nl::b27b35d6-1459-4bed-af76-eef7aff762d7" providerId="AD" clId="Web-{43E6C3F7-EFA3-4AF8-A4FE-2AC6137E1578}" dt="2023-03-07T14:58:29.874" v="0"/>
+          <pc:sldLayoutMkLst>
+            <pc:docMk/>
+            <pc:sldMasterMk cId="2460954070" sldId="2147483660"/>
+            <pc:sldLayoutMk cId="3733172339" sldId="2147483665"/>
+          </pc:sldLayoutMkLst>
+        </pc:sldLayoutChg>
+        <pc:sldLayoutChg chg="del">
+          <pc:chgData name="Pirani,Antonio A." userId="S::523008@student.fontys.nl::b27b35d6-1459-4bed-af76-eef7aff762d7" providerId="AD" clId="Web-{43E6C3F7-EFA3-4AF8-A4FE-2AC6137E1578}" dt="2023-03-07T14:58:29.874" v="0"/>
+          <pc:sldLayoutMkLst>
+            <pc:docMk/>
+            <pc:sldMasterMk cId="2460954070" sldId="2147483660"/>
+            <pc:sldLayoutMk cId="3210312558" sldId="2147483666"/>
+          </pc:sldLayoutMkLst>
+        </pc:sldLayoutChg>
+        <pc:sldLayoutChg chg="del">
+          <pc:chgData name="Pirani,Antonio A." userId="S::523008@student.fontys.nl::b27b35d6-1459-4bed-af76-eef7aff762d7" providerId="AD" clId="Web-{43E6C3F7-EFA3-4AF8-A4FE-2AC6137E1578}" dt="2023-03-07T14:58:29.874" v="0"/>
+          <pc:sldLayoutMkLst>
+            <pc:docMk/>
+            <pc:sldMasterMk cId="2460954070" sldId="2147483660"/>
+            <pc:sldLayoutMk cId="3146388984" sldId="2147483667"/>
+          </pc:sldLayoutMkLst>
+        </pc:sldLayoutChg>
+        <pc:sldLayoutChg chg="del">
+          <pc:chgData name="Pirani,Antonio A." userId="S::523008@student.fontys.nl::b27b35d6-1459-4bed-af76-eef7aff762d7" providerId="AD" clId="Web-{43E6C3F7-EFA3-4AF8-A4FE-2AC6137E1578}" dt="2023-03-07T14:58:29.874" v="0"/>
+          <pc:sldLayoutMkLst>
+            <pc:docMk/>
+            <pc:sldMasterMk cId="2460954070" sldId="2147483660"/>
+            <pc:sldLayoutMk cId="3171841454" sldId="2147483668"/>
+          </pc:sldLayoutMkLst>
+        </pc:sldLayoutChg>
+        <pc:sldLayoutChg chg="del">
+          <pc:chgData name="Pirani,Antonio A." userId="S::523008@student.fontys.nl::b27b35d6-1459-4bed-af76-eef7aff762d7" providerId="AD" clId="Web-{43E6C3F7-EFA3-4AF8-A4FE-2AC6137E1578}" dt="2023-03-07T14:58:29.874" v="0"/>
+          <pc:sldLayoutMkLst>
+            <pc:docMk/>
+            <pc:sldMasterMk cId="2460954070" sldId="2147483660"/>
+            <pc:sldLayoutMk cId="1718958274" sldId="2147483669"/>
+          </pc:sldLayoutMkLst>
+        </pc:sldLayoutChg>
+        <pc:sldLayoutChg chg="del">
+          <pc:chgData name="Pirani,Antonio A." userId="S::523008@student.fontys.nl::b27b35d6-1459-4bed-af76-eef7aff762d7" providerId="AD" clId="Web-{43E6C3F7-EFA3-4AF8-A4FE-2AC6137E1578}" dt="2023-03-07T14:58:29.874" v="0"/>
+          <pc:sldLayoutMkLst>
+            <pc:docMk/>
+            <pc:sldMasterMk cId="2460954070" sldId="2147483660"/>
+            <pc:sldLayoutMk cId="2202905451" sldId="2147483670"/>
+          </pc:sldLayoutMkLst>
+        </pc:sldLayoutChg>
+        <pc:sldLayoutChg chg="del">
+          <pc:chgData name="Pirani,Antonio A." userId="S::523008@student.fontys.nl::b27b35d6-1459-4bed-af76-eef7aff762d7" providerId="AD" clId="Web-{43E6C3F7-EFA3-4AF8-A4FE-2AC6137E1578}" dt="2023-03-07T14:58:29.874" v="0"/>
+          <pc:sldLayoutMkLst>
+            <pc:docMk/>
+            <pc:sldMasterMk cId="2460954070" sldId="2147483660"/>
+            <pc:sldLayoutMk cId="3479445657" sldId="2147483671"/>
+          </pc:sldLayoutMkLst>
+        </pc:sldLayoutChg>
+      </pc:sldMasterChg>
+      <pc:sldMasterChg chg="add del addSldLayout delSldLayout">
+        <pc:chgData name="Pirani,Antonio A." userId="S::523008@student.fontys.nl::b27b35d6-1459-4bed-af76-eef7aff762d7" providerId="AD" clId="Web-{43E6C3F7-EFA3-4AF8-A4FE-2AC6137E1578}" dt="2023-03-07T14:59:22.611" v="8"/>
+        <pc:sldMasterMkLst>
+          <pc:docMk/>
+          <pc:sldMasterMk cId="2011315632" sldId="2147483724"/>
+        </pc:sldMasterMkLst>
+        <pc:sldLayoutChg chg="add del">
+          <pc:chgData name="Pirani,Antonio A." userId="S::523008@student.fontys.nl::b27b35d6-1459-4bed-af76-eef7aff762d7" providerId="AD" clId="Web-{43E6C3F7-EFA3-4AF8-A4FE-2AC6137E1578}" dt="2023-03-07T14:59:22.611" v="8"/>
+          <pc:sldLayoutMkLst>
+            <pc:docMk/>
+            <pc:sldMasterMk cId="2011315632" sldId="2147483724"/>
+            <pc:sldLayoutMk cId="1269503208" sldId="2147483713"/>
+          </pc:sldLayoutMkLst>
+        </pc:sldLayoutChg>
+        <pc:sldLayoutChg chg="add del">
+          <pc:chgData name="Pirani,Antonio A." userId="S::523008@student.fontys.nl::b27b35d6-1459-4bed-af76-eef7aff762d7" providerId="AD" clId="Web-{43E6C3F7-EFA3-4AF8-A4FE-2AC6137E1578}" dt="2023-03-07T14:59:22.611" v="8"/>
+          <pc:sldLayoutMkLst>
+            <pc:docMk/>
+            <pc:sldMasterMk cId="2011315632" sldId="2147483724"/>
+            <pc:sldLayoutMk cId="4046779456" sldId="2147483714"/>
+          </pc:sldLayoutMkLst>
+        </pc:sldLayoutChg>
+        <pc:sldLayoutChg chg="add del">
+          <pc:chgData name="Pirani,Antonio A." userId="S::523008@student.fontys.nl::b27b35d6-1459-4bed-af76-eef7aff762d7" providerId="AD" clId="Web-{43E6C3F7-EFA3-4AF8-A4FE-2AC6137E1578}" dt="2023-03-07T14:59:22.611" v="8"/>
+          <pc:sldLayoutMkLst>
+            <pc:docMk/>
+            <pc:sldMasterMk cId="2011315632" sldId="2147483724"/>
+            <pc:sldLayoutMk cId="2525525578" sldId="2147483715"/>
+          </pc:sldLayoutMkLst>
+        </pc:sldLayoutChg>
+        <pc:sldLayoutChg chg="add del">
+          <pc:chgData name="Pirani,Antonio A." userId="S::523008@student.fontys.nl::b27b35d6-1459-4bed-af76-eef7aff762d7" providerId="AD" clId="Web-{43E6C3F7-EFA3-4AF8-A4FE-2AC6137E1578}" dt="2023-03-07T14:59:22.611" v="8"/>
+          <pc:sldLayoutMkLst>
+            <pc:docMk/>
+            <pc:sldMasterMk cId="2011315632" sldId="2147483724"/>
+            <pc:sldLayoutMk cId="3738782529" sldId="2147483716"/>
+          </pc:sldLayoutMkLst>
+        </pc:sldLayoutChg>
+        <pc:sldLayoutChg chg="add del">
+          <pc:chgData name="Pirani,Antonio A." userId="S::523008@student.fontys.nl::b27b35d6-1459-4bed-af76-eef7aff762d7" providerId="AD" clId="Web-{43E6C3F7-EFA3-4AF8-A4FE-2AC6137E1578}" dt="2023-03-07T14:59:22.611" v="8"/>
+          <pc:sldLayoutMkLst>
+            <pc:docMk/>
+            <pc:sldMasterMk cId="2011315632" sldId="2147483724"/>
+            <pc:sldLayoutMk cId="2065941348" sldId="2147483717"/>
+          </pc:sldLayoutMkLst>
+        </pc:sldLayoutChg>
+        <pc:sldLayoutChg chg="add del">
+          <pc:chgData name="Pirani,Antonio A." userId="S::523008@student.fontys.nl::b27b35d6-1459-4bed-af76-eef7aff762d7" providerId="AD" clId="Web-{43E6C3F7-EFA3-4AF8-A4FE-2AC6137E1578}" dt="2023-03-07T14:59:22.611" v="8"/>
+          <pc:sldLayoutMkLst>
+            <pc:docMk/>
+            <pc:sldMasterMk cId="2011315632" sldId="2147483724"/>
+            <pc:sldLayoutMk cId="2145958573" sldId="2147483718"/>
+          </pc:sldLayoutMkLst>
+        </pc:sldLayoutChg>
+        <pc:sldLayoutChg chg="add del">
+          <pc:chgData name="Pirani,Antonio A." userId="S::523008@student.fontys.nl::b27b35d6-1459-4bed-af76-eef7aff762d7" providerId="AD" clId="Web-{43E6C3F7-EFA3-4AF8-A4FE-2AC6137E1578}" dt="2023-03-07T14:59:22.611" v="8"/>
+          <pc:sldLayoutMkLst>
+            <pc:docMk/>
+            <pc:sldMasterMk cId="2011315632" sldId="2147483724"/>
+            <pc:sldLayoutMk cId="3279736693" sldId="2147483719"/>
+          </pc:sldLayoutMkLst>
+        </pc:sldLayoutChg>
+        <pc:sldLayoutChg chg="add del">
+          <pc:chgData name="Pirani,Antonio A." userId="S::523008@student.fontys.nl::b27b35d6-1459-4bed-af76-eef7aff762d7" providerId="AD" clId="Web-{43E6C3F7-EFA3-4AF8-A4FE-2AC6137E1578}" dt="2023-03-07T14:59:22.611" v="8"/>
+          <pc:sldLayoutMkLst>
+            <pc:docMk/>
+            <pc:sldMasterMk cId="2011315632" sldId="2147483724"/>
+            <pc:sldLayoutMk cId="1937625957" sldId="2147483720"/>
+          </pc:sldLayoutMkLst>
+        </pc:sldLayoutChg>
+        <pc:sldLayoutChg chg="add del">
+          <pc:chgData name="Pirani,Antonio A." userId="S::523008@student.fontys.nl::b27b35d6-1459-4bed-af76-eef7aff762d7" providerId="AD" clId="Web-{43E6C3F7-EFA3-4AF8-A4FE-2AC6137E1578}" dt="2023-03-07T14:59:22.611" v="8"/>
+          <pc:sldLayoutMkLst>
+            <pc:docMk/>
+            <pc:sldMasterMk cId="2011315632" sldId="2147483724"/>
+            <pc:sldLayoutMk cId="3403698828" sldId="2147483721"/>
+          </pc:sldLayoutMkLst>
+        </pc:sldLayoutChg>
+        <pc:sldLayoutChg chg="add del">
+          <pc:chgData name="Pirani,Antonio A." userId="S::523008@student.fontys.nl::b27b35d6-1459-4bed-af76-eef7aff762d7" providerId="AD" clId="Web-{43E6C3F7-EFA3-4AF8-A4FE-2AC6137E1578}" dt="2023-03-07T14:59:22.611" v="8"/>
+          <pc:sldLayoutMkLst>
+            <pc:docMk/>
+            <pc:sldMasterMk cId="2011315632" sldId="2147483724"/>
+            <pc:sldLayoutMk cId="4282051307" sldId="2147483722"/>
+          </pc:sldLayoutMkLst>
+        </pc:sldLayoutChg>
+        <pc:sldLayoutChg chg="add del">
+          <pc:chgData name="Pirani,Antonio A." userId="S::523008@student.fontys.nl::b27b35d6-1459-4bed-af76-eef7aff762d7" providerId="AD" clId="Web-{43E6C3F7-EFA3-4AF8-A4FE-2AC6137E1578}" dt="2023-03-07T14:59:22.611" v="8"/>
+          <pc:sldLayoutMkLst>
+            <pc:docMk/>
+            <pc:sldMasterMk cId="2011315632" sldId="2147483724"/>
+            <pc:sldLayoutMk cId="4071047538" sldId="2147483723"/>
+          </pc:sldLayoutMkLst>
+        </pc:sldLayoutChg>
+      </pc:sldMasterChg>
+      <pc:sldMasterChg chg="add addSldLayout">
+        <pc:chgData name="Pirani,Antonio A." userId="S::523008@student.fontys.nl::b27b35d6-1459-4bed-af76-eef7aff762d7" providerId="AD" clId="Web-{43E6C3F7-EFA3-4AF8-A4FE-2AC6137E1578}" dt="2023-03-07T14:59:22.611" v="8"/>
+        <pc:sldMasterMkLst>
+          <pc:docMk/>
+          <pc:sldMasterMk cId="1555803907" sldId="2147483725"/>
+        </pc:sldMasterMkLst>
+        <pc:sldLayoutChg chg="add">
+          <pc:chgData name="Pirani,Antonio A." userId="S::523008@student.fontys.nl::b27b35d6-1459-4bed-af76-eef7aff762d7" providerId="AD" clId="Web-{43E6C3F7-EFA3-4AF8-A4FE-2AC6137E1578}" dt="2023-03-07T14:59:22.611" v="8"/>
+          <pc:sldLayoutMkLst>
+            <pc:docMk/>
+            <pc:sldMasterMk cId="1555803907" sldId="2147483725"/>
+            <pc:sldLayoutMk cId="3594521325" sldId="2147483726"/>
+          </pc:sldLayoutMkLst>
+        </pc:sldLayoutChg>
+        <pc:sldLayoutChg chg="add">
+          <pc:chgData name="Pirani,Antonio A." userId="S::523008@student.fontys.nl::b27b35d6-1459-4bed-af76-eef7aff762d7" providerId="AD" clId="Web-{43E6C3F7-EFA3-4AF8-A4FE-2AC6137E1578}" dt="2023-03-07T14:59:22.611" v="8"/>
+          <pc:sldLayoutMkLst>
+            <pc:docMk/>
+            <pc:sldMasterMk cId="1555803907" sldId="2147483725"/>
+            <pc:sldLayoutMk cId="1090527648" sldId="2147483727"/>
+          </pc:sldLayoutMkLst>
+        </pc:sldLayoutChg>
+        <pc:sldLayoutChg chg="add">
+          <pc:chgData name="Pirani,Antonio A." userId="S::523008@student.fontys.nl::b27b35d6-1459-4bed-af76-eef7aff762d7" providerId="AD" clId="Web-{43E6C3F7-EFA3-4AF8-A4FE-2AC6137E1578}" dt="2023-03-07T14:59:22.611" v="8"/>
+          <pc:sldLayoutMkLst>
+            <pc:docMk/>
+            <pc:sldMasterMk cId="1555803907" sldId="2147483725"/>
+            <pc:sldLayoutMk cId="3942503498" sldId="2147483728"/>
+          </pc:sldLayoutMkLst>
+        </pc:sldLayoutChg>
+        <pc:sldLayoutChg chg="add">
+          <pc:chgData name="Pirani,Antonio A." userId="S::523008@student.fontys.nl::b27b35d6-1459-4bed-af76-eef7aff762d7" providerId="AD" clId="Web-{43E6C3F7-EFA3-4AF8-A4FE-2AC6137E1578}" dt="2023-03-07T14:59:22.611" v="8"/>
+          <pc:sldLayoutMkLst>
+            <pc:docMk/>
+            <pc:sldMasterMk cId="1555803907" sldId="2147483725"/>
+            <pc:sldLayoutMk cId="604957596" sldId="2147483729"/>
+          </pc:sldLayoutMkLst>
+        </pc:sldLayoutChg>
+        <pc:sldLayoutChg chg="add">
+          <pc:chgData name="Pirani,Antonio A." userId="S::523008@student.fontys.nl::b27b35d6-1459-4bed-af76-eef7aff762d7" providerId="AD" clId="Web-{43E6C3F7-EFA3-4AF8-A4FE-2AC6137E1578}" dt="2023-03-07T14:59:22.611" v="8"/>
+          <pc:sldLayoutMkLst>
+            <pc:docMk/>
+            <pc:sldMasterMk cId="1555803907" sldId="2147483725"/>
+            <pc:sldLayoutMk cId="1123811823" sldId="2147483730"/>
+          </pc:sldLayoutMkLst>
+        </pc:sldLayoutChg>
+        <pc:sldLayoutChg chg="add">
+          <pc:chgData name="Pirani,Antonio A." userId="S::523008@student.fontys.nl::b27b35d6-1459-4bed-af76-eef7aff762d7" providerId="AD" clId="Web-{43E6C3F7-EFA3-4AF8-A4FE-2AC6137E1578}" dt="2023-03-07T14:59:22.611" v="8"/>
+          <pc:sldLayoutMkLst>
+            <pc:docMk/>
+            <pc:sldMasterMk cId="1555803907" sldId="2147483725"/>
+            <pc:sldLayoutMk cId="66458586" sldId="2147483731"/>
+          </pc:sldLayoutMkLst>
+        </pc:sldLayoutChg>
+        <pc:sldLayoutChg chg="add">
+          <pc:chgData name="Pirani,Antonio A." userId="S::523008@student.fontys.nl::b27b35d6-1459-4bed-af76-eef7aff762d7" providerId="AD" clId="Web-{43E6C3F7-EFA3-4AF8-A4FE-2AC6137E1578}" dt="2023-03-07T14:59:22.611" v="8"/>
+          <pc:sldLayoutMkLst>
+            <pc:docMk/>
+            <pc:sldMasterMk cId="1555803907" sldId="2147483725"/>
+            <pc:sldLayoutMk cId="2621898564" sldId="2147483732"/>
+          </pc:sldLayoutMkLst>
+        </pc:sldLayoutChg>
+        <pc:sldLayoutChg chg="add">
+          <pc:chgData name="Pirani,Antonio A." userId="S::523008@student.fontys.nl::b27b35d6-1459-4bed-af76-eef7aff762d7" providerId="AD" clId="Web-{43E6C3F7-EFA3-4AF8-A4FE-2AC6137E1578}" dt="2023-03-07T14:59:22.611" v="8"/>
+          <pc:sldLayoutMkLst>
+            <pc:docMk/>
+            <pc:sldMasterMk cId="1555803907" sldId="2147483725"/>
+            <pc:sldLayoutMk cId="1407607" sldId="2147483733"/>
+          </pc:sldLayoutMkLst>
+        </pc:sldLayoutChg>
+        <pc:sldLayoutChg chg="add">
+          <pc:chgData name="Pirani,Antonio A." userId="S::523008@student.fontys.nl::b27b35d6-1459-4bed-af76-eef7aff762d7" providerId="AD" clId="Web-{43E6C3F7-EFA3-4AF8-A4FE-2AC6137E1578}" dt="2023-03-07T14:59:22.611" v="8"/>
+          <pc:sldLayoutMkLst>
+            <pc:docMk/>
+            <pc:sldMasterMk cId="1555803907" sldId="2147483725"/>
+            <pc:sldLayoutMk cId="3500080001" sldId="2147483734"/>
+          </pc:sldLayoutMkLst>
+        </pc:sldLayoutChg>
+        <pc:sldLayoutChg chg="add">
+          <pc:chgData name="Pirani,Antonio A." userId="S::523008@student.fontys.nl::b27b35d6-1459-4bed-af76-eef7aff762d7" providerId="AD" clId="Web-{43E6C3F7-EFA3-4AF8-A4FE-2AC6137E1578}" dt="2023-03-07T14:59:22.611" v="8"/>
+          <pc:sldLayoutMkLst>
+            <pc:docMk/>
+            <pc:sldMasterMk cId="1555803907" sldId="2147483725"/>
+            <pc:sldLayoutMk cId="1375412644" sldId="2147483735"/>
+          </pc:sldLayoutMkLst>
+        </pc:sldLayoutChg>
+        <pc:sldLayoutChg chg="add">
+          <pc:chgData name="Pirani,Antonio A." userId="S::523008@student.fontys.nl::b27b35d6-1459-4bed-af76-eef7aff762d7" providerId="AD" clId="Web-{43E6C3F7-EFA3-4AF8-A4FE-2AC6137E1578}" dt="2023-03-07T14:59:22.611" v="8"/>
+          <pc:sldLayoutMkLst>
+            <pc:docMk/>
+            <pc:sldMasterMk cId="1555803907" sldId="2147483725"/>
+            <pc:sldLayoutMk cId="3704039324" sldId="2147483736"/>
+          </pc:sldLayoutMkLst>
+        </pc:sldLayoutChg>
+      </pc:sldMasterChg>
+      <pc:sldMasterChg chg="add del addSldLayout delSldLayout">
+        <pc:chgData name="Pirani,Antonio A." userId="S::523008@student.fontys.nl::b27b35d6-1459-4bed-af76-eef7aff762d7" providerId="AD" clId="Web-{43E6C3F7-EFA3-4AF8-A4FE-2AC6137E1578}" dt="2023-03-07T14:59:22.548" v="7"/>
+        <pc:sldMasterMkLst>
+          <pc:docMk/>
+          <pc:sldMasterMk cId="3995943157" sldId="2147483826"/>
+        </pc:sldMasterMkLst>
+        <pc:sldLayoutChg chg="add del">
+          <pc:chgData name="Pirani,Antonio A." userId="S::523008@student.fontys.nl::b27b35d6-1459-4bed-af76-eef7aff762d7" providerId="AD" clId="Web-{43E6C3F7-EFA3-4AF8-A4FE-2AC6137E1578}" dt="2023-03-07T14:59:22.548" v="7"/>
+          <pc:sldLayoutMkLst>
+            <pc:docMk/>
+            <pc:sldMasterMk cId="3995943157" sldId="2147483826"/>
+            <pc:sldLayoutMk cId="2307900233" sldId="2147483815"/>
+          </pc:sldLayoutMkLst>
+        </pc:sldLayoutChg>
+        <pc:sldLayoutChg chg="add del">
+          <pc:chgData name="Pirani,Antonio A." userId="S::523008@student.fontys.nl::b27b35d6-1459-4bed-af76-eef7aff762d7" providerId="AD" clId="Web-{43E6C3F7-EFA3-4AF8-A4FE-2AC6137E1578}" dt="2023-03-07T14:59:22.548" v="7"/>
+          <pc:sldLayoutMkLst>
+            <pc:docMk/>
+            <pc:sldMasterMk cId="3995943157" sldId="2147483826"/>
+            <pc:sldLayoutMk cId="3358773728" sldId="2147483816"/>
+          </pc:sldLayoutMkLst>
+        </pc:sldLayoutChg>
+        <pc:sldLayoutChg chg="add del">
+          <pc:chgData name="Pirani,Antonio A." userId="S::523008@student.fontys.nl::b27b35d6-1459-4bed-af76-eef7aff762d7" providerId="AD" clId="Web-{43E6C3F7-EFA3-4AF8-A4FE-2AC6137E1578}" dt="2023-03-07T14:59:22.548" v="7"/>
+          <pc:sldLayoutMkLst>
+            <pc:docMk/>
+            <pc:sldMasterMk cId="3995943157" sldId="2147483826"/>
+            <pc:sldLayoutMk cId="3374512077" sldId="2147483817"/>
+          </pc:sldLayoutMkLst>
+        </pc:sldLayoutChg>
+        <pc:sldLayoutChg chg="add del">
+          <pc:chgData name="Pirani,Antonio A." userId="S::523008@student.fontys.nl::b27b35d6-1459-4bed-af76-eef7aff762d7" providerId="AD" clId="Web-{43E6C3F7-EFA3-4AF8-A4FE-2AC6137E1578}" dt="2023-03-07T14:59:22.548" v="7"/>
+          <pc:sldLayoutMkLst>
+            <pc:docMk/>
+            <pc:sldMasterMk cId="3995943157" sldId="2147483826"/>
+            <pc:sldLayoutMk cId="1946603175" sldId="2147483818"/>
+          </pc:sldLayoutMkLst>
+        </pc:sldLayoutChg>
+        <pc:sldLayoutChg chg="add del">
+          <pc:chgData name="Pirani,Antonio A." userId="S::523008@student.fontys.nl::b27b35d6-1459-4bed-af76-eef7aff762d7" providerId="AD" clId="Web-{43E6C3F7-EFA3-4AF8-A4FE-2AC6137E1578}" dt="2023-03-07T14:59:22.548" v="7"/>
+          <pc:sldLayoutMkLst>
+            <pc:docMk/>
+            <pc:sldMasterMk cId="3995943157" sldId="2147483826"/>
+            <pc:sldLayoutMk cId="3919436542" sldId="2147483819"/>
+          </pc:sldLayoutMkLst>
+        </pc:sldLayoutChg>
+        <pc:sldLayoutChg chg="add del">
+          <pc:chgData name="Pirani,Antonio A." userId="S::523008@student.fontys.nl::b27b35d6-1459-4bed-af76-eef7aff762d7" providerId="AD" clId="Web-{43E6C3F7-EFA3-4AF8-A4FE-2AC6137E1578}" dt="2023-03-07T14:59:22.548" v="7"/>
+          <pc:sldLayoutMkLst>
+            <pc:docMk/>
+            <pc:sldMasterMk cId="3995943157" sldId="2147483826"/>
+            <pc:sldLayoutMk cId="1971533232" sldId="2147483820"/>
+          </pc:sldLayoutMkLst>
+        </pc:sldLayoutChg>
+        <pc:sldLayoutChg chg="add del">
+          <pc:chgData name="Pirani,Antonio A." userId="S::523008@student.fontys.nl::b27b35d6-1459-4bed-af76-eef7aff762d7" providerId="AD" clId="Web-{43E6C3F7-EFA3-4AF8-A4FE-2AC6137E1578}" dt="2023-03-07T14:59:22.548" v="7"/>
+          <pc:sldLayoutMkLst>
+            <pc:docMk/>
+            <pc:sldMasterMk cId="3995943157" sldId="2147483826"/>
+            <pc:sldLayoutMk cId="3466789373" sldId="2147483821"/>
+          </pc:sldLayoutMkLst>
+        </pc:sldLayoutChg>
+        <pc:sldLayoutChg chg="add del">
+          <pc:chgData name="Pirani,Antonio A." userId="S::523008@student.fontys.nl::b27b35d6-1459-4bed-af76-eef7aff762d7" providerId="AD" clId="Web-{43E6C3F7-EFA3-4AF8-A4FE-2AC6137E1578}" dt="2023-03-07T14:59:22.548" v="7"/>
+          <pc:sldLayoutMkLst>
+            <pc:docMk/>
+            <pc:sldMasterMk cId="3995943157" sldId="2147483826"/>
+            <pc:sldLayoutMk cId="824898401" sldId="2147483822"/>
+          </pc:sldLayoutMkLst>
+        </pc:sldLayoutChg>
+        <pc:sldLayoutChg chg="add del">
+          <pc:chgData name="Pirani,Antonio A." userId="S::523008@student.fontys.nl::b27b35d6-1459-4bed-af76-eef7aff762d7" providerId="AD" clId="Web-{43E6C3F7-EFA3-4AF8-A4FE-2AC6137E1578}" dt="2023-03-07T14:59:22.548" v="7"/>
+          <pc:sldLayoutMkLst>
+            <pc:docMk/>
+            <pc:sldMasterMk cId="3995943157" sldId="2147483826"/>
+            <pc:sldLayoutMk cId="4253205146" sldId="2147483823"/>
+          </pc:sldLayoutMkLst>
+        </pc:sldLayoutChg>
+        <pc:sldLayoutChg chg="add del">
+          <pc:chgData name="Pirani,Antonio A." userId="S::523008@student.fontys.nl::b27b35d6-1459-4bed-af76-eef7aff762d7" providerId="AD" clId="Web-{43E6C3F7-EFA3-4AF8-A4FE-2AC6137E1578}" dt="2023-03-07T14:59:22.548" v="7"/>
+          <pc:sldLayoutMkLst>
+            <pc:docMk/>
+            <pc:sldMasterMk cId="3995943157" sldId="2147483826"/>
+            <pc:sldLayoutMk cId="916628597" sldId="2147483824"/>
+          </pc:sldLayoutMkLst>
+        </pc:sldLayoutChg>
+        <pc:sldLayoutChg chg="add del">
+          <pc:chgData name="Pirani,Antonio A." userId="S::523008@student.fontys.nl::b27b35d6-1459-4bed-af76-eef7aff762d7" providerId="AD" clId="Web-{43E6C3F7-EFA3-4AF8-A4FE-2AC6137E1578}" dt="2023-03-07T14:59:22.548" v="7"/>
+          <pc:sldLayoutMkLst>
+            <pc:docMk/>
+            <pc:sldMasterMk cId="3995943157" sldId="2147483826"/>
+            <pc:sldLayoutMk cId="1346486158" sldId="2147483825"/>
+          </pc:sldLayoutMkLst>
+        </pc:sldLayoutChg>
+      </pc:sldMasterChg>
+    </pc:docChg>
+  </pc:docChgLst>
+  <pc:docChgLst>
     <pc:chgData name="Pirani,Antonio A." userId="b27b35d6-1459-4bed-af76-eef7aff762d7" providerId="ADAL" clId="{4DCE87A6-5692-DD46-89CD-9FD091247F19}"/>
     <pc:docChg chg="undo redo custSel addSld delSld modSld sldOrd addSection delSection modSection">
       <pc:chgData name="Pirani,Antonio A." userId="b27b35d6-1459-4bed-af76-eef7aff762d7" providerId="ADAL" clId="{4DCE87A6-5692-DD46-89CD-9FD091247F19}" dt="2023-03-10T19:00:32.164" v="1980" actId="2696"/>
@@ -3292,730 +4018,6 @@
           </ac:cxnSpMkLst>
         </pc:cxnChg>
       </pc:sldChg>
-    </pc:docChg>
-  </pc:docChgLst>
-  <pc:docChgLst>
-    <pc:chgData name="Pirani,Antonio A." userId="S::523008@student.fontys.nl::b27b35d6-1459-4bed-af76-eef7aff762d7" providerId="AD" clId="Web-{43E6C3F7-EFA3-4AF8-A4FE-2AC6137E1578}"/>
-    <pc:docChg chg="addSld modSld sldOrd addMainMaster delMainMaster">
-      <pc:chgData name="Pirani,Antonio A." userId="S::523008@student.fontys.nl::b27b35d6-1459-4bed-af76-eef7aff762d7" providerId="AD" clId="Web-{43E6C3F7-EFA3-4AF8-A4FE-2AC6137E1578}" dt="2023-03-07T15:46:33.484" v="315"/>
-      <pc:docMkLst>
-        <pc:docMk/>
-      </pc:docMkLst>
-      <pc:sldChg chg="addSp delSp modSp mod setBg modClrScheme addAnim chgLayout">
-        <pc:chgData name="Pirani,Antonio A." userId="S::523008@student.fontys.nl::b27b35d6-1459-4bed-af76-eef7aff762d7" providerId="AD" clId="Web-{43E6C3F7-EFA3-4AF8-A4FE-2AC6137E1578}" dt="2023-03-07T14:59:22.611" v="9"/>
-        <pc:sldMkLst>
-          <pc:docMk/>
-          <pc:sldMk cId="109857222" sldId="256"/>
-        </pc:sldMkLst>
-        <pc:spChg chg="mod">
-          <ac:chgData name="Pirani,Antonio A." userId="S::523008@student.fontys.nl::b27b35d6-1459-4bed-af76-eef7aff762d7" providerId="AD" clId="Web-{43E6C3F7-EFA3-4AF8-A4FE-2AC6137E1578}" dt="2023-03-07T14:59:22.611" v="8"/>
-          <ac:spMkLst>
-            <pc:docMk/>
-            <pc:sldMk cId="109857222" sldId="256"/>
-            <ac:spMk id="2" creationId="{00000000-0000-0000-0000-000000000000}"/>
-          </ac:spMkLst>
-        </pc:spChg>
-        <pc:spChg chg="mod">
-          <ac:chgData name="Pirani,Antonio A." userId="S::523008@student.fontys.nl::b27b35d6-1459-4bed-af76-eef7aff762d7" providerId="AD" clId="Web-{43E6C3F7-EFA3-4AF8-A4FE-2AC6137E1578}" dt="2023-03-07T14:59:22.611" v="8"/>
-          <ac:spMkLst>
-            <pc:docMk/>
-            <pc:sldMk cId="109857222" sldId="256"/>
-            <ac:spMk id="3" creationId="{00000000-0000-0000-0000-000000000000}"/>
-          </ac:spMkLst>
-        </pc:spChg>
-        <pc:spChg chg="add del">
-          <ac:chgData name="Pirani,Antonio A." userId="S::523008@student.fontys.nl::b27b35d6-1459-4bed-af76-eef7aff762d7" providerId="AD" clId="Web-{43E6C3F7-EFA3-4AF8-A4FE-2AC6137E1578}" dt="2023-03-07T14:59:22.611" v="8"/>
-          <ac:spMkLst>
-            <pc:docMk/>
-            <pc:sldMk cId="109857222" sldId="256"/>
-            <ac:spMk id="9" creationId="{AFD23066-E0E4-4A0C-B554-B9F2A919124B}"/>
-          </ac:spMkLst>
-        </pc:spChg>
-        <pc:spChg chg="add del">
-          <ac:chgData name="Pirani,Antonio A." userId="S::523008@student.fontys.nl::b27b35d6-1459-4bed-af76-eef7aff762d7" providerId="AD" clId="Web-{43E6C3F7-EFA3-4AF8-A4FE-2AC6137E1578}" dt="2023-03-07T14:59:22.611" v="8"/>
-          <ac:spMkLst>
-            <pc:docMk/>
-            <pc:sldMk cId="109857222" sldId="256"/>
-            <ac:spMk id="11" creationId="{E5D2E6F5-4096-40AF-B31C-B6FBEEFFB122}"/>
-          </ac:spMkLst>
-        </pc:spChg>
-        <pc:spChg chg="add del">
-          <ac:chgData name="Pirani,Antonio A." userId="S::523008@student.fontys.nl::b27b35d6-1459-4bed-af76-eef7aff762d7" providerId="AD" clId="Web-{43E6C3F7-EFA3-4AF8-A4FE-2AC6137E1578}" dt="2023-03-07T14:59:22.548" v="7"/>
-          <ac:spMkLst>
-            <pc:docMk/>
-            <pc:sldMk cId="109857222" sldId="256"/>
-            <ac:spMk id="16" creationId="{F518D20D-5F05-49C3-8900-68783F8ACB6F}"/>
-          </ac:spMkLst>
-        </pc:spChg>
-        <pc:spChg chg="add del">
-          <ac:chgData name="Pirani,Antonio A." userId="S::523008@student.fontys.nl::b27b35d6-1459-4bed-af76-eef7aff762d7" providerId="AD" clId="Web-{43E6C3F7-EFA3-4AF8-A4FE-2AC6137E1578}" dt="2023-03-07T14:59:22.548" v="7"/>
-          <ac:spMkLst>
-            <pc:docMk/>
-            <pc:sldMk cId="109857222" sldId="256"/>
-            <ac:spMk id="18" creationId="{FF50CA5B-2FF8-43D9-B7D8-3BDE1BFD3CF1}"/>
-          </ac:spMkLst>
-        </pc:spChg>
-        <pc:spChg chg="add del">
-          <ac:chgData name="Pirani,Antonio A." userId="S::523008@student.fontys.nl::b27b35d6-1459-4bed-af76-eef7aff762d7" providerId="AD" clId="Web-{43E6C3F7-EFA3-4AF8-A4FE-2AC6137E1578}" dt="2023-03-07T14:59:22.548" v="7"/>
-          <ac:spMkLst>
-            <pc:docMk/>
-            <pc:sldMk cId="109857222" sldId="256"/>
-            <ac:spMk id="20" creationId="{D060EAFE-C840-4DAF-B8B5-D73E98076206}"/>
-          </ac:spMkLst>
-        </pc:spChg>
-        <pc:spChg chg="add del">
-          <ac:chgData name="Pirani,Antonio A." userId="S::523008@student.fontys.nl::b27b35d6-1459-4bed-af76-eef7aff762d7" providerId="AD" clId="Web-{43E6C3F7-EFA3-4AF8-A4FE-2AC6137E1578}" dt="2023-03-07T14:59:22.548" v="7"/>
-          <ac:spMkLst>
-            <pc:docMk/>
-            <pc:sldMk cId="109857222" sldId="256"/>
-            <ac:spMk id="24" creationId="{F5DEEAE0-BD8F-4966-B785-B522AE075F2B}"/>
-          </ac:spMkLst>
-        </pc:spChg>
-        <pc:spChg chg="add">
-          <ac:chgData name="Pirani,Antonio A." userId="S::523008@student.fontys.nl::b27b35d6-1459-4bed-af76-eef7aff762d7" providerId="AD" clId="Web-{43E6C3F7-EFA3-4AF8-A4FE-2AC6137E1578}" dt="2023-03-07T14:59:22.611" v="8"/>
-          <ac:spMkLst>
-            <pc:docMk/>
-            <pc:sldMk cId="109857222" sldId="256"/>
-            <ac:spMk id="29" creationId="{0149A9F6-B857-488C-AC3A-007B78165715}"/>
-          </ac:spMkLst>
-        </pc:spChg>
-        <pc:spChg chg="add">
-          <ac:chgData name="Pirani,Antonio A." userId="S::523008@student.fontys.nl::b27b35d6-1459-4bed-af76-eef7aff762d7" providerId="AD" clId="Web-{43E6C3F7-EFA3-4AF8-A4FE-2AC6137E1578}" dt="2023-03-07T14:59:22.611" v="8"/>
-          <ac:spMkLst>
-            <pc:docMk/>
-            <pc:sldMk cId="109857222" sldId="256"/>
-            <ac:spMk id="30" creationId="{249EFD05-C377-44BE-91F0-1D17C1D9BF60}"/>
-          </ac:spMkLst>
-        </pc:spChg>
-        <pc:grpChg chg="add">
-          <ac:chgData name="Pirani,Antonio A." userId="S::523008@student.fontys.nl::b27b35d6-1459-4bed-af76-eef7aff762d7" providerId="AD" clId="Web-{43E6C3F7-EFA3-4AF8-A4FE-2AC6137E1578}" dt="2023-03-07T14:59:22.611" v="8"/>
-          <ac:grpSpMkLst>
-            <pc:docMk/>
-            <pc:sldMk cId="109857222" sldId="256"/>
-            <ac:grpSpMk id="25" creationId="{3C9AA14C-80A4-427C-A911-28CD20C56E5E}"/>
-          </ac:grpSpMkLst>
-        </pc:grpChg>
-        <pc:grpChg chg="add">
-          <ac:chgData name="Pirani,Antonio A." userId="S::523008@student.fontys.nl::b27b35d6-1459-4bed-af76-eef7aff762d7" providerId="AD" clId="Web-{43E6C3F7-EFA3-4AF8-A4FE-2AC6137E1578}" dt="2023-03-07T14:59:22.611" v="8"/>
-          <ac:grpSpMkLst>
-            <pc:docMk/>
-            <pc:sldMk cId="109857222" sldId="256"/>
-            <ac:grpSpMk id="31" creationId="{F2FD01A0-E6FF-41CD-AEBD-279232B90D43}"/>
-          </ac:grpSpMkLst>
-        </pc:grpChg>
-        <pc:picChg chg="add mod">
-          <ac:chgData name="Pirani,Antonio A." userId="S::523008@student.fontys.nl::b27b35d6-1459-4bed-af76-eef7aff762d7" providerId="AD" clId="Web-{43E6C3F7-EFA3-4AF8-A4FE-2AC6137E1578}" dt="2023-03-07T14:59:22.611" v="8"/>
-          <ac:picMkLst>
-            <pc:docMk/>
-            <pc:sldMk cId="109857222" sldId="256"/>
-            <ac:picMk id="4" creationId="{CBE2077E-03C5-5347-4812-97EAF5BC59A4}"/>
-          </ac:picMkLst>
-        </pc:picChg>
-        <pc:picChg chg="add del">
-          <ac:chgData name="Pirani,Antonio A." userId="S::523008@student.fontys.nl::b27b35d6-1459-4bed-af76-eef7aff762d7" providerId="AD" clId="Web-{43E6C3F7-EFA3-4AF8-A4FE-2AC6137E1578}" dt="2023-03-07T14:59:22.548" v="7"/>
-          <ac:picMkLst>
-            <pc:docMk/>
-            <pc:sldMk cId="109857222" sldId="256"/>
-            <ac:picMk id="22" creationId="{CF86EB89-5CAA-4AA5-907F-09707CF4A866}"/>
-          </ac:picMkLst>
-        </pc:picChg>
-      </pc:sldChg>
-      <pc:sldChg chg="modSp new">
-        <pc:chgData name="Pirani,Antonio A." userId="S::523008@student.fontys.nl::b27b35d6-1459-4bed-af76-eef7aff762d7" providerId="AD" clId="Web-{43E6C3F7-EFA3-4AF8-A4FE-2AC6137E1578}" dt="2023-03-07T15:02:53.009" v="68" actId="14100"/>
-        <pc:sldMkLst>
-          <pc:docMk/>
-          <pc:sldMk cId="764908316" sldId="257"/>
-        </pc:sldMkLst>
-        <pc:spChg chg="mod">
-          <ac:chgData name="Pirani,Antonio A." userId="S::523008@student.fontys.nl::b27b35d6-1459-4bed-af76-eef7aff762d7" providerId="AD" clId="Web-{43E6C3F7-EFA3-4AF8-A4FE-2AC6137E1578}" dt="2023-03-07T15:02:00.382" v="32" actId="20577"/>
-          <ac:spMkLst>
-            <pc:docMk/>
-            <pc:sldMk cId="764908316" sldId="257"/>
-            <ac:spMk id="2" creationId="{859C2C55-BD17-96C4-BF59-DDEDDC87AD63}"/>
-          </ac:spMkLst>
-        </pc:spChg>
-        <pc:spChg chg="mod">
-          <ac:chgData name="Pirani,Antonio A." userId="S::523008@student.fontys.nl::b27b35d6-1459-4bed-af76-eef7aff762d7" providerId="AD" clId="Web-{43E6C3F7-EFA3-4AF8-A4FE-2AC6137E1578}" dt="2023-03-07T15:02:53.009" v="68" actId="14100"/>
-          <ac:spMkLst>
-            <pc:docMk/>
-            <pc:sldMk cId="764908316" sldId="257"/>
-            <ac:spMk id="3" creationId="{FE68B8D5-E03E-5F1B-EC01-4CABA2EBEF12}"/>
-          </ac:spMkLst>
-        </pc:spChg>
-      </pc:sldChg>
-      <pc:sldChg chg="modSp new">
-        <pc:chgData name="Pirani,Antonio A." userId="S::523008@student.fontys.nl::b27b35d6-1459-4bed-af76-eef7aff762d7" providerId="AD" clId="Web-{43E6C3F7-EFA3-4AF8-A4FE-2AC6137E1578}" dt="2023-03-07T15:06:42.331" v="175" actId="20577"/>
-        <pc:sldMkLst>
-          <pc:docMk/>
-          <pc:sldMk cId="3823489692" sldId="258"/>
-        </pc:sldMkLst>
-        <pc:spChg chg="mod">
-          <ac:chgData name="Pirani,Antonio A." userId="S::523008@student.fontys.nl::b27b35d6-1459-4bed-af76-eef7aff762d7" providerId="AD" clId="Web-{43E6C3F7-EFA3-4AF8-A4FE-2AC6137E1578}" dt="2023-03-07T15:05:15.671" v="124" actId="20577"/>
-          <ac:spMkLst>
-            <pc:docMk/>
-            <pc:sldMk cId="3823489692" sldId="258"/>
-            <ac:spMk id="2" creationId="{DD14F7B3-94E7-F391-A8A9-5378DFF46F1E}"/>
-          </ac:spMkLst>
-        </pc:spChg>
-        <pc:spChg chg="mod">
-          <ac:chgData name="Pirani,Antonio A." userId="S::523008@student.fontys.nl::b27b35d6-1459-4bed-af76-eef7aff762d7" providerId="AD" clId="Web-{43E6C3F7-EFA3-4AF8-A4FE-2AC6137E1578}" dt="2023-03-07T15:06:42.331" v="175" actId="20577"/>
-          <ac:spMkLst>
-            <pc:docMk/>
-            <pc:sldMk cId="3823489692" sldId="258"/>
-            <ac:spMk id="3" creationId="{8EC76816-802D-6F65-A85F-5C9C008E3823}"/>
-          </ac:spMkLst>
-        </pc:spChg>
-      </pc:sldChg>
-      <pc:sldChg chg="addSp modSp new mod setBg">
-        <pc:chgData name="Pirani,Antonio A." userId="S::523008@student.fontys.nl::b27b35d6-1459-4bed-af76-eef7aff762d7" providerId="AD" clId="Web-{43E6C3F7-EFA3-4AF8-A4FE-2AC6137E1578}" dt="2023-03-07T15:46:33.484" v="315"/>
-        <pc:sldMkLst>
-          <pc:docMk/>
-          <pc:sldMk cId="1051841186" sldId="259"/>
-        </pc:sldMkLst>
-        <pc:spChg chg="mod">
-          <ac:chgData name="Pirani,Antonio A." userId="S::523008@student.fontys.nl::b27b35d6-1459-4bed-af76-eef7aff762d7" providerId="AD" clId="Web-{43E6C3F7-EFA3-4AF8-A4FE-2AC6137E1578}" dt="2023-03-07T15:46:33.484" v="315"/>
-          <ac:spMkLst>
-            <pc:docMk/>
-            <pc:sldMk cId="1051841186" sldId="259"/>
-            <ac:spMk id="2" creationId="{8E8CC8C2-2F57-B2F4-A22B-B23AA726D47C}"/>
-          </ac:spMkLst>
-        </pc:spChg>
-        <pc:spChg chg="mod">
-          <ac:chgData name="Pirani,Antonio A." userId="S::523008@student.fontys.nl::b27b35d6-1459-4bed-af76-eef7aff762d7" providerId="AD" clId="Web-{43E6C3F7-EFA3-4AF8-A4FE-2AC6137E1578}" dt="2023-03-07T15:46:33.484" v="315"/>
-          <ac:spMkLst>
-            <pc:docMk/>
-            <pc:sldMk cId="1051841186" sldId="259"/>
-            <ac:spMk id="3" creationId="{7D3369F4-C1E2-15A0-25ED-C3D5A5502BB8}"/>
-          </ac:spMkLst>
-        </pc:spChg>
-        <pc:spChg chg="add">
-          <ac:chgData name="Pirani,Antonio A." userId="S::523008@student.fontys.nl::b27b35d6-1459-4bed-af76-eef7aff762d7" providerId="AD" clId="Web-{43E6C3F7-EFA3-4AF8-A4FE-2AC6137E1578}" dt="2023-03-07T15:46:33.484" v="315"/>
-          <ac:spMkLst>
-            <pc:docMk/>
-            <pc:sldMk cId="1051841186" sldId="259"/>
-            <ac:spMk id="9" creationId="{09646535-AEF6-4883-A4F9-EEC1F8B4319E}"/>
-          </ac:spMkLst>
-        </pc:spChg>
-        <pc:spChg chg="add">
-          <ac:chgData name="Pirani,Antonio A." userId="S::523008@student.fontys.nl::b27b35d6-1459-4bed-af76-eef7aff762d7" providerId="AD" clId="Web-{43E6C3F7-EFA3-4AF8-A4FE-2AC6137E1578}" dt="2023-03-07T15:46:33.484" v="315"/>
-          <ac:spMkLst>
-            <pc:docMk/>
-            <pc:sldMk cId="1051841186" sldId="259"/>
-            <ac:spMk id="11" creationId="{A4CEB5B4-CDED-47E6-9A79-D8983C3D4360}"/>
-          </ac:spMkLst>
-        </pc:spChg>
-        <pc:spChg chg="add">
-          <ac:chgData name="Pirani,Antonio A." userId="S::523008@student.fontys.nl::b27b35d6-1459-4bed-af76-eef7aff762d7" providerId="AD" clId="Web-{43E6C3F7-EFA3-4AF8-A4FE-2AC6137E1578}" dt="2023-03-07T15:46:33.484" v="315"/>
-          <ac:spMkLst>
-            <pc:docMk/>
-            <pc:sldMk cId="1051841186" sldId="259"/>
-            <ac:spMk id="13" creationId="{D50332B2-2BC3-434F-B11C-851A29882D15}"/>
-          </ac:spMkLst>
-        </pc:spChg>
-        <pc:spChg chg="add">
-          <ac:chgData name="Pirani,Antonio A." userId="S::523008@student.fontys.nl::b27b35d6-1459-4bed-af76-eef7aff762d7" providerId="AD" clId="Web-{43E6C3F7-EFA3-4AF8-A4FE-2AC6137E1578}" dt="2023-03-07T15:46:33.484" v="315"/>
-          <ac:spMkLst>
-            <pc:docMk/>
-            <pc:sldMk cId="1051841186" sldId="259"/>
-            <ac:spMk id="15" creationId="{FF54EC60-509D-4A90-A637-580B5967E1DC}"/>
-          </ac:spMkLst>
-        </pc:spChg>
-        <pc:spChg chg="add">
-          <ac:chgData name="Pirani,Antonio A." userId="S::523008@student.fontys.nl::b27b35d6-1459-4bed-af76-eef7aff762d7" providerId="AD" clId="Web-{43E6C3F7-EFA3-4AF8-A4FE-2AC6137E1578}" dt="2023-03-07T15:46:33.484" v="315"/>
-          <ac:spMkLst>
-            <pc:docMk/>
-            <pc:sldMk cId="1051841186" sldId="259"/>
-            <ac:spMk id="17" creationId="{FCC4408D-5823-4186-97B4-25D12A9F93B0}"/>
-          </ac:spMkLst>
-        </pc:spChg>
-        <pc:picChg chg="add">
-          <ac:chgData name="Pirani,Antonio A." userId="S::523008@student.fontys.nl::b27b35d6-1459-4bed-af76-eef7aff762d7" providerId="AD" clId="Web-{43E6C3F7-EFA3-4AF8-A4FE-2AC6137E1578}" dt="2023-03-07T15:46:33.484" v="315"/>
-          <ac:picMkLst>
-            <pc:docMk/>
-            <pc:sldMk cId="1051841186" sldId="259"/>
-            <ac:picMk id="5" creationId="{8153A015-8FC7-AC50-24FE-9D57B43CA84D}"/>
-          </ac:picMkLst>
-        </pc:picChg>
-      </pc:sldChg>
-      <pc:sldChg chg="modSp new ord">
-        <pc:chgData name="Pirani,Antonio A." userId="S::523008@student.fontys.nl::b27b35d6-1459-4bed-af76-eef7aff762d7" providerId="AD" clId="Web-{43E6C3F7-EFA3-4AF8-A4FE-2AC6137E1578}" dt="2023-03-07T15:22:04.397" v="223"/>
-        <pc:sldMkLst>
-          <pc:docMk/>
-          <pc:sldMk cId="798494627" sldId="260"/>
-        </pc:sldMkLst>
-        <pc:spChg chg="mod">
-          <ac:chgData name="Pirani,Antonio A." userId="S::523008@student.fontys.nl::b27b35d6-1459-4bed-af76-eef7aff762d7" providerId="AD" clId="Web-{43E6C3F7-EFA3-4AF8-A4FE-2AC6137E1578}" dt="2023-03-07T15:15:27.350" v="211" actId="20577"/>
-          <ac:spMkLst>
-            <pc:docMk/>
-            <pc:sldMk cId="798494627" sldId="260"/>
-            <ac:spMk id="2" creationId="{EAEE4D1A-2144-070C-FF02-F5DCBADCAC60}"/>
-          </ac:spMkLst>
-        </pc:spChg>
-        <pc:spChg chg="mod">
-          <ac:chgData name="Pirani,Antonio A." userId="S::523008@student.fontys.nl::b27b35d6-1459-4bed-af76-eef7aff762d7" providerId="AD" clId="Web-{43E6C3F7-EFA3-4AF8-A4FE-2AC6137E1578}" dt="2023-03-07T15:21:47.709" v="222" actId="20577"/>
-          <ac:spMkLst>
-            <pc:docMk/>
-            <pc:sldMk cId="798494627" sldId="260"/>
-            <ac:spMk id="3" creationId="{DD2152ED-C342-F018-0EBB-9AB9473CF607}"/>
-          </ac:spMkLst>
-        </pc:spChg>
-      </pc:sldChg>
-      <pc:sldChg chg="modSp new ord">
-        <pc:chgData name="Pirani,Antonio A." userId="S::523008@student.fontys.nl::b27b35d6-1459-4bed-af76-eef7aff762d7" providerId="AD" clId="Web-{43E6C3F7-EFA3-4AF8-A4FE-2AC6137E1578}" dt="2023-03-07T15:26:07.062" v="266" actId="20577"/>
-        <pc:sldMkLst>
-          <pc:docMk/>
-          <pc:sldMk cId="920567303" sldId="261"/>
-        </pc:sldMkLst>
-        <pc:spChg chg="mod">
-          <ac:chgData name="Pirani,Antonio A." userId="S::523008@student.fontys.nl::b27b35d6-1459-4bed-af76-eef7aff762d7" providerId="AD" clId="Web-{43E6C3F7-EFA3-4AF8-A4FE-2AC6137E1578}" dt="2023-03-07T15:22:40.304" v="229" actId="20577"/>
-          <ac:spMkLst>
-            <pc:docMk/>
-            <pc:sldMk cId="920567303" sldId="261"/>
-            <ac:spMk id="2" creationId="{6BEFF12F-249E-A5F2-924E-3F981ADD7706}"/>
-          </ac:spMkLst>
-        </pc:spChg>
-        <pc:spChg chg="mod">
-          <ac:chgData name="Pirani,Antonio A." userId="S::523008@student.fontys.nl::b27b35d6-1459-4bed-af76-eef7aff762d7" providerId="AD" clId="Web-{43E6C3F7-EFA3-4AF8-A4FE-2AC6137E1578}" dt="2023-03-07T15:26:07.062" v="266" actId="20577"/>
-          <ac:spMkLst>
-            <pc:docMk/>
-            <pc:sldMk cId="920567303" sldId="261"/>
-            <ac:spMk id="3" creationId="{30F0EAF9-66AE-0DD5-0C9D-341E4053F2EB}"/>
-          </ac:spMkLst>
-        </pc:spChg>
-      </pc:sldChg>
-      <pc:sldChg chg="modSp new ord">
-        <pc:chgData name="Pirani,Antonio A." userId="S::523008@student.fontys.nl::b27b35d6-1459-4bed-af76-eef7aff762d7" providerId="AD" clId="Web-{43E6C3F7-EFA3-4AF8-A4FE-2AC6137E1578}" dt="2023-03-07T15:25:51.999" v="262" actId="20577"/>
-        <pc:sldMkLst>
-          <pc:docMk/>
-          <pc:sldMk cId="2928994138" sldId="262"/>
-        </pc:sldMkLst>
-        <pc:spChg chg="mod">
-          <ac:chgData name="Pirani,Antonio A." userId="S::523008@student.fontys.nl::b27b35d6-1459-4bed-af76-eef7aff762d7" providerId="AD" clId="Web-{43E6C3F7-EFA3-4AF8-A4FE-2AC6137E1578}" dt="2023-03-07T15:25:25.857" v="256" actId="20577"/>
-          <ac:spMkLst>
-            <pc:docMk/>
-            <pc:sldMk cId="2928994138" sldId="262"/>
-            <ac:spMk id="2" creationId="{4BF88A79-76F3-5D58-BD01-022AD7EE41EF}"/>
-          </ac:spMkLst>
-        </pc:spChg>
-        <pc:spChg chg="mod">
-          <ac:chgData name="Pirani,Antonio A." userId="S::523008@student.fontys.nl::b27b35d6-1459-4bed-af76-eef7aff762d7" providerId="AD" clId="Web-{43E6C3F7-EFA3-4AF8-A4FE-2AC6137E1578}" dt="2023-03-07T15:25:51.999" v="262" actId="20577"/>
-          <ac:spMkLst>
-            <pc:docMk/>
-            <pc:sldMk cId="2928994138" sldId="262"/>
-            <ac:spMk id="3" creationId="{AC51AF08-306D-8B20-7C3C-E56F7D9A0443}"/>
-          </ac:spMkLst>
-        </pc:spChg>
-      </pc:sldChg>
-      <pc:sldChg chg="modSp new">
-        <pc:chgData name="Pirani,Antonio A." userId="S::523008@student.fontys.nl::b27b35d6-1459-4bed-af76-eef7aff762d7" providerId="AD" clId="Web-{43E6C3F7-EFA3-4AF8-A4FE-2AC6137E1578}" dt="2023-03-07T15:28:48.818" v="300" actId="20577"/>
-        <pc:sldMkLst>
-          <pc:docMk/>
-          <pc:sldMk cId="3700990553" sldId="263"/>
-        </pc:sldMkLst>
-        <pc:spChg chg="mod">
-          <ac:chgData name="Pirani,Antonio A." userId="S::523008@student.fontys.nl::b27b35d6-1459-4bed-af76-eef7aff762d7" providerId="AD" clId="Web-{43E6C3F7-EFA3-4AF8-A4FE-2AC6137E1578}" dt="2023-03-07T15:28:48.818" v="300" actId="20577"/>
-          <ac:spMkLst>
-            <pc:docMk/>
-            <pc:sldMk cId="3700990553" sldId="263"/>
-            <ac:spMk id="2" creationId="{1BACE221-1147-5EDD-6C22-B62FFD2F584C}"/>
-          </ac:spMkLst>
-        </pc:spChg>
-      </pc:sldChg>
-      <pc:sldChg chg="modSp new ord">
-        <pc:chgData name="Pirani,Antonio A." userId="S::523008@student.fontys.nl::b27b35d6-1459-4bed-af76-eef7aff762d7" providerId="AD" clId="Web-{43E6C3F7-EFA3-4AF8-A4FE-2AC6137E1578}" dt="2023-03-07T15:30:16.525" v="314"/>
-        <pc:sldMkLst>
-          <pc:docMk/>
-          <pc:sldMk cId="2818610950" sldId="264"/>
-        </pc:sldMkLst>
-        <pc:spChg chg="mod">
-          <ac:chgData name="Pirani,Antonio A." userId="S::523008@student.fontys.nl::b27b35d6-1459-4bed-af76-eef7aff762d7" providerId="AD" clId="Web-{43E6C3F7-EFA3-4AF8-A4FE-2AC6137E1578}" dt="2023-03-07T15:30:10.743" v="313" actId="20577"/>
-          <ac:spMkLst>
-            <pc:docMk/>
-            <pc:sldMk cId="2818610950" sldId="264"/>
-            <ac:spMk id="2" creationId="{F95A70B9-D451-D270-0CD6-D2FC63C4EDD5}"/>
-          </ac:spMkLst>
-        </pc:spChg>
-      </pc:sldChg>
-      <pc:sldMasterChg chg="del delSldLayout">
-        <pc:chgData name="Pirani,Antonio A." userId="S::523008@student.fontys.nl::b27b35d6-1459-4bed-af76-eef7aff762d7" providerId="AD" clId="Web-{43E6C3F7-EFA3-4AF8-A4FE-2AC6137E1578}" dt="2023-03-07T14:58:29.874" v="0"/>
-        <pc:sldMasterMkLst>
-          <pc:docMk/>
-          <pc:sldMasterMk cId="2460954070" sldId="2147483660"/>
-        </pc:sldMasterMkLst>
-        <pc:sldLayoutChg chg="del">
-          <pc:chgData name="Pirani,Antonio A." userId="S::523008@student.fontys.nl::b27b35d6-1459-4bed-af76-eef7aff762d7" providerId="AD" clId="Web-{43E6C3F7-EFA3-4AF8-A4FE-2AC6137E1578}" dt="2023-03-07T14:58:29.874" v="0"/>
-          <pc:sldLayoutMkLst>
-            <pc:docMk/>
-            <pc:sldMasterMk cId="2460954070" sldId="2147483660"/>
-            <pc:sldLayoutMk cId="2385387890" sldId="2147483661"/>
-          </pc:sldLayoutMkLst>
-        </pc:sldLayoutChg>
-        <pc:sldLayoutChg chg="del">
-          <pc:chgData name="Pirani,Antonio A." userId="S::523008@student.fontys.nl::b27b35d6-1459-4bed-af76-eef7aff762d7" providerId="AD" clId="Web-{43E6C3F7-EFA3-4AF8-A4FE-2AC6137E1578}" dt="2023-03-07T14:58:29.874" v="0"/>
-          <pc:sldLayoutMkLst>
-            <pc:docMk/>
-            <pc:sldMasterMk cId="2460954070" sldId="2147483660"/>
-            <pc:sldLayoutMk cId="949138452" sldId="2147483662"/>
-          </pc:sldLayoutMkLst>
-        </pc:sldLayoutChg>
-        <pc:sldLayoutChg chg="del">
-          <pc:chgData name="Pirani,Antonio A." userId="S::523008@student.fontys.nl::b27b35d6-1459-4bed-af76-eef7aff762d7" providerId="AD" clId="Web-{43E6C3F7-EFA3-4AF8-A4FE-2AC6137E1578}" dt="2023-03-07T14:58:29.874" v="0"/>
-          <pc:sldLayoutMkLst>
-            <pc:docMk/>
-            <pc:sldMasterMk cId="2460954070" sldId="2147483660"/>
-            <pc:sldLayoutMk cId="2591524520" sldId="2147483663"/>
-          </pc:sldLayoutMkLst>
-        </pc:sldLayoutChg>
-        <pc:sldLayoutChg chg="del">
-          <pc:chgData name="Pirani,Antonio A." userId="S::523008@student.fontys.nl::b27b35d6-1459-4bed-af76-eef7aff762d7" providerId="AD" clId="Web-{43E6C3F7-EFA3-4AF8-A4FE-2AC6137E1578}" dt="2023-03-07T14:58:29.874" v="0"/>
-          <pc:sldLayoutMkLst>
-            <pc:docMk/>
-            <pc:sldMasterMk cId="2460954070" sldId="2147483660"/>
-            <pc:sldLayoutMk cId="1203092039" sldId="2147483664"/>
-          </pc:sldLayoutMkLst>
-        </pc:sldLayoutChg>
-        <pc:sldLayoutChg chg="del">
-          <pc:chgData name="Pirani,Antonio A." userId="S::523008@student.fontys.nl::b27b35d6-1459-4bed-af76-eef7aff762d7" providerId="AD" clId="Web-{43E6C3F7-EFA3-4AF8-A4FE-2AC6137E1578}" dt="2023-03-07T14:58:29.874" v="0"/>
-          <pc:sldLayoutMkLst>
-            <pc:docMk/>
-            <pc:sldMasterMk cId="2460954070" sldId="2147483660"/>
-            <pc:sldLayoutMk cId="3733172339" sldId="2147483665"/>
-          </pc:sldLayoutMkLst>
-        </pc:sldLayoutChg>
-        <pc:sldLayoutChg chg="del">
-          <pc:chgData name="Pirani,Antonio A." userId="S::523008@student.fontys.nl::b27b35d6-1459-4bed-af76-eef7aff762d7" providerId="AD" clId="Web-{43E6C3F7-EFA3-4AF8-A4FE-2AC6137E1578}" dt="2023-03-07T14:58:29.874" v="0"/>
-          <pc:sldLayoutMkLst>
-            <pc:docMk/>
-            <pc:sldMasterMk cId="2460954070" sldId="2147483660"/>
-            <pc:sldLayoutMk cId="3210312558" sldId="2147483666"/>
-          </pc:sldLayoutMkLst>
-        </pc:sldLayoutChg>
-        <pc:sldLayoutChg chg="del">
-          <pc:chgData name="Pirani,Antonio A." userId="S::523008@student.fontys.nl::b27b35d6-1459-4bed-af76-eef7aff762d7" providerId="AD" clId="Web-{43E6C3F7-EFA3-4AF8-A4FE-2AC6137E1578}" dt="2023-03-07T14:58:29.874" v="0"/>
-          <pc:sldLayoutMkLst>
-            <pc:docMk/>
-            <pc:sldMasterMk cId="2460954070" sldId="2147483660"/>
-            <pc:sldLayoutMk cId="3146388984" sldId="2147483667"/>
-          </pc:sldLayoutMkLst>
-        </pc:sldLayoutChg>
-        <pc:sldLayoutChg chg="del">
-          <pc:chgData name="Pirani,Antonio A." userId="S::523008@student.fontys.nl::b27b35d6-1459-4bed-af76-eef7aff762d7" providerId="AD" clId="Web-{43E6C3F7-EFA3-4AF8-A4FE-2AC6137E1578}" dt="2023-03-07T14:58:29.874" v="0"/>
-          <pc:sldLayoutMkLst>
-            <pc:docMk/>
-            <pc:sldMasterMk cId="2460954070" sldId="2147483660"/>
-            <pc:sldLayoutMk cId="3171841454" sldId="2147483668"/>
-          </pc:sldLayoutMkLst>
-        </pc:sldLayoutChg>
-        <pc:sldLayoutChg chg="del">
-          <pc:chgData name="Pirani,Antonio A." userId="S::523008@student.fontys.nl::b27b35d6-1459-4bed-af76-eef7aff762d7" providerId="AD" clId="Web-{43E6C3F7-EFA3-4AF8-A4FE-2AC6137E1578}" dt="2023-03-07T14:58:29.874" v="0"/>
-          <pc:sldLayoutMkLst>
-            <pc:docMk/>
-            <pc:sldMasterMk cId="2460954070" sldId="2147483660"/>
-            <pc:sldLayoutMk cId="1718958274" sldId="2147483669"/>
-          </pc:sldLayoutMkLst>
-        </pc:sldLayoutChg>
-        <pc:sldLayoutChg chg="del">
-          <pc:chgData name="Pirani,Antonio A." userId="S::523008@student.fontys.nl::b27b35d6-1459-4bed-af76-eef7aff762d7" providerId="AD" clId="Web-{43E6C3F7-EFA3-4AF8-A4FE-2AC6137E1578}" dt="2023-03-07T14:58:29.874" v="0"/>
-          <pc:sldLayoutMkLst>
-            <pc:docMk/>
-            <pc:sldMasterMk cId="2460954070" sldId="2147483660"/>
-            <pc:sldLayoutMk cId="2202905451" sldId="2147483670"/>
-          </pc:sldLayoutMkLst>
-        </pc:sldLayoutChg>
-        <pc:sldLayoutChg chg="del">
-          <pc:chgData name="Pirani,Antonio A." userId="S::523008@student.fontys.nl::b27b35d6-1459-4bed-af76-eef7aff762d7" providerId="AD" clId="Web-{43E6C3F7-EFA3-4AF8-A4FE-2AC6137E1578}" dt="2023-03-07T14:58:29.874" v="0"/>
-          <pc:sldLayoutMkLst>
-            <pc:docMk/>
-            <pc:sldMasterMk cId="2460954070" sldId="2147483660"/>
-            <pc:sldLayoutMk cId="3479445657" sldId="2147483671"/>
-          </pc:sldLayoutMkLst>
-        </pc:sldLayoutChg>
-      </pc:sldMasterChg>
-      <pc:sldMasterChg chg="add del addSldLayout delSldLayout">
-        <pc:chgData name="Pirani,Antonio A." userId="S::523008@student.fontys.nl::b27b35d6-1459-4bed-af76-eef7aff762d7" providerId="AD" clId="Web-{43E6C3F7-EFA3-4AF8-A4FE-2AC6137E1578}" dt="2023-03-07T14:59:22.611" v="8"/>
-        <pc:sldMasterMkLst>
-          <pc:docMk/>
-          <pc:sldMasterMk cId="2011315632" sldId="2147483724"/>
-        </pc:sldMasterMkLst>
-        <pc:sldLayoutChg chg="add del">
-          <pc:chgData name="Pirani,Antonio A." userId="S::523008@student.fontys.nl::b27b35d6-1459-4bed-af76-eef7aff762d7" providerId="AD" clId="Web-{43E6C3F7-EFA3-4AF8-A4FE-2AC6137E1578}" dt="2023-03-07T14:59:22.611" v="8"/>
-          <pc:sldLayoutMkLst>
-            <pc:docMk/>
-            <pc:sldMasterMk cId="2011315632" sldId="2147483724"/>
-            <pc:sldLayoutMk cId="1269503208" sldId="2147483713"/>
-          </pc:sldLayoutMkLst>
-        </pc:sldLayoutChg>
-        <pc:sldLayoutChg chg="add del">
-          <pc:chgData name="Pirani,Antonio A." userId="S::523008@student.fontys.nl::b27b35d6-1459-4bed-af76-eef7aff762d7" providerId="AD" clId="Web-{43E6C3F7-EFA3-4AF8-A4FE-2AC6137E1578}" dt="2023-03-07T14:59:22.611" v="8"/>
-          <pc:sldLayoutMkLst>
-            <pc:docMk/>
-            <pc:sldMasterMk cId="2011315632" sldId="2147483724"/>
-            <pc:sldLayoutMk cId="4046779456" sldId="2147483714"/>
-          </pc:sldLayoutMkLst>
-        </pc:sldLayoutChg>
-        <pc:sldLayoutChg chg="add del">
-          <pc:chgData name="Pirani,Antonio A." userId="S::523008@student.fontys.nl::b27b35d6-1459-4bed-af76-eef7aff762d7" providerId="AD" clId="Web-{43E6C3F7-EFA3-4AF8-A4FE-2AC6137E1578}" dt="2023-03-07T14:59:22.611" v="8"/>
-          <pc:sldLayoutMkLst>
-            <pc:docMk/>
-            <pc:sldMasterMk cId="2011315632" sldId="2147483724"/>
-            <pc:sldLayoutMk cId="2525525578" sldId="2147483715"/>
-          </pc:sldLayoutMkLst>
-        </pc:sldLayoutChg>
-        <pc:sldLayoutChg chg="add del">
-          <pc:chgData name="Pirani,Antonio A." userId="S::523008@student.fontys.nl::b27b35d6-1459-4bed-af76-eef7aff762d7" providerId="AD" clId="Web-{43E6C3F7-EFA3-4AF8-A4FE-2AC6137E1578}" dt="2023-03-07T14:59:22.611" v="8"/>
-          <pc:sldLayoutMkLst>
-            <pc:docMk/>
-            <pc:sldMasterMk cId="2011315632" sldId="2147483724"/>
-            <pc:sldLayoutMk cId="3738782529" sldId="2147483716"/>
-          </pc:sldLayoutMkLst>
-        </pc:sldLayoutChg>
-        <pc:sldLayoutChg chg="add del">
-          <pc:chgData name="Pirani,Antonio A." userId="S::523008@student.fontys.nl::b27b35d6-1459-4bed-af76-eef7aff762d7" providerId="AD" clId="Web-{43E6C3F7-EFA3-4AF8-A4FE-2AC6137E1578}" dt="2023-03-07T14:59:22.611" v="8"/>
-          <pc:sldLayoutMkLst>
-            <pc:docMk/>
-            <pc:sldMasterMk cId="2011315632" sldId="2147483724"/>
-            <pc:sldLayoutMk cId="2065941348" sldId="2147483717"/>
-          </pc:sldLayoutMkLst>
-        </pc:sldLayoutChg>
-        <pc:sldLayoutChg chg="add del">
-          <pc:chgData name="Pirani,Antonio A." userId="S::523008@student.fontys.nl::b27b35d6-1459-4bed-af76-eef7aff762d7" providerId="AD" clId="Web-{43E6C3F7-EFA3-4AF8-A4FE-2AC6137E1578}" dt="2023-03-07T14:59:22.611" v="8"/>
-          <pc:sldLayoutMkLst>
-            <pc:docMk/>
-            <pc:sldMasterMk cId="2011315632" sldId="2147483724"/>
-            <pc:sldLayoutMk cId="2145958573" sldId="2147483718"/>
-          </pc:sldLayoutMkLst>
-        </pc:sldLayoutChg>
-        <pc:sldLayoutChg chg="add del">
-          <pc:chgData name="Pirani,Antonio A." userId="S::523008@student.fontys.nl::b27b35d6-1459-4bed-af76-eef7aff762d7" providerId="AD" clId="Web-{43E6C3F7-EFA3-4AF8-A4FE-2AC6137E1578}" dt="2023-03-07T14:59:22.611" v="8"/>
-          <pc:sldLayoutMkLst>
-            <pc:docMk/>
-            <pc:sldMasterMk cId="2011315632" sldId="2147483724"/>
-            <pc:sldLayoutMk cId="3279736693" sldId="2147483719"/>
-          </pc:sldLayoutMkLst>
-        </pc:sldLayoutChg>
-        <pc:sldLayoutChg chg="add del">
-          <pc:chgData name="Pirani,Antonio A." userId="S::523008@student.fontys.nl::b27b35d6-1459-4bed-af76-eef7aff762d7" providerId="AD" clId="Web-{43E6C3F7-EFA3-4AF8-A4FE-2AC6137E1578}" dt="2023-03-07T14:59:22.611" v="8"/>
-          <pc:sldLayoutMkLst>
-            <pc:docMk/>
-            <pc:sldMasterMk cId="2011315632" sldId="2147483724"/>
-            <pc:sldLayoutMk cId="1937625957" sldId="2147483720"/>
-          </pc:sldLayoutMkLst>
-        </pc:sldLayoutChg>
-        <pc:sldLayoutChg chg="add del">
-          <pc:chgData name="Pirani,Antonio A." userId="S::523008@student.fontys.nl::b27b35d6-1459-4bed-af76-eef7aff762d7" providerId="AD" clId="Web-{43E6C3F7-EFA3-4AF8-A4FE-2AC6137E1578}" dt="2023-03-07T14:59:22.611" v="8"/>
-          <pc:sldLayoutMkLst>
-            <pc:docMk/>
-            <pc:sldMasterMk cId="2011315632" sldId="2147483724"/>
-            <pc:sldLayoutMk cId="3403698828" sldId="2147483721"/>
-          </pc:sldLayoutMkLst>
-        </pc:sldLayoutChg>
-        <pc:sldLayoutChg chg="add del">
-          <pc:chgData name="Pirani,Antonio A." userId="S::523008@student.fontys.nl::b27b35d6-1459-4bed-af76-eef7aff762d7" providerId="AD" clId="Web-{43E6C3F7-EFA3-4AF8-A4FE-2AC6137E1578}" dt="2023-03-07T14:59:22.611" v="8"/>
-          <pc:sldLayoutMkLst>
-            <pc:docMk/>
-            <pc:sldMasterMk cId="2011315632" sldId="2147483724"/>
-            <pc:sldLayoutMk cId="4282051307" sldId="2147483722"/>
-          </pc:sldLayoutMkLst>
-        </pc:sldLayoutChg>
-        <pc:sldLayoutChg chg="add del">
-          <pc:chgData name="Pirani,Antonio A." userId="S::523008@student.fontys.nl::b27b35d6-1459-4bed-af76-eef7aff762d7" providerId="AD" clId="Web-{43E6C3F7-EFA3-4AF8-A4FE-2AC6137E1578}" dt="2023-03-07T14:59:22.611" v="8"/>
-          <pc:sldLayoutMkLst>
-            <pc:docMk/>
-            <pc:sldMasterMk cId="2011315632" sldId="2147483724"/>
-            <pc:sldLayoutMk cId="4071047538" sldId="2147483723"/>
-          </pc:sldLayoutMkLst>
-        </pc:sldLayoutChg>
-      </pc:sldMasterChg>
-      <pc:sldMasterChg chg="add addSldLayout">
-        <pc:chgData name="Pirani,Antonio A." userId="S::523008@student.fontys.nl::b27b35d6-1459-4bed-af76-eef7aff762d7" providerId="AD" clId="Web-{43E6C3F7-EFA3-4AF8-A4FE-2AC6137E1578}" dt="2023-03-07T14:59:22.611" v="8"/>
-        <pc:sldMasterMkLst>
-          <pc:docMk/>
-          <pc:sldMasterMk cId="1555803907" sldId="2147483725"/>
-        </pc:sldMasterMkLst>
-        <pc:sldLayoutChg chg="add">
-          <pc:chgData name="Pirani,Antonio A." userId="S::523008@student.fontys.nl::b27b35d6-1459-4bed-af76-eef7aff762d7" providerId="AD" clId="Web-{43E6C3F7-EFA3-4AF8-A4FE-2AC6137E1578}" dt="2023-03-07T14:59:22.611" v="8"/>
-          <pc:sldLayoutMkLst>
-            <pc:docMk/>
-            <pc:sldMasterMk cId="1555803907" sldId="2147483725"/>
-            <pc:sldLayoutMk cId="3594521325" sldId="2147483726"/>
-          </pc:sldLayoutMkLst>
-        </pc:sldLayoutChg>
-        <pc:sldLayoutChg chg="add">
-          <pc:chgData name="Pirani,Antonio A." userId="S::523008@student.fontys.nl::b27b35d6-1459-4bed-af76-eef7aff762d7" providerId="AD" clId="Web-{43E6C3F7-EFA3-4AF8-A4FE-2AC6137E1578}" dt="2023-03-07T14:59:22.611" v="8"/>
-          <pc:sldLayoutMkLst>
-            <pc:docMk/>
-            <pc:sldMasterMk cId="1555803907" sldId="2147483725"/>
-            <pc:sldLayoutMk cId="1090527648" sldId="2147483727"/>
-          </pc:sldLayoutMkLst>
-        </pc:sldLayoutChg>
-        <pc:sldLayoutChg chg="add">
-          <pc:chgData name="Pirani,Antonio A." userId="S::523008@student.fontys.nl::b27b35d6-1459-4bed-af76-eef7aff762d7" providerId="AD" clId="Web-{43E6C3F7-EFA3-4AF8-A4FE-2AC6137E1578}" dt="2023-03-07T14:59:22.611" v="8"/>
-          <pc:sldLayoutMkLst>
-            <pc:docMk/>
-            <pc:sldMasterMk cId="1555803907" sldId="2147483725"/>
-            <pc:sldLayoutMk cId="3942503498" sldId="2147483728"/>
-          </pc:sldLayoutMkLst>
-        </pc:sldLayoutChg>
-        <pc:sldLayoutChg chg="add">
-          <pc:chgData name="Pirani,Antonio A." userId="S::523008@student.fontys.nl::b27b35d6-1459-4bed-af76-eef7aff762d7" providerId="AD" clId="Web-{43E6C3F7-EFA3-4AF8-A4FE-2AC6137E1578}" dt="2023-03-07T14:59:22.611" v="8"/>
-          <pc:sldLayoutMkLst>
-            <pc:docMk/>
-            <pc:sldMasterMk cId="1555803907" sldId="2147483725"/>
-            <pc:sldLayoutMk cId="604957596" sldId="2147483729"/>
-          </pc:sldLayoutMkLst>
-        </pc:sldLayoutChg>
-        <pc:sldLayoutChg chg="add">
-          <pc:chgData name="Pirani,Antonio A." userId="S::523008@student.fontys.nl::b27b35d6-1459-4bed-af76-eef7aff762d7" providerId="AD" clId="Web-{43E6C3F7-EFA3-4AF8-A4FE-2AC6137E1578}" dt="2023-03-07T14:59:22.611" v="8"/>
-          <pc:sldLayoutMkLst>
-            <pc:docMk/>
-            <pc:sldMasterMk cId="1555803907" sldId="2147483725"/>
-            <pc:sldLayoutMk cId="1123811823" sldId="2147483730"/>
-          </pc:sldLayoutMkLst>
-        </pc:sldLayoutChg>
-        <pc:sldLayoutChg chg="add">
-          <pc:chgData name="Pirani,Antonio A." userId="S::523008@student.fontys.nl::b27b35d6-1459-4bed-af76-eef7aff762d7" providerId="AD" clId="Web-{43E6C3F7-EFA3-4AF8-A4FE-2AC6137E1578}" dt="2023-03-07T14:59:22.611" v="8"/>
-          <pc:sldLayoutMkLst>
-            <pc:docMk/>
-            <pc:sldMasterMk cId="1555803907" sldId="2147483725"/>
-            <pc:sldLayoutMk cId="66458586" sldId="2147483731"/>
-          </pc:sldLayoutMkLst>
-        </pc:sldLayoutChg>
-        <pc:sldLayoutChg chg="add">
-          <pc:chgData name="Pirani,Antonio A." userId="S::523008@student.fontys.nl::b27b35d6-1459-4bed-af76-eef7aff762d7" providerId="AD" clId="Web-{43E6C3F7-EFA3-4AF8-A4FE-2AC6137E1578}" dt="2023-03-07T14:59:22.611" v="8"/>
-          <pc:sldLayoutMkLst>
-            <pc:docMk/>
-            <pc:sldMasterMk cId="1555803907" sldId="2147483725"/>
-            <pc:sldLayoutMk cId="2621898564" sldId="2147483732"/>
-          </pc:sldLayoutMkLst>
-        </pc:sldLayoutChg>
-        <pc:sldLayoutChg chg="add">
-          <pc:chgData name="Pirani,Antonio A." userId="S::523008@student.fontys.nl::b27b35d6-1459-4bed-af76-eef7aff762d7" providerId="AD" clId="Web-{43E6C3F7-EFA3-4AF8-A4FE-2AC6137E1578}" dt="2023-03-07T14:59:22.611" v="8"/>
-          <pc:sldLayoutMkLst>
-            <pc:docMk/>
-            <pc:sldMasterMk cId="1555803907" sldId="2147483725"/>
-            <pc:sldLayoutMk cId="1407607" sldId="2147483733"/>
-          </pc:sldLayoutMkLst>
-        </pc:sldLayoutChg>
-        <pc:sldLayoutChg chg="add">
-          <pc:chgData name="Pirani,Antonio A." userId="S::523008@student.fontys.nl::b27b35d6-1459-4bed-af76-eef7aff762d7" providerId="AD" clId="Web-{43E6C3F7-EFA3-4AF8-A4FE-2AC6137E1578}" dt="2023-03-07T14:59:22.611" v="8"/>
-          <pc:sldLayoutMkLst>
-            <pc:docMk/>
-            <pc:sldMasterMk cId="1555803907" sldId="2147483725"/>
-            <pc:sldLayoutMk cId="3500080001" sldId="2147483734"/>
-          </pc:sldLayoutMkLst>
-        </pc:sldLayoutChg>
-        <pc:sldLayoutChg chg="add">
-          <pc:chgData name="Pirani,Antonio A." userId="S::523008@student.fontys.nl::b27b35d6-1459-4bed-af76-eef7aff762d7" providerId="AD" clId="Web-{43E6C3F7-EFA3-4AF8-A4FE-2AC6137E1578}" dt="2023-03-07T14:59:22.611" v="8"/>
-          <pc:sldLayoutMkLst>
-            <pc:docMk/>
-            <pc:sldMasterMk cId="1555803907" sldId="2147483725"/>
-            <pc:sldLayoutMk cId="1375412644" sldId="2147483735"/>
-          </pc:sldLayoutMkLst>
-        </pc:sldLayoutChg>
-        <pc:sldLayoutChg chg="add">
-          <pc:chgData name="Pirani,Antonio A." userId="S::523008@student.fontys.nl::b27b35d6-1459-4bed-af76-eef7aff762d7" providerId="AD" clId="Web-{43E6C3F7-EFA3-4AF8-A4FE-2AC6137E1578}" dt="2023-03-07T14:59:22.611" v="8"/>
-          <pc:sldLayoutMkLst>
-            <pc:docMk/>
-            <pc:sldMasterMk cId="1555803907" sldId="2147483725"/>
-            <pc:sldLayoutMk cId="3704039324" sldId="2147483736"/>
-          </pc:sldLayoutMkLst>
-        </pc:sldLayoutChg>
-      </pc:sldMasterChg>
-      <pc:sldMasterChg chg="add del addSldLayout delSldLayout">
-        <pc:chgData name="Pirani,Antonio A." userId="S::523008@student.fontys.nl::b27b35d6-1459-4bed-af76-eef7aff762d7" providerId="AD" clId="Web-{43E6C3F7-EFA3-4AF8-A4FE-2AC6137E1578}" dt="2023-03-07T14:59:22.548" v="7"/>
-        <pc:sldMasterMkLst>
-          <pc:docMk/>
-          <pc:sldMasterMk cId="3995943157" sldId="2147483826"/>
-        </pc:sldMasterMkLst>
-        <pc:sldLayoutChg chg="add del">
-          <pc:chgData name="Pirani,Antonio A." userId="S::523008@student.fontys.nl::b27b35d6-1459-4bed-af76-eef7aff762d7" providerId="AD" clId="Web-{43E6C3F7-EFA3-4AF8-A4FE-2AC6137E1578}" dt="2023-03-07T14:59:22.548" v="7"/>
-          <pc:sldLayoutMkLst>
-            <pc:docMk/>
-            <pc:sldMasterMk cId="3995943157" sldId="2147483826"/>
-            <pc:sldLayoutMk cId="2307900233" sldId="2147483815"/>
-          </pc:sldLayoutMkLst>
-        </pc:sldLayoutChg>
-        <pc:sldLayoutChg chg="add del">
-          <pc:chgData name="Pirani,Antonio A." userId="S::523008@student.fontys.nl::b27b35d6-1459-4bed-af76-eef7aff762d7" providerId="AD" clId="Web-{43E6C3F7-EFA3-4AF8-A4FE-2AC6137E1578}" dt="2023-03-07T14:59:22.548" v="7"/>
-          <pc:sldLayoutMkLst>
-            <pc:docMk/>
-            <pc:sldMasterMk cId="3995943157" sldId="2147483826"/>
-            <pc:sldLayoutMk cId="3358773728" sldId="2147483816"/>
-          </pc:sldLayoutMkLst>
-        </pc:sldLayoutChg>
-        <pc:sldLayoutChg chg="add del">
-          <pc:chgData name="Pirani,Antonio A." userId="S::523008@student.fontys.nl::b27b35d6-1459-4bed-af76-eef7aff762d7" providerId="AD" clId="Web-{43E6C3F7-EFA3-4AF8-A4FE-2AC6137E1578}" dt="2023-03-07T14:59:22.548" v="7"/>
-          <pc:sldLayoutMkLst>
-            <pc:docMk/>
-            <pc:sldMasterMk cId="3995943157" sldId="2147483826"/>
-            <pc:sldLayoutMk cId="3374512077" sldId="2147483817"/>
-          </pc:sldLayoutMkLst>
-        </pc:sldLayoutChg>
-        <pc:sldLayoutChg chg="add del">
-          <pc:chgData name="Pirani,Antonio A." userId="S::523008@student.fontys.nl::b27b35d6-1459-4bed-af76-eef7aff762d7" providerId="AD" clId="Web-{43E6C3F7-EFA3-4AF8-A4FE-2AC6137E1578}" dt="2023-03-07T14:59:22.548" v="7"/>
-          <pc:sldLayoutMkLst>
-            <pc:docMk/>
-            <pc:sldMasterMk cId="3995943157" sldId="2147483826"/>
-            <pc:sldLayoutMk cId="1946603175" sldId="2147483818"/>
-          </pc:sldLayoutMkLst>
-        </pc:sldLayoutChg>
-        <pc:sldLayoutChg chg="add del">
-          <pc:chgData name="Pirani,Antonio A." userId="S::523008@student.fontys.nl::b27b35d6-1459-4bed-af76-eef7aff762d7" providerId="AD" clId="Web-{43E6C3F7-EFA3-4AF8-A4FE-2AC6137E1578}" dt="2023-03-07T14:59:22.548" v="7"/>
-          <pc:sldLayoutMkLst>
-            <pc:docMk/>
-            <pc:sldMasterMk cId="3995943157" sldId="2147483826"/>
-            <pc:sldLayoutMk cId="3919436542" sldId="2147483819"/>
-          </pc:sldLayoutMkLst>
-        </pc:sldLayoutChg>
-        <pc:sldLayoutChg chg="add del">
-          <pc:chgData name="Pirani,Antonio A." userId="S::523008@student.fontys.nl::b27b35d6-1459-4bed-af76-eef7aff762d7" providerId="AD" clId="Web-{43E6C3F7-EFA3-4AF8-A4FE-2AC6137E1578}" dt="2023-03-07T14:59:22.548" v="7"/>
-          <pc:sldLayoutMkLst>
-            <pc:docMk/>
-            <pc:sldMasterMk cId="3995943157" sldId="2147483826"/>
-            <pc:sldLayoutMk cId="1971533232" sldId="2147483820"/>
-          </pc:sldLayoutMkLst>
-        </pc:sldLayoutChg>
-        <pc:sldLayoutChg chg="add del">
-          <pc:chgData name="Pirani,Antonio A." userId="S::523008@student.fontys.nl::b27b35d6-1459-4bed-af76-eef7aff762d7" providerId="AD" clId="Web-{43E6C3F7-EFA3-4AF8-A4FE-2AC6137E1578}" dt="2023-03-07T14:59:22.548" v="7"/>
-          <pc:sldLayoutMkLst>
-            <pc:docMk/>
-            <pc:sldMasterMk cId="3995943157" sldId="2147483826"/>
-            <pc:sldLayoutMk cId="3466789373" sldId="2147483821"/>
-          </pc:sldLayoutMkLst>
-        </pc:sldLayoutChg>
-        <pc:sldLayoutChg chg="add del">
-          <pc:chgData name="Pirani,Antonio A." userId="S::523008@student.fontys.nl::b27b35d6-1459-4bed-af76-eef7aff762d7" providerId="AD" clId="Web-{43E6C3F7-EFA3-4AF8-A4FE-2AC6137E1578}" dt="2023-03-07T14:59:22.548" v="7"/>
-          <pc:sldLayoutMkLst>
-            <pc:docMk/>
-            <pc:sldMasterMk cId="3995943157" sldId="2147483826"/>
-            <pc:sldLayoutMk cId="824898401" sldId="2147483822"/>
-          </pc:sldLayoutMkLst>
-        </pc:sldLayoutChg>
-        <pc:sldLayoutChg chg="add del">
-          <pc:chgData name="Pirani,Antonio A." userId="S::523008@student.fontys.nl::b27b35d6-1459-4bed-af76-eef7aff762d7" providerId="AD" clId="Web-{43E6C3F7-EFA3-4AF8-A4FE-2AC6137E1578}" dt="2023-03-07T14:59:22.548" v="7"/>
-          <pc:sldLayoutMkLst>
-            <pc:docMk/>
-            <pc:sldMasterMk cId="3995943157" sldId="2147483826"/>
-            <pc:sldLayoutMk cId="4253205146" sldId="2147483823"/>
-          </pc:sldLayoutMkLst>
-        </pc:sldLayoutChg>
-        <pc:sldLayoutChg chg="add del">
-          <pc:chgData name="Pirani,Antonio A." userId="S::523008@student.fontys.nl::b27b35d6-1459-4bed-af76-eef7aff762d7" providerId="AD" clId="Web-{43E6C3F7-EFA3-4AF8-A4FE-2AC6137E1578}" dt="2023-03-07T14:59:22.548" v="7"/>
-          <pc:sldLayoutMkLst>
-            <pc:docMk/>
-            <pc:sldMasterMk cId="3995943157" sldId="2147483826"/>
-            <pc:sldLayoutMk cId="916628597" sldId="2147483824"/>
-          </pc:sldLayoutMkLst>
-        </pc:sldLayoutChg>
-        <pc:sldLayoutChg chg="add del">
-          <pc:chgData name="Pirani,Antonio A." userId="S::523008@student.fontys.nl::b27b35d6-1459-4bed-af76-eef7aff762d7" providerId="AD" clId="Web-{43E6C3F7-EFA3-4AF8-A4FE-2AC6137E1578}" dt="2023-03-07T14:59:22.548" v="7"/>
-          <pc:sldLayoutMkLst>
-            <pc:docMk/>
-            <pc:sldMasterMk cId="3995943157" sldId="2147483826"/>
-            <pc:sldLayoutMk cId="1346486158" sldId="2147483825"/>
-          </pc:sldLayoutMkLst>
-        </pc:sldLayoutChg>
-      </pc:sldMasterChg>
     </pc:docChg>
   </pc:docChgLst>
 </pc:chgInfo>
@@ -4103,7 +4105,7 @@
           <a:p>
             <a:fld id="{7C3C2E73-F490-1C4D-8B91-A2AFB76D4979}" type="datetimeFigureOut">
               <a:rPr lang="en-NL" smtClean="0"/>
-              <a:t>10/03/2023</a:t>
+              <a:t>17/03/2023</a:t>
             </a:fld>
             <a:endParaRPr lang="en-NL"/>
           </a:p>
@@ -4604,7 +4606,7 @@
           <a:p>
             <a:fld id="{C764DE79-268F-4C1A-8933-263129D2AF90}" type="datetimeFigureOut">
               <a:rPr lang="en-US" dirty="0"/>
-              <a:t>3/10/23</a:t>
+              <a:t>3/17/23</a:t>
             </a:fld>
             <a:endParaRPr lang="en-US" dirty="0"/>
           </a:p>
@@ -4772,7 +4774,7 @@
           <a:p>
             <a:fld id="{C764DE79-268F-4C1A-8933-263129D2AF90}" type="datetimeFigureOut">
               <a:rPr lang="en-US" dirty="0"/>
-              <a:t>3/10/23</a:t>
+              <a:t>3/17/23</a:t>
             </a:fld>
             <a:endParaRPr lang="en-US" dirty="0"/>
           </a:p>
@@ -4950,7 +4952,7 @@
           <a:p>
             <a:fld id="{C764DE79-268F-4C1A-8933-263129D2AF90}" type="datetimeFigureOut">
               <a:rPr lang="en-US" dirty="0"/>
-              <a:t>3/10/23</a:t>
+              <a:t>3/17/23</a:t>
             </a:fld>
             <a:endParaRPr lang="en-US" dirty="0"/>
           </a:p>
@@ -5325,7 +5327,7 @@
           <a:p>
             <a:fld id="{C764DE79-268F-4C1A-8933-263129D2AF90}" type="datetimeFigureOut">
               <a:rPr lang="en-US" dirty="0"/>
-              <a:t>3/10/23</a:t>
+              <a:t>3/17/23</a:t>
             </a:fld>
             <a:endParaRPr lang="en-US" dirty="0"/>
           </a:p>
@@ -5570,7 +5572,7 @@
           <a:p>
             <a:fld id="{C764DE79-268F-4C1A-8933-263129D2AF90}" type="datetimeFigureOut">
               <a:rPr lang="en-US" dirty="0"/>
-              <a:t>3/10/23</a:t>
+              <a:t>3/17/23</a:t>
             </a:fld>
             <a:endParaRPr lang="en-US" dirty="0"/>
           </a:p>
@@ -5799,7 +5801,7 @@
           <a:p>
             <a:fld id="{C764DE79-268F-4C1A-8933-263129D2AF90}" type="datetimeFigureOut">
               <a:rPr lang="en-US" dirty="0"/>
-              <a:t>3/10/23</a:t>
+              <a:t>3/17/23</a:t>
             </a:fld>
             <a:endParaRPr lang="en-US" dirty="0"/>
           </a:p>
@@ -6163,7 +6165,7 @@
           <a:p>
             <a:fld id="{C764DE79-268F-4C1A-8933-263129D2AF90}" type="datetimeFigureOut">
               <a:rPr lang="en-US" dirty="0"/>
-              <a:t>3/10/23</a:t>
+              <a:t>3/17/23</a:t>
             </a:fld>
             <a:endParaRPr lang="en-US" dirty="0"/>
           </a:p>
@@ -6280,7 +6282,7 @@
           <a:p>
             <a:fld id="{C764DE79-268F-4C1A-8933-263129D2AF90}" type="datetimeFigureOut">
               <a:rPr lang="en-US" dirty="0"/>
-              <a:t>3/10/23</a:t>
+              <a:t>3/17/23</a:t>
             </a:fld>
             <a:endParaRPr lang="en-US" dirty="0"/>
           </a:p>
@@ -6375,7 +6377,7 @@
           <a:p>
             <a:fld id="{C764DE79-268F-4C1A-8933-263129D2AF90}" type="datetimeFigureOut">
               <a:rPr lang="en-US" dirty="0"/>
-              <a:t>3/10/23</a:t>
+              <a:t>3/17/23</a:t>
             </a:fld>
             <a:endParaRPr lang="en-US" dirty="0"/>
           </a:p>
@@ -6650,7 +6652,7 @@
           <a:p>
             <a:fld id="{C764DE79-268F-4C1A-8933-263129D2AF90}" type="datetimeFigureOut">
               <a:rPr lang="en-US" dirty="0"/>
-              <a:t>3/10/23</a:t>
+              <a:t>3/17/23</a:t>
             </a:fld>
             <a:endParaRPr lang="en-US" dirty="0"/>
           </a:p>
@@ -6902,7 +6904,7 @@
           <a:p>
             <a:fld id="{C764DE79-268F-4C1A-8933-263129D2AF90}" type="datetimeFigureOut">
               <a:rPr lang="en-US" dirty="0"/>
-              <a:t>3/10/23</a:t>
+              <a:t>3/17/23</a:t>
             </a:fld>
             <a:endParaRPr lang="en-US" dirty="0"/>
           </a:p>
@@ -7113,7 +7115,7 @@
           <a:p>
             <a:fld id="{C764DE79-268F-4C1A-8933-263129D2AF90}" type="datetimeFigureOut">
               <a:rPr lang="en-US" dirty="0"/>
-              <a:t>3/10/23</a:t>
+              <a:t>3/17/23</a:t>
             </a:fld>
             <a:endParaRPr lang="en-US" dirty="0"/>
           </a:p>
@@ -8102,6 +8104,1207 @@
 </file>
 
 <file path=ppt/slides/slide10.xml><?xml version="1.0" encoding="utf-8"?>
+<p:sld xmlns:a="http://schemas.openxmlformats.org/drawingml/2006/main" xmlns:r="http://schemas.openxmlformats.org/officeDocument/2006/relationships" xmlns:p="http://schemas.openxmlformats.org/presentationml/2006/main">
+  <p:cSld>
+    <p:spTree>
+      <p:nvGrpSpPr>
+        <p:cNvPr id="1" name="Shape 253"/>
+        <p:cNvGrpSpPr/>
+        <p:nvPr/>
+      </p:nvGrpSpPr>
+      <p:grpSpPr>
+        <a:xfrm>
+          <a:off x="0" y="0"/>
+          <a:ext cx="0" cy="0"/>
+          <a:chOff x="0" y="0"/>
+          <a:chExt cx="0" cy="0"/>
+        </a:xfrm>
+      </p:grpSpPr>
+      <p:sp>
+        <p:nvSpPr>
+          <p:cNvPr id="254" name="Google Shape;254;p19"/>
+          <p:cNvSpPr txBox="1">
+            <a:spLocks noGrp="1"/>
+          </p:cNvSpPr>
+          <p:nvPr>
+            <p:ph type="title"/>
+          </p:nvPr>
+        </p:nvSpPr>
+        <p:spPr>
+          <a:xfrm>
+            <a:off x="947034" y="506088"/>
+            <a:ext cx="10298000" cy="641600"/>
+          </a:xfrm>
+          <a:prstGeom prst="rect">
+            <a:avLst/>
+          </a:prstGeom>
+        </p:spPr>
+        <p:txBody>
+          <a:bodyPr spcFirstLastPara="1" vert="horz" wrap="square" lIns="121900" tIns="121900" rIns="121900" bIns="121900" rtlCol="0" anchor="ctr" anchorCtr="0">
+            <a:noAutofit/>
+          </a:bodyPr>
+          <a:lstStyle/>
+          <a:p>
+            <a:pPr algn="ctr">
+              <a:spcBef>
+                <a:spcPts val="0"/>
+              </a:spcBef>
+            </a:pPr>
+            <a:r>
+              <a:rPr lang="en" b="1" dirty="0"/>
+              <a:t>Famous Examples</a:t>
+            </a:r>
+            <a:endParaRPr b="1" dirty="0"/>
+          </a:p>
+        </p:txBody>
+      </p:sp>
+      <p:grpSp>
+        <p:nvGrpSpPr>
+          <p:cNvPr id="255" name="Google Shape;255;p19"/>
+          <p:cNvGrpSpPr/>
+          <p:nvPr/>
+        </p:nvGrpSpPr>
+        <p:grpSpPr>
+          <a:xfrm>
+            <a:off x="4577701" y="3212368"/>
+            <a:ext cx="6667265" cy="1129600"/>
+            <a:chOff x="3433276" y="2409276"/>
+            <a:chExt cx="5000449" cy="847200"/>
+          </a:xfrm>
+        </p:grpSpPr>
+        <p:sp>
+          <p:nvSpPr>
+            <p:cNvPr id="256" name="Google Shape;256;p19"/>
+            <p:cNvSpPr/>
+            <p:nvPr/>
+          </p:nvSpPr>
+          <p:spPr>
+            <a:xfrm rot="-5400000">
+              <a:off x="4121626" y="1720926"/>
+              <a:ext cx="847200" cy="2223900"/>
+            </a:xfrm>
+            <a:prstGeom prst="round2SameRect">
+              <a:avLst>
+                <a:gd name="adj1" fmla="val 50000"/>
+                <a:gd name="adj2" fmla="val 0"/>
+              </a:avLst>
+            </a:prstGeom>
+            <a:solidFill>
+              <a:schemeClr val="tx2">
+                <a:lumMod val="75000"/>
+              </a:schemeClr>
+            </a:solidFill>
+            <a:ln>
+              <a:noFill/>
+            </a:ln>
+          </p:spPr>
+          <p:txBody>
+            <a:bodyPr spcFirstLastPara="1" wrap="square" lIns="121900" tIns="121900" rIns="121900" bIns="121900" anchor="ctr" anchorCtr="0">
+              <a:noAutofit/>
+            </a:bodyPr>
+            <a:lstStyle/>
+            <a:p>
+              <a:endParaRPr sz="2400"/>
+            </a:p>
+          </p:txBody>
+        </p:sp>
+        <p:sp>
+          <p:nvSpPr>
+            <p:cNvPr id="257" name="Google Shape;257;p19"/>
+            <p:cNvSpPr/>
+            <p:nvPr/>
+          </p:nvSpPr>
+          <p:spPr>
+            <a:xfrm>
+              <a:off x="4288175" y="2639976"/>
+              <a:ext cx="1948800" cy="385800"/>
+            </a:xfrm>
+            <a:prstGeom prst="roundRect">
+              <a:avLst>
+                <a:gd name="adj" fmla="val 50000"/>
+              </a:avLst>
+            </a:prstGeom>
+            <a:solidFill>
+              <a:srgbClr val="FFFFFF"/>
+            </a:solidFill>
+            <a:ln w="9525" cap="flat" cmpd="sng">
+              <a:solidFill>
+                <a:schemeClr val="tx2">
+                  <a:lumMod val="75000"/>
+                </a:schemeClr>
+              </a:solidFill>
+              <a:prstDash val="solid"/>
+              <a:round/>
+              <a:headEnd type="none" w="sm" len="sm"/>
+              <a:tailEnd type="none" w="sm" len="sm"/>
+            </a:ln>
+          </p:spPr>
+          <p:txBody>
+            <a:bodyPr spcFirstLastPara="1" wrap="square" lIns="243833" tIns="121900" rIns="121900" bIns="121900" anchor="ctr" anchorCtr="0">
+              <a:noAutofit/>
+            </a:bodyPr>
+            <a:lstStyle/>
+            <a:p>
+              <a:pPr>
+                <a:buClr>
+                  <a:schemeClr val="dk1"/>
+                </a:buClr>
+                <a:buSzPts val="1100"/>
+              </a:pPr>
+              <a:r>
+                <a:rPr lang="en" sz="2267" dirty="0">
+                  <a:solidFill>
+                    <a:schemeClr val="tx2">
+                      <a:lumMod val="75000"/>
+                    </a:schemeClr>
+                  </a:solidFill>
+                  <a:latin typeface="Fira Sans Extra Condensed Medium"/>
+                  <a:ea typeface="Fira Sans Extra Condensed Medium"/>
+                  <a:cs typeface="Fira Sans Extra Condensed Medium"/>
+                  <a:sym typeface="Fira Sans Extra Condensed Medium"/>
+                </a:rPr>
+                <a:t>Google</a:t>
+              </a:r>
+              <a:endParaRPr sz="2400" dirty="0">
+                <a:solidFill>
+                  <a:schemeClr val="tx2">
+                    <a:lumMod val="75000"/>
+                  </a:schemeClr>
+                </a:solidFill>
+              </a:endParaRPr>
+            </a:p>
+          </p:txBody>
+        </p:sp>
+        <p:sp>
+          <p:nvSpPr>
+            <p:cNvPr id="258" name="Google Shape;258;p19"/>
+            <p:cNvSpPr txBox="1"/>
+            <p:nvPr/>
+          </p:nvSpPr>
+          <p:spPr>
+            <a:xfrm>
+              <a:off x="6346925" y="2457995"/>
+              <a:ext cx="2086800" cy="534900"/>
+            </a:xfrm>
+            <a:prstGeom prst="rect">
+              <a:avLst/>
+            </a:prstGeom>
+            <a:noFill/>
+            <a:ln>
+              <a:noFill/>
+            </a:ln>
+          </p:spPr>
+          <p:txBody>
+            <a:bodyPr spcFirstLastPara="1" wrap="square" lIns="121900" tIns="121900" rIns="121900" bIns="121900" anchor="t" anchorCtr="0">
+              <a:noAutofit/>
+            </a:bodyPr>
+            <a:lstStyle/>
+            <a:p>
+              <a:pPr algn="ctr"/>
+              <a:r>
+                <a:rPr lang="en-GB" sz="1400" dirty="0">
+                  <a:latin typeface="Roboto"/>
+                  <a:ea typeface="Roboto"/>
+                  <a:cs typeface="Roboto"/>
+                  <a:sym typeface="Roboto"/>
+                </a:rPr>
+                <a:t>Google uses SQLite in their Android cell-phone operating system, and in the Chrome Web Browser.</a:t>
+              </a:r>
+              <a:endParaRPr sz="1400" dirty="0">
+                <a:latin typeface="Roboto"/>
+                <a:ea typeface="Roboto"/>
+                <a:cs typeface="Roboto"/>
+                <a:sym typeface="Roboto"/>
+              </a:endParaRPr>
+            </a:p>
+          </p:txBody>
+        </p:sp>
+      </p:grpSp>
+      <p:grpSp>
+        <p:nvGrpSpPr>
+          <p:cNvPr id="259" name="Google Shape;259;p19"/>
+          <p:cNvGrpSpPr/>
+          <p:nvPr/>
+        </p:nvGrpSpPr>
+        <p:grpSpPr>
+          <a:xfrm>
+            <a:off x="4577701" y="4727517"/>
+            <a:ext cx="6667265" cy="1129600"/>
+            <a:chOff x="3433276" y="3545638"/>
+            <a:chExt cx="5000449" cy="847200"/>
+          </a:xfrm>
+        </p:grpSpPr>
+        <p:sp>
+          <p:nvSpPr>
+            <p:cNvPr id="260" name="Google Shape;260;p19"/>
+            <p:cNvSpPr/>
+            <p:nvPr/>
+          </p:nvSpPr>
+          <p:spPr>
+            <a:xfrm rot="-5400000">
+              <a:off x="4121626" y="2857288"/>
+              <a:ext cx="847200" cy="2223900"/>
+            </a:xfrm>
+            <a:prstGeom prst="round2SameRect">
+              <a:avLst>
+                <a:gd name="adj1" fmla="val 50000"/>
+                <a:gd name="adj2" fmla="val 0"/>
+              </a:avLst>
+            </a:prstGeom>
+            <a:solidFill>
+              <a:schemeClr val="accent3"/>
+            </a:solidFill>
+            <a:ln>
+              <a:noFill/>
+            </a:ln>
+          </p:spPr>
+          <p:txBody>
+            <a:bodyPr spcFirstLastPara="1" wrap="square" lIns="121900" tIns="121900" rIns="121900" bIns="121900" anchor="ctr" anchorCtr="0">
+              <a:noAutofit/>
+            </a:bodyPr>
+            <a:lstStyle/>
+            <a:p>
+              <a:endParaRPr sz="2400"/>
+            </a:p>
+          </p:txBody>
+        </p:sp>
+        <p:sp>
+          <p:nvSpPr>
+            <p:cNvPr id="261" name="Google Shape;261;p19"/>
+            <p:cNvSpPr/>
+            <p:nvPr/>
+          </p:nvSpPr>
+          <p:spPr>
+            <a:xfrm>
+              <a:off x="4288175" y="3776338"/>
+              <a:ext cx="1948800" cy="385800"/>
+            </a:xfrm>
+            <a:prstGeom prst="roundRect">
+              <a:avLst>
+                <a:gd name="adj" fmla="val 50000"/>
+              </a:avLst>
+            </a:prstGeom>
+            <a:solidFill>
+              <a:srgbClr val="FFFFFF"/>
+            </a:solidFill>
+            <a:ln w="9525" cap="flat" cmpd="sng">
+              <a:solidFill>
+                <a:schemeClr val="accent3"/>
+              </a:solidFill>
+              <a:prstDash val="solid"/>
+              <a:round/>
+              <a:headEnd type="none" w="sm" len="sm"/>
+              <a:tailEnd type="none" w="sm" len="sm"/>
+            </a:ln>
+          </p:spPr>
+          <p:txBody>
+            <a:bodyPr spcFirstLastPara="1" wrap="square" lIns="243833" tIns="121900" rIns="121900" bIns="121900" anchor="ctr" anchorCtr="0">
+              <a:noAutofit/>
+            </a:bodyPr>
+            <a:lstStyle/>
+            <a:p>
+              <a:pPr>
+                <a:buClr>
+                  <a:schemeClr val="dk1"/>
+                </a:buClr>
+                <a:buSzPts val="1100"/>
+              </a:pPr>
+              <a:r>
+                <a:rPr lang="en" sz="2267" dirty="0">
+                  <a:solidFill>
+                    <a:schemeClr val="accent3"/>
+                  </a:solidFill>
+                  <a:latin typeface="Fira Sans Extra Condensed Medium"/>
+                  <a:ea typeface="Fira Sans Extra Condensed Medium"/>
+                  <a:cs typeface="Fira Sans Extra Condensed Medium"/>
+                  <a:sym typeface="Fira Sans Extra Condensed Medium"/>
+                </a:rPr>
+                <a:t>Apple</a:t>
+              </a:r>
+              <a:endParaRPr sz="2400" dirty="0">
+                <a:solidFill>
+                  <a:schemeClr val="accent3"/>
+                </a:solidFill>
+              </a:endParaRPr>
+            </a:p>
+          </p:txBody>
+        </p:sp>
+        <p:sp>
+          <p:nvSpPr>
+            <p:cNvPr id="262" name="Google Shape;262;p19"/>
+            <p:cNvSpPr txBox="1"/>
+            <p:nvPr/>
+          </p:nvSpPr>
+          <p:spPr>
+            <a:xfrm>
+              <a:off x="6346925" y="3627180"/>
+              <a:ext cx="2086800" cy="534900"/>
+            </a:xfrm>
+            <a:prstGeom prst="rect">
+              <a:avLst/>
+            </a:prstGeom>
+            <a:noFill/>
+            <a:ln>
+              <a:noFill/>
+            </a:ln>
+          </p:spPr>
+          <p:txBody>
+            <a:bodyPr spcFirstLastPara="1" wrap="square" lIns="121900" tIns="121900" rIns="121900" bIns="121900" anchor="t" anchorCtr="0">
+              <a:noAutofit/>
+            </a:bodyPr>
+            <a:lstStyle/>
+            <a:p>
+              <a:pPr algn="ctr"/>
+              <a:r>
+                <a:rPr lang="en-GB" sz="1400" dirty="0">
+                  <a:latin typeface="Roboto"/>
+                  <a:ea typeface="Roboto"/>
+                  <a:cs typeface="Roboto"/>
+                  <a:sym typeface="Roboto"/>
+                </a:rPr>
+                <a:t>Apple uses SQLite in many of the native applications running on Mac OS-X desktops and servers and on iOS devices.</a:t>
+              </a:r>
+              <a:endParaRPr sz="1400" dirty="0">
+                <a:latin typeface="Roboto"/>
+                <a:ea typeface="Roboto"/>
+                <a:cs typeface="Roboto"/>
+                <a:sym typeface="Roboto"/>
+              </a:endParaRPr>
+            </a:p>
+          </p:txBody>
+        </p:sp>
+      </p:grpSp>
+      <p:grpSp>
+        <p:nvGrpSpPr>
+          <p:cNvPr id="263" name="Google Shape;263;p19"/>
+          <p:cNvGrpSpPr/>
+          <p:nvPr/>
+        </p:nvGrpSpPr>
+        <p:grpSpPr>
+          <a:xfrm>
+            <a:off x="4577701" y="1697220"/>
+            <a:ext cx="6778556" cy="1129600"/>
+            <a:chOff x="3433276" y="1272915"/>
+            <a:chExt cx="5083917" cy="847200"/>
+          </a:xfrm>
+        </p:grpSpPr>
+        <p:sp>
+          <p:nvSpPr>
+            <p:cNvPr id="264" name="Google Shape;264;p19"/>
+            <p:cNvSpPr/>
+            <p:nvPr/>
+          </p:nvSpPr>
+          <p:spPr>
+            <a:xfrm rot="-5400000">
+              <a:off x="4121626" y="584565"/>
+              <a:ext cx="847200" cy="2223900"/>
+            </a:xfrm>
+            <a:prstGeom prst="round2SameRect">
+              <a:avLst>
+                <a:gd name="adj1" fmla="val 50000"/>
+                <a:gd name="adj2" fmla="val 0"/>
+              </a:avLst>
+            </a:prstGeom>
+            <a:solidFill>
+              <a:schemeClr val="accent1"/>
+            </a:solidFill>
+            <a:ln>
+              <a:noFill/>
+            </a:ln>
+          </p:spPr>
+          <p:txBody>
+            <a:bodyPr spcFirstLastPara="1" wrap="square" lIns="121900" tIns="121900" rIns="121900" bIns="121900" anchor="ctr" anchorCtr="0">
+              <a:noAutofit/>
+            </a:bodyPr>
+            <a:lstStyle/>
+            <a:p>
+              <a:endParaRPr sz="2400"/>
+            </a:p>
+          </p:txBody>
+        </p:sp>
+        <p:sp>
+          <p:nvSpPr>
+            <p:cNvPr id="265" name="Google Shape;265;p19"/>
+            <p:cNvSpPr/>
+            <p:nvPr/>
+          </p:nvSpPr>
+          <p:spPr>
+            <a:xfrm>
+              <a:off x="4288175" y="1503615"/>
+              <a:ext cx="1948800" cy="385800"/>
+            </a:xfrm>
+            <a:prstGeom prst="roundRect">
+              <a:avLst>
+                <a:gd name="adj" fmla="val 50000"/>
+              </a:avLst>
+            </a:prstGeom>
+            <a:solidFill>
+              <a:srgbClr val="FFFFFF"/>
+            </a:solidFill>
+            <a:ln w="9525" cap="flat" cmpd="sng">
+              <a:solidFill>
+                <a:schemeClr val="accent1"/>
+              </a:solidFill>
+              <a:prstDash val="solid"/>
+              <a:round/>
+              <a:headEnd type="none" w="sm" len="sm"/>
+              <a:tailEnd type="none" w="sm" len="sm"/>
+            </a:ln>
+          </p:spPr>
+          <p:txBody>
+            <a:bodyPr spcFirstLastPara="1" wrap="square" lIns="243833" tIns="121900" rIns="121900" bIns="121900" anchor="ctr" anchorCtr="0">
+              <a:noAutofit/>
+            </a:bodyPr>
+            <a:lstStyle/>
+            <a:p>
+              <a:pPr>
+                <a:buClr>
+                  <a:schemeClr val="dk1"/>
+                </a:buClr>
+                <a:buSzPts val="1100"/>
+              </a:pPr>
+              <a:r>
+                <a:rPr lang="en" sz="2267" dirty="0">
+                  <a:solidFill>
+                    <a:schemeClr val="accent1"/>
+                  </a:solidFill>
+                  <a:latin typeface="Fira Sans Extra Condensed Medium"/>
+                  <a:ea typeface="Fira Sans Extra Condensed Medium"/>
+                  <a:cs typeface="Fira Sans Extra Condensed Medium"/>
+                  <a:sym typeface="Fira Sans Extra Condensed Medium"/>
+                </a:rPr>
+                <a:t>Microsoft</a:t>
+              </a:r>
+              <a:endParaRPr sz="2267" dirty="0">
+                <a:solidFill>
+                  <a:schemeClr val="accent1"/>
+                </a:solidFill>
+                <a:latin typeface="Fira Sans Extra Condensed Medium"/>
+                <a:ea typeface="Fira Sans Extra Condensed Medium"/>
+                <a:cs typeface="Fira Sans Extra Condensed Medium"/>
+                <a:sym typeface="Fira Sans Extra Condensed Medium"/>
+              </a:endParaRPr>
+            </a:p>
+          </p:txBody>
+        </p:sp>
+        <p:sp>
+          <p:nvSpPr>
+            <p:cNvPr id="266" name="Google Shape;266;p19"/>
+            <p:cNvSpPr txBox="1"/>
+            <p:nvPr/>
+          </p:nvSpPr>
+          <p:spPr>
+            <a:xfrm>
+              <a:off x="6347049" y="1429065"/>
+              <a:ext cx="2170144" cy="534900"/>
+            </a:xfrm>
+            <a:prstGeom prst="rect">
+              <a:avLst/>
+            </a:prstGeom>
+            <a:noFill/>
+            <a:ln>
+              <a:noFill/>
+            </a:ln>
+          </p:spPr>
+          <p:txBody>
+            <a:bodyPr spcFirstLastPara="1" wrap="square" lIns="121900" tIns="121900" rIns="121900" bIns="121900" anchor="t" anchorCtr="0">
+              <a:noAutofit/>
+            </a:bodyPr>
+            <a:lstStyle/>
+            <a:p>
+              <a:pPr algn="ctr"/>
+              <a:r>
+                <a:rPr lang="en-GB" sz="1400" dirty="0">
+                  <a:latin typeface="Roboto"/>
+                  <a:ea typeface="Roboto"/>
+                  <a:cs typeface="Roboto"/>
+                  <a:sym typeface="Roboto"/>
+                </a:rPr>
+                <a:t>Microsoft uses SQLite as a core component of Windows 10 and 11</a:t>
+              </a:r>
+              <a:endParaRPr sz="1400" dirty="0">
+                <a:latin typeface="Roboto"/>
+                <a:ea typeface="Roboto"/>
+                <a:cs typeface="Roboto"/>
+                <a:sym typeface="Roboto"/>
+              </a:endParaRPr>
+            </a:p>
+          </p:txBody>
+        </p:sp>
+      </p:grpSp>
+      <p:grpSp>
+        <p:nvGrpSpPr>
+          <p:cNvPr id="283" name="Google Shape;283;p19"/>
+          <p:cNvGrpSpPr/>
+          <p:nvPr/>
+        </p:nvGrpSpPr>
+        <p:grpSpPr>
+          <a:xfrm>
+            <a:off x="947034" y="2261927"/>
+            <a:ext cx="3280767" cy="3030589"/>
+            <a:chOff x="710275" y="1696445"/>
+            <a:chExt cx="2460575" cy="2272942"/>
+          </a:xfrm>
+        </p:grpSpPr>
+        <p:grpSp>
+          <p:nvGrpSpPr>
+            <p:cNvPr id="284" name="Google Shape;284;p19"/>
+            <p:cNvGrpSpPr/>
+            <p:nvPr/>
+          </p:nvGrpSpPr>
+          <p:grpSpPr>
+            <a:xfrm>
+              <a:off x="2288356" y="1696445"/>
+              <a:ext cx="882450" cy="1136250"/>
+              <a:chOff x="2288356" y="1696445"/>
+              <a:chExt cx="882450" cy="1136250"/>
+            </a:xfrm>
+          </p:grpSpPr>
+          <p:sp>
+            <p:nvSpPr>
+              <p:cNvPr id="285" name="Google Shape;285;p19"/>
+              <p:cNvSpPr/>
+              <p:nvPr/>
+            </p:nvSpPr>
+            <p:spPr>
+              <a:xfrm flipH="1">
+                <a:off x="2288356" y="1696445"/>
+                <a:ext cx="773700" cy="773700"/>
+              </a:xfrm>
+              <a:prstGeom prst="arc">
+                <a:avLst>
+                  <a:gd name="adj1" fmla="val 16200000"/>
+                  <a:gd name="adj2" fmla="val 0"/>
+                </a:avLst>
+              </a:prstGeom>
+              <a:noFill/>
+              <a:ln w="9525" cap="flat" cmpd="sng">
+                <a:solidFill>
+                  <a:srgbClr val="000000"/>
+                </a:solidFill>
+                <a:prstDash val="solid"/>
+                <a:round/>
+                <a:headEnd type="none" w="sm" len="sm"/>
+                <a:tailEnd type="none" w="sm" len="sm"/>
+              </a:ln>
+            </p:spPr>
+            <p:txBody>
+              <a:bodyPr spcFirstLastPara="1" wrap="square" lIns="121900" tIns="121900" rIns="121900" bIns="121900" anchor="ctr" anchorCtr="0">
+                <a:noAutofit/>
+              </a:bodyPr>
+              <a:lstStyle/>
+              <a:p>
+                <a:endParaRPr sz="2400"/>
+              </a:p>
+            </p:txBody>
+          </p:sp>
+          <p:cxnSp>
+            <p:nvCxnSpPr>
+              <p:cNvPr id="286" name="Google Shape;286;p19"/>
+              <p:cNvCxnSpPr>
+                <a:stCxn id="285" idx="0"/>
+              </p:cNvCxnSpPr>
+              <p:nvPr/>
+            </p:nvCxnSpPr>
+            <p:spPr>
+              <a:xfrm>
+                <a:off x="2675206" y="1696445"/>
+                <a:ext cx="495600" cy="0"/>
+              </a:xfrm>
+              <a:prstGeom prst="straightConnector1">
+                <a:avLst/>
+              </a:prstGeom>
+              <a:noFill/>
+              <a:ln w="9525" cap="flat" cmpd="sng">
+                <a:solidFill>
+                  <a:srgbClr val="000000"/>
+                </a:solidFill>
+                <a:prstDash val="solid"/>
+                <a:round/>
+                <a:headEnd type="none" w="med" len="med"/>
+                <a:tailEnd type="oval" w="med" len="med"/>
+              </a:ln>
+            </p:spPr>
+          </p:cxnSp>
+          <p:cxnSp>
+            <p:nvCxnSpPr>
+              <p:cNvPr id="287" name="Google Shape;287;p19"/>
+              <p:cNvCxnSpPr>
+                <a:stCxn id="285" idx="2"/>
+              </p:cNvCxnSpPr>
+              <p:nvPr/>
+            </p:nvCxnSpPr>
+            <p:spPr>
+              <a:xfrm>
+                <a:off x="2288356" y="2083295"/>
+                <a:ext cx="0" cy="749400"/>
+              </a:xfrm>
+              <a:prstGeom prst="straightConnector1">
+                <a:avLst/>
+              </a:prstGeom>
+              <a:noFill/>
+              <a:ln w="9525" cap="flat" cmpd="sng">
+                <a:solidFill>
+                  <a:srgbClr val="000000"/>
+                </a:solidFill>
+                <a:prstDash val="solid"/>
+                <a:round/>
+                <a:headEnd type="none" w="med" len="med"/>
+                <a:tailEnd type="none" w="med" len="med"/>
+              </a:ln>
+            </p:spPr>
+          </p:cxnSp>
+        </p:grpSp>
+        <p:grpSp>
+          <p:nvGrpSpPr>
+            <p:cNvPr id="288" name="Google Shape;288;p19"/>
+            <p:cNvGrpSpPr/>
+            <p:nvPr/>
+          </p:nvGrpSpPr>
+          <p:grpSpPr>
+            <a:xfrm>
+              <a:off x="2288412" y="2832906"/>
+              <a:ext cx="882422" cy="1136481"/>
+              <a:chOff x="7009125" y="3265500"/>
+              <a:chExt cx="565800" cy="728700"/>
+            </a:xfrm>
+          </p:grpSpPr>
+          <p:sp>
+            <p:nvSpPr>
+              <p:cNvPr id="289" name="Google Shape;289;p19"/>
+              <p:cNvSpPr/>
+              <p:nvPr/>
+            </p:nvSpPr>
+            <p:spPr>
+              <a:xfrm rot="10800000">
+                <a:off x="7009125" y="3498000"/>
+                <a:ext cx="496200" cy="496200"/>
+              </a:xfrm>
+              <a:prstGeom prst="arc">
+                <a:avLst>
+                  <a:gd name="adj1" fmla="val 16200000"/>
+                  <a:gd name="adj2" fmla="val 0"/>
+                </a:avLst>
+              </a:prstGeom>
+              <a:noFill/>
+              <a:ln w="9525" cap="flat" cmpd="sng">
+                <a:solidFill>
+                  <a:srgbClr val="000000"/>
+                </a:solidFill>
+                <a:prstDash val="solid"/>
+                <a:round/>
+                <a:headEnd type="none" w="sm" len="sm"/>
+                <a:tailEnd type="none" w="sm" len="sm"/>
+              </a:ln>
+            </p:spPr>
+            <p:txBody>
+              <a:bodyPr spcFirstLastPara="1" wrap="square" lIns="121900" tIns="121900" rIns="121900" bIns="121900" anchor="ctr" anchorCtr="0">
+                <a:noAutofit/>
+              </a:bodyPr>
+              <a:lstStyle/>
+              <a:p>
+                <a:endParaRPr sz="2400"/>
+              </a:p>
+            </p:txBody>
+          </p:sp>
+          <p:cxnSp>
+            <p:nvCxnSpPr>
+              <p:cNvPr id="290" name="Google Shape;290;p19"/>
+              <p:cNvCxnSpPr>
+                <a:stCxn id="289" idx="0"/>
+              </p:cNvCxnSpPr>
+              <p:nvPr/>
+            </p:nvCxnSpPr>
+            <p:spPr>
+              <a:xfrm>
+                <a:off x="7257225" y="3994200"/>
+                <a:ext cx="317700" cy="0"/>
+              </a:xfrm>
+              <a:prstGeom prst="straightConnector1">
+                <a:avLst/>
+              </a:prstGeom>
+              <a:noFill/>
+              <a:ln w="9525" cap="flat" cmpd="sng">
+                <a:solidFill>
+                  <a:srgbClr val="000000"/>
+                </a:solidFill>
+                <a:prstDash val="solid"/>
+                <a:round/>
+                <a:headEnd type="none" w="med" len="med"/>
+                <a:tailEnd type="oval" w="med" len="med"/>
+              </a:ln>
+            </p:spPr>
+          </p:cxnSp>
+          <p:cxnSp>
+            <p:nvCxnSpPr>
+              <p:cNvPr id="291" name="Google Shape;291;p19"/>
+              <p:cNvCxnSpPr>
+                <a:stCxn id="289" idx="2"/>
+              </p:cNvCxnSpPr>
+              <p:nvPr/>
+            </p:nvCxnSpPr>
+            <p:spPr>
+              <a:xfrm rot="10800000">
+                <a:off x="7009125" y="3265500"/>
+                <a:ext cx="0" cy="480600"/>
+              </a:xfrm>
+              <a:prstGeom prst="straightConnector1">
+                <a:avLst/>
+              </a:prstGeom>
+              <a:noFill/>
+              <a:ln w="9525" cap="flat" cmpd="sng">
+                <a:solidFill>
+                  <a:srgbClr val="000000"/>
+                </a:solidFill>
+                <a:prstDash val="solid"/>
+                <a:round/>
+                <a:headEnd type="none" w="med" len="med"/>
+                <a:tailEnd type="none" w="med" len="med"/>
+              </a:ln>
+            </p:spPr>
+          </p:cxnSp>
+        </p:grpSp>
+        <p:cxnSp>
+          <p:nvCxnSpPr>
+            <p:cNvPr id="292" name="Google Shape;292;p19"/>
+            <p:cNvCxnSpPr/>
+            <p:nvPr/>
+          </p:nvCxnSpPr>
+          <p:spPr>
+            <a:xfrm>
+              <a:off x="1602150" y="2832788"/>
+              <a:ext cx="1568700" cy="0"/>
+            </a:xfrm>
+            <a:prstGeom prst="straightConnector1">
+              <a:avLst/>
+            </a:prstGeom>
+            <a:noFill/>
+            <a:ln w="9525" cap="flat" cmpd="sng">
+              <a:solidFill>
+                <a:srgbClr val="000000"/>
+              </a:solidFill>
+              <a:prstDash val="solid"/>
+              <a:round/>
+              <a:headEnd type="none" w="med" len="med"/>
+              <a:tailEnd type="oval" w="med" len="med"/>
+            </a:ln>
+          </p:spPr>
+        </p:cxnSp>
+        <p:sp>
+          <p:nvSpPr>
+            <p:cNvPr id="293" name="Google Shape;293;p19"/>
+            <p:cNvSpPr/>
+            <p:nvPr/>
+          </p:nvSpPr>
+          <p:spPr>
+            <a:xfrm>
+              <a:off x="2215781" y="2760409"/>
+              <a:ext cx="144900" cy="144900"/>
+            </a:xfrm>
+            <a:prstGeom prst="ellipse">
+              <a:avLst/>
+            </a:prstGeom>
+            <a:solidFill>
+              <a:srgbClr val="FFFFFF"/>
+            </a:solidFill>
+            <a:ln w="28575" cap="flat" cmpd="sng">
+              <a:solidFill>
+                <a:schemeClr val="accent6"/>
+              </a:solidFill>
+              <a:prstDash val="solid"/>
+              <a:round/>
+              <a:headEnd type="none" w="sm" len="sm"/>
+              <a:tailEnd type="none" w="sm" len="sm"/>
+            </a:ln>
+          </p:spPr>
+          <p:txBody>
+            <a:bodyPr spcFirstLastPara="1" wrap="square" lIns="121900" tIns="121900" rIns="121900" bIns="121900" anchor="ctr" anchorCtr="0">
+              <a:noAutofit/>
+            </a:bodyPr>
+            <a:lstStyle/>
+            <a:p>
+              <a:endParaRPr sz="2400"/>
+            </a:p>
+          </p:txBody>
+        </p:sp>
+        <p:sp>
+          <p:nvSpPr>
+            <p:cNvPr id="294" name="Google Shape;294;p19"/>
+            <p:cNvSpPr/>
+            <p:nvPr/>
+          </p:nvSpPr>
+          <p:spPr>
+            <a:xfrm>
+              <a:off x="710275" y="2181958"/>
+              <a:ext cx="1301700" cy="1301700"/>
+            </a:xfrm>
+            <a:prstGeom prst="ellipse">
+              <a:avLst/>
+            </a:prstGeom>
+            <a:solidFill>
+              <a:schemeClr val="accent6"/>
+            </a:solidFill>
+            <a:ln>
+              <a:noFill/>
+            </a:ln>
+          </p:spPr>
+          <p:txBody>
+            <a:bodyPr spcFirstLastPara="1" wrap="square" lIns="121900" tIns="121900" rIns="121900" bIns="121900" anchor="ctr" anchorCtr="0">
+              <a:noAutofit/>
+            </a:bodyPr>
+            <a:lstStyle/>
+            <a:p>
+              <a:endParaRPr sz="2400"/>
+            </a:p>
+          </p:txBody>
+        </p:sp>
+        <p:sp>
+          <p:nvSpPr>
+            <p:cNvPr id="295" name="Google Shape;295;p19"/>
+            <p:cNvSpPr/>
+            <p:nvPr/>
+          </p:nvSpPr>
+          <p:spPr>
+            <a:xfrm>
+              <a:off x="779275" y="2250845"/>
+              <a:ext cx="1163700" cy="1163700"/>
+            </a:xfrm>
+            <a:prstGeom prst="ellipse">
+              <a:avLst/>
+            </a:prstGeom>
+            <a:solidFill>
+              <a:srgbClr val="FFFFFF"/>
+            </a:solidFill>
+            <a:ln>
+              <a:noFill/>
+            </a:ln>
+          </p:spPr>
+          <p:txBody>
+            <a:bodyPr spcFirstLastPara="1" wrap="square" lIns="121900" tIns="121900" rIns="121900" bIns="121900" anchor="ctr" anchorCtr="0">
+              <a:noAutofit/>
+            </a:bodyPr>
+            <a:lstStyle/>
+            <a:p>
+              <a:pPr algn="ctr">
+                <a:buClr>
+                  <a:schemeClr val="dk1"/>
+                </a:buClr>
+                <a:buSzPts val="1100"/>
+              </a:pPr>
+              <a:r>
+                <a:rPr lang="en" sz="2267" b="1" dirty="0">
+                  <a:solidFill>
+                    <a:schemeClr val="accent6"/>
+                  </a:solidFill>
+                  <a:latin typeface="Fira Sans Extra Condensed Medium"/>
+                  <a:ea typeface="Fira Sans Extra Condensed Medium"/>
+                  <a:cs typeface="Fira Sans Extra Condensed Medium"/>
+                  <a:sym typeface="Fira Sans Extra Condensed Medium"/>
+                </a:rPr>
+                <a:t>SQLite</a:t>
+              </a:r>
+              <a:endParaRPr sz="2267" b="1" dirty="0">
+                <a:solidFill>
+                  <a:schemeClr val="accent6"/>
+                </a:solidFill>
+                <a:latin typeface="Fira Sans Extra Condensed Medium"/>
+                <a:ea typeface="Fira Sans Extra Condensed Medium"/>
+                <a:cs typeface="Fira Sans Extra Condensed Medium"/>
+                <a:sym typeface="Fira Sans Extra Condensed Medium"/>
+              </a:endParaRPr>
+            </a:p>
+          </p:txBody>
+        </p:sp>
+      </p:grpSp>
+      <p:pic>
+        <p:nvPicPr>
+          <p:cNvPr id="9" name="Picture 8" descr="Shape&#10;&#10;Description automatically generated with low confidence">
+            <a:extLst>
+              <a:ext uri="{FF2B5EF4-FFF2-40B4-BE49-F238E27FC236}">
+                <a16:creationId xmlns:a16="http://schemas.microsoft.com/office/drawing/2014/main" id="{DC7D2A9E-04A3-35F0-A8AB-9841504371C2}"/>
+              </a:ext>
+            </a:extLst>
+          </p:cNvPr>
+          <p:cNvPicPr>
+            <a:picLocks noChangeAspect="1"/>
+          </p:cNvPicPr>
+          <p:nvPr/>
+        </p:nvPicPr>
+        <p:blipFill>
+          <a:blip r:embed="rId3">
+            <a:biLevel thresh="75000"/>
+            <a:extLst>
+              <a:ext uri="{BEBA8EAE-BF5A-486C-A8C5-ECC9F3942E4B}">
+                <a14:imgProps xmlns:a14="http://schemas.microsoft.com/office/drawing/2010/main">
+                  <a14:imgLayer r:embed="rId4">
+                    <a14:imgEffect>
+                      <a14:artisticPhotocopy/>
+                    </a14:imgEffect>
+                  </a14:imgLayer>
+                </a14:imgProps>
+              </a:ext>
+              <a:ext uri="{28A0092B-C50C-407E-A947-70E740481C1C}">
+                <a14:useLocalDpi xmlns:a14="http://schemas.microsoft.com/office/drawing/2010/main" val="0"/>
+              </a:ext>
+            </a:extLst>
+          </a:blip>
+          <a:stretch>
+            <a:fillRect/>
+          </a:stretch>
+        </p:blipFill>
+        <p:spPr>
+          <a:xfrm>
+            <a:off x="4910221" y="5085153"/>
+            <a:ext cx="410400" cy="410400"/>
+          </a:xfrm>
+          <a:prstGeom prst="rect">
+            <a:avLst/>
+          </a:prstGeom>
+        </p:spPr>
+      </p:pic>
+      <p:pic>
+        <p:nvPicPr>
+          <p:cNvPr id="11" name="Picture 10" descr="A picture containing text, clipart&#10;&#10;Description automatically generated">
+            <a:extLst>
+              <a:ext uri="{FF2B5EF4-FFF2-40B4-BE49-F238E27FC236}">
+                <a16:creationId xmlns:a16="http://schemas.microsoft.com/office/drawing/2014/main" id="{B6E72FEF-5570-3AED-D753-82D95C90F163}"/>
+              </a:ext>
+            </a:extLst>
+          </p:cNvPr>
+          <p:cNvPicPr>
+            <a:picLocks noChangeAspect="1"/>
+          </p:cNvPicPr>
+          <p:nvPr/>
+        </p:nvPicPr>
+        <p:blipFill>
+          <a:blip r:embed="rId5">
+            <a:extLst>
+              <a:ext uri="{28A0092B-C50C-407E-A947-70E740481C1C}">
+                <a14:useLocalDpi xmlns:a14="http://schemas.microsoft.com/office/drawing/2010/main" val="0"/>
+              </a:ext>
+            </a:extLst>
+          </a:blip>
+          <a:stretch>
+            <a:fillRect/>
+          </a:stretch>
+        </p:blipFill>
+        <p:spPr>
+          <a:xfrm>
+            <a:off x="4910221" y="2088540"/>
+            <a:ext cx="346774" cy="346774"/>
+          </a:xfrm>
+          <a:prstGeom prst="rect">
+            <a:avLst/>
+          </a:prstGeom>
+        </p:spPr>
+      </p:pic>
+      <p:pic>
+        <p:nvPicPr>
+          <p:cNvPr id="13" name="Picture 12" descr="A picture containing text, clipart&#10;&#10;Description automatically generated">
+            <a:extLst>
+              <a:ext uri="{FF2B5EF4-FFF2-40B4-BE49-F238E27FC236}">
+                <a16:creationId xmlns:a16="http://schemas.microsoft.com/office/drawing/2014/main" id="{D6A24831-F17B-64FE-5EDC-BD077C4AEC2F}"/>
+              </a:ext>
+            </a:extLst>
+          </p:cNvPr>
+          <p:cNvPicPr>
+            <a:picLocks noChangeAspect="1"/>
+          </p:cNvPicPr>
+          <p:nvPr/>
+        </p:nvPicPr>
+        <p:blipFill>
+          <a:blip r:embed="rId6">
+            <a:extLst>
+              <a:ext uri="{28A0092B-C50C-407E-A947-70E740481C1C}">
+                <a14:useLocalDpi xmlns:a14="http://schemas.microsoft.com/office/drawing/2010/main" val="0"/>
+              </a:ext>
+            </a:extLst>
+          </a:blip>
+          <a:stretch>
+            <a:fillRect/>
+          </a:stretch>
+        </p:blipFill>
+        <p:spPr>
+          <a:xfrm>
+            <a:off x="4887979" y="3575279"/>
+            <a:ext cx="403296" cy="403296"/>
+          </a:xfrm>
+          <a:prstGeom prst="rect">
+            <a:avLst/>
+          </a:prstGeom>
+        </p:spPr>
+      </p:pic>
+      <p:sp>
+        <p:nvSpPr>
+          <p:cNvPr id="14" name="TextBox 13">
+            <a:extLst>
+              <a:ext uri="{FF2B5EF4-FFF2-40B4-BE49-F238E27FC236}">
+                <a16:creationId xmlns:a16="http://schemas.microsoft.com/office/drawing/2014/main" id="{C4F5AACD-0FBE-4578-E0C5-297664277814}"/>
+              </a:ext>
+            </a:extLst>
+          </p:cNvPr>
+          <p:cNvSpPr txBox="1"/>
+          <p:nvPr/>
+        </p:nvSpPr>
+        <p:spPr>
+          <a:xfrm>
+            <a:off x="3637573" y="6324349"/>
+            <a:ext cx="4159985" cy="369332"/>
+          </a:xfrm>
+          <a:prstGeom prst="rect">
+            <a:avLst/>
+          </a:prstGeom>
+          <a:noFill/>
+        </p:spPr>
+        <p:txBody>
+          <a:bodyPr wrap="none" rtlCol="0">
+            <a:spAutoFit/>
+          </a:bodyPr>
+          <a:lstStyle/>
+          <a:p>
+            <a:r>
+              <a:rPr lang="en-NL" dirty="0"/>
+              <a:t>And more: Facebook, Mozilla, Php, Python</a:t>
+            </a:r>
+          </a:p>
+        </p:txBody>
+      </p:sp>
+    </p:spTree>
+  </p:cSld>
+  <p:clrMapOvr>
+    <a:masterClrMapping/>
+  </p:clrMapOvr>
+  <p:timing>
+    <p:tnLst>
+      <p:par>
+        <p:cTn id="1" dur="indefinite" restart="never" nodeType="tmRoot">
+          <p:childTnLst>
+            <p:seq concurrent="1" nextAc="seek">
+              <p:cTn id="2" dur="indefinite" nodeType="mainSeq">
+                <p:childTnLst>
+                  <p:par>
+                    <p:cTn id="3" fill="hold">
+                      <p:stCondLst>
+                        <p:cond delay="indefinite"/>
+                        <p:cond evt="onBegin" delay="0">
+                          <p:tn val="2"/>
+                        </p:cond>
+                      </p:stCondLst>
+                      <p:childTnLst>
+                        <p:par>
+                          <p:cTn id="4" fill="hold">
+                            <p:stCondLst>
+                              <p:cond delay="0"/>
+                            </p:stCondLst>
+                            <p:childTnLst>
+                              <p:par>
+                                <p:cTn id="5" presetID="1" presetClass="exit" presetSubtype="0" fill="hold" grpId="1" nodeType="withEffect">
+                                  <p:stCondLst>
+                                    <p:cond delay="0"/>
+                                  </p:stCondLst>
+                                  <p:childTnLst>
+                                    <p:set>
+                                      <p:cBhvr>
+                                        <p:cTn id="6" dur="1" fill="hold">
+                                          <p:stCondLst>
+                                            <p:cond delay="0"/>
+                                          </p:stCondLst>
+                                        </p:cTn>
+                                        <p:tgtEl>
+                                          <p:spTgt spid="14"/>
+                                        </p:tgtEl>
+                                        <p:attrNameLst>
+                                          <p:attrName>style.visibility</p:attrName>
+                                        </p:attrNameLst>
+                                      </p:cBhvr>
+                                      <p:to>
+                                        <p:strVal val="hidden"/>
+                                      </p:to>
+                                    </p:set>
+                                  </p:childTnLst>
+                                </p:cTn>
+                              </p:par>
+                            </p:childTnLst>
+                          </p:cTn>
+                        </p:par>
+                      </p:childTnLst>
+                    </p:cTn>
+                  </p:par>
+                  <p:par>
+                    <p:cTn id="7" fill="hold">
+                      <p:stCondLst>
+                        <p:cond delay="indefinite"/>
+                      </p:stCondLst>
+                      <p:childTnLst>
+                        <p:par>
+                          <p:cTn id="8" fill="hold">
+                            <p:stCondLst>
+                              <p:cond delay="0"/>
+                            </p:stCondLst>
+                            <p:childTnLst>
+                              <p:par>
+                                <p:cTn id="9" presetID="1" presetClass="entr" presetSubtype="0" fill="hold" grpId="0" nodeType="clickEffect">
+                                  <p:stCondLst>
+                                    <p:cond delay="0"/>
+                                  </p:stCondLst>
+                                  <p:childTnLst>
+                                    <p:set>
+                                      <p:cBhvr>
+                                        <p:cTn id="10" dur="1" fill="hold">
+                                          <p:stCondLst>
+                                            <p:cond delay="0"/>
+                                          </p:stCondLst>
+                                        </p:cTn>
+                                        <p:tgtEl>
+                                          <p:spTgt spid="14"/>
+                                        </p:tgtEl>
+                                        <p:attrNameLst>
+                                          <p:attrName>style.visibility</p:attrName>
+                                        </p:attrNameLst>
+                                      </p:cBhvr>
+                                      <p:to>
+                                        <p:strVal val="visible"/>
+                                      </p:to>
+                                    </p:set>
+                                  </p:childTnLst>
+                                </p:cTn>
+                              </p:par>
+                            </p:childTnLst>
+                          </p:cTn>
+                        </p:par>
+                      </p:childTnLst>
+                    </p:cTn>
+                  </p:par>
+                </p:childTnLst>
+              </p:cTn>
+              <p:prevCondLst>
+                <p:cond evt="onPrev" delay="0">
+                  <p:tgtEl>
+                    <p:sldTgt/>
+                  </p:tgtEl>
+                </p:cond>
+              </p:prevCondLst>
+              <p:nextCondLst>
+                <p:cond evt="onNext" delay="0">
+                  <p:tgtEl>
+                    <p:sldTgt/>
+                  </p:tgtEl>
+                </p:cond>
+              </p:nextCondLst>
+            </p:seq>
+          </p:childTnLst>
+        </p:cTn>
+      </p:par>
+    </p:tnLst>
+    <p:bldLst>
+      <p:bldP spid="14" grpId="0"/>
+      <p:bldP spid="14" grpId="1"/>
+    </p:bldLst>
+  </p:timing>
+</p:sld>
+</file>
+
+<file path=ppt/slides/slide11.xml><?xml version="1.0" encoding="utf-8"?>
 <p:sld xmlns:a="http://schemas.openxmlformats.org/drawingml/2006/main" xmlns:r="http://schemas.openxmlformats.org/officeDocument/2006/relationships" xmlns:p="http://schemas.openxmlformats.org/presentationml/2006/main">
   <p:cSld>
     <p:spTree>
@@ -10584,13 +11787,146 @@
             <p:ph idx="1"/>
           </p:nvPr>
         </p:nvSpPr>
-        <p:spPr/>
+        <p:spPr>
+          <a:xfrm>
+            <a:off x="838200" y="1825625"/>
+            <a:ext cx="10515600" cy="3599815"/>
+          </a:xfrm>
+        </p:spPr>
         <p:txBody>
           <a:bodyPr vert="horz" lIns="0" tIns="0" rIns="0" bIns="0" rtlCol="0" anchor="t">
-            <a:normAutofit/>
+            <a:normAutofit fontScale="25000" lnSpcReduction="20000"/>
           </a:bodyPr>
           <a:lstStyle/>
           <a:p>
+            <a:endParaRPr lang="en-GB" dirty="0">
+              <a:effectLst/>
+              <a:latin typeface="Helvetica Neue" panose="02000503000000020004" pitchFamily="2" charset="0"/>
+            </a:endParaRPr>
+          </a:p>
+          <a:p>
+            <a:endParaRPr lang="en-GB" dirty="0">
+              <a:effectLst/>
+              <a:latin typeface="Helvetica Neue" panose="02000503000000020004" pitchFamily="2" charset="0"/>
+            </a:endParaRPr>
+          </a:p>
+          <a:p>
+            <a:endParaRPr lang="en-GB" dirty="0">
+              <a:effectLst/>
+              <a:latin typeface="Helvetica Neue" panose="02000503000000020004" pitchFamily="2" charset="0"/>
+            </a:endParaRPr>
+          </a:p>
+          <a:p>
+            <a:r>
+              <a:rPr lang="en-GB" sz="6400" dirty="0">
+                <a:effectLst/>
+                <a:latin typeface="Helvetica Neue" panose="02000503000000020004" pitchFamily="2" charset="0"/>
+              </a:rPr>
+              <a:t>lightweight, open-source, relational database management system (RDBMS) -&gt; small to medium databases</a:t>
+            </a:r>
+          </a:p>
+          <a:p>
+            <a:endParaRPr lang="en-GB" sz="6400" dirty="0">
+              <a:effectLst/>
+              <a:latin typeface="Helvetica Neue" panose="02000503000000020004" pitchFamily="2" charset="0"/>
+            </a:endParaRPr>
+          </a:p>
+          <a:p>
+            <a:r>
+              <a:rPr lang="en-GB" sz="6400" dirty="0">
+                <a:effectLst/>
+                <a:latin typeface="Helvetica Neue" panose="02000503000000020004" pitchFamily="2" charset="0"/>
+              </a:rPr>
+              <a:t>embedded in applications -&gt; included as library</a:t>
+            </a:r>
+          </a:p>
+          <a:p>
+            <a:endParaRPr lang="en-GB" sz="6400" dirty="0">
+              <a:latin typeface="Helvetica Neue" panose="02000503000000020004" pitchFamily="2" charset="0"/>
+            </a:endParaRPr>
+          </a:p>
+          <a:p>
+            <a:pPr marL="0" indent="0">
+              <a:buNone/>
+            </a:pPr>
+            <a:r>
+              <a:rPr lang="en-GB" sz="6400" dirty="0">
+                <a:effectLst/>
+                <a:latin typeface="Helvetica Neue" panose="02000503000000020004" pitchFamily="2" charset="0"/>
+              </a:rPr>
+              <a:t>	Often used in:</a:t>
+            </a:r>
+          </a:p>
+          <a:p>
+            <a:pPr>
+              <a:buFontTx/>
+              <a:buChar char="-"/>
+            </a:pPr>
+            <a:r>
+              <a:rPr lang="en-GB" sz="6400" dirty="0">
+                <a:latin typeface="Helvetica Neue" panose="02000503000000020004" pitchFamily="2" charset="0"/>
+              </a:rPr>
+              <a:t>M</a:t>
+            </a:r>
+            <a:r>
+              <a:rPr lang="en-GB" sz="6400" dirty="0">
+                <a:effectLst/>
+                <a:latin typeface="Helvetica Neue" panose="02000503000000020004" pitchFamily="2" charset="0"/>
+              </a:rPr>
+              <a:t>obile applications </a:t>
+            </a:r>
+          </a:p>
+          <a:p>
+            <a:pPr>
+              <a:buFontTx/>
+              <a:buChar char="-"/>
+            </a:pPr>
+            <a:r>
+              <a:rPr lang="en-GB" sz="6400" dirty="0">
+                <a:latin typeface="Helvetica Neue" panose="02000503000000020004" pitchFamily="2" charset="0"/>
+              </a:rPr>
+              <a:t>Web development</a:t>
+            </a:r>
+          </a:p>
+          <a:p>
+            <a:pPr>
+              <a:buFontTx/>
+              <a:buChar char="-"/>
+            </a:pPr>
+            <a:r>
+              <a:rPr lang="en-GB" sz="6400" dirty="0">
+                <a:effectLst/>
+                <a:latin typeface="Helvetica Neue" panose="02000503000000020004" pitchFamily="2" charset="0"/>
+              </a:rPr>
+              <a:t>Embedded systems</a:t>
+            </a:r>
+          </a:p>
+          <a:p>
+            <a:pPr>
+              <a:buFontTx/>
+              <a:buChar char="-"/>
+            </a:pPr>
+            <a:r>
+              <a:rPr lang="en-GB" sz="6400" dirty="0">
+                <a:effectLst/>
+                <a:latin typeface="Helvetica Neue" panose="02000503000000020004" pitchFamily="2" charset="0"/>
+              </a:rPr>
+              <a:t>Desktop applications</a:t>
+            </a:r>
+          </a:p>
+          <a:p>
+            <a:endParaRPr lang="en-GB" dirty="0">
+              <a:solidFill>
+                <a:schemeClr val="tx1">
+                  <a:alpha val="58000"/>
+                </a:schemeClr>
+              </a:solidFill>
+            </a:endParaRPr>
+          </a:p>
+          <a:p>
+            <a:pPr marL="0" indent="0">
+              <a:buNone/>
+            </a:pPr>
             <a:r>
               <a:rPr lang="en-GB" dirty="0">
                 <a:solidFill>
@@ -10599,7 +11935,7 @@
                   </a:srgbClr>
                 </a:solidFill>
               </a:rPr>
-              <a:t>Some example of earlier DBs and why they were problematic and how SQLite was the solution to that. </a:t>
+              <a:t>me example of earlier DBs and why they were problematic and how SQLite was the solution to that. </a:t>
             </a:r>
           </a:p>
           <a:p>
@@ -10714,7 +12050,67 @@
                   </a:srgbClr>
                 </a:solidFill>
               </a:rPr>
-              <a:t>With reference to history slide later </a:t>
+              <a:t>With</a:t>
+            </a:r>
+            <a:r>
+              <a:rPr lang="en-GB" dirty="0">
+                <a:solidFill>
+                  <a:schemeClr val="tx1">
+                    <a:alpha val="58000"/>
+                  </a:schemeClr>
+                </a:solidFill>
+              </a:rPr>
+              <a:t> Serverless, Transactional (ACID ) and </a:t>
+            </a:r>
+            <a:r>
+              <a:rPr lang="en-GB" dirty="0" err="1">
+                <a:solidFill>
+                  <a:schemeClr val="tx1">
+                    <a:alpha val="58000"/>
+                  </a:schemeClr>
+                </a:solidFill>
+              </a:rPr>
+              <a:t>Fortless</a:t>
+            </a:r>
+            <a:r>
+              <a:rPr lang="en-GB" dirty="0">
+                <a:solidFill>
+                  <a:schemeClr val="tx1">
+                    <a:alpha val="58000"/>
+                  </a:schemeClr>
+                </a:solidFill>
+              </a:rPr>
+              <a:t>, Cross </a:t>
+            </a:r>
+            <a:r>
+              <a:rPr lang="en-GB" dirty="0" err="1">
+                <a:solidFill>
+                  <a:schemeClr val="tx1">
+                    <a:alpha val="58000"/>
+                  </a:schemeClr>
+                </a:solidFill>
+              </a:rPr>
+              <a:t>platfrom</a:t>
+            </a:r>
+            <a:r>
+              <a:rPr lang="en-GB" dirty="0">
+                <a:solidFill>
+                  <a:schemeClr val="tx1">
+                    <a:alpha val="58000"/>
+                  </a:schemeClr>
+                </a:solidFill>
+              </a:rPr>
+              <a:t>, No configuration required </a:t>
+            </a:r>
+            <a:r>
+              <a:rPr lang="en-GB" dirty="0">
+                <a:solidFill>
+                  <a:srgbClr val="FFFFFF">
+                    <a:alpha val="58000"/>
+                  </a:srgbClr>
+                </a:solidFill>
+              </a:rPr>
+              <a:t>to history slide later </a:t>
             </a:r>
             <a:endParaRPr lang="en-GB" dirty="0"/>
           </a:p>
@@ -10755,6 +12151,91 @@
           <p:cNvPr id="2" name="Title 1">
             <a:extLst>
               <a:ext uri="{FF2B5EF4-FFF2-40B4-BE49-F238E27FC236}">
+                <a16:creationId xmlns:a16="http://schemas.microsoft.com/office/drawing/2014/main" id="{6BEFF12F-249E-A5F2-924E-3F981ADD7706}"/>
+              </a:ext>
+            </a:extLst>
+          </p:cNvPr>
+          <p:cNvSpPr>
+            <a:spLocks noGrp="1"/>
+          </p:cNvSpPr>
+          <p:nvPr>
+            <p:ph type="title"/>
+          </p:nvPr>
+        </p:nvSpPr>
+        <p:spPr/>
+        <p:txBody>
+          <a:bodyPr/>
+          <a:lstStyle/>
+          <a:p>
+            <a:r>
+              <a:rPr lang="en-GB" dirty="0"/>
+              <a:t>Principles of SQLite</a:t>
+            </a:r>
+          </a:p>
+        </p:txBody>
+      </p:sp>
+      <p:sp>
+        <p:nvSpPr>
+          <p:cNvPr id="3" name="Content Placeholder 2">
+            <a:extLst>
+              <a:ext uri="{FF2B5EF4-FFF2-40B4-BE49-F238E27FC236}">
+                <a16:creationId xmlns:a16="http://schemas.microsoft.com/office/drawing/2014/main" id="{30F0EAF9-66AE-0DD5-0C9D-341E4053F2EB}"/>
+              </a:ext>
+            </a:extLst>
+          </p:cNvPr>
+          <p:cNvSpPr>
+            <a:spLocks noGrp="1"/>
+          </p:cNvSpPr>
+          <p:nvPr>
+            <p:ph idx="1"/>
+          </p:nvPr>
+        </p:nvSpPr>
+        <p:spPr/>
+        <p:txBody>
+          <a:bodyPr vert="horz" lIns="0" tIns="0" rIns="0" bIns="0" rtlCol="0" anchor="t">
+            <a:normAutofit/>
+          </a:bodyPr>
+          <a:lstStyle/>
+          <a:p>
+            <a:endParaRPr lang="en-GB" dirty="0"/>
+          </a:p>
+        </p:txBody>
+      </p:sp>
+    </p:spTree>
+    <p:extLst>
+      <p:ext uri="{BB962C8B-B14F-4D97-AF65-F5344CB8AC3E}">
+        <p14:creationId xmlns:p14="http://schemas.microsoft.com/office/powerpoint/2010/main" val="1245835266"/>
+      </p:ext>
+    </p:extLst>
+  </p:cSld>
+  <p:clrMapOvr>
+    <a:masterClrMapping/>
+  </p:clrMapOvr>
+</p:sld>
+</file>
+
+<file path=ppt/slides/slide6.xml><?xml version="1.0" encoding="utf-8"?>
+<p:sld xmlns:a="http://schemas.openxmlformats.org/drawingml/2006/main" xmlns:r="http://schemas.openxmlformats.org/officeDocument/2006/relationships" xmlns:p="http://schemas.openxmlformats.org/presentationml/2006/main">
+  <p:cSld>
+    <p:spTree>
+      <p:nvGrpSpPr>
+        <p:cNvPr id="1" name=""/>
+        <p:cNvGrpSpPr/>
+        <p:nvPr/>
+      </p:nvGrpSpPr>
+      <p:grpSpPr>
+        <a:xfrm>
+          <a:off x="0" y="0"/>
+          <a:ext cx="0" cy="0"/>
+          <a:chOff x="0" y="0"/>
+          <a:chExt cx="0" cy="0"/>
+        </a:xfrm>
+      </p:grpSpPr>
+      <p:sp>
+        <p:nvSpPr>
+          <p:cNvPr id="2" name="Title 1">
+            <a:extLst>
+              <a:ext uri="{FF2B5EF4-FFF2-40B4-BE49-F238E27FC236}">
                 <a16:creationId xmlns:a16="http://schemas.microsoft.com/office/drawing/2014/main" id="{F95A70B9-D451-D270-0CD6-D2FC63C4EDD5}"/>
               </a:ext>
             </a:extLst>
@@ -10816,7 +12297,7 @@
 </p:sld>
 </file>
 
-<file path=ppt/slides/slide6.xml><?xml version="1.0" encoding="utf-8"?>
+<file path=ppt/slides/slide7.xml><?xml version="1.0" encoding="utf-8"?>
 <p:sld xmlns:a="http://schemas.openxmlformats.org/drawingml/2006/main" xmlns:r="http://schemas.openxmlformats.org/officeDocument/2006/relationships" xmlns:p="http://schemas.openxmlformats.org/presentationml/2006/main">
   <p:cSld>
     <p:spTree>
@@ -10918,7 +12399,7 @@
 </p:sld>
 </file>
 
-<file path=ppt/slides/slide7.xml><?xml version="1.0" encoding="utf-8"?>
+<file path=ppt/slides/slide8.xml><?xml version="1.0" encoding="utf-8"?>
 <p:sld xmlns:a="http://schemas.openxmlformats.org/drawingml/2006/main" xmlns:r="http://schemas.openxmlformats.org/officeDocument/2006/relationships" xmlns:p="http://schemas.openxmlformats.org/presentationml/2006/main">
   <p:cSld>
     <p:spTree>
@@ -10976,7 +12457,7 @@
 </p:sld>
 </file>
 
-<file path=ppt/slides/slide8.xml><?xml version="1.0" encoding="utf-8"?>
+<file path=ppt/slides/slide9.xml><?xml version="1.0" encoding="utf-8"?>
 <p:sld xmlns:a="http://schemas.openxmlformats.org/drawingml/2006/main" xmlns:r="http://schemas.openxmlformats.org/officeDocument/2006/relationships" xmlns:p="http://schemas.openxmlformats.org/presentationml/2006/main">
   <p:cSld>
     <p:spTree>
@@ -14219,1207 +15700,6 @@
 </p:sld>
 </file>
 
-<file path=ppt/slides/slide9.xml><?xml version="1.0" encoding="utf-8"?>
-<p:sld xmlns:a="http://schemas.openxmlformats.org/drawingml/2006/main" xmlns:r="http://schemas.openxmlformats.org/officeDocument/2006/relationships" xmlns:p="http://schemas.openxmlformats.org/presentationml/2006/main">
-  <p:cSld>
-    <p:spTree>
-      <p:nvGrpSpPr>
-        <p:cNvPr id="1" name="Shape 253"/>
-        <p:cNvGrpSpPr/>
-        <p:nvPr/>
-      </p:nvGrpSpPr>
-      <p:grpSpPr>
-        <a:xfrm>
-          <a:off x="0" y="0"/>
-          <a:ext cx="0" cy="0"/>
-          <a:chOff x="0" y="0"/>
-          <a:chExt cx="0" cy="0"/>
-        </a:xfrm>
-      </p:grpSpPr>
-      <p:sp>
-        <p:nvSpPr>
-          <p:cNvPr id="254" name="Google Shape;254;p19"/>
-          <p:cNvSpPr txBox="1">
-            <a:spLocks noGrp="1"/>
-          </p:cNvSpPr>
-          <p:nvPr>
-            <p:ph type="title"/>
-          </p:nvPr>
-        </p:nvSpPr>
-        <p:spPr>
-          <a:xfrm>
-            <a:off x="947034" y="506088"/>
-            <a:ext cx="10298000" cy="641600"/>
-          </a:xfrm>
-          <a:prstGeom prst="rect">
-            <a:avLst/>
-          </a:prstGeom>
-        </p:spPr>
-        <p:txBody>
-          <a:bodyPr spcFirstLastPara="1" vert="horz" wrap="square" lIns="121900" tIns="121900" rIns="121900" bIns="121900" rtlCol="0" anchor="ctr" anchorCtr="0">
-            <a:noAutofit/>
-          </a:bodyPr>
-          <a:lstStyle/>
-          <a:p>
-            <a:pPr algn="ctr">
-              <a:spcBef>
-                <a:spcPts val="0"/>
-              </a:spcBef>
-            </a:pPr>
-            <a:r>
-              <a:rPr lang="en" b="1" dirty="0"/>
-              <a:t>Famous Examples</a:t>
-            </a:r>
-            <a:endParaRPr b="1" dirty="0"/>
-          </a:p>
-        </p:txBody>
-      </p:sp>
-      <p:grpSp>
-        <p:nvGrpSpPr>
-          <p:cNvPr id="255" name="Google Shape;255;p19"/>
-          <p:cNvGrpSpPr/>
-          <p:nvPr/>
-        </p:nvGrpSpPr>
-        <p:grpSpPr>
-          <a:xfrm>
-            <a:off x="4577701" y="3212368"/>
-            <a:ext cx="6667265" cy="1129600"/>
-            <a:chOff x="3433276" y="2409276"/>
-            <a:chExt cx="5000449" cy="847200"/>
-          </a:xfrm>
-        </p:grpSpPr>
-        <p:sp>
-          <p:nvSpPr>
-            <p:cNvPr id="256" name="Google Shape;256;p19"/>
-            <p:cNvSpPr/>
-            <p:nvPr/>
-          </p:nvSpPr>
-          <p:spPr>
-            <a:xfrm rot="-5400000">
-              <a:off x="4121626" y="1720926"/>
-              <a:ext cx="847200" cy="2223900"/>
-            </a:xfrm>
-            <a:prstGeom prst="round2SameRect">
-              <a:avLst>
-                <a:gd name="adj1" fmla="val 50000"/>
-                <a:gd name="adj2" fmla="val 0"/>
-              </a:avLst>
-            </a:prstGeom>
-            <a:solidFill>
-              <a:schemeClr val="tx2">
-                <a:lumMod val="75000"/>
-              </a:schemeClr>
-            </a:solidFill>
-            <a:ln>
-              <a:noFill/>
-            </a:ln>
-          </p:spPr>
-          <p:txBody>
-            <a:bodyPr spcFirstLastPara="1" wrap="square" lIns="121900" tIns="121900" rIns="121900" bIns="121900" anchor="ctr" anchorCtr="0">
-              <a:noAutofit/>
-            </a:bodyPr>
-            <a:lstStyle/>
-            <a:p>
-              <a:endParaRPr sz="2400"/>
-            </a:p>
-          </p:txBody>
-        </p:sp>
-        <p:sp>
-          <p:nvSpPr>
-            <p:cNvPr id="257" name="Google Shape;257;p19"/>
-            <p:cNvSpPr/>
-            <p:nvPr/>
-          </p:nvSpPr>
-          <p:spPr>
-            <a:xfrm>
-              <a:off x="4288175" y="2639976"/>
-              <a:ext cx="1948800" cy="385800"/>
-            </a:xfrm>
-            <a:prstGeom prst="roundRect">
-              <a:avLst>
-                <a:gd name="adj" fmla="val 50000"/>
-              </a:avLst>
-            </a:prstGeom>
-            <a:solidFill>
-              <a:srgbClr val="FFFFFF"/>
-            </a:solidFill>
-            <a:ln w="9525" cap="flat" cmpd="sng">
-              <a:solidFill>
-                <a:schemeClr val="tx2">
-                  <a:lumMod val="75000"/>
-                </a:schemeClr>
-              </a:solidFill>
-              <a:prstDash val="solid"/>
-              <a:round/>
-              <a:headEnd type="none" w="sm" len="sm"/>
-              <a:tailEnd type="none" w="sm" len="sm"/>
-            </a:ln>
-          </p:spPr>
-          <p:txBody>
-            <a:bodyPr spcFirstLastPara="1" wrap="square" lIns="243833" tIns="121900" rIns="121900" bIns="121900" anchor="ctr" anchorCtr="0">
-              <a:noAutofit/>
-            </a:bodyPr>
-            <a:lstStyle/>
-            <a:p>
-              <a:pPr>
-                <a:buClr>
-                  <a:schemeClr val="dk1"/>
-                </a:buClr>
-                <a:buSzPts val="1100"/>
-              </a:pPr>
-              <a:r>
-                <a:rPr lang="en" sz="2267" dirty="0">
-                  <a:solidFill>
-                    <a:schemeClr val="tx2">
-                      <a:lumMod val="75000"/>
-                    </a:schemeClr>
-                  </a:solidFill>
-                  <a:latin typeface="Fira Sans Extra Condensed Medium"/>
-                  <a:ea typeface="Fira Sans Extra Condensed Medium"/>
-                  <a:cs typeface="Fira Sans Extra Condensed Medium"/>
-                  <a:sym typeface="Fira Sans Extra Condensed Medium"/>
-                </a:rPr>
-                <a:t>Google</a:t>
-              </a:r>
-              <a:endParaRPr sz="2400" dirty="0">
-                <a:solidFill>
-                  <a:schemeClr val="tx2">
-                    <a:lumMod val="75000"/>
-                  </a:schemeClr>
-                </a:solidFill>
-              </a:endParaRPr>
-            </a:p>
-          </p:txBody>
-        </p:sp>
-        <p:sp>
-          <p:nvSpPr>
-            <p:cNvPr id="258" name="Google Shape;258;p19"/>
-            <p:cNvSpPr txBox="1"/>
-            <p:nvPr/>
-          </p:nvSpPr>
-          <p:spPr>
-            <a:xfrm>
-              <a:off x="6346925" y="2457995"/>
-              <a:ext cx="2086800" cy="534900"/>
-            </a:xfrm>
-            <a:prstGeom prst="rect">
-              <a:avLst/>
-            </a:prstGeom>
-            <a:noFill/>
-            <a:ln>
-              <a:noFill/>
-            </a:ln>
-          </p:spPr>
-          <p:txBody>
-            <a:bodyPr spcFirstLastPara="1" wrap="square" lIns="121900" tIns="121900" rIns="121900" bIns="121900" anchor="t" anchorCtr="0">
-              <a:noAutofit/>
-            </a:bodyPr>
-            <a:lstStyle/>
-            <a:p>
-              <a:pPr algn="ctr"/>
-              <a:r>
-                <a:rPr lang="en-GB" sz="1400" dirty="0">
-                  <a:latin typeface="Roboto"/>
-                  <a:ea typeface="Roboto"/>
-                  <a:cs typeface="Roboto"/>
-                  <a:sym typeface="Roboto"/>
-                </a:rPr>
-                <a:t>Google uses SQLite in their Android cell-phone operating system, and in the Chrome Web Browser.</a:t>
-              </a:r>
-              <a:endParaRPr sz="1400" dirty="0">
-                <a:latin typeface="Roboto"/>
-                <a:ea typeface="Roboto"/>
-                <a:cs typeface="Roboto"/>
-                <a:sym typeface="Roboto"/>
-              </a:endParaRPr>
-            </a:p>
-          </p:txBody>
-        </p:sp>
-      </p:grpSp>
-      <p:grpSp>
-        <p:nvGrpSpPr>
-          <p:cNvPr id="259" name="Google Shape;259;p19"/>
-          <p:cNvGrpSpPr/>
-          <p:nvPr/>
-        </p:nvGrpSpPr>
-        <p:grpSpPr>
-          <a:xfrm>
-            <a:off x="4577701" y="4727517"/>
-            <a:ext cx="6667265" cy="1129600"/>
-            <a:chOff x="3433276" y="3545638"/>
-            <a:chExt cx="5000449" cy="847200"/>
-          </a:xfrm>
-        </p:grpSpPr>
-        <p:sp>
-          <p:nvSpPr>
-            <p:cNvPr id="260" name="Google Shape;260;p19"/>
-            <p:cNvSpPr/>
-            <p:nvPr/>
-          </p:nvSpPr>
-          <p:spPr>
-            <a:xfrm rot="-5400000">
-              <a:off x="4121626" y="2857288"/>
-              <a:ext cx="847200" cy="2223900"/>
-            </a:xfrm>
-            <a:prstGeom prst="round2SameRect">
-              <a:avLst>
-                <a:gd name="adj1" fmla="val 50000"/>
-                <a:gd name="adj2" fmla="val 0"/>
-              </a:avLst>
-            </a:prstGeom>
-            <a:solidFill>
-              <a:schemeClr val="accent3"/>
-            </a:solidFill>
-            <a:ln>
-              <a:noFill/>
-            </a:ln>
-          </p:spPr>
-          <p:txBody>
-            <a:bodyPr spcFirstLastPara="1" wrap="square" lIns="121900" tIns="121900" rIns="121900" bIns="121900" anchor="ctr" anchorCtr="0">
-              <a:noAutofit/>
-            </a:bodyPr>
-            <a:lstStyle/>
-            <a:p>
-              <a:endParaRPr sz="2400"/>
-            </a:p>
-          </p:txBody>
-        </p:sp>
-        <p:sp>
-          <p:nvSpPr>
-            <p:cNvPr id="261" name="Google Shape;261;p19"/>
-            <p:cNvSpPr/>
-            <p:nvPr/>
-          </p:nvSpPr>
-          <p:spPr>
-            <a:xfrm>
-              <a:off x="4288175" y="3776338"/>
-              <a:ext cx="1948800" cy="385800"/>
-            </a:xfrm>
-            <a:prstGeom prst="roundRect">
-              <a:avLst>
-                <a:gd name="adj" fmla="val 50000"/>
-              </a:avLst>
-            </a:prstGeom>
-            <a:solidFill>
-              <a:srgbClr val="FFFFFF"/>
-            </a:solidFill>
-            <a:ln w="9525" cap="flat" cmpd="sng">
-              <a:solidFill>
-                <a:schemeClr val="accent3"/>
-              </a:solidFill>
-              <a:prstDash val="solid"/>
-              <a:round/>
-              <a:headEnd type="none" w="sm" len="sm"/>
-              <a:tailEnd type="none" w="sm" len="sm"/>
-            </a:ln>
-          </p:spPr>
-          <p:txBody>
-            <a:bodyPr spcFirstLastPara="1" wrap="square" lIns="243833" tIns="121900" rIns="121900" bIns="121900" anchor="ctr" anchorCtr="0">
-              <a:noAutofit/>
-            </a:bodyPr>
-            <a:lstStyle/>
-            <a:p>
-              <a:pPr>
-                <a:buClr>
-                  <a:schemeClr val="dk1"/>
-                </a:buClr>
-                <a:buSzPts val="1100"/>
-              </a:pPr>
-              <a:r>
-                <a:rPr lang="en" sz="2267" dirty="0">
-                  <a:solidFill>
-                    <a:schemeClr val="accent3"/>
-                  </a:solidFill>
-                  <a:latin typeface="Fira Sans Extra Condensed Medium"/>
-                  <a:ea typeface="Fira Sans Extra Condensed Medium"/>
-                  <a:cs typeface="Fira Sans Extra Condensed Medium"/>
-                  <a:sym typeface="Fira Sans Extra Condensed Medium"/>
-                </a:rPr>
-                <a:t>Apple</a:t>
-              </a:r>
-              <a:endParaRPr sz="2400" dirty="0">
-                <a:solidFill>
-                  <a:schemeClr val="accent3"/>
-                </a:solidFill>
-              </a:endParaRPr>
-            </a:p>
-          </p:txBody>
-        </p:sp>
-        <p:sp>
-          <p:nvSpPr>
-            <p:cNvPr id="262" name="Google Shape;262;p19"/>
-            <p:cNvSpPr txBox="1"/>
-            <p:nvPr/>
-          </p:nvSpPr>
-          <p:spPr>
-            <a:xfrm>
-              <a:off x="6346925" y="3627180"/>
-              <a:ext cx="2086800" cy="534900"/>
-            </a:xfrm>
-            <a:prstGeom prst="rect">
-              <a:avLst/>
-            </a:prstGeom>
-            <a:noFill/>
-            <a:ln>
-              <a:noFill/>
-            </a:ln>
-          </p:spPr>
-          <p:txBody>
-            <a:bodyPr spcFirstLastPara="1" wrap="square" lIns="121900" tIns="121900" rIns="121900" bIns="121900" anchor="t" anchorCtr="0">
-              <a:noAutofit/>
-            </a:bodyPr>
-            <a:lstStyle/>
-            <a:p>
-              <a:pPr algn="ctr"/>
-              <a:r>
-                <a:rPr lang="en-GB" sz="1400" dirty="0">
-                  <a:latin typeface="Roboto"/>
-                  <a:ea typeface="Roboto"/>
-                  <a:cs typeface="Roboto"/>
-                  <a:sym typeface="Roboto"/>
-                </a:rPr>
-                <a:t>Apple uses SQLite in many of the native applications running on Mac OS-X desktops and servers and on iOS devices.</a:t>
-              </a:r>
-              <a:endParaRPr sz="1400" dirty="0">
-                <a:latin typeface="Roboto"/>
-                <a:ea typeface="Roboto"/>
-                <a:cs typeface="Roboto"/>
-                <a:sym typeface="Roboto"/>
-              </a:endParaRPr>
-            </a:p>
-          </p:txBody>
-        </p:sp>
-      </p:grpSp>
-      <p:grpSp>
-        <p:nvGrpSpPr>
-          <p:cNvPr id="263" name="Google Shape;263;p19"/>
-          <p:cNvGrpSpPr/>
-          <p:nvPr/>
-        </p:nvGrpSpPr>
-        <p:grpSpPr>
-          <a:xfrm>
-            <a:off x="4577701" y="1697220"/>
-            <a:ext cx="6778556" cy="1129600"/>
-            <a:chOff x="3433276" y="1272915"/>
-            <a:chExt cx="5083917" cy="847200"/>
-          </a:xfrm>
-        </p:grpSpPr>
-        <p:sp>
-          <p:nvSpPr>
-            <p:cNvPr id="264" name="Google Shape;264;p19"/>
-            <p:cNvSpPr/>
-            <p:nvPr/>
-          </p:nvSpPr>
-          <p:spPr>
-            <a:xfrm rot="-5400000">
-              <a:off x="4121626" y="584565"/>
-              <a:ext cx="847200" cy="2223900"/>
-            </a:xfrm>
-            <a:prstGeom prst="round2SameRect">
-              <a:avLst>
-                <a:gd name="adj1" fmla="val 50000"/>
-                <a:gd name="adj2" fmla="val 0"/>
-              </a:avLst>
-            </a:prstGeom>
-            <a:solidFill>
-              <a:schemeClr val="accent1"/>
-            </a:solidFill>
-            <a:ln>
-              <a:noFill/>
-            </a:ln>
-          </p:spPr>
-          <p:txBody>
-            <a:bodyPr spcFirstLastPara="1" wrap="square" lIns="121900" tIns="121900" rIns="121900" bIns="121900" anchor="ctr" anchorCtr="0">
-              <a:noAutofit/>
-            </a:bodyPr>
-            <a:lstStyle/>
-            <a:p>
-              <a:endParaRPr sz="2400"/>
-            </a:p>
-          </p:txBody>
-        </p:sp>
-        <p:sp>
-          <p:nvSpPr>
-            <p:cNvPr id="265" name="Google Shape;265;p19"/>
-            <p:cNvSpPr/>
-            <p:nvPr/>
-          </p:nvSpPr>
-          <p:spPr>
-            <a:xfrm>
-              <a:off x="4288175" y="1503615"/>
-              <a:ext cx="1948800" cy="385800"/>
-            </a:xfrm>
-            <a:prstGeom prst="roundRect">
-              <a:avLst>
-                <a:gd name="adj" fmla="val 50000"/>
-              </a:avLst>
-            </a:prstGeom>
-            <a:solidFill>
-              <a:srgbClr val="FFFFFF"/>
-            </a:solidFill>
-            <a:ln w="9525" cap="flat" cmpd="sng">
-              <a:solidFill>
-                <a:schemeClr val="accent1"/>
-              </a:solidFill>
-              <a:prstDash val="solid"/>
-              <a:round/>
-              <a:headEnd type="none" w="sm" len="sm"/>
-              <a:tailEnd type="none" w="sm" len="sm"/>
-            </a:ln>
-          </p:spPr>
-          <p:txBody>
-            <a:bodyPr spcFirstLastPara="1" wrap="square" lIns="243833" tIns="121900" rIns="121900" bIns="121900" anchor="ctr" anchorCtr="0">
-              <a:noAutofit/>
-            </a:bodyPr>
-            <a:lstStyle/>
-            <a:p>
-              <a:pPr>
-                <a:buClr>
-                  <a:schemeClr val="dk1"/>
-                </a:buClr>
-                <a:buSzPts val="1100"/>
-              </a:pPr>
-              <a:r>
-                <a:rPr lang="en" sz="2267" dirty="0">
-                  <a:solidFill>
-                    <a:schemeClr val="accent1"/>
-                  </a:solidFill>
-                  <a:latin typeface="Fira Sans Extra Condensed Medium"/>
-                  <a:ea typeface="Fira Sans Extra Condensed Medium"/>
-                  <a:cs typeface="Fira Sans Extra Condensed Medium"/>
-                  <a:sym typeface="Fira Sans Extra Condensed Medium"/>
-                </a:rPr>
-                <a:t>Microsoft</a:t>
-              </a:r>
-              <a:endParaRPr sz="2267" dirty="0">
-                <a:solidFill>
-                  <a:schemeClr val="accent1"/>
-                </a:solidFill>
-                <a:latin typeface="Fira Sans Extra Condensed Medium"/>
-                <a:ea typeface="Fira Sans Extra Condensed Medium"/>
-                <a:cs typeface="Fira Sans Extra Condensed Medium"/>
-                <a:sym typeface="Fira Sans Extra Condensed Medium"/>
-              </a:endParaRPr>
-            </a:p>
-          </p:txBody>
-        </p:sp>
-        <p:sp>
-          <p:nvSpPr>
-            <p:cNvPr id="266" name="Google Shape;266;p19"/>
-            <p:cNvSpPr txBox="1"/>
-            <p:nvPr/>
-          </p:nvSpPr>
-          <p:spPr>
-            <a:xfrm>
-              <a:off x="6347049" y="1429065"/>
-              <a:ext cx="2170144" cy="534900"/>
-            </a:xfrm>
-            <a:prstGeom prst="rect">
-              <a:avLst/>
-            </a:prstGeom>
-            <a:noFill/>
-            <a:ln>
-              <a:noFill/>
-            </a:ln>
-          </p:spPr>
-          <p:txBody>
-            <a:bodyPr spcFirstLastPara="1" wrap="square" lIns="121900" tIns="121900" rIns="121900" bIns="121900" anchor="t" anchorCtr="0">
-              <a:noAutofit/>
-            </a:bodyPr>
-            <a:lstStyle/>
-            <a:p>
-              <a:pPr algn="ctr"/>
-              <a:r>
-                <a:rPr lang="en-GB" sz="1400" dirty="0">
-                  <a:latin typeface="Roboto"/>
-                  <a:ea typeface="Roboto"/>
-                  <a:cs typeface="Roboto"/>
-                  <a:sym typeface="Roboto"/>
-                </a:rPr>
-                <a:t>Microsoft uses SQLite as a core component of Windows 10 and 11</a:t>
-              </a:r>
-              <a:endParaRPr sz="1400" dirty="0">
-                <a:latin typeface="Roboto"/>
-                <a:ea typeface="Roboto"/>
-                <a:cs typeface="Roboto"/>
-                <a:sym typeface="Roboto"/>
-              </a:endParaRPr>
-            </a:p>
-          </p:txBody>
-        </p:sp>
-      </p:grpSp>
-      <p:grpSp>
-        <p:nvGrpSpPr>
-          <p:cNvPr id="283" name="Google Shape;283;p19"/>
-          <p:cNvGrpSpPr/>
-          <p:nvPr/>
-        </p:nvGrpSpPr>
-        <p:grpSpPr>
-          <a:xfrm>
-            <a:off x="947034" y="2261927"/>
-            <a:ext cx="3280767" cy="3030589"/>
-            <a:chOff x="710275" y="1696445"/>
-            <a:chExt cx="2460575" cy="2272942"/>
-          </a:xfrm>
-        </p:grpSpPr>
-        <p:grpSp>
-          <p:nvGrpSpPr>
-            <p:cNvPr id="284" name="Google Shape;284;p19"/>
-            <p:cNvGrpSpPr/>
-            <p:nvPr/>
-          </p:nvGrpSpPr>
-          <p:grpSpPr>
-            <a:xfrm>
-              <a:off x="2288356" y="1696445"/>
-              <a:ext cx="882450" cy="1136250"/>
-              <a:chOff x="2288356" y="1696445"/>
-              <a:chExt cx="882450" cy="1136250"/>
-            </a:xfrm>
-          </p:grpSpPr>
-          <p:sp>
-            <p:nvSpPr>
-              <p:cNvPr id="285" name="Google Shape;285;p19"/>
-              <p:cNvSpPr/>
-              <p:nvPr/>
-            </p:nvSpPr>
-            <p:spPr>
-              <a:xfrm flipH="1">
-                <a:off x="2288356" y="1696445"/>
-                <a:ext cx="773700" cy="773700"/>
-              </a:xfrm>
-              <a:prstGeom prst="arc">
-                <a:avLst>
-                  <a:gd name="adj1" fmla="val 16200000"/>
-                  <a:gd name="adj2" fmla="val 0"/>
-                </a:avLst>
-              </a:prstGeom>
-              <a:noFill/>
-              <a:ln w="9525" cap="flat" cmpd="sng">
-                <a:solidFill>
-                  <a:srgbClr val="000000"/>
-                </a:solidFill>
-                <a:prstDash val="solid"/>
-                <a:round/>
-                <a:headEnd type="none" w="sm" len="sm"/>
-                <a:tailEnd type="none" w="sm" len="sm"/>
-              </a:ln>
-            </p:spPr>
-            <p:txBody>
-              <a:bodyPr spcFirstLastPara="1" wrap="square" lIns="121900" tIns="121900" rIns="121900" bIns="121900" anchor="ctr" anchorCtr="0">
-                <a:noAutofit/>
-              </a:bodyPr>
-              <a:lstStyle/>
-              <a:p>
-                <a:endParaRPr sz="2400"/>
-              </a:p>
-            </p:txBody>
-          </p:sp>
-          <p:cxnSp>
-            <p:nvCxnSpPr>
-              <p:cNvPr id="286" name="Google Shape;286;p19"/>
-              <p:cNvCxnSpPr>
-                <a:stCxn id="285" idx="0"/>
-              </p:cNvCxnSpPr>
-              <p:nvPr/>
-            </p:nvCxnSpPr>
-            <p:spPr>
-              <a:xfrm>
-                <a:off x="2675206" y="1696445"/>
-                <a:ext cx="495600" cy="0"/>
-              </a:xfrm>
-              <a:prstGeom prst="straightConnector1">
-                <a:avLst/>
-              </a:prstGeom>
-              <a:noFill/>
-              <a:ln w="9525" cap="flat" cmpd="sng">
-                <a:solidFill>
-                  <a:srgbClr val="000000"/>
-                </a:solidFill>
-                <a:prstDash val="solid"/>
-                <a:round/>
-                <a:headEnd type="none" w="med" len="med"/>
-                <a:tailEnd type="oval" w="med" len="med"/>
-              </a:ln>
-            </p:spPr>
-          </p:cxnSp>
-          <p:cxnSp>
-            <p:nvCxnSpPr>
-              <p:cNvPr id="287" name="Google Shape;287;p19"/>
-              <p:cNvCxnSpPr>
-                <a:stCxn id="285" idx="2"/>
-              </p:cNvCxnSpPr>
-              <p:nvPr/>
-            </p:nvCxnSpPr>
-            <p:spPr>
-              <a:xfrm>
-                <a:off x="2288356" y="2083295"/>
-                <a:ext cx="0" cy="749400"/>
-              </a:xfrm>
-              <a:prstGeom prst="straightConnector1">
-                <a:avLst/>
-              </a:prstGeom>
-              <a:noFill/>
-              <a:ln w="9525" cap="flat" cmpd="sng">
-                <a:solidFill>
-                  <a:srgbClr val="000000"/>
-                </a:solidFill>
-                <a:prstDash val="solid"/>
-                <a:round/>
-                <a:headEnd type="none" w="med" len="med"/>
-                <a:tailEnd type="none" w="med" len="med"/>
-              </a:ln>
-            </p:spPr>
-          </p:cxnSp>
-        </p:grpSp>
-        <p:grpSp>
-          <p:nvGrpSpPr>
-            <p:cNvPr id="288" name="Google Shape;288;p19"/>
-            <p:cNvGrpSpPr/>
-            <p:nvPr/>
-          </p:nvGrpSpPr>
-          <p:grpSpPr>
-            <a:xfrm>
-              <a:off x="2288412" y="2832906"/>
-              <a:ext cx="882422" cy="1136481"/>
-              <a:chOff x="7009125" y="3265500"/>
-              <a:chExt cx="565800" cy="728700"/>
-            </a:xfrm>
-          </p:grpSpPr>
-          <p:sp>
-            <p:nvSpPr>
-              <p:cNvPr id="289" name="Google Shape;289;p19"/>
-              <p:cNvSpPr/>
-              <p:nvPr/>
-            </p:nvSpPr>
-            <p:spPr>
-              <a:xfrm rot="10800000">
-                <a:off x="7009125" y="3498000"/>
-                <a:ext cx="496200" cy="496200"/>
-              </a:xfrm>
-              <a:prstGeom prst="arc">
-                <a:avLst>
-                  <a:gd name="adj1" fmla="val 16200000"/>
-                  <a:gd name="adj2" fmla="val 0"/>
-                </a:avLst>
-              </a:prstGeom>
-              <a:noFill/>
-              <a:ln w="9525" cap="flat" cmpd="sng">
-                <a:solidFill>
-                  <a:srgbClr val="000000"/>
-                </a:solidFill>
-                <a:prstDash val="solid"/>
-                <a:round/>
-                <a:headEnd type="none" w="sm" len="sm"/>
-                <a:tailEnd type="none" w="sm" len="sm"/>
-              </a:ln>
-            </p:spPr>
-            <p:txBody>
-              <a:bodyPr spcFirstLastPara="1" wrap="square" lIns="121900" tIns="121900" rIns="121900" bIns="121900" anchor="ctr" anchorCtr="0">
-                <a:noAutofit/>
-              </a:bodyPr>
-              <a:lstStyle/>
-              <a:p>
-                <a:endParaRPr sz="2400"/>
-              </a:p>
-            </p:txBody>
-          </p:sp>
-          <p:cxnSp>
-            <p:nvCxnSpPr>
-              <p:cNvPr id="290" name="Google Shape;290;p19"/>
-              <p:cNvCxnSpPr>
-                <a:stCxn id="289" idx="0"/>
-              </p:cNvCxnSpPr>
-              <p:nvPr/>
-            </p:nvCxnSpPr>
-            <p:spPr>
-              <a:xfrm>
-                <a:off x="7257225" y="3994200"/>
-                <a:ext cx="317700" cy="0"/>
-              </a:xfrm>
-              <a:prstGeom prst="straightConnector1">
-                <a:avLst/>
-              </a:prstGeom>
-              <a:noFill/>
-              <a:ln w="9525" cap="flat" cmpd="sng">
-                <a:solidFill>
-                  <a:srgbClr val="000000"/>
-                </a:solidFill>
-                <a:prstDash val="solid"/>
-                <a:round/>
-                <a:headEnd type="none" w="med" len="med"/>
-                <a:tailEnd type="oval" w="med" len="med"/>
-              </a:ln>
-            </p:spPr>
-          </p:cxnSp>
-          <p:cxnSp>
-            <p:nvCxnSpPr>
-              <p:cNvPr id="291" name="Google Shape;291;p19"/>
-              <p:cNvCxnSpPr>
-                <a:stCxn id="289" idx="2"/>
-              </p:cNvCxnSpPr>
-              <p:nvPr/>
-            </p:nvCxnSpPr>
-            <p:spPr>
-              <a:xfrm rot="10800000">
-                <a:off x="7009125" y="3265500"/>
-                <a:ext cx="0" cy="480600"/>
-              </a:xfrm>
-              <a:prstGeom prst="straightConnector1">
-                <a:avLst/>
-              </a:prstGeom>
-              <a:noFill/>
-              <a:ln w="9525" cap="flat" cmpd="sng">
-                <a:solidFill>
-                  <a:srgbClr val="000000"/>
-                </a:solidFill>
-                <a:prstDash val="solid"/>
-                <a:round/>
-                <a:headEnd type="none" w="med" len="med"/>
-                <a:tailEnd type="none" w="med" len="med"/>
-              </a:ln>
-            </p:spPr>
-          </p:cxnSp>
-        </p:grpSp>
-        <p:cxnSp>
-          <p:nvCxnSpPr>
-            <p:cNvPr id="292" name="Google Shape;292;p19"/>
-            <p:cNvCxnSpPr/>
-            <p:nvPr/>
-          </p:nvCxnSpPr>
-          <p:spPr>
-            <a:xfrm>
-              <a:off x="1602150" y="2832788"/>
-              <a:ext cx="1568700" cy="0"/>
-            </a:xfrm>
-            <a:prstGeom prst="straightConnector1">
-              <a:avLst/>
-            </a:prstGeom>
-            <a:noFill/>
-            <a:ln w="9525" cap="flat" cmpd="sng">
-              <a:solidFill>
-                <a:srgbClr val="000000"/>
-              </a:solidFill>
-              <a:prstDash val="solid"/>
-              <a:round/>
-              <a:headEnd type="none" w="med" len="med"/>
-              <a:tailEnd type="oval" w="med" len="med"/>
-            </a:ln>
-          </p:spPr>
-        </p:cxnSp>
-        <p:sp>
-          <p:nvSpPr>
-            <p:cNvPr id="293" name="Google Shape;293;p19"/>
-            <p:cNvSpPr/>
-            <p:nvPr/>
-          </p:nvSpPr>
-          <p:spPr>
-            <a:xfrm>
-              <a:off x="2215781" y="2760409"/>
-              <a:ext cx="144900" cy="144900"/>
-            </a:xfrm>
-            <a:prstGeom prst="ellipse">
-              <a:avLst/>
-            </a:prstGeom>
-            <a:solidFill>
-              <a:srgbClr val="FFFFFF"/>
-            </a:solidFill>
-            <a:ln w="28575" cap="flat" cmpd="sng">
-              <a:solidFill>
-                <a:schemeClr val="accent6"/>
-              </a:solidFill>
-              <a:prstDash val="solid"/>
-              <a:round/>
-              <a:headEnd type="none" w="sm" len="sm"/>
-              <a:tailEnd type="none" w="sm" len="sm"/>
-            </a:ln>
-          </p:spPr>
-          <p:txBody>
-            <a:bodyPr spcFirstLastPara="1" wrap="square" lIns="121900" tIns="121900" rIns="121900" bIns="121900" anchor="ctr" anchorCtr="0">
-              <a:noAutofit/>
-            </a:bodyPr>
-            <a:lstStyle/>
-            <a:p>
-              <a:endParaRPr sz="2400"/>
-            </a:p>
-          </p:txBody>
-        </p:sp>
-        <p:sp>
-          <p:nvSpPr>
-            <p:cNvPr id="294" name="Google Shape;294;p19"/>
-            <p:cNvSpPr/>
-            <p:nvPr/>
-          </p:nvSpPr>
-          <p:spPr>
-            <a:xfrm>
-              <a:off x="710275" y="2181958"/>
-              <a:ext cx="1301700" cy="1301700"/>
-            </a:xfrm>
-            <a:prstGeom prst="ellipse">
-              <a:avLst/>
-            </a:prstGeom>
-            <a:solidFill>
-              <a:schemeClr val="accent6"/>
-            </a:solidFill>
-            <a:ln>
-              <a:noFill/>
-            </a:ln>
-          </p:spPr>
-          <p:txBody>
-            <a:bodyPr spcFirstLastPara="1" wrap="square" lIns="121900" tIns="121900" rIns="121900" bIns="121900" anchor="ctr" anchorCtr="0">
-              <a:noAutofit/>
-            </a:bodyPr>
-            <a:lstStyle/>
-            <a:p>
-              <a:endParaRPr sz="2400"/>
-            </a:p>
-          </p:txBody>
-        </p:sp>
-        <p:sp>
-          <p:nvSpPr>
-            <p:cNvPr id="295" name="Google Shape;295;p19"/>
-            <p:cNvSpPr/>
-            <p:nvPr/>
-          </p:nvSpPr>
-          <p:spPr>
-            <a:xfrm>
-              <a:off x="779275" y="2250845"/>
-              <a:ext cx="1163700" cy="1163700"/>
-            </a:xfrm>
-            <a:prstGeom prst="ellipse">
-              <a:avLst/>
-            </a:prstGeom>
-            <a:solidFill>
-              <a:srgbClr val="FFFFFF"/>
-            </a:solidFill>
-            <a:ln>
-              <a:noFill/>
-            </a:ln>
-          </p:spPr>
-          <p:txBody>
-            <a:bodyPr spcFirstLastPara="1" wrap="square" lIns="121900" tIns="121900" rIns="121900" bIns="121900" anchor="ctr" anchorCtr="0">
-              <a:noAutofit/>
-            </a:bodyPr>
-            <a:lstStyle/>
-            <a:p>
-              <a:pPr algn="ctr">
-                <a:buClr>
-                  <a:schemeClr val="dk1"/>
-                </a:buClr>
-                <a:buSzPts val="1100"/>
-              </a:pPr>
-              <a:r>
-                <a:rPr lang="en" sz="2267" b="1" dirty="0">
-                  <a:solidFill>
-                    <a:schemeClr val="accent6"/>
-                  </a:solidFill>
-                  <a:latin typeface="Fira Sans Extra Condensed Medium"/>
-                  <a:ea typeface="Fira Sans Extra Condensed Medium"/>
-                  <a:cs typeface="Fira Sans Extra Condensed Medium"/>
-                  <a:sym typeface="Fira Sans Extra Condensed Medium"/>
-                </a:rPr>
-                <a:t>SQLite</a:t>
-              </a:r>
-              <a:endParaRPr sz="2267" b="1" dirty="0">
-                <a:solidFill>
-                  <a:schemeClr val="accent6"/>
-                </a:solidFill>
-                <a:latin typeface="Fira Sans Extra Condensed Medium"/>
-                <a:ea typeface="Fira Sans Extra Condensed Medium"/>
-                <a:cs typeface="Fira Sans Extra Condensed Medium"/>
-                <a:sym typeface="Fira Sans Extra Condensed Medium"/>
-              </a:endParaRPr>
-            </a:p>
-          </p:txBody>
-        </p:sp>
-      </p:grpSp>
-      <p:pic>
-        <p:nvPicPr>
-          <p:cNvPr id="9" name="Picture 8" descr="Shape&#10;&#10;Description automatically generated with low confidence">
-            <a:extLst>
-              <a:ext uri="{FF2B5EF4-FFF2-40B4-BE49-F238E27FC236}">
-                <a16:creationId xmlns:a16="http://schemas.microsoft.com/office/drawing/2014/main" id="{DC7D2A9E-04A3-35F0-A8AB-9841504371C2}"/>
-              </a:ext>
-            </a:extLst>
-          </p:cNvPr>
-          <p:cNvPicPr>
-            <a:picLocks noChangeAspect="1"/>
-          </p:cNvPicPr>
-          <p:nvPr/>
-        </p:nvPicPr>
-        <p:blipFill>
-          <a:blip r:embed="rId3">
-            <a:biLevel thresh="75000"/>
-            <a:extLst>
-              <a:ext uri="{BEBA8EAE-BF5A-486C-A8C5-ECC9F3942E4B}">
-                <a14:imgProps xmlns:a14="http://schemas.microsoft.com/office/drawing/2010/main">
-                  <a14:imgLayer r:embed="rId4">
-                    <a14:imgEffect>
-                      <a14:artisticPhotocopy/>
-                    </a14:imgEffect>
-                  </a14:imgLayer>
-                </a14:imgProps>
-              </a:ext>
-              <a:ext uri="{28A0092B-C50C-407E-A947-70E740481C1C}">
-                <a14:useLocalDpi xmlns:a14="http://schemas.microsoft.com/office/drawing/2010/main" val="0"/>
-              </a:ext>
-            </a:extLst>
-          </a:blip>
-          <a:stretch>
-            <a:fillRect/>
-          </a:stretch>
-        </p:blipFill>
-        <p:spPr>
-          <a:xfrm>
-            <a:off x="4910221" y="5085153"/>
-            <a:ext cx="410400" cy="410400"/>
-          </a:xfrm>
-          <a:prstGeom prst="rect">
-            <a:avLst/>
-          </a:prstGeom>
-        </p:spPr>
-      </p:pic>
-      <p:pic>
-        <p:nvPicPr>
-          <p:cNvPr id="11" name="Picture 10" descr="A picture containing text, clipart&#10;&#10;Description automatically generated">
-            <a:extLst>
-              <a:ext uri="{FF2B5EF4-FFF2-40B4-BE49-F238E27FC236}">
-                <a16:creationId xmlns:a16="http://schemas.microsoft.com/office/drawing/2014/main" id="{B6E72FEF-5570-3AED-D753-82D95C90F163}"/>
-              </a:ext>
-            </a:extLst>
-          </p:cNvPr>
-          <p:cNvPicPr>
-            <a:picLocks noChangeAspect="1"/>
-          </p:cNvPicPr>
-          <p:nvPr/>
-        </p:nvPicPr>
-        <p:blipFill>
-          <a:blip r:embed="rId5">
-            <a:extLst>
-              <a:ext uri="{28A0092B-C50C-407E-A947-70E740481C1C}">
-                <a14:useLocalDpi xmlns:a14="http://schemas.microsoft.com/office/drawing/2010/main" val="0"/>
-              </a:ext>
-            </a:extLst>
-          </a:blip>
-          <a:stretch>
-            <a:fillRect/>
-          </a:stretch>
-        </p:blipFill>
-        <p:spPr>
-          <a:xfrm>
-            <a:off x="4910221" y="2088540"/>
-            <a:ext cx="346774" cy="346774"/>
-          </a:xfrm>
-          <a:prstGeom prst="rect">
-            <a:avLst/>
-          </a:prstGeom>
-        </p:spPr>
-      </p:pic>
-      <p:pic>
-        <p:nvPicPr>
-          <p:cNvPr id="13" name="Picture 12" descr="A picture containing text, clipart&#10;&#10;Description automatically generated">
-            <a:extLst>
-              <a:ext uri="{FF2B5EF4-FFF2-40B4-BE49-F238E27FC236}">
-                <a16:creationId xmlns:a16="http://schemas.microsoft.com/office/drawing/2014/main" id="{D6A24831-F17B-64FE-5EDC-BD077C4AEC2F}"/>
-              </a:ext>
-            </a:extLst>
-          </p:cNvPr>
-          <p:cNvPicPr>
-            <a:picLocks noChangeAspect="1"/>
-          </p:cNvPicPr>
-          <p:nvPr/>
-        </p:nvPicPr>
-        <p:blipFill>
-          <a:blip r:embed="rId6">
-            <a:extLst>
-              <a:ext uri="{28A0092B-C50C-407E-A947-70E740481C1C}">
-                <a14:useLocalDpi xmlns:a14="http://schemas.microsoft.com/office/drawing/2010/main" val="0"/>
-              </a:ext>
-            </a:extLst>
-          </a:blip>
-          <a:stretch>
-            <a:fillRect/>
-          </a:stretch>
-        </p:blipFill>
-        <p:spPr>
-          <a:xfrm>
-            <a:off x="4887979" y="3575279"/>
-            <a:ext cx="403296" cy="403296"/>
-          </a:xfrm>
-          <a:prstGeom prst="rect">
-            <a:avLst/>
-          </a:prstGeom>
-        </p:spPr>
-      </p:pic>
-      <p:sp>
-        <p:nvSpPr>
-          <p:cNvPr id="14" name="TextBox 13">
-            <a:extLst>
-              <a:ext uri="{FF2B5EF4-FFF2-40B4-BE49-F238E27FC236}">
-                <a16:creationId xmlns:a16="http://schemas.microsoft.com/office/drawing/2014/main" id="{C4F5AACD-0FBE-4578-E0C5-297664277814}"/>
-              </a:ext>
-            </a:extLst>
-          </p:cNvPr>
-          <p:cNvSpPr txBox="1"/>
-          <p:nvPr/>
-        </p:nvSpPr>
-        <p:spPr>
-          <a:xfrm>
-            <a:off x="3637573" y="6324349"/>
-            <a:ext cx="4159985" cy="369332"/>
-          </a:xfrm>
-          <a:prstGeom prst="rect">
-            <a:avLst/>
-          </a:prstGeom>
-          <a:noFill/>
-        </p:spPr>
-        <p:txBody>
-          <a:bodyPr wrap="none" rtlCol="0">
-            <a:spAutoFit/>
-          </a:bodyPr>
-          <a:lstStyle/>
-          <a:p>
-            <a:r>
-              <a:rPr lang="en-NL" dirty="0"/>
-              <a:t>And more: Facebook, Mozilla, Php, Python</a:t>
-            </a:r>
-          </a:p>
-        </p:txBody>
-      </p:sp>
-    </p:spTree>
-  </p:cSld>
-  <p:clrMapOvr>
-    <a:masterClrMapping/>
-  </p:clrMapOvr>
-  <p:timing>
-    <p:tnLst>
-      <p:par>
-        <p:cTn id="1" dur="indefinite" restart="never" nodeType="tmRoot">
-          <p:childTnLst>
-            <p:seq concurrent="1" nextAc="seek">
-              <p:cTn id="2" dur="indefinite" nodeType="mainSeq">
-                <p:childTnLst>
-                  <p:par>
-                    <p:cTn id="3" fill="hold">
-                      <p:stCondLst>
-                        <p:cond delay="indefinite"/>
-                        <p:cond evt="onBegin" delay="0">
-                          <p:tn val="2"/>
-                        </p:cond>
-                      </p:stCondLst>
-                      <p:childTnLst>
-                        <p:par>
-                          <p:cTn id="4" fill="hold">
-                            <p:stCondLst>
-                              <p:cond delay="0"/>
-                            </p:stCondLst>
-                            <p:childTnLst>
-                              <p:par>
-                                <p:cTn id="5" presetID="1" presetClass="exit" presetSubtype="0" fill="hold" grpId="1" nodeType="withEffect">
-                                  <p:stCondLst>
-                                    <p:cond delay="0"/>
-                                  </p:stCondLst>
-                                  <p:childTnLst>
-                                    <p:set>
-                                      <p:cBhvr>
-                                        <p:cTn id="6" dur="1" fill="hold">
-                                          <p:stCondLst>
-                                            <p:cond delay="0"/>
-                                          </p:stCondLst>
-                                        </p:cTn>
-                                        <p:tgtEl>
-                                          <p:spTgt spid="14"/>
-                                        </p:tgtEl>
-                                        <p:attrNameLst>
-                                          <p:attrName>style.visibility</p:attrName>
-                                        </p:attrNameLst>
-                                      </p:cBhvr>
-                                      <p:to>
-                                        <p:strVal val="hidden"/>
-                                      </p:to>
-                                    </p:set>
-                                  </p:childTnLst>
-                                </p:cTn>
-                              </p:par>
-                            </p:childTnLst>
-                          </p:cTn>
-                        </p:par>
-                      </p:childTnLst>
-                    </p:cTn>
-                  </p:par>
-                  <p:par>
-                    <p:cTn id="7" fill="hold">
-                      <p:stCondLst>
-                        <p:cond delay="indefinite"/>
-                      </p:stCondLst>
-                      <p:childTnLst>
-                        <p:par>
-                          <p:cTn id="8" fill="hold">
-                            <p:stCondLst>
-                              <p:cond delay="0"/>
-                            </p:stCondLst>
-                            <p:childTnLst>
-                              <p:par>
-                                <p:cTn id="9" presetID="1" presetClass="entr" presetSubtype="0" fill="hold" grpId="0" nodeType="clickEffect">
-                                  <p:stCondLst>
-                                    <p:cond delay="0"/>
-                                  </p:stCondLst>
-                                  <p:childTnLst>
-                                    <p:set>
-                                      <p:cBhvr>
-                                        <p:cTn id="10" dur="1" fill="hold">
-                                          <p:stCondLst>
-                                            <p:cond delay="0"/>
-                                          </p:stCondLst>
-                                        </p:cTn>
-                                        <p:tgtEl>
-                                          <p:spTgt spid="14"/>
-                                        </p:tgtEl>
-                                        <p:attrNameLst>
-                                          <p:attrName>style.visibility</p:attrName>
-                                        </p:attrNameLst>
-                                      </p:cBhvr>
-                                      <p:to>
-                                        <p:strVal val="visible"/>
-                                      </p:to>
-                                    </p:set>
-                                  </p:childTnLst>
-                                </p:cTn>
-                              </p:par>
-                            </p:childTnLst>
-                          </p:cTn>
-                        </p:par>
-                      </p:childTnLst>
-                    </p:cTn>
-                  </p:par>
-                </p:childTnLst>
-              </p:cTn>
-              <p:prevCondLst>
-                <p:cond evt="onPrev" delay="0">
-                  <p:tgtEl>
-                    <p:sldTgt/>
-                  </p:tgtEl>
-                </p:cond>
-              </p:prevCondLst>
-              <p:nextCondLst>
-                <p:cond evt="onNext" delay="0">
-                  <p:tgtEl>
-                    <p:sldTgt/>
-                  </p:tgtEl>
-                </p:cond>
-              </p:nextCondLst>
-            </p:seq>
-          </p:childTnLst>
-        </p:cTn>
-      </p:par>
-    </p:tnLst>
-    <p:bldLst>
-      <p:bldP spid="14" grpId="0"/>
-      <p:bldP spid="14" grpId="1"/>
-    </p:bldLst>
-  </p:timing>
-</p:sld>
-</file>
-
 <file path=ppt/theme/theme1.xml><?xml version="1.0" encoding="utf-8"?>
 <a:theme xmlns:a="http://schemas.openxmlformats.org/drawingml/2006/main" name="Office Theme">
   <a:themeElements>

--- a/Presentation.pptx
+++ b/Presentation.pptx
@@ -10,12 +10,12 @@
   <p:sldIdLst>
     <p:sldId id="256" r:id="rId2"/>
     <p:sldId id="271" r:id="rId3"/>
-    <p:sldId id="258" r:id="rId4"/>
-    <p:sldId id="261" r:id="rId5"/>
-    <p:sldId id="272" r:id="rId6"/>
-    <p:sldId id="264" r:id="rId7"/>
-    <p:sldId id="262" r:id="rId8"/>
-    <p:sldId id="265" r:id="rId9"/>
+    <p:sldId id="273" r:id="rId4"/>
+    <p:sldId id="258" r:id="rId5"/>
+    <p:sldId id="261" r:id="rId6"/>
+    <p:sldId id="272" r:id="rId7"/>
+    <p:sldId id="264" r:id="rId8"/>
+    <p:sldId id="262" r:id="rId9"/>
     <p:sldId id="269" r:id="rId10"/>
     <p:sldId id="260" r:id="rId11"/>
     <p:sldId id="266" r:id="rId12"/>
@@ -124,12 +124,12 @@
           <p14:sldIdLst>
             <p14:sldId id="256"/>
             <p14:sldId id="271"/>
+            <p14:sldId id="273"/>
             <p14:sldId id="258"/>
             <p14:sldId id="261"/>
             <p14:sldId id="272"/>
             <p14:sldId id="264"/>
             <p14:sldId id="262"/>
-            <p14:sldId id="265"/>
             <p14:sldId id="269"/>
             <p14:sldId id="260"/>
             <p14:sldId id="266"/>
@@ -147,7 +147,7 @@
 <file path=ppt/revisionInfo.xml><?xml version="1.0" encoding="utf-8"?>
 <p1510:revInfo xmlns:a="http://schemas.openxmlformats.org/drawingml/2006/main" xmlns:r="http://schemas.openxmlformats.org/officeDocument/2006/relationships" xmlns:p1510="http://schemas.microsoft.com/office/powerpoint/2015/10/main">
   <p1510:revLst>
-    <p1510:client id="{4DCE87A6-5692-DD46-89CD-9FD091247F19}" v="182" dt="2023-03-10T19:00:07.621"/>
+    <p1510:client id="{D07AFF2F-A0AF-1541-9E92-48C0E89E80AE}" v="7" dt="2023-03-17T22:31:58.106"/>
   </p1510:revLst>
 </p1510:revInfo>
 </file>
@@ -155,703 +155,20 @@
 <file path=ppt/changesInfos/changesInfo1.xml><?xml version="1.0" encoding="utf-8"?>
 <pc:chgInfo xmlns:a="http://schemas.openxmlformats.org/drawingml/2006/main" xmlns:r="http://schemas.openxmlformats.org/officeDocument/2006/relationships" xmlns:ac="http://schemas.microsoft.com/office/drawing/2013/main/command" xmlns:pc="http://schemas.microsoft.com/office/powerpoint/2013/main/command">
   <pc:docChgLst>
-    <pc:chgData name="Pirani,Antonio A." userId="S::523008@student.fontys.nl::b27b35d6-1459-4bed-af76-eef7aff762d7" providerId="AD" clId="Web-{20C2B948-EF28-CFE4-9F8D-3160B5CD79A2}"/>
-    <pc:docChg chg="modSld addMainMaster delMainMaster">
-      <pc:chgData name="Pirani,Antonio A." userId="S::523008@student.fontys.nl::b27b35d6-1459-4bed-af76-eef7aff762d7" providerId="AD" clId="Web-{20C2B948-EF28-CFE4-9F8D-3160B5CD79A2}" dt="2023-03-08T16:52:12.591" v="155"/>
+    <pc:chgData name="Pirani,Antonio A." userId="b27b35d6-1459-4bed-af76-eef7aff762d7" providerId="ADAL" clId="{D07AFF2F-A0AF-1541-9E92-48C0E89E80AE}"/>
+    <pc:docChg chg="undo custSel modSld sldOrd">
+      <pc:chgData name="Pirani,Antonio A." userId="b27b35d6-1459-4bed-af76-eef7aff762d7" providerId="ADAL" clId="{D07AFF2F-A0AF-1541-9E92-48C0E89E80AE}" dt="2023-03-17T22:32:54.339" v="58" actId="20577"/>
       <pc:docMkLst>
         <pc:docMk/>
       </pc:docMkLst>
-      <pc:sldChg chg="addSp delSp modSp mod setBg modClrScheme setClrOvrMap delDesignElem chgLayout">
-        <pc:chgData name="Pirani,Antonio A." userId="S::523008@student.fontys.nl::b27b35d6-1459-4bed-af76-eef7aff762d7" providerId="AD" clId="Web-{20C2B948-EF28-CFE4-9F8D-3160B5CD79A2}" dt="2023-03-08T16:43:56.933" v="67"/>
-        <pc:sldMkLst>
-          <pc:docMk/>
-          <pc:sldMk cId="109857222" sldId="256"/>
-        </pc:sldMkLst>
-        <pc:spChg chg="mod ord">
-          <ac:chgData name="Pirani,Antonio A." userId="S::523008@student.fontys.nl::b27b35d6-1459-4bed-af76-eef7aff762d7" providerId="AD" clId="Web-{20C2B948-EF28-CFE4-9F8D-3160B5CD79A2}" dt="2023-03-08T16:43:56.933" v="67"/>
-          <ac:spMkLst>
-            <pc:docMk/>
-            <pc:sldMk cId="109857222" sldId="256"/>
-            <ac:spMk id="2" creationId="{00000000-0000-0000-0000-000000000000}"/>
-          </ac:spMkLst>
-        </pc:spChg>
-        <pc:spChg chg="mod ord">
-          <ac:chgData name="Pirani,Antonio A." userId="S::523008@student.fontys.nl::b27b35d6-1459-4bed-af76-eef7aff762d7" providerId="AD" clId="Web-{20C2B948-EF28-CFE4-9F8D-3160B5CD79A2}" dt="2023-03-08T16:43:56.933" v="67"/>
-          <ac:spMkLst>
-            <pc:docMk/>
-            <pc:sldMk cId="109857222" sldId="256"/>
-            <ac:spMk id="3" creationId="{00000000-0000-0000-0000-000000000000}"/>
-          </ac:spMkLst>
-        </pc:spChg>
-        <pc:spChg chg="add del">
-          <ac:chgData name="Pirani,Antonio A." userId="S::523008@student.fontys.nl::b27b35d6-1459-4bed-af76-eef7aff762d7" providerId="AD" clId="Web-{20C2B948-EF28-CFE4-9F8D-3160B5CD79A2}" dt="2023-03-08T16:35:13.523" v="2"/>
-          <ac:spMkLst>
-            <pc:docMk/>
-            <pc:sldMk cId="109857222" sldId="256"/>
-            <ac:spMk id="6" creationId="{9B7AD9F6-8CE7-4299-8FC6-328F4DCD3FF9}"/>
-          </ac:spMkLst>
-        </pc:spChg>
-        <pc:spChg chg="add del">
-          <ac:chgData name="Pirani,Antonio A." userId="S::523008@student.fontys.nl::b27b35d6-1459-4bed-af76-eef7aff762d7" providerId="AD" clId="Web-{20C2B948-EF28-CFE4-9F8D-3160B5CD79A2}" dt="2023-03-08T16:35:13.523" v="2"/>
-          <ac:spMkLst>
-            <pc:docMk/>
-            <pc:sldMk cId="109857222" sldId="256"/>
-            <ac:spMk id="7" creationId="{F49775AF-8896-43EE-92C6-83497D6DC56F}"/>
-          </ac:spMkLst>
-        </pc:spChg>
-        <pc:spChg chg="add del">
-          <ac:chgData name="Pirani,Antonio A." userId="S::523008@student.fontys.nl::b27b35d6-1459-4bed-af76-eef7aff762d7" providerId="AD" clId="Web-{20C2B948-EF28-CFE4-9F8D-3160B5CD79A2}" dt="2023-03-08T16:38:20.467" v="26"/>
-          <ac:spMkLst>
-            <pc:docMk/>
-            <pc:sldMk cId="109857222" sldId="256"/>
-            <ac:spMk id="8" creationId="{C00D9662-5CF3-4BF8-85EE-E1503E35D04B}"/>
-          </ac:spMkLst>
-        </pc:spChg>
-        <pc:spChg chg="add del">
-          <ac:chgData name="Pirani,Antonio A." userId="S::523008@student.fontys.nl::b27b35d6-1459-4bed-af76-eef7aff762d7" providerId="AD" clId="Web-{20C2B948-EF28-CFE4-9F8D-3160B5CD79A2}" dt="2023-03-08T16:35:16.445" v="4"/>
-          <ac:spMkLst>
-            <pc:docMk/>
-            <pc:sldMk cId="109857222" sldId="256"/>
-            <ac:spMk id="10" creationId="{71B2258F-86CA-4D4D-8270-BC05FCDEBFB3}"/>
-          </ac:spMkLst>
-        </pc:spChg>
-        <pc:spChg chg="add del">
-          <ac:chgData name="Pirani,Antonio A." userId="S::523008@student.fontys.nl::b27b35d6-1459-4bed-af76-eef7aff762d7" providerId="AD" clId="Web-{20C2B948-EF28-CFE4-9F8D-3160B5CD79A2}" dt="2023-03-08T16:35:37.524" v="8"/>
-          <ac:spMkLst>
-            <pc:docMk/>
-            <pc:sldMk cId="109857222" sldId="256"/>
-            <ac:spMk id="12" creationId="{E91DC736-0EF8-4F87-9146-EBF1D2EE4D3D}"/>
-          </ac:spMkLst>
-        </pc:spChg>
-        <pc:spChg chg="add del">
-          <ac:chgData name="Pirani,Antonio A." userId="S::523008@student.fontys.nl::b27b35d6-1459-4bed-af76-eef7aff762d7" providerId="AD" clId="Web-{20C2B948-EF28-CFE4-9F8D-3160B5CD79A2}" dt="2023-03-08T16:35:37.524" v="8"/>
-          <ac:spMkLst>
-            <pc:docMk/>
-            <pc:sldMk cId="109857222" sldId="256"/>
-            <ac:spMk id="13" creationId="{AF2F604E-43BE-4DC3-B983-E071523364F8}"/>
-          </ac:spMkLst>
-        </pc:spChg>
-        <pc:spChg chg="add del">
-          <ac:chgData name="Pirani,Antonio A." userId="S::523008@student.fontys.nl::b27b35d6-1459-4bed-af76-eef7aff762d7" providerId="AD" clId="Web-{20C2B948-EF28-CFE4-9F8D-3160B5CD79A2}" dt="2023-03-08T16:35:37.524" v="8"/>
-          <ac:spMkLst>
-            <pc:docMk/>
-            <pc:sldMk cId="109857222" sldId="256"/>
-            <ac:spMk id="14" creationId="{097CD68E-23E3-4007-8847-CD0944C4F7BE}"/>
-          </ac:spMkLst>
-        </pc:spChg>
-        <pc:spChg chg="add del">
-          <ac:chgData name="Pirani,Antonio A." userId="S::523008@student.fontys.nl::b27b35d6-1459-4bed-af76-eef7aff762d7" providerId="AD" clId="Web-{20C2B948-EF28-CFE4-9F8D-3160B5CD79A2}" dt="2023-03-08T16:35:37.524" v="8"/>
-          <ac:spMkLst>
-            <pc:docMk/>
-            <pc:sldMk cId="109857222" sldId="256"/>
-            <ac:spMk id="15" creationId="{08C9B587-E65E-4B52-B37C-ABEBB6E87928}"/>
-          </ac:spMkLst>
-        </pc:spChg>
-        <pc:spChg chg="add del">
-          <ac:chgData name="Pirani,Antonio A." userId="S::523008@student.fontys.nl::b27b35d6-1459-4bed-af76-eef7aff762d7" providerId="AD" clId="Web-{20C2B948-EF28-CFE4-9F8D-3160B5CD79A2}" dt="2023-03-08T16:35:37.509" v="7"/>
-          <ac:spMkLst>
-            <pc:docMk/>
-            <pc:sldMk cId="109857222" sldId="256"/>
-            <ac:spMk id="17" creationId="{06DA9DF9-31F7-4056-B42E-878CC92417B8}"/>
-          </ac:spMkLst>
-        </pc:spChg>
-        <pc:spChg chg="add del">
-          <ac:chgData name="Pirani,Antonio A." userId="S::523008@student.fontys.nl::b27b35d6-1459-4bed-af76-eef7aff762d7" providerId="AD" clId="Web-{20C2B948-EF28-CFE4-9F8D-3160B5CD79A2}" dt="2023-03-08T16:36:07.822" v="22"/>
-          <ac:spMkLst>
-            <pc:docMk/>
-            <pc:sldMk cId="109857222" sldId="256"/>
-            <ac:spMk id="19" creationId="{031EA4A4-5D79-4817-B146-24029A2F3CC7}"/>
-          </ac:spMkLst>
-        </pc:spChg>
-        <pc:spChg chg="add del">
-          <ac:chgData name="Pirani,Antonio A." userId="S::523008@student.fontys.nl::b27b35d6-1459-4bed-af76-eef7aff762d7" providerId="AD" clId="Web-{20C2B948-EF28-CFE4-9F8D-3160B5CD79A2}" dt="2023-03-08T16:36:07.822" v="22"/>
-          <ac:spMkLst>
-            <pc:docMk/>
-            <pc:sldMk cId="109857222" sldId="256"/>
-            <ac:spMk id="21" creationId="{AF2F604E-43BE-4DC3-B983-E071523364F8}"/>
-          </ac:spMkLst>
-        </pc:spChg>
-        <pc:spChg chg="add del">
-          <ac:chgData name="Pirani,Antonio A." userId="S::523008@student.fontys.nl::b27b35d6-1459-4bed-af76-eef7aff762d7" providerId="AD" clId="Web-{20C2B948-EF28-CFE4-9F8D-3160B5CD79A2}" dt="2023-03-08T16:36:07.822" v="22"/>
-          <ac:spMkLst>
-            <pc:docMk/>
-            <pc:sldMk cId="109857222" sldId="256"/>
-            <ac:spMk id="23" creationId="{08C9B587-E65E-4B52-B37C-ABEBB6E87928}"/>
-          </ac:spMkLst>
-        </pc:spChg>
-        <pc:spChg chg="add del">
-          <ac:chgData name="Pirani,Antonio A." userId="S::523008@student.fontys.nl::b27b35d6-1459-4bed-af76-eef7aff762d7" providerId="AD" clId="Web-{20C2B948-EF28-CFE4-9F8D-3160B5CD79A2}" dt="2023-03-08T16:38:20.467" v="26"/>
-          <ac:spMkLst>
-            <pc:docMk/>
-            <pc:sldMk cId="109857222" sldId="256"/>
-            <ac:spMk id="28" creationId="{5BF951FB-3496-4321-9E03-62C6C49A2952}"/>
-          </ac:spMkLst>
-        </pc:spChg>
-        <pc:spChg chg="del">
-          <ac:chgData name="Pirani,Antonio A." userId="S::523008@student.fontys.nl::b27b35d6-1459-4bed-af76-eef7aff762d7" providerId="AD" clId="Web-{20C2B948-EF28-CFE4-9F8D-3160B5CD79A2}" dt="2023-03-08T16:34:48.866" v="0"/>
-          <ac:spMkLst>
-            <pc:docMk/>
-            <pc:sldMk cId="109857222" sldId="256"/>
-            <ac:spMk id="29" creationId="{0149A9F6-B857-488C-AC3A-007B78165715}"/>
-          </ac:spMkLst>
-        </pc:spChg>
-        <pc:spChg chg="del">
-          <ac:chgData name="Pirani,Antonio A." userId="S::523008@student.fontys.nl::b27b35d6-1459-4bed-af76-eef7aff762d7" providerId="AD" clId="Web-{20C2B948-EF28-CFE4-9F8D-3160B5CD79A2}" dt="2023-03-08T16:34:48.866" v="0"/>
-          <ac:spMkLst>
-            <pc:docMk/>
-            <pc:sldMk cId="109857222" sldId="256"/>
-            <ac:spMk id="30" creationId="{249EFD05-C377-44BE-91F0-1D17C1D9BF60}"/>
-          </ac:spMkLst>
-        </pc:spChg>
-        <pc:spChg chg="add del">
-          <ac:chgData name="Pirani,Antonio A." userId="S::523008@student.fontys.nl::b27b35d6-1459-4bed-af76-eef7aff762d7" providerId="AD" clId="Web-{20C2B948-EF28-CFE4-9F8D-3160B5CD79A2}" dt="2023-03-08T16:38:20.467" v="26"/>
-          <ac:spMkLst>
-            <pc:docMk/>
-            <pc:sldMk cId="109857222" sldId="256"/>
-            <ac:spMk id="32" creationId="{612CC157-1C7E-4345-89D3-52E61E0A142B}"/>
-          </ac:spMkLst>
-        </pc:spChg>
-        <pc:spChg chg="add del">
-          <ac:chgData name="Pirani,Antonio A." userId="S::523008@student.fontys.nl::b27b35d6-1459-4bed-af76-eef7aff762d7" providerId="AD" clId="Web-{20C2B948-EF28-CFE4-9F8D-3160B5CD79A2}" dt="2023-03-08T16:38:20.467" v="26"/>
-          <ac:spMkLst>
-            <pc:docMk/>
-            <pc:sldMk cId="109857222" sldId="256"/>
-            <ac:spMk id="33" creationId="{B3554ECE-6F4C-4F12-B9C2-1A8072672313}"/>
-          </ac:spMkLst>
-        </pc:spChg>
-        <pc:spChg chg="add del">
-          <ac:chgData name="Pirani,Antonio A." userId="S::523008@student.fontys.nl::b27b35d6-1459-4bed-af76-eef7aff762d7" providerId="AD" clId="Web-{20C2B948-EF28-CFE4-9F8D-3160B5CD79A2}" dt="2023-03-08T16:38:20.467" v="26"/>
-          <ac:spMkLst>
-            <pc:docMk/>
-            <pc:sldMk cId="109857222" sldId="256"/>
-            <ac:spMk id="34" creationId="{1D35B0FD-0F2F-4198-91DA-900B7FB3F9C6}"/>
-          </ac:spMkLst>
-        </pc:spChg>
-        <pc:spChg chg="add del">
-          <ac:chgData name="Pirani,Antonio A." userId="S::523008@student.fontys.nl::b27b35d6-1459-4bed-af76-eef7aff762d7" providerId="AD" clId="Web-{20C2B948-EF28-CFE4-9F8D-3160B5CD79A2}" dt="2023-03-08T16:39:01.688" v="29"/>
-          <ac:spMkLst>
-            <pc:docMk/>
-            <pc:sldMk cId="109857222" sldId="256"/>
-            <ac:spMk id="35" creationId="{25D5C296-F4B1-4AE5-8EEB-9FEB7ED17780}"/>
-          </ac:spMkLst>
-        </pc:spChg>
-        <pc:spChg chg="add del">
-          <ac:chgData name="Pirani,Antonio A." userId="S::523008@student.fontys.nl::b27b35d6-1459-4bed-af76-eef7aff762d7" providerId="AD" clId="Web-{20C2B948-EF28-CFE4-9F8D-3160B5CD79A2}" dt="2023-03-08T16:39:01.688" v="29"/>
-          <ac:spMkLst>
-            <pc:docMk/>
-            <pc:sldMk cId="109857222" sldId="256"/>
-            <ac:spMk id="36" creationId="{9C1ACE66-194D-48C4-A14A-6933B35283F6}"/>
-          </ac:spMkLst>
-        </pc:spChg>
-        <pc:spChg chg="add del">
-          <ac:chgData name="Pirani,Antonio A." userId="S::523008@student.fontys.nl::b27b35d6-1459-4bed-af76-eef7aff762d7" providerId="AD" clId="Web-{20C2B948-EF28-CFE4-9F8D-3160B5CD79A2}" dt="2023-03-08T16:39:01.688" v="29"/>
-          <ac:spMkLst>
-            <pc:docMk/>
-            <pc:sldMk cId="109857222" sldId="256"/>
-            <ac:spMk id="37" creationId="{025B886A-7ED1-4B77-819B-76ACBEFB07D0}"/>
-          </ac:spMkLst>
-        </pc:spChg>
-        <pc:spChg chg="add del">
-          <ac:chgData name="Pirani,Antonio A." userId="S::523008@student.fontys.nl::b27b35d6-1459-4bed-af76-eef7aff762d7" providerId="AD" clId="Web-{20C2B948-EF28-CFE4-9F8D-3160B5CD79A2}" dt="2023-03-08T16:39:42.189" v="32"/>
-          <ac:spMkLst>
-            <pc:docMk/>
-            <pc:sldMk cId="109857222" sldId="256"/>
-            <ac:spMk id="38" creationId="{E7F94237-0536-4DB1-8C95-39E355CED94B}"/>
-          </ac:spMkLst>
-        </pc:spChg>
-        <pc:spChg chg="add del">
-          <ac:chgData name="Pirani,Antonio A." userId="S::523008@student.fontys.nl::b27b35d6-1459-4bed-af76-eef7aff762d7" providerId="AD" clId="Web-{20C2B948-EF28-CFE4-9F8D-3160B5CD79A2}" dt="2023-03-08T16:39:42.189" v="32"/>
-          <ac:spMkLst>
-            <pc:docMk/>
-            <pc:sldMk cId="109857222" sldId="256"/>
-            <ac:spMk id="39" creationId="{1A3C89F8-0D2F-47FF-B903-151248265F47}"/>
-          </ac:spMkLst>
-        </pc:spChg>
-        <pc:spChg chg="add del">
-          <ac:chgData name="Pirani,Antonio A." userId="S::523008@student.fontys.nl::b27b35d6-1459-4bed-af76-eef7aff762d7" providerId="AD" clId="Web-{20C2B948-EF28-CFE4-9F8D-3160B5CD79A2}" dt="2023-03-08T16:39:42.189" v="32"/>
-          <ac:spMkLst>
-            <pc:docMk/>
-            <pc:sldMk cId="109857222" sldId="256"/>
-            <ac:spMk id="40" creationId="{C5CB530E-515E-412C-9DF1-5F8FFBD6F383}"/>
-          </ac:spMkLst>
-        </pc:spChg>
-        <pc:spChg chg="add del">
-          <ac:chgData name="Pirani,Antonio A." userId="S::523008@student.fontys.nl::b27b35d6-1459-4bed-af76-eef7aff762d7" providerId="AD" clId="Web-{20C2B948-EF28-CFE4-9F8D-3160B5CD79A2}" dt="2023-03-08T16:39:42.189" v="32"/>
-          <ac:spMkLst>
-            <pc:docMk/>
-            <pc:sldMk cId="109857222" sldId="256"/>
-            <ac:spMk id="41" creationId="{712D4376-A578-4FF1-94FC-245E7A6A489F}"/>
-          </ac:spMkLst>
-        </pc:spChg>
-        <pc:spChg chg="add del">
-          <ac:chgData name="Pirani,Antonio A." userId="S::523008@student.fontys.nl::b27b35d6-1459-4bed-af76-eef7aff762d7" providerId="AD" clId="Web-{20C2B948-EF28-CFE4-9F8D-3160B5CD79A2}" dt="2023-03-08T16:39:42.189" v="32"/>
-          <ac:spMkLst>
-            <pc:docMk/>
-            <pc:sldMk cId="109857222" sldId="256"/>
-            <ac:spMk id="42" creationId="{AEA7509D-F04F-40CB-A0B3-EEF16499CC9F}"/>
-          </ac:spMkLst>
-        </pc:spChg>
-        <pc:spChg chg="add del">
-          <ac:chgData name="Pirani,Antonio A." userId="S::523008@student.fontys.nl::b27b35d6-1459-4bed-af76-eef7aff762d7" providerId="AD" clId="Web-{20C2B948-EF28-CFE4-9F8D-3160B5CD79A2}" dt="2023-03-08T16:39:42.189" v="32"/>
-          <ac:spMkLst>
-            <pc:docMk/>
-            <pc:sldMk cId="109857222" sldId="256"/>
-            <ac:spMk id="44" creationId="{508BEF50-7B1E-49A4-BC19-5F4F1D755E64}"/>
-          </ac:spMkLst>
-        </pc:spChg>
-        <pc:spChg chg="add del">
-          <ac:chgData name="Pirani,Antonio A." userId="S::523008@student.fontys.nl::b27b35d6-1459-4bed-af76-eef7aff762d7" providerId="AD" clId="Web-{20C2B948-EF28-CFE4-9F8D-3160B5CD79A2}" dt="2023-03-08T16:39:42.189" v="32"/>
-          <ac:spMkLst>
-            <pc:docMk/>
-            <pc:sldMk cId="109857222" sldId="256"/>
-            <ac:spMk id="45" creationId="{3FBAD350-5664-4811-A208-657FB882D350}"/>
-          </ac:spMkLst>
-        </pc:spChg>
-        <pc:spChg chg="add del">
-          <ac:chgData name="Pirani,Antonio A." userId="S::523008@student.fontys.nl::b27b35d6-1459-4bed-af76-eef7aff762d7" providerId="AD" clId="Web-{20C2B948-EF28-CFE4-9F8D-3160B5CD79A2}" dt="2023-03-08T16:39:42.189" v="32"/>
-          <ac:spMkLst>
-            <pc:docMk/>
-            <pc:sldMk cId="109857222" sldId="256"/>
-            <ac:spMk id="46" creationId="{C39ADB8F-D187-49D7-BDCF-C1B6DC727068}"/>
-          </ac:spMkLst>
-        </pc:spChg>
-        <pc:spChg chg="add del">
-          <ac:chgData name="Pirani,Antonio A." userId="S::523008@student.fontys.nl::b27b35d6-1459-4bed-af76-eef7aff762d7" providerId="AD" clId="Web-{20C2B948-EF28-CFE4-9F8D-3160B5CD79A2}" dt="2023-03-08T16:39:44.799" v="34"/>
-          <ac:spMkLst>
-            <pc:docMk/>
-            <pc:sldMk cId="109857222" sldId="256"/>
-            <ac:spMk id="48" creationId="{464EC53C-35C4-4E84-AFE2-A7D081852617}"/>
-          </ac:spMkLst>
-        </pc:spChg>
-        <pc:spChg chg="add del">
-          <ac:chgData name="Pirani,Antonio A." userId="S::523008@student.fontys.nl::b27b35d6-1459-4bed-af76-eef7aff762d7" providerId="AD" clId="Web-{20C2B948-EF28-CFE4-9F8D-3160B5CD79A2}" dt="2023-03-08T16:39:44.799" v="34"/>
-          <ac:spMkLst>
-            <pc:docMk/>
-            <pc:sldMk cId="109857222" sldId="256"/>
-            <ac:spMk id="49" creationId="{9A3F5928-D955-456A-97B5-AA390B8CE9D5}"/>
-          </ac:spMkLst>
-        </pc:spChg>
-        <pc:spChg chg="add del">
-          <ac:chgData name="Pirani,Antonio A." userId="S::523008@student.fontys.nl::b27b35d6-1459-4bed-af76-eef7aff762d7" providerId="AD" clId="Web-{20C2B948-EF28-CFE4-9F8D-3160B5CD79A2}" dt="2023-03-08T16:39:44.799" v="34"/>
-          <ac:spMkLst>
-            <pc:docMk/>
-            <pc:sldMk cId="109857222" sldId="256"/>
-            <ac:spMk id="51" creationId="{C5CB530E-515E-412C-9DF1-5F8FFBD6F383}"/>
-          </ac:spMkLst>
-        </pc:spChg>
-        <pc:spChg chg="add del">
-          <ac:chgData name="Pirani,Antonio A." userId="S::523008@student.fontys.nl::b27b35d6-1459-4bed-af76-eef7aff762d7" providerId="AD" clId="Web-{20C2B948-EF28-CFE4-9F8D-3160B5CD79A2}" dt="2023-03-08T16:39:44.799" v="34"/>
-          <ac:spMkLst>
-            <pc:docMk/>
-            <pc:sldMk cId="109857222" sldId="256"/>
-            <ac:spMk id="52" creationId="{712D4376-A578-4FF1-94FC-245E7A6A489F}"/>
-          </ac:spMkLst>
-        </pc:spChg>
-        <pc:spChg chg="add del">
-          <ac:chgData name="Pirani,Antonio A." userId="S::523008@student.fontys.nl::b27b35d6-1459-4bed-af76-eef7aff762d7" providerId="AD" clId="Web-{20C2B948-EF28-CFE4-9F8D-3160B5CD79A2}" dt="2023-03-08T16:39:44.799" v="34"/>
-          <ac:spMkLst>
-            <pc:docMk/>
-            <pc:sldMk cId="109857222" sldId="256"/>
-            <ac:spMk id="53" creationId="{AEA7509D-F04F-40CB-A0B3-EEF16499CC9F}"/>
-          </ac:spMkLst>
-        </pc:spChg>
-        <pc:spChg chg="add del">
-          <ac:chgData name="Pirani,Antonio A." userId="S::523008@student.fontys.nl::b27b35d6-1459-4bed-af76-eef7aff762d7" providerId="AD" clId="Web-{20C2B948-EF28-CFE4-9F8D-3160B5CD79A2}" dt="2023-03-08T16:39:53.408" v="36"/>
-          <ac:spMkLst>
-            <pc:docMk/>
-            <pc:sldMk cId="109857222" sldId="256"/>
-            <ac:spMk id="55" creationId="{6CCA5F87-1D1E-45CB-8D83-FC7EEFAD9935}"/>
-          </ac:spMkLst>
-        </pc:spChg>
-        <pc:spChg chg="add del">
-          <ac:chgData name="Pirani,Antonio A." userId="S::523008@student.fontys.nl::b27b35d6-1459-4bed-af76-eef7aff762d7" providerId="AD" clId="Web-{20C2B948-EF28-CFE4-9F8D-3160B5CD79A2}" dt="2023-03-08T16:39:53.408" v="36"/>
-          <ac:spMkLst>
-            <pc:docMk/>
-            <pc:sldMk cId="109857222" sldId="256"/>
-            <ac:spMk id="56" creationId="{7CCFC2C6-6238-4A2F-93DE-2ADF74AF635E}"/>
-          </ac:spMkLst>
-        </pc:spChg>
-        <pc:spChg chg="add del">
-          <ac:chgData name="Pirani,Antonio A." userId="S::523008@student.fontys.nl::b27b35d6-1459-4bed-af76-eef7aff762d7" providerId="AD" clId="Web-{20C2B948-EF28-CFE4-9F8D-3160B5CD79A2}" dt="2023-03-08T16:39:53.408" v="36"/>
-          <ac:spMkLst>
-            <pc:docMk/>
-            <pc:sldMk cId="109857222" sldId="256"/>
-            <ac:spMk id="57" creationId="{AF2F604E-43BE-4DC3-B983-E071523364F8}"/>
-          </ac:spMkLst>
-        </pc:spChg>
-        <pc:spChg chg="add del">
-          <ac:chgData name="Pirani,Antonio A." userId="S::523008@student.fontys.nl::b27b35d6-1459-4bed-af76-eef7aff762d7" providerId="AD" clId="Web-{20C2B948-EF28-CFE4-9F8D-3160B5CD79A2}" dt="2023-03-08T16:39:53.408" v="36"/>
-          <ac:spMkLst>
-            <pc:docMk/>
-            <pc:sldMk cId="109857222" sldId="256"/>
-            <ac:spMk id="58" creationId="{08C9B587-E65E-4B52-B37C-ABEBB6E87928}"/>
-          </ac:spMkLst>
-        </pc:spChg>
-        <pc:spChg chg="add del">
-          <ac:chgData name="Pirani,Antonio A." userId="S::523008@student.fontys.nl::b27b35d6-1459-4bed-af76-eef7aff762d7" providerId="AD" clId="Web-{20C2B948-EF28-CFE4-9F8D-3160B5CD79A2}" dt="2023-03-08T16:41:01.145" v="46"/>
-          <ac:spMkLst>
-            <pc:docMk/>
-            <pc:sldMk cId="109857222" sldId="256"/>
-            <ac:spMk id="60" creationId="{ECC07320-C2CA-4E29-8481-9D9E143C7788}"/>
-          </ac:spMkLst>
-        </pc:spChg>
-        <pc:spChg chg="add del">
-          <ac:chgData name="Pirani,Antonio A." userId="S::523008@student.fontys.nl::b27b35d6-1459-4bed-af76-eef7aff762d7" providerId="AD" clId="Web-{20C2B948-EF28-CFE4-9F8D-3160B5CD79A2}" dt="2023-03-08T16:41:01.145" v="46"/>
-          <ac:spMkLst>
-            <pc:docMk/>
-            <pc:sldMk cId="109857222" sldId="256"/>
-            <ac:spMk id="61" creationId="{178FB36B-5BFE-42CA-BC60-1115E0D95EEC}"/>
-          </ac:spMkLst>
-        </pc:spChg>
-        <pc:spChg chg="add del">
-          <ac:chgData name="Pirani,Antonio A." userId="S::523008@student.fontys.nl::b27b35d6-1459-4bed-af76-eef7aff762d7" providerId="AD" clId="Web-{20C2B948-EF28-CFE4-9F8D-3160B5CD79A2}" dt="2023-03-08T16:40:47.285" v="41"/>
-          <ac:spMkLst>
-            <pc:docMk/>
-            <pc:sldMk cId="109857222" sldId="256"/>
-            <ac:spMk id="66" creationId="{ECC07320-C2CA-4E29-8481-9D9E143C7788}"/>
-          </ac:spMkLst>
-        </pc:spChg>
-        <pc:spChg chg="add del">
-          <ac:chgData name="Pirani,Antonio A." userId="S::523008@student.fontys.nl::b27b35d6-1459-4bed-af76-eef7aff762d7" providerId="AD" clId="Web-{20C2B948-EF28-CFE4-9F8D-3160B5CD79A2}" dt="2023-03-08T16:40:47.285" v="41"/>
-          <ac:spMkLst>
-            <pc:docMk/>
-            <pc:sldMk cId="109857222" sldId="256"/>
-            <ac:spMk id="68" creationId="{178FB36B-5BFE-42CA-BC60-1115E0D95EEC}"/>
-          </ac:spMkLst>
-        </pc:spChg>
-        <pc:spChg chg="add del">
-          <ac:chgData name="Pirani,Antonio A." userId="S::523008@student.fontys.nl::b27b35d6-1459-4bed-af76-eef7aff762d7" providerId="AD" clId="Web-{20C2B948-EF28-CFE4-9F8D-3160B5CD79A2}" dt="2023-03-08T16:40:56.629" v="43"/>
-          <ac:spMkLst>
-            <pc:docMk/>
-            <pc:sldMk cId="109857222" sldId="256"/>
-            <ac:spMk id="70" creationId="{107AFD8F-B650-4F99-851E-75E6F2A83BD2}"/>
-          </ac:spMkLst>
-        </pc:spChg>
-        <pc:spChg chg="add del">
-          <ac:chgData name="Pirani,Antonio A." userId="S::523008@student.fontys.nl::b27b35d6-1459-4bed-af76-eef7aff762d7" providerId="AD" clId="Web-{20C2B948-EF28-CFE4-9F8D-3160B5CD79A2}" dt="2023-03-08T16:40:56.629" v="43"/>
-          <ac:spMkLst>
-            <pc:docMk/>
-            <pc:sldMk cId="109857222" sldId="256"/>
-            <ac:spMk id="71" creationId="{73C994B4-9721-4148-9EEC-6793CECDE8DD}"/>
-          </ac:spMkLst>
-        </pc:spChg>
-        <pc:spChg chg="add del">
-          <ac:chgData name="Pirani,Antonio A." userId="S::523008@student.fontys.nl::b27b35d6-1459-4bed-af76-eef7aff762d7" providerId="AD" clId="Web-{20C2B948-EF28-CFE4-9F8D-3160B5CD79A2}" dt="2023-03-08T16:40:56.629" v="43"/>
-          <ac:spMkLst>
-            <pc:docMk/>
-            <pc:sldMk cId="109857222" sldId="256"/>
-            <ac:spMk id="72" creationId="{DF5C8A94-E698-4356-9F20-5773888F17C7}"/>
-          </ac:spMkLst>
-        </pc:spChg>
-        <pc:spChg chg="add del">
-          <ac:chgData name="Pirani,Antonio A." userId="S::523008@student.fontys.nl::b27b35d6-1459-4bed-af76-eef7aff762d7" providerId="AD" clId="Web-{20C2B948-EF28-CFE4-9F8D-3160B5CD79A2}" dt="2023-03-08T16:40:56.629" v="43"/>
-          <ac:spMkLst>
-            <pc:docMk/>
-            <pc:sldMk cId="109857222" sldId="256"/>
-            <ac:spMk id="73" creationId="{F9D95E49-763A-4886-B038-82F734740554}"/>
-          </ac:spMkLst>
-        </pc:spChg>
-        <pc:spChg chg="add del">
-          <ac:chgData name="Pirani,Antonio A." userId="S::523008@student.fontys.nl::b27b35d6-1459-4bed-af76-eef7aff762d7" providerId="AD" clId="Web-{20C2B948-EF28-CFE4-9F8D-3160B5CD79A2}" dt="2023-03-08T16:41:01.145" v="45"/>
-          <ac:spMkLst>
-            <pc:docMk/>
-            <pc:sldMk cId="109857222" sldId="256"/>
-            <ac:spMk id="78" creationId="{031EA4A4-5D79-4817-B146-24029A2F3CC7}"/>
-          </ac:spMkLst>
-        </pc:spChg>
-        <pc:spChg chg="add del">
-          <ac:chgData name="Pirani,Antonio A." userId="S::523008@student.fontys.nl::b27b35d6-1459-4bed-af76-eef7aff762d7" providerId="AD" clId="Web-{20C2B948-EF28-CFE4-9F8D-3160B5CD79A2}" dt="2023-03-08T16:41:01.145" v="45"/>
-          <ac:spMkLst>
-            <pc:docMk/>
-            <pc:sldMk cId="109857222" sldId="256"/>
-            <ac:spMk id="79" creationId="{AF2F604E-43BE-4DC3-B983-E071523364F8}"/>
-          </ac:spMkLst>
-        </pc:spChg>
-        <pc:spChg chg="add del">
-          <ac:chgData name="Pirani,Antonio A." userId="S::523008@student.fontys.nl::b27b35d6-1459-4bed-af76-eef7aff762d7" providerId="AD" clId="Web-{20C2B948-EF28-CFE4-9F8D-3160B5CD79A2}" dt="2023-03-08T16:41:01.145" v="45"/>
-          <ac:spMkLst>
-            <pc:docMk/>
-            <pc:sldMk cId="109857222" sldId="256"/>
-            <ac:spMk id="80" creationId="{08C9B587-E65E-4B52-B37C-ABEBB6E87928}"/>
-          </ac:spMkLst>
-        </pc:spChg>
-        <pc:spChg chg="add del">
-          <ac:chgData name="Pirani,Antonio A." userId="S::523008@student.fontys.nl::b27b35d6-1459-4bed-af76-eef7aff762d7" providerId="AD" clId="Web-{20C2B948-EF28-CFE4-9F8D-3160B5CD79A2}" dt="2023-03-08T16:43:56.933" v="67"/>
-          <ac:spMkLst>
-            <pc:docMk/>
-            <pc:sldMk cId="109857222" sldId="256"/>
-            <ac:spMk id="82" creationId="{9E88A012-21CA-4D96-9AAB-CA3E17869BD8}"/>
-          </ac:spMkLst>
-        </pc:spChg>
-        <pc:spChg chg="add del">
-          <ac:chgData name="Pirani,Antonio A." userId="S::523008@student.fontys.nl::b27b35d6-1459-4bed-af76-eef7aff762d7" providerId="AD" clId="Web-{20C2B948-EF28-CFE4-9F8D-3160B5CD79A2}" dt="2023-03-08T16:43:56.933" v="67"/>
-          <ac:spMkLst>
-            <pc:docMk/>
-            <pc:sldMk cId="109857222" sldId="256"/>
-            <ac:spMk id="87" creationId="{C1A1C5D3-C053-4EE9-BE1A-419B6E27CCAE}"/>
-          </ac:spMkLst>
-        </pc:spChg>
-        <pc:spChg chg="add del">
-          <ac:chgData name="Pirani,Antonio A." userId="S::523008@student.fontys.nl::b27b35d6-1459-4bed-af76-eef7aff762d7" providerId="AD" clId="Web-{20C2B948-EF28-CFE4-9F8D-3160B5CD79A2}" dt="2023-03-08T16:43:56.933" v="67"/>
-          <ac:spMkLst>
-            <pc:docMk/>
-            <pc:sldMk cId="109857222" sldId="256"/>
-            <ac:spMk id="89" creationId="{A3473CF9-37EB-43E7-89EF-D2D1C53D1DAC}"/>
-          </ac:spMkLst>
-        </pc:spChg>
-        <pc:spChg chg="add del">
-          <ac:chgData name="Pirani,Antonio A." userId="S::523008@student.fontys.nl::b27b35d6-1459-4bed-af76-eef7aff762d7" providerId="AD" clId="Web-{20C2B948-EF28-CFE4-9F8D-3160B5CD79A2}" dt="2023-03-08T16:43:56.933" v="67"/>
-          <ac:spMkLst>
-            <pc:docMk/>
-            <pc:sldMk cId="109857222" sldId="256"/>
-            <ac:spMk id="91" creationId="{586B4EF9-43BA-4655-A6FF-1D8E21574C95}"/>
-          </ac:spMkLst>
-        </pc:spChg>
-        <pc:grpChg chg="del">
-          <ac:chgData name="Pirani,Antonio A." userId="S::523008@student.fontys.nl::b27b35d6-1459-4bed-af76-eef7aff762d7" providerId="AD" clId="Web-{20C2B948-EF28-CFE4-9F8D-3160B5CD79A2}" dt="2023-03-08T16:34:48.866" v="0"/>
-          <ac:grpSpMkLst>
-            <pc:docMk/>
-            <pc:sldMk cId="109857222" sldId="256"/>
-            <ac:grpSpMk id="25" creationId="{3C9AA14C-80A4-427C-A911-28CD20C56E5E}"/>
-          </ac:grpSpMkLst>
-        </pc:grpChg>
-        <pc:grpChg chg="del">
-          <ac:chgData name="Pirani,Antonio A." userId="S::523008@student.fontys.nl::b27b35d6-1459-4bed-af76-eef7aff762d7" providerId="AD" clId="Web-{20C2B948-EF28-CFE4-9F8D-3160B5CD79A2}" dt="2023-03-08T16:34:48.866" v="0"/>
-          <ac:grpSpMkLst>
-            <pc:docMk/>
-            <pc:sldMk cId="109857222" sldId="256"/>
-            <ac:grpSpMk id="31" creationId="{F2FD01A0-E6FF-41CD-AEBD-279232B90D43}"/>
-          </ac:grpSpMkLst>
-        </pc:grpChg>
-        <pc:picChg chg="mod ord">
-          <ac:chgData name="Pirani,Antonio A." userId="S::523008@student.fontys.nl::b27b35d6-1459-4bed-af76-eef7aff762d7" providerId="AD" clId="Web-{20C2B948-EF28-CFE4-9F8D-3160B5CD79A2}" dt="2023-03-08T16:43:56.933" v="67"/>
-          <ac:picMkLst>
-            <pc:docMk/>
-            <pc:sldMk cId="109857222" sldId="256"/>
-            <ac:picMk id="4" creationId="{CBE2077E-03C5-5347-4812-97EAF5BC59A4}"/>
-          </ac:picMkLst>
-        </pc:picChg>
-        <pc:picChg chg="add mod ord">
-          <ac:chgData name="Pirani,Antonio A." userId="S::523008@student.fontys.nl::b27b35d6-1459-4bed-af76-eef7aff762d7" providerId="AD" clId="Web-{20C2B948-EF28-CFE4-9F8D-3160B5CD79A2}" dt="2023-03-08T16:43:56.933" v="67"/>
-          <ac:picMkLst>
-            <pc:docMk/>
-            <pc:sldMk cId="109857222" sldId="256"/>
-            <ac:picMk id="5" creationId="{35A32EBE-A52D-A167-BCCF-06808734853C}"/>
-          </ac:picMkLst>
-        </pc:picChg>
-        <pc:picChg chg="add mod">
-          <ac:chgData name="Pirani,Antonio A." userId="S::523008@student.fontys.nl::b27b35d6-1459-4bed-af76-eef7aff762d7" providerId="AD" clId="Web-{20C2B948-EF28-CFE4-9F8D-3160B5CD79A2}" dt="2023-03-08T16:43:56.933" v="67"/>
-          <ac:picMkLst>
-            <pc:docMk/>
-            <pc:sldMk cId="109857222" sldId="256"/>
-            <ac:picMk id="9" creationId="{912BC9CD-37E1-4617-9879-504DE8570C5F}"/>
-          </ac:picMkLst>
-        </pc:picChg>
-        <pc:picChg chg="add del">
-          <ac:chgData name="Pirani,Antonio A." userId="S::523008@student.fontys.nl::b27b35d6-1459-4bed-af76-eef7aff762d7" providerId="AD" clId="Web-{20C2B948-EF28-CFE4-9F8D-3160B5CD79A2}" dt="2023-03-08T16:38:20.467" v="26"/>
-          <ac:picMkLst>
-            <pc:docMk/>
-            <pc:sldMk cId="109857222" sldId="256"/>
-            <ac:picMk id="26" creationId="{39C7C206-8404-40AC-969B-40CE396E31FE}"/>
-          </ac:picMkLst>
-        </pc:picChg>
-        <pc:picChg chg="add del">
-          <ac:chgData name="Pirani,Antonio A." userId="S::523008@student.fontys.nl::b27b35d6-1459-4bed-af76-eef7aff762d7" providerId="AD" clId="Web-{20C2B948-EF28-CFE4-9F8D-3160B5CD79A2}" dt="2023-03-08T16:38:20.467" v="26"/>
-          <ac:picMkLst>
-            <pc:docMk/>
-            <pc:sldMk cId="109857222" sldId="256"/>
-            <ac:picMk id="27" creationId="{BEAD64B3-D01F-43C5-AFF5-7EDCC3D37441}"/>
-          </ac:picMkLst>
-        </pc:picChg>
-        <pc:cxnChg chg="add del">
-          <ac:chgData name="Pirani,Antonio A." userId="S::523008@student.fontys.nl::b27b35d6-1459-4bed-af76-eef7aff762d7" providerId="AD" clId="Web-{20C2B948-EF28-CFE4-9F8D-3160B5CD79A2}" dt="2023-03-08T16:39:42.189" v="32"/>
-          <ac:cxnSpMkLst>
-            <pc:docMk/>
-            <pc:sldMk cId="109857222" sldId="256"/>
-            <ac:cxnSpMk id="43" creationId="{56020367-4FD5-4596-8E10-C5F095CD8DBF}"/>
-          </ac:cxnSpMkLst>
-        </pc:cxnChg>
-        <pc:cxnChg chg="add del">
-          <ac:chgData name="Pirani,Antonio A." userId="S::523008@student.fontys.nl::b27b35d6-1459-4bed-af76-eef7aff762d7" providerId="AD" clId="Web-{20C2B948-EF28-CFE4-9F8D-3160B5CD79A2}" dt="2023-03-08T16:39:44.799" v="34"/>
-          <ac:cxnSpMkLst>
-            <pc:docMk/>
-            <pc:sldMk cId="109857222" sldId="256"/>
-            <ac:cxnSpMk id="50" creationId="{56020367-4FD5-4596-8E10-C5F095CD8DBF}"/>
-          </ac:cxnSpMkLst>
-        </pc:cxnChg>
-        <pc:cxnChg chg="add del">
-          <ac:chgData name="Pirani,Antonio A." userId="S::523008@student.fontys.nl::b27b35d6-1459-4bed-af76-eef7aff762d7" providerId="AD" clId="Web-{20C2B948-EF28-CFE4-9F8D-3160B5CD79A2}" dt="2023-03-08T16:40:56.629" v="43"/>
-          <ac:cxnSpMkLst>
-            <pc:docMk/>
-            <pc:sldMk cId="109857222" sldId="256"/>
-            <ac:cxnSpMk id="74" creationId="{5D28AB17-F6FA-4C53-B3E3-D0A39D4A33C0}"/>
-          </ac:cxnSpMkLst>
-        </pc:cxnChg>
-        <pc:cxnChg chg="add del">
-          <ac:chgData name="Pirani,Antonio A." userId="S::523008@student.fontys.nl::b27b35d6-1459-4bed-af76-eef7aff762d7" providerId="AD" clId="Web-{20C2B948-EF28-CFE4-9F8D-3160B5CD79A2}" dt="2023-03-08T16:40:56.629" v="43"/>
-          <ac:cxnSpMkLst>
-            <pc:docMk/>
-            <pc:sldMk cId="109857222" sldId="256"/>
-            <ac:cxnSpMk id="76" creationId="{3EFADC67-92A1-44FB-8691-D8CD71A21EFA}"/>
-          </ac:cxnSpMkLst>
-        </pc:cxnChg>
-      </pc:sldChg>
-      <pc:sldChg chg="addSp delSp modSp mod modClrScheme chgLayout">
-        <pc:chgData name="Pirani,Antonio A." userId="S::523008@student.fontys.nl::b27b35d6-1459-4bed-af76-eef7aff762d7" providerId="AD" clId="Web-{20C2B948-EF28-CFE4-9F8D-3160B5CD79A2}" dt="2023-03-08T16:52:12.591" v="155"/>
-        <pc:sldMkLst>
-          <pc:docMk/>
-          <pc:sldMk cId="764908316" sldId="257"/>
-        </pc:sldMkLst>
-        <pc:spChg chg="mod ord">
-          <ac:chgData name="Pirani,Antonio A." userId="S::523008@student.fontys.nl::b27b35d6-1459-4bed-af76-eef7aff762d7" providerId="AD" clId="Web-{20C2B948-EF28-CFE4-9F8D-3160B5CD79A2}" dt="2023-03-08T16:51:41.402" v="145" actId="20577"/>
-          <ac:spMkLst>
-            <pc:docMk/>
-            <pc:sldMk cId="764908316" sldId="257"/>
-            <ac:spMk id="2" creationId="{859C2C55-BD17-96C4-BF59-DDEDDC87AD63}"/>
-          </ac:spMkLst>
-        </pc:spChg>
-        <pc:spChg chg="mod ord">
-          <ac:chgData name="Pirani,Antonio A." userId="S::523008@student.fontys.nl::b27b35d6-1459-4bed-af76-eef7aff762d7" providerId="AD" clId="Web-{20C2B948-EF28-CFE4-9F8D-3160B5CD79A2}" dt="2023-03-08T16:48:28.223" v="143" actId="20577"/>
-          <ac:spMkLst>
-            <pc:docMk/>
-            <pc:sldMk cId="764908316" sldId="257"/>
-            <ac:spMk id="3" creationId="{FE68B8D5-E03E-5F1B-EC01-4CABA2EBEF12}"/>
-          </ac:spMkLst>
-        </pc:spChg>
-        <pc:spChg chg="add del mod">
-          <ac:chgData name="Pirani,Antonio A." userId="S::523008@student.fontys.nl::b27b35d6-1459-4bed-af76-eef7aff762d7" providerId="AD" clId="Web-{20C2B948-EF28-CFE4-9F8D-3160B5CD79A2}" dt="2023-03-08T16:52:12.591" v="155"/>
-          <ac:spMkLst>
-            <pc:docMk/>
-            <pc:sldMk cId="764908316" sldId="257"/>
-            <ac:spMk id="4" creationId="{B35330C6-7420-95EE-02AD-175F256E3168}"/>
-          </ac:spMkLst>
-        </pc:spChg>
-      </pc:sldChg>
-      <pc:sldChg chg="modSp mod modClrScheme chgLayout">
-        <pc:chgData name="Pirani,Antonio A." userId="S::523008@student.fontys.nl::b27b35d6-1459-4bed-af76-eef7aff762d7" providerId="AD" clId="Web-{20C2B948-EF28-CFE4-9F8D-3160B5CD79A2}" dt="2023-03-08T16:39:26.564" v="30"/>
-        <pc:sldMkLst>
-          <pc:docMk/>
-          <pc:sldMk cId="3823489692" sldId="258"/>
-        </pc:sldMkLst>
-        <pc:spChg chg="mod ord">
-          <ac:chgData name="Pirani,Antonio A." userId="S::523008@student.fontys.nl::b27b35d6-1459-4bed-af76-eef7aff762d7" providerId="AD" clId="Web-{20C2B948-EF28-CFE4-9F8D-3160B5CD79A2}" dt="2023-03-08T16:39:26.564" v="30"/>
-          <ac:spMkLst>
-            <pc:docMk/>
-            <pc:sldMk cId="3823489692" sldId="258"/>
-            <ac:spMk id="2" creationId="{DD14F7B3-94E7-F391-A8A9-5378DFF46F1E}"/>
-          </ac:spMkLst>
-        </pc:spChg>
-        <pc:spChg chg="mod ord">
-          <ac:chgData name="Pirani,Antonio A." userId="S::523008@student.fontys.nl::b27b35d6-1459-4bed-af76-eef7aff762d7" providerId="AD" clId="Web-{20C2B948-EF28-CFE4-9F8D-3160B5CD79A2}" dt="2023-03-08T16:39:26.564" v="30"/>
-          <ac:spMkLst>
-            <pc:docMk/>
-            <pc:sldMk cId="3823489692" sldId="258"/>
-            <ac:spMk id="3" creationId="{8EC76816-802D-6F65-A85F-5C9C008E3823}"/>
-          </ac:spMkLst>
-        </pc:spChg>
-      </pc:sldChg>
-      <pc:sldChg chg="delSp modSp mod modClrScheme delDesignElem chgLayout">
-        <pc:chgData name="Pirani,Antonio A." userId="S::523008@student.fontys.nl::b27b35d6-1459-4bed-af76-eef7aff762d7" providerId="AD" clId="Web-{20C2B948-EF28-CFE4-9F8D-3160B5CD79A2}" dt="2023-03-08T16:39:26.564" v="30"/>
-        <pc:sldMkLst>
-          <pc:docMk/>
-          <pc:sldMk cId="1051841186" sldId="259"/>
-        </pc:sldMkLst>
-        <pc:spChg chg="mod ord">
-          <ac:chgData name="Pirani,Antonio A." userId="S::523008@student.fontys.nl::b27b35d6-1459-4bed-af76-eef7aff762d7" providerId="AD" clId="Web-{20C2B948-EF28-CFE4-9F8D-3160B5CD79A2}" dt="2023-03-08T16:39:26.564" v="30"/>
-          <ac:spMkLst>
-            <pc:docMk/>
-            <pc:sldMk cId="1051841186" sldId="259"/>
-            <ac:spMk id="2" creationId="{8E8CC8C2-2F57-B2F4-A22B-B23AA726D47C}"/>
-          </ac:spMkLst>
-        </pc:spChg>
-        <pc:spChg chg="mod ord">
-          <ac:chgData name="Pirani,Antonio A." userId="S::523008@student.fontys.nl::b27b35d6-1459-4bed-af76-eef7aff762d7" providerId="AD" clId="Web-{20C2B948-EF28-CFE4-9F8D-3160B5CD79A2}" dt="2023-03-08T16:39:26.564" v="30"/>
-          <ac:spMkLst>
-            <pc:docMk/>
-            <pc:sldMk cId="1051841186" sldId="259"/>
-            <ac:spMk id="3" creationId="{7D3369F4-C1E2-15A0-25ED-C3D5A5502BB8}"/>
-          </ac:spMkLst>
-        </pc:spChg>
-        <pc:spChg chg="del">
-          <ac:chgData name="Pirani,Antonio A." userId="S::523008@student.fontys.nl::b27b35d6-1459-4bed-af76-eef7aff762d7" providerId="AD" clId="Web-{20C2B948-EF28-CFE4-9F8D-3160B5CD79A2}" dt="2023-03-08T16:34:48.866" v="0"/>
-          <ac:spMkLst>
-            <pc:docMk/>
-            <pc:sldMk cId="1051841186" sldId="259"/>
-            <ac:spMk id="9" creationId="{09646535-AEF6-4883-A4F9-EEC1F8B4319E}"/>
-          </ac:spMkLst>
-        </pc:spChg>
-        <pc:spChg chg="del">
-          <ac:chgData name="Pirani,Antonio A." userId="S::523008@student.fontys.nl::b27b35d6-1459-4bed-af76-eef7aff762d7" providerId="AD" clId="Web-{20C2B948-EF28-CFE4-9F8D-3160B5CD79A2}" dt="2023-03-08T16:34:48.866" v="0"/>
-          <ac:spMkLst>
-            <pc:docMk/>
-            <pc:sldMk cId="1051841186" sldId="259"/>
-            <ac:spMk id="11" creationId="{A4CEB5B4-CDED-47E6-9A79-D8983C3D4360}"/>
-          </ac:spMkLst>
-        </pc:spChg>
-        <pc:spChg chg="del">
-          <ac:chgData name="Pirani,Antonio A." userId="S::523008@student.fontys.nl::b27b35d6-1459-4bed-af76-eef7aff762d7" providerId="AD" clId="Web-{20C2B948-EF28-CFE4-9F8D-3160B5CD79A2}" dt="2023-03-08T16:34:48.866" v="0"/>
-          <ac:spMkLst>
-            <pc:docMk/>
-            <pc:sldMk cId="1051841186" sldId="259"/>
-            <ac:spMk id="13" creationId="{D50332B2-2BC3-434F-B11C-851A29882D15}"/>
-          </ac:spMkLst>
-        </pc:spChg>
-        <pc:spChg chg="del">
-          <ac:chgData name="Pirani,Antonio A." userId="S::523008@student.fontys.nl::b27b35d6-1459-4bed-af76-eef7aff762d7" providerId="AD" clId="Web-{20C2B948-EF28-CFE4-9F8D-3160B5CD79A2}" dt="2023-03-08T16:34:48.866" v="0"/>
-          <ac:spMkLst>
-            <pc:docMk/>
-            <pc:sldMk cId="1051841186" sldId="259"/>
-            <ac:spMk id="15" creationId="{FF54EC60-509D-4A90-A637-580B5967E1DC}"/>
-          </ac:spMkLst>
-        </pc:spChg>
-        <pc:spChg chg="del">
-          <ac:chgData name="Pirani,Antonio A." userId="S::523008@student.fontys.nl::b27b35d6-1459-4bed-af76-eef7aff762d7" providerId="AD" clId="Web-{20C2B948-EF28-CFE4-9F8D-3160B5CD79A2}" dt="2023-03-08T16:34:48.866" v="0"/>
-          <ac:spMkLst>
-            <pc:docMk/>
-            <pc:sldMk cId="1051841186" sldId="259"/>
-            <ac:spMk id="17" creationId="{FCC4408D-5823-4186-97B4-25D12A9F93B0}"/>
-          </ac:spMkLst>
-        </pc:spChg>
-      </pc:sldChg>
-      <pc:sldChg chg="modSp mod modClrScheme chgLayout">
-        <pc:chgData name="Pirani,Antonio A." userId="S::523008@student.fontys.nl::b27b35d6-1459-4bed-af76-eef7aff762d7" providerId="AD" clId="Web-{20C2B948-EF28-CFE4-9F8D-3160B5CD79A2}" dt="2023-03-08T16:39:26.564" v="30"/>
-        <pc:sldMkLst>
-          <pc:docMk/>
-          <pc:sldMk cId="798494627" sldId="260"/>
-        </pc:sldMkLst>
-        <pc:spChg chg="mod ord">
-          <ac:chgData name="Pirani,Antonio A." userId="S::523008@student.fontys.nl::b27b35d6-1459-4bed-af76-eef7aff762d7" providerId="AD" clId="Web-{20C2B948-EF28-CFE4-9F8D-3160B5CD79A2}" dt="2023-03-08T16:39:26.564" v="30"/>
-          <ac:spMkLst>
-            <pc:docMk/>
-            <pc:sldMk cId="798494627" sldId="260"/>
-            <ac:spMk id="2" creationId="{EAEE4D1A-2144-070C-FF02-F5DCBADCAC60}"/>
-          </ac:spMkLst>
-        </pc:spChg>
-        <pc:spChg chg="mod ord">
-          <ac:chgData name="Pirani,Antonio A." userId="S::523008@student.fontys.nl::b27b35d6-1459-4bed-af76-eef7aff762d7" providerId="AD" clId="Web-{20C2B948-EF28-CFE4-9F8D-3160B5CD79A2}" dt="2023-03-08T16:39:26.564" v="30"/>
-          <ac:spMkLst>
-            <pc:docMk/>
-            <pc:sldMk cId="798494627" sldId="260"/>
-            <ac:spMk id="3" creationId="{DD2152ED-C342-F018-0EBB-9AB9473CF607}"/>
-          </ac:spMkLst>
-        </pc:spChg>
-      </pc:sldChg>
-      <pc:sldChg chg="modSp mod modClrScheme chgLayout">
-        <pc:chgData name="Pirani,Antonio A." userId="S::523008@student.fontys.nl::b27b35d6-1459-4bed-af76-eef7aff762d7" providerId="AD" clId="Web-{20C2B948-EF28-CFE4-9F8D-3160B5CD79A2}" dt="2023-03-08T16:39:26.564" v="30"/>
+      <pc:sldChg chg="modSp mod">
+        <pc:chgData name="Pirani,Antonio A." userId="b27b35d6-1459-4bed-af76-eef7aff762d7" providerId="ADAL" clId="{D07AFF2F-A0AF-1541-9E92-48C0E89E80AE}" dt="2023-03-17T22:32:54.339" v="58" actId="20577"/>
         <pc:sldMkLst>
           <pc:docMk/>
           <pc:sldMk cId="920567303" sldId="261"/>
         </pc:sldMkLst>
-        <pc:spChg chg="mod ord">
-          <ac:chgData name="Pirani,Antonio A." userId="S::523008@student.fontys.nl::b27b35d6-1459-4bed-af76-eef7aff762d7" providerId="AD" clId="Web-{20C2B948-EF28-CFE4-9F8D-3160B5CD79A2}" dt="2023-03-08T16:39:26.564" v="30"/>
-          <ac:spMkLst>
-            <pc:docMk/>
-            <pc:sldMk cId="920567303" sldId="261"/>
-            <ac:spMk id="2" creationId="{6BEFF12F-249E-A5F2-924E-3F981ADD7706}"/>
-          </ac:spMkLst>
-        </pc:spChg>
-        <pc:spChg chg="mod ord">
-          <ac:chgData name="Pirani,Antonio A." userId="S::523008@student.fontys.nl::b27b35d6-1459-4bed-af76-eef7aff762d7" providerId="AD" clId="Web-{20C2B948-EF28-CFE4-9F8D-3160B5CD79A2}" dt="2023-03-08T16:39:26.564" v="30"/>
+        <pc:spChg chg="mod">
+          <ac:chgData name="Pirani,Antonio A." userId="b27b35d6-1459-4bed-af76-eef7aff762d7" providerId="ADAL" clId="{D07AFF2F-A0AF-1541-9E92-48C0E89E80AE}" dt="2023-03-17T22:32:54.339" v="58" actId="20577"/>
           <ac:spMkLst>
             <pc:docMk/>
             <pc:sldMk cId="920567303" sldId="261"/>
@@ -859,3164 +176,68 @@
           </ac:spMkLst>
         </pc:spChg>
       </pc:sldChg>
-      <pc:sldChg chg="modSp mod modClrScheme chgLayout">
-        <pc:chgData name="Pirani,Antonio A." userId="S::523008@student.fontys.nl::b27b35d6-1459-4bed-af76-eef7aff762d7" providerId="AD" clId="Web-{20C2B948-EF28-CFE4-9F8D-3160B5CD79A2}" dt="2023-03-08T16:39:26.564" v="30"/>
+      <pc:sldChg chg="addSp delSp modSp mod ord modAnim">
+        <pc:chgData name="Pirani,Antonio A." userId="b27b35d6-1459-4bed-af76-eef7aff762d7" providerId="ADAL" clId="{D07AFF2F-A0AF-1541-9E92-48C0E89E80AE}" dt="2023-03-17T22:32:15.686" v="49" actId="20578"/>
         <pc:sldMkLst>
           <pc:docMk/>
-          <pc:sldMk cId="2928994138" sldId="262"/>
+          <pc:sldMk cId="0" sldId="273"/>
         </pc:sldMkLst>
-        <pc:spChg chg="mod ord">
-          <ac:chgData name="Pirani,Antonio A." userId="S::523008@student.fontys.nl::b27b35d6-1459-4bed-af76-eef7aff762d7" providerId="AD" clId="Web-{20C2B948-EF28-CFE4-9F8D-3160B5CD79A2}" dt="2023-03-08T16:39:26.564" v="30"/>
+        <pc:spChg chg="mod">
+          <ac:chgData name="Pirani,Antonio A." userId="b27b35d6-1459-4bed-af76-eef7aff762d7" providerId="ADAL" clId="{D07AFF2F-A0AF-1541-9E92-48C0E89E80AE}" dt="2023-03-17T22:24:58.829" v="18" actId="20577"/>
           <ac:spMkLst>
             <pc:docMk/>
-            <pc:sldMk cId="2928994138" sldId="262"/>
-            <ac:spMk id="2" creationId="{4BF88A79-76F3-5D58-BD01-022AD7EE41EF}"/>
+            <pc:sldMk cId="0" sldId="273"/>
+            <ac:spMk id="3" creationId="{9D92ADC5-C034-53CA-00CF-5C4D7216EB23}"/>
           </ac:spMkLst>
         </pc:spChg>
-        <pc:spChg chg="mod ord">
-          <ac:chgData name="Pirani,Antonio A." userId="S::523008@student.fontys.nl::b27b35d6-1459-4bed-af76-eef7aff762d7" providerId="AD" clId="Web-{20C2B948-EF28-CFE4-9F8D-3160B5CD79A2}" dt="2023-03-08T16:39:26.564" v="30"/>
+        <pc:spChg chg="add mod">
+          <ac:chgData name="Pirani,Antonio A." userId="b27b35d6-1459-4bed-af76-eef7aff762d7" providerId="ADAL" clId="{D07AFF2F-A0AF-1541-9E92-48C0E89E80AE}" dt="2023-03-17T22:31:58.105" v="48" actId="5793"/>
           <ac:spMkLst>
             <pc:docMk/>
-            <pc:sldMk cId="2928994138" sldId="262"/>
-            <ac:spMk id="3" creationId="{AC51AF08-306D-8B20-7C3C-E56F7D9A0443}"/>
-          </ac:spMkLst>
-        </pc:spChg>
-      </pc:sldChg>
-      <pc:sldChg chg="modSp mod modClrScheme chgLayout">
-        <pc:chgData name="Pirani,Antonio A." userId="S::523008@student.fontys.nl::b27b35d6-1459-4bed-af76-eef7aff762d7" providerId="AD" clId="Web-{20C2B948-EF28-CFE4-9F8D-3160B5CD79A2}" dt="2023-03-08T16:39:26.564" v="30"/>
-        <pc:sldMkLst>
-          <pc:docMk/>
-          <pc:sldMk cId="3700990553" sldId="263"/>
-        </pc:sldMkLst>
-        <pc:spChg chg="mod ord">
-          <ac:chgData name="Pirani,Antonio A." userId="S::523008@student.fontys.nl::b27b35d6-1459-4bed-af76-eef7aff762d7" providerId="AD" clId="Web-{20C2B948-EF28-CFE4-9F8D-3160B5CD79A2}" dt="2023-03-08T16:39:26.564" v="30"/>
-          <ac:spMkLst>
-            <pc:docMk/>
-            <pc:sldMk cId="3700990553" sldId="263"/>
-            <ac:spMk id="2" creationId="{1BACE221-1147-5EDD-6C22-B62FFD2F584C}"/>
-          </ac:spMkLst>
-        </pc:spChg>
-        <pc:spChg chg="mod ord">
-          <ac:chgData name="Pirani,Antonio A." userId="S::523008@student.fontys.nl::b27b35d6-1459-4bed-af76-eef7aff762d7" providerId="AD" clId="Web-{20C2B948-EF28-CFE4-9F8D-3160B5CD79A2}" dt="2023-03-08T16:39:26.564" v="30"/>
-          <ac:spMkLst>
-            <pc:docMk/>
-            <pc:sldMk cId="3700990553" sldId="263"/>
-            <ac:spMk id="3" creationId="{78230B3C-428F-DF98-48B1-E78D4C2A9389}"/>
-          </ac:spMkLst>
-        </pc:spChg>
-      </pc:sldChg>
-      <pc:sldChg chg="modSp mod modClrScheme chgLayout">
-        <pc:chgData name="Pirani,Antonio A." userId="S::523008@student.fontys.nl::b27b35d6-1459-4bed-af76-eef7aff762d7" providerId="AD" clId="Web-{20C2B948-EF28-CFE4-9F8D-3160B5CD79A2}" dt="2023-03-08T16:39:26.564" v="30"/>
-        <pc:sldMkLst>
-          <pc:docMk/>
-          <pc:sldMk cId="2818610950" sldId="264"/>
-        </pc:sldMkLst>
-        <pc:spChg chg="mod ord">
-          <ac:chgData name="Pirani,Antonio A." userId="S::523008@student.fontys.nl::b27b35d6-1459-4bed-af76-eef7aff762d7" providerId="AD" clId="Web-{20C2B948-EF28-CFE4-9F8D-3160B5CD79A2}" dt="2023-03-08T16:39:26.564" v="30"/>
-          <ac:spMkLst>
-            <pc:docMk/>
-            <pc:sldMk cId="2818610950" sldId="264"/>
-            <ac:spMk id="2" creationId="{F95A70B9-D451-D270-0CD6-D2FC63C4EDD5}"/>
-          </ac:spMkLst>
-        </pc:spChg>
-        <pc:spChg chg="mod ord">
-          <ac:chgData name="Pirani,Antonio A." userId="S::523008@student.fontys.nl::b27b35d6-1459-4bed-af76-eef7aff762d7" providerId="AD" clId="Web-{20C2B948-EF28-CFE4-9F8D-3160B5CD79A2}" dt="2023-03-08T16:39:26.564" v="30"/>
-          <ac:spMkLst>
-            <pc:docMk/>
-            <pc:sldMk cId="2818610950" sldId="264"/>
-            <ac:spMk id="3" creationId="{D5289D01-2AD9-215F-8C89-06248745E69C}"/>
-          </ac:spMkLst>
-        </pc:spChg>
-      </pc:sldChg>
-      <pc:sldMasterChg chg="del delSldLayout">
-        <pc:chgData name="Pirani,Antonio A." userId="S::523008@student.fontys.nl::b27b35d6-1459-4bed-af76-eef7aff762d7" providerId="AD" clId="Web-{20C2B948-EF28-CFE4-9F8D-3160B5CD79A2}" dt="2023-03-08T16:34:48.866" v="0"/>
-        <pc:sldMasterMkLst>
-          <pc:docMk/>
-          <pc:sldMasterMk cId="1555803907" sldId="2147483725"/>
-        </pc:sldMasterMkLst>
-        <pc:sldLayoutChg chg="del">
-          <pc:chgData name="Pirani,Antonio A." userId="S::523008@student.fontys.nl::b27b35d6-1459-4bed-af76-eef7aff762d7" providerId="AD" clId="Web-{20C2B948-EF28-CFE4-9F8D-3160B5CD79A2}" dt="2023-03-08T16:34:48.866" v="0"/>
-          <pc:sldLayoutMkLst>
-            <pc:docMk/>
-            <pc:sldMasterMk cId="1555803907" sldId="2147483725"/>
-            <pc:sldLayoutMk cId="3594521325" sldId="2147483726"/>
-          </pc:sldLayoutMkLst>
-        </pc:sldLayoutChg>
-        <pc:sldLayoutChg chg="del">
-          <pc:chgData name="Pirani,Antonio A." userId="S::523008@student.fontys.nl::b27b35d6-1459-4bed-af76-eef7aff762d7" providerId="AD" clId="Web-{20C2B948-EF28-CFE4-9F8D-3160B5CD79A2}" dt="2023-03-08T16:34:48.866" v="0"/>
-          <pc:sldLayoutMkLst>
-            <pc:docMk/>
-            <pc:sldMasterMk cId="1555803907" sldId="2147483725"/>
-            <pc:sldLayoutMk cId="1090527648" sldId="2147483727"/>
-          </pc:sldLayoutMkLst>
-        </pc:sldLayoutChg>
-        <pc:sldLayoutChg chg="del">
-          <pc:chgData name="Pirani,Antonio A." userId="S::523008@student.fontys.nl::b27b35d6-1459-4bed-af76-eef7aff762d7" providerId="AD" clId="Web-{20C2B948-EF28-CFE4-9F8D-3160B5CD79A2}" dt="2023-03-08T16:34:48.866" v="0"/>
-          <pc:sldLayoutMkLst>
-            <pc:docMk/>
-            <pc:sldMasterMk cId="1555803907" sldId="2147483725"/>
-            <pc:sldLayoutMk cId="3942503498" sldId="2147483728"/>
-          </pc:sldLayoutMkLst>
-        </pc:sldLayoutChg>
-        <pc:sldLayoutChg chg="del">
-          <pc:chgData name="Pirani,Antonio A." userId="S::523008@student.fontys.nl::b27b35d6-1459-4bed-af76-eef7aff762d7" providerId="AD" clId="Web-{20C2B948-EF28-CFE4-9F8D-3160B5CD79A2}" dt="2023-03-08T16:34:48.866" v="0"/>
-          <pc:sldLayoutMkLst>
-            <pc:docMk/>
-            <pc:sldMasterMk cId="1555803907" sldId="2147483725"/>
-            <pc:sldLayoutMk cId="604957596" sldId="2147483729"/>
-          </pc:sldLayoutMkLst>
-        </pc:sldLayoutChg>
-        <pc:sldLayoutChg chg="del">
-          <pc:chgData name="Pirani,Antonio A." userId="S::523008@student.fontys.nl::b27b35d6-1459-4bed-af76-eef7aff762d7" providerId="AD" clId="Web-{20C2B948-EF28-CFE4-9F8D-3160B5CD79A2}" dt="2023-03-08T16:34:48.866" v="0"/>
-          <pc:sldLayoutMkLst>
-            <pc:docMk/>
-            <pc:sldMasterMk cId="1555803907" sldId="2147483725"/>
-            <pc:sldLayoutMk cId="1123811823" sldId="2147483730"/>
-          </pc:sldLayoutMkLst>
-        </pc:sldLayoutChg>
-        <pc:sldLayoutChg chg="del">
-          <pc:chgData name="Pirani,Antonio A." userId="S::523008@student.fontys.nl::b27b35d6-1459-4bed-af76-eef7aff762d7" providerId="AD" clId="Web-{20C2B948-EF28-CFE4-9F8D-3160B5CD79A2}" dt="2023-03-08T16:34:48.866" v="0"/>
-          <pc:sldLayoutMkLst>
-            <pc:docMk/>
-            <pc:sldMasterMk cId="1555803907" sldId="2147483725"/>
-            <pc:sldLayoutMk cId="66458586" sldId="2147483731"/>
-          </pc:sldLayoutMkLst>
-        </pc:sldLayoutChg>
-        <pc:sldLayoutChg chg="del">
-          <pc:chgData name="Pirani,Antonio A." userId="S::523008@student.fontys.nl::b27b35d6-1459-4bed-af76-eef7aff762d7" providerId="AD" clId="Web-{20C2B948-EF28-CFE4-9F8D-3160B5CD79A2}" dt="2023-03-08T16:34:48.866" v="0"/>
-          <pc:sldLayoutMkLst>
-            <pc:docMk/>
-            <pc:sldMasterMk cId="1555803907" sldId="2147483725"/>
-            <pc:sldLayoutMk cId="2621898564" sldId="2147483732"/>
-          </pc:sldLayoutMkLst>
-        </pc:sldLayoutChg>
-        <pc:sldLayoutChg chg="del">
-          <pc:chgData name="Pirani,Antonio A." userId="S::523008@student.fontys.nl::b27b35d6-1459-4bed-af76-eef7aff762d7" providerId="AD" clId="Web-{20C2B948-EF28-CFE4-9F8D-3160B5CD79A2}" dt="2023-03-08T16:34:48.866" v="0"/>
-          <pc:sldLayoutMkLst>
-            <pc:docMk/>
-            <pc:sldMasterMk cId="1555803907" sldId="2147483725"/>
-            <pc:sldLayoutMk cId="1407607" sldId="2147483733"/>
-          </pc:sldLayoutMkLst>
-        </pc:sldLayoutChg>
-        <pc:sldLayoutChg chg="del">
-          <pc:chgData name="Pirani,Antonio A." userId="S::523008@student.fontys.nl::b27b35d6-1459-4bed-af76-eef7aff762d7" providerId="AD" clId="Web-{20C2B948-EF28-CFE4-9F8D-3160B5CD79A2}" dt="2023-03-08T16:34:48.866" v="0"/>
-          <pc:sldLayoutMkLst>
-            <pc:docMk/>
-            <pc:sldMasterMk cId="1555803907" sldId="2147483725"/>
-            <pc:sldLayoutMk cId="3500080001" sldId="2147483734"/>
-          </pc:sldLayoutMkLst>
-        </pc:sldLayoutChg>
-        <pc:sldLayoutChg chg="del">
-          <pc:chgData name="Pirani,Antonio A." userId="S::523008@student.fontys.nl::b27b35d6-1459-4bed-af76-eef7aff762d7" providerId="AD" clId="Web-{20C2B948-EF28-CFE4-9F8D-3160B5CD79A2}" dt="2023-03-08T16:34:48.866" v="0"/>
-          <pc:sldLayoutMkLst>
-            <pc:docMk/>
-            <pc:sldMasterMk cId="1555803907" sldId="2147483725"/>
-            <pc:sldLayoutMk cId="1375412644" sldId="2147483735"/>
-          </pc:sldLayoutMkLst>
-        </pc:sldLayoutChg>
-        <pc:sldLayoutChg chg="del">
-          <pc:chgData name="Pirani,Antonio A." userId="S::523008@student.fontys.nl::b27b35d6-1459-4bed-af76-eef7aff762d7" providerId="AD" clId="Web-{20C2B948-EF28-CFE4-9F8D-3160B5CD79A2}" dt="2023-03-08T16:34:48.866" v="0"/>
-          <pc:sldLayoutMkLst>
-            <pc:docMk/>
-            <pc:sldMasterMk cId="1555803907" sldId="2147483725"/>
-            <pc:sldLayoutMk cId="3704039324" sldId="2147483736"/>
-          </pc:sldLayoutMkLst>
-        </pc:sldLayoutChg>
-      </pc:sldMasterChg>
-      <pc:sldMasterChg chg="add del addSldLayout delSldLayout modSldLayout">
-        <pc:chgData name="Pirani,Antonio A." userId="S::523008@student.fontys.nl::b27b35d6-1459-4bed-af76-eef7aff762d7" providerId="AD" clId="Web-{20C2B948-EF28-CFE4-9F8D-3160B5CD79A2}" dt="2023-03-08T16:36:07.822" v="22"/>
-        <pc:sldMasterMkLst>
-          <pc:docMk/>
-          <pc:sldMasterMk cId="2475927696" sldId="2147483737"/>
-        </pc:sldMasterMkLst>
-        <pc:sldLayoutChg chg="add del mod replId">
-          <pc:chgData name="Pirani,Antonio A." userId="S::523008@student.fontys.nl::b27b35d6-1459-4bed-af76-eef7aff762d7" providerId="AD" clId="Web-{20C2B948-EF28-CFE4-9F8D-3160B5CD79A2}" dt="2023-03-08T16:36:07.822" v="22"/>
-          <pc:sldLayoutMkLst>
-            <pc:docMk/>
-            <pc:sldMasterMk cId="2475927696" sldId="2147483737"/>
-            <pc:sldLayoutMk cId="196758966" sldId="2147483738"/>
-          </pc:sldLayoutMkLst>
-        </pc:sldLayoutChg>
-        <pc:sldLayoutChg chg="add del mod replId">
-          <pc:chgData name="Pirani,Antonio A." userId="S::523008@student.fontys.nl::b27b35d6-1459-4bed-af76-eef7aff762d7" providerId="AD" clId="Web-{20C2B948-EF28-CFE4-9F8D-3160B5CD79A2}" dt="2023-03-08T16:36:07.822" v="22"/>
-          <pc:sldLayoutMkLst>
-            <pc:docMk/>
-            <pc:sldMasterMk cId="2475927696" sldId="2147483737"/>
-            <pc:sldLayoutMk cId="880324280" sldId="2147483739"/>
-          </pc:sldLayoutMkLst>
-        </pc:sldLayoutChg>
-        <pc:sldLayoutChg chg="add del mod replId">
-          <pc:chgData name="Pirani,Antonio A." userId="S::523008@student.fontys.nl::b27b35d6-1459-4bed-af76-eef7aff762d7" providerId="AD" clId="Web-{20C2B948-EF28-CFE4-9F8D-3160B5CD79A2}" dt="2023-03-08T16:36:07.822" v="22"/>
-          <pc:sldLayoutMkLst>
-            <pc:docMk/>
-            <pc:sldMasterMk cId="2475927696" sldId="2147483737"/>
-            <pc:sldLayoutMk cId="2736620803" sldId="2147483740"/>
-          </pc:sldLayoutMkLst>
-        </pc:sldLayoutChg>
-        <pc:sldLayoutChg chg="add del mod replId">
-          <pc:chgData name="Pirani,Antonio A." userId="S::523008@student.fontys.nl::b27b35d6-1459-4bed-af76-eef7aff762d7" providerId="AD" clId="Web-{20C2B948-EF28-CFE4-9F8D-3160B5CD79A2}" dt="2023-03-08T16:36:07.822" v="22"/>
-          <pc:sldLayoutMkLst>
-            <pc:docMk/>
-            <pc:sldMasterMk cId="2475927696" sldId="2147483737"/>
-            <pc:sldLayoutMk cId="2148625273" sldId="2147483741"/>
-          </pc:sldLayoutMkLst>
-        </pc:sldLayoutChg>
-        <pc:sldLayoutChg chg="add del mod replId">
-          <pc:chgData name="Pirani,Antonio A." userId="S::523008@student.fontys.nl::b27b35d6-1459-4bed-af76-eef7aff762d7" providerId="AD" clId="Web-{20C2B948-EF28-CFE4-9F8D-3160B5CD79A2}" dt="2023-03-08T16:36:07.822" v="22"/>
-          <pc:sldLayoutMkLst>
-            <pc:docMk/>
-            <pc:sldMasterMk cId="2475927696" sldId="2147483737"/>
-            <pc:sldLayoutMk cId="478730326" sldId="2147483742"/>
-          </pc:sldLayoutMkLst>
-        </pc:sldLayoutChg>
-        <pc:sldLayoutChg chg="add del mod replId">
-          <pc:chgData name="Pirani,Antonio A." userId="S::523008@student.fontys.nl::b27b35d6-1459-4bed-af76-eef7aff762d7" providerId="AD" clId="Web-{20C2B948-EF28-CFE4-9F8D-3160B5CD79A2}" dt="2023-03-08T16:36:07.822" v="22"/>
-          <pc:sldLayoutMkLst>
-            <pc:docMk/>
-            <pc:sldMasterMk cId="2475927696" sldId="2147483737"/>
-            <pc:sldLayoutMk cId="360591850" sldId="2147483743"/>
-          </pc:sldLayoutMkLst>
-        </pc:sldLayoutChg>
-        <pc:sldLayoutChg chg="add del mod replId">
-          <pc:chgData name="Pirani,Antonio A." userId="S::523008@student.fontys.nl::b27b35d6-1459-4bed-af76-eef7aff762d7" providerId="AD" clId="Web-{20C2B948-EF28-CFE4-9F8D-3160B5CD79A2}" dt="2023-03-08T16:36:07.822" v="22"/>
-          <pc:sldLayoutMkLst>
-            <pc:docMk/>
-            <pc:sldMasterMk cId="2475927696" sldId="2147483737"/>
-            <pc:sldLayoutMk cId="3983811415" sldId="2147483744"/>
-          </pc:sldLayoutMkLst>
-        </pc:sldLayoutChg>
-        <pc:sldLayoutChg chg="add del mod replId">
-          <pc:chgData name="Pirani,Antonio A." userId="S::523008@student.fontys.nl::b27b35d6-1459-4bed-af76-eef7aff762d7" providerId="AD" clId="Web-{20C2B948-EF28-CFE4-9F8D-3160B5CD79A2}" dt="2023-03-08T16:36:07.822" v="22"/>
-          <pc:sldLayoutMkLst>
-            <pc:docMk/>
-            <pc:sldMasterMk cId="2475927696" sldId="2147483737"/>
-            <pc:sldLayoutMk cId="2039293145" sldId="2147483745"/>
-          </pc:sldLayoutMkLst>
-        </pc:sldLayoutChg>
-        <pc:sldLayoutChg chg="add del mod replId">
-          <pc:chgData name="Pirani,Antonio A." userId="S::523008@student.fontys.nl::b27b35d6-1459-4bed-af76-eef7aff762d7" providerId="AD" clId="Web-{20C2B948-EF28-CFE4-9F8D-3160B5CD79A2}" dt="2023-03-08T16:36:07.822" v="22"/>
-          <pc:sldLayoutMkLst>
-            <pc:docMk/>
-            <pc:sldMasterMk cId="2475927696" sldId="2147483737"/>
-            <pc:sldLayoutMk cId="131305704" sldId="2147483746"/>
-          </pc:sldLayoutMkLst>
-        </pc:sldLayoutChg>
-        <pc:sldLayoutChg chg="add del mod replId">
-          <pc:chgData name="Pirani,Antonio A." userId="S::523008@student.fontys.nl::b27b35d6-1459-4bed-af76-eef7aff762d7" providerId="AD" clId="Web-{20C2B948-EF28-CFE4-9F8D-3160B5CD79A2}" dt="2023-03-08T16:36:07.822" v="22"/>
-          <pc:sldLayoutMkLst>
-            <pc:docMk/>
-            <pc:sldMasterMk cId="2475927696" sldId="2147483737"/>
-            <pc:sldLayoutMk cId="1654761869" sldId="2147483747"/>
-          </pc:sldLayoutMkLst>
-        </pc:sldLayoutChg>
-        <pc:sldLayoutChg chg="add del mod replId">
-          <pc:chgData name="Pirani,Antonio A." userId="S::523008@student.fontys.nl::b27b35d6-1459-4bed-af76-eef7aff762d7" providerId="AD" clId="Web-{20C2B948-EF28-CFE4-9F8D-3160B5CD79A2}" dt="2023-03-08T16:36:07.822" v="22"/>
-          <pc:sldLayoutMkLst>
-            <pc:docMk/>
-            <pc:sldMasterMk cId="2475927696" sldId="2147483737"/>
-            <pc:sldLayoutMk cId="1569411816" sldId="2147483748"/>
-          </pc:sldLayoutMkLst>
-        </pc:sldLayoutChg>
-      </pc:sldMasterChg>
-      <pc:sldMasterChg chg="add del addSldLayout delSldLayout modSldLayout">
-        <pc:chgData name="Pirani,Antonio A." userId="S::523008@student.fontys.nl::b27b35d6-1459-4bed-af76-eef7aff762d7" providerId="AD" clId="Web-{20C2B948-EF28-CFE4-9F8D-3160B5CD79A2}" dt="2023-03-08T16:36:15.354" v="23"/>
-        <pc:sldMasterMkLst>
-          <pc:docMk/>
-          <pc:sldMasterMk cId="2610375169" sldId="2147483749"/>
-        </pc:sldMasterMkLst>
-        <pc:sldLayoutChg chg="add del mod replId">
-          <pc:chgData name="Pirani,Antonio A." userId="S::523008@student.fontys.nl::b27b35d6-1459-4bed-af76-eef7aff762d7" providerId="AD" clId="Web-{20C2B948-EF28-CFE4-9F8D-3160B5CD79A2}" dt="2023-03-08T16:36:15.354" v="23"/>
-          <pc:sldLayoutMkLst>
-            <pc:docMk/>
-            <pc:sldMasterMk cId="2610375169" sldId="2147483749"/>
-            <pc:sldLayoutMk cId="1195482027" sldId="2147483750"/>
-          </pc:sldLayoutMkLst>
-        </pc:sldLayoutChg>
-        <pc:sldLayoutChg chg="add del mod replId">
-          <pc:chgData name="Pirani,Antonio A." userId="S::523008@student.fontys.nl::b27b35d6-1459-4bed-af76-eef7aff762d7" providerId="AD" clId="Web-{20C2B948-EF28-CFE4-9F8D-3160B5CD79A2}" dt="2023-03-08T16:36:15.354" v="23"/>
-          <pc:sldLayoutMkLst>
-            <pc:docMk/>
-            <pc:sldMasterMk cId="2610375169" sldId="2147483749"/>
-            <pc:sldLayoutMk cId="4193033449" sldId="2147483751"/>
-          </pc:sldLayoutMkLst>
-        </pc:sldLayoutChg>
-        <pc:sldLayoutChg chg="add del mod replId">
-          <pc:chgData name="Pirani,Antonio A." userId="S::523008@student.fontys.nl::b27b35d6-1459-4bed-af76-eef7aff762d7" providerId="AD" clId="Web-{20C2B948-EF28-CFE4-9F8D-3160B5CD79A2}" dt="2023-03-08T16:36:15.354" v="23"/>
-          <pc:sldLayoutMkLst>
-            <pc:docMk/>
-            <pc:sldMasterMk cId="2610375169" sldId="2147483749"/>
-            <pc:sldLayoutMk cId="730560291" sldId="2147483752"/>
-          </pc:sldLayoutMkLst>
-        </pc:sldLayoutChg>
-        <pc:sldLayoutChg chg="add del mod replId">
-          <pc:chgData name="Pirani,Antonio A." userId="S::523008@student.fontys.nl::b27b35d6-1459-4bed-af76-eef7aff762d7" providerId="AD" clId="Web-{20C2B948-EF28-CFE4-9F8D-3160B5CD79A2}" dt="2023-03-08T16:36:15.354" v="23"/>
-          <pc:sldLayoutMkLst>
-            <pc:docMk/>
-            <pc:sldMasterMk cId="2610375169" sldId="2147483749"/>
-            <pc:sldLayoutMk cId="158644272" sldId="2147483753"/>
-          </pc:sldLayoutMkLst>
-        </pc:sldLayoutChg>
-        <pc:sldLayoutChg chg="add del mod replId">
-          <pc:chgData name="Pirani,Antonio A." userId="S::523008@student.fontys.nl::b27b35d6-1459-4bed-af76-eef7aff762d7" providerId="AD" clId="Web-{20C2B948-EF28-CFE4-9F8D-3160B5CD79A2}" dt="2023-03-08T16:36:15.354" v="23"/>
-          <pc:sldLayoutMkLst>
-            <pc:docMk/>
-            <pc:sldMasterMk cId="2610375169" sldId="2147483749"/>
-            <pc:sldLayoutMk cId="2856683064" sldId="2147483754"/>
-          </pc:sldLayoutMkLst>
-        </pc:sldLayoutChg>
-        <pc:sldLayoutChg chg="add del mod replId">
-          <pc:chgData name="Pirani,Antonio A." userId="S::523008@student.fontys.nl::b27b35d6-1459-4bed-af76-eef7aff762d7" providerId="AD" clId="Web-{20C2B948-EF28-CFE4-9F8D-3160B5CD79A2}" dt="2023-03-08T16:36:15.354" v="23"/>
-          <pc:sldLayoutMkLst>
-            <pc:docMk/>
-            <pc:sldMasterMk cId="2610375169" sldId="2147483749"/>
-            <pc:sldLayoutMk cId="547640008" sldId="2147483755"/>
-          </pc:sldLayoutMkLst>
-        </pc:sldLayoutChg>
-        <pc:sldLayoutChg chg="add del mod replId">
-          <pc:chgData name="Pirani,Antonio A." userId="S::523008@student.fontys.nl::b27b35d6-1459-4bed-af76-eef7aff762d7" providerId="AD" clId="Web-{20C2B948-EF28-CFE4-9F8D-3160B5CD79A2}" dt="2023-03-08T16:36:15.354" v="23"/>
-          <pc:sldLayoutMkLst>
-            <pc:docMk/>
-            <pc:sldMasterMk cId="2610375169" sldId="2147483749"/>
-            <pc:sldLayoutMk cId="2281075209" sldId="2147483756"/>
-          </pc:sldLayoutMkLst>
-        </pc:sldLayoutChg>
-        <pc:sldLayoutChg chg="add del mod replId">
-          <pc:chgData name="Pirani,Antonio A." userId="S::523008@student.fontys.nl::b27b35d6-1459-4bed-af76-eef7aff762d7" providerId="AD" clId="Web-{20C2B948-EF28-CFE4-9F8D-3160B5CD79A2}" dt="2023-03-08T16:36:15.354" v="23"/>
-          <pc:sldLayoutMkLst>
-            <pc:docMk/>
-            <pc:sldMasterMk cId="2610375169" sldId="2147483749"/>
-            <pc:sldLayoutMk cId="2989892749" sldId="2147483757"/>
-          </pc:sldLayoutMkLst>
-        </pc:sldLayoutChg>
-        <pc:sldLayoutChg chg="add del mod replId">
-          <pc:chgData name="Pirani,Antonio A." userId="S::523008@student.fontys.nl::b27b35d6-1459-4bed-af76-eef7aff762d7" providerId="AD" clId="Web-{20C2B948-EF28-CFE4-9F8D-3160B5CD79A2}" dt="2023-03-08T16:36:15.354" v="23"/>
-          <pc:sldLayoutMkLst>
-            <pc:docMk/>
-            <pc:sldMasterMk cId="2610375169" sldId="2147483749"/>
-            <pc:sldLayoutMk cId="1896831179" sldId="2147483758"/>
-          </pc:sldLayoutMkLst>
-        </pc:sldLayoutChg>
-        <pc:sldLayoutChg chg="add del mod replId">
-          <pc:chgData name="Pirani,Antonio A." userId="S::523008@student.fontys.nl::b27b35d6-1459-4bed-af76-eef7aff762d7" providerId="AD" clId="Web-{20C2B948-EF28-CFE4-9F8D-3160B5CD79A2}" dt="2023-03-08T16:36:15.354" v="23"/>
-          <pc:sldLayoutMkLst>
-            <pc:docMk/>
-            <pc:sldMasterMk cId="2610375169" sldId="2147483749"/>
-            <pc:sldLayoutMk cId="1304236400" sldId="2147483759"/>
-          </pc:sldLayoutMkLst>
-        </pc:sldLayoutChg>
-        <pc:sldLayoutChg chg="add del mod replId">
-          <pc:chgData name="Pirani,Antonio A." userId="S::523008@student.fontys.nl::b27b35d6-1459-4bed-af76-eef7aff762d7" providerId="AD" clId="Web-{20C2B948-EF28-CFE4-9F8D-3160B5CD79A2}" dt="2023-03-08T16:36:15.354" v="23"/>
-          <pc:sldLayoutMkLst>
-            <pc:docMk/>
-            <pc:sldMasterMk cId="2610375169" sldId="2147483749"/>
-            <pc:sldLayoutMk cId="2192750364" sldId="2147483760"/>
-          </pc:sldLayoutMkLst>
-        </pc:sldLayoutChg>
-      </pc:sldMasterChg>
-      <pc:sldMasterChg chg="add del addSldLayout delSldLayout modSldLayout">
-        <pc:chgData name="Pirani,Antonio A." userId="S::523008@student.fontys.nl::b27b35d6-1459-4bed-af76-eef7aff762d7" providerId="AD" clId="Web-{20C2B948-EF28-CFE4-9F8D-3160B5CD79A2}" dt="2023-03-08T16:36:21.791" v="24"/>
-        <pc:sldMasterMkLst>
-          <pc:docMk/>
-          <pc:sldMasterMk cId="2951386037" sldId="2147483761"/>
-        </pc:sldMasterMkLst>
-        <pc:sldLayoutChg chg="add del mod replId">
-          <pc:chgData name="Pirani,Antonio A." userId="S::523008@student.fontys.nl::b27b35d6-1459-4bed-af76-eef7aff762d7" providerId="AD" clId="Web-{20C2B948-EF28-CFE4-9F8D-3160B5CD79A2}" dt="2023-03-08T16:36:21.791" v="24"/>
-          <pc:sldLayoutMkLst>
-            <pc:docMk/>
-            <pc:sldMasterMk cId="2951386037" sldId="2147483761"/>
-            <pc:sldLayoutMk cId="3919293655" sldId="2147483762"/>
-          </pc:sldLayoutMkLst>
-        </pc:sldLayoutChg>
-        <pc:sldLayoutChg chg="add del mod replId">
-          <pc:chgData name="Pirani,Antonio A." userId="S::523008@student.fontys.nl::b27b35d6-1459-4bed-af76-eef7aff762d7" providerId="AD" clId="Web-{20C2B948-EF28-CFE4-9F8D-3160B5CD79A2}" dt="2023-03-08T16:36:21.791" v="24"/>
-          <pc:sldLayoutMkLst>
-            <pc:docMk/>
-            <pc:sldMasterMk cId="2951386037" sldId="2147483761"/>
-            <pc:sldLayoutMk cId="2651955604" sldId="2147483763"/>
-          </pc:sldLayoutMkLst>
-        </pc:sldLayoutChg>
-        <pc:sldLayoutChg chg="add del mod replId">
-          <pc:chgData name="Pirani,Antonio A." userId="S::523008@student.fontys.nl::b27b35d6-1459-4bed-af76-eef7aff762d7" providerId="AD" clId="Web-{20C2B948-EF28-CFE4-9F8D-3160B5CD79A2}" dt="2023-03-08T16:36:21.791" v="24"/>
-          <pc:sldLayoutMkLst>
-            <pc:docMk/>
-            <pc:sldMasterMk cId="2951386037" sldId="2147483761"/>
-            <pc:sldLayoutMk cId="1974210760" sldId="2147483764"/>
-          </pc:sldLayoutMkLst>
-        </pc:sldLayoutChg>
-        <pc:sldLayoutChg chg="add del mod replId">
-          <pc:chgData name="Pirani,Antonio A." userId="S::523008@student.fontys.nl::b27b35d6-1459-4bed-af76-eef7aff762d7" providerId="AD" clId="Web-{20C2B948-EF28-CFE4-9F8D-3160B5CD79A2}" dt="2023-03-08T16:36:21.791" v="24"/>
-          <pc:sldLayoutMkLst>
-            <pc:docMk/>
-            <pc:sldMasterMk cId="2951386037" sldId="2147483761"/>
-            <pc:sldLayoutMk cId="644577174" sldId="2147483765"/>
-          </pc:sldLayoutMkLst>
-        </pc:sldLayoutChg>
-        <pc:sldLayoutChg chg="add del mod replId">
-          <pc:chgData name="Pirani,Antonio A." userId="S::523008@student.fontys.nl::b27b35d6-1459-4bed-af76-eef7aff762d7" providerId="AD" clId="Web-{20C2B948-EF28-CFE4-9F8D-3160B5CD79A2}" dt="2023-03-08T16:36:21.791" v="24"/>
-          <pc:sldLayoutMkLst>
-            <pc:docMk/>
-            <pc:sldMasterMk cId="2951386037" sldId="2147483761"/>
-            <pc:sldLayoutMk cId="780292246" sldId="2147483766"/>
-          </pc:sldLayoutMkLst>
-        </pc:sldLayoutChg>
-        <pc:sldLayoutChg chg="add del mod replId">
-          <pc:chgData name="Pirani,Antonio A." userId="S::523008@student.fontys.nl::b27b35d6-1459-4bed-af76-eef7aff762d7" providerId="AD" clId="Web-{20C2B948-EF28-CFE4-9F8D-3160B5CD79A2}" dt="2023-03-08T16:36:21.791" v="24"/>
-          <pc:sldLayoutMkLst>
-            <pc:docMk/>
-            <pc:sldMasterMk cId="2951386037" sldId="2147483761"/>
-            <pc:sldLayoutMk cId="2258048089" sldId="2147483767"/>
-          </pc:sldLayoutMkLst>
-        </pc:sldLayoutChg>
-        <pc:sldLayoutChg chg="add del mod replId">
-          <pc:chgData name="Pirani,Antonio A." userId="S::523008@student.fontys.nl::b27b35d6-1459-4bed-af76-eef7aff762d7" providerId="AD" clId="Web-{20C2B948-EF28-CFE4-9F8D-3160B5CD79A2}" dt="2023-03-08T16:36:21.791" v="24"/>
-          <pc:sldLayoutMkLst>
-            <pc:docMk/>
-            <pc:sldMasterMk cId="2951386037" sldId="2147483761"/>
-            <pc:sldLayoutMk cId="2403466778" sldId="2147483768"/>
-          </pc:sldLayoutMkLst>
-        </pc:sldLayoutChg>
-        <pc:sldLayoutChg chg="add del mod replId">
-          <pc:chgData name="Pirani,Antonio A." userId="S::523008@student.fontys.nl::b27b35d6-1459-4bed-af76-eef7aff762d7" providerId="AD" clId="Web-{20C2B948-EF28-CFE4-9F8D-3160B5CD79A2}" dt="2023-03-08T16:36:21.791" v="24"/>
-          <pc:sldLayoutMkLst>
-            <pc:docMk/>
-            <pc:sldMasterMk cId="2951386037" sldId="2147483761"/>
-            <pc:sldLayoutMk cId="1417647354" sldId="2147483769"/>
-          </pc:sldLayoutMkLst>
-        </pc:sldLayoutChg>
-        <pc:sldLayoutChg chg="add del mod replId">
-          <pc:chgData name="Pirani,Antonio A." userId="S::523008@student.fontys.nl::b27b35d6-1459-4bed-af76-eef7aff762d7" providerId="AD" clId="Web-{20C2B948-EF28-CFE4-9F8D-3160B5CD79A2}" dt="2023-03-08T16:36:21.791" v="24"/>
-          <pc:sldLayoutMkLst>
-            <pc:docMk/>
-            <pc:sldMasterMk cId="2951386037" sldId="2147483761"/>
-            <pc:sldLayoutMk cId="503364208" sldId="2147483770"/>
-          </pc:sldLayoutMkLst>
-        </pc:sldLayoutChg>
-        <pc:sldLayoutChg chg="add del mod replId">
-          <pc:chgData name="Pirani,Antonio A." userId="S::523008@student.fontys.nl::b27b35d6-1459-4bed-af76-eef7aff762d7" providerId="AD" clId="Web-{20C2B948-EF28-CFE4-9F8D-3160B5CD79A2}" dt="2023-03-08T16:36:21.791" v="24"/>
-          <pc:sldLayoutMkLst>
-            <pc:docMk/>
-            <pc:sldMasterMk cId="2951386037" sldId="2147483761"/>
-            <pc:sldLayoutMk cId="540402827" sldId="2147483771"/>
-          </pc:sldLayoutMkLst>
-        </pc:sldLayoutChg>
-        <pc:sldLayoutChg chg="add del mod replId">
-          <pc:chgData name="Pirani,Antonio A." userId="S::523008@student.fontys.nl::b27b35d6-1459-4bed-af76-eef7aff762d7" providerId="AD" clId="Web-{20C2B948-EF28-CFE4-9F8D-3160B5CD79A2}" dt="2023-03-08T16:36:21.791" v="24"/>
-          <pc:sldLayoutMkLst>
-            <pc:docMk/>
-            <pc:sldMasterMk cId="2951386037" sldId="2147483761"/>
-            <pc:sldLayoutMk cId="9800057" sldId="2147483772"/>
-          </pc:sldLayoutMkLst>
-        </pc:sldLayoutChg>
-      </pc:sldMasterChg>
-      <pc:sldMasterChg chg="add del addSldLayout delSldLayout modSldLayout">
-        <pc:chgData name="Pirani,Antonio A." userId="S::523008@student.fontys.nl::b27b35d6-1459-4bed-af76-eef7aff762d7" providerId="AD" clId="Web-{20C2B948-EF28-CFE4-9F8D-3160B5CD79A2}" dt="2023-03-08T16:38:20.467" v="26"/>
-        <pc:sldMasterMkLst>
-          <pc:docMk/>
-          <pc:sldMasterMk cId="126722413" sldId="2147483773"/>
-        </pc:sldMasterMkLst>
-        <pc:sldLayoutChg chg="add del mod replId">
-          <pc:chgData name="Pirani,Antonio A." userId="S::523008@student.fontys.nl::b27b35d6-1459-4bed-af76-eef7aff762d7" providerId="AD" clId="Web-{20C2B948-EF28-CFE4-9F8D-3160B5CD79A2}" dt="2023-03-08T16:38:20.467" v="26"/>
-          <pc:sldLayoutMkLst>
-            <pc:docMk/>
-            <pc:sldMasterMk cId="126722413" sldId="2147483773"/>
-            <pc:sldLayoutMk cId="3628935510" sldId="2147483774"/>
-          </pc:sldLayoutMkLst>
-        </pc:sldLayoutChg>
-        <pc:sldLayoutChg chg="add del mod replId">
-          <pc:chgData name="Pirani,Antonio A." userId="S::523008@student.fontys.nl::b27b35d6-1459-4bed-af76-eef7aff762d7" providerId="AD" clId="Web-{20C2B948-EF28-CFE4-9F8D-3160B5CD79A2}" dt="2023-03-08T16:38:20.467" v="26"/>
-          <pc:sldLayoutMkLst>
-            <pc:docMk/>
-            <pc:sldMasterMk cId="126722413" sldId="2147483773"/>
-            <pc:sldLayoutMk cId="923104158" sldId="2147483775"/>
-          </pc:sldLayoutMkLst>
-        </pc:sldLayoutChg>
-        <pc:sldLayoutChg chg="add del mod replId">
-          <pc:chgData name="Pirani,Antonio A." userId="S::523008@student.fontys.nl::b27b35d6-1459-4bed-af76-eef7aff762d7" providerId="AD" clId="Web-{20C2B948-EF28-CFE4-9F8D-3160B5CD79A2}" dt="2023-03-08T16:38:20.467" v="26"/>
-          <pc:sldLayoutMkLst>
-            <pc:docMk/>
-            <pc:sldMasterMk cId="126722413" sldId="2147483773"/>
-            <pc:sldLayoutMk cId="3307600983" sldId="2147483776"/>
-          </pc:sldLayoutMkLst>
-        </pc:sldLayoutChg>
-        <pc:sldLayoutChg chg="add del mod replId">
-          <pc:chgData name="Pirani,Antonio A." userId="S::523008@student.fontys.nl::b27b35d6-1459-4bed-af76-eef7aff762d7" providerId="AD" clId="Web-{20C2B948-EF28-CFE4-9F8D-3160B5CD79A2}" dt="2023-03-08T16:38:20.467" v="26"/>
-          <pc:sldLayoutMkLst>
-            <pc:docMk/>
-            <pc:sldMasterMk cId="126722413" sldId="2147483773"/>
-            <pc:sldLayoutMk cId="3491811444" sldId="2147483777"/>
-          </pc:sldLayoutMkLst>
-        </pc:sldLayoutChg>
-        <pc:sldLayoutChg chg="add del mod replId">
-          <pc:chgData name="Pirani,Antonio A." userId="S::523008@student.fontys.nl::b27b35d6-1459-4bed-af76-eef7aff762d7" providerId="AD" clId="Web-{20C2B948-EF28-CFE4-9F8D-3160B5CD79A2}" dt="2023-03-08T16:38:20.467" v="26"/>
-          <pc:sldLayoutMkLst>
-            <pc:docMk/>
-            <pc:sldMasterMk cId="126722413" sldId="2147483773"/>
-            <pc:sldLayoutMk cId="788534124" sldId="2147483778"/>
-          </pc:sldLayoutMkLst>
-        </pc:sldLayoutChg>
-        <pc:sldLayoutChg chg="add del mod replId">
-          <pc:chgData name="Pirani,Antonio A." userId="S::523008@student.fontys.nl::b27b35d6-1459-4bed-af76-eef7aff762d7" providerId="AD" clId="Web-{20C2B948-EF28-CFE4-9F8D-3160B5CD79A2}" dt="2023-03-08T16:38:20.467" v="26"/>
-          <pc:sldLayoutMkLst>
-            <pc:docMk/>
-            <pc:sldMasterMk cId="126722413" sldId="2147483773"/>
-            <pc:sldLayoutMk cId="1066521556" sldId="2147483779"/>
-          </pc:sldLayoutMkLst>
-        </pc:sldLayoutChg>
-        <pc:sldLayoutChg chg="add del mod replId">
-          <pc:chgData name="Pirani,Antonio A." userId="S::523008@student.fontys.nl::b27b35d6-1459-4bed-af76-eef7aff762d7" providerId="AD" clId="Web-{20C2B948-EF28-CFE4-9F8D-3160B5CD79A2}" dt="2023-03-08T16:38:20.467" v="26"/>
-          <pc:sldLayoutMkLst>
-            <pc:docMk/>
-            <pc:sldMasterMk cId="126722413" sldId="2147483773"/>
-            <pc:sldLayoutMk cId="2253814939" sldId="2147483780"/>
-          </pc:sldLayoutMkLst>
-        </pc:sldLayoutChg>
-        <pc:sldLayoutChg chg="add del mod replId">
-          <pc:chgData name="Pirani,Antonio A." userId="S::523008@student.fontys.nl::b27b35d6-1459-4bed-af76-eef7aff762d7" providerId="AD" clId="Web-{20C2B948-EF28-CFE4-9F8D-3160B5CD79A2}" dt="2023-03-08T16:38:20.467" v="26"/>
-          <pc:sldLayoutMkLst>
-            <pc:docMk/>
-            <pc:sldMasterMk cId="126722413" sldId="2147483773"/>
-            <pc:sldLayoutMk cId="3721305270" sldId="2147483781"/>
-          </pc:sldLayoutMkLst>
-        </pc:sldLayoutChg>
-        <pc:sldLayoutChg chg="add del mod replId">
-          <pc:chgData name="Pirani,Antonio A." userId="S::523008@student.fontys.nl::b27b35d6-1459-4bed-af76-eef7aff762d7" providerId="AD" clId="Web-{20C2B948-EF28-CFE4-9F8D-3160B5CD79A2}" dt="2023-03-08T16:38:20.467" v="26"/>
-          <pc:sldLayoutMkLst>
-            <pc:docMk/>
-            <pc:sldMasterMk cId="126722413" sldId="2147483773"/>
-            <pc:sldLayoutMk cId="310439" sldId="2147483782"/>
-          </pc:sldLayoutMkLst>
-        </pc:sldLayoutChg>
-        <pc:sldLayoutChg chg="add del mod replId">
-          <pc:chgData name="Pirani,Antonio A." userId="S::523008@student.fontys.nl::b27b35d6-1459-4bed-af76-eef7aff762d7" providerId="AD" clId="Web-{20C2B948-EF28-CFE4-9F8D-3160B5CD79A2}" dt="2023-03-08T16:38:20.467" v="26"/>
-          <pc:sldLayoutMkLst>
-            <pc:docMk/>
-            <pc:sldMasterMk cId="126722413" sldId="2147483773"/>
-            <pc:sldLayoutMk cId="263335032" sldId="2147483783"/>
-          </pc:sldLayoutMkLst>
-        </pc:sldLayoutChg>
-        <pc:sldLayoutChg chg="add del mod replId">
-          <pc:chgData name="Pirani,Antonio A." userId="S::523008@student.fontys.nl::b27b35d6-1459-4bed-af76-eef7aff762d7" providerId="AD" clId="Web-{20C2B948-EF28-CFE4-9F8D-3160B5CD79A2}" dt="2023-03-08T16:38:20.467" v="26"/>
-          <pc:sldLayoutMkLst>
-            <pc:docMk/>
-            <pc:sldMasterMk cId="126722413" sldId="2147483773"/>
-            <pc:sldLayoutMk cId="22908572" sldId="2147483784"/>
-          </pc:sldLayoutMkLst>
-        </pc:sldLayoutChg>
-      </pc:sldMasterChg>
-      <pc:sldMasterChg chg="add del addSldLayout delSldLayout modSldLayout">
-        <pc:chgData name="Pirani,Antonio A." userId="S::523008@student.fontys.nl::b27b35d6-1459-4bed-af76-eef7aff762d7" providerId="AD" clId="Web-{20C2B948-EF28-CFE4-9F8D-3160B5CD79A2}" dt="2023-03-08T16:38:35.030" v="27"/>
-        <pc:sldMasterMkLst>
-          <pc:docMk/>
-          <pc:sldMasterMk cId="2740865849" sldId="2147483785"/>
-        </pc:sldMasterMkLst>
-        <pc:sldLayoutChg chg="add del mod replId">
-          <pc:chgData name="Pirani,Antonio A." userId="S::523008@student.fontys.nl::b27b35d6-1459-4bed-af76-eef7aff762d7" providerId="AD" clId="Web-{20C2B948-EF28-CFE4-9F8D-3160B5CD79A2}" dt="2023-03-08T16:38:35.030" v="27"/>
-          <pc:sldLayoutMkLst>
-            <pc:docMk/>
-            <pc:sldMasterMk cId="2740865849" sldId="2147483785"/>
-            <pc:sldLayoutMk cId="1095151789" sldId="2147483786"/>
-          </pc:sldLayoutMkLst>
-        </pc:sldLayoutChg>
-        <pc:sldLayoutChg chg="add del mod replId">
-          <pc:chgData name="Pirani,Antonio A." userId="S::523008@student.fontys.nl::b27b35d6-1459-4bed-af76-eef7aff762d7" providerId="AD" clId="Web-{20C2B948-EF28-CFE4-9F8D-3160B5CD79A2}" dt="2023-03-08T16:38:35.030" v="27"/>
-          <pc:sldLayoutMkLst>
-            <pc:docMk/>
-            <pc:sldMasterMk cId="2740865849" sldId="2147483785"/>
-            <pc:sldLayoutMk cId="1360042950" sldId="2147483787"/>
-          </pc:sldLayoutMkLst>
-        </pc:sldLayoutChg>
-        <pc:sldLayoutChg chg="add del mod replId">
-          <pc:chgData name="Pirani,Antonio A." userId="S::523008@student.fontys.nl::b27b35d6-1459-4bed-af76-eef7aff762d7" providerId="AD" clId="Web-{20C2B948-EF28-CFE4-9F8D-3160B5CD79A2}" dt="2023-03-08T16:38:35.030" v="27"/>
-          <pc:sldLayoutMkLst>
-            <pc:docMk/>
-            <pc:sldMasterMk cId="2740865849" sldId="2147483785"/>
-            <pc:sldLayoutMk cId="1243915253" sldId="2147483788"/>
-          </pc:sldLayoutMkLst>
-        </pc:sldLayoutChg>
-        <pc:sldLayoutChg chg="add del mod replId">
-          <pc:chgData name="Pirani,Antonio A." userId="S::523008@student.fontys.nl::b27b35d6-1459-4bed-af76-eef7aff762d7" providerId="AD" clId="Web-{20C2B948-EF28-CFE4-9F8D-3160B5CD79A2}" dt="2023-03-08T16:38:35.030" v="27"/>
-          <pc:sldLayoutMkLst>
-            <pc:docMk/>
-            <pc:sldMasterMk cId="2740865849" sldId="2147483785"/>
-            <pc:sldLayoutMk cId="3306891427" sldId="2147483789"/>
-          </pc:sldLayoutMkLst>
-        </pc:sldLayoutChg>
-        <pc:sldLayoutChg chg="add del mod replId">
-          <pc:chgData name="Pirani,Antonio A." userId="S::523008@student.fontys.nl::b27b35d6-1459-4bed-af76-eef7aff762d7" providerId="AD" clId="Web-{20C2B948-EF28-CFE4-9F8D-3160B5CD79A2}" dt="2023-03-08T16:38:35.030" v="27"/>
-          <pc:sldLayoutMkLst>
-            <pc:docMk/>
-            <pc:sldMasterMk cId="2740865849" sldId="2147483785"/>
-            <pc:sldLayoutMk cId="4072700847" sldId="2147483790"/>
-          </pc:sldLayoutMkLst>
-        </pc:sldLayoutChg>
-        <pc:sldLayoutChg chg="add del mod replId">
-          <pc:chgData name="Pirani,Antonio A." userId="S::523008@student.fontys.nl::b27b35d6-1459-4bed-af76-eef7aff762d7" providerId="AD" clId="Web-{20C2B948-EF28-CFE4-9F8D-3160B5CD79A2}" dt="2023-03-08T16:38:35.030" v="27"/>
-          <pc:sldLayoutMkLst>
-            <pc:docMk/>
-            <pc:sldMasterMk cId="2740865849" sldId="2147483785"/>
-            <pc:sldLayoutMk cId="352291852" sldId="2147483791"/>
-          </pc:sldLayoutMkLst>
-        </pc:sldLayoutChg>
-        <pc:sldLayoutChg chg="add del mod replId">
-          <pc:chgData name="Pirani,Antonio A." userId="S::523008@student.fontys.nl::b27b35d6-1459-4bed-af76-eef7aff762d7" providerId="AD" clId="Web-{20C2B948-EF28-CFE4-9F8D-3160B5CD79A2}" dt="2023-03-08T16:38:35.030" v="27"/>
-          <pc:sldLayoutMkLst>
-            <pc:docMk/>
-            <pc:sldMasterMk cId="2740865849" sldId="2147483785"/>
-            <pc:sldLayoutMk cId="2554185127" sldId="2147483792"/>
-          </pc:sldLayoutMkLst>
-        </pc:sldLayoutChg>
-        <pc:sldLayoutChg chg="add del mod replId">
-          <pc:chgData name="Pirani,Antonio A." userId="S::523008@student.fontys.nl::b27b35d6-1459-4bed-af76-eef7aff762d7" providerId="AD" clId="Web-{20C2B948-EF28-CFE4-9F8D-3160B5CD79A2}" dt="2023-03-08T16:38:35.030" v="27"/>
-          <pc:sldLayoutMkLst>
-            <pc:docMk/>
-            <pc:sldMasterMk cId="2740865849" sldId="2147483785"/>
-            <pc:sldLayoutMk cId="1473937704" sldId="2147483793"/>
-          </pc:sldLayoutMkLst>
-        </pc:sldLayoutChg>
-        <pc:sldLayoutChg chg="add del mod replId">
-          <pc:chgData name="Pirani,Antonio A." userId="S::523008@student.fontys.nl::b27b35d6-1459-4bed-af76-eef7aff762d7" providerId="AD" clId="Web-{20C2B948-EF28-CFE4-9F8D-3160B5CD79A2}" dt="2023-03-08T16:38:35.030" v="27"/>
-          <pc:sldLayoutMkLst>
-            <pc:docMk/>
-            <pc:sldMasterMk cId="2740865849" sldId="2147483785"/>
-            <pc:sldLayoutMk cId="96492894" sldId="2147483794"/>
-          </pc:sldLayoutMkLst>
-        </pc:sldLayoutChg>
-        <pc:sldLayoutChg chg="add del mod replId">
-          <pc:chgData name="Pirani,Antonio A." userId="S::523008@student.fontys.nl::b27b35d6-1459-4bed-af76-eef7aff762d7" providerId="AD" clId="Web-{20C2B948-EF28-CFE4-9F8D-3160B5CD79A2}" dt="2023-03-08T16:38:35.030" v="27"/>
-          <pc:sldLayoutMkLst>
-            <pc:docMk/>
-            <pc:sldMasterMk cId="2740865849" sldId="2147483785"/>
-            <pc:sldLayoutMk cId="1589675998" sldId="2147483795"/>
-          </pc:sldLayoutMkLst>
-        </pc:sldLayoutChg>
-        <pc:sldLayoutChg chg="add del mod replId">
-          <pc:chgData name="Pirani,Antonio A." userId="S::523008@student.fontys.nl::b27b35d6-1459-4bed-af76-eef7aff762d7" providerId="AD" clId="Web-{20C2B948-EF28-CFE4-9F8D-3160B5CD79A2}" dt="2023-03-08T16:38:35.030" v="27"/>
-          <pc:sldLayoutMkLst>
-            <pc:docMk/>
-            <pc:sldMasterMk cId="2740865849" sldId="2147483785"/>
-            <pc:sldLayoutMk cId="1827408947" sldId="2147483796"/>
-          </pc:sldLayoutMkLst>
-        </pc:sldLayoutChg>
-        <pc:sldLayoutChg chg="add del mod replId">
-          <pc:chgData name="Pirani,Antonio A." userId="S::523008@student.fontys.nl::b27b35d6-1459-4bed-af76-eef7aff762d7" providerId="AD" clId="Web-{20C2B948-EF28-CFE4-9F8D-3160B5CD79A2}" dt="2023-03-08T16:38:35.030" v="27"/>
-          <pc:sldLayoutMkLst>
-            <pc:docMk/>
-            <pc:sldMasterMk cId="2740865849" sldId="2147483785"/>
-            <pc:sldLayoutMk cId="1327556202" sldId="2147483797"/>
-          </pc:sldLayoutMkLst>
-        </pc:sldLayoutChg>
-        <pc:sldLayoutChg chg="add del mod replId">
-          <pc:chgData name="Pirani,Antonio A." userId="S::523008@student.fontys.nl::b27b35d6-1459-4bed-af76-eef7aff762d7" providerId="AD" clId="Web-{20C2B948-EF28-CFE4-9F8D-3160B5CD79A2}" dt="2023-03-08T16:38:35.030" v="27"/>
-          <pc:sldLayoutMkLst>
-            <pc:docMk/>
-            <pc:sldMasterMk cId="2740865849" sldId="2147483785"/>
-            <pc:sldLayoutMk cId="273897544" sldId="2147483798"/>
-          </pc:sldLayoutMkLst>
-        </pc:sldLayoutChg>
-        <pc:sldLayoutChg chg="add del mod replId">
-          <pc:chgData name="Pirani,Antonio A." userId="S::523008@student.fontys.nl::b27b35d6-1459-4bed-af76-eef7aff762d7" providerId="AD" clId="Web-{20C2B948-EF28-CFE4-9F8D-3160B5CD79A2}" dt="2023-03-08T16:38:35.030" v="27"/>
-          <pc:sldLayoutMkLst>
-            <pc:docMk/>
-            <pc:sldMasterMk cId="2740865849" sldId="2147483785"/>
-            <pc:sldLayoutMk cId="64084714" sldId="2147483799"/>
-          </pc:sldLayoutMkLst>
-        </pc:sldLayoutChg>
-        <pc:sldLayoutChg chg="add del mod replId">
-          <pc:chgData name="Pirani,Antonio A." userId="S::523008@student.fontys.nl::b27b35d6-1459-4bed-af76-eef7aff762d7" providerId="AD" clId="Web-{20C2B948-EF28-CFE4-9F8D-3160B5CD79A2}" dt="2023-03-08T16:38:35.030" v="27"/>
-          <pc:sldLayoutMkLst>
-            <pc:docMk/>
-            <pc:sldMasterMk cId="2740865849" sldId="2147483785"/>
-            <pc:sldLayoutMk cId="3539351018" sldId="2147483800"/>
-          </pc:sldLayoutMkLst>
-        </pc:sldLayoutChg>
-        <pc:sldLayoutChg chg="add del mod replId">
-          <pc:chgData name="Pirani,Antonio A." userId="S::523008@student.fontys.nl::b27b35d6-1459-4bed-af76-eef7aff762d7" providerId="AD" clId="Web-{20C2B948-EF28-CFE4-9F8D-3160B5CD79A2}" dt="2023-03-08T16:38:35.030" v="27"/>
-          <pc:sldLayoutMkLst>
-            <pc:docMk/>
-            <pc:sldMasterMk cId="2740865849" sldId="2147483785"/>
-            <pc:sldLayoutMk cId="39512825" sldId="2147483801"/>
-          </pc:sldLayoutMkLst>
-        </pc:sldLayoutChg>
-        <pc:sldLayoutChg chg="add del mod replId">
-          <pc:chgData name="Pirani,Antonio A." userId="S::523008@student.fontys.nl::b27b35d6-1459-4bed-af76-eef7aff762d7" providerId="AD" clId="Web-{20C2B948-EF28-CFE4-9F8D-3160B5CD79A2}" dt="2023-03-08T16:38:35.030" v="27"/>
-          <pc:sldLayoutMkLst>
-            <pc:docMk/>
-            <pc:sldMasterMk cId="2740865849" sldId="2147483785"/>
-            <pc:sldLayoutMk cId="555748791" sldId="2147483802"/>
-          </pc:sldLayoutMkLst>
-        </pc:sldLayoutChg>
-      </pc:sldMasterChg>
-      <pc:sldMasterChg chg="add del addSldLayout delSldLayout modSldLayout">
-        <pc:chgData name="Pirani,Antonio A." userId="S::523008@student.fontys.nl::b27b35d6-1459-4bed-af76-eef7aff762d7" providerId="AD" clId="Web-{20C2B948-EF28-CFE4-9F8D-3160B5CD79A2}" dt="2023-03-08T16:39:01.688" v="29"/>
-        <pc:sldMasterMkLst>
-          <pc:docMk/>
-          <pc:sldMasterMk cId="385326077" sldId="2147483803"/>
-        </pc:sldMasterMkLst>
-        <pc:sldLayoutChg chg="add del mod replId">
-          <pc:chgData name="Pirani,Antonio A." userId="S::523008@student.fontys.nl::b27b35d6-1459-4bed-af76-eef7aff762d7" providerId="AD" clId="Web-{20C2B948-EF28-CFE4-9F8D-3160B5CD79A2}" dt="2023-03-08T16:39:01.688" v="29"/>
-          <pc:sldLayoutMkLst>
-            <pc:docMk/>
-            <pc:sldMasterMk cId="385326077" sldId="2147483803"/>
-            <pc:sldLayoutMk cId="1469689303" sldId="2147483804"/>
-          </pc:sldLayoutMkLst>
-        </pc:sldLayoutChg>
-        <pc:sldLayoutChg chg="add del mod replId">
-          <pc:chgData name="Pirani,Antonio A." userId="S::523008@student.fontys.nl::b27b35d6-1459-4bed-af76-eef7aff762d7" providerId="AD" clId="Web-{20C2B948-EF28-CFE4-9F8D-3160B5CD79A2}" dt="2023-03-08T16:39:01.688" v="29"/>
-          <pc:sldLayoutMkLst>
-            <pc:docMk/>
-            <pc:sldMasterMk cId="385326077" sldId="2147483803"/>
-            <pc:sldLayoutMk cId="2008480393" sldId="2147483805"/>
-          </pc:sldLayoutMkLst>
-        </pc:sldLayoutChg>
-        <pc:sldLayoutChg chg="add del mod replId">
-          <pc:chgData name="Pirani,Antonio A." userId="S::523008@student.fontys.nl::b27b35d6-1459-4bed-af76-eef7aff762d7" providerId="AD" clId="Web-{20C2B948-EF28-CFE4-9F8D-3160B5CD79A2}" dt="2023-03-08T16:39:01.688" v="29"/>
-          <pc:sldLayoutMkLst>
-            <pc:docMk/>
-            <pc:sldMasterMk cId="385326077" sldId="2147483803"/>
-            <pc:sldLayoutMk cId="1899614088" sldId="2147483806"/>
-          </pc:sldLayoutMkLst>
-        </pc:sldLayoutChg>
-        <pc:sldLayoutChg chg="add del mod replId">
-          <pc:chgData name="Pirani,Antonio A." userId="S::523008@student.fontys.nl::b27b35d6-1459-4bed-af76-eef7aff762d7" providerId="AD" clId="Web-{20C2B948-EF28-CFE4-9F8D-3160B5CD79A2}" dt="2023-03-08T16:39:01.688" v="29"/>
-          <pc:sldLayoutMkLst>
-            <pc:docMk/>
-            <pc:sldMasterMk cId="385326077" sldId="2147483803"/>
-            <pc:sldLayoutMk cId="103519760" sldId="2147483807"/>
-          </pc:sldLayoutMkLst>
-        </pc:sldLayoutChg>
-        <pc:sldLayoutChg chg="add del mod replId">
-          <pc:chgData name="Pirani,Antonio A." userId="S::523008@student.fontys.nl::b27b35d6-1459-4bed-af76-eef7aff762d7" providerId="AD" clId="Web-{20C2B948-EF28-CFE4-9F8D-3160B5CD79A2}" dt="2023-03-08T16:39:01.688" v="29"/>
-          <pc:sldLayoutMkLst>
-            <pc:docMk/>
-            <pc:sldMasterMk cId="385326077" sldId="2147483803"/>
-            <pc:sldLayoutMk cId="791743001" sldId="2147483808"/>
-          </pc:sldLayoutMkLst>
-        </pc:sldLayoutChg>
-        <pc:sldLayoutChg chg="add del mod replId">
-          <pc:chgData name="Pirani,Antonio A." userId="S::523008@student.fontys.nl::b27b35d6-1459-4bed-af76-eef7aff762d7" providerId="AD" clId="Web-{20C2B948-EF28-CFE4-9F8D-3160B5CD79A2}" dt="2023-03-08T16:39:01.688" v="29"/>
-          <pc:sldLayoutMkLst>
-            <pc:docMk/>
-            <pc:sldMasterMk cId="385326077" sldId="2147483803"/>
-            <pc:sldLayoutMk cId="1396113544" sldId="2147483809"/>
-          </pc:sldLayoutMkLst>
-        </pc:sldLayoutChg>
-        <pc:sldLayoutChg chg="add del mod replId">
-          <pc:chgData name="Pirani,Antonio A." userId="S::523008@student.fontys.nl::b27b35d6-1459-4bed-af76-eef7aff762d7" providerId="AD" clId="Web-{20C2B948-EF28-CFE4-9F8D-3160B5CD79A2}" dt="2023-03-08T16:39:01.688" v="29"/>
-          <pc:sldLayoutMkLst>
-            <pc:docMk/>
-            <pc:sldMasterMk cId="385326077" sldId="2147483803"/>
-            <pc:sldLayoutMk cId="914805495" sldId="2147483810"/>
-          </pc:sldLayoutMkLst>
-        </pc:sldLayoutChg>
-        <pc:sldLayoutChg chg="add del mod replId">
-          <pc:chgData name="Pirani,Antonio A." userId="S::523008@student.fontys.nl::b27b35d6-1459-4bed-af76-eef7aff762d7" providerId="AD" clId="Web-{20C2B948-EF28-CFE4-9F8D-3160B5CD79A2}" dt="2023-03-08T16:39:01.688" v="29"/>
-          <pc:sldLayoutMkLst>
-            <pc:docMk/>
-            <pc:sldMasterMk cId="385326077" sldId="2147483803"/>
-            <pc:sldLayoutMk cId="3364881494" sldId="2147483811"/>
-          </pc:sldLayoutMkLst>
-        </pc:sldLayoutChg>
-        <pc:sldLayoutChg chg="add del mod replId">
-          <pc:chgData name="Pirani,Antonio A." userId="S::523008@student.fontys.nl::b27b35d6-1459-4bed-af76-eef7aff762d7" providerId="AD" clId="Web-{20C2B948-EF28-CFE4-9F8D-3160B5CD79A2}" dt="2023-03-08T16:39:01.688" v="29"/>
-          <pc:sldLayoutMkLst>
-            <pc:docMk/>
-            <pc:sldMasterMk cId="385326077" sldId="2147483803"/>
-            <pc:sldLayoutMk cId="2118131501" sldId="2147483812"/>
-          </pc:sldLayoutMkLst>
-        </pc:sldLayoutChg>
-        <pc:sldLayoutChg chg="add del mod replId">
-          <pc:chgData name="Pirani,Antonio A." userId="S::523008@student.fontys.nl::b27b35d6-1459-4bed-af76-eef7aff762d7" providerId="AD" clId="Web-{20C2B948-EF28-CFE4-9F8D-3160B5CD79A2}" dt="2023-03-08T16:39:01.688" v="29"/>
-          <pc:sldLayoutMkLst>
-            <pc:docMk/>
-            <pc:sldMasterMk cId="385326077" sldId="2147483803"/>
-            <pc:sldLayoutMk cId="3250691628" sldId="2147483813"/>
-          </pc:sldLayoutMkLst>
-        </pc:sldLayoutChg>
-        <pc:sldLayoutChg chg="add del mod replId">
-          <pc:chgData name="Pirani,Antonio A." userId="S::523008@student.fontys.nl::b27b35d6-1459-4bed-af76-eef7aff762d7" providerId="AD" clId="Web-{20C2B948-EF28-CFE4-9F8D-3160B5CD79A2}" dt="2023-03-08T16:39:01.688" v="29"/>
-          <pc:sldLayoutMkLst>
-            <pc:docMk/>
-            <pc:sldMasterMk cId="385326077" sldId="2147483803"/>
-            <pc:sldLayoutMk cId="1809044146" sldId="2147483814"/>
-          </pc:sldLayoutMkLst>
-        </pc:sldLayoutChg>
-      </pc:sldMasterChg>
-      <pc:sldMasterChg chg="add del addSldLayout delSldLayout modSldLayout">
-        <pc:chgData name="Pirani,Antonio A." userId="S::523008@student.fontys.nl::b27b35d6-1459-4bed-af76-eef7aff762d7" providerId="AD" clId="Web-{20C2B948-EF28-CFE4-9F8D-3160B5CD79A2}" dt="2023-03-08T16:39:26.564" v="30"/>
-        <pc:sldMasterMkLst>
-          <pc:docMk/>
-          <pc:sldMasterMk cId="3608987244" sldId="2147483815"/>
-        </pc:sldMasterMkLst>
-        <pc:sldLayoutChg chg="add del mod replId">
-          <pc:chgData name="Pirani,Antonio A." userId="S::523008@student.fontys.nl::b27b35d6-1459-4bed-af76-eef7aff762d7" providerId="AD" clId="Web-{20C2B948-EF28-CFE4-9F8D-3160B5CD79A2}" dt="2023-03-08T16:39:26.564" v="30"/>
-          <pc:sldLayoutMkLst>
-            <pc:docMk/>
-            <pc:sldMasterMk cId="3608987244" sldId="2147483815"/>
-            <pc:sldLayoutMk cId="1115304581" sldId="2147483816"/>
-          </pc:sldLayoutMkLst>
-        </pc:sldLayoutChg>
-        <pc:sldLayoutChg chg="add del mod replId">
-          <pc:chgData name="Pirani,Antonio A." userId="S::523008@student.fontys.nl::b27b35d6-1459-4bed-af76-eef7aff762d7" providerId="AD" clId="Web-{20C2B948-EF28-CFE4-9F8D-3160B5CD79A2}" dt="2023-03-08T16:39:26.564" v="30"/>
-          <pc:sldLayoutMkLst>
-            <pc:docMk/>
-            <pc:sldMasterMk cId="3608987244" sldId="2147483815"/>
-            <pc:sldLayoutMk cId="3865487013" sldId="2147483817"/>
-          </pc:sldLayoutMkLst>
-        </pc:sldLayoutChg>
-        <pc:sldLayoutChg chg="add del mod replId">
-          <pc:chgData name="Pirani,Antonio A." userId="S::523008@student.fontys.nl::b27b35d6-1459-4bed-af76-eef7aff762d7" providerId="AD" clId="Web-{20C2B948-EF28-CFE4-9F8D-3160B5CD79A2}" dt="2023-03-08T16:39:26.564" v="30"/>
-          <pc:sldLayoutMkLst>
-            <pc:docMk/>
-            <pc:sldMasterMk cId="3608987244" sldId="2147483815"/>
-            <pc:sldLayoutMk cId="2468248513" sldId="2147483818"/>
-          </pc:sldLayoutMkLst>
-        </pc:sldLayoutChg>
-        <pc:sldLayoutChg chg="add del mod replId">
-          <pc:chgData name="Pirani,Antonio A." userId="S::523008@student.fontys.nl::b27b35d6-1459-4bed-af76-eef7aff762d7" providerId="AD" clId="Web-{20C2B948-EF28-CFE4-9F8D-3160B5CD79A2}" dt="2023-03-08T16:39:26.564" v="30"/>
-          <pc:sldLayoutMkLst>
-            <pc:docMk/>
-            <pc:sldMasterMk cId="3608987244" sldId="2147483815"/>
-            <pc:sldLayoutMk cId="3474655223" sldId="2147483819"/>
-          </pc:sldLayoutMkLst>
-        </pc:sldLayoutChg>
-        <pc:sldLayoutChg chg="add del mod replId">
-          <pc:chgData name="Pirani,Antonio A." userId="S::523008@student.fontys.nl::b27b35d6-1459-4bed-af76-eef7aff762d7" providerId="AD" clId="Web-{20C2B948-EF28-CFE4-9F8D-3160B5CD79A2}" dt="2023-03-08T16:39:26.564" v="30"/>
-          <pc:sldLayoutMkLst>
-            <pc:docMk/>
-            <pc:sldMasterMk cId="3608987244" sldId="2147483815"/>
-            <pc:sldLayoutMk cId="4269211789" sldId="2147483820"/>
-          </pc:sldLayoutMkLst>
-        </pc:sldLayoutChg>
-        <pc:sldLayoutChg chg="add del mod replId">
-          <pc:chgData name="Pirani,Antonio A." userId="S::523008@student.fontys.nl::b27b35d6-1459-4bed-af76-eef7aff762d7" providerId="AD" clId="Web-{20C2B948-EF28-CFE4-9F8D-3160B5CD79A2}" dt="2023-03-08T16:39:26.564" v="30"/>
-          <pc:sldLayoutMkLst>
-            <pc:docMk/>
-            <pc:sldMasterMk cId="3608987244" sldId="2147483815"/>
-            <pc:sldLayoutMk cId="689883480" sldId="2147483821"/>
-          </pc:sldLayoutMkLst>
-        </pc:sldLayoutChg>
-        <pc:sldLayoutChg chg="add del mod replId">
-          <pc:chgData name="Pirani,Antonio A." userId="S::523008@student.fontys.nl::b27b35d6-1459-4bed-af76-eef7aff762d7" providerId="AD" clId="Web-{20C2B948-EF28-CFE4-9F8D-3160B5CD79A2}" dt="2023-03-08T16:39:26.564" v="30"/>
-          <pc:sldLayoutMkLst>
-            <pc:docMk/>
-            <pc:sldMasterMk cId="3608987244" sldId="2147483815"/>
-            <pc:sldLayoutMk cId="1244576562" sldId="2147483822"/>
-          </pc:sldLayoutMkLst>
-        </pc:sldLayoutChg>
-        <pc:sldLayoutChg chg="add del mod replId">
-          <pc:chgData name="Pirani,Antonio A." userId="S::523008@student.fontys.nl::b27b35d6-1459-4bed-af76-eef7aff762d7" providerId="AD" clId="Web-{20C2B948-EF28-CFE4-9F8D-3160B5CD79A2}" dt="2023-03-08T16:39:26.564" v="30"/>
-          <pc:sldLayoutMkLst>
-            <pc:docMk/>
-            <pc:sldMasterMk cId="3608987244" sldId="2147483815"/>
-            <pc:sldLayoutMk cId="3427617142" sldId="2147483823"/>
-          </pc:sldLayoutMkLst>
-        </pc:sldLayoutChg>
-        <pc:sldLayoutChg chg="add del mod replId">
-          <pc:chgData name="Pirani,Antonio A." userId="S::523008@student.fontys.nl::b27b35d6-1459-4bed-af76-eef7aff762d7" providerId="AD" clId="Web-{20C2B948-EF28-CFE4-9F8D-3160B5CD79A2}" dt="2023-03-08T16:39:26.564" v="30"/>
-          <pc:sldLayoutMkLst>
-            <pc:docMk/>
-            <pc:sldMasterMk cId="3608987244" sldId="2147483815"/>
-            <pc:sldLayoutMk cId="276839897" sldId="2147483824"/>
-          </pc:sldLayoutMkLst>
-        </pc:sldLayoutChg>
-        <pc:sldLayoutChg chg="add del mod replId">
-          <pc:chgData name="Pirani,Antonio A." userId="S::523008@student.fontys.nl::b27b35d6-1459-4bed-af76-eef7aff762d7" providerId="AD" clId="Web-{20C2B948-EF28-CFE4-9F8D-3160B5CD79A2}" dt="2023-03-08T16:39:26.564" v="30"/>
-          <pc:sldLayoutMkLst>
-            <pc:docMk/>
-            <pc:sldMasterMk cId="3608987244" sldId="2147483815"/>
-            <pc:sldLayoutMk cId="3607270644" sldId="2147483825"/>
-          </pc:sldLayoutMkLst>
-        </pc:sldLayoutChg>
-        <pc:sldLayoutChg chg="add del mod replId">
-          <pc:chgData name="Pirani,Antonio A." userId="S::523008@student.fontys.nl::b27b35d6-1459-4bed-af76-eef7aff762d7" providerId="AD" clId="Web-{20C2B948-EF28-CFE4-9F8D-3160B5CD79A2}" dt="2023-03-08T16:39:26.564" v="30"/>
-          <pc:sldLayoutMkLst>
-            <pc:docMk/>
-            <pc:sldMasterMk cId="3608987244" sldId="2147483815"/>
-            <pc:sldLayoutMk cId="3737164316" sldId="2147483826"/>
-          </pc:sldLayoutMkLst>
-        </pc:sldLayoutChg>
-      </pc:sldMasterChg>
-      <pc:sldMasterChg chg="add addSldLayout modSldLayout">
-        <pc:chgData name="Pirani,Antonio A." userId="S::523008@student.fontys.nl::b27b35d6-1459-4bed-af76-eef7aff762d7" providerId="AD" clId="Web-{20C2B948-EF28-CFE4-9F8D-3160B5CD79A2}" dt="2023-03-08T16:39:26.564" v="30"/>
-        <pc:sldMasterMkLst>
-          <pc:docMk/>
-          <pc:sldMasterMk cId="704450452" sldId="2147483827"/>
-        </pc:sldMasterMkLst>
-        <pc:sldLayoutChg chg="add mod replId">
-          <pc:chgData name="Pirani,Antonio A." userId="S::523008@student.fontys.nl::b27b35d6-1459-4bed-af76-eef7aff762d7" providerId="AD" clId="Web-{20C2B948-EF28-CFE4-9F8D-3160B5CD79A2}" dt="2023-03-08T16:39:26.564" v="30"/>
-          <pc:sldLayoutMkLst>
-            <pc:docMk/>
-            <pc:sldMasterMk cId="704450452" sldId="2147483827"/>
-            <pc:sldLayoutMk cId="4080721671" sldId="2147483828"/>
-          </pc:sldLayoutMkLst>
-        </pc:sldLayoutChg>
-        <pc:sldLayoutChg chg="add mod replId">
-          <pc:chgData name="Pirani,Antonio A." userId="S::523008@student.fontys.nl::b27b35d6-1459-4bed-af76-eef7aff762d7" providerId="AD" clId="Web-{20C2B948-EF28-CFE4-9F8D-3160B5CD79A2}" dt="2023-03-08T16:39:26.564" v="30"/>
-          <pc:sldLayoutMkLst>
-            <pc:docMk/>
-            <pc:sldMasterMk cId="704450452" sldId="2147483827"/>
-            <pc:sldLayoutMk cId="1863334289" sldId="2147483829"/>
-          </pc:sldLayoutMkLst>
-        </pc:sldLayoutChg>
-        <pc:sldLayoutChg chg="add mod replId">
-          <pc:chgData name="Pirani,Antonio A." userId="S::523008@student.fontys.nl::b27b35d6-1459-4bed-af76-eef7aff762d7" providerId="AD" clId="Web-{20C2B948-EF28-CFE4-9F8D-3160B5CD79A2}" dt="2023-03-08T16:39:26.564" v="30"/>
-          <pc:sldLayoutMkLst>
-            <pc:docMk/>
-            <pc:sldMasterMk cId="704450452" sldId="2147483827"/>
-            <pc:sldLayoutMk cId="3401339084" sldId="2147483830"/>
-          </pc:sldLayoutMkLst>
-        </pc:sldLayoutChg>
-        <pc:sldLayoutChg chg="add mod replId">
-          <pc:chgData name="Pirani,Antonio A." userId="S::523008@student.fontys.nl::b27b35d6-1459-4bed-af76-eef7aff762d7" providerId="AD" clId="Web-{20C2B948-EF28-CFE4-9F8D-3160B5CD79A2}" dt="2023-03-08T16:39:26.564" v="30"/>
-          <pc:sldLayoutMkLst>
-            <pc:docMk/>
-            <pc:sldMasterMk cId="704450452" sldId="2147483827"/>
-            <pc:sldLayoutMk cId="3197171573" sldId="2147483831"/>
-          </pc:sldLayoutMkLst>
-        </pc:sldLayoutChg>
-        <pc:sldLayoutChg chg="add mod replId">
-          <pc:chgData name="Pirani,Antonio A." userId="S::523008@student.fontys.nl::b27b35d6-1459-4bed-af76-eef7aff762d7" providerId="AD" clId="Web-{20C2B948-EF28-CFE4-9F8D-3160B5CD79A2}" dt="2023-03-08T16:39:26.564" v="30"/>
-          <pc:sldLayoutMkLst>
-            <pc:docMk/>
-            <pc:sldMasterMk cId="704450452" sldId="2147483827"/>
-            <pc:sldLayoutMk cId="348234749" sldId="2147483832"/>
-          </pc:sldLayoutMkLst>
-        </pc:sldLayoutChg>
-        <pc:sldLayoutChg chg="add mod replId">
-          <pc:chgData name="Pirani,Antonio A." userId="S::523008@student.fontys.nl::b27b35d6-1459-4bed-af76-eef7aff762d7" providerId="AD" clId="Web-{20C2B948-EF28-CFE4-9F8D-3160B5CD79A2}" dt="2023-03-08T16:39:26.564" v="30"/>
-          <pc:sldLayoutMkLst>
-            <pc:docMk/>
-            <pc:sldMasterMk cId="704450452" sldId="2147483827"/>
-            <pc:sldLayoutMk cId="3263040260" sldId="2147483833"/>
-          </pc:sldLayoutMkLst>
-        </pc:sldLayoutChg>
-        <pc:sldLayoutChg chg="add mod replId">
-          <pc:chgData name="Pirani,Antonio A." userId="S::523008@student.fontys.nl::b27b35d6-1459-4bed-af76-eef7aff762d7" providerId="AD" clId="Web-{20C2B948-EF28-CFE4-9F8D-3160B5CD79A2}" dt="2023-03-08T16:39:26.564" v="30"/>
-          <pc:sldLayoutMkLst>
-            <pc:docMk/>
-            <pc:sldMasterMk cId="704450452" sldId="2147483827"/>
-            <pc:sldLayoutMk cId="3111468105" sldId="2147483834"/>
-          </pc:sldLayoutMkLst>
-        </pc:sldLayoutChg>
-        <pc:sldLayoutChg chg="add mod replId">
-          <pc:chgData name="Pirani,Antonio A." userId="S::523008@student.fontys.nl::b27b35d6-1459-4bed-af76-eef7aff762d7" providerId="AD" clId="Web-{20C2B948-EF28-CFE4-9F8D-3160B5CD79A2}" dt="2023-03-08T16:39:26.564" v="30"/>
-          <pc:sldLayoutMkLst>
-            <pc:docMk/>
-            <pc:sldMasterMk cId="704450452" sldId="2147483827"/>
-            <pc:sldLayoutMk cId="1162073201" sldId="2147483835"/>
-          </pc:sldLayoutMkLst>
-        </pc:sldLayoutChg>
-        <pc:sldLayoutChg chg="add mod replId">
-          <pc:chgData name="Pirani,Antonio A." userId="S::523008@student.fontys.nl::b27b35d6-1459-4bed-af76-eef7aff762d7" providerId="AD" clId="Web-{20C2B948-EF28-CFE4-9F8D-3160B5CD79A2}" dt="2023-03-08T16:39:26.564" v="30"/>
-          <pc:sldLayoutMkLst>
-            <pc:docMk/>
-            <pc:sldMasterMk cId="704450452" sldId="2147483827"/>
-            <pc:sldLayoutMk cId="1341066654" sldId="2147483836"/>
-          </pc:sldLayoutMkLst>
-        </pc:sldLayoutChg>
-        <pc:sldLayoutChg chg="add mod replId">
-          <pc:chgData name="Pirani,Antonio A." userId="S::523008@student.fontys.nl::b27b35d6-1459-4bed-af76-eef7aff762d7" providerId="AD" clId="Web-{20C2B948-EF28-CFE4-9F8D-3160B5CD79A2}" dt="2023-03-08T16:39:26.564" v="30"/>
-          <pc:sldLayoutMkLst>
-            <pc:docMk/>
-            <pc:sldMasterMk cId="704450452" sldId="2147483827"/>
-            <pc:sldLayoutMk cId="2819064834" sldId="2147483837"/>
-          </pc:sldLayoutMkLst>
-        </pc:sldLayoutChg>
-        <pc:sldLayoutChg chg="add mod replId">
-          <pc:chgData name="Pirani,Antonio A." userId="S::523008@student.fontys.nl::b27b35d6-1459-4bed-af76-eef7aff762d7" providerId="AD" clId="Web-{20C2B948-EF28-CFE4-9F8D-3160B5CD79A2}" dt="2023-03-08T16:39:26.564" v="30"/>
-          <pc:sldLayoutMkLst>
-            <pc:docMk/>
-            <pc:sldMasterMk cId="704450452" sldId="2147483827"/>
-            <pc:sldLayoutMk cId="589812768" sldId="2147483838"/>
-          </pc:sldLayoutMkLst>
-        </pc:sldLayoutChg>
-      </pc:sldMasterChg>
-    </pc:docChg>
-  </pc:docChgLst>
-  <pc:docChgLst>
-    <pc:chgData name="Pirani,Antonio A." userId="S::523008@student.fontys.nl::b27b35d6-1459-4bed-af76-eef7aff762d7" providerId="AD" clId="Web-{43E6C3F7-EFA3-4AF8-A4FE-2AC6137E1578}"/>
-    <pc:docChg chg="addSld modSld sldOrd addMainMaster delMainMaster">
-      <pc:chgData name="Pirani,Antonio A." userId="S::523008@student.fontys.nl::b27b35d6-1459-4bed-af76-eef7aff762d7" providerId="AD" clId="Web-{43E6C3F7-EFA3-4AF8-A4FE-2AC6137E1578}" dt="2023-03-07T15:46:33.484" v="315"/>
-      <pc:docMkLst>
-        <pc:docMk/>
-      </pc:docMkLst>
-      <pc:sldChg chg="addSp delSp modSp mod setBg modClrScheme addAnim chgLayout">
-        <pc:chgData name="Pirani,Antonio A." userId="S::523008@student.fontys.nl::b27b35d6-1459-4bed-af76-eef7aff762d7" providerId="AD" clId="Web-{43E6C3F7-EFA3-4AF8-A4FE-2AC6137E1578}" dt="2023-03-07T14:59:22.611" v="9"/>
-        <pc:sldMkLst>
-          <pc:docMk/>
-          <pc:sldMk cId="109857222" sldId="256"/>
-        </pc:sldMkLst>
-        <pc:spChg chg="mod">
-          <ac:chgData name="Pirani,Antonio A." userId="S::523008@student.fontys.nl::b27b35d6-1459-4bed-af76-eef7aff762d7" providerId="AD" clId="Web-{43E6C3F7-EFA3-4AF8-A4FE-2AC6137E1578}" dt="2023-03-07T14:59:22.611" v="8"/>
-          <ac:spMkLst>
-            <pc:docMk/>
-            <pc:sldMk cId="109857222" sldId="256"/>
-            <ac:spMk id="2" creationId="{00000000-0000-0000-0000-000000000000}"/>
-          </ac:spMkLst>
-        </pc:spChg>
-        <pc:spChg chg="mod">
-          <ac:chgData name="Pirani,Antonio A." userId="S::523008@student.fontys.nl::b27b35d6-1459-4bed-af76-eef7aff762d7" providerId="AD" clId="Web-{43E6C3F7-EFA3-4AF8-A4FE-2AC6137E1578}" dt="2023-03-07T14:59:22.611" v="8"/>
-          <ac:spMkLst>
-            <pc:docMk/>
-            <pc:sldMk cId="109857222" sldId="256"/>
-            <ac:spMk id="3" creationId="{00000000-0000-0000-0000-000000000000}"/>
-          </ac:spMkLst>
-        </pc:spChg>
-        <pc:spChg chg="add del">
-          <ac:chgData name="Pirani,Antonio A." userId="S::523008@student.fontys.nl::b27b35d6-1459-4bed-af76-eef7aff762d7" providerId="AD" clId="Web-{43E6C3F7-EFA3-4AF8-A4FE-2AC6137E1578}" dt="2023-03-07T14:59:22.611" v="8"/>
-          <ac:spMkLst>
-            <pc:docMk/>
-            <pc:sldMk cId="109857222" sldId="256"/>
-            <ac:spMk id="9" creationId="{AFD23066-E0E4-4A0C-B554-B9F2A919124B}"/>
-          </ac:spMkLst>
-        </pc:spChg>
-        <pc:spChg chg="add del">
-          <ac:chgData name="Pirani,Antonio A." userId="S::523008@student.fontys.nl::b27b35d6-1459-4bed-af76-eef7aff762d7" providerId="AD" clId="Web-{43E6C3F7-EFA3-4AF8-A4FE-2AC6137E1578}" dt="2023-03-07T14:59:22.611" v="8"/>
-          <ac:spMkLst>
-            <pc:docMk/>
-            <pc:sldMk cId="109857222" sldId="256"/>
-            <ac:spMk id="11" creationId="{E5D2E6F5-4096-40AF-B31C-B6FBEEFFB122}"/>
-          </ac:spMkLst>
-        </pc:spChg>
-        <pc:spChg chg="add del">
-          <ac:chgData name="Pirani,Antonio A." userId="S::523008@student.fontys.nl::b27b35d6-1459-4bed-af76-eef7aff762d7" providerId="AD" clId="Web-{43E6C3F7-EFA3-4AF8-A4FE-2AC6137E1578}" dt="2023-03-07T14:59:22.548" v="7"/>
-          <ac:spMkLst>
-            <pc:docMk/>
-            <pc:sldMk cId="109857222" sldId="256"/>
-            <ac:spMk id="16" creationId="{F518D20D-5F05-49C3-8900-68783F8ACB6F}"/>
-          </ac:spMkLst>
-        </pc:spChg>
-        <pc:spChg chg="add del">
-          <ac:chgData name="Pirani,Antonio A." userId="S::523008@student.fontys.nl::b27b35d6-1459-4bed-af76-eef7aff762d7" providerId="AD" clId="Web-{43E6C3F7-EFA3-4AF8-A4FE-2AC6137E1578}" dt="2023-03-07T14:59:22.548" v="7"/>
-          <ac:spMkLst>
-            <pc:docMk/>
-            <pc:sldMk cId="109857222" sldId="256"/>
-            <ac:spMk id="18" creationId="{FF50CA5B-2FF8-43D9-B7D8-3BDE1BFD3CF1}"/>
-          </ac:spMkLst>
-        </pc:spChg>
-        <pc:spChg chg="add del">
-          <ac:chgData name="Pirani,Antonio A." userId="S::523008@student.fontys.nl::b27b35d6-1459-4bed-af76-eef7aff762d7" providerId="AD" clId="Web-{43E6C3F7-EFA3-4AF8-A4FE-2AC6137E1578}" dt="2023-03-07T14:59:22.548" v="7"/>
-          <ac:spMkLst>
-            <pc:docMk/>
-            <pc:sldMk cId="109857222" sldId="256"/>
-            <ac:spMk id="20" creationId="{D060EAFE-C840-4DAF-B8B5-D73E98076206}"/>
-          </ac:spMkLst>
-        </pc:spChg>
-        <pc:spChg chg="add del">
-          <ac:chgData name="Pirani,Antonio A." userId="S::523008@student.fontys.nl::b27b35d6-1459-4bed-af76-eef7aff762d7" providerId="AD" clId="Web-{43E6C3F7-EFA3-4AF8-A4FE-2AC6137E1578}" dt="2023-03-07T14:59:22.548" v="7"/>
-          <ac:spMkLst>
-            <pc:docMk/>
-            <pc:sldMk cId="109857222" sldId="256"/>
-            <ac:spMk id="24" creationId="{F5DEEAE0-BD8F-4966-B785-B522AE075F2B}"/>
-          </ac:spMkLst>
-        </pc:spChg>
-        <pc:spChg chg="add">
-          <ac:chgData name="Pirani,Antonio A." userId="S::523008@student.fontys.nl::b27b35d6-1459-4bed-af76-eef7aff762d7" providerId="AD" clId="Web-{43E6C3F7-EFA3-4AF8-A4FE-2AC6137E1578}" dt="2023-03-07T14:59:22.611" v="8"/>
-          <ac:spMkLst>
-            <pc:docMk/>
-            <pc:sldMk cId="109857222" sldId="256"/>
-            <ac:spMk id="29" creationId="{0149A9F6-B857-488C-AC3A-007B78165715}"/>
-          </ac:spMkLst>
-        </pc:spChg>
-        <pc:spChg chg="add">
-          <ac:chgData name="Pirani,Antonio A." userId="S::523008@student.fontys.nl::b27b35d6-1459-4bed-af76-eef7aff762d7" providerId="AD" clId="Web-{43E6C3F7-EFA3-4AF8-A4FE-2AC6137E1578}" dt="2023-03-07T14:59:22.611" v="8"/>
-          <ac:spMkLst>
-            <pc:docMk/>
-            <pc:sldMk cId="109857222" sldId="256"/>
-            <ac:spMk id="30" creationId="{249EFD05-C377-44BE-91F0-1D17C1D9BF60}"/>
-          </ac:spMkLst>
-        </pc:spChg>
-        <pc:grpChg chg="add">
-          <ac:chgData name="Pirani,Antonio A." userId="S::523008@student.fontys.nl::b27b35d6-1459-4bed-af76-eef7aff762d7" providerId="AD" clId="Web-{43E6C3F7-EFA3-4AF8-A4FE-2AC6137E1578}" dt="2023-03-07T14:59:22.611" v="8"/>
-          <ac:grpSpMkLst>
-            <pc:docMk/>
-            <pc:sldMk cId="109857222" sldId="256"/>
-            <ac:grpSpMk id="25" creationId="{3C9AA14C-80A4-427C-A911-28CD20C56E5E}"/>
-          </ac:grpSpMkLst>
-        </pc:grpChg>
-        <pc:grpChg chg="add">
-          <ac:chgData name="Pirani,Antonio A." userId="S::523008@student.fontys.nl::b27b35d6-1459-4bed-af76-eef7aff762d7" providerId="AD" clId="Web-{43E6C3F7-EFA3-4AF8-A4FE-2AC6137E1578}" dt="2023-03-07T14:59:22.611" v="8"/>
-          <ac:grpSpMkLst>
-            <pc:docMk/>
-            <pc:sldMk cId="109857222" sldId="256"/>
-            <ac:grpSpMk id="31" creationId="{F2FD01A0-E6FF-41CD-AEBD-279232B90D43}"/>
-          </ac:grpSpMkLst>
-        </pc:grpChg>
-        <pc:picChg chg="add mod">
-          <ac:chgData name="Pirani,Antonio A." userId="S::523008@student.fontys.nl::b27b35d6-1459-4bed-af76-eef7aff762d7" providerId="AD" clId="Web-{43E6C3F7-EFA3-4AF8-A4FE-2AC6137E1578}" dt="2023-03-07T14:59:22.611" v="8"/>
-          <ac:picMkLst>
-            <pc:docMk/>
-            <pc:sldMk cId="109857222" sldId="256"/>
-            <ac:picMk id="4" creationId="{CBE2077E-03C5-5347-4812-97EAF5BC59A4}"/>
-          </ac:picMkLst>
-        </pc:picChg>
-        <pc:picChg chg="add del">
-          <ac:chgData name="Pirani,Antonio A." userId="S::523008@student.fontys.nl::b27b35d6-1459-4bed-af76-eef7aff762d7" providerId="AD" clId="Web-{43E6C3F7-EFA3-4AF8-A4FE-2AC6137E1578}" dt="2023-03-07T14:59:22.548" v="7"/>
-          <ac:picMkLst>
-            <pc:docMk/>
-            <pc:sldMk cId="109857222" sldId="256"/>
-            <ac:picMk id="22" creationId="{CF86EB89-5CAA-4AA5-907F-09707CF4A866}"/>
-          </ac:picMkLst>
-        </pc:picChg>
-      </pc:sldChg>
-      <pc:sldChg chg="modSp new">
-        <pc:chgData name="Pirani,Antonio A." userId="S::523008@student.fontys.nl::b27b35d6-1459-4bed-af76-eef7aff762d7" providerId="AD" clId="Web-{43E6C3F7-EFA3-4AF8-A4FE-2AC6137E1578}" dt="2023-03-07T15:02:53.009" v="68" actId="14100"/>
-        <pc:sldMkLst>
-          <pc:docMk/>
-          <pc:sldMk cId="764908316" sldId="257"/>
-        </pc:sldMkLst>
-        <pc:spChg chg="mod">
-          <ac:chgData name="Pirani,Antonio A." userId="S::523008@student.fontys.nl::b27b35d6-1459-4bed-af76-eef7aff762d7" providerId="AD" clId="Web-{43E6C3F7-EFA3-4AF8-A4FE-2AC6137E1578}" dt="2023-03-07T15:02:00.382" v="32" actId="20577"/>
-          <ac:spMkLst>
-            <pc:docMk/>
-            <pc:sldMk cId="764908316" sldId="257"/>
-            <ac:spMk id="2" creationId="{859C2C55-BD17-96C4-BF59-DDEDDC87AD63}"/>
-          </ac:spMkLst>
-        </pc:spChg>
-        <pc:spChg chg="mod">
-          <ac:chgData name="Pirani,Antonio A." userId="S::523008@student.fontys.nl::b27b35d6-1459-4bed-af76-eef7aff762d7" providerId="AD" clId="Web-{43E6C3F7-EFA3-4AF8-A4FE-2AC6137E1578}" dt="2023-03-07T15:02:53.009" v="68" actId="14100"/>
-          <ac:spMkLst>
-            <pc:docMk/>
-            <pc:sldMk cId="764908316" sldId="257"/>
-            <ac:spMk id="3" creationId="{FE68B8D5-E03E-5F1B-EC01-4CABA2EBEF12}"/>
-          </ac:spMkLst>
-        </pc:spChg>
-      </pc:sldChg>
-      <pc:sldChg chg="modSp new">
-        <pc:chgData name="Pirani,Antonio A." userId="S::523008@student.fontys.nl::b27b35d6-1459-4bed-af76-eef7aff762d7" providerId="AD" clId="Web-{43E6C3F7-EFA3-4AF8-A4FE-2AC6137E1578}" dt="2023-03-07T15:06:42.331" v="175" actId="20577"/>
-        <pc:sldMkLst>
-          <pc:docMk/>
-          <pc:sldMk cId="3823489692" sldId="258"/>
-        </pc:sldMkLst>
-        <pc:spChg chg="mod">
-          <ac:chgData name="Pirani,Antonio A." userId="S::523008@student.fontys.nl::b27b35d6-1459-4bed-af76-eef7aff762d7" providerId="AD" clId="Web-{43E6C3F7-EFA3-4AF8-A4FE-2AC6137E1578}" dt="2023-03-07T15:05:15.671" v="124" actId="20577"/>
-          <ac:spMkLst>
-            <pc:docMk/>
-            <pc:sldMk cId="3823489692" sldId="258"/>
-            <ac:spMk id="2" creationId="{DD14F7B3-94E7-F391-A8A9-5378DFF46F1E}"/>
-          </ac:spMkLst>
-        </pc:spChg>
-        <pc:spChg chg="mod">
-          <ac:chgData name="Pirani,Antonio A." userId="S::523008@student.fontys.nl::b27b35d6-1459-4bed-af76-eef7aff762d7" providerId="AD" clId="Web-{43E6C3F7-EFA3-4AF8-A4FE-2AC6137E1578}" dt="2023-03-07T15:06:42.331" v="175" actId="20577"/>
-          <ac:spMkLst>
-            <pc:docMk/>
-            <pc:sldMk cId="3823489692" sldId="258"/>
-            <ac:spMk id="3" creationId="{8EC76816-802D-6F65-A85F-5C9C008E3823}"/>
-          </ac:spMkLst>
-        </pc:spChg>
-      </pc:sldChg>
-      <pc:sldChg chg="addSp modSp new mod setBg">
-        <pc:chgData name="Pirani,Antonio A." userId="S::523008@student.fontys.nl::b27b35d6-1459-4bed-af76-eef7aff762d7" providerId="AD" clId="Web-{43E6C3F7-EFA3-4AF8-A4FE-2AC6137E1578}" dt="2023-03-07T15:46:33.484" v="315"/>
-        <pc:sldMkLst>
-          <pc:docMk/>
-          <pc:sldMk cId="1051841186" sldId="259"/>
-        </pc:sldMkLst>
-        <pc:spChg chg="mod">
-          <ac:chgData name="Pirani,Antonio A." userId="S::523008@student.fontys.nl::b27b35d6-1459-4bed-af76-eef7aff762d7" providerId="AD" clId="Web-{43E6C3F7-EFA3-4AF8-A4FE-2AC6137E1578}" dt="2023-03-07T15:46:33.484" v="315"/>
-          <ac:spMkLst>
-            <pc:docMk/>
-            <pc:sldMk cId="1051841186" sldId="259"/>
-            <ac:spMk id="2" creationId="{8E8CC8C2-2F57-B2F4-A22B-B23AA726D47C}"/>
-          </ac:spMkLst>
-        </pc:spChg>
-        <pc:spChg chg="mod">
-          <ac:chgData name="Pirani,Antonio A." userId="S::523008@student.fontys.nl::b27b35d6-1459-4bed-af76-eef7aff762d7" providerId="AD" clId="Web-{43E6C3F7-EFA3-4AF8-A4FE-2AC6137E1578}" dt="2023-03-07T15:46:33.484" v="315"/>
-          <ac:spMkLst>
-            <pc:docMk/>
-            <pc:sldMk cId="1051841186" sldId="259"/>
-            <ac:spMk id="3" creationId="{7D3369F4-C1E2-15A0-25ED-C3D5A5502BB8}"/>
-          </ac:spMkLst>
-        </pc:spChg>
-        <pc:spChg chg="add">
-          <ac:chgData name="Pirani,Antonio A." userId="S::523008@student.fontys.nl::b27b35d6-1459-4bed-af76-eef7aff762d7" providerId="AD" clId="Web-{43E6C3F7-EFA3-4AF8-A4FE-2AC6137E1578}" dt="2023-03-07T15:46:33.484" v="315"/>
-          <ac:spMkLst>
-            <pc:docMk/>
-            <pc:sldMk cId="1051841186" sldId="259"/>
-            <ac:spMk id="9" creationId="{09646535-AEF6-4883-A4F9-EEC1F8B4319E}"/>
-          </ac:spMkLst>
-        </pc:spChg>
-        <pc:spChg chg="add">
-          <ac:chgData name="Pirani,Antonio A." userId="S::523008@student.fontys.nl::b27b35d6-1459-4bed-af76-eef7aff762d7" providerId="AD" clId="Web-{43E6C3F7-EFA3-4AF8-A4FE-2AC6137E1578}" dt="2023-03-07T15:46:33.484" v="315"/>
-          <ac:spMkLst>
-            <pc:docMk/>
-            <pc:sldMk cId="1051841186" sldId="259"/>
-            <ac:spMk id="11" creationId="{A4CEB5B4-CDED-47E6-9A79-D8983C3D4360}"/>
-          </ac:spMkLst>
-        </pc:spChg>
-        <pc:spChg chg="add">
-          <ac:chgData name="Pirani,Antonio A." userId="S::523008@student.fontys.nl::b27b35d6-1459-4bed-af76-eef7aff762d7" providerId="AD" clId="Web-{43E6C3F7-EFA3-4AF8-A4FE-2AC6137E1578}" dt="2023-03-07T15:46:33.484" v="315"/>
-          <ac:spMkLst>
-            <pc:docMk/>
-            <pc:sldMk cId="1051841186" sldId="259"/>
-            <ac:spMk id="13" creationId="{D50332B2-2BC3-434F-B11C-851A29882D15}"/>
-          </ac:spMkLst>
-        </pc:spChg>
-        <pc:spChg chg="add">
-          <ac:chgData name="Pirani,Antonio A." userId="S::523008@student.fontys.nl::b27b35d6-1459-4bed-af76-eef7aff762d7" providerId="AD" clId="Web-{43E6C3F7-EFA3-4AF8-A4FE-2AC6137E1578}" dt="2023-03-07T15:46:33.484" v="315"/>
-          <ac:spMkLst>
-            <pc:docMk/>
-            <pc:sldMk cId="1051841186" sldId="259"/>
-            <ac:spMk id="15" creationId="{FF54EC60-509D-4A90-A637-580B5967E1DC}"/>
-          </ac:spMkLst>
-        </pc:spChg>
-        <pc:spChg chg="add">
-          <ac:chgData name="Pirani,Antonio A." userId="S::523008@student.fontys.nl::b27b35d6-1459-4bed-af76-eef7aff762d7" providerId="AD" clId="Web-{43E6C3F7-EFA3-4AF8-A4FE-2AC6137E1578}" dt="2023-03-07T15:46:33.484" v="315"/>
-          <ac:spMkLst>
-            <pc:docMk/>
-            <pc:sldMk cId="1051841186" sldId="259"/>
-            <ac:spMk id="17" creationId="{FCC4408D-5823-4186-97B4-25D12A9F93B0}"/>
-          </ac:spMkLst>
-        </pc:spChg>
-        <pc:picChg chg="add">
-          <ac:chgData name="Pirani,Antonio A." userId="S::523008@student.fontys.nl::b27b35d6-1459-4bed-af76-eef7aff762d7" providerId="AD" clId="Web-{43E6C3F7-EFA3-4AF8-A4FE-2AC6137E1578}" dt="2023-03-07T15:46:33.484" v="315"/>
-          <ac:picMkLst>
-            <pc:docMk/>
-            <pc:sldMk cId="1051841186" sldId="259"/>
-            <ac:picMk id="5" creationId="{8153A015-8FC7-AC50-24FE-9D57B43CA84D}"/>
-          </ac:picMkLst>
-        </pc:picChg>
-      </pc:sldChg>
-      <pc:sldChg chg="modSp new ord">
-        <pc:chgData name="Pirani,Antonio A." userId="S::523008@student.fontys.nl::b27b35d6-1459-4bed-af76-eef7aff762d7" providerId="AD" clId="Web-{43E6C3F7-EFA3-4AF8-A4FE-2AC6137E1578}" dt="2023-03-07T15:22:04.397" v="223"/>
-        <pc:sldMkLst>
-          <pc:docMk/>
-          <pc:sldMk cId="798494627" sldId="260"/>
-        </pc:sldMkLst>
-        <pc:spChg chg="mod">
-          <ac:chgData name="Pirani,Antonio A." userId="S::523008@student.fontys.nl::b27b35d6-1459-4bed-af76-eef7aff762d7" providerId="AD" clId="Web-{43E6C3F7-EFA3-4AF8-A4FE-2AC6137E1578}" dt="2023-03-07T15:15:27.350" v="211" actId="20577"/>
-          <ac:spMkLst>
-            <pc:docMk/>
-            <pc:sldMk cId="798494627" sldId="260"/>
-            <ac:spMk id="2" creationId="{EAEE4D1A-2144-070C-FF02-F5DCBADCAC60}"/>
-          </ac:spMkLst>
-        </pc:spChg>
-        <pc:spChg chg="mod">
-          <ac:chgData name="Pirani,Antonio A." userId="S::523008@student.fontys.nl::b27b35d6-1459-4bed-af76-eef7aff762d7" providerId="AD" clId="Web-{43E6C3F7-EFA3-4AF8-A4FE-2AC6137E1578}" dt="2023-03-07T15:21:47.709" v="222" actId="20577"/>
-          <ac:spMkLst>
-            <pc:docMk/>
-            <pc:sldMk cId="798494627" sldId="260"/>
-            <ac:spMk id="3" creationId="{DD2152ED-C342-F018-0EBB-9AB9473CF607}"/>
-          </ac:spMkLst>
-        </pc:spChg>
-      </pc:sldChg>
-      <pc:sldChg chg="modSp new ord">
-        <pc:chgData name="Pirani,Antonio A." userId="S::523008@student.fontys.nl::b27b35d6-1459-4bed-af76-eef7aff762d7" providerId="AD" clId="Web-{43E6C3F7-EFA3-4AF8-A4FE-2AC6137E1578}" dt="2023-03-07T15:26:07.062" v="266" actId="20577"/>
-        <pc:sldMkLst>
-          <pc:docMk/>
-          <pc:sldMk cId="920567303" sldId="261"/>
-        </pc:sldMkLst>
-        <pc:spChg chg="mod">
-          <ac:chgData name="Pirani,Antonio A." userId="S::523008@student.fontys.nl::b27b35d6-1459-4bed-af76-eef7aff762d7" providerId="AD" clId="Web-{43E6C3F7-EFA3-4AF8-A4FE-2AC6137E1578}" dt="2023-03-07T15:22:40.304" v="229" actId="20577"/>
-          <ac:spMkLst>
-            <pc:docMk/>
-            <pc:sldMk cId="920567303" sldId="261"/>
-            <ac:spMk id="2" creationId="{6BEFF12F-249E-A5F2-924E-3F981ADD7706}"/>
-          </ac:spMkLst>
-        </pc:spChg>
-        <pc:spChg chg="mod">
-          <ac:chgData name="Pirani,Antonio A." userId="S::523008@student.fontys.nl::b27b35d6-1459-4bed-af76-eef7aff762d7" providerId="AD" clId="Web-{43E6C3F7-EFA3-4AF8-A4FE-2AC6137E1578}" dt="2023-03-07T15:26:07.062" v="266" actId="20577"/>
-          <ac:spMkLst>
-            <pc:docMk/>
-            <pc:sldMk cId="920567303" sldId="261"/>
-            <ac:spMk id="3" creationId="{30F0EAF9-66AE-0DD5-0C9D-341E4053F2EB}"/>
-          </ac:spMkLst>
-        </pc:spChg>
-      </pc:sldChg>
-      <pc:sldChg chg="modSp new ord">
-        <pc:chgData name="Pirani,Antonio A." userId="S::523008@student.fontys.nl::b27b35d6-1459-4bed-af76-eef7aff762d7" providerId="AD" clId="Web-{43E6C3F7-EFA3-4AF8-A4FE-2AC6137E1578}" dt="2023-03-07T15:25:51.999" v="262" actId="20577"/>
-        <pc:sldMkLst>
-          <pc:docMk/>
-          <pc:sldMk cId="2928994138" sldId="262"/>
-        </pc:sldMkLst>
-        <pc:spChg chg="mod">
-          <ac:chgData name="Pirani,Antonio A." userId="S::523008@student.fontys.nl::b27b35d6-1459-4bed-af76-eef7aff762d7" providerId="AD" clId="Web-{43E6C3F7-EFA3-4AF8-A4FE-2AC6137E1578}" dt="2023-03-07T15:25:25.857" v="256" actId="20577"/>
-          <ac:spMkLst>
-            <pc:docMk/>
-            <pc:sldMk cId="2928994138" sldId="262"/>
-            <ac:spMk id="2" creationId="{4BF88A79-76F3-5D58-BD01-022AD7EE41EF}"/>
-          </ac:spMkLst>
-        </pc:spChg>
-        <pc:spChg chg="mod">
-          <ac:chgData name="Pirani,Antonio A." userId="S::523008@student.fontys.nl::b27b35d6-1459-4bed-af76-eef7aff762d7" providerId="AD" clId="Web-{43E6C3F7-EFA3-4AF8-A4FE-2AC6137E1578}" dt="2023-03-07T15:25:51.999" v="262" actId="20577"/>
-          <ac:spMkLst>
-            <pc:docMk/>
-            <pc:sldMk cId="2928994138" sldId="262"/>
-            <ac:spMk id="3" creationId="{AC51AF08-306D-8B20-7C3C-E56F7D9A0443}"/>
-          </ac:spMkLst>
-        </pc:spChg>
-      </pc:sldChg>
-      <pc:sldChg chg="modSp new">
-        <pc:chgData name="Pirani,Antonio A." userId="S::523008@student.fontys.nl::b27b35d6-1459-4bed-af76-eef7aff762d7" providerId="AD" clId="Web-{43E6C3F7-EFA3-4AF8-A4FE-2AC6137E1578}" dt="2023-03-07T15:28:48.818" v="300" actId="20577"/>
-        <pc:sldMkLst>
-          <pc:docMk/>
-          <pc:sldMk cId="3700990553" sldId="263"/>
-        </pc:sldMkLst>
-        <pc:spChg chg="mod">
-          <ac:chgData name="Pirani,Antonio A." userId="S::523008@student.fontys.nl::b27b35d6-1459-4bed-af76-eef7aff762d7" providerId="AD" clId="Web-{43E6C3F7-EFA3-4AF8-A4FE-2AC6137E1578}" dt="2023-03-07T15:28:48.818" v="300" actId="20577"/>
-          <ac:spMkLst>
-            <pc:docMk/>
-            <pc:sldMk cId="3700990553" sldId="263"/>
-            <ac:spMk id="2" creationId="{1BACE221-1147-5EDD-6C22-B62FFD2F584C}"/>
-          </ac:spMkLst>
-        </pc:spChg>
-      </pc:sldChg>
-      <pc:sldChg chg="modSp new ord">
-        <pc:chgData name="Pirani,Antonio A." userId="S::523008@student.fontys.nl::b27b35d6-1459-4bed-af76-eef7aff762d7" providerId="AD" clId="Web-{43E6C3F7-EFA3-4AF8-A4FE-2AC6137E1578}" dt="2023-03-07T15:30:16.525" v="314"/>
-        <pc:sldMkLst>
-          <pc:docMk/>
-          <pc:sldMk cId="2818610950" sldId="264"/>
-        </pc:sldMkLst>
-        <pc:spChg chg="mod">
-          <ac:chgData name="Pirani,Antonio A." userId="S::523008@student.fontys.nl::b27b35d6-1459-4bed-af76-eef7aff762d7" providerId="AD" clId="Web-{43E6C3F7-EFA3-4AF8-A4FE-2AC6137E1578}" dt="2023-03-07T15:30:10.743" v="313" actId="20577"/>
-          <ac:spMkLst>
-            <pc:docMk/>
-            <pc:sldMk cId="2818610950" sldId="264"/>
-            <ac:spMk id="2" creationId="{F95A70B9-D451-D270-0CD6-D2FC63C4EDD5}"/>
-          </ac:spMkLst>
-        </pc:spChg>
-      </pc:sldChg>
-      <pc:sldMasterChg chg="del delSldLayout">
-        <pc:chgData name="Pirani,Antonio A." userId="S::523008@student.fontys.nl::b27b35d6-1459-4bed-af76-eef7aff762d7" providerId="AD" clId="Web-{43E6C3F7-EFA3-4AF8-A4FE-2AC6137E1578}" dt="2023-03-07T14:58:29.874" v="0"/>
-        <pc:sldMasterMkLst>
-          <pc:docMk/>
-          <pc:sldMasterMk cId="2460954070" sldId="2147483660"/>
-        </pc:sldMasterMkLst>
-        <pc:sldLayoutChg chg="del">
-          <pc:chgData name="Pirani,Antonio A." userId="S::523008@student.fontys.nl::b27b35d6-1459-4bed-af76-eef7aff762d7" providerId="AD" clId="Web-{43E6C3F7-EFA3-4AF8-A4FE-2AC6137E1578}" dt="2023-03-07T14:58:29.874" v="0"/>
-          <pc:sldLayoutMkLst>
-            <pc:docMk/>
-            <pc:sldMasterMk cId="2460954070" sldId="2147483660"/>
-            <pc:sldLayoutMk cId="2385387890" sldId="2147483661"/>
-          </pc:sldLayoutMkLst>
-        </pc:sldLayoutChg>
-        <pc:sldLayoutChg chg="del">
-          <pc:chgData name="Pirani,Antonio A." userId="S::523008@student.fontys.nl::b27b35d6-1459-4bed-af76-eef7aff762d7" providerId="AD" clId="Web-{43E6C3F7-EFA3-4AF8-A4FE-2AC6137E1578}" dt="2023-03-07T14:58:29.874" v="0"/>
-          <pc:sldLayoutMkLst>
-            <pc:docMk/>
-            <pc:sldMasterMk cId="2460954070" sldId="2147483660"/>
-            <pc:sldLayoutMk cId="949138452" sldId="2147483662"/>
-          </pc:sldLayoutMkLst>
-        </pc:sldLayoutChg>
-        <pc:sldLayoutChg chg="del">
-          <pc:chgData name="Pirani,Antonio A." userId="S::523008@student.fontys.nl::b27b35d6-1459-4bed-af76-eef7aff762d7" providerId="AD" clId="Web-{43E6C3F7-EFA3-4AF8-A4FE-2AC6137E1578}" dt="2023-03-07T14:58:29.874" v="0"/>
-          <pc:sldLayoutMkLst>
-            <pc:docMk/>
-            <pc:sldMasterMk cId="2460954070" sldId="2147483660"/>
-            <pc:sldLayoutMk cId="2591524520" sldId="2147483663"/>
-          </pc:sldLayoutMkLst>
-        </pc:sldLayoutChg>
-        <pc:sldLayoutChg chg="del">
-          <pc:chgData name="Pirani,Antonio A." userId="S::523008@student.fontys.nl::b27b35d6-1459-4bed-af76-eef7aff762d7" providerId="AD" clId="Web-{43E6C3F7-EFA3-4AF8-A4FE-2AC6137E1578}" dt="2023-03-07T14:58:29.874" v="0"/>
-          <pc:sldLayoutMkLst>
-            <pc:docMk/>
-            <pc:sldMasterMk cId="2460954070" sldId="2147483660"/>
-            <pc:sldLayoutMk cId="1203092039" sldId="2147483664"/>
-          </pc:sldLayoutMkLst>
-        </pc:sldLayoutChg>
-        <pc:sldLayoutChg chg="del">
-          <pc:chgData name="Pirani,Antonio A." userId="S::523008@student.fontys.nl::b27b35d6-1459-4bed-af76-eef7aff762d7" providerId="AD" clId="Web-{43E6C3F7-EFA3-4AF8-A4FE-2AC6137E1578}" dt="2023-03-07T14:58:29.874" v="0"/>
-          <pc:sldLayoutMkLst>
-            <pc:docMk/>
-            <pc:sldMasterMk cId="2460954070" sldId="2147483660"/>
-            <pc:sldLayoutMk cId="3733172339" sldId="2147483665"/>
-          </pc:sldLayoutMkLst>
-        </pc:sldLayoutChg>
-        <pc:sldLayoutChg chg="del">
-          <pc:chgData name="Pirani,Antonio A." userId="S::523008@student.fontys.nl::b27b35d6-1459-4bed-af76-eef7aff762d7" providerId="AD" clId="Web-{43E6C3F7-EFA3-4AF8-A4FE-2AC6137E1578}" dt="2023-03-07T14:58:29.874" v="0"/>
-          <pc:sldLayoutMkLst>
-            <pc:docMk/>
-            <pc:sldMasterMk cId="2460954070" sldId="2147483660"/>
-            <pc:sldLayoutMk cId="3210312558" sldId="2147483666"/>
-          </pc:sldLayoutMkLst>
-        </pc:sldLayoutChg>
-        <pc:sldLayoutChg chg="del">
-          <pc:chgData name="Pirani,Antonio A." userId="S::523008@student.fontys.nl::b27b35d6-1459-4bed-af76-eef7aff762d7" providerId="AD" clId="Web-{43E6C3F7-EFA3-4AF8-A4FE-2AC6137E1578}" dt="2023-03-07T14:58:29.874" v="0"/>
-          <pc:sldLayoutMkLst>
-            <pc:docMk/>
-            <pc:sldMasterMk cId="2460954070" sldId="2147483660"/>
-            <pc:sldLayoutMk cId="3146388984" sldId="2147483667"/>
-          </pc:sldLayoutMkLst>
-        </pc:sldLayoutChg>
-        <pc:sldLayoutChg chg="del">
-          <pc:chgData name="Pirani,Antonio A." userId="S::523008@student.fontys.nl::b27b35d6-1459-4bed-af76-eef7aff762d7" providerId="AD" clId="Web-{43E6C3F7-EFA3-4AF8-A4FE-2AC6137E1578}" dt="2023-03-07T14:58:29.874" v="0"/>
-          <pc:sldLayoutMkLst>
-            <pc:docMk/>
-            <pc:sldMasterMk cId="2460954070" sldId="2147483660"/>
-            <pc:sldLayoutMk cId="3171841454" sldId="2147483668"/>
-          </pc:sldLayoutMkLst>
-        </pc:sldLayoutChg>
-        <pc:sldLayoutChg chg="del">
-          <pc:chgData name="Pirani,Antonio A." userId="S::523008@student.fontys.nl::b27b35d6-1459-4bed-af76-eef7aff762d7" providerId="AD" clId="Web-{43E6C3F7-EFA3-4AF8-A4FE-2AC6137E1578}" dt="2023-03-07T14:58:29.874" v="0"/>
-          <pc:sldLayoutMkLst>
-            <pc:docMk/>
-            <pc:sldMasterMk cId="2460954070" sldId="2147483660"/>
-            <pc:sldLayoutMk cId="1718958274" sldId="2147483669"/>
-          </pc:sldLayoutMkLst>
-        </pc:sldLayoutChg>
-        <pc:sldLayoutChg chg="del">
-          <pc:chgData name="Pirani,Antonio A." userId="S::523008@student.fontys.nl::b27b35d6-1459-4bed-af76-eef7aff762d7" providerId="AD" clId="Web-{43E6C3F7-EFA3-4AF8-A4FE-2AC6137E1578}" dt="2023-03-07T14:58:29.874" v="0"/>
-          <pc:sldLayoutMkLst>
-            <pc:docMk/>
-            <pc:sldMasterMk cId="2460954070" sldId="2147483660"/>
-            <pc:sldLayoutMk cId="2202905451" sldId="2147483670"/>
-          </pc:sldLayoutMkLst>
-        </pc:sldLayoutChg>
-        <pc:sldLayoutChg chg="del">
-          <pc:chgData name="Pirani,Antonio A." userId="S::523008@student.fontys.nl::b27b35d6-1459-4bed-af76-eef7aff762d7" providerId="AD" clId="Web-{43E6C3F7-EFA3-4AF8-A4FE-2AC6137E1578}" dt="2023-03-07T14:58:29.874" v="0"/>
-          <pc:sldLayoutMkLst>
-            <pc:docMk/>
-            <pc:sldMasterMk cId="2460954070" sldId="2147483660"/>
-            <pc:sldLayoutMk cId="3479445657" sldId="2147483671"/>
-          </pc:sldLayoutMkLst>
-        </pc:sldLayoutChg>
-      </pc:sldMasterChg>
-      <pc:sldMasterChg chg="add del addSldLayout delSldLayout">
-        <pc:chgData name="Pirani,Antonio A." userId="S::523008@student.fontys.nl::b27b35d6-1459-4bed-af76-eef7aff762d7" providerId="AD" clId="Web-{43E6C3F7-EFA3-4AF8-A4FE-2AC6137E1578}" dt="2023-03-07T14:59:22.611" v="8"/>
-        <pc:sldMasterMkLst>
-          <pc:docMk/>
-          <pc:sldMasterMk cId="2011315632" sldId="2147483724"/>
-        </pc:sldMasterMkLst>
-        <pc:sldLayoutChg chg="add del">
-          <pc:chgData name="Pirani,Antonio A." userId="S::523008@student.fontys.nl::b27b35d6-1459-4bed-af76-eef7aff762d7" providerId="AD" clId="Web-{43E6C3F7-EFA3-4AF8-A4FE-2AC6137E1578}" dt="2023-03-07T14:59:22.611" v="8"/>
-          <pc:sldLayoutMkLst>
-            <pc:docMk/>
-            <pc:sldMasterMk cId="2011315632" sldId="2147483724"/>
-            <pc:sldLayoutMk cId="1269503208" sldId="2147483713"/>
-          </pc:sldLayoutMkLst>
-        </pc:sldLayoutChg>
-        <pc:sldLayoutChg chg="add del">
-          <pc:chgData name="Pirani,Antonio A." userId="S::523008@student.fontys.nl::b27b35d6-1459-4bed-af76-eef7aff762d7" providerId="AD" clId="Web-{43E6C3F7-EFA3-4AF8-A4FE-2AC6137E1578}" dt="2023-03-07T14:59:22.611" v="8"/>
-          <pc:sldLayoutMkLst>
-            <pc:docMk/>
-            <pc:sldMasterMk cId="2011315632" sldId="2147483724"/>
-            <pc:sldLayoutMk cId="4046779456" sldId="2147483714"/>
-          </pc:sldLayoutMkLst>
-        </pc:sldLayoutChg>
-        <pc:sldLayoutChg chg="add del">
-          <pc:chgData name="Pirani,Antonio A." userId="S::523008@student.fontys.nl::b27b35d6-1459-4bed-af76-eef7aff762d7" providerId="AD" clId="Web-{43E6C3F7-EFA3-4AF8-A4FE-2AC6137E1578}" dt="2023-03-07T14:59:22.611" v="8"/>
-          <pc:sldLayoutMkLst>
-            <pc:docMk/>
-            <pc:sldMasterMk cId="2011315632" sldId="2147483724"/>
-            <pc:sldLayoutMk cId="2525525578" sldId="2147483715"/>
-          </pc:sldLayoutMkLst>
-        </pc:sldLayoutChg>
-        <pc:sldLayoutChg chg="add del">
-          <pc:chgData name="Pirani,Antonio A." userId="S::523008@student.fontys.nl::b27b35d6-1459-4bed-af76-eef7aff762d7" providerId="AD" clId="Web-{43E6C3F7-EFA3-4AF8-A4FE-2AC6137E1578}" dt="2023-03-07T14:59:22.611" v="8"/>
-          <pc:sldLayoutMkLst>
-            <pc:docMk/>
-            <pc:sldMasterMk cId="2011315632" sldId="2147483724"/>
-            <pc:sldLayoutMk cId="3738782529" sldId="2147483716"/>
-          </pc:sldLayoutMkLst>
-        </pc:sldLayoutChg>
-        <pc:sldLayoutChg chg="add del">
-          <pc:chgData name="Pirani,Antonio A." userId="S::523008@student.fontys.nl::b27b35d6-1459-4bed-af76-eef7aff762d7" providerId="AD" clId="Web-{43E6C3F7-EFA3-4AF8-A4FE-2AC6137E1578}" dt="2023-03-07T14:59:22.611" v="8"/>
-          <pc:sldLayoutMkLst>
-            <pc:docMk/>
-            <pc:sldMasterMk cId="2011315632" sldId="2147483724"/>
-            <pc:sldLayoutMk cId="2065941348" sldId="2147483717"/>
-          </pc:sldLayoutMkLst>
-        </pc:sldLayoutChg>
-        <pc:sldLayoutChg chg="add del">
-          <pc:chgData name="Pirani,Antonio A." userId="S::523008@student.fontys.nl::b27b35d6-1459-4bed-af76-eef7aff762d7" providerId="AD" clId="Web-{43E6C3F7-EFA3-4AF8-A4FE-2AC6137E1578}" dt="2023-03-07T14:59:22.611" v="8"/>
-          <pc:sldLayoutMkLst>
-            <pc:docMk/>
-            <pc:sldMasterMk cId="2011315632" sldId="2147483724"/>
-            <pc:sldLayoutMk cId="2145958573" sldId="2147483718"/>
-          </pc:sldLayoutMkLst>
-        </pc:sldLayoutChg>
-        <pc:sldLayoutChg chg="add del">
-          <pc:chgData name="Pirani,Antonio A." userId="S::523008@student.fontys.nl::b27b35d6-1459-4bed-af76-eef7aff762d7" providerId="AD" clId="Web-{43E6C3F7-EFA3-4AF8-A4FE-2AC6137E1578}" dt="2023-03-07T14:59:22.611" v="8"/>
-          <pc:sldLayoutMkLst>
-            <pc:docMk/>
-            <pc:sldMasterMk cId="2011315632" sldId="2147483724"/>
-            <pc:sldLayoutMk cId="3279736693" sldId="2147483719"/>
-          </pc:sldLayoutMkLst>
-        </pc:sldLayoutChg>
-        <pc:sldLayoutChg chg="add del">
-          <pc:chgData name="Pirani,Antonio A." userId="S::523008@student.fontys.nl::b27b35d6-1459-4bed-af76-eef7aff762d7" providerId="AD" clId="Web-{43E6C3F7-EFA3-4AF8-A4FE-2AC6137E1578}" dt="2023-03-07T14:59:22.611" v="8"/>
-          <pc:sldLayoutMkLst>
-            <pc:docMk/>
-            <pc:sldMasterMk cId="2011315632" sldId="2147483724"/>
-            <pc:sldLayoutMk cId="1937625957" sldId="2147483720"/>
-          </pc:sldLayoutMkLst>
-        </pc:sldLayoutChg>
-        <pc:sldLayoutChg chg="add del">
-          <pc:chgData name="Pirani,Antonio A." userId="S::523008@student.fontys.nl::b27b35d6-1459-4bed-af76-eef7aff762d7" providerId="AD" clId="Web-{43E6C3F7-EFA3-4AF8-A4FE-2AC6137E1578}" dt="2023-03-07T14:59:22.611" v="8"/>
-          <pc:sldLayoutMkLst>
-            <pc:docMk/>
-            <pc:sldMasterMk cId="2011315632" sldId="2147483724"/>
-            <pc:sldLayoutMk cId="3403698828" sldId="2147483721"/>
-          </pc:sldLayoutMkLst>
-        </pc:sldLayoutChg>
-        <pc:sldLayoutChg chg="add del">
-          <pc:chgData name="Pirani,Antonio A." userId="S::523008@student.fontys.nl::b27b35d6-1459-4bed-af76-eef7aff762d7" providerId="AD" clId="Web-{43E6C3F7-EFA3-4AF8-A4FE-2AC6137E1578}" dt="2023-03-07T14:59:22.611" v="8"/>
-          <pc:sldLayoutMkLst>
-            <pc:docMk/>
-            <pc:sldMasterMk cId="2011315632" sldId="2147483724"/>
-            <pc:sldLayoutMk cId="4282051307" sldId="2147483722"/>
-          </pc:sldLayoutMkLst>
-        </pc:sldLayoutChg>
-        <pc:sldLayoutChg chg="add del">
-          <pc:chgData name="Pirani,Antonio A." userId="S::523008@student.fontys.nl::b27b35d6-1459-4bed-af76-eef7aff762d7" providerId="AD" clId="Web-{43E6C3F7-EFA3-4AF8-A4FE-2AC6137E1578}" dt="2023-03-07T14:59:22.611" v="8"/>
-          <pc:sldLayoutMkLst>
-            <pc:docMk/>
-            <pc:sldMasterMk cId="2011315632" sldId="2147483724"/>
-            <pc:sldLayoutMk cId="4071047538" sldId="2147483723"/>
-          </pc:sldLayoutMkLst>
-        </pc:sldLayoutChg>
-      </pc:sldMasterChg>
-      <pc:sldMasterChg chg="add addSldLayout">
-        <pc:chgData name="Pirani,Antonio A." userId="S::523008@student.fontys.nl::b27b35d6-1459-4bed-af76-eef7aff762d7" providerId="AD" clId="Web-{43E6C3F7-EFA3-4AF8-A4FE-2AC6137E1578}" dt="2023-03-07T14:59:22.611" v="8"/>
-        <pc:sldMasterMkLst>
-          <pc:docMk/>
-          <pc:sldMasterMk cId="1555803907" sldId="2147483725"/>
-        </pc:sldMasterMkLst>
-        <pc:sldLayoutChg chg="add">
-          <pc:chgData name="Pirani,Antonio A." userId="S::523008@student.fontys.nl::b27b35d6-1459-4bed-af76-eef7aff762d7" providerId="AD" clId="Web-{43E6C3F7-EFA3-4AF8-A4FE-2AC6137E1578}" dt="2023-03-07T14:59:22.611" v="8"/>
-          <pc:sldLayoutMkLst>
-            <pc:docMk/>
-            <pc:sldMasterMk cId="1555803907" sldId="2147483725"/>
-            <pc:sldLayoutMk cId="3594521325" sldId="2147483726"/>
-          </pc:sldLayoutMkLst>
-        </pc:sldLayoutChg>
-        <pc:sldLayoutChg chg="add">
-          <pc:chgData name="Pirani,Antonio A." userId="S::523008@student.fontys.nl::b27b35d6-1459-4bed-af76-eef7aff762d7" providerId="AD" clId="Web-{43E6C3F7-EFA3-4AF8-A4FE-2AC6137E1578}" dt="2023-03-07T14:59:22.611" v="8"/>
-          <pc:sldLayoutMkLst>
-            <pc:docMk/>
-            <pc:sldMasterMk cId="1555803907" sldId="2147483725"/>
-            <pc:sldLayoutMk cId="1090527648" sldId="2147483727"/>
-          </pc:sldLayoutMkLst>
-        </pc:sldLayoutChg>
-        <pc:sldLayoutChg chg="add">
-          <pc:chgData name="Pirani,Antonio A." userId="S::523008@student.fontys.nl::b27b35d6-1459-4bed-af76-eef7aff762d7" providerId="AD" clId="Web-{43E6C3F7-EFA3-4AF8-A4FE-2AC6137E1578}" dt="2023-03-07T14:59:22.611" v="8"/>
-          <pc:sldLayoutMkLst>
-            <pc:docMk/>
-            <pc:sldMasterMk cId="1555803907" sldId="2147483725"/>
-            <pc:sldLayoutMk cId="3942503498" sldId="2147483728"/>
-          </pc:sldLayoutMkLst>
-        </pc:sldLayoutChg>
-        <pc:sldLayoutChg chg="add">
-          <pc:chgData name="Pirani,Antonio A." userId="S::523008@student.fontys.nl::b27b35d6-1459-4bed-af76-eef7aff762d7" providerId="AD" clId="Web-{43E6C3F7-EFA3-4AF8-A4FE-2AC6137E1578}" dt="2023-03-07T14:59:22.611" v="8"/>
-          <pc:sldLayoutMkLst>
-            <pc:docMk/>
-            <pc:sldMasterMk cId="1555803907" sldId="2147483725"/>
-            <pc:sldLayoutMk cId="604957596" sldId="2147483729"/>
-          </pc:sldLayoutMkLst>
-        </pc:sldLayoutChg>
-        <pc:sldLayoutChg chg="add">
-          <pc:chgData name="Pirani,Antonio A." userId="S::523008@student.fontys.nl::b27b35d6-1459-4bed-af76-eef7aff762d7" providerId="AD" clId="Web-{43E6C3F7-EFA3-4AF8-A4FE-2AC6137E1578}" dt="2023-03-07T14:59:22.611" v="8"/>
-          <pc:sldLayoutMkLst>
-            <pc:docMk/>
-            <pc:sldMasterMk cId="1555803907" sldId="2147483725"/>
-            <pc:sldLayoutMk cId="1123811823" sldId="2147483730"/>
-          </pc:sldLayoutMkLst>
-        </pc:sldLayoutChg>
-        <pc:sldLayoutChg chg="add">
-          <pc:chgData name="Pirani,Antonio A." userId="S::523008@student.fontys.nl::b27b35d6-1459-4bed-af76-eef7aff762d7" providerId="AD" clId="Web-{43E6C3F7-EFA3-4AF8-A4FE-2AC6137E1578}" dt="2023-03-07T14:59:22.611" v="8"/>
-          <pc:sldLayoutMkLst>
-            <pc:docMk/>
-            <pc:sldMasterMk cId="1555803907" sldId="2147483725"/>
-            <pc:sldLayoutMk cId="66458586" sldId="2147483731"/>
-          </pc:sldLayoutMkLst>
-        </pc:sldLayoutChg>
-        <pc:sldLayoutChg chg="add">
-          <pc:chgData name="Pirani,Antonio A." userId="S::523008@student.fontys.nl::b27b35d6-1459-4bed-af76-eef7aff762d7" providerId="AD" clId="Web-{43E6C3F7-EFA3-4AF8-A4FE-2AC6137E1578}" dt="2023-03-07T14:59:22.611" v="8"/>
-          <pc:sldLayoutMkLst>
-            <pc:docMk/>
-            <pc:sldMasterMk cId="1555803907" sldId="2147483725"/>
-            <pc:sldLayoutMk cId="2621898564" sldId="2147483732"/>
-          </pc:sldLayoutMkLst>
-        </pc:sldLayoutChg>
-        <pc:sldLayoutChg chg="add">
-          <pc:chgData name="Pirani,Antonio A." userId="S::523008@student.fontys.nl::b27b35d6-1459-4bed-af76-eef7aff762d7" providerId="AD" clId="Web-{43E6C3F7-EFA3-4AF8-A4FE-2AC6137E1578}" dt="2023-03-07T14:59:22.611" v="8"/>
-          <pc:sldLayoutMkLst>
-            <pc:docMk/>
-            <pc:sldMasterMk cId="1555803907" sldId="2147483725"/>
-            <pc:sldLayoutMk cId="1407607" sldId="2147483733"/>
-          </pc:sldLayoutMkLst>
-        </pc:sldLayoutChg>
-        <pc:sldLayoutChg chg="add">
-          <pc:chgData name="Pirani,Antonio A." userId="S::523008@student.fontys.nl::b27b35d6-1459-4bed-af76-eef7aff762d7" providerId="AD" clId="Web-{43E6C3F7-EFA3-4AF8-A4FE-2AC6137E1578}" dt="2023-03-07T14:59:22.611" v="8"/>
-          <pc:sldLayoutMkLst>
-            <pc:docMk/>
-            <pc:sldMasterMk cId="1555803907" sldId="2147483725"/>
-            <pc:sldLayoutMk cId="3500080001" sldId="2147483734"/>
-          </pc:sldLayoutMkLst>
-        </pc:sldLayoutChg>
-        <pc:sldLayoutChg chg="add">
-          <pc:chgData name="Pirani,Antonio A." userId="S::523008@student.fontys.nl::b27b35d6-1459-4bed-af76-eef7aff762d7" providerId="AD" clId="Web-{43E6C3F7-EFA3-4AF8-A4FE-2AC6137E1578}" dt="2023-03-07T14:59:22.611" v="8"/>
-          <pc:sldLayoutMkLst>
-            <pc:docMk/>
-            <pc:sldMasterMk cId="1555803907" sldId="2147483725"/>
-            <pc:sldLayoutMk cId="1375412644" sldId="2147483735"/>
-          </pc:sldLayoutMkLst>
-        </pc:sldLayoutChg>
-        <pc:sldLayoutChg chg="add">
-          <pc:chgData name="Pirani,Antonio A." userId="S::523008@student.fontys.nl::b27b35d6-1459-4bed-af76-eef7aff762d7" providerId="AD" clId="Web-{43E6C3F7-EFA3-4AF8-A4FE-2AC6137E1578}" dt="2023-03-07T14:59:22.611" v="8"/>
-          <pc:sldLayoutMkLst>
-            <pc:docMk/>
-            <pc:sldMasterMk cId="1555803907" sldId="2147483725"/>
-            <pc:sldLayoutMk cId="3704039324" sldId="2147483736"/>
-          </pc:sldLayoutMkLst>
-        </pc:sldLayoutChg>
-      </pc:sldMasterChg>
-      <pc:sldMasterChg chg="add del addSldLayout delSldLayout">
-        <pc:chgData name="Pirani,Antonio A." userId="S::523008@student.fontys.nl::b27b35d6-1459-4bed-af76-eef7aff762d7" providerId="AD" clId="Web-{43E6C3F7-EFA3-4AF8-A4FE-2AC6137E1578}" dt="2023-03-07T14:59:22.548" v="7"/>
-        <pc:sldMasterMkLst>
-          <pc:docMk/>
-          <pc:sldMasterMk cId="3995943157" sldId="2147483826"/>
-        </pc:sldMasterMkLst>
-        <pc:sldLayoutChg chg="add del">
-          <pc:chgData name="Pirani,Antonio A." userId="S::523008@student.fontys.nl::b27b35d6-1459-4bed-af76-eef7aff762d7" providerId="AD" clId="Web-{43E6C3F7-EFA3-4AF8-A4FE-2AC6137E1578}" dt="2023-03-07T14:59:22.548" v="7"/>
-          <pc:sldLayoutMkLst>
-            <pc:docMk/>
-            <pc:sldMasterMk cId="3995943157" sldId="2147483826"/>
-            <pc:sldLayoutMk cId="2307900233" sldId="2147483815"/>
-          </pc:sldLayoutMkLst>
-        </pc:sldLayoutChg>
-        <pc:sldLayoutChg chg="add del">
-          <pc:chgData name="Pirani,Antonio A." userId="S::523008@student.fontys.nl::b27b35d6-1459-4bed-af76-eef7aff762d7" providerId="AD" clId="Web-{43E6C3F7-EFA3-4AF8-A4FE-2AC6137E1578}" dt="2023-03-07T14:59:22.548" v="7"/>
-          <pc:sldLayoutMkLst>
-            <pc:docMk/>
-            <pc:sldMasterMk cId="3995943157" sldId="2147483826"/>
-            <pc:sldLayoutMk cId="3358773728" sldId="2147483816"/>
-          </pc:sldLayoutMkLst>
-        </pc:sldLayoutChg>
-        <pc:sldLayoutChg chg="add del">
-          <pc:chgData name="Pirani,Antonio A." userId="S::523008@student.fontys.nl::b27b35d6-1459-4bed-af76-eef7aff762d7" providerId="AD" clId="Web-{43E6C3F7-EFA3-4AF8-A4FE-2AC6137E1578}" dt="2023-03-07T14:59:22.548" v="7"/>
-          <pc:sldLayoutMkLst>
-            <pc:docMk/>
-            <pc:sldMasterMk cId="3995943157" sldId="2147483826"/>
-            <pc:sldLayoutMk cId="3374512077" sldId="2147483817"/>
-          </pc:sldLayoutMkLst>
-        </pc:sldLayoutChg>
-        <pc:sldLayoutChg chg="add del">
-          <pc:chgData name="Pirani,Antonio A." userId="S::523008@student.fontys.nl::b27b35d6-1459-4bed-af76-eef7aff762d7" providerId="AD" clId="Web-{43E6C3F7-EFA3-4AF8-A4FE-2AC6137E1578}" dt="2023-03-07T14:59:22.548" v="7"/>
-          <pc:sldLayoutMkLst>
-            <pc:docMk/>
-            <pc:sldMasterMk cId="3995943157" sldId="2147483826"/>
-            <pc:sldLayoutMk cId="1946603175" sldId="2147483818"/>
-          </pc:sldLayoutMkLst>
-        </pc:sldLayoutChg>
-        <pc:sldLayoutChg chg="add del">
-          <pc:chgData name="Pirani,Antonio A." userId="S::523008@student.fontys.nl::b27b35d6-1459-4bed-af76-eef7aff762d7" providerId="AD" clId="Web-{43E6C3F7-EFA3-4AF8-A4FE-2AC6137E1578}" dt="2023-03-07T14:59:22.548" v="7"/>
-          <pc:sldLayoutMkLst>
-            <pc:docMk/>
-            <pc:sldMasterMk cId="3995943157" sldId="2147483826"/>
-            <pc:sldLayoutMk cId="3919436542" sldId="2147483819"/>
-          </pc:sldLayoutMkLst>
-        </pc:sldLayoutChg>
-        <pc:sldLayoutChg chg="add del">
-          <pc:chgData name="Pirani,Antonio A." userId="S::523008@student.fontys.nl::b27b35d6-1459-4bed-af76-eef7aff762d7" providerId="AD" clId="Web-{43E6C3F7-EFA3-4AF8-A4FE-2AC6137E1578}" dt="2023-03-07T14:59:22.548" v="7"/>
-          <pc:sldLayoutMkLst>
-            <pc:docMk/>
-            <pc:sldMasterMk cId="3995943157" sldId="2147483826"/>
-            <pc:sldLayoutMk cId="1971533232" sldId="2147483820"/>
-          </pc:sldLayoutMkLst>
-        </pc:sldLayoutChg>
-        <pc:sldLayoutChg chg="add del">
-          <pc:chgData name="Pirani,Antonio A." userId="S::523008@student.fontys.nl::b27b35d6-1459-4bed-af76-eef7aff762d7" providerId="AD" clId="Web-{43E6C3F7-EFA3-4AF8-A4FE-2AC6137E1578}" dt="2023-03-07T14:59:22.548" v="7"/>
-          <pc:sldLayoutMkLst>
-            <pc:docMk/>
-            <pc:sldMasterMk cId="3995943157" sldId="2147483826"/>
-            <pc:sldLayoutMk cId="3466789373" sldId="2147483821"/>
-          </pc:sldLayoutMkLst>
-        </pc:sldLayoutChg>
-        <pc:sldLayoutChg chg="add del">
-          <pc:chgData name="Pirani,Antonio A." userId="S::523008@student.fontys.nl::b27b35d6-1459-4bed-af76-eef7aff762d7" providerId="AD" clId="Web-{43E6C3F7-EFA3-4AF8-A4FE-2AC6137E1578}" dt="2023-03-07T14:59:22.548" v="7"/>
-          <pc:sldLayoutMkLst>
-            <pc:docMk/>
-            <pc:sldMasterMk cId="3995943157" sldId="2147483826"/>
-            <pc:sldLayoutMk cId="824898401" sldId="2147483822"/>
-          </pc:sldLayoutMkLst>
-        </pc:sldLayoutChg>
-        <pc:sldLayoutChg chg="add del">
-          <pc:chgData name="Pirani,Antonio A." userId="S::523008@student.fontys.nl::b27b35d6-1459-4bed-af76-eef7aff762d7" providerId="AD" clId="Web-{43E6C3F7-EFA3-4AF8-A4FE-2AC6137E1578}" dt="2023-03-07T14:59:22.548" v="7"/>
-          <pc:sldLayoutMkLst>
-            <pc:docMk/>
-            <pc:sldMasterMk cId="3995943157" sldId="2147483826"/>
-            <pc:sldLayoutMk cId="4253205146" sldId="2147483823"/>
-          </pc:sldLayoutMkLst>
-        </pc:sldLayoutChg>
-        <pc:sldLayoutChg chg="add del">
-          <pc:chgData name="Pirani,Antonio A." userId="S::523008@student.fontys.nl::b27b35d6-1459-4bed-af76-eef7aff762d7" providerId="AD" clId="Web-{43E6C3F7-EFA3-4AF8-A4FE-2AC6137E1578}" dt="2023-03-07T14:59:22.548" v="7"/>
-          <pc:sldLayoutMkLst>
-            <pc:docMk/>
-            <pc:sldMasterMk cId="3995943157" sldId="2147483826"/>
-            <pc:sldLayoutMk cId="916628597" sldId="2147483824"/>
-          </pc:sldLayoutMkLst>
-        </pc:sldLayoutChg>
-        <pc:sldLayoutChg chg="add del">
-          <pc:chgData name="Pirani,Antonio A." userId="S::523008@student.fontys.nl::b27b35d6-1459-4bed-af76-eef7aff762d7" providerId="AD" clId="Web-{43E6C3F7-EFA3-4AF8-A4FE-2AC6137E1578}" dt="2023-03-07T14:59:22.548" v="7"/>
-          <pc:sldLayoutMkLst>
-            <pc:docMk/>
-            <pc:sldMasterMk cId="3995943157" sldId="2147483826"/>
-            <pc:sldLayoutMk cId="1346486158" sldId="2147483825"/>
-          </pc:sldLayoutMkLst>
-        </pc:sldLayoutChg>
-      </pc:sldMasterChg>
-    </pc:docChg>
-  </pc:docChgLst>
-  <pc:docChgLst>
-    <pc:chgData name="Pirani,Antonio A." userId="b27b35d6-1459-4bed-af76-eef7aff762d7" providerId="ADAL" clId="{4DCE87A6-5692-DD46-89CD-9FD091247F19}"/>
-    <pc:docChg chg="undo redo custSel addSld delSld modSld sldOrd addSection delSection modSection">
-      <pc:chgData name="Pirani,Antonio A." userId="b27b35d6-1459-4bed-af76-eef7aff762d7" providerId="ADAL" clId="{4DCE87A6-5692-DD46-89CD-9FD091247F19}" dt="2023-03-10T19:00:32.164" v="1980" actId="2696"/>
-      <pc:docMkLst>
-        <pc:docMk/>
-      </pc:docMkLst>
-      <pc:sldChg chg="addSp delSp modSp mod">
-        <pc:chgData name="Pirani,Antonio A." userId="b27b35d6-1459-4bed-af76-eef7aff762d7" providerId="ADAL" clId="{4DCE87A6-5692-DD46-89CD-9FD091247F19}" dt="2023-03-08T17:12:32.385" v="166" actId="1076"/>
-        <pc:sldMkLst>
-          <pc:docMk/>
-          <pc:sldMk cId="109857222" sldId="256"/>
-        </pc:sldMkLst>
-        <pc:spChg chg="mod">
-          <ac:chgData name="Pirani,Antonio A." userId="b27b35d6-1459-4bed-af76-eef7aff762d7" providerId="ADAL" clId="{4DCE87A6-5692-DD46-89CD-9FD091247F19}" dt="2023-03-08T17:12:16.088" v="161" actId="26606"/>
-          <ac:spMkLst>
-            <pc:docMk/>
-            <pc:sldMk cId="109857222" sldId="256"/>
-            <ac:spMk id="2" creationId="{00000000-0000-0000-0000-000000000000}"/>
-          </ac:spMkLst>
-        </pc:spChg>
-        <pc:spChg chg="mod">
-          <ac:chgData name="Pirani,Antonio A." userId="b27b35d6-1459-4bed-af76-eef7aff762d7" providerId="ADAL" clId="{4DCE87A6-5692-DD46-89CD-9FD091247F19}" dt="2023-03-08T17:12:16.088" v="161" actId="26606"/>
-          <ac:spMkLst>
-            <pc:docMk/>
-            <pc:sldMk cId="109857222" sldId="256"/>
-            <ac:spMk id="3" creationId="{00000000-0000-0000-0000-000000000000}"/>
-          </ac:spMkLst>
-        </pc:spChg>
-        <pc:spChg chg="add del mod">
-          <ac:chgData name="Pirani,Antonio A." userId="b27b35d6-1459-4bed-af76-eef7aff762d7" providerId="ADAL" clId="{4DCE87A6-5692-DD46-89CD-9FD091247F19}" dt="2023-03-08T17:11:26.716" v="160"/>
-          <ac:spMkLst>
-            <pc:docMk/>
-            <pc:sldMk cId="109857222" sldId="256"/>
-            <ac:spMk id="8" creationId="{1EEB835C-F858-A191-64F4-41B2765D2C0C}"/>
+            <pc:sldMk cId="0" sldId="273"/>
+            <ac:spMk id="8" creationId="{D8D242F7-76B5-B83A-CA33-61797D7D7C1A}"/>
           </ac:spMkLst>
         </pc:spChg>
         <pc:spChg chg="del">
-          <ac:chgData name="Pirani,Antonio A." userId="b27b35d6-1459-4bed-af76-eef7aff762d7" providerId="ADAL" clId="{4DCE87A6-5692-DD46-89CD-9FD091247F19}" dt="2023-03-08T17:12:16.088" v="161" actId="26606"/>
+          <ac:chgData name="Pirani,Antonio A." userId="b27b35d6-1459-4bed-af76-eef7aff762d7" providerId="ADAL" clId="{D07AFF2F-A0AF-1541-9E92-48C0E89E80AE}" dt="2023-03-17T22:24:15.478" v="7" actId="21"/>
           <ac:spMkLst>
             <pc:docMk/>
-            <pc:sldMk cId="109857222" sldId="256"/>
-            <ac:spMk id="82" creationId="{9E88A012-21CA-4D96-9AAB-CA3E17869BD8}"/>
-          </ac:spMkLst>
-        </pc:spChg>
-        <pc:spChg chg="add">
-          <ac:chgData name="Pirani,Antonio A." userId="b27b35d6-1459-4bed-af76-eef7aff762d7" providerId="ADAL" clId="{4DCE87A6-5692-DD46-89CD-9FD091247F19}" dt="2023-03-08T17:12:16.088" v="161" actId="26606"/>
-          <ac:spMkLst>
-            <pc:docMk/>
-            <pc:sldMk cId="109857222" sldId="256"/>
-            <ac:spMk id="84" creationId="{1FEEE36C-F7BE-4DD0-B2D6-E5D5CE8F5863}"/>
-          </ac:spMkLst>
-        </pc:spChg>
-        <pc:spChg chg="add">
-          <ac:chgData name="Pirani,Antonio A." userId="b27b35d6-1459-4bed-af76-eef7aff762d7" providerId="ADAL" clId="{4DCE87A6-5692-DD46-89CD-9FD091247F19}" dt="2023-03-08T17:12:16.088" v="161" actId="26606"/>
-          <ac:spMkLst>
-            <pc:docMk/>
-            <pc:sldMk cId="109857222" sldId="256"/>
-            <ac:spMk id="85" creationId="{A68CFF98-17D2-423B-B835-08CCF25C4925}"/>
-          </ac:spMkLst>
-        </pc:spChg>
-        <pc:spChg chg="add">
-          <ac:chgData name="Pirani,Antonio A." userId="b27b35d6-1459-4bed-af76-eef7aff762d7" providerId="ADAL" clId="{4DCE87A6-5692-DD46-89CD-9FD091247F19}" dt="2023-03-08T17:12:16.088" v="161" actId="26606"/>
-          <ac:spMkLst>
-            <pc:docMk/>
-            <pc:sldMk cId="109857222" sldId="256"/>
-            <ac:spMk id="86" creationId="{CF8AD9F3-9AF6-494F-83A3-2F677563935C}"/>
-          </ac:spMkLst>
-        </pc:spChg>
-        <pc:spChg chg="add">
-          <ac:chgData name="Pirani,Antonio A." userId="b27b35d6-1459-4bed-af76-eef7aff762d7" providerId="ADAL" clId="{4DCE87A6-5692-DD46-89CD-9FD091247F19}" dt="2023-03-08T17:12:16.088" v="161" actId="26606"/>
-          <ac:spMkLst>
-            <pc:docMk/>
-            <pc:sldMk cId="109857222" sldId="256"/>
-            <ac:spMk id="93" creationId="{0DA5DB8B-7E5C-4ABC-8069-A9A8806F3976}"/>
-          </ac:spMkLst>
-        </pc:spChg>
-        <pc:picChg chg="del">
-          <ac:chgData name="Pirani,Antonio A." userId="b27b35d6-1459-4bed-af76-eef7aff762d7" providerId="ADAL" clId="{4DCE87A6-5692-DD46-89CD-9FD091247F19}" dt="2023-03-08T17:10:25.110" v="152" actId="21"/>
-          <ac:picMkLst>
-            <pc:docMk/>
-            <pc:sldMk cId="109857222" sldId="256"/>
-            <ac:picMk id="4" creationId="{CBE2077E-03C5-5347-4812-97EAF5BC59A4}"/>
-          </ac:picMkLst>
-        </pc:picChg>
-        <pc:picChg chg="del mod ord">
-          <ac:chgData name="Pirani,Antonio A." userId="b27b35d6-1459-4bed-af76-eef7aff762d7" providerId="ADAL" clId="{4DCE87A6-5692-DD46-89CD-9FD091247F19}" dt="2023-03-08T17:12:24.114" v="163" actId="21"/>
-          <ac:picMkLst>
-            <pc:docMk/>
-            <pc:sldMk cId="109857222" sldId="256"/>
-            <ac:picMk id="5" creationId="{35A32EBE-A52D-A167-BCCF-06808734853C}"/>
-          </ac:picMkLst>
-        </pc:picChg>
-        <pc:picChg chg="add mod">
-          <ac:chgData name="Pirani,Antonio A." userId="b27b35d6-1459-4bed-af76-eef7aff762d7" providerId="ADAL" clId="{4DCE87A6-5692-DD46-89CD-9FD091247F19}" dt="2023-03-08T17:12:32.385" v="166" actId="1076"/>
-          <ac:picMkLst>
-            <pc:docMk/>
-            <pc:sldMk cId="109857222" sldId="256"/>
-            <ac:picMk id="7" creationId="{3EB5844A-8F6C-3197-F8FB-2D4C825DC477}"/>
-          </ac:picMkLst>
-        </pc:picChg>
-        <pc:picChg chg="del">
-          <ac:chgData name="Pirani,Antonio A." userId="b27b35d6-1459-4bed-af76-eef7aff762d7" providerId="ADAL" clId="{4DCE87A6-5692-DD46-89CD-9FD091247F19}" dt="2023-03-08T17:11:10.631" v="157" actId="21"/>
-          <ac:picMkLst>
-            <pc:docMk/>
-            <pc:sldMk cId="109857222" sldId="256"/>
-            <ac:picMk id="9" creationId="{912BC9CD-37E1-4617-9879-504DE8570C5F}"/>
-          </ac:picMkLst>
-        </pc:picChg>
-      </pc:sldChg>
-      <pc:sldChg chg="addSp delSp modSp del mod setBg modAnim">
-        <pc:chgData name="Pirani,Antonio A." userId="b27b35d6-1459-4bed-af76-eef7aff762d7" providerId="ADAL" clId="{4DCE87A6-5692-DD46-89CD-9FD091247F19}" dt="2023-03-10T19:00:32.164" v="1980" actId="2696"/>
-        <pc:sldMkLst>
-          <pc:docMk/>
-          <pc:sldMk cId="764908316" sldId="257"/>
-        </pc:sldMkLst>
-        <pc:spChg chg="mod">
-          <ac:chgData name="Pirani,Antonio A." userId="b27b35d6-1459-4bed-af76-eef7aff762d7" providerId="ADAL" clId="{4DCE87A6-5692-DD46-89CD-9FD091247F19}" dt="2023-03-08T17:18:05.299" v="297" actId="26606"/>
-          <ac:spMkLst>
-            <pc:docMk/>
-            <pc:sldMk cId="764908316" sldId="257"/>
-            <ac:spMk id="2" creationId="{859C2C55-BD17-96C4-BF59-DDEDDC87AD63}"/>
+            <pc:sldMk cId="0" sldId="273"/>
+            <ac:spMk id="1526" creationId="{00000000-0000-0000-0000-000000000000}"/>
           </ac:spMkLst>
         </pc:spChg>
         <pc:spChg chg="del">
-          <ac:chgData name="Pirani,Antonio A." userId="b27b35d6-1459-4bed-af76-eef7aff762d7" providerId="ADAL" clId="{4DCE87A6-5692-DD46-89CD-9FD091247F19}" dt="2023-03-08T17:14:20.265" v="263" actId="21"/>
+          <ac:chgData name="Pirani,Antonio A." userId="b27b35d6-1459-4bed-af76-eef7aff762d7" providerId="ADAL" clId="{D07AFF2F-A0AF-1541-9E92-48C0E89E80AE}" dt="2023-03-17T22:24:17.667" v="8" actId="21"/>
           <ac:spMkLst>
             <pc:docMk/>
-            <pc:sldMk cId="764908316" sldId="257"/>
-            <ac:spMk id="3" creationId="{FE68B8D5-E03E-5F1B-EC01-4CABA2EBEF12}"/>
-          </ac:spMkLst>
-        </pc:spChg>
-        <pc:spChg chg="add del mod">
-          <ac:chgData name="Pirani,Antonio A." userId="b27b35d6-1459-4bed-af76-eef7aff762d7" providerId="ADAL" clId="{4DCE87A6-5692-DD46-89CD-9FD091247F19}" dt="2023-03-08T17:05:35.686" v="53" actId="21"/>
-          <ac:spMkLst>
-            <pc:docMk/>
-            <pc:sldMk cId="764908316" sldId="257"/>
-            <ac:spMk id="4" creationId="{3E767F97-3F97-26F9-311F-DA6DEAF1B48E}"/>
-          </ac:spMkLst>
-        </pc:spChg>
-        <pc:spChg chg="add del mod">
-          <ac:chgData name="Pirani,Antonio A." userId="b27b35d6-1459-4bed-af76-eef7aff762d7" providerId="ADAL" clId="{4DCE87A6-5692-DD46-89CD-9FD091247F19}" dt="2023-03-08T17:08:36.691" v="126" actId="21"/>
-          <ac:spMkLst>
-            <pc:docMk/>
-            <pc:sldMk cId="764908316" sldId="257"/>
-            <ac:spMk id="5" creationId="{9E0DC555-AF69-DB9F-FEEB-3539F5AECDD1}"/>
-          </ac:spMkLst>
-        </pc:spChg>
-        <pc:spChg chg="add del mod">
-          <ac:chgData name="Pirani,Antonio A." userId="b27b35d6-1459-4bed-af76-eef7aff762d7" providerId="ADAL" clId="{4DCE87A6-5692-DD46-89CD-9FD091247F19}" dt="2023-03-10T18:40:59.149" v="1756"/>
-          <ac:spMkLst>
-            <pc:docMk/>
-            <pc:sldMk cId="764908316" sldId="257"/>
-            <ac:spMk id="6" creationId="{6FB78E12-38A7-C9DE-3AFA-CA625F0FD7F7}"/>
-          </ac:spMkLst>
-        </pc:spChg>
-        <pc:spChg chg="add del mod">
-          <ac:chgData name="Pirani,Antonio A." userId="b27b35d6-1459-4bed-af76-eef7aff762d7" providerId="ADAL" clId="{4DCE87A6-5692-DD46-89CD-9FD091247F19}" dt="2023-03-08T17:05:32.948" v="52"/>
-          <ac:spMkLst>
-            <pc:docMk/>
-            <pc:sldMk cId="764908316" sldId="257"/>
-            <ac:spMk id="6" creationId="{D1FD59EF-12B8-414E-BEA7-9274B16BB0B6}"/>
-          </ac:spMkLst>
-        </pc:spChg>
-        <pc:spChg chg="add del mod">
-          <ac:chgData name="Pirani,Antonio A." userId="b27b35d6-1459-4bed-af76-eef7aff762d7" providerId="ADAL" clId="{4DCE87A6-5692-DD46-89CD-9FD091247F19}" dt="2023-03-08T17:13:25.529" v="200" actId="21"/>
-          <ac:spMkLst>
-            <pc:docMk/>
-            <pc:sldMk cId="764908316" sldId="257"/>
-            <ac:spMk id="7" creationId="{7B76B942-12B3-C21E-8B90-AC73A65826E9}"/>
-          </ac:spMkLst>
-        </pc:spChg>
-        <pc:spChg chg="add del mod">
-          <ac:chgData name="Pirani,Antonio A." userId="b27b35d6-1459-4bed-af76-eef7aff762d7" providerId="ADAL" clId="{4DCE87A6-5692-DD46-89CD-9FD091247F19}" dt="2023-03-10T18:41:00.866" v="1758"/>
-          <ac:spMkLst>
-            <pc:docMk/>
-            <pc:sldMk cId="764908316" sldId="257"/>
-            <ac:spMk id="7" creationId="{EB106DC7-C001-1B51-2926-8D3276783B1C}"/>
-          </ac:spMkLst>
-        </pc:spChg>
-        <pc:spChg chg="add del mod">
-          <ac:chgData name="Pirani,Antonio A." userId="b27b35d6-1459-4bed-af76-eef7aff762d7" providerId="ADAL" clId="{4DCE87A6-5692-DD46-89CD-9FD091247F19}" dt="2023-03-08T17:08:38.559" v="129" actId="21"/>
-          <ac:spMkLst>
-            <pc:docMk/>
-            <pc:sldMk cId="764908316" sldId="257"/>
-            <ac:spMk id="8" creationId="{39A20B44-89FB-A3F6-81BE-E40DF3417FCF}"/>
-          </ac:spMkLst>
-        </pc:spChg>
-        <pc:spChg chg="add del mod">
-          <ac:chgData name="Pirani,Antonio A." userId="b27b35d6-1459-4bed-af76-eef7aff762d7" providerId="ADAL" clId="{4DCE87A6-5692-DD46-89CD-9FD091247F19}" dt="2023-03-08T17:08:37.948" v="128" actId="21"/>
-          <ac:spMkLst>
-            <pc:docMk/>
-            <pc:sldMk cId="764908316" sldId="257"/>
-            <ac:spMk id="9" creationId="{A62EFBB6-948F-75CA-27F9-B5ADE4020768}"/>
-          </ac:spMkLst>
-        </pc:spChg>
-        <pc:spChg chg="add del mod">
-          <ac:chgData name="Pirani,Antonio A." userId="b27b35d6-1459-4bed-af76-eef7aff762d7" providerId="ADAL" clId="{4DCE87A6-5692-DD46-89CD-9FD091247F19}" dt="2023-03-08T17:08:37.333" v="127" actId="21"/>
-          <ac:spMkLst>
-            <pc:docMk/>
-            <pc:sldMk cId="764908316" sldId="257"/>
-            <ac:spMk id="10" creationId="{7A09A3E7-7349-001F-8C8C-859EFD7D1CD7}"/>
-          </ac:spMkLst>
-        </pc:spChg>
-        <pc:spChg chg="add mod">
-          <ac:chgData name="Pirani,Antonio A." userId="b27b35d6-1459-4bed-af76-eef7aff762d7" providerId="ADAL" clId="{4DCE87A6-5692-DD46-89CD-9FD091247F19}" dt="2023-03-08T17:36:47.535" v="437" actId="403"/>
-          <ac:spMkLst>
-            <pc:docMk/>
-            <pc:sldMk cId="764908316" sldId="257"/>
-            <ac:spMk id="11" creationId="{38236D8A-62D0-DF02-57F3-D4F39258FC8D}"/>
-          </ac:spMkLst>
-        </pc:spChg>
-        <pc:spChg chg="add del mod">
-          <ac:chgData name="Pirani,Antonio A." userId="b27b35d6-1459-4bed-af76-eef7aff762d7" providerId="ADAL" clId="{4DCE87A6-5692-DD46-89CD-9FD091247F19}" dt="2023-03-08T17:13:26.240" v="201" actId="21"/>
-          <ac:spMkLst>
-            <pc:docMk/>
-            <pc:sldMk cId="764908316" sldId="257"/>
-            <ac:spMk id="12" creationId="{402E001A-BBBA-C8E9-210D-4E8A1A3BC3BA}"/>
-          </ac:spMkLst>
-        </pc:spChg>
-        <pc:spChg chg="add mod">
-          <ac:chgData name="Pirani,Antonio A." userId="b27b35d6-1459-4bed-af76-eef7aff762d7" providerId="ADAL" clId="{4DCE87A6-5692-DD46-89CD-9FD091247F19}" dt="2023-03-08T17:36:06.677" v="425" actId="403"/>
-          <ac:spMkLst>
-            <pc:docMk/>
-            <pc:sldMk cId="764908316" sldId="257"/>
-            <ac:spMk id="13" creationId="{946C4C04-842F-D7AD-4989-AF24B371CC25}"/>
-          </ac:spMkLst>
-        </pc:spChg>
-        <pc:spChg chg="add mod">
-          <ac:chgData name="Pirani,Antonio A." userId="b27b35d6-1459-4bed-af76-eef7aff762d7" providerId="ADAL" clId="{4DCE87A6-5692-DD46-89CD-9FD091247F19}" dt="2023-03-08T17:36:30.451" v="434" actId="404"/>
-          <ac:spMkLst>
-            <pc:docMk/>
-            <pc:sldMk cId="764908316" sldId="257"/>
-            <ac:spMk id="14" creationId="{92E4E34C-9C31-FB83-401C-FE99E3F6FAFF}"/>
-          </ac:spMkLst>
-        </pc:spChg>
-        <pc:spChg chg="add mod">
-          <ac:chgData name="Pirani,Antonio A." userId="b27b35d6-1459-4bed-af76-eef7aff762d7" providerId="ADAL" clId="{4DCE87A6-5692-DD46-89CD-9FD091247F19}" dt="2023-03-08T17:34:51.872" v="415" actId="207"/>
-          <ac:spMkLst>
-            <pc:docMk/>
-            <pc:sldMk cId="764908316" sldId="257"/>
-            <ac:spMk id="15" creationId="{B9F85607-8DF8-A7D8-3B45-08C44EC4C273}"/>
-          </ac:spMkLst>
-        </pc:spChg>
-        <pc:spChg chg="add mod">
-          <ac:chgData name="Pirani,Antonio A." userId="b27b35d6-1459-4bed-af76-eef7aff762d7" providerId="ADAL" clId="{4DCE87A6-5692-DD46-89CD-9FD091247F19}" dt="2023-03-08T17:35:08.415" v="417" actId="207"/>
-          <ac:spMkLst>
-            <pc:docMk/>
-            <pc:sldMk cId="764908316" sldId="257"/>
-            <ac:spMk id="16" creationId="{A7B0CF5C-D14A-0669-48A5-427AD9063084}"/>
-          </ac:spMkLst>
-        </pc:spChg>
-        <pc:spChg chg="add del mod">
-          <ac:chgData name="Pirani,Antonio A." userId="b27b35d6-1459-4bed-af76-eef7aff762d7" providerId="ADAL" clId="{4DCE87A6-5692-DD46-89CD-9FD091247F19}" dt="2023-03-08T17:14:28.896" v="264" actId="21"/>
-          <ac:spMkLst>
-            <pc:docMk/>
-            <pc:sldMk cId="764908316" sldId="257"/>
-            <ac:spMk id="18" creationId="{51993870-1E28-D591-90BA-D878E78BD17B}"/>
-          </ac:spMkLst>
-        </pc:spChg>
-        <pc:spChg chg="add del">
-          <ac:chgData name="Pirani,Antonio A." userId="b27b35d6-1459-4bed-af76-eef7aff762d7" providerId="ADAL" clId="{4DCE87A6-5692-DD46-89CD-9FD091247F19}" dt="2023-03-08T17:16:54.973" v="284" actId="26606"/>
-          <ac:spMkLst>
-            <pc:docMk/>
-            <pc:sldMk cId="764908316" sldId="257"/>
-            <ac:spMk id="19" creationId="{56E9B3E6-E277-4D68-BA48-9CB43FFBD6E2}"/>
-          </ac:spMkLst>
-        </pc:spChg>
-        <pc:spChg chg="add del">
-          <ac:chgData name="Pirani,Antonio A." userId="b27b35d6-1459-4bed-af76-eef7aff762d7" providerId="ADAL" clId="{4DCE87A6-5692-DD46-89CD-9FD091247F19}" dt="2023-03-08T17:16:41.740" v="282" actId="26606"/>
-          <ac:spMkLst>
-            <pc:docMk/>
-            <pc:sldMk cId="764908316" sldId="257"/>
-            <ac:spMk id="21" creationId="{56E9B3E6-E277-4D68-BA48-9CB43FFBD6E2}"/>
-          </ac:spMkLst>
-        </pc:spChg>
-        <pc:spChg chg="add del">
-          <ac:chgData name="Pirani,Antonio A." userId="b27b35d6-1459-4bed-af76-eef7aff762d7" providerId="ADAL" clId="{4DCE87A6-5692-DD46-89CD-9FD091247F19}" dt="2023-03-08T17:17:29.201" v="292" actId="26606"/>
-          <ac:spMkLst>
-            <pc:docMk/>
-            <pc:sldMk cId="764908316" sldId="257"/>
-            <ac:spMk id="22" creationId="{7301F447-EEF7-48F5-AF73-7566EE7F64AD}"/>
-          </ac:spMkLst>
-        </pc:spChg>
-        <pc:spChg chg="add del">
-          <ac:chgData name="Pirani,Antonio A." userId="b27b35d6-1459-4bed-af76-eef7aff762d7" providerId="ADAL" clId="{4DCE87A6-5692-DD46-89CD-9FD091247F19}" dt="2023-03-08T17:17:29.201" v="292" actId="26606"/>
-          <ac:spMkLst>
-            <pc:docMk/>
-            <pc:sldMk cId="764908316" sldId="257"/>
-            <ac:spMk id="24" creationId="{F7117410-A2A4-4085-9ADC-46744551DBDE}"/>
-          </ac:spMkLst>
-        </pc:spChg>
-        <pc:spChg chg="add del">
-          <ac:chgData name="Pirani,Antonio A." userId="b27b35d6-1459-4bed-af76-eef7aff762d7" providerId="ADAL" clId="{4DCE87A6-5692-DD46-89CD-9FD091247F19}" dt="2023-03-08T17:17:29.201" v="292" actId="26606"/>
-          <ac:spMkLst>
-            <pc:docMk/>
-            <pc:sldMk cId="764908316" sldId="257"/>
-            <ac:spMk id="25" creationId="{99F74EB5-E547-4FB4-95F5-BCC788F3C4A0}"/>
-          </ac:spMkLst>
-        </pc:spChg>
-        <pc:spChg chg="add del">
-          <ac:chgData name="Pirani,Antonio A." userId="b27b35d6-1459-4bed-af76-eef7aff762d7" providerId="ADAL" clId="{4DCE87A6-5692-DD46-89CD-9FD091247F19}" dt="2023-03-08T17:17:49.394" v="294" actId="26606"/>
-          <ac:spMkLst>
-            <pc:docMk/>
-            <pc:sldMk cId="764908316" sldId="257"/>
-            <ac:spMk id="27" creationId="{53B021B3-DE93-4AB7-8A18-CF5F1CED88B8}"/>
-          </ac:spMkLst>
-        </pc:spChg>
-        <pc:spChg chg="add del">
-          <ac:chgData name="Pirani,Antonio A." userId="b27b35d6-1459-4bed-af76-eef7aff762d7" providerId="ADAL" clId="{4DCE87A6-5692-DD46-89CD-9FD091247F19}" dt="2023-03-08T17:16:41.740" v="282" actId="26606"/>
-          <ac:spMkLst>
-            <pc:docMk/>
-            <pc:sldMk cId="764908316" sldId="257"/>
-            <ac:spMk id="28" creationId="{D5B0017B-2ECA-49AF-B397-DC140825DF8D}"/>
-          </ac:spMkLst>
-        </pc:spChg>
-        <pc:spChg chg="add del">
-          <ac:chgData name="Pirani,Antonio A." userId="b27b35d6-1459-4bed-af76-eef7aff762d7" providerId="ADAL" clId="{4DCE87A6-5692-DD46-89CD-9FD091247F19}" dt="2023-03-08T17:17:49.394" v="294" actId="26606"/>
-          <ac:spMkLst>
-            <pc:docMk/>
-            <pc:sldMk cId="764908316" sldId="257"/>
-            <ac:spMk id="29" creationId="{52D502E5-F6B4-4D58-B4AE-FC466FF15EE8}"/>
-          </ac:spMkLst>
-        </pc:spChg>
-        <pc:spChg chg="add del">
-          <ac:chgData name="Pirani,Antonio A." userId="b27b35d6-1459-4bed-af76-eef7aff762d7" providerId="ADAL" clId="{4DCE87A6-5692-DD46-89CD-9FD091247F19}" dt="2023-03-08T17:16:54.973" v="284" actId="26606"/>
-          <ac:spMkLst>
-            <pc:docMk/>
-            <pc:sldMk cId="764908316" sldId="257"/>
-            <ac:spMk id="31" creationId="{D5B0017B-2ECA-49AF-B397-DC140825DF8D}"/>
-          </ac:spMkLst>
-        </pc:spChg>
-        <pc:spChg chg="add del">
-          <ac:chgData name="Pirani,Antonio A." userId="b27b35d6-1459-4bed-af76-eef7aff762d7" providerId="ADAL" clId="{4DCE87A6-5692-DD46-89CD-9FD091247F19}" dt="2023-03-08T17:17:49.394" v="294" actId="26606"/>
-          <ac:spMkLst>
-            <pc:docMk/>
-            <pc:sldMk cId="764908316" sldId="257"/>
-            <ac:spMk id="33" creationId="{9DECDBF4-02B6-4BB4-B65B-B8107AD6A9E8}"/>
-          </ac:spMkLst>
-        </pc:spChg>
-        <pc:spChg chg="add del">
-          <ac:chgData name="Pirani,Antonio A." userId="b27b35d6-1459-4bed-af76-eef7aff762d7" providerId="ADAL" clId="{4DCE87A6-5692-DD46-89CD-9FD091247F19}" dt="2023-03-08T17:17:06.394" v="286" actId="26606"/>
-          <ac:spMkLst>
-            <pc:docMk/>
-            <pc:sldMk cId="764908316" sldId="257"/>
-            <ac:spMk id="34" creationId="{9D8233B0-41B5-4D9A-AEEC-13DB66A8C9B5}"/>
-          </ac:spMkLst>
-        </pc:spChg>
-        <pc:spChg chg="add del">
-          <ac:chgData name="Pirani,Antonio A." userId="b27b35d6-1459-4bed-af76-eef7aff762d7" providerId="ADAL" clId="{4DCE87A6-5692-DD46-89CD-9FD091247F19}" dt="2023-03-08T17:17:06.394" v="286" actId="26606"/>
-          <ac:spMkLst>
-            <pc:docMk/>
-            <pc:sldMk cId="764908316" sldId="257"/>
-            <ac:spMk id="36" creationId="{E659831F-0D9A-4C63-9EBB-8435B85A440F}"/>
-          </ac:spMkLst>
-        </pc:spChg>
-        <pc:spChg chg="add del">
-          <ac:chgData name="Pirani,Antonio A." userId="b27b35d6-1459-4bed-af76-eef7aff762d7" providerId="ADAL" clId="{4DCE87A6-5692-DD46-89CD-9FD091247F19}" dt="2023-03-08T17:18:05.281" v="296" actId="26606"/>
-          <ac:spMkLst>
-            <pc:docMk/>
-            <pc:sldMk cId="764908316" sldId="257"/>
-            <ac:spMk id="37" creationId="{F812110C-454D-45D4-A43C-D268FC305665}"/>
-          </ac:spMkLst>
-        </pc:spChg>
-        <pc:spChg chg="add del">
-          <ac:chgData name="Pirani,Antonio A." userId="b27b35d6-1459-4bed-af76-eef7aff762d7" providerId="ADAL" clId="{4DCE87A6-5692-DD46-89CD-9FD091247F19}" dt="2023-03-08T17:17:19.124" v="290" actId="26606"/>
-          <ac:spMkLst>
-            <pc:docMk/>
-            <pc:sldMk cId="764908316" sldId="257"/>
-            <ac:spMk id="38" creationId="{839C83B4-CCB6-412E-B7FF-BA0CF31B3166}"/>
-          </ac:spMkLst>
-        </pc:spChg>
-        <pc:spChg chg="add del">
-          <ac:chgData name="Pirani,Antonio A." userId="b27b35d6-1459-4bed-af76-eef7aff762d7" providerId="ADAL" clId="{4DCE87A6-5692-DD46-89CD-9FD091247F19}" dt="2023-03-08T17:17:19.124" v="290" actId="26606"/>
-          <ac:spMkLst>
-            <pc:docMk/>
-            <pc:sldMk cId="764908316" sldId="257"/>
-            <ac:spMk id="39" creationId="{D1BA989C-D286-48D4-B3F1-84F3CBF095C8}"/>
-          </ac:spMkLst>
-        </pc:spChg>
-        <pc:spChg chg="add del">
-          <ac:chgData name="Pirani,Antonio A." userId="b27b35d6-1459-4bed-af76-eef7aff762d7" providerId="ADAL" clId="{4DCE87A6-5692-DD46-89CD-9FD091247F19}" dt="2023-03-08T17:18:05.281" v="296" actId="26606"/>
-          <ac:spMkLst>
-            <pc:docMk/>
-            <pc:sldMk cId="764908316" sldId="257"/>
-            <ac:spMk id="41" creationId="{A3663F10-4AEF-432D-B195-513FD3539145}"/>
-          </ac:spMkLst>
-        </pc:spChg>
-        <pc:spChg chg="add del">
-          <ac:chgData name="Pirani,Antonio A." userId="b27b35d6-1459-4bed-af76-eef7aff762d7" providerId="ADAL" clId="{4DCE87A6-5692-DD46-89CD-9FD091247F19}" dt="2023-03-08T17:18:05.281" v="296" actId="26606"/>
-          <ac:spMkLst>
-            <pc:docMk/>
-            <pc:sldMk cId="764908316" sldId="257"/>
-            <ac:spMk id="43" creationId="{E8AEFC5D-4625-4A90-904B-81C44B4AF2F8}"/>
-          </ac:spMkLst>
-        </pc:spChg>
-        <pc:spChg chg="add">
-          <ac:chgData name="Pirani,Antonio A." userId="b27b35d6-1459-4bed-af76-eef7aff762d7" providerId="ADAL" clId="{4DCE87A6-5692-DD46-89CD-9FD091247F19}" dt="2023-03-08T17:18:05.299" v="297" actId="26606"/>
-          <ac:spMkLst>
-            <pc:docMk/>
-            <pc:sldMk cId="764908316" sldId="257"/>
-            <ac:spMk id="45" creationId="{56E9B3E6-E277-4D68-BA48-9CB43FFBD6E2}"/>
-          </ac:spMkLst>
-        </pc:spChg>
-        <pc:spChg chg="add">
-          <ac:chgData name="Pirani,Antonio A." userId="b27b35d6-1459-4bed-af76-eef7aff762d7" providerId="ADAL" clId="{4DCE87A6-5692-DD46-89CD-9FD091247F19}" dt="2023-03-08T17:18:05.299" v="297" actId="26606"/>
-          <ac:spMkLst>
-            <pc:docMk/>
-            <pc:sldMk cId="764908316" sldId="257"/>
-            <ac:spMk id="49" creationId="{D5B0017B-2ECA-49AF-B397-DC140825DF8D}"/>
-          </ac:spMkLst>
-        </pc:spChg>
-        <pc:spChg chg="add del mod">
-          <ac:chgData name="Pirani,Antonio A." userId="b27b35d6-1459-4bed-af76-eef7aff762d7" providerId="ADAL" clId="{4DCE87A6-5692-DD46-89CD-9FD091247F19}" dt="2023-03-08T17:21:01.438" v="321" actId="21"/>
-          <ac:spMkLst>
-            <pc:docMk/>
-            <pc:sldMk cId="764908316" sldId="257"/>
-            <ac:spMk id="63" creationId="{9203332B-BD24-2CE2-F8F2-266E1EF28D60}"/>
-          </ac:spMkLst>
-        </pc:spChg>
-        <pc:grpChg chg="add del">
-          <ac:chgData name="Pirani,Antonio A." userId="b27b35d6-1459-4bed-af76-eef7aff762d7" providerId="ADAL" clId="{4DCE87A6-5692-DD46-89CD-9FD091247F19}" dt="2023-03-08T17:16:54.973" v="284" actId="26606"/>
-          <ac:grpSpMkLst>
-            <pc:docMk/>
-            <pc:sldMk cId="764908316" sldId="257"/>
-            <ac:grpSpMk id="20" creationId="{AE1C45F0-260A-458C-96ED-C1F6D2151219}"/>
-          </ac:grpSpMkLst>
-        </pc:grpChg>
-        <pc:grpChg chg="add del">
-          <ac:chgData name="Pirani,Antonio A." userId="b27b35d6-1459-4bed-af76-eef7aff762d7" providerId="ADAL" clId="{4DCE87A6-5692-DD46-89CD-9FD091247F19}" dt="2023-03-08T17:16:41.740" v="282" actId="26606"/>
-          <ac:grpSpMkLst>
-            <pc:docMk/>
-            <pc:sldMk cId="764908316" sldId="257"/>
-            <ac:grpSpMk id="23" creationId="{AE1C45F0-260A-458C-96ED-C1F6D2151219}"/>
-          </ac:grpSpMkLst>
-        </pc:grpChg>
-        <pc:grpChg chg="add del">
-          <ac:chgData name="Pirani,Antonio A." userId="b27b35d6-1459-4bed-af76-eef7aff762d7" providerId="ADAL" clId="{4DCE87A6-5692-DD46-89CD-9FD091247F19}" dt="2023-03-08T17:17:06.394" v="286" actId="26606"/>
-          <ac:grpSpMkLst>
-            <pc:docMk/>
-            <pc:sldMk cId="764908316" sldId="257"/>
-            <ac:grpSpMk id="35" creationId="{28FAF094-D087-493F-8DF9-A486C2D6BBAA}"/>
-          </ac:grpSpMkLst>
-        </pc:grpChg>
-        <pc:grpChg chg="add del">
-          <ac:chgData name="Pirani,Antonio A." userId="b27b35d6-1459-4bed-af76-eef7aff762d7" providerId="ADAL" clId="{4DCE87A6-5692-DD46-89CD-9FD091247F19}" dt="2023-03-08T17:17:19.124" v="290" actId="26606"/>
-          <ac:grpSpMkLst>
-            <pc:docMk/>
-            <pc:sldMk cId="764908316" sldId="257"/>
-            <ac:grpSpMk id="40" creationId="{98925B56-689F-4DFB-8FD0-9BB9D8DE848B}"/>
-          </ac:grpSpMkLst>
-        </pc:grpChg>
-        <pc:grpChg chg="add del">
-          <ac:chgData name="Pirani,Antonio A." userId="b27b35d6-1459-4bed-af76-eef7aff762d7" providerId="ADAL" clId="{4DCE87A6-5692-DD46-89CD-9FD091247F19}" dt="2023-03-08T17:17:19.124" v="290" actId="26606"/>
-          <ac:grpSpMkLst>
-            <pc:docMk/>
-            <pc:sldMk cId="764908316" sldId="257"/>
-            <ac:grpSpMk id="42" creationId="{A7EE5FDC-1EEC-4871-BD9E-EF321D5F89B0}"/>
-          </ac:grpSpMkLst>
-        </pc:grpChg>
-        <pc:grpChg chg="add">
-          <ac:chgData name="Pirani,Antonio A." userId="b27b35d6-1459-4bed-af76-eef7aff762d7" providerId="ADAL" clId="{4DCE87A6-5692-DD46-89CD-9FD091247F19}" dt="2023-03-08T17:18:05.299" v="297" actId="26606"/>
-          <ac:grpSpMkLst>
-            <pc:docMk/>
-            <pc:sldMk cId="764908316" sldId="257"/>
-            <ac:grpSpMk id="46" creationId="{AE1C45F0-260A-458C-96ED-C1F6D2151219}"/>
-          </ac:grpSpMkLst>
-        </pc:grpChg>
-        <pc:cxnChg chg="add del">
-          <ac:chgData name="Pirani,Antonio A." userId="b27b35d6-1459-4bed-af76-eef7aff762d7" providerId="ADAL" clId="{4DCE87A6-5692-DD46-89CD-9FD091247F19}" dt="2023-03-08T17:16:41.740" v="282" actId="26606"/>
-          <ac:cxnSpMkLst>
-            <pc:docMk/>
-            <pc:sldMk cId="764908316" sldId="257"/>
-            <ac:cxnSpMk id="30" creationId="{6CF1BAF6-AD41-4082-B212-8A1F9A2E8779}"/>
-          </ac:cxnSpMkLst>
-        </pc:cxnChg>
-        <pc:cxnChg chg="add del">
-          <ac:chgData name="Pirani,Antonio A." userId="b27b35d6-1459-4bed-af76-eef7aff762d7" providerId="ADAL" clId="{4DCE87A6-5692-DD46-89CD-9FD091247F19}" dt="2023-03-08T17:16:54.973" v="284" actId="26606"/>
-          <ac:cxnSpMkLst>
-            <pc:docMk/>
-            <pc:sldMk cId="764908316" sldId="257"/>
-            <ac:cxnSpMk id="32" creationId="{6CF1BAF6-AD41-4082-B212-8A1F9A2E8779}"/>
-          </ac:cxnSpMkLst>
-        </pc:cxnChg>
-        <pc:cxnChg chg="add">
-          <ac:chgData name="Pirani,Antonio A." userId="b27b35d6-1459-4bed-af76-eef7aff762d7" providerId="ADAL" clId="{4DCE87A6-5692-DD46-89CD-9FD091247F19}" dt="2023-03-08T17:18:05.299" v="297" actId="26606"/>
-          <ac:cxnSpMkLst>
-            <pc:docMk/>
-            <pc:sldMk cId="764908316" sldId="257"/>
-            <ac:cxnSpMk id="50" creationId="{6CF1BAF6-AD41-4082-B212-8A1F9A2E8779}"/>
-          </ac:cxnSpMkLst>
-        </pc:cxnChg>
-        <pc:cxnChg chg="add del mod">
-          <ac:chgData name="Pirani,Antonio A." userId="b27b35d6-1459-4bed-af76-eef7aff762d7" providerId="ADAL" clId="{4DCE87A6-5692-DD46-89CD-9FD091247F19}" dt="2023-03-08T17:18:59.368" v="301" actId="11529"/>
-          <ac:cxnSpMkLst>
-            <pc:docMk/>
-            <pc:sldMk cId="764908316" sldId="257"/>
-            <ac:cxnSpMk id="52" creationId="{7D1E868B-FFD1-C817-A008-B41CE383E4D0}"/>
-          </ac:cxnSpMkLst>
-        </pc:cxnChg>
-        <pc:cxnChg chg="add del mod">
-          <ac:chgData name="Pirani,Antonio A." userId="b27b35d6-1459-4bed-af76-eef7aff762d7" providerId="ADAL" clId="{4DCE87A6-5692-DD46-89CD-9FD091247F19}" dt="2023-03-08T17:19:36.082" v="309" actId="11529"/>
-          <ac:cxnSpMkLst>
-            <pc:docMk/>
-            <pc:sldMk cId="764908316" sldId="257"/>
-            <ac:cxnSpMk id="54" creationId="{07652ECD-5B35-31F2-8567-B51D8485421D}"/>
-          </ac:cxnSpMkLst>
-        </pc:cxnChg>
-        <pc:cxnChg chg="add mod">
-          <ac:chgData name="Pirani,Antonio A." userId="b27b35d6-1459-4bed-af76-eef7aff762d7" providerId="ADAL" clId="{4DCE87A6-5692-DD46-89CD-9FD091247F19}" dt="2023-03-08T17:24:58.295" v="359" actId="17032"/>
-          <ac:cxnSpMkLst>
-            <pc:docMk/>
-            <pc:sldMk cId="764908316" sldId="257"/>
-            <ac:cxnSpMk id="59" creationId="{D71F6EAA-ADE1-1B21-E689-68ED0A289653}"/>
-          </ac:cxnSpMkLst>
-        </pc:cxnChg>
-        <pc:cxnChg chg="add del mod">
-          <ac:chgData name="Pirani,Antonio A." userId="b27b35d6-1459-4bed-af76-eef7aff762d7" providerId="ADAL" clId="{4DCE87A6-5692-DD46-89CD-9FD091247F19}" dt="2023-03-08T17:20:17.144" v="313" actId="21"/>
-          <ac:cxnSpMkLst>
-            <pc:docMk/>
-            <pc:sldMk cId="764908316" sldId="257"/>
-            <ac:cxnSpMk id="61" creationId="{B20ED0C3-9B57-BF3C-C2DA-4B342E2C89BE}"/>
-          </ac:cxnSpMkLst>
-        </pc:cxnChg>
-        <pc:cxnChg chg="add mod">
-          <ac:chgData name="Pirani,Antonio A." userId="b27b35d6-1459-4bed-af76-eef7aff762d7" providerId="ADAL" clId="{4DCE87A6-5692-DD46-89CD-9FD091247F19}" dt="2023-03-10T18:06:33.978" v="1491" actId="14100"/>
-          <ac:cxnSpMkLst>
-            <pc:docMk/>
-            <pc:sldMk cId="764908316" sldId="257"/>
-            <ac:cxnSpMk id="65" creationId="{CA912B27-99F7-2110-8985-BD305FD8FB1B}"/>
-          </ac:cxnSpMkLst>
-        </pc:cxnChg>
-        <pc:cxnChg chg="add del mod">
-          <ac:chgData name="Pirani,Antonio A." userId="b27b35d6-1459-4bed-af76-eef7aff762d7" providerId="ADAL" clId="{4DCE87A6-5692-DD46-89CD-9FD091247F19}" dt="2023-03-08T17:22:32.941" v="331" actId="11529"/>
-          <ac:cxnSpMkLst>
-            <pc:docMk/>
-            <pc:sldMk cId="764908316" sldId="257"/>
-            <ac:cxnSpMk id="70" creationId="{E34CA073-D626-C99A-4BBE-9B38EFF49783}"/>
-          </ac:cxnSpMkLst>
-        </pc:cxnChg>
-        <pc:cxnChg chg="add mod">
-          <ac:chgData name="Pirani,Antonio A." userId="b27b35d6-1459-4bed-af76-eef7aff762d7" providerId="ADAL" clId="{4DCE87A6-5692-DD46-89CD-9FD091247F19}" dt="2023-03-08T17:36:38.227" v="436" actId="14100"/>
-          <ac:cxnSpMkLst>
-            <pc:docMk/>
-            <pc:sldMk cId="764908316" sldId="257"/>
-            <ac:cxnSpMk id="72" creationId="{499E62E4-9164-C908-6FAE-0304F1A1C954}"/>
-          </ac:cxnSpMkLst>
-        </pc:cxnChg>
-        <pc:cxnChg chg="add mod">
-          <ac:chgData name="Pirani,Antonio A." userId="b27b35d6-1459-4bed-af76-eef7aff762d7" providerId="ADAL" clId="{4DCE87A6-5692-DD46-89CD-9FD091247F19}" dt="2023-03-10T18:06:42.747" v="1492" actId="14100"/>
-          <ac:cxnSpMkLst>
-            <pc:docMk/>
-            <pc:sldMk cId="764908316" sldId="257"/>
-            <ac:cxnSpMk id="76" creationId="{1B3834A9-6AB3-E927-A61C-E520A7D80D60}"/>
-          </ac:cxnSpMkLst>
-        </pc:cxnChg>
-      </pc:sldChg>
-      <pc:sldChg chg="add del">
-        <pc:chgData name="Pirani,Antonio A." userId="b27b35d6-1459-4bed-af76-eef7aff762d7" providerId="ADAL" clId="{4DCE87A6-5692-DD46-89CD-9FD091247F19}" dt="2023-03-08T17:37:16.368" v="440" actId="2696"/>
-        <pc:sldMkLst>
-          <pc:docMk/>
-          <pc:sldMk cId="1051841186" sldId="259"/>
-        </pc:sldMkLst>
-      </pc:sldChg>
-      <pc:sldChg chg="addSp delSp modSp add mod modAnim">
-        <pc:chgData name="Pirani,Antonio A." userId="b27b35d6-1459-4bed-af76-eef7aff762d7" providerId="ADAL" clId="{4DCE87A6-5692-DD46-89CD-9FD091247F19}" dt="2023-03-10T18:45:13.785" v="1849" actId="1076"/>
-        <pc:sldMkLst>
-          <pc:docMk/>
-          <pc:sldMk cId="0" sldId="260"/>
-        </pc:sldMkLst>
-        <pc:spChg chg="add mod">
-          <ac:chgData name="Pirani,Antonio A." userId="b27b35d6-1459-4bed-af76-eef7aff762d7" providerId="ADAL" clId="{4DCE87A6-5692-DD46-89CD-9FD091247F19}" dt="2023-03-10T18:45:13.785" v="1849" actId="1076"/>
-          <ac:spMkLst>
-            <pc:docMk/>
-            <pc:sldMk cId="0" sldId="260"/>
-            <ac:spMk id="14" creationId="{C4F5AACD-0FBE-4578-E0C5-297664277814}"/>
-          </ac:spMkLst>
-        </pc:spChg>
-        <pc:spChg chg="mod">
-          <ac:chgData name="Pirani,Antonio A." userId="b27b35d6-1459-4bed-af76-eef7aff762d7" providerId="ADAL" clId="{4DCE87A6-5692-DD46-89CD-9FD091247F19}" dt="2023-03-10T18:39:58.667" v="1752" actId="1076"/>
-          <ac:spMkLst>
-            <pc:docMk/>
-            <pc:sldMk cId="0" sldId="260"/>
-            <ac:spMk id="254" creationId="{00000000-0000-0000-0000-000000000000}"/>
-          </ac:spMkLst>
-        </pc:spChg>
-        <pc:spChg chg="mod">
-          <ac:chgData name="Pirani,Antonio A." userId="b27b35d6-1459-4bed-af76-eef7aff762d7" providerId="ADAL" clId="{4DCE87A6-5692-DD46-89CD-9FD091247F19}" dt="2023-03-10T18:27:49.535" v="1574" actId="207"/>
-          <ac:spMkLst>
-            <pc:docMk/>
-            <pc:sldMk cId="0" sldId="260"/>
-            <ac:spMk id="256" creationId="{00000000-0000-0000-0000-000000000000}"/>
-          </ac:spMkLst>
-        </pc:spChg>
-        <pc:spChg chg="mod">
-          <ac:chgData name="Pirani,Antonio A." userId="b27b35d6-1459-4bed-af76-eef7aff762d7" providerId="ADAL" clId="{4DCE87A6-5692-DD46-89CD-9FD091247F19}" dt="2023-03-10T18:28:14.728" v="1578" actId="207"/>
-          <ac:spMkLst>
-            <pc:docMk/>
-            <pc:sldMk cId="0" sldId="260"/>
-            <ac:spMk id="257" creationId="{00000000-0000-0000-0000-000000000000}"/>
-          </ac:spMkLst>
-        </pc:spChg>
-        <pc:spChg chg="mod">
-          <ac:chgData name="Pirani,Antonio A." userId="b27b35d6-1459-4bed-af76-eef7aff762d7" providerId="ADAL" clId="{4DCE87A6-5692-DD46-89CD-9FD091247F19}" dt="2023-03-10T18:36:38.372" v="1692" actId="1076"/>
-          <ac:spMkLst>
-            <pc:docMk/>
-            <pc:sldMk cId="0" sldId="260"/>
-            <ac:spMk id="258" creationId="{00000000-0000-0000-0000-000000000000}"/>
-          </ac:spMkLst>
-        </pc:spChg>
-        <pc:spChg chg="mod">
-          <ac:chgData name="Pirani,Antonio A." userId="b27b35d6-1459-4bed-af76-eef7aff762d7" providerId="ADAL" clId="{4DCE87A6-5692-DD46-89CD-9FD091247F19}" dt="2023-03-10T18:24:23.486" v="1558" actId="20577"/>
-          <ac:spMkLst>
-            <pc:docMk/>
-            <pc:sldMk cId="0" sldId="260"/>
-            <ac:spMk id="261" creationId="{00000000-0000-0000-0000-000000000000}"/>
-          </ac:spMkLst>
-        </pc:spChg>
-        <pc:spChg chg="mod">
-          <ac:chgData name="Pirani,Antonio A." userId="b27b35d6-1459-4bed-af76-eef7aff762d7" providerId="ADAL" clId="{4DCE87A6-5692-DD46-89CD-9FD091247F19}" dt="2023-03-10T18:37:54.033" v="1732" actId="1076"/>
-          <ac:spMkLst>
-            <pc:docMk/>
-            <pc:sldMk cId="0" sldId="260"/>
-            <ac:spMk id="262" creationId="{00000000-0000-0000-0000-000000000000}"/>
-          </ac:spMkLst>
-        </pc:spChg>
-        <pc:spChg chg="mod">
-          <ac:chgData name="Pirani,Antonio A." userId="b27b35d6-1459-4bed-af76-eef7aff762d7" providerId="ADAL" clId="{4DCE87A6-5692-DD46-89CD-9FD091247F19}" dt="2023-03-10T18:25:52.995" v="1567" actId="20577"/>
-          <ac:spMkLst>
-            <pc:docMk/>
-            <pc:sldMk cId="0" sldId="260"/>
-            <ac:spMk id="265" creationId="{00000000-0000-0000-0000-000000000000}"/>
-          </ac:spMkLst>
-        </pc:spChg>
-        <pc:spChg chg="mod">
-          <ac:chgData name="Pirani,Antonio A." userId="b27b35d6-1459-4bed-af76-eef7aff762d7" providerId="ADAL" clId="{4DCE87A6-5692-DD46-89CD-9FD091247F19}" dt="2023-03-10T18:36:53.131" v="1693" actId="14100"/>
-          <ac:spMkLst>
-            <pc:docMk/>
-            <pc:sldMk cId="0" sldId="260"/>
-            <ac:spMk id="266" creationId="{00000000-0000-0000-0000-000000000000}"/>
-          </ac:spMkLst>
-        </pc:spChg>
-        <pc:spChg chg="mod">
-          <ac:chgData name="Pirani,Antonio A." userId="b27b35d6-1459-4bed-af76-eef7aff762d7" providerId="ADAL" clId="{4DCE87A6-5692-DD46-89CD-9FD091247F19}" dt="2023-03-10T18:39:31.578" v="1751" actId="113"/>
-          <ac:spMkLst>
-            <pc:docMk/>
-            <pc:sldMk cId="0" sldId="260"/>
-            <ac:spMk id="295" creationId="{00000000-0000-0000-0000-000000000000}"/>
-          </ac:spMkLst>
-        </pc:spChg>
-        <pc:grpChg chg="del">
-          <ac:chgData name="Pirani,Antonio A." userId="b27b35d6-1459-4bed-af76-eef7aff762d7" providerId="ADAL" clId="{4DCE87A6-5692-DD46-89CD-9FD091247F19}" dt="2023-03-10T18:32:57.595" v="1634" actId="21"/>
-          <ac:grpSpMkLst>
-            <pc:docMk/>
-            <pc:sldMk cId="0" sldId="260"/>
-            <ac:grpSpMk id="267" creationId="{00000000-0000-0000-0000-000000000000}"/>
-          </ac:grpSpMkLst>
-        </pc:grpChg>
-        <pc:grpChg chg="del">
-          <ac:chgData name="Pirani,Antonio A." userId="b27b35d6-1459-4bed-af76-eef7aff762d7" providerId="ADAL" clId="{4DCE87A6-5692-DD46-89CD-9FD091247F19}" dt="2023-03-10T18:32:04.823" v="1626" actId="21"/>
-          <ac:grpSpMkLst>
-            <pc:docMk/>
-            <pc:sldMk cId="0" sldId="260"/>
-            <ac:grpSpMk id="270" creationId="{00000000-0000-0000-0000-000000000000}"/>
-          </ac:grpSpMkLst>
-        </pc:grpChg>
-        <pc:grpChg chg="del">
-          <ac:chgData name="Pirani,Antonio A." userId="b27b35d6-1459-4bed-af76-eef7aff762d7" providerId="ADAL" clId="{4DCE87A6-5692-DD46-89CD-9FD091247F19}" dt="2023-03-10T18:29:45.696" v="1614" actId="21"/>
-          <ac:grpSpMkLst>
-            <pc:docMk/>
-            <pc:sldMk cId="0" sldId="260"/>
-            <ac:grpSpMk id="274" creationId="{00000000-0000-0000-0000-000000000000}"/>
-          </ac:grpSpMkLst>
-        </pc:grpChg>
-        <pc:grpChg chg="mod">
-          <ac:chgData name="Pirani,Antonio A." userId="b27b35d6-1459-4bed-af76-eef7aff762d7" providerId="ADAL" clId="{4DCE87A6-5692-DD46-89CD-9FD091247F19}" dt="2023-03-10T18:23:46.674" v="1529" actId="1076"/>
-          <ac:grpSpMkLst>
-            <pc:docMk/>
-            <pc:sldMk cId="0" sldId="260"/>
-            <ac:grpSpMk id="283" creationId="{00000000-0000-0000-0000-000000000000}"/>
-          </ac:grpSpMkLst>
-        </pc:grpChg>
-        <pc:picChg chg="add del mod">
-          <ac:chgData name="Pirani,Antonio A." userId="b27b35d6-1459-4bed-af76-eef7aff762d7" providerId="ADAL" clId="{4DCE87A6-5692-DD46-89CD-9FD091247F19}" dt="2023-03-10T18:29:04.264" v="1601" actId="931"/>
-          <ac:picMkLst>
-            <pc:docMk/>
-            <pc:sldMk cId="0" sldId="260"/>
-            <ac:picMk id="3" creationId="{C066583A-235A-20F5-5AF8-98043FAECD56}"/>
-          </ac:picMkLst>
-        </pc:picChg>
-        <pc:picChg chg="add del mod">
-          <ac:chgData name="Pirani,Antonio A." userId="b27b35d6-1459-4bed-af76-eef7aff762d7" providerId="ADAL" clId="{4DCE87A6-5692-DD46-89CD-9FD091247F19}" dt="2023-03-10T18:29:04.264" v="1601" actId="931"/>
-          <ac:picMkLst>
-            <pc:docMk/>
-            <pc:sldMk cId="0" sldId="260"/>
-            <ac:picMk id="5" creationId="{2F46EE75-3119-73E1-9058-62E2F9E71714}"/>
-          </ac:picMkLst>
-        </pc:picChg>
-        <pc:picChg chg="add del mod">
-          <ac:chgData name="Pirani,Antonio A." userId="b27b35d6-1459-4bed-af76-eef7aff762d7" providerId="ADAL" clId="{4DCE87A6-5692-DD46-89CD-9FD091247F19}" dt="2023-03-10T18:29:04.264" v="1601" actId="931"/>
-          <ac:picMkLst>
-            <pc:docMk/>
-            <pc:sldMk cId="0" sldId="260"/>
-            <ac:picMk id="7" creationId="{FDC229C8-260D-5F01-ED3F-2AB295034192}"/>
-          </ac:picMkLst>
-        </pc:picChg>
-        <pc:picChg chg="add mod">
-          <ac:chgData name="Pirani,Antonio A." userId="b27b35d6-1459-4bed-af76-eef7aff762d7" providerId="ADAL" clId="{4DCE87A6-5692-DD46-89CD-9FD091247F19}" dt="2023-03-10T18:34:20.658" v="1638" actId="1367"/>
-          <ac:picMkLst>
-            <pc:docMk/>
-            <pc:sldMk cId="0" sldId="260"/>
-            <ac:picMk id="9" creationId="{DC7D2A9E-04A3-35F0-A8AB-9841504371C2}"/>
-          </ac:picMkLst>
-        </pc:picChg>
-        <pc:picChg chg="add mod">
-          <ac:chgData name="Pirani,Antonio A." userId="b27b35d6-1459-4bed-af76-eef7aff762d7" providerId="ADAL" clId="{4DCE87A6-5692-DD46-89CD-9FD091247F19}" dt="2023-03-10T18:33:18.693" v="1637" actId="1076"/>
-          <ac:picMkLst>
-            <pc:docMk/>
-            <pc:sldMk cId="0" sldId="260"/>
-            <ac:picMk id="11" creationId="{B6E72FEF-5570-3AED-D753-82D95C90F163}"/>
-          </ac:picMkLst>
-        </pc:picChg>
-        <pc:picChg chg="add mod">
-          <ac:chgData name="Pirani,Antonio A." userId="b27b35d6-1459-4bed-af76-eef7aff762d7" providerId="ADAL" clId="{4DCE87A6-5692-DD46-89CD-9FD091247F19}" dt="2023-03-10T18:32:52.172" v="1633" actId="1076"/>
-          <ac:picMkLst>
-            <pc:docMk/>
-            <pc:sldMk cId="0" sldId="260"/>
-            <ac:picMk id="13" creationId="{D6A24831-F17B-64FE-5EDC-BD077C4AEC2F}"/>
-          </ac:picMkLst>
-        </pc:picChg>
-      </pc:sldChg>
-      <pc:sldChg chg="del">
-        <pc:chgData name="Pirani,Antonio A." userId="b27b35d6-1459-4bed-af76-eef7aff762d7" providerId="ADAL" clId="{4DCE87A6-5692-DD46-89CD-9FD091247F19}" dt="2023-03-08T18:52:27.866" v="523" actId="2696"/>
-        <pc:sldMkLst>
-          <pc:docMk/>
-          <pc:sldMk cId="798494627" sldId="260"/>
-        </pc:sldMkLst>
-      </pc:sldChg>
-      <pc:sldChg chg="del">
-        <pc:chgData name="Pirani,Antonio A." userId="b27b35d6-1459-4bed-af76-eef7aff762d7" providerId="ADAL" clId="{4DCE87A6-5692-DD46-89CD-9FD091247F19}" dt="2023-03-08T18:52:27.866" v="523" actId="2696"/>
-        <pc:sldMkLst>
-          <pc:docMk/>
-          <pc:sldMk cId="3700990553" sldId="263"/>
-        </pc:sldMkLst>
-      </pc:sldChg>
-      <pc:sldChg chg="modSp new mod ord">
-        <pc:chgData name="Pirani,Antonio A." userId="b27b35d6-1459-4bed-af76-eef7aff762d7" providerId="ADAL" clId="{4DCE87A6-5692-DD46-89CD-9FD091247F19}" dt="2023-03-08T18:45:17.300" v="503" actId="20578"/>
-        <pc:sldMkLst>
-          <pc:docMk/>
-          <pc:sldMk cId="3909921270" sldId="265"/>
-        </pc:sldMkLst>
-        <pc:spChg chg="mod">
-          <ac:chgData name="Pirani,Antonio A." userId="b27b35d6-1459-4bed-af76-eef7aff762d7" providerId="ADAL" clId="{4DCE87A6-5692-DD46-89CD-9FD091247F19}" dt="2023-03-08T17:38:22.850" v="498" actId="113"/>
-          <ac:spMkLst>
-            <pc:docMk/>
-            <pc:sldMk cId="3909921270" sldId="265"/>
-            <ac:spMk id="2" creationId="{39F60CCD-48D8-9056-1720-2ADC8EE07B11}"/>
-          </ac:spMkLst>
-        </pc:spChg>
-      </pc:sldChg>
-      <pc:sldChg chg="addSp modSp new mod">
-        <pc:chgData name="Pirani,Antonio A." userId="b27b35d6-1459-4bed-af76-eef7aff762d7" providerId="ADAL" clId="{4DCE87A6-5692-DD46-89CD-9FD091247F19}" dt="2023-03-09T11:06:22.224" v="1489" actId="20577"/>
-        <pc:sldMkLst>
-          <pc:docMk/>
-          <pc:sldMk cId="3346795327" sldId="266"/>
-        </pc:sldMkLst>
-        <pc:spChg chg="mod">
-          <ac:chgData name="Pirani,Antonio A." userId="b27b35d6-1459-4bed-af76-eef7aff762d7" providerId="ADAL" clId="{4DCE87A6-5692-DD46-89CD-9FD091247F19}" dt="2023-03-08T20:28:56.946" v="1178" actId="20577"/>
-          <ac:spMkLst>
-            <pc:docMk/>
-            <pc:sldMk cId="3346795327" sldId="266"/>
-            <ac:spMk id="2" creationId="{405A28B1-AA46-0319-1D2F-EBDAAA4038D5}"/>
-          </ac:spMkLst>
-        </pc:spChg>
-        <pc:spChg chg="add mod">
-          <ac:chgData name="Pirani,Antonio A." userId="b27b35d6-1459-4bed-af76-eef7aff762d7" providerId="ADAL" clId="{4DCE87A6-5692-DD46-89CD-9FD091247F19}" dt="2023-03-09T11:06:22.224" v="1489" actId="20577"/>
-          <ac:spMkLst>
-            <pc:docMk/>
-            <pc:sldMk cId="3346795327" sldId="266"/>
-            <ac:spMk id="3" creationId="{2039AD18-D7A3-1351-E27F-1F37517CBE2F}"/>
-          </ac:spMkLst>
-        </pc:spChg>
-      </pc:sldChg>
-      <pc:sldChg chg="modSp add del mod ord">
-        <pc:chgData name="Pirani,Antonio A." userId="b27b35d6-1459-4bed-af76-eef7aff762d7" providerId="ADAL" clId="{4DCE87A6-5692-DD46-89CD-9FD091247F19}" dt="2023-03-09T10:43:00.845" v="1375" actId="2696"/>
-        <pc:sldMkLst>
-          <pc:docMk/>
-          <pc:sldMk cId="1441458281" sldId="267"/>
-        </pc:sldMkLst>
-        <pc:spChg chg="mod">
-          <ac:chgData name="Pirani,Antonio A." userId="b27b35d6-1459-4bed-af76-eef7aff762d7" providerId="ADAL" clId="{4DCE87A6-5692-DD46-89CD-9FD091247F19}" dt="2023-03-08T18:45:11" v="500" actId="27636"/>
-          <ac:spMkLst>
-            <pc:docMk/>
-            <pc:sldMk cId="1441458281" sldId="267"/>
-            <ac:spMk id="53" creationId="{00000000-0000-0000-0000-000000000000}"/>
-          </ac:spMkLst>
-        </pc:spChg>
-      </pc:sldChg>
-      <pc:sldChg chg="modSp add del mod">
-        <pc:chgData name="Pirani,Antonio A." userId="b27b35d6-1459-4bed-af76-eef7aff762d7" providerId="ADAL" clId="{4DCE87A6-5692-DD46-89CD-9FD091247F19}" dt="2023-03-08T18:47:14.962" v="506" actId="2696"/>
-        <pc:sldMkLst>
-          <pc:docMk/>
-          <pc:sldMk cId="1246393781" sldId="268"/>
-        </pc:sldMkLst>
-        <pc:spChg chg="mod">
-          <ac:chgData name="Pirani,Antonio A." userId="b27b35d6-1459-4bed-af76-eef7aff762d7" providerId="ADAL" clId="{4DCE87A6-5692-DD46-89CD-9FD091247F19}" dt="2023-03-08T18:47:05.673" v="505" actId="27636"/>
-          <ac:spMkLst>
-            <pc:docMk/>
-            <pc:sldMk cId="1246393781" sldId="268"/>
-            <ac:spMk id="53" creationId="{00000000-0000-0000-0000-000000000000}"/>
-          </ac:spMkLst>
-        </pc:spChg>
-      </pc:sldChg>
-      <pc:sldChg chg="modSp add del mod">
-        <pc:chgData name="Pirani,Antonio A." userId="b27b35d6-1459-4bed-af76-eef7aff762d7" providerId="ADAL" clId="{4DCE87A6-5692-DD46-89CD-9FD091247F19}" dt="2023-03-09T10:43:03.662" v="1376" actId="2696"/>
-        <pc:sldMkLst>
-          <pc:docMk/>
-          <pc:sldMk cId="3399875311" sldId="268"/>
-        </pc:sldMkLst>
-        <pc:spChg chg="mod">
-          <ac:chgData name="Pirani,Antonio A." userId="b27b35d6-1459-4bed-af76-eef7aff762d7" providerId="ADAL" clId="{4DCE87A6-5692-DD46-89CD-9FD091247F19}" dt="2023-03-08T18:50:52.408" v="515" actId="27636"/>
-          <ac:spMkLst>
-            <pc:docMk/>
-            <pc:sldMk cId="3399875311" sldId="268"/>
-            <ac:spMk id="53" creationId="{00000000-0000-0000-0000-000000000000}"/>
-          </ac:spMkLst>
-        </pc:spChg>
-      </pc:sldChg>
-      <pc:sldChg chg="modSp add del mod ord">
-        <pc:chgData name="Pirani,Antonio A." userId="b27b35d6-1459-4bed-af76-eef7aff762d7" providerId="ADAL" clId="{4DCE87A6-5692-DD46-89CD-9FD091247F19}" dt="2023-03-08T18:50:07.142" v="513" actId="2696"/>
-        <pc:sldMkLst>
-          <pc:docMk/>
-          <pc:sldMk cId="3568126611" sldId="268"/>
-        </pc:sldMkLst>
-        <pc:spChg chg="mod">
-          <ac:chgData name="Pirani,Antonio A." userId="b27b35d6-1459-4bed-af76-eef7aff762d7" providerId="ADAL" clId="{4DCE87A6-5692-DD46-89CD-9FD091247F19}" dt="2023-03-08T18:47:47.866" v="508" actId="27636"/>
-          <ac:spMkLst>
-            <pc:docMk/>
-            <pc:sldMk cId="3568126611" sldId="268"/>
-            <ac:spMk id="53" creationId="{00000000-0000-0000-0000-000000000000}"/>
-          </ac:spMkLst>
-        </pc:spChg>
-      </pc:sldChg>
-      <pc:sldChg chg="modSp add del mod">
-        <pc:chgData name="Pirani,Antonio A." userId="b27b35d6-1459-4bed-af76-eef7aff762d7" providerId="ADAL" clId="{4DCE87A6-5692-DD46-89CD-9FD091247F19}" dt="2023-03-08T18:51:48.064" v="518" actId="2696"/>
-        <pc:sldMkLst>
-          <pc:docMk/>
-          <pc:sldMk cId="490948564" sldId="269"/>
-        </pc:sldMkLst>
-        <pc:spChg chg="mod">
-          <ac:chgData name="Pirani,Antonio A." userId="b27b35d6-1459-4bed-af76-eef7aff762d7" providerId="ADAL" clId="{4DCE87A6-5692-DD46-89CD-9FD091247F19}" dt="2023-03-08T18:51:43.944" v="517" actId="27636"/>
-          <ac:spMkLst>
-            <pc:docMk/>
-            <pc:sldMk cId="490948564" sldId="269"/>
-            <ac:spMk id="53" creationId="{00000000-0000-0000-0000-000000000000}"/>
-          </ac:spMkLst>
-        </pc:spChg>
-      </pc:sldChg>
-      <pc:sldChg chg="modSp add del mod">
-        <pc:chgData name="Pirani,Antonio A." userId="b27b35d6-1459-4bed-af76-eef7aff762d7" providerId="ADAL" clId="{4DCE87A6-5692-DD46-89CD-9FD091247F19}" dt="2023-03-08T18:52:27.866" v="523" actId="2696"/>
-        <pc:sldMkLst>
-          <pc:docMk/>
-          <pc:sldMk cId="1044987522" sldId="269"/>
-        </pc:sldMkLst>
-        <pc:spChg chg="mod">
-          <ac:chgData name="Pirani,Antonio A." userId="b27b35d6-1459-4bed-af76-eef7aff762d7" providerId="ADAL" clId="{4DCE87A6-5692-DD46-89CD-9FD091247F19}" dt="2023-03-08T18:52:01.541" v="520" actId="27636"/>
-          <ac:spMkLst>
-            <pc:docMk/>
-            <pc:sldMk cId="1044987522" sldId="269"/>
-            <ac:spMk id="53" creationId="{00000000-0000-0000-0000-000000000000}"/>
-          </ac:spMkLst>
-        </pc:spChg>
-      </pc:sldChg>
-      <pc:sldChg chg="modSp add del mod">
-        <pc:chgData name="Pirani,Antonio A." userId="b27b35d6-1459-4bed-af76-eef7aff762d7" providerId="ADAL" clId="{4DCE87A6-5692-DD46-89CD-9FD091247F19}" dt="2023-03-08T18:50:04.233" v="512" actId="2696"/>
-        <pc:sldMkLst>
-          <pc:docMk/>
-          <pc:sldMk cId="2267723012" sldId="269"/>
-        </pc:sldMkLst>
-        <pc:spChg chg="mod">
-          <ac:chgData name="Pirani,Antonio A." userId="b27b35d6-1459-4bed-af76-eef7aff762d7" providerId="ADAL" clId="{4DCE87A6-5692-DD46-89CD-9FD091247F19}" dt="2023-03-08T18:48:01.818" v="511" actId="27636"/>
-          <ac:spMkLst>
-            <pc:docMk/>
-            <pc:sldMk cId="2267723012" sldId="269"/>
-            <ac:spMk id="53" creationId="{00000000-0000-0000-0000-000000000000}"/>
-          </ac:spMkLst>
-        </pc:spChg>
-      </pc:sldChg>
-      <pc:sldChg chg="addSp delSp modSp add mod ord">
-        <pc:chgData name="Pirani,Antonio A." userId="b27b35d6-1459-4bed-af76-eef7aff762d7" providerId="ADAL" clId="{4DCE87A6-5692-DD46-89CD-9FD091247F19}" dt="2023-03-10T18:42:45.773" v="1777" actId="1076"/>
-        <pc:sldMkLst>
-          <pc:docMk/>
-          <pc:sldMk cId="3053361262" sldId="269"/>
-        </pc:sldMkLst>
-        <pc:spChg chg="mod">
-          <ac:chgData name="Pirani,Antonio A." userId="b27b35d6-1459-4bed-af76-eef7aff762d7" providerId="ADAL" clId="{4DCE87A6-5692-DD46-89CD-9FD091247F19}" dt="2023-03-10T18:42:45.773" v="1777" actId="1076"/>
-          <ac:spMkLst>
-            <pc:docMk/>
-            <pc:sldMk cId="3053361262" sldId="269"/>
-            <ac:spMk id="4" creationId="{00000000-0000-0000-0000-000000000000}"/>
-          </ac:spMkLst>
-        </pc:spChg>
-        <pc:spChg chg="add del mod">
-          <ac:chgData name="Pirani,Antonio A." userId="b27b35d6-1459-4bed-af76-eef7aff762d7" providerId="ADAL" clId="{4DCE87A6-5692-DD46-89CD-9FD091247F19}" dt="2023-03-09T10:49:00.955" v="1425" actId="21"/>
-          <ac:spMkLst>
-            <pc:docMk/>
-            <pc:sldMk cId="3053361262" sldId="269"/>
-            <ac:spMk id="8" creationId="{4B37B8DA-8340-4253-532E-6A5C9161B756}"/>
-          </ac:spMkLst>
-        </pc:spChg>
-        <pc:spChg chg="del mod">
-          <ac:chgData name="Pirani,Antonio A." userId="b27b35d6-1459-4bed-af76-eef7aff762d7" providerId="ADAL" clId="{4DCE87A6-5692-DD46-89CD-9FD091247F19}" dt="2023-03-09T10:48:58.665" v="1423" actId="21"/>
-          <ac:spMkLst>
-            <pc:docMk/>
-            <pc:sldMk cId="3053361262" sldId="269"/>
-            <ac:spMk id="53" creationId="{00000000-0000-0000-0000-000000000000}"/>
+            <pc:sldMk cId="0" sldId="273"/>
+            <ac:spMk id="1527" creationId="{00000000-0000-0000-0000-000000000000}"/>
           </ac:spMkLst>
         </pc:spChg>
         <pc:spChg chg="del">
-          <ac:chgData name="Pirani,Antonio A." userId="b27b35d6-1459-4bed-af76-eef7aff762d7" providerId="ADAL" clId="{4DCE87A6-5692-DD46-89CD-9FD091247F19}" dt="2023-03-09T10:49:21.989" v="1428" actId="21"/>
+          <ac:chgData name="Pirani,Antonio A." userId="b27b35d6-1459-4bed-af76-eef7aff762d7" providerId="ADAL" clId="{D07AFF2F-A0AF-1541-9E92-48C0E89E80AE}" dt="2023-03-17T22:24:19.168" v="9" actId="21"/>
           <ac:spMkLst>
             <pc:docMk/>
-            <pc:sldMk cId="3053361262" sldId="269"/>
-            <ac:spMk id="1093" creationId="{D807C763-62BB-4827-A11E-84A32D23DE8E}"/>
-          </ac:spMkLst>
-        </pc:spChg>
-        <pc:spChg chg="mod">
-          <ac:chgData name="Pirani,Antonio A." userId="b27b35d6-1459-4bed-af76-eef7aff762d7" providerId="ADAL" clId="{4DCE87A6-5692-DD46-89CD-9FD091247F19}" dt="2023-03-08T19:00:05.336" v="566" actId="20577"/>
-          <ac:spMkLst>
-            <pc:docMk/>
-            <pc:sldMk cId="3053361262" sldId="269"/>
-            <ac:spMk id="2578" creationId="{3857490D-F83E-49AD-A9CF-E2765FA26459}"/>
-          </ac:spMkLst>
-        </pc:spChg>
-        <pc:spChg chg="mod">
-          <ac:chgData name="Pirani,Antonio A." userId="b27b35d6-1459-4bed-af76-eef7aff762d7" providerId="ADAL" clId="{4DCE87A6-5692-DD46-89CD-9FD091247F19}" dt="2023-03-08T20:24:52.805" v="1066" actId="20577"/>
-          <ac:spMkLst>
-            <pc:docMk/>
-            <pc:sldMk cId="3053361262" sldId="269"/>
-            <ac:spMk id="2579" creationId="{9A6BCE5D-CDB3-4BCB-88AB-571EFFD92288}"/>
-          </ac:spMkLst>
-        </pc:spChg>
-        <pc:spChg chg="mod">
-          <ac:chgData name="Pirani,Antonio A." userId="b27b35d6-1459-4bed-af76-eef7aff762d7" providerId="ADAL" clId="{4DCE87A6-5692-DD46-89CD-9FD091247F19}" dt="2023-03-08T19:10:39.559" v="855" actId="20577"/>
-          <ac:spMkLst>
-            <pc:docMk/>
-            <pc:sldMk cId="3053361262" sldId="269"/>
-            <ac:spMk id="2580" creationId="{DD484B91-3231-4B2C-BCE6-7E28844D5208}"/>
-          </ac:spMkLst>
-        </pc:spChg>
-        <pc:spChg chg="mod">
-          <ac:chgData name="Pirani,Antonio A." userId="b27b35d6-1459-4bed-af76-eef7aff762d7" providerId="ADAL" clId="{4DCE87A6-5692-DD46-89CD-9FD091247F19}" dt="2023-03-08T20:20:02.380" v="1046" actId="20577"/>
-          <ac:spMkLst>
-            <pc:docMk/>
-            <pc:sldMk cId="3053361262" sldId="269"/>
-            <ac:spMk id="2581" creationId="{43935AF8-79F2-4F5B-B872-78F66A779B9F}"/>
-          </ac:spMkLst>
-        </pc:spChg>
-        <pc:spChg chg="mod">
-          <ac:chgData name="Pirani,Antonio A." userId="b27b35d6-1459-4bed-af76-eef7aff762d7" providerId="ADAL" clId="{4DCE87A6-5692-DD46-89CD-9FD091247F19}" dt="2023-03-08T21:34:47.593" v="1220" actId="20577"/>
-          <ac:spMkLst>
-            <pc:docMk/>
-            <pc:sldMk cId="3053361262" sldId="269"/>
-            <ac:spMk id="2582" creationId="{EBD0F76F-4C02-47C9-975A-8B6DAA87514C}"/>
-          </ac:spMkLst>
-        </pc:spChg>
-        <pc:spChg chg="mod">
-          <ac:chgData name="Pirani,Antonio A." userId="b27b35d6-1459-4bed-af76-eef7aff762d7" providerId="ADAL" clId="{4DCE87A6-5692-DD46-89CD-9FD091247F19}" dt="2023-03-08T18:55:59.805" v="529" actId="20577"/>
-          <ac:spMkLst>
-            <pc:docMk/>
-            <pc:sldMk cId="3053361262" sldId="269"/>
-            <ac:spMk id="2583" creationId="{A5DEC4C3-4990-4522-BD54-03306F101CA2}"/>
-          </ac:spMkLst>
-        </pc:spChg>
-        <pc:spChg chg="mod">
-          <ac:chgData name="Pirani,Antonio A." userId="b27b35d6-1459-4bed-af76-eef7aff762d7" providerId="ADAL" clId="{4DCE87A6-5692-DD46-89CD-9FD091247F19}" dt="2023-03-09T10:52:54.566" v="1454" actId="20577"/>
-          <ac:spMkLst>
-            <pc:docMk/>
-            <pc:sldMk cId="3053361262" sldId="269"/>
-            <ac:spMk id="2588" creationId="{A59F0066-F79F-47C0-9C10-7607F172C683}"/>
-          </ac:spMkLst>
-        </pc:spChg>
-        <pc:spChg chg="mod">
-          <ac:chgData name="Pirani,Antonio A." userId="b27b35d6-1459-4bed-af76-eef7aff762d7" providerId="ADAL" clId="{4DCE87A6-5692-DD46-89CD-9FD091247F19}" dt="2023-03-08T21:35:50.797" v="1374" actId="20577"/>
-          <ac:spMkLst>
-            <pc:docMk/>
-            <pc:sldMk cId="3053361262" sldId="269"/>
-            <ac:spMk id="2589" creationId="{9172CC76-7F24-4D76-BAC0-8B20BFE3D0B3}"/>
-          </ac:spMkLst>
-        </pc:spChg>
-        <pc:spChg chg="mod">
-          <ac:chgData name="Pirani,Antonio A." userId="b27b35d6-1459-4bed-af76-eef7aff762d7" providerId="ADAL" clId="{4DCE87A6-5692-DD46-89CD-9FD091247F19}" dt="2023-03-08T20:25:01.975" v="1080" actId="20577"/>
-          <ac:spMkLst>
-            <pc:docMk/>
-            <pc:sldMk cId="3053361262" sldId="269"/>
-            <ac:spMk id="2594" creationId="{ED456C14-B25E-4C4F-9D9F-2B47C1B4F581}"/>
-          </ac:spMkLst>
-        </pc:spChg>
-        <pc:spChg chg="mod">
-          <ac:chgData name="Pirani,Antonio A." userId="b27b35d6-1459-4bed-af76-eef7aff762d7" providerId="ADAL" clId="{4DCE87A6-5692-DD46-89CD-9FD091247F19}" dt="2023-03-08T20:25:28.801" v="1166" actId="20577"/>
-          <ac:spMkLst>
-            <pc:docMk/>
-            <pc:sldMk cId="3053361262" sldId="269"/>
-            <ac:spMk id="2595" creationId="{3EF43B0C-8AF0-403B-A047-7FB7714F2385}"/>
-          </ac:spMkLst>
-        </pc:spChg>
-        <pc:spChg chg="mod">
-          <ac:chgData name="Pirani,Antonio A." userId="b27b35d6-1459-4bed-af76-eef7aff762d7" providerId="ADAL" clId="{4DCE87A6-5692-DD46-89CD-9FD091247F19}" dt="2023-03-08T19:02:00.933" v="628" actId="20577"/>
-          <ac:spMkLst>
-            <pc:docMk/>
-            <pc:sldMk cId="3053361262" sldId="269"/>
-            <ac:spMk id="2600" creationId="{DFA04C31-21F1-4223-A6F2-8C04A3A2F89F}"/>
-          </ac:spMkLst>
-        </pc:spChg>
-        <pc:spChg chg="mod">
-          <ac:chgData name="Pirani,Antonio A." userId="b27b35d6-1459-4bed-af76-eef7aff762d7" providerId="ADAL" clId="{4DCE87A6-5692-DD46-89CD-9FD091247F19}" dt="2023-03-08T19:09:39.742" v="851" actId="20577"/>
-          <ac:spMkLst>
-            <pc:docMk/>
-            <pc:sldMk cId="3053361262" sldId="269"/>
-            <ac:spMk id="2601" creationId="{7EE90F5F-9B8D-4D74-A0A0-6B0FB9313D7A}"/>
+            <pc:sldMk cId="0" sldId="273"/>
+            <ac:spMk id="1528" creationId="{00000000-0000-0000-0000-000000000000}"/>
           </ac:spMkLst>
         </pc:spChg>
         <pc:spChg chg="del">
-          <ac:chgData name="Pirani,Antonio A." userId="b27b35d6-1459-4bed-af76-eef7aff762d7" providerId="ADAL" clId="{4DCE87A6-5692-DD46-89CD-9FD091247F19}" dt="2023-03-09T10:50:50.968" v="1432" actId="21"/>
+          <ac:chgData name="Pirani,Antonio A." userId="b27b35d6-1459-4bed-af76-eef7aff762d7" providerId="ADAL" clId="{D07AFF2F-A0AF-1541-9E92-48C0E89E80AE}" dt="2023-03-17T22:24:21.432" v="10" actId="21"/>
           <ac:spMkLst>
             <pc:docMk/>
-            <pc:sldMk cId="3053361262" sldId="269"/>
-            <ac:spMk id="2602" creationId="{48929E0D-62EA-4DC4-8835-EEEE56708EEE}"/>
+            <pc:sldMk cId="0" sldId="273"/>
+            <ac:spMk id="1529" creationId="{00000000-0000-0000-0000-000000000000}"/>
           </ac:spMkLst>
         </pc:spChg>
-        <pc:spChg chg="mod">
-          <ac:chgData name="Pirani,Antonio A." userId="b27b35d6-1459-4bed-af76-eef7aff762d7" providerId="ADAL" clId="{4DCE87A6-5692-DD46-89CD-9FD091247F19}" dt="2023-03-08T21:33:39.710" v="1216" actId="20577"/>
-          <ac:spMkLst>
-            <pc:docMk/>
-            <pc:sldMk cId="3053361262" sldId="269"/>
-            <ac:spMk id="2607" creationId="{14DBD814-8C67-4627-874F-060A7E1D0B6C}"/>
-          </ac:spMkLst>
-        </pc:spChg>
-        <pc:spChg chg="mod">
-          <ac:chgData name="Pirani,Antonio A." userId="b27b35d6-1459-4bed-af76-eef7aff762d7" providerId="ADAL" clId="{4DCE87A6-5692-DD46-89CD-9FD091247F19}" dt="2023-03-09T10:52:39.160" v="1440" actId="27107"/>
-          <ac:spMkLst>
-            <pc:docMk/>
-            <pc:sldMk cId="3053361262" sldId="269"/>
-            <ac:spMk id="2608" creationId="{9BCED9B5-578C-4D0F-94B9-3B976D441A84}"/>
-          </ac:spMkLst>
-        </pc:spChg>
-        <pc:spChg chg="del">
-          <ac:chgData name="Pirani,Antonio A." userId="b27b35d6-1459-4bed-af76-eef7aff762d7" providerId="ADAL" clId="{4DCE87A6-5692-DD46-89CD-9FD091247F19}" dt="2023-03-09T10:52:11.791" v="1434" actId="21"/>
-          <ac:spMkLst>
-            <pc:docMk/>
-            <pc:sldMk cId="3053361262" sldId="269"/>
-            <ac:spMk id="2609" creationId="{B82AACF9-8101-4768-B814-7FA1E6A7C6EB}"/>
-          </ac:spMkLst>
-        </pc:spChg>
-        <pc:spChg chg="add del">
-          <ac:chgData name="Pirani,Antonio A." userId="b27b35d6-1459-4bed-af76-eef7aff762d7" providerId="ADAL" clId="{4DCE87A6-5692-DD46-89CD-9FD091247F19}" dt="2023-03-09T10:45:39.331" v="1390" actId="21"/>
-          <ac:spMkLst>
-            <pc:docMk/>
-            <pc:sldMk cId="3053361262" sldId="269"/>
-            <ac:spMk id="2613" creationId="{BEB4203F-3FDE-4DE5-B62C-3D7910F08614}"/>
-          </ac:spMkLst>
-        </pc:spChg>
-        <pc:spChg chg="mod">
-          <ac:chgData name="Pirani,Antonio A." userId="b27b35d6-1459-4bed-af76-eef7aff762d7" providerId="ADAL" clId="{4DCE87A6-5692-DD46-89CD-9FD091247F19}" dt="2023-03-08T20:20:46.913" v="1064" actId="20577"/>
-          <ac:spMkLst>
-            <pc:docMk/>
-            <pc:sldMk cId="3053361262" sldId="269"/>
-            <ac:spMk id="2615" creationId="{AEDEED0B-529D-4D9E-A547-0306CF4696EB}"/>
-          </ac:spMkLst>
-        </pc:spChg>
-        <pc:spChg chg="mod">
-          <ac:chgData name="Pirani,Antonio A." userId="b27b35d6-1459-4bed-af76-eef7aff762d7" providerId="ADAL" clId="{4DCE87A6-5692-DD46-89CD-9FD091247F19}" dt="2023-03-09T10:55:26.279" v="1465" actId="2711"/>
-          <ac:spMkLst>
-            <pc:docMk/>
-            <pc:sldMk cId="3053361262" sldId="269"/>
-            <ac:spMk id="2616" creationId="{3C9487F6-7250-4E5F-8634-9AAA034BD433}"/>
-          </ac:spMkLst>
-        </pc:spChg>
-        <pc:spChg chg="mod">
-          <ac:chgData name="Pirani,Antonio A." userId="b27b35d6-1459-4bed-af76-eef7aff762d7" providerId="ADAL" clId="{4DCE87A6-5692-DD46-89CD-9FD091247F19}" dt="2023-03-08T19:07:21.065" v="734" actId="20578"/>
-          <ac:spMkLst>
-            <pc:docMk/>
-            <pc:sldMk cId="3053361262" sldId="269"/>
-            <ac:spMk id="2621" creationId="{AD974D1E-2958-48C9-8301-34CDABA5F4AD}"/>
-          </ac:spMkLst>
-        </pc:spChg>
-        <pc:spChg chg="mod">
-          <ac:chgData name="Pirani,Antonio A." userId="b27b35d6-1459-4bed-af76-eef7aff762d7" providerId="ADAL" clId="{4DCE87A6-5692-DD46-89CD-9FD091247F19}" dt="2023-03-08T19:09:25.562" v="843" actId="20577"/>
-          <ac:spMkLst>
-            <pc:docMk/>
-            <pc:sldMk cId="3053361262" sldId="269"/>
-            <ac:spMk id="2622" creationId="{8AD26A69-C5E2-4330-A290-9305DDDDF5CA}"/>
-          </ac:spMkLst>
-        </pc:spChg>
-        <pc:spChg chg="del">
-          <ac:chgData name="Pirani,Antonio A." userId="b27b35d6-1459-4bed-af76-eef7aff762d7" providerId="ADAL" clId="{4DCE87A6-5692-DD46-89CD-9FD091247F19}" dt="2023-03-09T10:54:15.692" v="1455" actId="21"/>
-          <ac:spMkLst>
-            <pc:docMk/>
-            <pc:sldMk cId="3053361262" sldId="269"/>
-            <ac:spMk id="2624" creationId="{C872A359-B464-484D-9406-239EEBEDDC46}"/>
-          </ac:spMkLst>
-        </pc:spChg>
-        <pc:grpChg chg="mod">
-          <ac:chgData name="Pirani,Antonio A." userId="b27b35d6-1459-4bed-af76-eef7aff762d7" providerId="ADAL" clId="{4DCE87A6-5692-DD46-89CD-9FD091247F19}" dt="2023-03-08T19:07:21.065" v="734" actId="20578"/>
-          <ac:grpSpMkLst>
-            <pc:docMk/>
-            <pc:sldMk cId="3053361262" sldId="269"/>
-            <ac:grpSpMk id="2620" creationId="{4881781A-291B-476B-8919-4BA3CB8988A2}"/>
-          </ac:grpSpMkLst>
-        </pc:grpChg>
-        <pc:picChg chg="add del mod">
-          <ac:chgData name="Pirani,Antonio A." userId="b27b35d6-1459-4bed-af76-eef7aff762d7" providerId="ADAL" clId="{4DCE87A6-5692-DD46-89CD-9FD091247F19}" dt="2023-03-09T10:45:45.426" v="1392" actId="21"/>
+        <pc:picChg chg="add mod">
+          <ac:chgData name="Pirani,Antonio A." userId="b27b35d6-1459-4bed-af76-eef7aff762d7" providerId="ADAL" clId="{D07AFF2F-A0AF-1541-9E92-48C0E89E80AE}" dt="2023-03-17T22:24:29.428" v="12" actId="1076"/>
           <ac:picMkLst>
             <pc:docMk/>
-            <pc:sldMk cId="3053361262" sldId="269"/>
-            <ac:picMk id="3" creationId="{5794CFFB-C003-697C-9BC8-A2FE49CDD716}"/>
+            <pc:sldMk cId="0" sldId="273"/>
+            <ac:picMk id="7" creationId="{691068E9-7675-EB6E-7476-90BA6EFEA98F}"/>
           </ac:picMkLst>
         </pc:picChg>
-        <pc:picChg chg="add mod">
-          <ac:chgData name="Pirani,Antonio A." userId="b27b35d6-1459-4bed-af76-eef7aff762d7" providerId="ADAL" clId="{4DCE87A6-5692-DD46-89CD-9FD091247F19}" dt="2023-03-09T10:46:14.432" v="1401" actId="1076"/>
-          <ac:picMkLst>
-            <pc:docMk/>
-            <pc:sldMk cId="3053361262" sldId="269"/>
-            <ac:picMk id="6" creationId="{04D9CB22-AD09-FDE3-EE45-85F3C5F2CE8D}"/>
-          </ac:picMkLst>
-        </pc:picChg>
-        <pc:picChg chg="add mod">
-          <ac:chgData name="Pirani,Antonio A." userId="b27b35d6-1459-4bed-af76-eef7aff762d7" providerId="ADAL" clId="{4DCE87A6-5692-DD46-89CD-9FD091247F19}" dt="2023-03-09T10:50:58.431" v="1433" actId="1076"/>
-          <ac:picMkLst>
-            <pc:docMk/>
-            <pc:sldMk cId="3053361262" sldId="269"/>
-            <ac:picMk id="10" creationId="{98E999C1-45AA-FCCE-CE07-6EA06425A00F}"/>
-          </ac:picMkLst>
-        </pc:picChg>
-        <pc:picChg chg="add mod">
-          <ac:chgData name="Pirani,Antonio A." userId="b27b35d6-1459-4bed-af76-eef7aff762d7" providerId="ADAL" clId="{4DCE87A6-5692-DD46-89CD-9FD091247F19}" dt="2023-03-09T10:52:27.687" v="1439" actId="1076"/>
-          <ac:picMkLst>
-            <pc:docMk/>
-            <pc:sldMk cId="3053361262" sldId="269"/>
-            <ac:picMk id="12" creationId="{5D033A33-8693-AF3A-56C1-08DA436F2800}"/>
-          </ac:picMkLst>
-        </pc:picChg>
-        <pc:picChg chg="add mod">
-          <ac:chgData name="Pirani,Antonio A." userId="b27b35d6-1459-4bed-af76-eef7aff762d7" providerId="ADAL" clId="{4DCE87A6-5692-DD46-89CD-9FD091247F19}" dt="2023-03-09T10:54:58.396" v="1463" actId="1076"/>
-          <ac:picMkLst>
-            <pc:docMk/>
-            <pc:sldMk cId="3053361262" sldId="269"/>
-            <ac:picMk id="14" creationId="{7C4CA7C9-3685-55F1-98CF-844DCFB458CD}"/>
-          </ac:picMkLst>
-        </pc:picChg>
-      </pc:sldChg>
-      <pc:sldChg chg="addSp delSp modSp add del mod">
-        <pc:chgData name="Pirani,Antonio A." userId="b27b35d6-1459-4bed-af76-eef7aff762d7" providerId="ADAL" clId="{4DCE87A6-5692-DD46-89CD-9FD091247F19}" dt="2023-03-10T19:00:25.864" v="1979" actId="2696"/>
-        <pc:sldMkLst>
-          <pc:docMk/>
-          <pc:sldMk cId="1441458281" sldId="270"/>
-        </pc:sldMkLst>
-        <pc:spChg chg="add del mod">
-          <ac:chgData name="Pirani,Antonio A." userId="b27b35d6-1459-4bed-af76-eef7aff762d7" providerId="ADAL" clId="{4DCE87A6-5692-DD46-89CD-9FD091247F19}" dt="2023-03-10T18:54:02.684" v="1854"/>
-          <ac:spMkLst>
-            <pc:docMk/>
-            <pc:sldMk cId="1441458281" sldId="270"/>
-            <ac:spMk id="2" creationId="{AE68FB48-794E-9308-0ABB-F63BD4AB9504}"/>
-          </ac:spMkLst>
-        </pc:spChg>
-        <pc:spChg chg="mod">
-          <ac:chgData name="Pirani,Antonio A." userId="b27b35d6-1459-4bed-af76-eef7aff762d7" providerId="ADAL" clId="{4DCE87A6-5692-DD46-89CD-9FD091247F19}" dt="2023-03-10T18:53:45.662" v="1851" actId="27636"/>
-          <ac:spMkLst>
-            <pc:docMk/>
-            <pc:sldMk cId="1441458281" sldId="270"/>
-            <ac:spMk id="53" creationId="{00000000-0000-0000-0000-000000000000}"/>
-          </ac:spMkLst>
-        </pc:spChg>
-        <pc:spChg chg="del">
-          <ac:chgData name="Pirani,Antonio A." userId="b27b35d6-1459-4bed-af76-eef7aff762d7" providerId="ADAL" clId="{4DCE87A6-5692-DD46-89CD-9FD091247F19}" dt="2023-03-10T18:54:17.139" v="1860" actId="21"/>
-          <ac:spMkLst>
-            <pc:docMk/>
-            <pc:sldMk cId="1441458281" sldId="270"/>
-            <ac:spMk id="369" creationId="{5879D2C6-676C-4E93-995B-06A30D1586C8}"/>
-          </ac:spMkLst>
-        </pc:spChg>
-        <pc:spChg chg="mod">
-          <ac:chgData name="Pirani,Antonio A." userId="b27b35d6-1459-4bed-af76-eef7aff762d7" providerId="ADAL" clId="{4DCE87A6-5692-DD46-89CD-9FD091247F19}" dt="2023-03-10T18:56:27.325" v="1956" actId="404"/>
-          <ac:spMkLst>
-            <pc:docMk/>
-            <pc:sldMk cId="1441458281" sldId="270"/>
-            <ac:spMk id="370" creationId="{58647FCE-4EC8-4BA1-BB5E-B6A00C1DBE4D}"/>
-          </ac:spMkLst>
-        </pc:spChg>
-        <pc:spChg chg="mod">
-          <ac:chgData name="Pirani,Antonio A." userId="b27b35d6-1459-4bed-af76-eef7aff762d7" providerId="ADAL" clId="{4DCE87A6-5692-DD46-89CD-9FD091247F19}" dt="2023-03-10T18:55:48.584" v="1933" actId="1076"/>
-          <ac:spMkLst>
-            <pc:docMk/>
-            <pc:sldMk cId="1441458281" sldId="270"/>
-            <ac:spMk id="372" creationId="{FEC61A7B-049B-49F2-852E-68ECE1ECA14B}"/>
-          </ac:spMkLst>
-        </pc:spChg>
-        <pc:spChg chg="del">
-          <ac:chgData name="Pirani,Antonio A." userId="b27b35d6-1459-4bed-af76-eef7aff762d7" providerId="ADAL" clId="{4DCE87A6-5692-DD46-89CD-9FD091247F19}" dt="2023-03-10T18:54:18.824" v="1861" actId="21"/>
-          <ac:spMkLst>
-            <pc:docMk/>
-            <pc:sldMk cId="1441458281" sldId="270"/>
-            <ac:spMk id="373" creationId="{4567A60C-A8EA-4B31-B9E0-553BBFB30D29}"/>
-          </ac:spMkLst>
-        </pc:spChg>
-        <pc:spChg chg="mod">
-          <ac:chgData name="Pirani,Antonio A." userId="b27b35d6-1459-4bed-af76-eef7aff762d7" providerId="ADAL" clId="{4DCE87A6-5692-DD46-89CD-9FD091247F19}" dt="2023-03-10T18:55:58.559" v="1938" actId="404"/>
-          <ac:spMkLst>
-            <pc:docMk/>
-            <pc:sldMk cId="1441458281" sldId="270"/>
-            <ac:spMk id="375" creationId="{FE722E90-0C94-4608-A4BB-B9989AA25064}"/>
-          </ac:spMkLst>
-        </pc:spChg>
-        <pc:spChg chg="del">
-          <ac:chgData name="Pirani,Antonio A." userId="b27b35d6-1459-4bed-af76-eef7aff762d7" providerId="ADAL" clId="{4DCE87A6-5692-DD46-89CD-9FD091247F19}" dt="2023-03-10T18:54:22.602" v="1863" actId="21"/>
-          <ac:spMkLst>
-            <pc:docMk/>
-            <pc:sldMk cId="1441458281" sldId="270"/>
-            <ac:spMk id="376" creationId="{15839F0E-2A9C-4C1E-A94C-27547AB86372}"/>
-          </ac:spMkLst>
-        </pc:spChg>
-        <pc:spChg chg="mod">
-          <ac:chgData name="Pirani,Antonio A." userId="b27b35d6-1459-4bed-af76-eef7aff762d7" providerId="ADAL" clId="{4DCE87A6-5692-DD46-89CD-9FD091247F19}" dt="2023-03-10T18:55:04.546" v="1898" actId="404"/>
-          <ac:spMkLst>
-            <pc:docMk/>
-            <pc:sldMk cId="1441458281" sldId="270"/>
-            <ac:spMk id="378" creationId="{0D15C4B6-5A16-4736-BBFD-A469374C2114}"/>
-          </ac:spMkLst>
-        </pc:spChg>
-        <pc:spChg chg="del">
-          <ac:chgData name="Pirani,Antonio A." userId="b27b35d6-1459-4bed-af76-eef7aff762d7" providerId="ADAL" clId="{4DCE87A6-5692-DD46-89CD-9FD091247F19}" dt="2023-03-10T18:54:20.459" v="1862" actId="21"/>
-          <ac:spMkLst>
-            <pc:docMk/>
-            <pc:sldMk cId="1441458281" sldId="270"/>
-            <ac:spMk id="379" creationId="{71DA7654-90F7-4470-89C1-F034331B5D8B}"/>
-          </ac:spMkLst>
-        </pc:spChg>
-        <pc:spChg chg="mod">
-          <ac:chgData name="Pirani,Antonio A." userId="b27b35d6-1459-4bed-af76-eef7aff762d7" providerId="ADAL" clId="{4DCE87A6-5692-DD46-89CD-9FD091247F19}" dt="2023-03-10T18:55:08.490" v="1899" actId="404"/>
-          <ac:spMkLst>
-            <pc:docMk/>
-            <pc:sldMk cId="1441458281" sldId="270"/>
-            <ac:spMk id="381" creationId="{33B3E92B-2985-4289-BBC7-10B3FBA93032}"/>
-          </ac:spMkLst>
-        </pc:spChg>
-        <pc:spChg chg="del">
-          <ac:chgData name="Pirani,Antonio A." userId="b27b35d6-1459-4bed-af76-eef7aff762d7" providerId="ADAL" clId="{4DCE87A6-5692-DD46-89CD-9FD091247F19}" dt="2023-03-10T18:54:24.568" v="1864" actId="21"/>
-          <ac:spMkLst>
-            <pc:docMk/>
-            <pc:sldMk cId="1441458281" sldId="270"/>
-            <ac:spMk id="382" creationId="{A7C097C9-24CD-45C7-AD55-0E682E434C98}"/>
-          </ac:spMkLst>
-        </pc:spChg>
-        <pc:spChg chg="del">
-          <ac:chgData name="Pirani,Antonio A." userId="b27b35d6-1459-4bed-af76-eef7aff762d7" providerId="ADAL" clId="{4DCE87A6-5692-DD46-89CD-9FD091247F19}" dt="2023-03-10T18:54:10.973" v="1855" actId="21"/>
-          <ac:spMkLst>
-            <pc:docMk/>
-            <pc:sldMk cId="1441458281" sldId="270"/>
-            <ac:spMk id="383" creationId="{932C13B7-7B47-441D-894F-1884CB221151}"/>
-          </ac:spMkLst>
-        </pc:spChg>
-        <pc:spChg chg="del">
-          <ac:chgData name="Pirani,Antonio A." userId="b27b35d6-1459-4bed-af76-eef7aff762d7" providerId="ADAL" clId="{4DCE87A6-5692-DD46-89CD-9FD091247F19}" dt="2023-03-10T18:54:15.187" v="1859" actId="21"/>
-          <ac:spMkLst>
-            <pc:docMk/>
-            <pc:sldMk cId="1441458281" sldId="270"/>
-            <ac:spMk id="384" creationId="{6AB58748-F558-4054-952C-6A54BF3A346B}"/>
-          </ac:spMkLst>
-        </pc:spChg>
-        <pc:spChg chg="del">
-          <ac:chgData name="Pirani,Antonio A." userId="b27b35d6-1459-4bed-af76-eef7aff762d7" providerId="ADAL" clId="{4DCE87A6-5692-DD46-89CD-9FD091247F19}" dt="2023-03-10T18:54:14.191" v="1858" actId="21"/>
-          <ac:spMkLst>
-            <pc:docMk/>
-            <pc:sldMk cId="1441458281" sldId="270"/>
-            <ac:spMk id="385" creationId="{5B8EC154-9C29-4662-8C2E-73B27195E3CA}"/>
-          </ac:spMkLst>
-        </pc:spChg>
-        <pc:spChg chg="del">
-          <ac:chgData name="Pirani,Antonio A." userId="b27b35d6-1459-4bed-af76-eef7aff762d7" providerId="ADAL" clId="{4DCE87A6-5692-DD46-89CD-9FD091247F19}" dt="2023-03-10T18:54:13.059" v="1857" actId="21"/>
-          <ac:spMkLst>
-            <pc:docMk/>
-            <pc:sldMk cId="1441458281" sldId="270"/>
-            <ac:spMk id="386" creationId="{866B0FC2-592F-415F-9D1D-A62B2608D704}"/>
-          </ac:spMkLst>
-        </pc:spChg>
-        <pc:spChg chg="del">
-          <ac:chgData name="Pirani,Antonio A." userId="b27b35d6-1459-4bed-af76-eef7aff762d7" providerId="ADAL" clId="{4DCE87A6-5692-DD46-89CD-9FD091247F19}" dt="2023-03-10T18:54:12.145" v="1856" actId="21"/>
-          <ac:spMkLst>
-            <pc:docMk/>
-            <pc:sldMk cId="1441458281" sldId="270"/>
-            <ac:spMk id="387" creationId="{D7AB415B-6458-440B-9160-7E69738C6512}"/>
-          </ac:spMkLst>
-        </pc:spChg>
-      </pc:sldChg>
-      <pc:sldChg chg="addSp delSp modSp add mod delAnim modAnim">
-        <pc:chgData name="Pirani,Antonio A." userId="b27b35d6-1459-4bed-af76-eef7aff762d7" providerId="ADAL" clId="{4DCE87A6-5692-DD46-89CD-9FD091247F19}" dt="2023-03-10T19:00:07.621" v="1978"/>
-        <pc:sldMkLst>
-          <pc:docMk/>
-          <pc:sldMk cId="336183426" sldId="271"/>
-        </pc:sldMkLst>
-        <pc:spChg chg="add mod">
-          <ac:chgData name="Pirani,Antonio A." userId="b27b35d6-1459-4bed-af76-eef7aff762d7" providerId="ADAL" clId="{4DCE87A6-5692-DD46-89CD-9FD091247F19}" dt="2023-03-10T18:57:18.152" v="1960" actId="1076"/>
-          <ac:spMkLst>
-            <pc:docMk/>
-            <pc:sldMk cId="336183426" sldId="271"/>
-            <ac:spMk id="3" creationId="{FCAB8665-8AF1-DC6A-6ED8-B530E4B9BF14}"/>
-          </ac:spMkLst>
-        </pc:spChg>
-        <pc:spChg chg="add mod">
-          <ac:chgData name="Pirani,Antonio A." userId="b27b35d6-1459-4bed-af76-eef7aff762d7" providerId="ADAL" clId="{4DCE87A6-5692-DD46-89CD-9FD091247F19}" dt="2023-03-10T18:57:18.152" v="1960" actId="1076"/>
-          <ac:spMkLst>
-            <pc:docMk/>
-            <pc:sldMk cId="336183426" sldId="271"/>
-            <ac:spMk id="4" creationId="{BBC80B9D-4C0C-53EB-E745-2A7F03B5EED8}"/>
-          </ac:spMkLst>
-        </pc:spChg>
-        <pc:spChg chg="add mod">
-          <ac:chgData name="Pirani,Antonio A." userId="b27b35d6-1459-4bed-af76-eef7aff762d7" providerId="ADAL" clId="{4DCE87A6-5692-DD46-89CD-9FD091247F19}" dt="2023-03-10T18:57:18.152" v="1960" actId="1076"/>
-          <ac:spMkLst>
-            <pc:docMk/>
-            <pc:sldMk cId="336183426" sldId="271"/>
-            <ac:spMk id="5" creationId="{9E643970-E4E5-292D-8357-77EC05E533A5}"/>
-          </ac:spMkLst>
-        </pc:spChg>
-        <pc:spChg chg="add mod">
-          <ac:chgData name="Pirani,Antonio A." userId="b27b35d6-1459-4bed-af76-eef7aff762d7" providerId="ADAL" clId="{4DCE87A6-5692-DD46-89CD-9FD091247F19}" dt="2023-03-10T18:57:18.152" v="1960" actId="1076"/>
-          <ac:spMkLst>
-            <pc:docMk/>
-            <pc:sldMk cId="336183426" sldId="271"/>
-            <ac:spMk id="6" creationId="{77192079-8CE4-F5B1-84D5-849DB62AD8EC}"/>
-          </ac:spMkLst>
-        </pc:spChg>
-        <pc:spChg chg="add mod">
-          <ac:chgData name="Pirani,Antonio A." userId="b27b35d6-1459-4bed-af76-eef7aff762d7" providerId="ADAL" clId="{4DCE87A6-5692-DD46-89CD-9FD091247F19}" dt="2023-03-10T18:57:18.152" v="1960" actId="1076"/>
-          <ac:spMkLst>
-            <pc:docMk/>
-            <pc:sldMk cId="336183426" sldId="271"/>
-            <ac:spMk id="7" creationId="{8FFC2765-ACAE-477A-6BF3-EB3F6150A00B}"/>
-          </ac:spMkLst>
-        </pc:spChg>
-        <pc:spChg chg="add mod">
-          <ac:chgData name="Pirani,Antonio A." userId="b27b35d6-1459-4bed-af76-eef7aff762d7" providerId="ADAL" clId="{4DCE87A6-5692-DD46-89CD-9FD091247F19}" dt="2023-03-10T18:57:18.152" v="1960" actId="1076"/>
-          <ac:spMkLst>
-            <pc:docMk/>
-            <pc:sldMk cId="336183426" sldId="271"/>
-            <ac:spMk id="8" creationId="{1EA68F38-E0DA-34E3-C5E9-AE82DC1C5D22}"/>
-          </ac:spMkLst>
-        </pc:spChg>
-        <pc:spChg chg="add mod">
-          <ac:chgData name="Pirani,Antonio A." userId="b27b35d6-1459-4bed-af76-eef7aff762d7" providerId="ADAL" clId="{4DCE87A6-5692-DD46-89CD-9FD091247F19}" dt="2023-03-10T18:57:18.152" v="1960" actId="1076"/>
-          <ac:spMkLst>
-            <pc:docMk/>
-            <pc:sldMk cId="336183426" sldId="271"/>
-            <ac:spMk id="9" creationId="{A14B1879-6096-84E7-D51F-0701D19D89D4}"/>
-          </ac:spMkLst>
-        </pc:spChg>
-        <pc:spChg chg="add mod">
-          <ac:chgData name="Pirani,Antonio A." userId="b27b35d6-1459-4bed-af76-eef7aff762d7" providerId="ADAL" clId="{4DCE87A6-5692-DD46-89CD-9FD091247F19}" dt="2023-03-10T18:57:18.152" v="1960" actId="1076"/>
-          <ac:spMkLst>
-            <pc:docMk/>
-            <pc:sldMk cId="336183426" sldId="271"/>
-            <ac:spMk id="10" creationId="{8968903C-9B7A-5D45-19AF-9384BA54D5A7}"/>
-          </ac:spMkLst>
-        </pc:spChg>
-        <pc:spChg chg="del">
-          <ac:chgData name="Pirani,Antonio A." userId="b27b35d6-1459-4bed-af76-eef7aff762d7" providerId="ADAL" clId="{4DCE87A6-5692-DD46-89CD-9FD091247F19}" dt="2023-03-10T18:56:53.772" v="1958" actId="21"/>
-          <ac:spMkLst>
-            <pc:docMk/>
-            <pc:sldMk cId="336183426" sldId="271"/>
-            <ac:spMk id="11" creationId="{38236D8A-62D0-DF02-57F3-D4F39258FC8D}"/>
-          </ac:spMkLst>
-        </pc:spChg>
-        <pc:spChg chg="add mod">
-          <ac:chgData name="Pirani,Antonio A." userId="b27b35d6-1459-4bed-af76-eef7aff762d7" providerId="ADAL" clId="{4DCE87A6-5692-DD46-89CD-9FD091247F19}" dt="2023-03-10T18:57:18.152" v="1960" actId="1076"/>
-          <ac:spMkLst>
-            <pc:docMk/>
-            <pc:sldMk cId="336183426" sldId="271"/>
-            <ac:spMk id="12" creationId="{080F396A-301B-62B7-F64A-0F765655D82C}"/>
-          </ac:spMkLst>
-        </pc:spChg>
-        <pc:spChg chg="del">
-          <ac:chgData name="Pirani,Antonio A." userId="b27b35d6-1459-4bed-af76-eef7aff762d7" providerId="ADAL" clId="{4DCE87A6-5692-DD46-89CD-9FD091247F19}" dt="2023-03-10T18:56:53.772" v="1958" actId="21"/>
-          <ac:spMkLst>
-            <pc:docMk/>
-            <pc:sldMk cId="336183426" sldId="271"/>
-            <ac:spMk id="13" creationId="{946C4C04-842F-D7AD-4989-AF24B371CC25}"/>
-          </ac:spMkLst>
-        </pc:spChg>
-        <pc:spChg chg="del">
-          <ac:chgData name="Pirani,Antonio A." userId="b27b35d6-1459-4bed-af76-eef7aff762d7" providerId="ADAL" clId="{4DCE87A6-5692-DD46-89CD-9FD091247F19}" dt="2023-03-10T18:56:53.772" v="1958" actId="21"/>
-          <ac:spMkLst>
-            <pc:docMk/>
-            <pc:sldMk cId="336183426" sldId="271"/>
-            <ac:spMk id="14" creationId="{92E4E34C-9C31-FB83-401C-FE99E3F6FAFF}"/>
-          </ac:spMkLst>
-        </pc:spChg>
-        <pc:spChg chg="del">
-          <ac:chgData name="Pirani,Antonio A." userId="b27b35d6-1459-4bed-af76-eef7aff762d7" providerId="ADAL" clId="{4DCE87A6-5692-DD46-89CD-9FD091247F19}" dt="2023-03-10T18:56:53.772" v="1958" actId="21"/>
-          <ac:spMkLst>
-            <pc:docMk/>
-            <pc:sldMk cId="336183426" sldId="271"/>
-            <ac:spMk id="15" creationId="{B9F85607-8DF8-A7D8-3B45-08C44EC4C273}"/>
-          </ac:spMkLst>
-        </pc:spChg>
-        <pc:spChg chg="del">
-          <ac:chgData name="Pirani,Antonio A." userId="b27b35d6-1459-4bed-af76-eef7aff762d7" providerId="ADAL" clId="{4DCE87A6-5692-DD46-89CD-9FD091247F19}" dt="2023-03-10T18:56:53.772" v="1958" actId="21"/>
-          <ac:spMkLst>
-            <pc:docMk/>
-            <pc:sldMk cId="336183426" sldId="271"/>
-            <ac:spMk id="16" creationId="{A7B0CF5C-D14A-0669-48A5-427AD9063084}"/>
-          </ac:spMkLst>
-        </pc:spChg>
-        <pc:spChg chg="add mod">
-          <ac:chgData name="Pirani,Antonio A." userId="b27b35d6-1459-4bed-af76-eef7aff762d7" providerId="ADAL" clId="{4DCE87A6-5692-DD46-89CD-9FD091247F19}" dt="2023-03-10T18:57:18.152" v="1960" actId="1076"/>
-          <ac:spMkLst>
-            <pc:docMk/>
-            <pc:sldMk cId="336183426" sldId="271"/>
-            <ac:spMk id="17" creationId="{02BB3668-472C-AB79-4756-1832BA7E6AD7}"/>
-          </ac:spMkLst>
-        </pc:spChg>
-        <pc:spChg chg="add mod">
-          <ac:chgData name="Pirani,Antonio A." userId="b27b35d6-1459-4bed-af76-eef7aff762d7" providerId="ADAL" clId="{4DCE87A6-5692-DD46-89CD-9FD091247F19}" dt="2023-03-10T18:57:18.152" v="1960" actId="1076"/>
-          <ac:spMkLst>
-            <pc:docMk/>
-            <pc:sldMk cId="336183426" sldId="271"/>
-            <ac:spMk id="18" creationId="{3FFD354F-61B3-4E66-88F6-2F6798F0EE71}"/>
-          </ac:spMkLst>
-        </pc:spChg>
-        <pc:cxnChg chg="del mod">
-          <ac:chgData name="Pirani,Antonio A." userId="b27b35d6-1459-4bed-af76-eef7aff762d7" providerId="ADAL" clId="{4DCE87A6-5692-DD46-89CD-9FD091247F19}" dt="2023-03-10T18:56:53.772" v="1958" actId="21"/>
-          <ac:cxnSpMkLst>
-            <pc:docMk/>
-            <pc:sldMk cId="336183426" sldId="271"/>
-            <ac:cxnSpMk id="59" creationId="{D71F6EAA-ADE1-1B21-E689-68ED0A289653}"/>
-          </ac:cxnSpMkLst>
-        </pc:cxnChg>
-        <pc:cxnChg chg="del mod">
-          <ac:chgData name="Pirani,Antonio A." userId="b27b35d6-1459-4bed-af76-eef7aff762d7" providerId="ADAL" clId="{4DCE87A6-5692-DD46-89CD-9FD091247F19}" dt="2023-03-10T18:56:53.772" v="1958" actId="21"/>
-          <ac:cxnSpMkLst>
-            <pc:docMk/>
-            <pc:sldMk cId="336183426" sldId="271"/>
-            <ac:cxnSpMk id="65" creationId="{CA912B27-99F7-2110-8985-BD305FD8FB1B}"/>
-          </ac:cxnSpMkLst>
-        </pc:cxnChg>
-        <pc:cxnChg chg="del mod">
-          <ac:chgData name="Pirani,Antonio A." userId="b27b35d6-1459-4bed-af76-eef7aff762d7" providerId="ADAL" clId="{4DCE87A6-5692-DD46-89CD-9FD091247F19}" dt="2023-03-10T18:56:53.772" v="1958" actId="21"/>
-          <ac:cxnSpMkLst>
-            <pc:docMk/>
-            <pc:sldMk cId="336183426" sldId="271"/>
-            <ac:cxnSpMk id="72" creationId="{499E62E4-9164-C908-6FAE-0304F1A1C954}"/>
-          </ac:cxnSpMkLst>
-        </pc:cxnChg>
-        <pc:cxnChg chg="del mod">
-          <ac:chgData name="Pirani,Antonio A." userId="b27b35d6-1459-4bed-af76-eef7aff762d7" providerId="ADAL" clId="{4DCE87A6-5692-DD46-89CD-9FD091247F19}" dt="2023-03-10T18:56:53.772" v="1958" actId="21"/>
-          <ac:cxnSpMkLst>
-            <pc:docMk/>
-            <pc:sldMk cId="336183426" sldId="271"/>
-            <ac:cxnSpMk id="76" creationId="{1B3834A9-6AB3-E927-A61C-E520A7D80D60}"/>
-          </ac:cxnSpMkLst>
-        </pc:cxnChg>
       </pc:sldChg>
     </pc:docChg>
   </pc:docChgLst>
@@ -4374,6 +595,110 @@
 </file>
 
 <file path=ppt/notesSlides/notesSlide1.xml><?xml version="1.0" encoding="utf-8"?>
+<p:notes xmlns:a="http://schemas.openxmlformats.org/drawingml/2006/main" xmlns:r="http://schemas.openxmlformats.org/officeDocument/2006/relationships" xmlns:p="http://schemas.openxmlformats.org/presentationml/2006/main" showMasterSp="0" showMasterPhAnim="0">
+  <p:cSld>
+    <p:spTree>
+      <p:nvGrpSpPr>
+        <p:cNvPr id="1" name="Shape 1495"/>
+        <p:cNvGrpSpPr/>
+        <p:nvPr/>
+      </p:nvGrpSpPr>
+      <p:grpSpPr>
+        <a:xfrm>
+          <a:off x="0" y="0"/>
+          <a:ext cx="0" cy="0"/>
+          <a:chOff x="0" y="0"/>
+          <a:chExt cx="0" cy="0"/>
+        </a:xfrm>
+      </p:grpSpPr>
+      <p:sp>
+        <p:nvSpPr>
+          <p:cNvPr id="1496" name="Google Shape;1496;g9026751953_0_1277:notes"/>
+          <p:cNvSpPr>
+            <a:spLocks noGrp="1" noRot="1" noChangeAspect="1"/>
+          </p:cNvSpPr>
+          <p:nvPr>
+            <p:ph type="sldImg" idx="2"/>
+          </p:nvPr>
+        </p:nvSpPr>
+        <p:spPr>
+          <a:xfrm>
+            <a:off x="381000" y="685800"/>
+            <a:ext cx="6096000" cy="3429000"/>
+          </a:xfrm>
+          <a:custGeom>
+            <a:avLst/>
+            <a:gdLst/>
+            <a:ahLst/>
+            <a:cxnLst/>
+            <a:rect l="l" t="t" r="r" b="b"/>
+            <a:pathLst>
+              <a:path w="120000" h="120000" extrusionOk="0">
+                <a:moveTo>
+                  <a:pt x="0" y="0"/>
+                </a:moveTo>
+                <a:lnTo>
+                  <a:pt x="120000" y="0"/>
+                </a:lnTo>
+                <a:lnTo>
+                  <a:pt x="120000" y="120000"/>
+                </a:lnTo>
+                <a:lnTo>
+                  <a:pt x="0" y="120000"/>
+                </a:lnTo>
+                <a:close/>
+              </a:path>
+            </a:pathLst>
+          </a:custGeom>
+        </p:spPr>
+      </p:sp>
+      <p:sp>
+        <p:nvSpPr>
+          <p:cNvPr id="1497" name="Google Shape;1497;g9026751953_0_1277:notes"/>
+          <p:cNvSpPr txBox="1">
+            <a:spLocks noGrp="1"/>
+          </p:cNvSpPr>
+          <p:nvPr>
+            <p:ph type="body" idx="1"/>
+          </p:nvPr>
+        </p:nvSpPr>
+        <p:spPr>
+          <a:xfrm>
+            <a:off x="685800" y="4343400"/>
+            <a:ext cx="5486400" cy="4114800"/>
+          </a:xfrm>
+          <a:prstGeom prst="rect">
+            <a:avLst/>
+          </a:prstGeom>
+        </p:spPr>
+        <p:txBody>
+          <a:bodyPr spcFirstLastPara="1" wrap="square" lIns="91425" tIns="91425" rIns="91425" bIns="91425" anchor="t" anchorCtr="0">
+            <a:noAutofit/>
+          </a:bodyPr>
+          <a:lstStyle/>
+          <a:p>
+            <a:pPr marL="0" lvl="0" indent="0" algn="l" rtl="0">
+              <a:spcBef>
+                <a:spcPts val="0"/>
+              </a:spcBef>
+              <a:spcAft>
+                <a:spcPts val="0"/>
+              </a:spcAft>
+              <a:buNone/>
+            </a:pPr>
+            <a:endParaRPr/>
+          </a:p>
+        </p:txBody>
+      </p:sp>
+    </p:spTree>
+  </p:cSld>
+  <p:clrMapOvr>
+    <a:masterClrMapping/>
+  </p:clrMapOvr>
+</p:notes>
+</file>
+
+<file path=ppt/notesSlides/notesSlide2.xml><?xml version="1.0" encoding="utf-8"?>
 <p:notes xmlns:a="http://schemas.openxmlformats.org/drawingml/2006/main" xmlns:r="http://schemas.openxmlformats.org/officeDocument/2006/relationships" xmlns:p="http://schemas.openxmlformats.org/presentationml/2006/main" showMasterSp="0" showMasterPhAnim="0">
   <p:cSld>
     <p:spTree>
@@ -9163,7 +5488,7 @@
           <a:lstStyle/>
           <a:p>
             <a:r>
-              <a:rPr lang="en-NL" dirty="0"/>
+              <a:rPr lang="en-NL" i="1" dirty="0"/>
               <a:t>And more: Facebook, Mozilla, Php, Python</a:t>
             </a:r>
           </a:p>
@@ -11731,6 +8056,3556 @@
   <p:cSld>
     <p:spTree>
       <p:nvGrpSpPr>
+        <p:cNvPr id="1" name="Shape 1498"/>
+        <p:cNvGrpSpPr/>
+        <p:nvPr/>
+      </p:nvGrpSpPr>
+      <p:grpSpPr>
+        <a:xfrm>
+          <a:off x="0" y="0"/>
+          <a:ext cx="0" cy="0"/>
+          <a:chOff x="0" y="0"/>
+          <a:chExt cx="0" cy="0"/>
+        </a:xfrm>
+      </p:grpSpPr>
+      <p:grpSp>
+        <p:nvGrpSpPr>
+          <p:cNvPr id="1499" name="Google Shape;1499;p18"/>
+          <p:cNvGrpSpPr/>
+          <p:nvPr/>
+        </p:nvGrpSpPr>
+        <p:grpSpPr>
+          <a:xfrm flipH="1">
+            <a:off x="3580592" y="719932"/>
+            <a:ext cx="4074931" cy="5418157"/>
+            <a:chOff x="3049525" y="1569750"/>
+            <a:chExt cx="1724425" cy="2292850"/>
+          </a:xfrm>
+        </p:grpSpPr>
+        <p:sp>
+          <p:nvSpPr>
+            <p:cNvPr id="1500" name="Google Shape;1500;p18"/>
+            <p:cNvSpPr/>
+            <p:nvPr/>
+          </p:nvSpPr>
+          <p:spPr>
+            <a:xfrm>
+              <a:off x="3628275" y="1569750"/>
+              <a:ext cx="809975" cy="441800"/>
+            </a:xfrm>
+            <a:custGeom>
+              <a:avLst/>
+              <a:gdLst/>
+              <a:ahLst/>
+              <a:cxnLst/>
+              <a:rect l="l" t="t" r="r" b="b"/>
+              <a:pathLst>
+                <a:path w="32399" h="17672" extrusionOk="0">
+                  <a:moveTo>
+                    <a:pt x="1" y="0"/>
+                  </a:moveTo>
+                  <a:lnTo>
+                    <a:pt x="1" y="5985"/>
+                  </a:lnTo>
+                  <a:cubicBezTo>
+                    <a:pt x="10990" y="5985"/>
+                    <a:pt x="20966" y="10451"/>
+                    <a:pt x="28186" y="17671"/>
+                  </a:cubicBezTo>
+                  <a:lnTo>
+                    <a:pt x="32398" y="13459"/>
+                  </a:lnTo>
+                  <a:cubicBezTo>
+                    <a:pt x="24101" y="5162"/>
+                    <a:pt x="12637" y="0"/>
+                    <a:pt x="1" y="0"/>
+                  </a:cubicBezTo>
+                  <a:close/>
+                </a:path>
+              </a:pathLst>
+            </a:custGeom>
+            <a:solidFill>
+              <a:srgbClr val="CECECE"/>
+            </a:solidFill>
+            <a:ln>
+              <a:noFill/>
+            </a:ln>
+          </p:spPr>
+          <p:txBody>
+            <a:bodyPr spcFirstLastPara="1" wrap="square" lIns="121900" tIns="121900" rIns="121900" bIns="121900" anchor="ctr" anchorCtr="0">
+              <a:noAutofit/>
+            </a:bodyPr>
+            <a:lstStyle/>
+            <a:p>
+              <a:endParaRPr sz="2400"/>
+            </a:p>
+          </p:txBody>
+        </p:sp>
+        <p:sp>
+          <p:nvSpPr>
+            <p:cNvPr id="1501" name="Google Shape;1501;p18"/>
+            <p:cNvSpPr/>
+            <p:nvPr/>
+          </p:nvSpPr>
+          <p:spPr>
+            <a:xfrm>
+              <a:off x="3049525" y="2137400"/>
+              <a:ext cx="1157550" cy="1157525"/>
+            </a:xfrm>
+            <a:custGeom>
+              <a:avLst/>
+              <a:gdLst/>
+              <a:ahLst/>
+              <a:cxnLst/>
+              <a:rect l="l" t="t" r="r" b="b"/>
+              <a:pathLst>
+                <a:path w="46302" h="46301" extrusionOk="0">
+                  <a:moveTo>
+                    <a:pt x="23151" y="1"/>
+                  </a:moveTo>
+                  <a:cubicBezTo>
+                    <a:pt x="10357" y="1"/>
+                    <a:pt x="1" y="10356"/>
+                    <a:pt x="1" y="23151"/>
+                  </a:cubicBezTo>
+                  <a:cubicBezTo>
+                    <a:pt x="1" y="35945"/>
+                    <a:pt x="10357" y="46301"/>
+                    <a:pt x="23151" y="46301"/>
+                  </a:cubicBezTo>
+                  <a:cubicBezTo>
+                    <a:pt x="35945" y="46301"/>
+                    <a:pt x="46301" y="35945"/>
+                    <a:pt x="46301" y="23151"/>
+                  </a:cubicBezTo>
+                  <a:cubicBezTo>
+                    <a:pt x="46301" y="10356"/>
+                    <a:pt x="35945" y="1"/>
+                    <a:pt x="23151" y="1"/>
+                  </a:cubicBezTo>
+                  <a:close/>
+                </a:path>
+              </a:pathLst>
+            </a:custGeom>
+            <a:solidFill>
+              <a:srgbClr val="CECECE"/>
+            </a:solidFill>
+            <a:ln>
+              <a:noFill/>
+            </a:ln>
+          </p:spPr>
+          <p:txBody>
+            <a:bodyPr spcFirstLastPara="1" wrap="square" lIns="121900" tIns="121900" rIns="121900" bIns="121900" anchor="ctr" anchorCtr="0">
+              <a:noAutofit/>
+            </a:bodyPr>
+            <a:lstStyle/>
+            <a:p>
+              <a:endParaRPr sz="2400"/>
+            </a:p>
+          </p:txBody>
+        </p:sp>
+        <p:sp>
+          <p:nvSpPr>
+            <p:cNvPr id="1502" name="Google Shape;1502;p18"/>
+            <p:cNvSpPr/>
+            <p:nvPr/>
+          </p:nvSpPr>
+          <p:spPr>
+            <a:xfrm flipH="1" flipV="1">
+              <a:off x="3078025" y="2215575"/>
+              <a:ext cx="1099750" cy="1001175"/>
+            </a:xfrm>
+            <a:custGeom>
+              <a:avLst/>
+              <a:gdLst/>
+              <a:ahLst/>
+              <a:cxnLst/>
+              <a:rect l="l" t="t" r="r" b="b"/>
+              <a:pathLst>
+                <a:path w="43990" h="40047" extrusionOk="0">
+                  <a:moveTo>
+                    <a:pt x="21995" y="1"/>
+                  </a:moveTo>
+                  <a:cubicBezTo>
+                    <a:pt x="16865" y="1"/>
+                    <a:pt x="11734" y="1957"/>
+                    <a:pt x="7823" y="5868"/>
+                  </a:cubicBezTo>
+                  <a:cubicBezTo>
+                    <a:pt x="1" y="13690"/>
+                    <a:pt x="1" y="26357"/>
+                    <a:pt x="7823" y="34180"/>
+                  </a:cubicBezTo>
+                  <a:cubicBezTo>
+                    <a:pt x="11734" y="38091"/>
+                    <a:pt x="16865" y="40046"/>
+                    <a:pt x="21995" y="40046"/>
+                  </a:cubicBezTo>
+                  <a:cubicBezTo>
+                    <a:pt x="27126" y="40046"/>
+                    <a:pt x="32256" y="38091"/>
+                    <a:pt x="36167" y="34180"/>
+                  </a:cubicBezTo>
+                  <a:cubicBezTo>
+                    <a:pt x="43989" y="26357"/>
+                    <a:pt x="43989" y="13690"/>
+                    <a:pt x="36167" y="5868"/>
+                  </a:cubicBezTo>
+                  <a:cubicBezTo>
+                    <a:pt x="32256" y="1957"/>
+                    <a:pt x="27126" y="1"/>
+                    <a:pt x="21995" y="1"/>
+                  </a:cubicBezTo>
+                  <a:close/>
+                </a:path>
+              </a:pathLst>
+            </a:custGeom>
+            <a:solidFill>
+              <a:srgbClr val="FFFFFF"/>
+            </a:solidFill>
+            <a:ln>
+              <a:noFill/>
+            </a:ln>
+          </p:spPr>
+          <p:txBody>
+            <a:bodyPr spcFirstLastPara="1" wrap="square" lIns="121900" tIns="121900" rIns="121900" bIns="121900" anchor="ctr" anchorCtr="0">
+              <a:noAutofit/>
+            </a:bodyPr>
+            <a:lstStyle/>
+            <a:p>
+              <a:endParaRPr sz="2400" dirty="0"/>
+            </a:p>
+          </p:txBody>
+        </p:sp>
+        <p:sp>
+          <p:nvSpPr>
+            <p:cNvPr id="1503" name="Google Shape;1503;p18"/>
+            <p:cNvSpPr/>
+            <p:nvPr/>
+          </p:nvSpPr>
+          <p:spPr>
+            <a:xfrm>
+              <a:off x="4361425" y="2372550"/>
+              <a:ext cx="47525" cy="47525"/>
+            </a:xfrm>
+            <a:custGeom>
+              <a:avLst/>
+              <a:gdLst/>
+              <a:ahLst/>
+              <a:cxnLst/>
+              <a:rect l="l" t="t" r="r" b="b"/>
+              <a:pathLst>
+                <a:path w="1901" h="1901" extrusionOk="0">
+                  <a:moveTo>
+                    <a:pt x="951" y="460"/>
+                  </a:moveTo>
+                  <a:cubicBezTo>
+                    <a:pt x="1077" y="460"/>
+                    <a:pt x="1204" y="507"/>
+                    <a:pt x="1299" y="602"/>
+                  </a:cubicBezTo>
+                  <a:cubicBezTo>
+                    <a:pt x="1394" y="697"/>
+                    <a:pt x="1426" y="824"/>
+                    <a:pt x="1426" y="950"/>
+                  </a:cubicBezTo>
+                  <a:cubicBezTo>
+                    <a:pt x="1426" y="1077"/>
+                    <a:pt x="1394" y="1204"/>
+                    <a:pt x="1299" y="1299"/>
+                  </a:cubicBezTo>
+                  <a:cubicBezTo>
+                    <a:pt x="1204" y="1394"/>
+                    <a:pt x="1077" y="1441"/>
+                    <a:pt x="951" y="1441"/>
+                  </a:cubicBezTo>
+                  <a:cubicBezTo>
+                    <a:pt x="824" y="1441"/>
+                    <a:pt x="697" y="1394"/>
+                    <a:pt x="602" y="1299"/>
+                  </a:cubicBezTo>
+                  <a:cubicBezTo>
+                    <a:pt x="507" y="1204"/>
+                    <a:pt x="444" y="1077"/>
+                    <a:pt x="444" y="950"/>
+                  </a:cubicBezTo>
+                  <a:cubicBezTo>
+                    <a:pt x="444" y="824"/>
+                    <a:pt x="507" y="697"/>
+                    <a:pt x="602" y="602"/>
+                  </a:cubicBezTo>
+                  <a:cubicBezTo>
+                    <a:pt x="697" y="507"/>
+                    <a:pt x="824" y="460"/>
+                    <a:pt x="951" y="460"/>
+                  </a:cubicBezTo>
+                  <a:close/>
+                  <a:moveTo>
+                    <a:pt x="939" y="0"/>
+                  </a:moveTo>
+                  <a:cubicBezTo>
+                    <a:pt x="697" y="0"/>
+                    <a:pt x="460" y="95"/>
+                    <a:pt x="286" y="285"/>
+                  </a:cubicBezTo>
+                  <a:cubicBezTo>
+                    <a:pt x="96" y="475"/>
+                    <a:pt x="1" y="697"/>
+                    <a:pt x="1" y="950"/>
+                  </a:cubicBezTo>
+                  <a:cubicBezTo>
+                    <a:pt x="1" y="1204"/>
+                    <a:pt x="96" y="1457"/>
+                    <a:pt x="286" y="1615"/>
+                  </a:cubicBezTo>
+                  <a:cubicBezTo>
+                    <a:pt x="476" y="1805"/>
+                    <a:pt x="697" y="1900"/>
+                    <a:pt x="951" y="1900"/>
+                  </a:cubicBezTo>
+                  <a:cubicBezTo>
+                    <a:pt x="1172" y="1900"/>
+                    <a:pt x="1426" y="1805"/>
+                    <a:pt x="1616" y="1615"/>
+                  </a:cubicBezTo>
+                  <a:cubicBezTo>
+                    <a:pt x="1806" y="1457"/>
+                    <a:pt x="1901" y="1204"/>
+                    <a:pt x="1901" y="950"/>
+                  </a:cubicBezTo>
+                  <a:cubicBezTo>
+                    <a:pt x="1901" y="697"/>
+                    <a:pt x="1806" y="475"/>
+                    <a:pt x="1616" y="285"/>
+                  </a:cubicBezTo>
+                  <a:cubicBezTo>
+                    <a:pt x="1426" y="95"/>
+                    <a:pt x="1180" y="0"/>
+                    <a:pt x="939" y="0"/>
+                  </a:cubicBezTo>
+                  <a:close/>
+                </a:path>
+              </a:pathLst>
+            </a:custGeom>
+            <a:solidFill>
+              <a:srgbClr val="C4C4C4"/>
+            </a:solidFill>
+            <a:ln>
+              <a:noFill/>
+            </a:ln>
+          </p:spPr>
+          <p:txBody>
+            <a:bodyPr spcFirstLastPara="1" wrap="square" lIns="121900" tIns="121900" rIns="121900" bIns="121900" anchor="ctr" anchorCtr="0">
+              <a:noAutofit/>
+            </a:bodyPr>
+            <a:lstStyle/>
+            <a:p>
+              <a:endParaRPr sz="2400"/>
+            </a:p>
+          </p:txBody>
+        </p:sp>
+        <p:sp>
+          <p:nvSpPr>
+            <p:cNvPr id="1504" name="Google Shape;1504;p18"/>
+            <p:cNvSpPr/>
+            <p:nvPr/>
+          </p:nvSpPr>
+          <p:spPr>
+            <a:xfrm>
+              <a:off x="4247425" y="2319500"/>
+              <a:ext cx="213775" cy="213800"/>
+            </a:xfrm>
+            <a:custGeom>
+              <a:avLst/>
+              <a:gdLst/>
+              <a:ahLst/>
+              <a:cxnLst/>
+              <a:rect l="l" t="t" r="r" b="b"/>
+              <a:pathLst>
+                <a:path w="8551" h="8552" extrusionOk="0">
+                  <a:moveTo>
+                    <a:pt x="2424" y="2314"/>
+                  </a:moveTo>
+                  <a:cubicBezTo>
+                    <a:pt x="2693" y="2314"/>
+                    <a:pt x="2927" y="2373"/>
+                    <a:pt x="3104" y="2439"/>
+                  </a:cubicBezTo>
+                  <a:cubicBezTo>
+                    <a:pt x="2724" y="2787"/>
+                    <a:pt x="2407" y="3167"/>
+                    <a:pt x="2090" y="3579"/>
+                  </a:cubicBezTo>
+                  <a:cubicBezTo>
+                    <a:pt x="1679" y="3326"/>
+                    <a:pt x="1109" y="3262"/>
+                    <a:pt x="697" y="3262"/>
+                  </a:cubicBezTo>
+                  <a:cubicBezTo>
+                    <a:pt x="1296" y="2519"/>
+                    <a:pt x="1921" y="2314"/>
+                    <a:pt x="2424" y="2314"/>
+                  </a:cubicBezTo>
+                  <a:close/>
+                  <a:moveTo>
+                    <a:pt x="8076" y="476"/>
+                  </a:moveTo>
+                  <a:cubicBezTo>
+                    <a:pt x="7981" y="1331"/>
+                    <a:pt x="7506" y="3832"/>
+                    <a:pt x="5004" y="5859"/>
+                  </a:cubicBezTo>
+                  <a:lnTo>
+                    <a:pt x="4972" y="5891"/>
+                  </a:lnTo>
+                  <a:cubicBezTo>
+                    <a:pt x="4592" y="6176"/>
+                    <a:pt x="4212" y="6461"/>
+                    <a:pt x="3769" y="6714"/>
+                  </a:cubicBezTo>
+                  <a:lnTo>
+                    <a:pt x="1869" y="4814"/>
+                  </a:lnTo>
+                  <a:cubicBezTo>
+                    <a:pt x="3990" y="1204"/>
+                    <a:pt x="7252" y="602"/>
+                    <a:pt x="8076" y="476"/>
+                  </a:cubicBezTo>
+                  <a:close/>
+                  <a:moveTo>
+                    <a:pt x="1837" y="5416"/>
+                  </a:moveTo>
+                  <a:lnTo>
+                    <a:pt x="3135" y="6714"/>
+                  </a:lnTo>
+                  <a:lnTo>
+                    <a:pt x="2565" y="6999"/>
+                  </a:lnTo>
+                  <a:lnTo>
+                    <a:pt x="1584" y="6018"/>
+                  </a:lnTo>
+                  <a:lnTo>
+                    <a:pt x="1837" y="5416"/>
+                  </a:lnTo>
+                  <a:close/>
+                  <a:moveTo>
+                    <a:pt x="6112" y="5479"/>
+                  </a:moveTo>
+                  <a:cubicBezTo>
+                    <a:pt x="6271" y="5954"/>
+                    <a:pt x="6429" y="6936"/>
+                    <a:pt x="5289" y="7854"/>
+                  </a:cubicBezTo>
+                  <a:cubicBezTo>
+                    <a:pt x="5289" y="7443"/>
+                    <a:pt x="5226" y="6873"/>
+                    <a:pt x="4972" y="6461"/>
+                  </a:cubicBezTo>
+                  <a:cubicBezTo>
+                    <a:pt x="5067" y="6398"/>
+                    <a:pt x="5131" y="6334"/>
+                    <a:pt x="5226" y="6271"/>
+                  </a:cubicBezTo>
+                  <a:cubicBezTo>
+                    <a:pt x="5257" y="6239"/>
+                    <a:pt x="5289" y="6208"/>
+                    <a:pt x="5321" y="6176"/>
+                  </a:cubicBezTo>
+                  <a:cubicBezTo>
+                    <a:pt x="5384" y="6144"/>
+                    <a:pt x="5447" y="6081"/>
+                    <a:pt x="5511" y="6049"/>
+                  </a:cubicBezTo>
+                  <a:cubicBezTo>
+                    <a:pt x="5732" y="5859"/>
+                    <a:pt x="5922" y="5669"/>
+                    <a:pt x="6112" y="5479"/>
+                  </a:cubicBezTo>
+                  <a:close/>
+                  <a:moveTo>
+                    <a:pt x="8329" y="0"/>
+                  </a:moveTo>
+                  <a:cubicBezTo>
+                    <a:pt x="8297" y="0"/>
+                    <a:pt x="7221" y="32"/>
+                    <a:pt x="5827" y="634"/>
+                  </a:cubicBezTo>
+                  <a:cubicBezTo>
+                    <a:pt x="4972" y="982"/>
+                    <a:pt x="4212" y="1489"/>
+                    <a:pt x="3484" y="2122"/>
+                  </a:cubicBezTo>
+                  <a:cubicBezTo>
+                    <a:pt x="3207" y="1972"/>
+                    <a:pt x="2829" y="1856"/>
+                    <a:pt x="2404" y="1856"/>
+                  </a:cubicBezTo>
+                  <a:cubicBezTo>
+                    <a:pt x="1662" y="1856"/>
+                    <a:pt x="777" y="2210"/>
+                    <a:pt x="32" y="3357"/>
+                  </a:cubicBezTo>
+                  <a:cubicBezTo>
+                    <a:pt x="32" y="3421"/>
+                    <a:pt x="0" y="3452"/>
+                    <a:pt x="0" y="3484"/>
+                  </a:cubicBezTo>
+                  <a:cubicBezTo>
+                    <a:pt x="0" y="3547"/>
+                    <a:pt x="32" y="3579"/>
+                    <a:pt x="32" y="3611"/>
+                  </a:cubicBezTo>
+                  <a:cubicBezTo>
+                    <a:pt x="84" y="3662"/>
+                    <a:pt x="135" y="3714"/>
+                    <a:pt x="204" y="3714"/>
+                  </a:cubicBezTo>
+                  <a:cubicBezTo>
+                    <a:pt x="220" y="3714"/>
+                    <a:pt x="236" y="3712"/>
+                    <a:pt x="254" y="3706"/>
+                  </a:cubicBezTo>
+                  <a:cubicBezTo>
+                    <a:pt x="333" y="3698"/>
+                    <a:pt x="446" y="3692"/>
+                    <a:pt x="577" y="3692"/>
+                  </a:cubicBezTo>
+                  <a:cubicBezTo>
+                    <a:pt x="970" y="3692"/>
+                    <a:pt x="1528" y="3745"/>
+                    <a:pt x="1837" y="3959"/>
+                  </a:cubicBezTo>
+                  <a:cubicBezTo>
+                    <a:pt x="1679" y="4212"/>
+                    <a:pt x="1520" y="4466"/>
+                    <a:pt x="1394" y="4719"/>
+                  </a:cubicBezTo>
+                  <a:cubicBezTo>
+                    <a:pt x="1362" y="4751"/>
+                    <a:pt x="1362" y="4782"/>
+                    <a:pt x="1362" y="4846"/>
+                  </a:cubicBezTo>
+                  <a:cubicBezTo>
+                    <a:pt x="1362" y="4909"/>
+                    <a:pt x="1362" y="4941"/>
+                    <a:pt x="1425" y="5004"/>
+                  </a:cubicBezTo>
+                  <a:lnTo>
+                    <a:pt x="1489" y="5068"/>
+                  </a:lnTo>
+                  <a:lnTo>
+                    <a:pt x="1109" y="5954"/>
+                  </a:lnTo>
+                  <a:cubicBezTo>
+                    <a:pt x="1109" y="5986"/>
+                    <a:pt x="1077" y="6018"/>
+                    <a:pt x="1077" y="6049"/>
+                  </a:cubicBezTo>
+                  <a:cubicBezTo>
+                    <a:pt x="1077" y="6113"/>
+                    <a:pt x="1109" y="6176"/>
+                    <a:pt x="1140" y="6208"/>
+                  </a:cubicBezTo>
+                  <a:lnTo>
+                    <a:pt x="2344" y="7411"/>
+                  </a:lnTo>
+                  <a:cubicBezTo>
+                    <a:pt x="2390" y="7457"/>
+                    <a:pt x="2453" y="7487"/>
+                    <a:pt x="2521" y="7487"/>
+                  </a:cubicBezTo>
+                  <a:cubicBezTo>
+                    <a:pt x="2546" y="7487"/>
+                    <a:pt x="2572" y="7483"/>
+                    <a:pt x="2597" y="7474"/>
+                  </a:cubicBezTo>
+                  <a:lnTo>
+                    <a:pt x="3484" y="7063"/>
+                  </a:lnTo>
+                  <a:lnTo>
+                    <a:pt x="3579" y="7158"/>
+                  </a:lnTo>
+                  <a:cubicBezTo>
+                    <a:pt x="3616" y="7195"/>
+                    <a:pt x="3675" y="7210"/>
+                    <a:pt x="3730" y="7210"/>
+                  </a:cubicBezTo>
+                  <a:cubicBezTo>
+                    <a:pt x="3769" y="7210"/>
+                    <a:pt x="3806" y="7202"/>
+                    <a:pt x="3832" y="7189"/>
+                  </a:cubicBezTo>
+                  <a:cubicBezTo>
+                    <a:pt x="4085" y="7031"/>
+                    <a:pt x="4339" y="6873"/>
+                    <a:pt x="4592" y="6714"/>
+                  </a:cubicBezTo>
+                  <a:cubicBezTo>
+                    <a:pt x="4877" y="7158"/>
+                    <a:pt x="4846" y="7981"/>
+                    <a:pt x="4814" y="8298"/>
+                  </a:cubicBezTo>
+                  <a:cubicBezTo>
+                    <a:pt x="4814" y="8361"/>
+                    <a:pt x="4846" y="8456"/>
+                    <a:pt x="4941" y="8519"/>
+                  </a:cubicBezTo>
+                  <a:cubicBezTo>
+                    <a:pt x="4972" y="8519"/>
+                    <a:pt x="5004" y="8551"/>
+                    <a:pt x="5036" y="8551"/>
+                  </a:cubicBezTo>
+                  <a:cubicBezTo>
+                    <a:pt x="5099" y="8551"/>
+                    <a:pt x="5131" y="8519"/>
+                    <a:pt x="5162" y="8519"/>
+                  </a:cubicBezTo>
+                  <a:cubicBezTo>
+                    <a:pt x="6967" y="7348"/>
+                    <a:pt x="6809" y="5828"/>
+                    <a:pt x="6461" y="5068"/>
+                  </a:cubicBezTo>
+                  <a:cubicBezTo>
+                    <a:pt x="8487" y="2756"/>
+                    <a:pt x="8551" y="286"/>
+                    <a:pt x="8551" y="254"/>
+                  </a:cubicBezTo>
+                  <a:cubicBezTo>
+                    <a:pt x="8551" y="191"/>
+                    <a:pt x="8551" y="127"/>
+                    <a:pt x="8487" y="96"/>
+                  </a:cubicBezTo>
+                  <a:cubicBezTo>
+                    <a:pt x="8456" y="32"/>
+                    <a:pt x="8392" y="0"/>
+                    <a:pt x="8329" y="0"/>
+                  </a:cubicBezTo>
+                  <a:close/>
+                </a:path>
+              </a:pathLst>
+            </a:custGeom>
+            <a:solidFill>
+              <a:srgbClr val="C4C4C4"/>
+            </a:solidFill>
+            <a:ln>
+              <a:noFill/>
+            </a:ln>
+          </p:spPr>
+          <p:txBody>
+            <a:bodyPr spcFirstLastPara="1" wrap="square" lIns="121900" tIns="121900" rIns="121900" bIns="121900" anchor="ctr" anchorCtr="0">
+              <a:noAutofit/>
+            </a:bodyPr>
+            <a:lstStyle/>
+            <a:p>
+              <a:endParaRPr sz="2400"/>
+            </a:p>
+          </p:txBody>
+        </p:sp>
+        <p:sp>
+          <p:nvSpPr>
+            <p:cNvPr id="1505" name="Google Shape;1505;p18"/>
+            <p:cNvSpPr/>
+            <p:nvPr/>
+          </p:nvSpPr>
+          <p:spPr>
+            <a:xfrm>
+              <a:off x="4241875" y="2497625"/>
+              <a:ext cx="41975" cy="42000"/>
+            </a:xfrm>
+            <a:custGeom>
+              <a:avLst/>
+              <a:gdLst/>
+              <a:ahLst/>
+              <a:cxnLst/>
+              <a:rect l="l" t="t" r="r" b="b"/>
+              <a:pathLst>
+                <a:path w="1679" h="1680" extrusionOk="0">
+                  <a:moveTo>
+                    <a:pt x="1457" y="1"/>
+                  </a:moveTo>
+                  <a:cubicBezTo>
+                    <a:pt x="1394" y="1"/>
+                    <a:pt x="1331" y="33"/>
+                    <a:pt x="1267" y="64"/>
+                  </a:cubicBezTo>
+                  <a:lnTo>
+                    <a:pt x="64" y="1299"/>
+                  </a:lnTo>
+                  <a:cubicBezTo>
+                    <a:pt x="32" y="1331"/>
+                    <a:pt x="0" y="1394"/>
+                    <a:pt x="0" y="1458"/>
+                  </a:cubicBezTo>
+                  <a:cubicBezTo>
+                    <a:pt x="0" y="1521"/>
+                    <a:pt x="32" y="1584"/>
+                    <a:pt x="64" y="1616"/>
+                  </a:cubicBezTo>
+                  <a:cubicBezTo>
+                    <a:pt x="95" y="1648"/>
+                    <a:pt x="159" y="1679"/>
+                    <a:pt x="222" y="1679"/>
+                  </a:cubicBezTo>
+                  <a:cubicBezTo>
+                    <a:pt x="286" y="1679"/>
+                    <a:pt x="349" y="1648"/>
+                    <a:pt x="381" y="1616"/>
+                  </a:cubicBezTo>
+                  <a:lnTo>
+                    <a:pt x="1616" y="381"/>
+                  </a:lnTo>
+                  <a:cubicBezTo>
+                    <a:pt x="1647" y="349"/>
+                    <a:pt x="1679" y="286"/>
+                    <a:pt x="1679" y="223"/>
+                  </a:cubicBezTo>
+                  <a:cubicBezTo>
+                    <a:pt x="1679" y="159"/>
+                    <a:pt x="1647" y="96"/>
+                    <a:pt x="1616" y="64"/>
+                  </a:cubicBezTo>
+                  <a:cubicBezTo>
+                    <a:pt x="1552" y="33"/>
+                    <a:pt x="1521" y="1"/>
+                    <a:pt x="1457" y="1"/>
+                  </a:cubicBezTo>
+                  <a:close/>
+                </a:path>
+              </a:pathLst>
+            </a:custGeom>
+            <a:solidFill>
+              <a:srgbClr val="C4C4C4"/>
+            </a:solidFill>
+            <a:ln>
+              <a:noFill/>
+            </a:ln>
+          </p:spPr>
+          <p:txBody>
+            <a:bodyPr spcFirstLastPara="1" wrap="square" lIns="121900" tIns="121900" rIns="121900" bIns="121900" anchor="ctr" anchorCtr="0">
+              <a:noAutofit/>
+            </a:bodyPr>
+            <a:lstStyle/>
+            <a:p>
+              <a:endParaRPr sz="2400"/>
+            </a:p>
+          </p:txBody>
+        </p:sp>
+        <p:sp>
+          <p:nvSpPr>
+            <p:cNvPr id="1506" name="Google Shape;1506;p18"/>
+            <p:cNvSpPr/>
+            <p:nvPr/>
+          </p:nvSpPr>
+          <p:spPr>
+            <a:xfrm>
+              <a:off x="4237925" y="2484975"/>
+              <a:ext cx="33275" cy="32475"/>
+            </a:xfrm>
+            <a:custGeom>
+              <a:avLst/>
+              <a:gdLst/>
+              <a:ahLst/>
+              <a:cxnLst/>
+              <a:rect l="l" t="t" r="r" b="b"/>
+              <a:pathLst>
+                <a:path w="1331" h="1299" extrusionOk="0">
+                  <a:moveTo>
+                    <a:pt x="1077" y="0"/>
+                  </a:moveTo>
+                  <a:cubicBezTo>
+                    <a:pt x="1045" y="0"/>
+                    <a:pt x="982" y="32"/>
+                    <a:pt x="919" y="64"/>
+                  </a:cubicBezTo>
+                  <a:lnTo>
+                    <a:pt x="63" y="919"/>
+                  </a:lnTo>
+                  <a:cubicBezTo>
+                    <a:pt x="32" y="950"/>
+                    <a:pt x="0" y="1014"/>
+                    <a:pt x="0" y="1077"/>
+                  </a:cubicBezTo>
+                  <a:cubicBezTo>
+                    <a:pt x="0" y="1140"/>
+                    <a:pt x="32" y="1204"/>
+                    <a:pt x="63" y="1235"/>
+                  </a:cubicBezTo>
+                  <a:cubicBezTo>
+                    <a:pt x="127" y="1267"/>
+                    <a:pt x="190" y="1299"/>
+                    <a:pt x="253" y="1299"/>
+                  </a:cubicBezTo>
+                  <a:cubicBezTo>
+                    <a:pt x="317" y="1299"/>
+                    <a:pt x="348" y="1299"/>
+                    <a:pt x="412" y="1235"/>
+                  </a:cubicBezTo>
+                  <a:lnTo>
+                    <a:pt x="1267" y="380"/>
+                  </a:lnTo>
+                  <a:cubicBezTo>
+                    <a:pt x="1299" y="349"/>
+                    <a:pt x="1330" y="285"/>
+                    <a:pt x="1330" y="222"/>
+                  </a:cubicBezTo>
+                  <a:cubicBezTo>
+                    <a:pt x="1330" y="159"/>
+                    <a:pt x="1299" y="95"/>
+                    <a:pt x="1267" y="64"/>
+                  </a:cubicBezTo>
+                  <a:cubicBezTo>
+                    <a:pt x="1204" y="32"/>
+                    <a:pt x="1172" y="0"/>
+                    <a:pt x="1077" y="0"/>
+                  </a:cubicBezTo>
+                  <a:close/>
+                </a:path>
+              </a:pathLst>
+            </a:custGeom>
+            <a:solidFill>
+              <a:srgbClr val="C4C4C4"/>
+            </a:solidFill>
+            <a:ln>
+              <a:noFill/>
+            </a:ln>
+          </p:spPr>
+          <p:txBody>
+            <a:bodyPr spcFirstLastPara="1" wrap="square" lIns="121900" tIns="121900" rIns="121900" bIns="121900" anchor="ctr" anchorCtr="0">
+              <a:noAutofit/>
+            </a:bodyPr>
+            <a:lstStyle/>
+            <a:p>
+              <a:endParaRPr sz="2400"/>
+            </a:p>
+          </p:txBody>
+        </p:sp>
+        <p:sp>
+          <p:nvSpPr>
+            <p:cNvPr id="1507" name="Google Shape;1507;p18"/>
+            <p:cNvSpPr/>
+            <p:nvPr/>
+          </p:nvSpPr>
+          <p:spPr>
+            <a:xfrm>
+              <a:off x="4264050" y="2510300"/>
+              <a:ext cx="32475" cy="32500"/>
+            </a:xfrm>
+            <a:custGeom>
+              <a:avLst/>
+              <a:gdLst/>
+              <a:ahLst/>
+              <a:cxnLst/>
+              <a:rect l="l" t="t" r="r" b="b"/>
+              <a:pathLst>
+                <a:path w="1299" h="1300" extrusionOk="0">
+                  <a:moveTo>
+                    <a:pt x="1077" y="1"/>
+                  </a:moveTo>
+                  <a:cubicBezTo>
+                    <a:pt x="1014" y="1"/>
+                    <a:pt x="950" y="32"/>
+                    <a:pt x="919" y="64"/>
+                  </a:cubicBezTo>
+                  <a:lnTo>
+                    <a:pt x="64" y="919"/>
+                  </a:lnTo>
+                  <a:cubicBezTo>
+                    <a:pt x="0" y="951"/>
+                    <a:pt x="0" y="1014"/>
+                    <a:pt x="0" y="1077"/>
+                  </a:cubicBezTo>
+                  <a:cubicBezTo>
+                    <a:pt x="0" y="1141"/>
+                    <a:pt x="0" y="1204"/>
+                    <a:pt x="64" y="1236"/>
+                  </a:cubicBezTo>
+                  <a:cubicBezTo>
+                    <a:pt x="95" y="1299"/>
+                    <a:pt x="159" y="1299"/>
+                    <a:pt x="222" y="1299"/>
+                  </a:cubicBezTo>
+                  <a:cubicBezTo>
+                    <a:pt x="285" y="1299"/>
+                    <a:pt x="349" y="1267"/>
+                    <a:pt x="380" y="1236"/>
+                  </a:cubicBezTo>
+                  <a:lnTo>
+                    <a:pt x="1235" y="381"/>
+                  </a:lnTo>
+                  <a:cubicBezTo>
+                    <a:pt x="1267" y="349"/>
+                    <a:pt x="1299" y="286"/>
+                    <a:pt x="1299" y="222"/>
+                  </a:cubicBezTo>
+                  <a:cubicBezTo>
+                    <a:pt x="1299" y="159"/>
+                    <a:pt x="1267" y="96"/>
+                    <a:pt x="1235" y="64"/>
+                  </a:cubicBezTo>
+                  <a:cubicBezTo>
+                    <a:pt x="1172" y="32"/>
+                    <a:pt x="1140" y="1"/>
+                    <a:pt x="1077" y="1"/>
+                  </a:cubicBezTo>
+                  <a:close/>
+                </a:path>
+              </a:pathLst>
+            </a:custGeom>
+            <a:solidFill>
+              <a:srgbClr val="C4C4C4"/>
+            </a:solidFill>
+            <a:ln>
+              <a:noFill/>
+            </a:ln>
+          </p:spPr>
+          <p:txBody>
+            <a:bodyPr spcFirstLastPara="1" wrap="square" lIns="121900" tIns="121900" rIns="121900" bIns="121900" anchor="ctr" anchorCtr="0">
+              <a:noAutofit/>
+            </a:bodyPr>
+            <a:lstStyle/>
+            <a:p>
+              <a:endParaRPr sz="2400"/>
+            </a:p>
+          </p:txBody>
+        </p:sp>
+        <p:sp>
+          <p:nvSpPr>
+            <p:cNvPr id="1508" name="Google Shape;1508;p18"/>
+            <p:cNvSpPr/>
+            <p:nvPr/>
+          </p:nvSpPr>
+          <p:spPr>
+            <a:xfrm>
+              <a:off x="3842850" y="1928400"/>
+              <a:ext cx="207450" cy="159950"/>
+            </a:xfrm>
+            <a:custGeom>
+              <a:avLst/>
+              <a:gdLst/>
+              <a:ahLst/>
+              <a:cxnLst/>
+              <a:rect l="l" t="t" r="r" b="b"/>
+              <a:pathLst>
+                <a:path w="8298" h="6398" extrusionOk="0">
+                  <a:moveTo>
+                    <a:pt x="159" y="0"/>
+                  </a:moveTo>
+                  <a:cubicBezTo>
+                    <a:pt x="64" y="0"/>
+                    <a:pt x="0" y="63"/>
+                    <a:pt x="0" y="127"/>
+                  </a:cubicBezTo>
+                  <a:lnTo>
+                    <a:pt x="0" y="6271"/>
+                  </a:lnTo>
+                  <a:cubicBezTo>
+                    <a:pt x="0" y="6334"/>
+                    <a:pt x="64" y="6397"/>
+                    <a:pt x="159" y="6397"/>
+                  </a:cubicBezTo>
+                  <a:lnTo>
+                    <a:pt x="8139" y="6397"/>
+                  </a:lnTo>
+                  <a:cubicBezTo>
+                    <a:pt x="8234" y="6397"/>
+                    <a:pt x="8298" y="6334"/>
+                    <a:pt x="8298" y="6271"/>
+                  </a:cubicBezTo>
+                  <a:cubicBezTo>
+                    <a:pt x="8298" y="6175"/>
+                    <a:pt x="8234" y="6112"/>
+                    <a:pt x="8139" y="6112"/>
+                  </a:cubicBezTo>
+                  <a:lnTo>
+                    <a:pt x="317" y="6112"/>
+                  </a:lnTo>
+                  <a:lnTo>
+                    <a:pt x="317" y="127"/>
+                  </a:lnTo>
+                  <a:cubicBezTo>
+                    <a:pt x="317" y="63"/>
+                    <a:pt x="254" y="0"/>
+                    <a:pt x="159" y="0"/>
+                  </a:cubicBezTo>
+                  <a:close/>
+                </a:path>
+              </a:pathLst>
+            </a:custGeom>
+            <a:solidFill>
+              <a:srgbClr val="C4C4C4"/>
+            </a:solidFill>
+            <a:ln>
+              <a:noFill/>
+            </a:ln>
+          </p:spPr>
+          <p:txBody>
+            <a:bodyPr spcFirstLastPara="1" wrap="square" lIns="121900" tIns="121900" rIns="121900" bIns="121900" anchor="ctr" anchorCtr="0">
+              <a:noAutofit/>
+            </a:bodyPr>
+            <a:lstStyle/>
+            <a:p>
+              <a:endParaRPr sz="2400"/>
+            </a:p>
+          </p:txBody>
+        </p:sp>
+        <p:sp>
+          <p:nvSpPr>
+            <p:cNvPr id="1509" name="Google Shape;1509;p18"/>
+            <p:cNvSpPr/>
+            <p:nvPr/>
+          </p:nvSpPr>
+          <p:spPr>
+            <a:xfrm>
+              <a:off x="3863425" y="2004400"/>
+              <a:ext cx="37250" cy="64950"/>
+            </a:xfrm>
+            <a:custGeom>
+              <a:avLst/>
+              <a:gdLst/>
+              <a:ahLst/>
+              <a:cxnLst/>
+              <a:rect l="l" t="t" r="r" b="b"/>
+              <a:pathLst>
+                <a:path w="1490" h="2598" extrusionOk="0">
+                  <a:moveTo>
+                    <a:pt x="1046" y="349"/>
+                  </a:moveTo>
+                  <a:lnTo>
+                    <a:pt x="1046" y="2249"/>
+                  </a:lnTo>
+                  <a:lnTo>
+                    <a:pt x="412" y="2249"/>
+                  </a:lnTo>
+                  <a:lnTo>
+                    <a:pt x="412" y="349"/>
+                  </a:lnTo>
+                  <a:close/>
+                  <a:moveTo>
+                    <a:pt x="286" y="0"/>
+                  </a:moveTo>
+                  <a:cubicBezTo>
+                    <a:pt x="127" y="0"/>
+                    <a:pt x="1" y="127"/>
+                    <a:pt x="1" y="254"/>
+                  </a:cubicBezTo>
+                  <a:lnTo>
+                    <a:pt x="1" y="2344"/>
+                  </a:lnTo>
+                  <a:cubicBezTo>
+                    <a:pt x="1" y="2470"/>
+                    <a:pt x="127" y="2597"/>
+                    <a:pt x="286" y="2597"/>
+                  </a:cubicBezTo>
+                  <a:lnTo>
+                    <a:pt x="1172" y="2597"/>
+                  </a:lnTo>
+                  <a:cubicBezTo>
+                    <a:pt x="1331" y="2597"/>
+                    <a:pt x="1489" y="2470"/>
+                    <a:pt x="1489" y="2344"/>
+                  </a:cubicBezTo>
+                  <a:lnTo>
+                    <a:pt x="1489" y="254"/>
+                  </a:lnTo>
+                  <a:cubicBezTo>
+                    <a:pt x="1489" y="127"/>
+                    <a:pt x="1331" y="0"/>
+                    <a:pt x="1172" y="0"/>
+                  </a:cubicBezTo>
+                  <a:close/>
+                </a:path>
+              </a:pathLst>
+            </a:custGeom>
+            <a:solidFill>
+              <a:srgbClr val="C4C4C4"/>
+            </a:solidFill>
+            <a:ln>
+              <a:noFill/>
+            </a:ln>
+          </p:spPr>
+          <p:txBody>
+            <a:bodyPr spcFirstLastPara="1" wrap="square" lIns="121900" tIns="121900" rIns="121900" bIns="121900" anchor="ctr" anchorCtr="0">
+              <a:noAutofit/>
+            </a:bodyPr>
+            <a:lstStyle/>
+            <a:p>
+              <a:endParaRPr sz="2400"/>
+            </a:p>
+          </p:txBody>
+        </p:sp>
+        <p:sp>
+          <p:nvSpPr>
+            <p:cNvPr id="1510" name="Google Shape;1510;p18"/>
+            <p:cNvSpPr/>
+            <p:nvPr/>
+          </p:nvSpPr>
+          <p:spPr>
+            <a:xfrm>
+              <a:off x="3908550" y="1986175"/>
+              <a:ext cx="37250" cy="83175"/>
+            </a:xfrm>
+            <a:custGeom>
+              <a:avLst/>
+              <a:gdLst/>
+              <a:ahLst/>
+              <a:cxnLst/>
+              <a:rect l="l" t="t" r="r" b="b"/>
+              <a:pathLst>
+                <a:path w="1490" h="3327" extrusionOk="0">
+                  <a:moveTo>
+                    <a:pt x="1046" y="349"/>
+                  </a:moveTo>
+                  <a:lnTo>
+                    <a:pt x="1046" y="2978"/>
+                  </a:lnTo>
+                  <a:lnTo>
+                    <a:pt x="413" y="2978"/>
+                  </a:lnTo>
+                  <a:lnTo>
+                    <a:pt x="413" y="349"/>
+                  </a:lnTo>
+                  <a:close/>
+                  <a:moveTo>
+                    <a:pt x="286" y="1"/>
+                  </a:moveTo>
+                  <a:cubicBezTo>
+                    <a:pt x="127" y="1"/>
+                    <a:pt x="1" y="96"/>
+                    <a:pt x="1" y="254"/>
+                  </a:cubicBezTo>
+                  <a:lnTo>
+                    <a:pt x="1" y="3073"/>
+                  </a:lnTo>
+                  <a:cubicBezTo>
+                    <a:pt x="1" y="3199"/>
+                    <a:pt x="127" y="3326"/>
+                    <a:pt x="286" y="3326"/>
+                  </a:cubicBezTo>
+                  <a:lnTo>
+                    <a:pt x="1173" y="3326"/>
+                  </a:lnTo>
+                  <a:cubicBezTo>
+                    <a:pt x="1331" y="3326"/>
+                    <a:pt x="1489" y="3199"/>
+                    <a:pt x="1489" y="3073"/>
+                  </a:cubicBezTo>
+                  <a:lnTo>
+                    <a:pt x="1489" y="254"/>
+                  </a:lnTo>
+                  <a:cubicBezTo>
+                    <a:pt x="1489" y="96"/>
+                    <a:pt x="1331" y="1"/>
+                    <a:pt x="1173" y="1"/>
+                  </a:cubicBezTo>
+                  <a:close/>
+                </a:path>
+              </a:pathLst>
+            </a:custGeom>
+            <a:solidFill>
+              <a:srgbClr val="C4C4C4"/>
+            </a:solidFill>
+            <a:ln>
+              <a:noFill/>
+            </a:ln>
+          </p:spPr>
+          <p:txBody>
+            <a:bodyPr spcFirstLastPara="1" wrap="square" lIns="121900" tIns="121900" rIns="121900" bIns="121900" anchor="ctr" anchorCtr="0">
+              <a:noAutofit/>
+            </a:bodyPr>
+            <a:lstStyle/>
+            <a:p>
+              <a:endParaRPr sz="2400"/>
+            </a:p>
+          </p:txBody>
+        </p:sp>
+        <p:sp>
+          <p:nvSpPr>
+            <p:cNvPr id="1511" name="Google Shape;1511;p18"/>
+            <p:cNvSpPr/>
+            <p:nvPr/>
+          </p:nvSpPr>
+          <p:spPr>
+            <a:xfrm>
+              <a:off x="3953675" y="1967175"/>
+              <a:ext cx="37250" cy="102175"/>
+            </a:xfrm>
+            <a:custGeom>
+              <a:avLst/>
+              <a:gdLst/>
+              <a:ahLst/>
+              <a:cxnLst/>
+              <a:rect l="l" t="t" r="r" b="b"/>
+              <a:pathLst>
+                <a:path w="1490" h="4087" extrusionOk="0">
+                  <a:moveTo>
+                    <a:pt x="1046" y="349"/>
+                  </a:moveTo>
+                  <a:lnTo>
+                    <a:pt x="1046" y="3738"/>
+                  </a:lnTo>
+                  <a:lnTo>
+                    <a:pt x="413" y="3738"/>
+                  </a:lnTo>
+                  <a:lnTo>
+                    <a:pt x="413" y="349"/>
+                  </a:lnTo>
+                  <a:close/>
+                  <a:moveTo>
+                    <a:pt x="286" y="1"/>
+                  </a:moveTo>
+                  <a:cubicBezTo>
+                    <a:pt x="128" y="1"/>
+                    <a:pt x="1" y="128"/>
+                    <a:pt x="1" y="254"/>
+                  </a:cubicBezTo>
+                  <a:lnTo>
+                    <a:pt x="1" y="3833"/>
+                  </a:lnTo>
+                  <a:cubicBezTo>
+                    <a:pt x="1" y="3959"/>
+                    <a:pt x="128" y="4086"/>
+                    <a:pt x="286" y="4086"/>
+                  </a:cubicBezTo>
+                  <a:lnTo>
+                    <a:pt x="1173" y="4086"/>
+                  </a:lnTo>
+                  <a:cubicBezTo>
+                    <a:pt x="1331" y="4086"/>
+                    <a:pt x="1489" y="3959"/>
+                    <a:pt x="1489" y="3833"/>
+                  </a:cubicBezTo>
+                  <a:lnTo>
+                    <a:pt x="1489" y="254"/>
+                  </a:lnTo>
+                  <a:cubicBezTo>
+                    <a:pt x="1489" y="128"/>
+                    <a:pt x="1331" y="1"/>
+                    <a:pt x="1173" y="1"/>
+                  </a:cubicBezTo>
+                  <a:close/>
+                </a:path>
+              </a:pathLst>
+            </a:custGeom>
+            <a:solidFill>
+              <a:srgbClr val="C4C4C4"/>
+            </a:solidFill>
+            <a:ln>
+              <a:noFill/>
+            </a:ln>
+          </p:spPr>
+          <p:txBody>
+            <a:bodyPr spcFirstLastPara="1" wrap="square" lIns="121900" tIns="121900" rIns="121900" bIns="121900" anchor="ctr" anchorCtr="0">
+              <a:noAutofit/>
+            </a:bodyPr>
+            <a:lstStyle/>
+            <a:p>
+              <a:endParaRPr sz="2400"/>
+            </a:p>
+          </p:txBody>
+        </p:sp>
+        <p:sp>
+          <p:nvSpPr>
+            <p:cNvPr id="1512" name="Google Shape;1512;p18"/>
+            <p:cNvSpPr/>
+            <p:nvPr/>
+          </p:nvSpPr>
+          <p:spPr>
+            <a:xfrm>
+              <a:off x="3998825" y="1948975"/>
+              <a:ext cx="37225" cy="120375"/>
+            </a:xfrm>
+            <a:custGeom>
+              <a:avLst/>
+              <a:gdLst/>
+              <a:ahLst/>
+              <a:cxnLst/>
+              <a:rect l="l" t="t" r="r" b="b"/>
+              <a:pathLst>
+                <a:path w="1489" h="4815" extrusionOk="0">
+                  <a:moveTo>
+                    <a:pt x="1045" y="349"/>
+                  </a:moveTo>
+                  <a:lnTo>
+                    <a:pt x="1045" y="4466"/>
+                  </a:lnTo>
+                  <a:lnTo>
+                    <a:pt x="412" y="4466"/>
+                  </a:lnTo>
+                  <a:lnTo>
+                    <a:pt x="412" y="349"/>
+                  </a:lnTo>
+                  <a:close/>
+                  <a:moveTo>
+                    <a:pt x="285" y="0"/>
+                  </a:moveTo>
+                  <a:cubicBezTo>
+                    <a:pt x="127" y="0"/>
+                    <a:pt x="0" y="95"/>
+                    <a:pt x="0" y="254"/>
+                  </a:cubicBezTo>
+                  <a:lnTo>
+                    <a:pt x="0" y="4561"/>
+                  </a:lnTo>
+                  <a:cubicBezTo>
+                    <a:pt x="0" y="4687"/>
+                    <a:pt x="127" y="4814"/>
+                    <a:pt x="285" y="4814"/>
+                  </a:cubicBezTo>
+                  <a:lnTo>
+                    <a:pt x="1172" y="4814"/>
+                  </a:lnTo>
+                  <a:cubicBezTo>
+                    <a:pt x="1330" y="4814"/>
+                    <a:pt x="1489" y="4687"/>
+                    <a:pt x="1489" y="4561"/>
+                  </a:cubicBezTo>
+                  <a:lnTo>
+                    <a:pt x="1489" y="254"/>
+                  </a:lnTo>
+                  <a:cubicBezTo>
+                    <a:pt x="1489" y="95"/>
+                    <a:pt x="1330" y="0"/>
+                    <a:pt x="1172" y="0"/>
+                  </a:cubicBezTo>
+                  <a:close/>
+                </a:path>
+              </a:pathLst>
+            </a:custGeom>
+            <a:solidFill>
+              <a:srgbClr val="C4C4C4"/>
+            </a:solidFill>
+            <a:ln>
+              <a:noFill/>
+            </a:ln>
+          </p:spPr>
+          <p:txBody>
+            <a:bodyPr spcFirstLastPara="1" wrap="square" lIns="121900" tIns="121900" rIns="121900" bIns="121900" anchor="ctr" anchorCtr="0">
+              <a:noAutofit/>
+            </a:bodyPr>
+            <a:lstStyle/>
+            <a:p>
+              <a:endParaRPr sz="2400"/>
+            </a:p>
+          </p:txBody>
+        </p:sp>
+        <p:sp>
+          <p:nvSpPr>
+            <p:cNvPr id="1513" name="Google Shape;1513;p18"/>
+            <p:cNvSpPr/>
+            <p:nvPr/>
+          </p:nvSpPr>
+          <p:spPr>
+            <a:xfrm>
+              <a:off x="3863425" y="1897500"/>
+              <a:ext cx="172625" cy="71300"/>
+            </a:xfrm>
+            <a:custGeom>
+              <a:avLst/>
+              <a:gdLst/>
+              <a:ahLst/>
+              <a:cxnLst/>
+              <a:rect l="l" t="t" r="r" b="b"/>
+              <a:pathLst>
+                <a:path w="6905" h="2852" extrusionOk="0">
+                  <a:moveTo>
+                    <a:pt x="5606" y="1"/>
+                  </a:moveTo>
+                  <a:cubicBezTo>
+                    <a:pt x="5511" y="1"/>
+                    <a:pt x="5416" y="96"/>
+                    <a:pt x="5416" y="159"/>
+                  </a:cubicBezTo>
+                  <a:cubicBezTo>
+                    <a:pt x="5416" y="254"/>
+                    <a:pt x="5511" y="349"/>
+                    <a:pt x="5606" y="349"/>
+                  </a:cubicBezTo>
+                  <a:lnTo>
+                    <a:pt x="6113" y="349"/>
+                  </a:lnTo>
+                  <a:cubicBezTo>
+                    <a:pt x="4466" y="1426"/>
+                    <a:pt x="3009" y="1964"/>
+                    <a:pt x="2059" y="2218"/>
+                  </a:cubicBezTo>
+                  <a:cubicBezTo>
+                    <a:pt x="919" y="2503"/>
+                    <a:pt x="222" y="2503"/>
+                    <a:pt x="191" y="2503"/>
+                  </a:cubicBezTo>
+                  <a:cubicBezTo>
+                    <a:pt x="159" y="2503"/>
+                    <a:pt x="96" y="2534"/>
+                    <a:pt x="64" y="2534"/>
+                  </a:cubicBezTo>
+                  <a:cubicBezTo>
+                    <a:pt x="1" y="2566"/>
+                    <a:pt x="1" y="2629"/>
+                    <a:pt x="1" y="2661"/>
+                  </a:cubicBezTo>
+                  <a:cubicBezTo>
+                    <a:pt x="1" y="2725"/>
+                    <a:pt x="1" y="2756"/>
+                    <a:pt x="32" y="2788"/>
+                  </a:cubicBezTo>
+                  <a:cubicBezTo>
+                    <a:pt x="96" y="2820"/>
+                    <a:pt x="127" y="2851"/>
+                    <a:pt x="191" y="2851"/>
+                  </a:cubicBezTo>
+                  <a:lnTo>
+                    <a:pt x="222" y="2851"/>
+                  </a:lnTo>
+                  <a:cubicBezTo>
+                    <a:pt x="507" y="2851"/>
+                    <a:pt x="3104" y="2788"/>
+                    <a:pt x="6334" y="634"/>
+                  </a:cubicBezTo>
+                  <a:lnTo>
+                    <a:pt x="6334" y="634"/>
+                  </a:lnTo>
+                  <a:lnTo>
+                    <a:pt x="6208" y="1078"/>
+                  </a:lnTo>
+                  <a:cubicBezTo>
+                    <a:pt x="6208" y="1141"/>
+                    <a:pt x="6208" y="1173"/>
+                    <a:pt x="6239" y="1236"/>
+                  </a:cubicBezTo>
+                  <a:cubicBezTo>
+                    <a:pt x="6271" y="1268"/>
+                    <a:pt x="6334" y="1299"/>
+                    <a:pt x="6366" y="1299"/>
+                  </a:cubicBezTo>
+                  <a:lnTo>
+                    <a:pt x="6429" y="1299"/>
+                  </a:lnTo>
+                  <a:cubicBezTo>
+                    <a:pt x="6524" y="1299"/>
+                    <a:pt x="6620" y="1236"/>
+                    <a:pt x="6620" y="1173"/>
+                  </a:cubicBezTo>
+                  <a:lnTo>
+                    <a:pt x="6905" y="223"/>
+                  </a:lnTo>
+                  <a:lnTo>
+                    <a:pt x="6905" y="191"/>
+                  </a:lnTo>
+                  <a:cubicBezTo>
+                    <a:pt x="6905" y="191"/>
+                    <a:pt x="6905" y="159"/>
+                    <a:pt x="6905" y="159"/>
+                  </a:cubicBezTo>
+                  <a:cubicBezTo>
+                    <a:pt x="6905" y="159"/>
+                    <a:pt x="6873" y="128"/>
+                    <a:pt x="6873" y="128"/>
+                  </a:cubicBezTo>
+                  <a:cubicBezTo>
+                    <a:pt x="6873" y="96"/>
+                    <a:pt x="6873" y="96"/>
+                    <a:pt x="6873" y="96"/>
+                  </a:cubicBezTo>
+                  <a:cubicBezTo>
+                    <a:pt x="6873" y="96"/>
+                    <a:pt x="6873" y="96"/>
+                    <a:pt x="6841" y="64"/>
+                  </a:cubicBezTo>
+                  <a:cubicBezTo>
+                    <a:pt x="6841" y="64"/>
+                    <a:pt x="6841" y="64"/>
+                    <a:pt x="6810" y="33"/>
+                  </a:cubicBezTo>
+                  <a:cubicBezTo>
+                    <a:pt x="6778" y="33"/>
+                    <a:pt x="6746" y="1"/>
+                    <a:pt x="6746" y="1"/>
+                  </a:cubicBezTo>
+                  <a:close/>
+                </a:path>
+              </a:pathLst>
+            </a:custGeom>
+            <a:solidFill>
+              <a:srgbClr val="C4C4C4"/>
+            </a:solidFill>
+            <a:ln>
+              <a:noFill/>
+            </a:ln>
+          </p:spPr>
+          <p:txBody>
+            <a:bodyPr spcFirstLastPara="1" wrap="square" lIns="121900" tIns="121900" rIns="121900" bIns="121900" anchor="ctr" anchorCtr="0">
+              <a:noAutofit/>
+            </a:bodyPr>
+            <a:lstStyle/>
+            <a:p>
+              <a:endParaRPr sz="2400"/>
+            </a:p>
+          </p:txBody>
+        </p:sp>
+        <p:sp>
+          <p:nvSpPr>
+            <p:cNvPr id="1514" name="Google Shape;1514;p18"/>
+            <p:cNvSpPr/>
+            <p:nvPr/>
+          </p:nvSpPr>
+          <p:spPr>
+            <a:xfrm>
+              <a:off x="4222875" y="2990100"/>
+              <a:ext cx="40400" cy="15050"/>
+            </a:xfrm>
+            <a:custGeom>
+              <a:avLst/>
+              <a:gdLst/>
+              <a:ahLst/>
+              <a:cxnLst/>
+              <a:rect l="l" t="t" r="r" b="b"/>
+              <a:pathLst>
+                <a:path w="1616" h="602" extrusionOk="0">
+                  <a:moveTo>
+                    <a:pt x="285" y="0"/>
+                  </a:moveTo>
+                  <a:cubicBezTo>
+                    <a:pt x="127" y="0"/>
+                    <a:pt x="0" y="127"/>
+                    <a:pt x="0" y="317"/>
+                  </a:cubicBezTo>
+                  <a:cubicBezTo>
+                    <a:pt x="0" y="475"/>
+                    <a:pt x="127" y="602"/>
+                    <a:pt x="285" y="602"/>
+                  </a:cubicBezTo>
+                  <a:lnTo>
+                    <a:pt x="1331" y="602"/>
+                  </a:lnTo>
+                  <a:cubicBezTo>
+                    <a:pt x="1489" y="602"/>
+                    <a:pt x="1616" y="475"/>
+                    <a:pt x="1616" y="317"/>
+                  </a:cubicBezTo>
+                  <a:cubicBezTo>
+                    <a:pt x="1616" y="127"/>
+                    <a:pt x="1489" y="0"/>
+                    <a:pt x="1331" y="0"/>
+                  </a:cubicBezTo>
+                  <a:close/>
+                </a:path>
+              </a:pathLst>
+            </a:custGeom>
+            <a:solidFill>
+              <a:srgbClr val="C4C4C4"/>
+            </a:solidFill>
+            <a:ln>
+              <a:noFill/>
+            </a:ln>
+          </p:spPr>
+          <p:txBody>
+            <a:bodyPr spcFirstLastPara="1" wrap="square" lIns="121900" tIns="121900" rIns="121900" bIns="121900" anchor="ctr" anchorCtr="0">
+              <a:noAutofit/>
+            </a:bodyPr>
+            <a:lstStyle/>
+            <a:p>
+              <a:endParaRPr sz="2400"/>
+            </a:p>
+          </p:txBody>
+        </p:sp>
+        <p:sp>
+          <p:nvSpPr>
+            <p:cNvPr id="1515" name="Google Shape;1515;p18"/>
+            <p:cNvSpPr/>
+            <p:nvPr/>
+          </p:nvSpPr>
+          <p:spPr>
+            <a:xfrm>
+              <a:off x="4224450" y="2945925"/>
+              <a:ext cx="38025" cy="26775"/>
+            </a:xfrm>
+            <a:custGeom>
+              <a:avLst/>
+              <a:gdLst/>
+              <a:ahLst/>
+              <a:cxnLst/>
+              <a:rect l="l" t="t" r="r" b="b"/>
+              <a:pathLst>
+                <a:path w="1521" h="1071" extrusionOk="0">
+                  <a:moveTo>
+                    <a:pt x="318" y="1"/>
+                  </a:moveTo>
+                  <a:cubicBezTo>
+                    <a:pt x="196" y="1"/>
+                    <a:pt x="79" y="66"/>
+                    <a:pt x="32" y="184"/>
+                  </a:cubicBezTo>
+                  <a:cubicBezTo>
+                    <a:pt x="1" y="247"/>
+                    <a:pt x="1" y="310"/>
+                    <a:pt x="1" y="405"/>
+                  </a:cubicBezTo>
+                  <a:cubicBezTo>
+                    <a:pt x="32" y="469"/>
+                    <a:pt x="96" y="532"/>
+                    <a:pt x="159" y="564"/>
+                  </a:cubicBezTo>
+                  <a:lnTo>
+                    <a:pt x="1078" y="1039"/>
+                  </a:lnTo>
+                  <a:cubicBezTo>
+                    <a:pt x="1109" y="1070"/>
+                    <a:pt x="1173" y="1070"/>
+                    <a:pt x="1204" y="1070"/>
+                  </a:cubicBezTo>
+                  <a:cubicBezTo>
+                    <a:pt x="1331" y="1070"/>
+                    <a:pt x="1426" y="1007"/>
+                    <a:pt x="1489" y="912"/>
+                  </a:cubicBezTo>
+                  <a:cubicBezTo>
+                    <a:pt x="1521" y="849"/>
+                    <a:pt x="1521" y="754"/>
+                    <a:pt x="1489" y="690"/>
+                  </a:cubicBezTo>
+                  <a:cubicBezTo>
+                    <a:pt x="1458" y="595"/>
+                    <a:pt x="1426" y="532"/>
+                    <a:pt x="1331" y="500"/>
+                  </a:cubicBezTo>
+                  <a:lnTo>
+                    <a:pt x="444" y="25"/>
+                  </a:lnTo>
+                  <a:cubicBezTo>
+                    <a:pt x="403" y="9"/>
+                    <a:pt x="360" y="1"/>
+                    <a:pt x="318" y="1"/>
+                  </a:cubicBezTo>
+                  <a:close/>
+                </a:path>
+              </a:pathLst>
+            </a:custGeom>
+            <a:solidFill>
+              <a:srgbClr val="C4C4C4"/>
+            </a:solidFill>
+            <a:ln>
+              <a:noFill/>
+            </a:ln>
+          </p:spPr>
+          <p:txBody>
+            <a:bodyPr spcFirstLastPara="1" wrap="square" lIns="121900" tIns="121900" rIns="121900" bIns="121900" anchor="ctr" anchorCtr="0">
+              <a:noAutofit/>
+            </a:bodyPr>
+            <a:lstStyle/>
+            <a:p>
+              <a:endParaRPr sz="2400"/>
+            </a:p>
+          </p:txBody>
+        </p:sp>
+        <p:sp>
+          <p:nvSpPr>
+            <p:cNvPr id="1516" name="Google Shape;1516;p18"/>
+            <p:cNvSpPr/>
+            <p:nvPr/>
+          </p:nvSpPr>
+          <p:spPr>
+            <a:xfrm>
+              <a:off x="4233175" y="3020350"/>
+              <a:ext cx="38025" cy="26775"/>
+            </a:xfrm>
+            <a:custGeom>
+              <a:avLst/>
+              <a:gdLst/>
+              <a:ahLst/>
+              <a:cxnLst/>
+              <a:rect l="l" t="t" r="r" b="b"/>
+              <a:pathLst>
+                <a:path w="1521" h="1071" extrusionOk="0">
+                  <a:moveTo>
+                    <a:pt x="1208" y="0"/>
+                  </a:moveTo>
+                  <a:cubicBezTo>
+                    <a:pt x="1164" y="0"/>
+                    <a:pt x="1119" y="8"/>
+                    <a:pt x="1077" y="25"/>
+                  </a:cubicBezTo>
+                  <a:lnTo>
+                    <a:pt x="158" y="500"/>
+                  </a:lnTo>
+                  <a:cubicBezTo>
+                    <a:pt x="95" y="532"/>
+                    <a:pt x="32" y="595"/>
+                    <a:pt x="32" y="659"/>
+                  </a:cubicBezTo>
+                  <a:cubicBezTo>
+                    <a:pt x="0" y="754"/>
+                    <a:pt x="0" y="817"/>
+                    <a:pt x="32" y="912"/>
+                  </a:cubicBezTo>
+                  <a:cubicBezTo>
+                    <a:pt x="95" y="1007"/>
+                    <a:pt x="190" y="1070"/>
+                    <a:pt x="317" y="1070"/>
+                  </a:cubicBezTo>
+                  <a:cubicBezTo>
+                    <a:pt x="348" y="1070"/>
+                    <a:pt x="412" y="1039"/>
+                    <a:pt x="443" y="1039"/>
+                  </a:cubicBezTo>
+                  <a:lnTo>
+                    <a:pt x="1362" y="564"/>
+                  </a:lnTo>
+                  <a:cubicBezTo>
+                    <a:pt x="1425" y="532"/>
+                    <a:pt x="1489" y="468"/>
+                    <a:pt x="1489" y="405"/>
+                  </a:cubicBezTo>
+                  <a:cubicBezTo>
+                    <a:pt x="1520" y="310"/>
+                    <a:pt x="1520" y="247"/>
+                    <a:pt x="1489" y="152"/>
+                  </a:cubicBezTo>
+                  <a:cubicBezTo>
+                    <a:pt x="1442" y="59"/>
+                    <a:pt x="1328" y="0"/>
+                    <a:pt x="1208" y="0"/>
+                  </a:cubicBezTo>
+                  <a:close/>
+                </a:path>
+              </a:pathLst>
+            </a:custGeom>
+            <a:solidFill>
+              <a:srgbClr val="C4C4C4"/>
+            </a:solidFill>
+            <a:ln>
+              <a:noFill/>
+            </a:ln>
+          </p:spPr>
+          <p:txBody>
+            <a:bodyPr spcFirstLastPara="1" wrap="square" lIns="121900" tIns="121900" rIns="121900" bIns="121900" anchor="ctr" anchorCtr="0">
+              <a:noAutofit/>
+            </a:bodyPr>
+            <a:lstStyle/>
+            <a:p>
+              <a:endParaRPr sz="2400"/>
+            </a:p>
+          </p:txBody>
+        </p:sp>
+        <p:sp>
+          <p:nvSpPr>
+            <p:cNvPr id="1517" name="Google Shape;1517;p18"/>
+            <p:cNvSpPr/>
+            <p:nvPr/>
+          </p:nvSpPr>
+          <p:spPr>
+            <a:xfrm>
+              <a:off x="4436650" y="2990100"/>
+              <a:ext cx="40400" cy="15050"/>
+            </a:xfrm>
+            <a:custGeom>
+              <a:avLst/>
+              <a:gdLst/>
+              <a:ahLst/>
+              <a:cxnLst/>
+              <a:rect l="l" t="t" r="r" b="b"/>
+              <a:pathLst>
+                <a:path w="1616" h="602" extrusionOk="0">
+                  <a:moveTo>
+                    <a:pt x="285" y="0"/>
+                  </a:moveTo>
+                  <a:cubicBezTo>
+                    <a:pt x="127" y="0"/>
+                    <a:pt x="0" y="127"/>
+                    <a:pt x="0" y="317"/>
+                  </a:cubicBezTo>
+                  <a:cubicBezTo>
+                    <a:pt x="0" y="475"/>
+                    <a:pt x="127" y="602"/>
+                    <a:pt x="285" y="602"/>
+                  </a:cubicBezTo>
+                  <a:lnTo>
+                    <a:pt x="1330" y="602"/>
+                  </a:lnTo>
+                  <a:cubicBezTo>
+                    <a:pt x="1489" y="602"/>
+                    <a:pt x="1615" y="475"/>
+                    <a:pt x="1615" y="317"/>
+                  </a:cubicBezTo>
+                  <a:cubicBezTo>
+                    <a:pt x="1615" y="127"/>
+                    <a:pt x="1489" y="0"/>
+                    <a:pt x="1330" y="0"/>
+                  </a:cubicBezTo>
+                  <a:close/>
+                </a:path>
+              </a:pathLst>
+            </a:custGeom>
+            <a:solidFill>
+              <a:srgbClr val="C4C4C4"/>
+            </a:solidFill>
+            <a:ln>
+              <a:noFill/>
+            </a:ln>
+          </p:spPr>
+          <p:txBody>
+            <a:bodyPr spcFirstLastPara="1" wrap="square" lIns="121900" tIns="121900" rIns="121900" bIns="121900" anchor="ctr" anchorCtr="0">
+              <a:noAutofit/>
+            </a:bodyPr>
+            <a:lstStyle/>
+            <a:p>
+              <a:endParaRPr sz="2400"/>
+            </a:p>
+          </p:txBody>
+        </p:sp>
+        <p:sp>
+          <p:nvSpPr>
+            <p:cNvPr id="1518" name="Google Shape;1518;p18"/>
+            <p:cNvSpPr/>
+            <p:nvPr/>
+          </p:nvSpPr>
+          <p:spPr>
+            <a:xfrm>
+              <a:off x="4437425" y="2945925"/>
+              <a:ext cx="38025" cy="26775"/>
+            </a:xfrm>
+            <a:custGeom>
+              <a:avLst/>
+              <a:gdLst/>
+              <a:ahLst/>
+              <a:cxnLst/>
+              <a:rect l="l" t="t" r="r" b="b"/>
+              <a:pathLst>
+                <a:path w="1521" h="1071" extrusionOk="0">
+                  <a:moveTo>
+                    <a:pt x="1204" y="1"/>
+                  </a:moveTo>
+                  <a:cubicBezTo>
+                    <a:pt x="1161" y="1"/>
+                    <a:pt x="1118" y="9"/>
+                    <a:pt x="1077" y="25"/>
+                  </a:cubicBezTo>
+                  <a:lnTo>
+                    <a:pt x="159" y="500"/>
+                  </a:lnTo>
+                  <a:cubicBezTo>
+                    <a:pt x="96" y="532"/>
+                    <a:pt x="32" y="595"/>
+                    <a:pt x="32" y="690"/>
+                  </a:cubicBezTo>
+                  <a:cubicBezTo>
+                    <a:pt x="1" y="754"/>
+                    <a:pt x="1" y="849"/>
+                    <a:pt x="32" y="912"/>
+                  </a:cubicBezTo>
+                  <a:cubicBezTo>
+                    <a:pt x="96" y="1007"/>
+                    <a:pt x="191" y="1070"/>
+                    <a:pt x="317" y="1070"/>
+                  </a:cubicBezTo>
+                  <a:cubicBezTo>
+                    <a:pt x="349" y="1070"/>
+                    <a:pt x="412" y="1070"/>
+                    <a:pt x="444" y="1039"/>
+                  </a:cubicBezTo>
+                  <a:lnTo>
+                    <a:pt x="1363" y="564"/>
+                  </a:lnTo>
+                  <a:cubicBezTo>
+                    <a:pt x="1426" y="532"/>
+                    <a:pt x="1489" y="469"/>
+                    <a:pt x="1489" y="405"/>
+                  </a:cubicBezTo>
+                  <a:cubicBezTo>
+                    <a:pt x="1521" y="310"/>
+                    <a:pt x="1521" y="247"/>
+                    <a:pt x="1489" y="184"/>
+                  </a:cubicBezTo>
+                  <a:cubicBezTo>
+                    <a:pt x="1442" y="66"/>
+                    <a:pt x="1326" y="1"/>
+                    <a:pt x="1204" y="1"/>
+                  </a:cubicBezTo>
+                  <a:close/>
+                </a:path>
+              </a:pathLst>
+            </a:custGeom>
+            <a:solidFill>
+              <a:srgbClr val="C4C4C4"/>
+            </a:solidFill>
+            <a:ln>
+              <a:noFill/>
+            </a:ln>
+          </p:spPr>
+          <p:txBody>
+            <a:bodyPr spcFirstLastPara="1" wrap="square" lIns="121900" tIns="121900" rIns="121900" bIns="121900" anchor="ctr" anchorCtr="0">
+              <a:noAutofit/>
+            </a:bodyPr>
+            <a:lstStyle/>
+            <a:p>
+              <a:endParaRPr sz="2400"/>
+            </a:p>
+          </p:txBody>
+        </p:sp>
+        <p:sp>
+          <p:nvSpPr>
+            <p:cNvPr id="1519" name="Google Shape;1519;p18"/>
+            <p:cNvSpPr/>
+            <p:nvPr/>
+          </p:nvSpPr>
+          <p:spPr>
+            <a:xfrm>
+              <a:off x="4428725" y="3020350"/>
+              <a:ext cx="38025" cy="26775"/>
+            </a:xfrm>
+            <a:custGeom>
+              <a:avLst/>
+              <a:gdLst/>
+              <a:ahLst/>
+              <a:cxnLst/>
+              <a:rect l="l" t="t" r="r" b="b"/>
+              <a:pathLst>
+                <a:path w="1521" h="1071" extrusionOk="0">
+                  <a:moveTo>
+                    <a:pt x="313" y="0"/>
+                  </a:moveTo>
+                  <a:cubicBezTo>
+                    <a:pt x="193" y="0"/>
+                    <a:pt x="78" y="59"/>
+                    <a:pt x="32" y="152"/>
+                  </a:cubicBezTo>
+                  <a:cubicBezTo>
+                    <a:pt x="0" y="247"/>
+                    <a:pt x="0" y="310"/>
+                    <a:pt x="0" y="405"/>
+                  </a:cubicBezTo>
+                  <a:cubicBezTo>
+                    <a:pt x="32" y="468"/>
+                    <a:pt x="95" y="532"/>
+                    <a:pt x="159" y="564"/>
+                  </a:cubicBezTo>
+                  <a:lnTo>
+                    <a:pt x="1077" y="1039"/>
+                  </a:lnTo>
+                  <a:cubicBezTo>
+                    <a:pt x="1109" y="1039"/>
+                    <a:pt x="1172" y="1070"/>
+                    <a:pt x="1204" y="1070"/>
+                  </a:cubicBezTo>
+                  <a:cubicBezTo>
+                    <a:pt x="1330" y="1070"/>
+                    <a:pt x="1425" y="1007"/>
+                    <a:pt x="1489" y="912"/>
+                  </a:cubicBezTo>
+                  <a:cubicBezTo>
+                    <a:pt x="1520" y="817"/>
+                    <a:pt x="1520" y="754"/>
+                    <a:pt x="1489" y="659"/>
+                  </a:cubicBezTo>
+                  <a:cubicBezTo>
+                    <a:pt x="1457" y="595"/>
+                    <a:pt x="1425" y="532"/>
+                    <a:pt x="1330" y="500"/>
+                  </a:cubicBezTo>
+                  <a:lnTo>
+                    <a:pt x="444" y="25"/>
+                  </a:lnTo>
+                  <a:cubicBezTo>
+                    <a:pt x="401" y="8"/>
+                    <a:pt x="357" y="0"/>
+                    <a:pt x="313" y="0"/>
+                  </a:cubicBezTo>
+                  <a:close/>
+                </a:path>
+              </a:pathLst>
+            </a:custGeom>
+            <a:solidFill>
+              <a:srgbClr val="C4C4C4"/>
+            </a:solidFill>
+            <a:ln>
+              <a:noFill/>
+            </a:ln>
+          </p:spPr>
+          <p:txBody>
+            <a:bodyPr spcFirstLastPara="1" wrap="square" lIns="121900" tIns="121900" rIns="121900" bIns="121900" anchor="ctr" anchorCtr="0">
+              <a:noAutofit/>
+            </a:bodyPr>
+            <a:lstStyle/>
+            <a:p>
+              <a:endParaRPr sz="2400"/>
+            </a:p>
+          </p:txBody>
+        </p:sp>
+        <p:sp>
+          <p:nvSpPr>
+            <p:cNvPr id="1520" name="Google Shape;1520;p18"/>
+            <p:cNvSpPr/>
+            <p:nvPr/>
+          </p:nvSpPr>
+          <p:spPr>
+            <a:xfrm>
+              <a:off x="4317100" y="3095400"/>
+              <a:ext cx="67300" cy="12675"/>
+            </a:xfrm>
+            <a:custGeom>
+              <a:avLst/>
+              <a:gdLst/>
+              <a:ahLst/>
+              <a:cxnLst/>
+              <a:rect l="l" t="t" r="r" b="b"/>
+              <a:pathLst>
+                <a:path w="2692" h="507" extrusionOk="0">
+                  <a:moveTo>
+                    <a:pt x="253" y="0"/>
+                  </a:moveTo>
+                  <a:cubicBezTo>
+                    <a:pt x="127" y="0"/>
+                    <a:pt x="0" y="127"/>
+                    <a:pt x="0" y="253"/>
+                  </a:cubicBezTo>
+                  <a:cubicBezTo>
+                    <a:pt x="0" y="412"/>
+                    <a:pt x="127" y="507"/>
+                    <a:pt x="253" y="507"/>
+                  </a:cubicBezTo>
+                  <a:lnTo>
+                    <a:pt x="2439" y="507"/>
+                  </a:lnTo>
+                  <a:cubicBezTo>
+                    <a:pt x="2597" y="507"/>
+                    <a:pt x="2692" y="412"/>
+                    <a:pt x="2692" y="253"/>
+                  </a:cubicBezTo>
+                  <a:cubicBezTo>
+                    <a:pt x="2692" y="127"/>
+                    <a:pt x="2597" y="0"/>
+                    <a:pt x="2439" y="0"/>
+                  </a:cubicBezTo>
+                  <a:close/>
+                </a:path>
+              </a:pathLst>
+            </a:custGeom>
+            <a:solidFill>
+              <a:srgbClr val="C4C4C4"/>
+            </a:solidFill>
+            <a:ln>
+              <a:noFill/>
+            </a:ln>
+          </p:spPr>
+          <p:txBody>
+            <a:bodyPr spcFirstLastPara="1" wrap="square" lIns="121900" tIns="121900" rIns="121900" bIns="121900" anchor="ctr" anchorCtr="0">
+              <a:noAutofit/>
+            </a:bodyPr>
+            <a:lstStyle/>
+            <a:p>
+              <a:endParaRPr sz="2400"/>
+            </a:p>
+          </p:txBody>
+        </p:sp>
+        <p:sp>
+          <p:nvSpPr>
+            <p:cNvPr id="1521" name="Google Shape;1521;p18"/>
+            <p:cNvSpPr/>
+            <p:nvPr/>
+          </p:nvSpPr>
+          <p:spPr>
+            <a:xfrm>
+              <a:off x="4328175" y="3116775"/>
+              <a:ext cx="46725" cy="12675"/>
+            </a:xfrm>
+            <a:custGeom>
+              <a:avLst/>
+              <a:gdLst/>
+              <a:ahLst/>
+              <a:cxnLst/>
+              <a:rect l="l" t="t" r="r" b="b"/>
+              <a:pathLst>
+                <a:path w="1869" h="507" extrusionOk="0">
+                  <a:moveTo>
+                    <a:pt x="254" y="0"/>
+                  </a:moveTo>
+                  <a:cubicBezTo>
+                    <a:pt x="127" y="0"/>
+                    <a:pt x="0" y="127"/>
+                    <a:pt x="0" y="253"/>
+                  </a:cubicBezTo>
+                  <a:cubicBezTo>
+                    <a:pt x="0" y="380"/>
+                    <a:pt x="127" y="507"/>
+                    <a:pt x="254" y="507"/>
+                  </a:cubicBezTo>
+                  <a:lnTo>
+                    <a:pt x="1616" y="507"/>
+                  </a:lnTo>
+                  <a:cubicBezTo>
+                    <a:pt x="1774" y="507"/>
+                    <a:pt x="1869" y="380"/>
+                    <a:pt x="1869" y="253"/>
+                  </a:cubicBezTo>
+                  <a:cubicBezTo>
+                    <a:pt x="1869" y="127"/>
+                    <a:pt x="1774" y="0"/>
+                    <a:pt x="1616" y="0"/>
+                  </a:cubicBezTo>
+                  <a:close/>
+                </a:path>
+              </a:pathLst>
+            </a:custGeom>
+            <a:solidFill>
+              <a:srgbClr val="C4C4C4"/>
+            </a:solidFill>
+            <a:ln>
+              <a:noFill/>
+            </a:ln>
+          </p:spPr>
+          <p:txBody>
+            <a:bodyPr spcFirstLastPara="1" wrap="square" lIns="121900" tIns="121900" rIns="121900" bIns="121900" anchor="ctr" anchorCtr="0">
+              <a:noAutofit/>
+            </a:bodyPr>
+            <a:lstStyle/>
+            <a:p>
+              <a:endParaRPr sz="2400"/>
+            </a:p>
+          </p:txBody>
+        </p:sp>
+        <p:sp>
+          <p:nvSpPr>
+            <p:cNvPr id="1522" name="Google Shape;1522;p18"/>
+            <p:cNvSpPr/>
+            <p:nvPr/>
+          </p:nvSpPr>
+          <p:spPr>
+            <a:xfrm>
+              <a:off x="4272750" y="2907750"/>
+              <a:ext cx="156000" cy="182125"/>
+            </a:xfrm>
+            <a:custGeom>
+              <a:avLst/>
+              <a:gdLst/>
+              <a:ahLst/>
+              <a:cxnLst/>
+              <a:rect l="l" t="t" r="r" b="b"/>
+              <a:pathLst>
+                <a:path w="6240" h="7285" extrusionOk="0">
+                  <a:moveTo>
+                    <a:pt x="3104" y="381"/>
+                  </a:moveTo>
+                  <a:cubicBezTo>
+                    <a:pt x="4624" y="381"/>
+                    <a:pt x="5859" y="1584"/>
+                    <a:pt x="5859" y="3104"/>
+                  </a:cubicBezTo>
+                  <a:cubicBezTo>
+                    <a:pt x="5859" y="3864"/>
+                    <a:pt x="5543" y="4592"/>
+                    <a:pt x="4973" y="5131"/>
+                  </a:cubicBezTo>
+                  <a:cubicBezTo>
+                    <a:pt x="4466" y="5574"/>
+                    <a:pt x="4149" y="6239"/>
+                    <a:pt x="4118" y="6904"/>
+                  </a:cubicBezTo>
+                  <a:lnTo>
+                    <a:pt x="2154" y="6904"/>
+                  </a:lnTo>
+                  <a:cubicBezTo>
+                    <a:pt x="2091" y="6239"/>
+                    <a:pt x="1774" y="5574"/>
+                    <a:pt x="1267" y="5131"/>
+                  </a:cubicBezTo>
+                  <a:cubicBezTo>
+                    <a:pt x="697" y="4592"/>
+                    <a:pt x="381" y="3864"/>
+                    <a:pt x="381" y="3104"/>
+                  </a:cubicBezTo>
+                  <a:cubicBezTo>
+                    <a:pt x="381" y="1584"/>
+                    <a:pt x="1616" y="381"/>
+                    <a:pt x="3104" y="381"/>
+                  </a:cubicBezTo>
+                  <a:close/>
+                  <a:moveTo>
+                    <a:pt x="3136" y="0"/>
+                  </a:moveTo>
+                  <a:cubicBezTo>
+                    <a:pt x="1394" y="0"/>
+                    <a:pt x="1" y="1394"/>
+                    <a:pt x="1" y="3104"/>
+                  </a:cubicBezTo>
+                  <a:cubicBezTo>
+                    <a:pt x="1" y="3991"/>
+                    <a:pt x="381" y="4814"/>
+                    <a:pt x="1014" y="5416"/>
+                  </a:cubicBezTo>
+                  <a:cubicBezTo>
+                    <a:pt x="1489" y="5828"/>
+                    <a:pt x="1774" y="6461"/>
+                    <a:pt x="1774" y="7094"/>
+                  </a:cubicBezTo>
+                  <a:cubicBezTo>
+                    <a:pt x="1774" y="7221"/>
+                    <a:pt x="1837" y="7284"/>
+                    <a:pt x="1964" y="7284"/>
+                  </a:cubicBezTo>
+                  <a:lnTo>
+                    <a:pt x="4276" y="7284"/>
+                  </a:lnTo>
+                  <a:cubicBezTo>
+                    <a:pt x="4403" y="7284"/>
+                    <a:pt x="4466" y="7221"/>
+                    <a:pt x="4466" y="7094"/>
+                  </a:cubicBezTo>
+                  <a:cubicBezTo>
+                    <a:pt x="4466" y="6461"/>
+                    <a:pt x="4751" y="5828"/>
+                    <a:pt x="5226" y="5416"/>
+                  </a:cubicBezTo>
+                  <a:cubicBezTo>
+                    <a:pt x="5859" y="4814"/>
+                    <a:pt x="6239" y="3991"/>
+                    <a:pt x="6239" y="3104"/>
+                  </a:cubicBezTo>
+                  <a:cubicBezTo>
+                    <a:pt x="6239" y="1394"/>
+                    <a:pt x="4846" y="0"/>
+                    <a:pt x="3136" y="0"/>
+                  </a:cubicBezTo>
+                  <a:close/>
+                </a:path>
+              </a:pathLst>
+            </a:custGeom>
+            <a:solidFill>
+              <a:srgbClr val="C4C4C4"/>
+            </a:solidFill>
+            <a:ln>
+              <a:noFill/>
+            </a:ln>
+          </p:spPr>
+          <p:txBody>
+            <a:bodyPr spcFirstLastPara="1" wrap="square" lIns="121900" tIns="121900" rIns="121900" bIns="121900" anchor="ctr" anchorCtr="0">
+              <a:noAutofit/>
+            </a:bodyPr>
+            <a:lstStyle/>
+            <a:p>
+              <a:endParaRPr sz="2400"/>
+            </a:p>
+          </p:txBody>
+        </p:sp>
+        <p:sp>
+          <p:nvSpPr>
+            <p:cNvPr id="1523" name="Google Shape;1523;p18"/>
+            <p:cNvSpPr/>
+            <p:nvPr/>
+          </p:nvSpPr>
+          <p:spPr>
+            <a:xfrm>
+              <a:off x="4290175" y="2941150"/>
+              <a:ext cx="42775" cy="73500"/>
+            </a:xfrm>
+            <a:custGeom>
+              <a:avLst/>
+              <a:gdLst/>
+              <a:ahLst/>
+              <a:cxnLst/>
+              <a:rect l="l" t="t" r="r" b="b"/>
+              <a:pathLst>
+                <a:path w="1711" h="2940" extrusionOk="0">
+                  <a:moveTo>
+                    <a:pt x="1447" y="1"/>
+                  </a:moveTo>
+                  <a:cubicBezTo>
+                    <a:pt x="1418" y="1"/>
+                    <a:pt x="1389" y="9"/>
+                    <a:pt x="1362" y="26"/>
+                  </a:cubicBezTo>
+                  <a:cubicBezTo>
+                    <a:pt x="349" y="565"/>
+                    <a:pt x="0" y="1831"/>
+                    <a:pt x="570" y="2813"/>
+                  </a:cubicBezTo>
+                  <a:cubicBezTo>
+                    <a:pt x="602" y="2908"/>
+                    <a:pt x="665" y="2940"/>
+                    <a:pt x="760" y="2940"/>
+                  </a:cubicBezTo>
+                  <a:cubicBezTo>
+                    <a:pt x="792" y="2940"/>
+                    <a:pt x="824" y="2940"/>
+                    <a:pt x="855" y="2908"/>
+                  </a:cubicBezTo>
+                  <a:cubicBezTo>
+                    <a:pt x="950" y="2845"/>
+                    <a:pt x="982" y="2718"/>
+                    <a:pt x="950" y="2623"/>
+                  </a:cubicBezTo>
+                  <a:cubicBezTo>
+                    <a:pt x="507" y="1831"/>
+                    <a:pt x="792" y="850"/>
+                    <a:pt x="1552" y="406"/>
+                  </a:cubicBezTo>
+                  <a:cubicBezTo>
+                    <a:pt x="1679" y="343"/>
+                    <a:pt x="1710" y="216"/>
+                    <a:pt x="1647" y="121"/>
+                  </a:cubicBezTo>
+                  <a:cubicBezTo>
+                    <a:pt x="1601" y="53"/>
+                    <a:pt x="1523" y="1"/>
+                    <a:pt x="1447" y="1"/>
+                  </a:cubicBezTo>
+                  <a:close/>
+                </a:path>
+              </a:pathLst>
+            </a:custGeom>
+            <a:solidFill>
+              <a:srgbClr val="C4C4C4"/>
+            </a:solidFill>
+            <a:ln>
+              <a:noFill/>
+            </a:ln>
+          </p:spPr>
+          <p:txBody>
+            <a:bodyPr spcFirstLastPara="1" wrap="square" lIns="121900" tIns="121900" rIns="121900" bIns="121900" anchor="ctr" anchorCtr="0">
+              <a:noAutofit/>
+            </a:bodyPr>
+            <a:lstStyle/>
+            <a:p>
+              <a:endParaRPr sz="2400"/>
+            </a:p>
+          </p:txBody>
+        </p:sp>
+        <p:sp>
+          <p:nvSpPr>
+            <p:cNvPr id="1524" name="Google Shape;1524;p18"/>
+            <p:cNvSpPr/>
+            <p:nvPr/>
+          </p:nvSpPr>
+          <p:spPr>
+            <a:xfrm>
+              <a:off x="3811975" y="3326575"/>
+              <a:ext cx="247025" cy="247050"/>
+            </a:xfrm>
+            <a:custGeom>
+              <a:avLst/>
+              <a:gdLst/>
+              <a:ahLst/>
+              <a:cxnLst/>
+              <a:rect l="l" t="t" r="r" b="b"/>
+              <a:pathLst>
+                <a:path w="9881" h="9882" extrusionOk="0">
+                  <a:moveTo>
+                    <a:pt x="4941" y="539"/>
+                  </a:moveTo>
+                  <a:cubicBezTo>
+                    <a:pt x="7379" y="539"/>
+                    <a:pt x="9374" y="2502"/>
+                    <a:pt x="9374" y="4941"/>
+                  </a:cubicBezTo>
+                  <a:cubicBezTo>
+                    <a:pt x="9374" y="7379"/>
+                    <a:pt x="7379" y="9374"/>
+                    <a:pt x="4941" y="9374"/>
+                  </a:cubicBezTo>
+                  <a:cubicBezTo>
+                    <a:pt x="2502" y="9374"/>
+                    <a:pt x="539" y="7379"/>
+                    <a:pt x="539" y="4941"/>
+                  </a:cubicBezTo>
+                  <a:cubicBezTo>
+                    <a:pt x="539" y="2502"/>
+                    <a:pt x="2502" y="539"/>
+                    <a:pt x="4941" y="539"/>
+                  </a:cubicBezTo>
+                  <a:close/>
+                  <a:moveTo>
+                    <a:pt x="4941" y="0"/>
+                  </a:moveTo>
+                  <a:cubicBezTo>
+                    <a:pt x="2217" y="0"/>
+                    <a:pt x="0" y="2217"/>
+                    <a:pt x="0" y="4941"/>
+                  </a:cubicBezTo>
+                  <a:cubicBezTo>
+                    <a:pt x="0" y="7664"/>
+                    <a:pt x="2217" y="9881"/>
+                    <a:pt x="4941" y="9881"/>
+                  </a:cubicBezTo>
+                  <a:cubicBezTo>
+                    <a:pt x="7664" y="9881"/>
+                    <a:pt x="9881" y="7664"/>
+                    <a:pt x="9881" y="4941"/>
+                  </a:cubicBezTo>
+                  <a:cubicBezTo>
+                    <a:pt x="9881" y="2217"/>
+                    <a:pt x="7664" y="0"/>
+                    <a:pt x="4941" y="0"/>
+                  </a:cubicBezTo>
+                  <a:close/>
+                </a:path>
+              </a:pathLst>
+            </a:custGeom>
+            <a:solidFill>
+              <a:srgbClr val="C4C4C4"/>
+            </a:solidFill>
+            <a:ln>
+              <a:noFill/>
+            </a:ln>
+          </p:spPr>
+          <p:txBody>
+            <a:bodyPr spcFirstLastPara="1" wrap="square" lIns="121900" tIns="121900" rIns="121900" bIns="121900" anchor="ctr" anchorCtr="0">
+              <a:noAutofit/>
+            </a:bodyPr>
+            <a:lstStyle/>
+            <a:p>
+              <a:endParaRPr sz="2400"/>
+            </a:p>
+          </p:txBody>
+        </p:sp>
+        <p:sp>
+          <p:nvSpPr>
+            <p:cNvPr id="1533" name="Google Shape;1533;p18"/>
+            <p:cNvSpPr/>
+            <p:nvPr/>
+          </p:nvSpPr>
+          <p:spPr>
+            <a:xfrm>
+              <a:off x="3633025" y="3284600"/>
+              <a:ext cx="25" cy="467150"/>
+            </a:xfrm>
+            <a:custGeom>
+              <a:avLst/>
+              <a:gdLst/>
+              <a:ahLst/>
+              <a:cxnLst/>
+              <a:rect l="l" t="t" r="r" b="b"/>
+              <a:pathLst>
+                <a:path w="1" h="18686" fill="none" extrusionOk="0">
+                  <a:moveTo>
+                    <a:pt x="1" y="18686"/>
+                  </a:moveTo>
+                  <a:lnTo>
+                    <a:pt x="1" y="1"/>
+                  </a:lnTo>
+                </a:path>
+              </a:pathLst>
+            </a:custGeom>
+            <a:noFill/>
+            <a:ln w="10300" cap="flat" cmpd="sng">
+              <a:solidFill>
+                <a:srgbClr val="CECECE"/>
+              </a:solidFill>
+              <a:prstDash val="solid"/>
+              <a:miter lim="31669"/>
+              <a:headEnd type="none" w="sm" len="sm"/>
+              <a:tailEnd type="none" w="sm" len="sm"/>
+            </a:ln>
+          </p:spPr>
+          <p:txBody>
+            <a:bodyPr spcFirstLastPara="1" wrap="square" lIns="121900" tIns="121900" rIns="121900" bIns="121900" anchor="ctr" anchorCtr="0">
+              <a:noAutofit/>
+            </a:bodyPr>
+            <a:lstStyle/>
+            <a:p>
+              <a:endParaRPr sz="2400"/>
+            </a:p>
+          </p:txBody>
+        </p:sp>
+        <p:sp>
+          <p:nvSpPr>
+            <p:cNvPr id="1534" name="Google Shape;1534;p18"/>
+            <p:cNvSpPr/>
+            <p:nvPr/>
+          </p:nvSpPr>
+          <p:spPr>
+            <a:xfrm>
+              <a:off x="4182500" y="2716950"/>
+              <a:ext cx="467150" cy="25"/>
+            </a:xfrm>
+            <a:custGeom>
+              <a:avLst/>
+              <a:gdLst/>
+              <a:ahLst/>
+              <a:cxnLst/>
+              <a:rect l="l" t="t" r="r" b="b"/>
+              <a:pathLst>
+                <a:path w="18686" h="1" fill="none" extrusionOk="0">
+                  <a:moveTo>
+                    <a:pt x="18685" y="0"/>
+                  </a:moveTo>
+                  <a:lnTo>
+                    <a:pt x="0" y="0"/>
+                  </a:lnTo>
+                </a:path>
+              </a:pathLst>
+            </a:custGeom>
+            <a:noFill/>
+            <a:ln w="10300" cap="flat" cmpd="sng">
+              <a:solidFill>
+                <a:srgbClr val="CECECE"/>
+              </a:solidFill>
+              <a:prstDash val="solid"/>
+              <a:miter lim="31669"/>
+              <a:headEnd type="none" w="sm" len="sm"/>
+              <a:tailEnd type="none" w="sm" len="sm"/>
+            </a:ln>
+          </p:spPr>
+          <p:txBody>
+            <a:bodyPr spcFirstLastPara="1" wrap="square" lIns="121900" tIns="121900" rIns="121900" bIns="121900" anchor="ctr" anchorCtr="0">
+              <a:noAutofit/>
+            </a:bodyPr>
+            <a:lstStyle/>
+            <a:p>
+              <a:endParaRPr sz="2400"/>
+            </a:p>
+          </p:txBody>
+        </p:sp>
+        <p:sp>
+          <p:nvSpPr>
+            <p:cNvPr id="1535" name="Google Shape;1535;p18"/>
+            <p:cNvSpPr/>
+            <p:nvPr/>
+          </p:nvSpPr>
+          <p:spPr>
+            <a:xfrm>
+              <a:off x="3633025" y="1694050"/>
+              <a:ext cx="25" cy="467125"/>
+            </a:xfrm>
+            <a:custGeom>
+              <a:avLst/>
+              <a:gdLst/>
+              <a:ahLst/>
+              <a:cxnLst/>
+              <a:rect l="l" t="t" r="r" b="b"/>
+              <a:pathLst>
+                <a:path w="1" h="18685" fill="none" extrusionOk="0">
+                  <a:moveTo>
+                    <a:pt x="1" y="18685"/>
+                  </a:moveTo>
+                  <a:lnTo>
+                    <a:pt x="1" y="0"/>
+                  </a:lnTo>
+                </a:path>
+              </a:pathLst>
+            </a:custGeom>
+            <a:noFill/>
+            <a:ln w="10300" cap="flat" cmpd="sng">
+              <a:solidFill>
+                <a:srgbClr val="CECECE"/>
+              </a:solidFill>
+              <a:prstDash val="solid"/>
+              <a:miter lim="31669"/>
+              <a:headEnd type="none" w="sm" len="sm"/>
+              <a:tailEnd type="none" w="sm" len="sm"/>
+            </a:ln>
+          </p:spPr>
+          <p:txBody>
+            <a:bodyPr spcFirstLastPara="1" wrap="square" lIns="121900" tIns="121900" rIns="121900" bIns="121900" anchor="ctr" anchorCtr="0">
+              <a:noAutofit/>
+            </a:bodyPr>
+            <a:lstStyle/>
+            <a:p>
+              <a:endParaRPr sz="2400"/>
+            </a:p>
+          </p:txBody>
+        </p:sp>
+        <p:sp>
+          <p:nvSpPr>
+            <p:cNvPr id="1536" name="Google Shape;1536;p18"/>
+            <p:cNvSpPr/>
+            <p:nvPr/>
+          </p:nvSpPr>
+          <p:spPr>
+            <a:xfrm>
+              <a:off x="4025725" y="2005975"/>
+              <a:ext cx="311975" cy="311975"/>
+            </a:xfrm>
+            <a:custGeom>
+              <a:avLst/>
+              <a:gdLst/>
+              <a:ahLst/>
+              <a:cxnLst/>
+              <a:rect l="l" t="t" r="r" b="b"/>
+              <a:pathLst>
+                <a:path w="12479" h="12479" fill="none" extrusionOk="0">
+                  <a:moveTo>
+                    <a:pt x="1" y="12478"/>
+                  </a:moveTo>
+                  <a:lnTo>
+                    <a:pt x="12478" y="1"/>
+                  </a:lnTo>
+                </a:path>
+              </a:pathLst>
+            </a:custGeom>
+            <a:noFill/>
+            <a:ln w="10300" cap="flat" cmpd="sng">
+              <a:solidFill>
+                <a:srgbClr val="CECECE"/>
+              </a:solidFill>
+              <a:prstDash val="solid"/>
+              <a:miter lim="31669"/>
+              <a:headEnd type="none" w="sm" len="sm"/>
+              <a:tailEnd type="none" w="sm" len="sm"/>
+            </a:ln>
+          </p:spPr>
+          <p:txBody>
+            <a:bodyPr spcFirstLastPara="1" wrap="square" lIns="121900" tIns="121900" rIns="121900" bIns="121900" anchor="ctr" anchorCtr="0">
+              <a:noAutofit/>
+            </a:bodyPr>
+            <a:lstStyle/>
+            <a:p>
+              <a:endParaRPr sz="2400"/>
+            </a:p>
+          </p:txBody>
+        </p:sp>
+        <p:sp>
+          <p:nvSpPr>
+            <p:cNvPr id="1537" name="Google Shape;1537;p18"/>
+            <p:cNvSpPr/>
+            <p:nvPr/>
+          </p:nvSpPr>
+          <p:spPr>
+            <a:xfrm>
+              <a:off x="4021775" y="3109650"/>
+              <a:ext cx="311975" cy="311950"/>
+            </a:xfrm>
+            <a:custGeom>
+              <a:avLst/>
+              <a:gdLst/>
+              <a:ahLst/>
+              <a:cxnLst/>
+              <a:rect l="l" t="t" r="r" b="b"/>
+              <a:pathLst>
+                <a:path w="12479" h="12478" fill="none" extrusionOk="0">
+                  <a:moveTo>
+                    <a:pt x="12478" y="12478"/>
+                  </a:moveTo>
+                  <a:lnTo>
+                    <a:pt x="0" y="0"/>
+                  </a:lnTo>
+                </a:path>
+              </a:pathLst>
+            </a:custGeom>
+            <a:noFill/>
+            <a:ln w="10300" cap="flat" cmpd="sng">
+              <a:solidFill>
+                <a:srgbClr val="CECECE"/>
+              </a:solidFill>
+              <a:prstDash val="solid"/>
+              <a:miter lim="31669"/>
+              <a:headEnd type="none" w="sm" len="sm"/>
+              <a:tailEnd type="none" w="sm" len="sm"/>
+            </a:ln>
+          </p:spPr>
+          <p:txBody>
+            <a:bodyPr spcFirstLastPara="1" wrap="square" lIns="121900" tIns="121900" rIns="121900" bIns="121900" anchor="ctr" anchorCtr="0">
+              <a:noAutofit/>
+            </a:bodyPr>
+            <a:lstStyle/>
+            <a:p>
+              <a:endParaRPr sz="2400"/>
+            </a:p>
+          </p:txBody>
+        </p:sp>
+        <p:sp>
+          <p:nvSpPr>
+            <p:cNvPr id="1538" name="Google Shape;1538;p18"/>
+            <p:cNvSpPr/>
+            <p:nvPr/>
+          </p:nvSpPr>
+          <p:spPr>
+            <a:xfrm>
+              <a:off x="4332925" y="2716150"/>
+              <a:ext cx="441025" cy="809950"/>
+            </a:xfrm>
+            <a:custGeom>
+              <a:avLst/>
+              <a:gdLst/>
+              <a:ahLst/>
+              <a:cxnLst/>
+              <a:rect l="l" t="t" r="r" b="b"/>
+              <a:pathLst>
+                <a:path w="17641" h="32398" extrusionOk="0">
+                  <a:moveTo>
+                    <a:pt x="11686" y="1"/>
+                  </a:moveTo>
+                  <a:cubicBezTo>
+                    <a:pt x="11686" y="10990"/>
+                    <a:pt x="7221" y="20965"/>
+                    <a:pt x="0" y="28186"/>
+                  </a:cubicBezTo>
+                  <a:lnTo>
+                    <a:pt x="4212" y="32398"/>
+                  </a:lnTo>
+                  <a:cubicBezTo>
+                    <a:pt x="12510" y="24101"/>
+                    <a:pt x="17640" y="12636"/>
+                    <a:pt x="17640" y="1"/>
+                  </a:cubicBezTo>
+                  <a:close/>
+                </a:path>
+              </a:pathLst>
+            </a:custGeom>
+            <a:solidFill>
+              <a:srgbClr val="F2A365"/>
+            </a:solidFill>
+            <a:ln>
+              <a:noFill/>
+            </a:ln>
+          </p:spPr>
+          <p:txBody>
+            <a:bodyPr spcFirstLastPara="1" wrap="square" lIns="121900" tIns="121900" rIns="121900" bIns="121900" anchor="ctr" anchorCtr="0">
+              <a:noAutofit/>
+            </a:bodyPr>
+            <a:lstStyle/>
+            <a:p>
+              <a:endParaRPr sz="2400"/>
+            </a:p>
+          </p:txBody>
+        </p:sp>
+        <p:sp>
+          <p:nvSpPr>
+            <p:cNvPr id="1539" name="Google Shape;1539;p18"/>
+            <p:cNvSpPr/>
+            <p:nvPr/>
+          </p:nvSpPr>
+          <p:spPr>
+            <a:xfrm>
+              <a:off x="4332125" y="1906225"/>
+              <a:ext cx="441825" cy="809950"/>
+            </a:xfrm>
+            <a:custGeom>
+              <a:avLst/>
+              <a:gdLst/>
+              <a:ahLst/>
+              <a:cxnLst/>
+              <a:rect l="l" t="t" r="r" b="b"/>
+              <a:pathLst>
+                <a:path w="17673" h="32398" extrusionOk="0">
+                  <a:moveTo>
+                    <a:pt x="4244" y="0"/>
+                  </a:moveTo>
+                  <a:lnTo>
+                    <a:pt x="1" y="4212"/>
+                  </a:lnTo>
+                  <a:cubicBezTo>
+                    <a:pt x="7253" y="11433"/>
+                    <a:pt x="11718" y="21409"/>
+                    <a:pt x="11718" y="32398"/>
+                  </a:cubicBezTo>
+                  <a:lnTo>
+                    <a:pt x="17672" y="32398"/>
+                  </a:lnTo>
+                  <a:cubicBezTo>
+                    <a:pt x="17672" y="19762"/>
+                    <a:pt x="12542" y="8298"/>
+                    <a:pt x="4244" y="0"/>
+                  </a:cubicBezTo>
+                  <a:close/>
+                </a:path>
+              </a:pathLst>
+            </a:custGeom>
+            <a:solidFill>
+              <a:srgbClr val="30475E"/>
+            </a:solidFill>
+            <a:ln>
+              <a:noFill/>
+            </a:ln>
+          </p:spPr>
+          <p:txBody>
+            <a:bodyPr spcFirstLastPara="1" wrap="square" lIns="121900" tIns="121900" rIns="121900" bIns="121900" anchor="ctr" anchorCtr="0">
+              <a:noAutofit/>
+            </a:bodyPr>
+            <a:lstStyle/>
+            <a:p>
+              <a:endParaRPr sz="2400"/>
+            </a:p>
+          </p:txBody>
+        </p:sp>
+        <p:sp>
+          <p:nvSpPr>
+            <p:cNvPr id="1540" name="Google Shape;1540;p18"/>
+            <p:cNvSpPr/>
+            <p:nvPr/>
+          </p:nvSpPr>
+          <p:spPr>
+            <a:xfrm>
+              <a:off x="3628275" y="3420775"/>
+              <a:ext cx="809975" cy="441825"/>
+            </a:xfrm>
+            <a:custGeom>
+              <a:avLst/>
+              <a:gdLst/>
+              <a:ahLst/>
+              <a:cxnLst/>
+              <a:rect l="l" t="t" r="r" b="b"/>
+              <a:pathLst>
+                <a:path w="32399" h="17673" extrusionOk="0">
+                  <a:moveTo>
+                    <a:pt x="28186" y="1"/>
+                  </a:moveTo>
+                  <a:cubicBezTo>
+                    <a:pt x="20966" y="7221"/>
+                    <a:pt x="10990" y="11687"/>
+                    <a:pt x="1" y="11687"/>
+                  </a:cubicBezTo>
+                  <a:lnTo>
+                    <a:pt x="1" y="17672"/>
+                  </a:lnTo>
+                  <a:cubicBezTo>
+                    <a:pt x="12637" y="17672"/>
+                    <a:pt x="24101" y="12510"/>
+                    <a:pt x="32398" y="4213"/>
+                  </a:cubicBezTo>
+                  <a:lnTo>
+                    <a:pt x="28186" y="1"/>
+                  </a:lnTo>
+                  <a:close/>
+                </a:path>
+              </a:pathLst>
+            </a:custGeom>
+            <a:solidFill>
+              <a:srgbClr val="222831"/>
+            </a:solidFill>
+            <a:ln>
+              <a:noFill/>
+            </a:ln>
+          </p:spPr>
+          <p:txBody>
+            <a:bodyPr spcFirstLastPara="1" wrap="square" lIns="121900" tIns="121900" rIns="121900" bIns="121900" anchor="ctr" anchorCtr="0">
+              <a:noAutofit/>
+            </a:bodyPr>
+            <a:lstStyle/>
+            <a:p>
+              <a:endParaRPr sz="2400"/>
+            </a:p>
+          </p:txBody>
+        </p:sp>
+      </p:grpSp>
+      <p:sp>
+        <p:nvSpPr>
+          <p:cNvPr id="1542" name="Google Shape;1542;p18"/>
+          <p:cNvSpPr txBox="1"/>
+          <p:nvPr/>
+        </p:nvSpPr>
+        <p:spPr>
+          <a:xfrm>
+            <a:off x="240317" y="1554639"/>
+            <a:ext cx="3216800" cy="473600"/>
+          </a:xfrm>
+          <a:prstGeom prst="rect">
+            <a:avLst/>
+          </a:prstGeom>
+          <a:noFill/>
+          <a:ln>
+            <a:noFill/>
+          </a:ln>
+        </p:spPr>
+        <p:txBody>
+          <a:bodyPr spcFirstLastPara="1" wrap="square" lIns="121900" tIns="121900" rIns="121900" bIns="121900" anchor="ctr" anchorCtr="0">
+            <a:noAutofit/>
+          </a:bodyPr>
+          <a:lstStyle/>
+          <a:p>
+            <a:r>
+              <a:rPr lang="en" sz="3067" dirty="0">
+                <a:solidFill>
+                  <a:srgbClr val="CCCCCC"/>
+                </a:solidFill>
+                <a:latin typeface="Fira Sans Extra Condensed Medium"/>
+                <a:ea typeface="Fira Sans Extra Condensed Medium"/>
+                <a:cs typeface="Fira Sans Extra Condensed Medium"/>
+                <a:sym typeface="Fira Sans Extra Condensed Medium"/>
+              </a:rPr>
+              <a:t>01 – Open Source</a:t>
+            </a:r>
+            <a:endParaRPr sz="3067" dirty="0">
+              <a:solidFill>
+                <a:srgbClr val="CCCCCC"/>
+              </a:solidFill>
+              <a:latin typeface="Fira Sans Extra Condensed Medium"/>
+              <a:ea typeface="Fira Sans Extra Condensed Medium"/>
+              <a:cs typeface="Fira Sans Extra Condensed Medium"/>
+              <a:sym typeface="Fira Sans Extra Condensed Medium"/>
+            </a:endParaRPr>
+          </a:p>
+        </p:txBody>
+      </p:sp>
+      <p:sp>
+        <p:nvSpPr>
+          <p:cNvPr id="1544" name="Google Shape;1544;p18"/>
+          <p:cNvSpPr txBox="1"/>
+          <p:nvPr/>
+        </p:nvSpPr>
+        <p:spPr>
+          <a:xfrm>
+            <a:off x="240327" y="2913805"/>
+            <a:ext cx="3216800" cy="473600"/>
+          </a:xfrm>
+          <a:prstGeom prst="rect">
+            <a:avLst/>
+          </a:prstGeom>
+          <a:noFill/>
+          <a:ln>
+            <a:noFill/>
+          </a:ln>
+        </p:spPr>
+        <p:txBody>
+          <a:bodyPr spcFirstLastPara="1" wrap="square" lIns="121900" tIns="121900" rIns="121900" bIns="121900" anchor="ctr" anchorCtr="0">
+            <a:noAutofit/>
+          </a:bodyPr>
+          <a:lstStyle/>
+          <a:p>
+            <a:r>
+              <a:rPr lang="en" sz="3067" dirty="0">
+                <a:solidFill>
+                  <a:srgbClr val="30475E"/>
+                </a:solidFill>
+                <a:latin typeface="Fira Sans Extra Condensed Medium"/>
+                <a:ea typeface="Fira Sans Extra Condensed Medium"/>
+                <a:cs typeface="Fira Sans Extra Condensed Medium"/>
+                <a:sym typeface="Fira Sans Extra Condensed Medium"/>
+              </a:rPr>
+              <a:t>02 – Lightweight</a:t>
+            </a:r>
+            <a:endParaRPr sz="3067" dirty="0">
+              <a:solidFill>
+                <a:srgbClr val="30475E"/>
+              </a:solidFill>
+              <a:latin typeface="Fira Sans Extra Condensed Medium"/>
+              <a:ea typeface="Fira Sans Extra Condensed Medium"/>
+              <a:cs typeface="Fira Sans Extra Condensed Medium"/>
+              <a:sym typeface="Fira Sans Extra Condensed Medium"/>
+            </a:endParaRPr>
+          </a:p>
+        </p:txBody>
+      </p:sp>
+      <p:sp>
+        <p:nvSpPr>
+          <p:cNvPr id="1546" name="Google Shape;1546;p18"/>
+          <p:cNvSpPr txBox="1"/>
+          <p:nvPr/>
+        </p:nvSpPr>
+        <p:spPr>
+          <a:xfrm>
+            <a:off x="240327" y="4243805"/>
+            <a:ext cx="3216800" cy="473600"/>
+          </a:xfrm>
+          <a:prstGeom prst="rect">
+            <a:avLst/>
+          </a:prstGeom>
+          <a:noFill/>
+          <a:ln>
+            <a:noFill/>
+          </a:ln>
+        </p:spPr>
+        <p:txBody>
+          <a:bodyPr spcFirstLastPara="1" wrap="square" lIns="121900" tIns="121900" rIns="121900" bIns="121900" anchor="ctr" anchorCtr="0">
+            <a:noAutofit/>
+          </a:bodyPr>
+          <a:lstStyle/>
+          <a:p>
+            <a:r>
+              <a:rPr lang="en" sz="3067" dirty="0">
+                <a:solidFill>
+                  <a:srgbClr val="F2A365"/>
+                </a:solidFill>
+                <a:latin typeface="Fira Sans Extra Condensed Medium"/>
+                <a:ea typeface="Fira Sans Extra Condensed Medium"/>
+                <a:cs typeface="Fira Sans Extra Condensed Medium"/>
+                <a:sym typeface="Fira Sans Extra Condensed Medium"/>
+              </a:rPr>
+              <a:t>03 - RDBMS </a:t>
+            </a:r>
+            <a:endParaRPr sz="3067" dirty="0">
+              <a:solidFill>
+                <a:srgbClr val="F2A365"/>
+              </a:solidFill>
+              <a:latin typeface="Fira Sans Extra Condensed Medium"/>
+              <a:ea typeface="Fira Sans Extra Condensed Medium"/>
+              <a:cs typeface="Fira Sans Extra Condensed Medium"/>
+              <a:sym typeface="Fira Sans Extra Condensed Medium"/>
+            </a:endParaRPr>
+          </a:p>
+        </p:txBody>
+      </p:sp>
+      <p:sp>
+        <p:nvSpPr>
+          <p:cNvPr id="1548" name="Google Shape;1548;p18"/>
+          <p:cNvSpPr txBox="1"/>
+          <p:nvPr/>
+        </p:nvSpPr>
+        <p:spPr>
+          <a:xfrm>
+            <a:off x="240317" y="5573805"/>
+            <a:ext cx="3216800" cy="473600"/>
+          </a:xfrm>
+          <a:prstGeom prst="rect">
+            <a:avLst/>
+          </a:prstGeom>
+          <a:noFill/>
+          <a:ln>
+            <a:noFill/>
+          </a:ln>
+        </p:spPr>
+        <p:txBody>
+          <a:bodyPr spcFirstLastPara="1" wrap="square" lIns="121900" tIns="121900" rIns="121900" bIns="121900" anchor="ctr" anchorCtr="0">
+            <a:noAutofit/>
+          </a:bodyPr>
+          <a:lstStyle/>
+          <a:p>
+            <a:r>
+              <a:rPr lang="en" sz="3067" dirty="0">
+                <a:solidFill>
+                  <a:srgbClr val="222831"/>
+                </a:solidFill>
+                <a:latin typeface="Fira Sans Extra Condensed Medium"/>
+                <a:ea typeface="Fira Sans Extra Condensed Medium"/>
+                <a:cs typeface="Fira Sans Extra Condensed Medium"/>
+                <a:sym typeface="Fira Sans Extra Condensed Medium"/>
+              </a:rPr>
+              <a:t>04 - Embedded</a:t>
+            </a:r>
+            <a:endParaRPr sz="3067" dirty="0">
+              <a:solidFill>
+                <a:srgbClr val="222831"/>
+              </a:solidFill>
+              <a:latin typeface="Fira Sans Extra Condensed Medium"/>
+              <a:ea typeface="Fira Sans Extra Condensed Medium"/>
+              <a:cs typeface="Fira Sans Extra Condensed Medium"/>
+              <a:sym typeface="Fira Sans Extra Condensed Medium"/>
+            </a:endParaRPr>
+          </a:p>
+        </p:txBody>
+      </p:sp>
+      <p:cxnSp>
+        <p:nvCxnSpPr>
+          <p:cNvPr id="1550" name="Google Shape;1550;p18"/>
+          <p:cNvCxnSpPr/>
+          <p:nvPr/>
+        </p:nvCxnSpPr>
+        <p:spPr>
+          <a:xfrm>
+            <a:off x="297235" y="1996108"/>
+            <a:ext cx="396800" cy="0"/>
+          </a:xfrm>
+          <a:prstGeom prst="straightConnector1">
+            <a:avLst/>
+          </a:prstGeom>
+          <a:noFill/>
+          <a:ln w="9525" cap="flat" cmpd="sng">
+            <a:solidFill>
+              <a:srgbClr val="434343"/>
+            </a:solidFill>
+            <a:prstDash val="solid"/>
+            <a:round/>
+            <a:headEnd type="none" w="med" len="med"/>
+            <a:tailEnd type="none" w="med" len="med"/>
+          </a:ln>
+        </p:spPr>
+      </p:cxnSp>
+      <p:cxnSp>
+        <p:nvCxnSpPr>
+          <p:cNvPr id="1551" name="Google Shape;1551;p18"/>
+          <p:cNvCxnSpPr/>
+          <p:nvPr/>
+        </p:nvCxnSpPr>
+        <p:spPr>
+          <a:xfrm>
+            <a:off x="334651" y="3387405"/>
+            <a:ext cx="396800" cy="0"/>
+          </a:xfrm>
+          <a:prstGeom prst="straightConnector1">
+            <a:avLst/>
+          </a:prstGeom>
+          <a:noFill/>
+          <a:ln w="9525" cap="flat" cmpd="sng">
+            <a:solidFill>
+              <a:schemeClr val="dk2"/>
+            </a:solidFill>
+            <a:prstDash val="solid"/>
+            <a:round/>
+            <a:headEnd type="none" w="med" len="med"/>
+            <a:tailEnd type="none" w="med" len="med"/>
+          </a:ln>
+        </p:spPr>
+      </p:cxnSp>
+      <p:cxnSp>
+        <p:nvCxnSpPr>
+          <p:cNvPr id="1552" name="Google Shape;1552;p18"/>
+          <p:cNvCxnSpPr/>
+          <p:nvPr/>
+        </p:nvCxnSpPr>
+        <p:spPr>
+          <a:xfrm>
+            <a:off x="334651" y="4717405"/>
+            <a:ext cx="396800" cy="0"/>
+          </a:xfrm>
+          <a:prstGeom prst="straightConnector1">
+            <a:avLst/>
+          </a:prstGeom>
+          <a:noFill/>
+          <a:ln w="9525" cap="flat" cmpd="sng">
+            <a:solidFill>
+              <a:schemeClr val="dk2"/>
+            </a:solidFill>
+            <a:prstDash val="solid"/>
+            <a:round/>
+            <a:headEnd type="none" w="med" len="med"/>
+            <a:tailEnd type="none" w="med" len="med"/>
+          </a:ln>
+        </p:spPr>
+      </p:cxnSp>
+      <p:cxnSp>
+        <p:nvCxnSpPr>
+          <p:cNvPr id="1553" name="Google Shape;1553;p18"/>
+          <p:cNvCxnSpPr/>
+          <p:nvPr/>
+        </p:nvCxnSpPr>
+        <p:spPr>
+          <a:xfrm>
+            <a:off x="334651" y="6047405"/>
+            <a:ext cx="396800" cy="0"/>
+          </a:xfrm>
+          <a:prstGeom prst="straightConnector1">
+            <a:avLst/>
+          </a:prstGeom>
+          <a:noFill/>
+          <a:ln w="9525" cap="flat" cmpd="sng">
+            <a:solidFill>
+              <a:schemeClr val="dk2"/>
+            </a:solidFill>
+            <a:prstDash val="solid"/>
+            <a:round/>
+            <a:headEnd type="none" w="med" len="med"/>
+            <a:tailEnd type="none" w="med" len="med"/>
+          </a:ln>
+        </p:spPr>
+      </p:cxnSp>
+      <p:sp>
+        <p:nvSpPr>
+          <p:cNvPr id="3" name="TextBox 2">
+            <a:extLst>
+              <a:ext uri="{FF2B5EF4-FFF2-40B4-BE49-F238E27FC236}">
+                <a16:creationId xmlns:a16="http://schemas.microsoft.com/office/drawing/2014/main" id="{9D92ADC5-C034-53CA-00CF-5C4D7216EB23}"/>
+              </a:ext>
+            </a:extLst>
+          </p:cNvPr>
+          <p:cNvSpPr txBox="1"/>
+          <p:nvPr/>
+        </p:nvSpPr>
+        <p:spPr>
+          <a:xfrm>
+            <a:off x="363792" y="554605"/>
+            <a:ext cx="3216800" cy="646331"/>
+          </a:xfrm>
+          <a:prstGeom prst="rect">
+            <a:avLst/>
+          </a:prstGeom>
+          <a:noFill/>
+        </p:spPr>
+        <p:txBody>
+          <a:bodyPr wrap="square">
+            <a:spAutoFit/>
+          </a:bodyPr>
+          <a:lstStyle/>
+          <a:p>
+            <a:pPr marL="0" lvl="0" indent="0" algn="ctr" rtl="0">
+              <a:spcBef>
+                <a:spcPts val="0"/>
+              </a:spcBef>
+              <a:spcAft>
+                <a:spcPts val="0"/>
+              </a:spcAft>
+              <a:buNone/>
+            </a:pPr>
+            <a:r>
+              <a:rPr lang="en-GB" sz="3600" b="1" dirty="0">
+                <a:latin typeface="Fira Sans Medium"/>
+                <a:ea typeface="Fira Sans Medium"/>
+                <a:cs typeface="Fira Sans Medium"/>
+                <a:sym typeface="Fira Sans Medium"/>
+              </a:rPr>
+              <a:t>Why SQLite?</a:t>
+            </a:r>
+          </a:p>
+        </p:txBody>
+      </p:sp>
+      <p:pic>
+        <p:nvPicPr>
+          <p:cNvPr id="5" name="Picture 4" descr="Shape&#10;&#10;Description automatically generated with low confidence">
+            <a:extLst>
+              <a:ext uri="{FF2B5EF4-FFF2-40B4-BE49-F238E27FC236}">
+                <a16:creationId xmlns:a16="http://schemas.microsoft.com/office/drawing/2014/main" id="{2B0A8218-3F36-0158-5913-ABE331A8FF5C}"/>
+              </a:ext>
+            </a:extLst>
+          </p:cNvPr>
+          <p:cNvPicPr>
+            <a:picLocks noChangeAspect="1"/>
+          </p:cNvPicPr>
+          <p:nvPr/>
+        </p:nvPicPr>
+        <p:blipFill>
+          <a:blip r:embed="rId3">
+            <a:lum bright="70000" contrast="-70000"/>
+            <a:extLst>
+              <a:ext uri="{28A0092B-C50C-407E-A947-70E740481C1C}">
+                <a14:useLocalDpi xmlns:a14="http://schemas.microsoft.com/office/drawing/2010/main" val="0"/>
+              </a:ext>
+            </a:extLst>
+          </a:blip>
+          <a:stretch>
+            <a:fillRect/>
+          </a:stretch>
+        </p:blipFill>
+        <p:spPr>
+          <a:xfrm>
+            <a:off x="5381434" y="4985124"/>
+            <a:ext cx="356400" cy="356400"/>
+          </a:xfrm>
+          <a:prstGeom prst="rect">
+            <a:avLst/>
+          </a:prstGeom>
+        </p:spPr>
+      </p:pic>
+      <p:pic>
+        <p:nvPicPr>
+          <p:cNvPr id="7" name="Picture 6" descr="Icon&#10;&#10;Description automatically generated">
+            <a:extLst>
+              <a:ext uri="{FF2B5EF4-FFF2-40B4-BE49-F238E27FC236}">
+                <a16:creationId xmlns:a16="http://schemas.microsoft.com/office/drawing/2014/main" id="{691068E9-7675-EB6E-7476-90BA6EFEA98F}"/>
+              </a:ext>
+            </a:extLst>
+          </p:cNvPr>
+          <p:cNvPicPr>
+            <a:picLocks noChangeAspect="1"/>
+          </p:cNvPicPr>
+          <p:nvPr/>
+        </p:nvPicPr>
+        <p:blipFill>
+          <a:blip r:embed="rId4">
+            <a:extLst>
+              <a:ext uri="{28A0092B-C50C-407E-A947-70E740481C1C}">
+                <a14:useLocalDpi xmlns:a14="http://schemas.microsoft.com/office/drawing/2010/main" val="0"/>
+              </a:ext>
+            </a:extLst>
+          </a:blip>
+          <a:stretch>
+            <a:fillRect/>
+          </a:stretch>
+        </p:blipFill>
+        <p:spPr>
+          <a:xfrm>
+            <a:off x="5504835" y="2654050"/>
+            <a:ext cx="1544457" cy="1544457"/>
+          </a:xfrm>
+          <a:prstGeom prst="rect">
+            <a:avLst/>
+          </a:prstGeom>
+        </p:spPr>
+      </p:pic>
+      <p:sp>
+        <p:nvSpPr>
+          <p:cNvPr id="8" name="TextBox 7">
+            <a:extLst>
+              <a:ext uri="{FF2B5EF4-FFF2-40B4-BE49-F238E27FC236}">
+                <a16:creationId xmlns:a16="http://schemas.microsoft.com/office/drawing/2014/main" id="{D8D242F7-76B5-B83A-CA33-61797D7D7C1A}"/>
+              </a:ext>
+            </a:extLst>
+          </p:cNvPr>
+          <p:cNvSpPr txBox="1"/>
+          <p:nvPr/>
+        </p:nvSpPr>
+        <p:spPr>
+          <a:xfrm>
+            <a:off x="8010987" y="2031594"/>
+            <a:ext cx="3187918" cy="2862000"/>
+          </a:xfrm>
+          <a:prstGeom prst="rect">
+            <a:avLst/>
+          </a:prstGeom>
+          <a:effectLst>
+            <a:outerShdw blurRad="50800" dist="38100" dir="2700000" algn="tl" rotWithShape="0">
+              <a:prstClr val="black">
+                <a:alpha val="40000"/>
+              </a:prstClr>
+            </a:outerShdw>
+          </a:effectLst>
+        </p:spPr>
+        <p:style>
+          <a:lnRef idx="2">
+            <a:schemeClr val="accent1"/>
+          </a:lnRef>
+          <a:fillRef idx="1">
+            <a:schemeClr val="lt1"/>
+          </a:fillRef>
+          <a:effectRef idx="0">
+            <a:schemeClr val="accent1"/>
+          </a:effectRef>
+          <a:fontRef idx="minor">
+            <a:schemeClr val="dk1"/>
+          </a:fontRef>
+        </p:style>
+        <p:txBody>
+          <a:bodyPr wrap="square" rtlCol="0">
+            <a:spAutoFit/>
+          </a:bodyPr>
+          <a:lstStyle/>
+          <a:p>
+            <a:r>
+              <a:rPr lang="en-GB" sz="1800" dirty="0">
+                <a:effectLst/>
+                <a:latin typeface="Helvetica Neue" panose="02000503000000020004" pitchFamily="2" charset="0"/>
+              </a:rPr>
+              <a:t>Often used in:</a:t>
+            </a:r>
+          </a:p>
+          <a:p>
+            <a:pPr marL="285750" indent="-285750">
+              <a:buFont typeface="Courier New" panose="02070309020205020404" pitchFamily="49" charset="0"/>
+              <a:buChar char="o"/>
+            </a:pPr>
+            <a:endParaRPr lang="en-GB" sz="1800" dirty="0">
+              <a:effectLst/>
+              <a:latin typeface="Helvetica Neue" panose="02000503000000020004" pitchFamily="2" charset="0"/>
+            </a:endParaRPr>
+          </a:p>
+          <a:p>
+            <a:pPr marL="742950" lvl="1" indent="-285750">
+              <a:buFont typeface="Courier New" panose="02070309020205020404" pitchFamily="49" charset="0"/>
+              <a:buChar char="o"/>
+            </a:pPr>
+            <a:r>
+              <a:rPr lang="en-GB" dirty="0">
+                <a:latin typeface="Helvetica Neue" panose="02000503000000020004" pitchFamily="2" charset="0"/>
+              </a:rPr>
+              <a:t>M</a:t>
+            </a:r>
+            <a:r>
+              <a:rPr lang="en-GB" dirty="0">
+                <a:effectLst/>
+                <a:latin typeface="Helvetica Neue" panose="02000503000000020004" pitchFamily="2" charset="0"/>
+              </a:rPr>
+              <a:t>obile applications </a:t>
+            </a:r>
+          </a:p>
+          <a:p>
+            <a:pPr marL="285750" indent="-285750">
+              <a:buFont typeface="Courier New" panose="02070309020205020404" pitchFamily="49" charset="0"/>
+              <a:buChar char="o"/>
+            </a:pPr>
+            <a:endParaRPr lang="en-GB" sz="1800" dirty="0">
+              <a:latin typeface="Helvetica Neue" panose="02000503000000020004" pitchFamily="2" charset="0"/>
+            </a:endParaRPr>
+          </a:p>
+          <a:p>
+            <a:pPr marL="742950" lvl="1" indent="-285750">
+              <a:buFont typeface="Courier New" panose="02070309020205020404" pitchFamily="49" charset="0"/>
+              <a:buChar char="o"/>
+            </a:pPr>
+            <a:r>
+              <a:rPr lang="en-GB" dirty="0">
+                <a:latin typeface="Helvetica Neue" panose="02000503000000020004" pitchFamily="2" charset="0"/>
+              </a:rPr>
+              <a:t>Web development</a:t>
+            </a:r>
+          </a:p>
+          <a:p>
+            <a:pPr marL="285750" indent="-285750">
+              <a:buFont typeface="Courier New" panose="02070309020205020404" pitchFamily="49" charset="0"/>
+              <a:buChar char="o"/>
+            </a:pPr>
+            <a:endParaRPr lang="en-GB" sz="1800" dirty="0">
+              <a:effectLst/>
+              <a:latin typeface="Helvetica Neue" panose="02000503000000020004" pitchFamily="2" charset="0"/>
+            </a:endParaRPr>
+          </a:p>
+          <a:p>
+            <a:pPr marL="742950" lvl="1" indent="-285750">
+              <a:buFont typeface="Courier New" panose="02070309020205020404" pitchFamily="49" charset="0"/>
+              <a:buChar char="o"/>
+            </a:pPr>
+            <a:r>
+              <a:rPr lang="en-GB" dirty="0">
+                <a:effectLst/>
+                <a:latin typeface="Helvetica Neue" panose="02000503000000020004" pitchFamily="2" charset="0"/>
+              </a:rPr>
+              <a:t>Embedded systems</a:t>
+            </a:r>
+          </a:p>
+          <a:p>
+            <a:pPr marL="285750" indent="-285750">
+              <a:buFont typeface="Courier New" panose="02070309020205020404" pitchFamily="49" charset="0"/>
+              <a:buChar char="o"/>
+            </a:pPr>
+            <a:endParaRPr lang="en-GB" sz="1800" dirty="0">
+              <a:effectLst/>
+              <a:latin typeface="Helvetica Neue" panose="02000503000000020004" pitchFamily="2" charset="0"/>
+            </a:endParaRPr>
+          </a:p>
+          <a:p>
+            <a:pPr marL="742950" lvl="1" indent="-285750">
+              <a:buFont typeface="Courier New" panose="02070309020205020404" pitchFamily="49" charset="0"/>
+              <a:buChar char="o"/>
+            </a:pPr>
+            <a:r>
+              <a:rPr lang="en-GB" dirty="0">
+                <a:effectLst/>
+                <a:latin typeface="Helvetica Neue" panose="02000503000000020004" pitchFamily="2" charset="0"/>
+              </a:rPr>
+              <a:t>Desktop applications</a:t>
+            </a:r>
+          </a:p>
+          <a:p>
+            <a:pPr marL="285750" indent="-285750">
+              <a:buFont typeface="Courier New" panose="02070309020205020404" pitchFamily="49" charset="0"/>
+              <a:buChar char="o"/>
+            </a:pPr>
+            <a:endParaRPr lang="en-NL" dirty="0"/>
+          </a:p>
+        </p:txBody>
+      </p:sp>
+    </p:spTree>
+  </p:cSld>
+  <p:clrMapOvr>
+    <a:masterClrMapping/>
+  </p:clrMapOvr>
+  <p:timing>
+    <p:tnLst>
+      <p:par>
+        <p:cTn id="1" dur="indefinite" restart="never" nodeType="tmRoot">
+          <p:childTnLst>
+            <p:seq concurrent="1" nextAc="seek">
+              <p:cTn id="2" dur="indefinite" nodeType="mainSeq">
+                <p:childTnLst>
+                  <p:par>
+                    <p:cTn id="3" fill="hold">
+                      <p:stCondLst>
+                        <p:cond delay="indefinite"/>
+                        <p:cond evt="onBegin" delay="0">
+                          <p:tn val="2"/>
+                        </p:cond>
+                      </p:stCondLst>
+                      <p:childTnLst>
+                        <p:par>
+                          <p:cTn id="4" fill="hold">
+                            <p:stCondLst>
+                              <p:cond delay="0"/>
+                            </p:stCondLst>
+                            <p:childTnLst>
+                              <p:par>
+                                <p:cTn id="5" presetID="1" presetClass="exit" presetSubtype="0" fill="hold" grpId="0" nodeType="withEffect">
+                                  <p:stCondLst>
+                                    <p:cond delay="0"/>
+                                  </p:stCondLst>
+                                  <p:childTnLst>
+                                    <p:set>
+                                      <p:cBhvr>
+                                        <p:cTn id="6" dur="1" fill="hold">
+                                          <p:stCondLst>
+                                            <p:cond delay="0"/>
+                                          </p:stCondLst>
+                                        </p:cTn>
+                                        <p:tgtEl>
+                                          <p:spTgt spid="8"/>
+                                        </p:tgtEl>
+                                        <p:attrNameLst>
+                                          <p:attrName>style.visibility</p:attrName>
+                                        </p:attrNameLst>
+                                      </p:cBhvr>
+                                      <p:to>
+                                        <p:strVal val="hidden"/>
+                                      </p:to>
+                                    </p:set>
+                                  </p:childTnLst>
+                                </p:cTn>
+                              </p:par>
+                            </p:childTnLst>
+                          </p:cTn>
+                        </p:par>
+                      </p:childTnLst>
+                    </p:cTn>
+                  </p:par>
+                  <p:par>
+                    <p:cTn id="7" fill="hold">
+                      <p:stCondLst>
+                        <p:cond delay="indefinite"/>
+                      </p:stCondLst>
+                      <p:childTnLst>
+                        <p:par>
+                          <p:cTn id="8" fill="hold">
+                            <p:stCondLst>
+                              <p:cond delay="0"/>
+                            </p:stCondLst>
+                            <p:childTnLst>
+                              <p:par>
+                                <p:cTn id="9" presetID="9" presetClass="entr" presetSubtype="0" fill="hold" grpId="1" nodeType="clickEffect">
+                                  <p:stCondLst>
+                                    <p:cond delay="0"/>
+                                  </p:stCondLst>
+                                  <p:childTnLst>
+                                    <p:set>
+                                      <p:cBhvr>
+                                        <p:cTn id="10" dur="1" fill="hold">
+                                          <p:stCondLst>
+                                            <p:cond delay="0"/>
+                                          </p:stCondLst>
+                                        </p:cTn>
+                                        <p:tgtEl>
+                                          <p:spTgt spid="8"/>
+                                        </p:tgtEl>
+                                        <p:attrNameLst>
+                                          <p:attrName>style.visibility</p:attrName>
+                                        </p:attrNameLst>
+                                      </p:cBhvr>
+                                      <p:to>
+                                        <p:strVal val="visible"/>
+                                      </p:to>
+                                    </p:set>
+                                    <p:animEffect transition="in" filter="dissolve">
+                                      <p:cBhvr>
+                                        <p:cTn id="11" dur="500"/>
+                                        <p:tgtEl>
+                                          <p:spTgt spid="8"/>
+                                        </p:tgtEl>
+                                      </p:cBhvr>
+                                    </p:animEffect>
+                                  </p:childTnLst>
+                                </p:cTn>
+                              </p:par>
+                            </p:childTnLst>
+                          </p:cTn>
+                        </p:par>
+                      </p:childTnLst>
+                    </p:cTn>
+                  </p:par>
+                </p:childTnLst>
+              </p:cTn>
+              <p:prevCondLst>
+                <p:cond evt="onPrev" delay="0">
+                  <p:tgtEl>
+                    <p:sldTgt/>
+                  </p:tgtEl>
+                </p:cond>
+              </p:prevCondLst>
+              <p:nextCondLst>
+                <p:cond evt="onNext" delay="0">
+                  <p:tgtEl>
+                    <p:sldTgt/>
+                  </p:tgtEl>
+                </p:cond>
+              </p:nextCondLst>
+            </p:seq>
+          </p:childTnLst>
+        </p:cTn>
+      </p:par>
+    </p:tnLst>
+    <p:bldLst>
+      <p:bldP spid="8" grpId="0" animBg="1"/>
+      <p:bldP spid="8" grpId="1" animBg="1"/>
+    </p:bldLst>
+  </p:timing>
+</p:sld>
+</file>
+
+<file path=ppt/slides/slide4.xml><?xml version="1.0" encoding="utf-8"?>
+<p:sld xmlns:a="http://schemas.openxmlformats.org/drawingml/2006/main" xmlns:r="http://schemas.openxmlformats.org/officeDocument/2006/relationships" xmlns:p="http://schemas.openxmlformats.org/presentationml/2006/main">
+  <p:cSld>
+    <p:spTree>
+      <p:nvGrpSpPr>
         <p:cNvPr id="1" name=""/>
         <p:cNvGrpSpPr/>
         <p:nvPr/>
@@ -11766,7 +11641,7 @@
           <a:p>
             <a:r>
               <a:rPr lang="en-GB" dirty="0"/>
-              <a:t>Why SQLite? (Problem before it ) </a:t>
+              <a:t>Why SQLite?</a:t>
             </a:r>
           </a:p>
         </p:txBody>
@@ -11965,161 +11840,6 @@
     <p:extLst>
       <p:ext uri="{BB962C8B-B14F-4D97-AF65-F5344CB8AC3E}">
         <p14:creationId xmlns:p14="http://schemas.microsoft.com/office/powerpoint/2010/main" val="3823489692"/>
-      </p:ext>
-    </p:extLst>
-  </p:cSld>
-  <p:clrMapOvr>
-    <a:masterClrMapping/>
-  </p:clrMapOvr>
-</p:sld>
-</file>
-
-<file path=ppt/slides/slide4.xml><?xml version="1.0" encoding="utf-8"?>
-<p:sld xmlns:a="http://schemas.openxmlformats.org/drawingml/2006/main" xmlns:r="http://schemas.openxmlformats.org/officeDocument/2006/relationships" xmlns:p="http://schemas.openxmlformats.org/presentationml/2006/main">
-  <p:cSld>
-    <p:spTree>
-      <p:nvGrpSpPr>
-        <p:cNvPr id="1" name=""/>
-        <p:cNvGrpSpPr/>
-        <p:nvPr/>
-      </p:nvGrpSpPr>
-      <p:grpSpPr>
-        <a:xfrm>
-          <a:off x="0" y="0"/>
-          <a:ext cx="0" cy="0"/>
-          <a:chOff x="0" y="0"/>
-          <a:chExt cx="0" cy="0"/>
-        </a:xfrm>
-      </p:grpSpPr>
-      <p:sp>
-        <p:nvSpPr>
-          <p:cNvPr id="2" name="Title 1">
-            <a:extLst>
-              <a:ext uri="{FF2B5EF4-FFF2-40B4-BE49-F238E27FC236}">
-                <a16:creationId xmlns:a16="http://schemas.microsoft.com/office/drawing/2014/main" id="{6BEFF12F-249E-A5F2-924E-3F981ADD7706}"/>
-              </a:ext>
-            </a:extLst>
-          </p:cNvPr>
-          <p:cNvSpPr>
-            <a:spLocks noGrp="1"/>
-          </p:cNvSpPr>
-          <p:nvPr>
-            <p:ph type="title"/>
-          </p:nvPr>
-        </p:nvSpPr>
-        <p:spPr/>
-        <p:txBody>
-          <a:bodyPr/>
-          <a:lstStyle/>
-          <a:p>
-            <a:r>
-              <a:rPr lang="en-GB" dirty="0"/>
-              <a:t>Principles of SQLite</a:t>
-            </a:r>
-          </a:p>
-        </p:txBody>
-      </p:sp>
-      <p:sp>
-        <p:nvSpPr>
-          <p:cNvPr id="3" name="Content Placeholder 2">
-            <a:extLst>
-              <a:ext uri="{FF2B5EF4-FFF2-40B4-BE49-F238E27FC236}">
-                <a16:creationId xmlns:a16="http://schemas.microsoft.com/office/drawing/2014/main" id="{30F0EAF9-66AE-0DD5-0C9D-341E4053F2EB}"/>
-              </a:ext>
-            </a:extLst>
-          </p:cNvPr>
-          <p:cNvSpPr>
-            <a:spLocks noGrp="1"/>
-          </p:cNvSpPr>
-          <p:nvPr>
-            <p:ph idx="1"/>
-          </p:nvPr>
-        </p:nvSpPr>
-        <p:spPr/>
-        <p:txBody>
-          <a:bodyPr vert="horz" lIns="0" tIns="0" rIns="0" bIns="0" rtlCol="0" anchor="t">
-            <a:normAutofit/>
-          </a:bodyPr>
-          <a:lstStyle/>
-          <a:p>
-            <a:r>
-              <a:rPr lang="en-GB" dirty="0">
-                <a:solidFill>
-                  <a:srgbClr val="FFFFFF">
-                    <a:alpha val="58000"/>
-                  </a:srgbClr>
-                </a:solidFill>
-              </a:rPr>
-              <a:t>With</a:t>
-            </a:r>
-            <a:r>
-              <a:rPr lang="en-GB" dirty="0">
-                <a:solidFill>
-                  <a:schemeClr val="tx1">
-                    <a:alpha val="58000"/>
-                  </a:schemeClr>
-                </a:solidFill>
-              </a:rPr>
-              <a:t> Serverless, Transactional (ACID ) and </a:t>
-            </a:r>
-            <a:r>
-              <a:rPr lang="en-GB" dirty="0" err="1">
-                <a:solidFill>
-                  <a:schemeClr val="tx1">
-                    <a:alpha val="58000"/>
-                  </a:schemeClr>
-                </a:solidFill>
-              </a:rPr>
-              <a:t>Fortless</a:t>
-            </a:r>
-            <a:r>
-              <a:rPr lang="en-GB" dirty="0">
-                <a:solidFill>
-                  <a:schemeClr val="tx1">
-                    <a:alpha val="58000"/>
-                  </a:schemeClr>
-                </a:solidFill>
-              </a:rPr>
-              <a:t>, Cross </a:t>
-            </a:r>
-            <a:r>
-              <a:rPr lang="en-GB" dirty="0" err="1">
-                <a:solidFill>
-                  <a:schemeClr val="tx1">
-                    <a:alpha val="58000"/>
-                  </a:schemeClr>
-                </a:solidFill>
-              </a:rPr>
-              <a:t>platfrom</a:t>
-            </a:r>
-            <a:r>
-              <a:rPr lang="en-GB" dirty="0">
-                <a:solidFill>
-                  <a:schemeClr val="tx1">
-                    <a:alpha val="58000"/>
-                  </a:schemeClr>
-                </a:solidFill>
-              </a:rPr>
-              <a:t>, No configuration required </a:t>
-            </a:r>
-            <a:r>
-              <a:rPr lang="en-GB" dirty="0">
-                <a:solidFill>
-                  <a:srgbClr val="FFFFFF">
-                    <a:alpha val="58000"/>
-                  </a:srgbClr>
-                </a:solidFill>
-              </a:rPr>
-              <a:t>to history slide later </a:t>
-            </a:r>
-            <a:endParaRPr lang="en-GB" dirty="0"/>
-          </a:p>
-        </p:txBody>
-      </p:sp>
-    </p:spTree>
-    <p:extLst>
-      <p:ext uri="{BB962C8B-B14F-4D97-AF65-F5344CB8AC3E}">
-        <p14:creationId xmlns:p14="http://schemas.microsoft.com/office/powerpoint/2010/main" val="920567303"/>
       </p:ext>
     </p:extLst>
   </p:cSld>
@@ -12197,6 +11917,141 @@
           </a:bodyPr>
           <a:lstStyle/>
           <a:p>
+            <a:r>
+              <a:rPr lang="en-GB" dirty="0">
+                <a:solidFill>
+                  <a:srgbClr val="FFFFFF">
+                    <a:alpha val="58000"/>
+                  </a:srgbClr>
+                </a:solidFill>
+              </a:rPr>
+              <a:t>With</a:t>
+            </a:r>
+            <a:r>
+              <a:rPr lang="en-GB" dirty="0">
+                <a:solidFill>
+                  <a:schemeClr val="tx1">
+                    <a:alpha val="58000"/>
+                  </a:schemeClr>
+                </a:solidFill>
+              </a:rPr>
+              <a:t> Serverless, Transactional (ACID ) and Faultless, Cross </a:t>
+            </a:r>
+            <a:r>
+              <a:rPr lang="en-GB" dirty="0" err="1">
+                <a:solidFill>
+                  <a:schemeClr val="tx1">
+                    <a:alpha val="58000"/>
+                  </a:schemeClr>
+                </a:solidFill>
+              </a:rPr>
+              <a:t>platfrom</a:t>
+            </a:r>
+            <a:r>
+              <a:rPr lang="en-GB" dirty="0">
+                <a:solidFill>
+                  <a:schemeClr val="tx1">
+                    <a:alpha val="58000"/>
+                  </a:schemeClr>
+                </a:solidFill>
+              </a:rPr>
+              <a:t>, No configuration required </a:t>
+            </a:r>
+            <a:r>
+              <a:rPr lang="en-GB" dirty="0">
+                <a:solidFill>
+                  <a:srgbClr val="FFFFFF">
+                    <a:alpha val="58000"/>
+                  </a:srgbClr>
+                </a:solidFill>
+              </a:rPr>
+              <a:t>to history slide later </a:t>
+            </a:r>
+            <a:endParaRPr lang="en-GB" dirty="0"/>
+          </a:p>
+        </p:txBody>
+      </p:sp>
+    </p:spTree>
+    <p:extLst>
+      <p:ext uri="{BB962C8B-B14F-4D97-AF65-F5344CB8AC3E}">
+        <p14:creationId xmlns:p14="http://schemas.microsoft.com/office/powerpoint/2010/main" val="920567303"/>
+      </p:ext>
+    </p:extLst>
+  </p:cSld>
+  <p:clrMapOvr>
+    <a:masterClrMapping/>
+  </p:clrMapOvr>
+</p:sld>
+</file>
+
+<file path=ppt/slides/slide6.xml><?xml version="1.0" encoding="utf-8"?>
+<p:sld xmlns:a="http://schemas.openxmlformats.org/drawingml/2006/main" xmlns:r="http://schemas.openxmlformats.org/officeDocument/2006/relationships" xmlns:p="http://schemas.openxmlformats.org/presentationml/2006/main">
+  <p:cSld>
+    <p:spTree>
+      <p:nvGrpSpPr>
+        <p:cNvPr id="1" name=""/>
+        <p:cNvGrpSpPr/>
+        <p:nvPr/>
+      </p:nvGrpSpPr>
+      <p:grpSpPr>
+        <a:xfrm>
+          <a:off x="0" y="0"/>
+          <a:ext cx="0" cy="0"/>
+          <a:chOff x="0" y="0"/>
+          <a:chExt cx="0" cy="0"/>
+        </a:xfrm>
+      </p:grpSpPr>
+      <p:sp>
+        <p:nvSpPr>
+          <p:cNvPr id="2" name="Title 1">
+            <a:extLst>
+              <a:ext uri="{FF2B5EF4-FFF2-40B4-BE49-F238E27FC236}">
+                <a16:creationId xmlns:a16="http://schemas.microsoft.com/office/drawing/2014/main" id="{6BEFF12F-249E-A5F2-924E-3F981ADD7706}"/>
+              </a:ext>
+            </a:extLst>
+          </p:cNvPr>
+          <p:cNvSpPr>
+            <a:spLocks noGrp="1"/>
+          </p:cNvSpPr>
+          <p:nvPr>
+            <p:ph type="title"/>
+          </p:nvPr>
+        </p:nvSpPr>
+        <p:spPr/>
+        <p:txBody>
+          <a:bodyPr/>
+          <a:lstStyle/>
+          <a:p>
+            <a:r>
+              <a:rPr lang="en-GB" dirty="0"/>
+              <a:t>Principles of SQLite</a:t>
+            </a:r>
+          </a:p>
+        </p:txBody>
+      </p:sp>
+      <p:sp>
+        <p:nvSpPr>
+          <p:cNvPr id="3" name="Content Placeholder 2">
+            <a:extLst>
+              <a:ext uri="{FF2B5EF4-FFF2-40B4-BE49-F238E27FC236}">
+                <a16:creationId xmlns:a16="http://schemas.microsoft.com/office/drawing/2014/main" id="{30F0EAF9-66AE-0DD5-0C9D-341E4053F2EB}"/>
+              </a:ext>
+            </a:extLst>
+          </p:cNvPr>
+          <p:cNvSpPr>
+            <a:spLocks noGrp="1"/>
+          </p:cNvSpPr>
+          <p:nvPr>
+            <p:ph idx="1"/>
+          </p:nvPr>
+        </p:nvSpPr>
+        <p:spPr/>
+        <p:txBody>
+          <a:bodyPr vert="horz" lIns="0" tIns="0" rIns="0" bIns="0" rtlCol="0" anchor="t">
+            <a:normAutofit/>
+          </a:bodyPr>
+          <a:lstStyle/>
+          <a:p>
             <a:endParaRPr lang="en-GB" dirty="0"/>
           </a:p>
         </p:txBody>
@@ -12214,7 +12069,7 @@
 </p:sld>
 </file>
 
-<file path=ppt/slides/slide6.xml><?xml version="1.0" encoding="utf-8"?>
+<file path=ppt/slides/slide7.xml><?xml version="1.0" encoding="utf-8"?>
 <p:sld xmlns:a="http://schemas.openxmlformats.org/drawingml/2006/main" xmlns:r="http://schemas.openxmlformats.org/officeDocument/2006/relationships" xmlns:p="http://schemas.openxmlformats.org/presentationml/2006/main">
   <p:cSld>
     <p:spTree>
@@ -12297,7 +12152,7 @@
 </p:sld>
 </file>
 
-<file path=ppt/slides/slide7.xml><?xml version="1.0" encoding="utf-8"?>
+<file path=ppt/slides/slide8.xml><?xml version="1.0" encoding="utf-8"?>
 <p:sld xmlns:a="http://schemas.openxmlformats.org/drawingml/2006/main" xmlns:r="http://schemas.openxmlformats.org/officeDocument/2006/relationships" xmlns:p="http://schemas.openxmlformats.org/presentationml/2006/main">
   <p:cSld>
     <p:spTree>
@@ -12390,64 +12245,6 @@
     <p:extLst>
       <p:ext uri="{BB962C8B-B14F-4D97-AF65-F5344CB8AC3E}">
         <p14:creationId xmlns:p14="http://schemas.microsoft.com/office/powerpoint/2010/main" val="2928994138"/>
-      </p:ext>
-    </p:extLst>
-  </p:cSld>
-  <p:clrMapOvr>
-    <a:masterClrMapping/>
-  </p:clrMapOvr>
-</p:sld>
-</file>
-
-<file path=ppt/slides/slide8.xml><?xml version="1.0" encoding="utf-8"?>
-<p:sld xmlns:a="http://schemas.openxmlformats.org/drawingml/2006/main" xmlns:r="http://schemas.openxmlformats.org/officeDocument/2006/relationships" xmlns:p="http://schemas.openxmlformats.org/presentationml/2006/main">
-  <p:cSld>
-    <p:spTree>
-      <p:nvGrpSpPr>
-        <p:cNvPr id="1" name=""/>
-        <p:cNvGrpSpPr/>
-        <p:nvPr/>
-      </p:nvGrpSpPr>
-      <p:grpSpPr>
-        <a:xfrm>
-          <a:off x="0" y="0"/>
-          <a:ext cx="0" cy="0"/>
-          <a:chOff x="0" y="0"/>
-          <a:chExt cx="0" cy="0"/>
-        </a:xfrm>
-      </p:grpSpPr>
-      <p:sp>
-        <p:nvSpPr>
-          <p:cNvPr id="2" name="Title 1">
-            <a:extLst>
-              <a:ext uri="{FF2B5EF4-FFF2-40B4-BE49-F238E27FC236}">
-                <a16:creationId xmlns:a16="http://schemas.microsoft.com/office/drawing/2014/main" id="{39F60CCD-48D8-9056-1720-2ADC8EE07B11}"/>
-              </a:ext>
-            </a:extLst>
-          </p:cNvPr>
-          <p:cNvSpPr>
-            <a:spLocks noGrp="1"/>
-          </p:cNvSpPr>
-          <p:nvPr>
-            <p:ph type="title"/>
-          </p:nvPr>
-        </p:nvSpPr>
-        <p:spPr/>
-        <p:txBody>
-          <a:bodyPr/>
-          <a:lstStyle/>
-          <a:p>
-            <a:r>
-              <a:rPr lang="en-NL" b="1" dirty="0"/>
-              <a:t>History, Famous Example and Market Value</a:t>
-            </a:r>
-          </a:p>
-        </p:txBody>
-      </p:sp>
-    </p:spTree>
-    <p:extLst>
-      <p:ext uri="{BB962C8B-B14F-4D97-AF65-F5344CB8AC3E}">
-        <p14:creationId xmlns:p14="http://schemas.microsoft.com/office/powerpoint/2010/main" val="3909921270"/>
       </p:ext>
     </p:extLst>
   </p:cSld>

--- a/Presentation.pptx
+++ b/Presentation.pptx
@@ -16,8 +16,8 @@
     <p:sldId id="274" r:id="rId7"/>
     <p:sldId id="259" r:id="rId8"/>
     <p:sldId id="268" r:id="rId9"/>
-    <p:sldId id="264" r:id="rId10"/>
-    <p:sldId id="262" r:id="rId11"/>
+    <p:sldId id="275" r:id="rId10"/>
+    <p:sldId id="264" r:id="rId11"/>
     <p:sldId id="269" r:id="rId12"/>
     <p:sldId id="260" r:id="rId13"/>
     <p:sldId id="266" r:id="rId14"/>
@@ -132,8 +132,8 @@
             <p14:sldId id="274"/>
             <p14:sldId id="259"/>
             <p14:sldId id="268"/>
+            <p14:sldId id="275"/>
             <p14:sldId id="264"/>
-            <p14:sldId id="262"/>
             <p14:sldId id="269"/>
             <p14:sldId id="260"/>
             <p14:sldId id="266"/>
@@ -151,7 +151,7 @@
 <file path=ppt/revisionInfo.xml><?xml version="1.0" encoding="utf-8"?>
 <p1510:revInfo xmlns:a="http://schemas.openxmlformats.org/drawingml/2006/main" xmlns:r="http://schemas.openxmlformats.org/officeDocument/2006/relationships" xmlns:p1510="http://schemas.microsoft.com/office/powerpoint/2015/10/main">
   <p1510:revLst>
-    <p1510:client id="{D07AFF2F-A0AF-1541-9E92-48C0E89E80AE}" v="63" dt="2023-03-19T19:00:40.050"/>
+    <p1510:client id="{D07AFF2F-A0AF-1541-9E92-48C0E89E80AE}" v="122" dt="2023-03-26T17:55:49.783"/>
   </p1510:revLst>
 </p1510:revInfo>
 </file>
@@ -161,7 +161,7 @@
   <pc:docChgLst>
     <pc:chgData name="Pirani,Antonio A." userId="b27b35d6-1459-4bed-af76-eef7aff762d7" providerId="ADAL" clId="{D07AFF2F-A0AF-1541-9E92-48C0E89E80AE}"/>
     <pc:docChg chg="undo redo custSel addSld delSld modSld sldOrd modSection">
-      <pc:chgData name="Pirani,Antonio A." userId="b27b35d6-1459-4bed-af76-eef7aff762d7" providerId="ADAL" clId="{D07AFF2F-A0AF-1541-9E92-48C0E89E80AE}" dt="2023-03-19T19:00:40.050" v="1214" actId="20577"/>
+      <pc:chgData name="Pirani,Antonio A." userId="b27b35d6-1459-4bed-af76-eef7aff762d7" providerId="ADAL" clId="{D07AFF2F-A0AF-1541-9E92-48C0E89E80AE}" dt="2023-03-26T17:55:49.782" v="1635" actId="20577"/>
       <pc:docMkLst>
         <pc:docMk/>
       </pc:docMkLst>
@@ -299,7 +299,7 @@
         </pc:sldMkLst>
       </pc:sldChg>
       <pc:sldChg chg="addSp delSp modSp add mod">
-        <pc:chgData name="Pirani,Antonio A." userId="b27b35d6-1459-4bed-af76-eef7aff762d7" providerId="ADAL" clId="{D07AFF2F-A0AF-1541-9E92-48C0E89E80AE}" dt="2023-03-19T19:00:40.050" v="1214" actId="20577"/>
+        <pc:chgData name="Pirani,Antonio A." userId="b27b35d6-1459-4bed-af76-eef7aff762d7" providerId="ADAL" clId="{D07AFF2F-A0AF-1541-9E92-48C0E89E80AE}" dt="2023-03-20T17:21:16.087" v="1215" actId="20577"/>
         <pc:sldMkLst>
           <pc:docMk/>
           <pc:sldMk cId="0" sldId="259"/>
@@ -473,7 +473,7 @@
           </ac:spMkLst>
         </pc:spChg>
         <pc:spChg chg="add mod">
-          <ac:chgData name="Pirani,Antonio A." userId="b27b35d6-1459-4bed-af76-eef7aff762d7" providerId="ADAL" clId="{D07AFF2F-A0AF-1541-9E92-48C0E89E80AE}" dt="2023-03-19T19:00:40.050" v="1214" actId="20577"/>
+          <ac:chgData name="Pirani,Antonio A." userId="b27b35d6-1459-4bed-af76-eef7aff762d7" providerId="ADAL" clId="{D07AFF2F-A0AF-1541-9E92-48C0E89E80AE}" dt="2023-03-20T17:21:16.087" v="1215" actId="20577"/>
           <ac:spMkLst>
             <pc:docMk/>
             <pc:sldMk cId="0" sldId="259"/>
@@ -864,14 +864,22 @@
           </ac:spMkLst>
         </pc:spChg>
       </pc:sldChg>
-      <pc:sldChg chg="modSp mod">
-        <pc:chgData name="Pirani,Antonio A." userId="b27b35d6-1459-4bed-af76-eef7aff762d7" providerId="ADAL" clId="{D07AFF2F-A0AF-1541-9E92-48C0E89E80AE}" dt="2023-03-19T18:46:32.346" v="1078" actId="20577"/>
+      <pc:sldChg chg="modSp del mod ord">
+        <pc:chgData name="Pirani,Antonio A." userId="b27b35d6-1459-4bed-af76-eef7aff762d7" providerId="ADAL" clId="{D07AFF2F-A0AF-1541-9E92-48C0E89E80AE}" dt="2023-03-26T17:37:18.947" v="1537" actId="2696"/>
         <pc:sldMkLst>
           <pc:docMk/>
           <pc:sldMk cId="2928994138" sldId="262"/>
         </pc:sldMkLst>
         <pc:spChg chg="mod">
-          <ac:chgData name="Pirani,Antonio A." userId="b27b35d6-1459-4bed-af76-eef7aff762d7" providerId="ADAL" clId="{D07AFF2F-A0AF-1541-9E92-48C0E89E80AE}" dt="2023-03-19T18:46:32.346" v="1078" actId="20577"/>
+          <ac:chgData name="Pirani,Antonio A." userId="b27b35d6-1459-4bed-af76-eef7aff762d7" providerId="ADAL" clId="{D07AFF2F-A0AF-1541-9E92-48C0E89E80AE}" dt="2023-03-26T17:16:05.705" v="1282" actId="113"/>
+          <ac:spMkLst>
+            <pc:docMk/>
+            <pc:sldMk cId="2928994138" sldId="262"/>
+            <ac:spMk id="2" creationId="{4BF88A79-76F3-5D58-BD01-022AD7EE41EF}"/>
+          </ac:spMkLst>
+        </pc:spChg>
+        <pc:spChg chg="mod">
+          <ac:chgData name="Pirani,Antonio A." userId="b27b35d6-1459-4bed-af76-eef7aff762d7" providerId="ADAL" clId="{D07AFF2F-A0AF-1541-9E92-48C0E89E80AE}" dt="2023-03-26T17:15:25.352" v="1250" actId="20577"/>
           <ac:spMkLst>
             <pc:docMk/>
             <pc:sldMk cId="2928994138" sldId="262"/>
@@ -998,6 +1006,37 @@
           </ac:cxnSpMkLst>
         </pc:cxnChg>
       </pc:sldChg>
+      <pc:sldChg chg="addSp delSp modSp">
+        <pc:chgData name="Pirani,Antonio A." userId="b27b35d6-1459-4bed-af76-eef7aff762d7" providerId="ADAL" clId="{D07AFF2F-A0AF-1541-9E92-48C0E89E80AE}" dt="2023-03-26T17:42:07.236" v="1558"/>
+        <pc:sldMkLst>
+          <pc:docMk/>
+          <pc:sldMk cId="3053361262" sldId="269"/>
+        </pc:sldMkLst>
+        <pc:spChg chg="mod">
+          <ac:chgData name="Pirani,Antonio A." userId="b27b35d6-1459-4bed-af76-eef7aff762d7" providerId="ADAL" clId="{D07AFF2F-A0AF-1541-9E92-48C0E89E80AE}" dt="2023-03-26T17:42:05.884" v="1557"/>
+          <ac:spMkLst>
+            <pc:docMk/>
+            <pc:sldMk cId="3053361262" sldId="269"/>
+            <ac:spMk id="3" creationId="{E8B6CF86-6B5A-DB24-C6A2-FAFB01713249}"/>
+          </ac:spMkLst>
+        </pc:spChg>
+        <pc:spChg chg="mod">
+          <ac:chgData name="Pirani,Antonio A." userId="b27b35d6-1459-4bed-af76-eef7aff762d7" providerId="ADAL" clId="{D07AFF2F-A0AF-1541-9E92-48C0E89E80AE}" dt="2023-03-26T17:42:05.884" v="1557"/>
+          <ac:spMkLst>
+            <pc:docMk/>
+            <pc:sldMk cId="3053361262" sldId="269"/>
+            <ac:spMk id="5" creationId="{80E2D144-2D39-696E-5225-449ADB47E77B}"/>
+          </ac:spMkLst>
+        </pc:spChg>
+        <pc:grpChg chg="add del mod">
+          <ac:chgData name="Pirani,Antonio A." userId="b27b35d6-1459-4bed-af76-eef7aff762d7" providerId="ADAL" clId="{D07AFF2F-A0AF-1541-9E92-48C0E89E80AE}" dt="2023-03-26T17:42:07.236" v="1558"/>
+          <ac:grpSpMkLst>
+            <pc:docMk/>
+            <pc:sldMk cId="3053361262" sldId="269"/>
+            <ac:grpSpMk id="2" creationId="{F62C569C-2387-AFB4-5BAC-48578705DDC2}"/>
+          </ac:grpSpMkLst>
+        </pc:grpChg>
+      </pc:sldChg>
       <pc:sldChg chg="del">
         <pc:chgData name="Pirani,Antonio A." userId="b27b35d6-1459-4bed-af76-eef7aff762d7" providerId="ADAL" clId="{D07AFF2F-A0AF-1541-9E92-48C0E89E80AE}" dt="2023-03-19T18:07:19.926" v="543" actId="2696"/>
         <pc:sldMkLst>
@@ -1006,13 +1045,13 @@
         </pc:sldMkLst>
       </pc:sldChg>
       <pc:sldChg chg="addSp delSp modSp mod ord modAnim">
-        <pc:chgData name="Pirani,Antonio A." userId="b27b35d6-1459-4bed-af76-eef7aff762d7" providerId="ADAL" clId="{D07AFF2F-A0AF-1541-9E92-48C0E89E80AE}" dt="2023-03-19T18:11:31.990" v="589"/>
+        <pc:chgData name="Pirani,Antonio A." userId="b27b35d6-1459-4bed-af76-eef7aff762d7" providerId="ADAL" clId="{D07AFF2F-A0AF-1541-9E92-48C0E89E80AE}" dt="2023-03-26T17:41:32.599" v="1553" actId="1076"/>
         <pc:sldMkLst>
           <pc:docMk/>
           <pc:sldMk cId="0" sldId="273"/>
         </pc:sldMkLst>
         <pc:spChg chg="mod">
-          <ac:chgData name="Pirani,Antonio A." userId="b27b35d6-1459-4bed-af76-eef7aff762d7" providerId="ADAL" clId="{D07AFF2F-A0AF-1541-9E92-48C0E89E80AE}" dt="2023-03-17T22:24:58.829" v="18" actId="20577"/>
+          <ac:chgData name="Pirani,Antonio A." userId="b27b35d6-1459-4bed-af76-eef7aff762d7" providerId="ADAL" clId="{D07AFF2F-A0AF-1541-9E92-48C0E89E80AE}" dt="2023-03-26T17:10:32.555" v="1228" actId="2711"/>
           <ac:spMkLst>
             <pc:docMk/>
             <pc:sldMk cId="0" sldId="273"/>
@@ -1025,6 +1064,14 @@
             <pc:docMk/>
             <pc:sldMk cId="0" sldId="273"/>
             <ac:spMk id="8" creationId="{D8D242F7-76B5-B83A-CA33-61797D7D7C1A}"/>
+          </ac:spMkLst>
+        </pc:spChg>
+        <pc:spChg chg="mod">
+          <ac:chgData name="Pirani,Antonio A." userId="b27b35d6-1459-4bed-af76-eef7aff762d7" providerId="ADAL" clId="{D07AFF2F-A0AF-1541-9E92-48C0E89E80AE}" dt="2023-03-26T16:59:43.191" v="1219" actId="207"/>
+          <ac:spMkLst>
+            <pc:docMk/>
+            <pc:sldMk cId="0" sldId="273"/>
+            <ac:spMk id="1500" creationId="{00000000-0000-0000-0000-000000000000}"/>
           </ac:spMkLst>
         </pc:spChg>
         <pc:spChg chg="del">
@@ -1059,6 +1106,46 @@
             <ac:spMk id="1529" creationId="{00000000-0000-0000-0000-000000000000}"/>
           </ac:spMkLst>
         </pc:spChg>
+        <pc:spChg chg="mod">
+          <ac:chgData name="Pirani,Antonio A." userId="b27b35d6-1459-4bed-af76-eef7aff762d7" providerId="ADAL" clId="{D07AFF2F-A0AF-1541-9E92-48C0E89E80AE}" dt="2023-03-26T16:59:55.048" v="1220" actId="207"/>
+          <ac:spMkLst>
+            <pc:docMk/>
+            <pc:sldMk cId="0" sldId="273"/>
+            <ac:spMk id="1539" creationId="{00000000-0000-0000-0000-000000000000}"/>
+          </ac:spMkLst>
+        </pc:spChg>
+        <pc:spChg chg="mod">
+          <ac:chgData name="Pirani,Antonio A." userId="b27b35d6-1459-4bed-af76-eef7aff762d7" providerId="ADAL" clId="{D07AFF2F-A0AF-1541-9E92-48C0E89E80AE}" dt="2023-03-26T17:00:41.344" v="1225" actId="207"/>
+          <ac:spMkLst>
+            <pc:docMk/>
+            <pc:sldMk cId="0" sldId="273"/>
+            <ac:spMk id="1540" creationId="{00000000-0000-0000-0000-000000000000}"/>
+          </ac:spMkLst>
+        </pc:spChg>
+        <pc:spChg chg="mod">
+          <ac:chgData name="Pirani,Antonio A." userId="b27b35d6-1459-4bed-af76-eef7aff762d7" providerId="ADAL" clId="{D07AFF2F-A0AF-1541-9E92-48C0E89E80AE}" dt="2023-03-26T16:59:17.176" v="1216" actId="207"/>
+          <ac:spMkLst>
+            <pc:docMk/>
+            <pc:sldMk cId="0" sldId="273"/>
+            <ac:spMk id="1542" creationId="{00000000-0000-0000-0000-000000000000}"/>
+          </ac:spMkLst>
+        </pc:spChg>
+        <pc:spChg chg="mod">
+          <ac:chgData name="Pirani,Antonio A." userId="b27b35d6-1459-4bed-af76-eef7aff762d7" providerId="ADAL" clId="{D07AFF2F-A0AF-1541-9E92-48C0E89E80AE}" dt="2023-03-26T17:00:09.812" v="1223" actId="207"/>
+          <ac:spMkLst>
+            <pc:docMk/>
+            <pc:sldMk cId="0" sldId="273"/>
+            <ac:spMk id="1544" creationId="{00000000-0000-0000-0000-000000000000}"/>
+          </ac:spMkLst>
+        </pc:spChg>
+        <pc:spChg chg="mod">
+          <ac:chgData name="Pirani,Antonio A." userId="b27b35d6-1459-4bed-af76-eef7aff762d7" providerId="ADAL" clId="{D07AFF2F-A0AF-1541-9E92-48C0E89E80AE}" dt="2023-03-26T17:00:50.766" v="1226" actId="207"/>
+          <ac:spMkLst>
+            <pc:docMk/>
+            <pc:sldMk cId="0" sldId="273"/>
+            <ac:spMk id="1548" creationId="{00000000-0000-0000-0000-000000000000}"/>
+          </ac:spMkLst>
+        </pc:spChg>
         <pc:picChg chg="mod">
           <ac:chgData name="Pirani,Antonio A." userId="b27b35d6-1459-4bed-af76-eef7aff762d7" providerId="ADAL" clId="{D07AFF2F-A0AF-1541-9E92-48C0E89E80AE}" dt="2023-03-19T18:11:31.990" v="589"/>
           <ac:picMkLst>
@@ -1068,7 +1155,7 @@
           </ac:picMkLst>
         </pc:picChg>
         <pc:picChg chg="add mod">
-          <ac:chgData name="Pirani,Antonio A." userId="b27b35d6-1459-4bed-af76-eef7aff762d7" providerId="ADAL" clId="{D07AFF2F-A0AF-1541-9E92-48C0E89E80AE}" dt="2023-03-17T22:24:29.428" v="12" actId="1076"/>
+          <ac:chgData name="Pirani,Antonio A." userId="b27b35d6-1459-4bed-af76-eef7aff762d7" providerId="ADAL" clId="{D07AFF2F-A0AF-1541-9E92-48C0E89E80AE}" dt="2023-03-26T17:41:32.599" v="1553" actId="1076"/>
           <ac:picMkLst>
             <pc:docMk/>
             <pc:sldMk cId="0" sldId="273"/>
@@ -1915,6 +2002,285 @@
           </ac:picMkLst>
         </pc:picChg>
       </pc:sldChg>
+      <pc:sldChg chg="addSp delSp modSp add mod modAnim">
+        <pc:chgData name="Pirani,Antonio A." userId="b27b35d6-1459-4bed-af76-eef7aff762d7" providerId="ADAL" clId="{D07AFF2F-A0AF-1541-9E92-48C0E89E80AE}" dt="2023-03-26T17:55:49.782" v="1635" actId="20577"/>
+        <pc:sldMkLst>
+          <pc:docMk/>
+          <pc:sldMk cId="0" sldId="275"/>
+        </pc:sldMkLst>
+        <pc:spChg chg="add mod">
+          <ac:chgData name="Pirani,Antonio A." userId="b27b35d6-1459-4bed-af76-eef7aff762d7" providerId="ADAL" clId="{D07AFF2F-A0AF-1541-9E92-48C0E89E80AE}" dt="2023-03-26T17:20:50.883" v="1326" actId="1076"/>
+          <ac:spMkLst>
+            <pc:docMk/>
+            <pc:sldMk cId="0" sldId="275"/>
+            <ac:spMk id="2" creationId="{368DC462-AF38-A8CE-90F0-9A222EFC5793}"/>
+          </ac:spMkLst>
+        </pc:spChg>
+        <pc:spChg chg="add mod">
+          <ac:chgData name="Pirani,Antonio A." userId="b27b35d6-1459-4bed-af76-eef7aff762d7" providerId="ADAL" clId="{D07AFF2F-A0AF-1541-9E92-48C0E89E80AE}" dt="2023-03-26T17:20:59.326" v="1328" actId="1076"/>
+          <ac:spMkLst>
+            <pc:docMk/>
+            <pc:sldMk cId="0" sldId="275"/>
+            <ac:spMk id="3" creationId="{35032622-CFF4-6E98-D011-924CE3A573AB}"/>
+          </ac:spMkLst>
+        </pc:spChg>
+        <pc:spChg chg="add del mod">
+          <ac:chgData name="Pirani,Antonio A." userId="b27b35d6-1459-4bed-af76-eef7aff762d7" providerId="ADAL" clId="{D07AFF2F-A0AF-1541-9E92-48C0E89E80AE}" dt="2023-03-26T17:43:08.585" v="1577"/>
+          <ac:spMkLst>
+            <pc:docMk/>
+            <pc:sldMk cId="0" sldId="275"/>
+            <ac:spMk id="12" creationId="{F9580B4C-39C7-4931-384E-15795AE3A6AA}"/>
+          </ac:spMkLst>
+        </pc:spChg>
+        <pc:spChg chg="add mod">
+          <ac:chgData name="Pirani,Antonio A." userId="b27b35d6-1459-4bed-af76-eef7aff762d7" providerId="ADAL" clId="{D07AFF2F-A0AF-1541-9E92-48C0E89E80AE}" dt="2023-03-26T17:49:09.018" v="1628" actId="20577"/>
+          <ac:spMkLst>
+            <pc:docMk/>
+            <pc:sldMk cId="0" sldId="275"/>
+            <ac:spMk id="13" creationId="{288310B8-837F-8458-8E9D-605E9731FC0B}"/>
+          </ac:spMkLst>
+        </pc:spChg>
+        <pc:spChg chg="add mod">
+          <ac:chgData name="Pirani,Antonio A." userId="b27b35d6-1459-4bed-af76-eef7aff762d7" providerId="ADAL" clId="{D07AFF2F-A0AF-1541-9E92-48C0E89E80AE}" dt="2023-03-26T17:48:08.682" v="1623" actId="20577"/>
+          <ac:spMkLst>
+            <pc:docMk/>
+            <pc:sldMk cId="0" sldId="275"/>
+            <ac:spMk id="16" creationId="{B7CF771D-93C2-A5F4-BC00-0F509C869EBF}"/>
+          </ac:spMkLst>
+        </pc:spChg>
+        <pc:spChg chg="add del mod">
+          <ac:chgData name="Pirani,Antonio A." userId="b27b35d6-1459-4bed-af76-eef7aff762d7" providerId="ADAL" clId="{D07AFF2F-A0AF-1541-9E92-48C0E89E80AE}" dt="2023-03-26T17:47:34.156" v="1603"/>
+          <ac:spMkLst>
+            <pc:docMk/>
+            <pc:sldMk cId="0" sldId="275"/>
+            <ac:spMk id="20" creationId="{172B5BDB-7149-DD9D-1207-2C02BAAE2BFC}"/>
+          </ac:spMkLst>
+        </pc:spChg>
+        <pc:spChg chg="mod">
+          <ac:chgData name="Pirani,Antonio A." userId="b27b35d6-1459-4bed-af76-eef7aff762d7" providerId="ADAL" clId="{D07AFF2F-A0AF-1541-9E92-48C0E89E80AE}" dt="2023-03-26T17:55:49.782" v="1635" actId="20577"/>
+          <ac:spMkLst>
+            <pc:docMk/>
+            <pc:sldMk cId="0" sldId="275"/>
+            <ac:spMk id="517" creationId="{00000000-0000-0000-0000-000000000000}"/>
+          </ac:spMkLst>
+        </pc:spChg>
+        <pc:spChg chg="mod">
+          <ac:chgData name="Pirani,Antonio A." userId="b27b35d6-1459-4bed-af76-eef7aff762d7" providerId="ADAL" clId="{D07AFF2F-A0AF-1541-9E92-48C0E89E80AE}" dt="2023-03-26T17:43:35.687" v="1580" actId="207"/>
+          <ac:spMkLst>
+            <pc:docMk/>
+            <pc:sldMk cId="0" sldId="275"/>
+            <ac:spMk id="518" creationId="{00000000-0000-0000-0000-000000000000}"/>
+          </ac:spMkLst>
+        </pc:spChg>
+        <pc:spChg chg="mod">
+          <ac:chgData name="Pirani,Antonio A." userId="b27b35d6-1459-4bed-af76-eef7aff762d7" providerId="ADAL" clId="{D07AFF2F-A0AF-1541-9E92-48C0E89E80AE}" dt="2023-03-26T17:18:39.815" v="1289" actId="1076"/>
+          <ac:spMkLst>
+            <pc:docMk/>
+            <pc:sldMk cId="0" sldId="275"/>
+            <ac:spMk id="519" creationId="{00000000-0000-0000-0000-000000000000}"/>
+          </ac:spMkLst>
+        </pc:spChg>
+        <pc:spChg chg="mod">
+          <ac:chgData name="Pirani,Antonio A." userId="b27b35d6-1459-4bed-af76-eef7aff762d7" providerId="ADAL" clId="{D07AFF2F-A0AF-1541-9E92-48C0E89E80AE}" dt="2023-03-26T17:55:40.838" v="1634" actId="207"/>
+          <ac:spMkLst>
+            <pc:docMk/>
+            <pc:sldMk cId="0" sldId="275"/>
+            <ac:spMk id="520" creationId="{00000000-0000-0000-0000-000000000000}"/>
+          </ac:spMkLst>
+        </pc:spChg>
+        <pc:spChg chg="mod">
+          <ac:chgData name="Pirani,Antonio A." userId="b27b35d6-1459-4bed-af76-eef7aff762d7" providerId="ADAL" clId="{D07AFF2F-A0AF-1541-9E92-48C0E89E80AE}" dt="2023-03-26T17:35:55.202" v="1526" actId="14100"/>
+          <ac:spMkLst>
+            <pc:docMk/>
+            <pc:sldMk cId="0" sldId="275"/>
+            <ac:spMk id="521" creationId="{00000000-0000-0000-0000-000000000000}"/>
+          </ac:spMkLst>
+        </pc:spChg>
+        <pc:spChg chg="mod">
+          <ac:chgData name="Pirani,Antonio A." userId="b27b35d6-1459-4bed-af76-eef7aff762d7" providerId="ADAL" clId="{D07AFF2F-A0AF-1541-9E92-48C0E89E80AE}" dt="2023-03-26T17:28:16.163" v="1361" actId="20577"/>
+          <ac:spMkLst>
+            <pc:docMk/>
+            <pc:sldMk cId="0" sldId="275"/>
+            <ac:spMk id="522" creationId="{00000000-0000-0000-0000-000000000000}"/>
+          </ac:spMkLst>
+        </pc:spChg>
+        <pc:spChg chg="mod">
+          <ac:chgData name="Pirani,Antonio A." userId="b27b35d6-1459-4bed-af76-eef7aff762d7" providerId="ADAL" clId="{D07AFF2F-A0AF-1541-9E92-48C0E89E80AE}" dt="2023-03-26T17:28:33.918" v="1402" actId="20577"/>
+          <ac:spMkLst>
+            <pc:docMk/>
+            <pc:sldMk cId="0" sldId="275"/>
+            <ac:spMk id="523" creationId="{00000000-0000-0000-0000-000000000000}"/>
+          </ac:spMkLst>
+        </pc:spChg>
+        <pc:spChg chg="mod">
+          <ac:chgData name="Pirani,Antonio A." userId="b27b35d6-1459-4bed-af76-eef7aff762d7" providerId="ADAL" clId="{D07AFF2F-A0AF-1541-9E92-48C0E89E80AE}" dt="2023-03-26T17:18:32.448" v="1288" actId="1076"/>
+          <ac:spMkLst>
+            <pc:docMk/>
+            <pc:sldMk cId="0" sldId="275"/>
+            <ac:spMk id="524" creationId="{00000000-0000-0000-0000-000000000000}"/>
+          </ac:spMkLst>
+        </pc:spChg>
+        <pc:spChg chg="mod">
+          <ac:chgData name="Pirani,Antonio A." userId="b27b35d6-1459-4bed-af76-eef7aff762d7" providerId="ADAL" clId="{D07AFF2F-A0AF-1541-9E92-48C0E89E80AE}" dt="2023-03-26T17:19:32.657" v="1302" actId="122"/>
+          <ac:spMkLst>
+            <pc:docMk/>
+            <pc:sldMk cId="0" sldId="275"/>
+            <ac:spMk id="525" creationId="{00000000-0000-0000-0000-000000000000}"/>
+          </ac:spMkLst>
+        </pc:spChg>
+        <pc:spChg chg="mod">
+          <ac:chgData name="Pirani,Antonio A." userId="b27b35d6-1459-4bed-af76-eef7aff762d7" providerId="ADAL" clId="{D07AFF2F-A0AF-1541-9E92-48C0E89E80AE}" dt="2023-03-26T17:18:32.448" v="1288" actId="1076"/>
+          <ac:spMkLst>
+            <pc:docMk/>
+            <pc:sldMk cId="0" sldId="275"/>
+            <ac:spMk id="526" creationId="{00000000-0000-0000-0000-000000000000}"/>
+          </ac:spMkLst>
+        </pc:spChg>
+        <pc:spChg chg="mod">
+          <ac:chgData name="Pirani,Antonio A." userId="b27b35d6-1459-4bed-af76-eef7aff762d7" providerId="ADAL" clId="{D07AFF2F-A0AF-1541-9E92-48C0E89E80AE}" dt="2023-03-26T17:18:39.815" v="1289" actId="1076"/>
+          <ac:spMkLst>
+            <pc:docMk/>
+            <pc:sldMk cId="0" sldId="275"/>
+            <ac:spMk id="527" creationId="{00000000-0000-0000-0000-000000000000}"/>
+          </ac:spMkLst>
+        </pc:spChg>
+        <pc:spChg chg="mod">
+          <ac:chgData name="Pirani,Antonio A." userId="b27b35d6-1459-4bed-af76-eef7aff762d7" providerId="ADAL" clId="{D07AFF2F-A0AF-1541-9E92-48C0E89E80AE}" dt="2023-03-26T17:34:52.293" v="1459" actId="20577"/>
+          <ac:spMkLst>
+            <pc:docMk/>
+            <pc:sldMk cId="0" sldId="275"/>
+            <ac:spMk id="528" creationId="{00000000-0000-0000-0000-000000000000}"/>
+          </ac:spMkLst>
+        </pc:spChg>
+        <pc:spChg chg="mod">
+          <ac:chgData name="Pirani,Antonio A." userId="b27b35d6-1459-4bed-af76-eef7aff762d7" providerId="ADAL" clId="{D07AFF2F-A0AF-1541-9E92-48C0E89E80AE}" dt="2023-03-26T17:18:39.815" v="1289" actId="1076"/>
+          <ac:spMkLst>
+            <pc:docMk/>
+            <pc:sldMk cId="0" sldId="275"/>
+            <ac:spMk id="529" creationId="{00000000-0000-0000-0000-000000000000}"/>
+          </ac:spMkLst>
+        </pc:spChg>
+        <pc:spChg chg="add del mod">
+          <ac:chgData name="Pirani,Antonio A." userId="b27b35d6-1459-4bed-af76-eef7aff762d7" providerId="ADAL" clId="{D07AFF2F-A0AF-1541-9E92-48C0E89E80AE}" dt="2023-03-26T17:20:36.088" v="1323" actId="207"/>
+          <ac:spMkLst>
+            <pc:docMk/>
+            <pc:sldMk cId="0" sldId="275"/>
+            <ac:spMk id="530" creationId="{00000000-0000-0000-0000-000000000000}"/>
+          </ac:spMkLst>
+        </pc:spChg>
+        <pc:spChg chg="mod">
+          <ac:chgData name="Pirani,Antonio A." userId="b27b35d6-1459-4bed-af76-eef7aff762d7" providerId="ADAL" clId="{D07AFF2F-A0AF-1541-9E92-48C0E89E80AE}" dt="2023-03-26T17:19:34.969" v="1303" actId="122"/>
+          <ac:spMkLst>
+            <pc:docMk/>
+            <pc:sldMk cId="0" sldId="275"/>
+            <ac:spMk id="531" creationId="{00000000-0000-0000-0000-000000000000}"/>
+          </ac:spMkLst>
+        </pc:spChg>
+        <pc:spChg chg="del">
+          <ac:chgData name="Pirani,Antonio A." userId="b27b35d6-1459-4bed-af76-eef7aff762d7" providerId="ADAL" clId="{D07AFF2F-A0AF-1541-9E92-48C0E89E80AE}" dt="2023-03-26T17:20:22.258" v="1319" actId="21"/>
+          <ac:spMkLst>
+            <pc:docMk/>
+            <pc:sldMk cId="0" sldId="275"/>
+            <ac:spMk id="534" creationId="{00000000-0000-0000-0000-000000000000}"/>
+          </ac:spMkLst>
+        </pc:spChg>
+        <pc:spChg chg="del">
+          <ac:chgData name="Pirani,Antonio A." userId="b27b35d6-1459-4bed-af76-eef7aff762d7" providerId="ADAL" clId="{D07AFF2F-A0AF-1541-9E92-48C0E89E80AE}" dt="2023-03-26T17:20:16.792" v="1317" actId="21"/>
+          <ac:spMkLst>
+            <pc:docMk/>
+            <pc:sldMk cId="0" sldId="275"/>
+            <ac:spMk id="538" creationId="{00000000-0000-0000-0000-000000000000}"/>
+          </ac:spMkLst>
+        </pc:spChg>
+        <pc:spChg chg="del">
+          <ac:chgData name="Pirani,Antonio A." userId="b27b35d6-1459-4bed-af76-eef7aff762d7" providerId="ADAL" clId="{D07AFF2F-A0AF-1541-9E92-48C0E89E80AE}" dt="2023-03-26T17:20:14.606" v="1316" actId="21"/>
+          <ac:spMkLst>
+            <pc:docMk/>
+            <pc:sldMk cId="0" sldId="275"/>
+            <ac:spMk id="539" creationId="{00000000-0000-0000-0000-000000000000}"/>
+          </ac:spMkLst>
+        </pc:spChg>
+        <pc:spChg chg="del">
+          <ac:chgData name="Pirani,Antonio A." userId="b27b35d6-1459-4bed-af76-eef7aff762d7" providerId="ADAL" clId="{D07AFF2F-A0AF-1541-9E92-48C0E89E80AE}" dt="2023-03-26T17:20:20.460" v="1318" actId="21"/>
+          <ac:spMkLst>
+            <pc:docMk/>
+            <pc:sldMk cId="0" sldId="275"/>
+            <ac:spMk id="540" creationId="{00000000-0000-0000-0000-000000000000}"/>
+          </ac:spMkLst>
+        </pc:spChg>
+        <pc:grpChg chg="del mod">
+          <ac:chgData name="Pirani,Antonio A." userId="b27b35d6-1459-4bed-af76-eef7aff762d7" providerId="ADAL" clId="{D07AFF2F-A0AF-1541-9E92-48C0E89E80AE}" dt="2023-03-26T17:20:41.903" v="1324" actId="21"/>
+          <ac:grpSpMkLst>
+            <pc:docMk/>
+            <pc:sldMk cId="0" sldId="275"/>
+            <ac:grpSpMk id="533" creationId="{00000000-0000-0000-0000-000000000000}"/>
+          </ac:grpSpMkLst>
+        </pc:grpChg>
+        <pc:grpChg chg="mod">
+          <ac:chgData name="Pirani,Antonio A." userId="b27b35d6-1459-4bed-af76-eef7aff762d7" providerId="ADAL" clId="{D07AFF2F-A0AF-1541-9E92-48C0E89E80AE}" dt="2023-03-26T17:18:32.448" v="1288" actId="1076"/>
+          <ac:grpSpMkLst>
+            <pc:docMk/>
+            <pc:sldMk cId="0" sldId="275"/>
+            <ac:grpSpMk id="541" creationId="{00000000-0000-0000-0000-000000000000}"/>
+          </ac:grpSpMkLst>
+        </pc:grpChg>
+        <pc:grpChg chg="mod">
+          <ac:chgData name="Pirani,Antonio A." userId="b27b35d6-1459-4bed-af76-eef7aff762d7" providerId="ADAL" clId="{D07AFF2F-A0AF-1541-9E92-48C0E89E80AE}" dt="2023-03-26T17:18:39.815" v="1289" actId="1076"/>
+          <ac:grpSpMkLst>
+            <pc:docMk/>
+            <pc:sldMk cId="0" sldId="275"/>
+            <ac:grpSpMk id="545" creationId="{00000000-0000-0000-0000-000000000000}"/>
+          </ac:grpSpMkLst>
+        </pc:grpChg>
+        <pc:picChg chg="add del mod">
+          <ac:chgData name="Pirani,Antonio A." userId="b27b35d6-1459-4bed-af76-eef7aff762d7" providerId="ADAL" clId="{D07AFF2F-A0AF-1541-9E92-48C0E89E80AE}" dt="2023-03-26T17:30:54.752" v="1406" actId="21"/>
+          <ac:picMkLst>
+            <pc:docMk/>
+            <pc:sldMk cId="0" sldId="275"/>
+            <ac:picMk id="5" creationId="{0E1DF8C8-A756-FA7F-B6A3-63D17C8D989D}"/>
+          </ac:picMkLst>
+        </pc:picChg>
+        <pc:picChg chg="add mod">
+          <ac:chgData name="Pirani,Antonio A." userId="b27b35d6-1459-4bed-af76-eef7aff762d7" providerId="ADAL" clId="{D07AFF2F-A0AF-1541-9E92-48C0E89E80AE}" dt="2023-03-26T17:33:10.137" v="1427"/>
+          <ac:picMkLst>
+            <pc:docMk/>
+            <pc:sldMk cId="0" sldId="275"/>
+            <ac:picMk id="7" creationId="{BB35E874-DEC7-4C57-E639-FA3396ED577E}"/>
+          </ac:picMkLst>
+        </pc:picChg>
+        <pc:picChg chg="add mod">
+          <ac:chgData name="Pirani,Antonio A." userId="b27b35d6-1459-4bed-af76-eef7aff762d7" providerId="ADAL" clId="{D07AFF2F-A0AF-1541-9E92-48C0E89E80AE}" dt="2023-03-26T17:33:04.868" v="1426" actId="1076"/>
+          <ac:picMkLst>
+            <pc:docMk/>
+            <pc:sldMk cId="0" sldId="275"/>
+            <ac:picMk id="9" creationId="{BD912517-89AA-D3AD-C970-1A39239A84A3}"/>
+          </ac:picMkLst>
+        </pc:picChg>
+        <pc:picChg chg="add mod">
+          <ac:chgData name="Pirani,Antonio A." userId="b27b35d6-1459-4bed-af76-eef7aff762d7" providerId="ADAL" clId="{D07AFF2F-A0AF-1541-9E92-48C0E89E80AE}" dt="2023-03-26T17:36:39.774" v="1536"/>
+          <ac:picMkLst>
+            <pc:docMk/>
+            <pc:sldMk cId="0" sldId="275"/>
+            <ac:picMk id="11" creationId="{63F02CC4-DBFA-4D60-71F0-35FC44231CE0}"/>
+          </ac:picMkLst>
+        </pc:picChg>
+        <pc:cxnChg chg="add mod">
+          <ac:chgData name="Pirani,Antonio A." userId="b27b35d6-1459-4bed-af76-eef7aff762d7" providerId="ADAL" clId="{D07AFF2F-A0AF-1541-9E92-48C0E89E80AE}" dt="2023-03-26T17:47:11.719" v="1597" actId="1076"/>
+          <ac:cxnSpMkLst>
+            <pc:docMk/>
+            <pc:sldMk cId="0" sldId="275"/>
+            <ac:cxnSpMk id="15" creationId="{C4AA9B79-153D-7B27-6912-DCA9AF428F6C}"/>
+          </ac:cxnSpMkLst>
+        </pc:cxnChg>
+        <pc:cxnChg chg="add mod">
+          <ac:chgData name="Pirani,Antonio A." userId="b27b35d6-1459-4bed-af76-eef7aff762d7" providerId="ADAL" clId="{D07AFF2F-A0AF-1541-9E92-48C0E89E80AE}" dt="2023-03-26T17:47:36.665" v="1604" actId="13822"/>
+          <ac:cxnSpMkLst>
+            <pc:docMk/>
+            <pc:sldMk cId="0" sldId="275"/>
+            <ac:cxnSpMk id="17" creationId="{23C2BC7D-F286-04ED-DC64-005B90757BE6}"/>
+          </ac:cxnSpMkLst>
+        </pc:cxnChg>
+      </pc:sldChg>
       <pc:sldChg chg="addSp delSp modSp add del mod">
         <pc:chgData name="Pirani,Antonio A." userId="b27b35d6-1459-4bed-af76-eef7aff762d7" providerId="ADAL" clId="{D07AFF2F-A0AF-1541-9E92-48C0E89E80AE}" dt="2023-03-19T18:07:05.701" v="541" actId="2696"/>
         <pc:sldMkLst>
@@ -2057,7 +2423,7 @@
           <a:p>
             <a:fld id="{7C3C2E73-F490-1C4D-8B91-A2AFB76D4979}" type="datetimeFigureOut">
               <a:rPr lang="en-NL" smtClean="0"/>
-              <a:t>19/03/2023</a:t>
+              <a:t>26/03/2023</a:t>
             </a:fld>
             <a:endParaRPr lang="en-NL"/>
           </a:p>
@@ -2850,6 +3216,110 @@
   <p:cSld>
     <p:spTree>
       <p:nvGrpSpPr>
+        <p:cNvPr id="1" name="Shape 513"/>
+        <p:cNvGrpSpPr/>
+        <p:nvPr/>
+      </p:nvGrpSpPr>
+      <p:grpSpPr>
+        <a:xfrm>
+          <a:off x="0" y="0"/>
+          <a:ext cx="0" cy="0"/>
+          <a:chOff x="0" y="0"/>
+          <a:chExt cx="0" cy="0"/>
+        </a:xfrm>
+      </p:grpSpPr>
+      <p:sp>
+        <p:nvSpPr>
+          <p:cNvPr id="514" name="Google Shape;514;ga3a867f825_1_648:notes"/>
+          <p:cNvSpPr>
+            <a:spLocks noGrp="1" noRot="1" noChangeAspect="1"/>
+          </p:cNvSpPr>
+          <p:nvPr>
+            <p:ph type="sldImg" idx="2"/>
+          </p:nvPr>
+        </p:nvSpPr>
+        <p:spPr>
+          <a:xfrm>
+            <a:off x="381000" y="685800"/>
+            <a:ext cx="6096000" cy="3429000"/>
+          </a:xfrm>
+          <a:custGeom>
+            <a:avLst/>
+            <a:gdLst/>
+            <a:ahLst/>
+            <a:cxnLst/>
+            <a:rect l="l" t="t" r="r" b="b"/>
+            <a:pathLst>
+              <a:path w="120000" h="120000" extrusionOk="0">
+                <a:moveTo>
+                  <a:pt x="0" y="0"/>
+                </a:moveTo>
+                <a:lnTo>
+                  <a:pt x="120000" y="0"/>
+                </a:lnTo>
+                <a:lnTo>
+                  <a:pt x="120000" y="120000"/>
+                </a:lnTo>
+                <a:lnTo>
+                  <a:pt x="0" y="120000"/>
+                </a:lnTo>
+                <a:close/>
+              </a:path>
+            </a:pathLst>
+          </a:custGeom>
+        </p:spPr>
+      </p:sp>
+      <p:sp>
+        <p:nvSpPr>
+          <p:cNvPr id="515" name="Google Shape;515;ga3a867f825_1_648:notes"/>
+          <p:cNvSpPr txBox="1">
+            <a:spLocks noGrp="1"/>
+          </p:cNvSpPr>
+          <p:nvPr>
+            <p:ph type="body" idx="1"/>
+          </p:nvPr>
+        </p:nvSpPr>
+        <p:spPr>
+          <a:xfrm>
+            <a:off x="685800" y="4343400"/>
+            <a:ext cx="5486400" cy="4114800"/>
+          </a:xfrm>
+          <a:prstGeom prst="rect">
+            <a:avLst/>
+          </a:prstGeom>
+        </p:spPr>
+        <p:txBody>
+          <a:bodyPr spcFirstLastPara="1" wrap="square" lIns="91425" tIns="91425" rIns="91425" bIns="91425" anchor="t" anchorCtr="0">
+            <a:noAutofit/>
+          </a:bodyPr>
+          <a:lstStyle/>
+          <a:p>
+            <a:pPr marL="0" lvl="0" indent="0" algn="l" rtl="0">
+              <a:spcBef>
+                <a:spcPts val="0"/>
+              </a:spcBef>
+              <a:spcAft>
+                <a:spcPts val="0"/>
+              </a:spcAft>
+              <a:buNone/>
+            </a:pPr>
+            <a:endParaRPr/>
+          </a:p>
+        </p:txBody>
+      </p:sp>
+    </p:spTree>
+  </p:cSld>
+  <p:clrMapOvr>
+    <a:masterClrMapping/>
+  </p:clrMapOvr>
+</p:notes>
+</file>
+
+<file path=ppt/notesSlides/notesSlide7.xml><?xml version="1.0" encoding="utf-8"?>
+<p:notes xmlns:a="http://schemas.openxmlformats.org/drawingml/2006/main" xmlns:r="http://schemas.openxmlformats.org/officeDocument/2006/relationships" xmlns:p="http://schemas.openxmlformats.org/presentationml/2006/main" showMasterSp="0" showMasterPhAnim="0">
+  <p:cSld>
+    <p:spTree>
+      <p:nvGrpSpPr>
         <p:cNvPr id="1" name="Shape 250"/>
         <p:cNvGrpSpPr/>
         <p:nvPr/>
@@ -3078,7 +3548,7 @@
           <a:p>
             <a:fld id="{C764DE79-268F-4C1A-8933-263129D2AF90}" type="datetimeFigureOut">
               <a:rPr lang="en-US" dirty="0"/>
-              <a:t>3/19/23</a:t>
+              <a:t>3/26/23</a:t>
             </a:fld>
             <a:endParaRPr lang="en-US" dirty="0"/>
           </a:p>
@@ -3246,7 +3716,7 @@
           <a:p>
             <a:fld id="{C764DE79-268F-4C1A-8933-263129D2AF90}" type="datetimeFigureOut">
               <a:rPr lang="en-US" dirty="0"/>
-              <a:t>3/19/23</a:t>
+              <a:t>3/26/23</a:t>
             </a:fld>
             <a:endParaRPr lang="en-US" dirty="0"/>
           </a:p>
@@ -3424,7 +3894,7 @@
           <a:p>
             <a:fld id="{C764DE79-268F-4C1A-8933-263129D2AF90}" type="datetimeFigureOut">
               <a:rPr lang="en-US" dirty="0"/>
-              <a:t>3/19/23</a:t>
+              <a:t>3/26/23</a:t>
             </a:fld>
             <a:endParaRPr lang="en-US" dirty="0"/>
           </a:p>
@@ -3799,7 +4269,7 @@
           <a:p>
             <a:fld id="{C764DE79-268F-4C1A-8933-263129D2AF90}" type="datetimeFigureOut">
               <a:rPr lang="en-US" dirty="0"/>
-              <a:t>3/19/23</a:t>
+              <a:t>3/26/23</a:t>
             </a:fld>
             <a:endParaRPr lang="en-US" dirty="0"/>
           </a:p>
@@ -4044,7 +4514,7 @@
           <a:p>
             <a:fld id="{C764DE79-268F-4C1A-8933-263129D2AF90}" type="datetimeFigureOut">
               <a:rPr lang="en-US" dirty="0"/>
-              <a:t>3/19/23</a:t>
+              <a:t>3/26/23</a:t>
             </a:fld>
             <a:endParaRPr lang="en-US" dirty="0"/>
           </a:p>
@@ -4273,7 +4743,7 @@
           <a:p>
             <a:fld id="{C764DE79-268F-4C1A-8933-263129D2AF90}" type="datetimeFigureOut">
               <a:rPr lang="en-US" dirty="0"/>
-              <a:t>3/19/23</a:t>
+              <a:t>3/26/23</a:t>
             </a:fld>
             <a:endParaRPr lang="en-US" dirty="0"/>
           </a:p>
@@ -4637,7 +5107,7 @@
           <a:p>
             <a:fld id="{C764DE79-268F-4C1A-8933-263129D2AF90}" type="datetimeFigureOut">
               <a:rPr lang="en-US" dirty="0"/>
-              <a:t>3/19/23</a:t>
+              <a:t>3/26/23</a:t>
             </a:fld>
             <a:endParaRPr lang="en-US" dirty="0"/>
           </a:p>
@@ -4754,7 +5224,7 @@
           <a:p>
             <a:fld id="{C764DE79-268F-4C1A-8933-263129D2AF90}" type="datetimeFigureOut">
               <a:rPr lang="en-US" dirty="0"/>
-              <a:t>3/19/23</a:t>
+              <a:t>3/26/23</a:t>
             </a:fld>
             <a:endParaRPr lang="en-US" dirty="0"/>
           </a:p>
@@ -4849,7 +5319,7 @@
           <a:p>
             <a:fld id="{C764DE79-268F-4C1A-8933-263129D2AF90}" type="datetimeFigureOut">
               <a:rPr lang="en-US" dirty="0"/>
-              <a:t>3/19/23</a:t>
+              <a:t>3/26/23</a:t>
             </a:fld>
             <a:endParaRPr lang="en-US" dirty="0"/>
           </a:p>
@@ -5124,7 +5594,7 @@
           <a:p>
             <a:fld id="{C764DE79-268F-4C1A-8933-263129D2AF90}" type="datetimeFigureOut">
               <a:rPr lang="en-US" dirty="0"/>
-              <a:t>3/19/23</a:t>
+              <a:t>3/26/23</a:t>
             </a:fld>
             <a:endParaRPr lang="en-US" dirty="0"/>
           </a:p>
@@ -5376,7 +5846,7 @@
           <a:p>
             <a:fld id="{C764DE79-268F-4C1A-8933-263129D2AF90}" type="datetimeFigureOut">
               <a:rPr lang="en-US" dirty="0"/>
-              <a:t>3/19/23</a:t>
+              <a:t>3/26/23</a:t>
             </a:fld>
             <a:endParaRPr lang="en-US" dirty="0"/>
           </a:p>
@@ -5587,7 +6057,7 @@
           <a:p>
             <a:fld id="{C764DE79-268F-4C1A-8933-263129D2AF90}" type="datetimeFigureOut">
               <a:rPr lang="en-US" dirty="0"/>
-              <a:t>3/19/23</a:t>
+              <a:t>3/26/23</a:t>
             </a:fld>
             <a:endParaRPr lang="en-US" dirty="0"/>
           </a:p>
@@ -6633,7 +7103,7 @@
           <p:cNvPr id="2" name="Title 1">
             <a:extLst>
               <a:ext uri="{FF2B5EF4-FFF2-40B4-BE49-F238E27FC236}">
-                <a16:creationId xmlns:a16="http://schemas.microsoft.com/office/drawing/2014/main" id="{4BF88A79-76F3-5D58-BD01-022AD7EE41EF}"/>
+                <a16:creationId xmlns:a16="http://schemas.microsoft.com/office/drawing/2014/main" id="{F95A70B9-D451-D270-0CD6-D2FC63C4EDD5}"/>
               </a:ext>
             </a:extLst>
           </p:cNvPr>
@@ -6651,15 +7121,7 @@
           <a:p>
             <a:r>
               <a:rPr lang="en-GB" dirty="0"/>
-              <a:t>Talk </a:t>
-            </a:r>
-            <a:r>
-              <a:rPr lang="en-GB" dirty="0" err="1"/>
-              <a:t>aboud</a:t>
-            </a:r>
-            <a:r>
-              <a:rPr lang="en-GB" dirty="0"/>
-              <a:t> DB</a:t>
+              <a:t>SQL vs SQLite the differences</a:t>
             </a:r>
           </a:p>
         </p:txBody>
@@ -6669,7 +7131,7 @@
           <p:cNvPr id="3" name="Content Placeholder 2">
             <a:extLst>
               <a:ext uri="{FF2B5EF4-FFF2-40B4-BE49-F238E27FC236}">
-                <a16:creationId xmlns:a16="http://schemas.microsoft.com/office/drawing/2014/main" id="{AC51AF08-306D-8B20-7C3C-E56F7D9A0443}"/>
+                <a16:creationId xmlns:a16="http://schemas.microsoft.com/office/drawing/2014/main" id="{D5289D01-2AD9-215F-8C89-06248745E69C}"/>
               </a:ext>
             </a:extLst>
           </p:cNvPr>
@@ -6682,34 +7144,17 @@
         </p:nvSpPr>
         <p:spPr/>
         <p:txBody>
-          <a:bodyPr vert="horz" lIns="0" tIns="0" rIns="0" bIns="0" rtlCol="0" anchor="t">
-            <a:normAutofit/>
-          </a:bodyPr>
+          <a:bodyPr/>
           <a:lstStyle/>
           <a:p>
-            <a:r>
-              <a:rPr lang="en-GB" dirty="0"/>
-              <a:t>Short explanation</a:t>
-            </a:r>
-          </a:p>
-          <a:p>
-            <a:r>
-              <a:rPr lang="en-GB" dirty="0"/>
-              <a:t>Dynamic Memory Allocation</a:t>
-            </a:r>
-          </a:p>
-          <a:p>
-            <a:r>
-              <a:rPr lang="en-GB" dirty="0"/>
-              <a:t>Schema table</a:t>
-            </a:r>
+            <a:endParaRPr lang="en-GB"/>
           </a:p>
         </p:txBody>
       </p:sp>
     </p:spTree>
     <p:extLst>
       <p:ext uri="{BB962C8B-B14F-4D97-AF65-F5344CB8AC3E}">
-        <p14:creationId xmlns:p14="http://schemas.microsoft.com/office/powerpoint/2010/main" val="2928994138"/>
+        <p14:creationId xmlns:p14="http://schemas.microsoft.com/office/powerpoint/2010/main" val="2818610950"/>
       </p:ext>
     </p:extLst>
   </p:cSld>
@@ -13659,7 +14104,9 @@
               </a:pathLst>
             </a:custGeom>
             <a:solidFill>
-              <a:srgbClr val="CECECE"/>
+              <a:schemeClr val="accent6">
+                <a:lumMod val="75000"/>
+              </a:schemeClr>
             </a:solidFill>
             <a:ln>
               <a:noFill/>
@@ -13671,7 +14118,16 @@
             </a:bodyPr>
             <a:lstStyle/>
             <a:p>
-              <a:endParaRPr sz="2400"/>
+              <a:endParaRPr sz="2400" dirty="0">
+                <a:solidFill>
+                  <a:schemeClr val="accent6">
+                    <a:lumMod val="75000"/>
+                  </a:schemeClr>
+                </a:solidFill>
+                <a:highlight>
+                  <a:srgbClr val="00FF00"/>
+                </a:highlight>
+              </a:endParaRPr>
             </a:p>
           </p:txBody>
         </p:sp>
@@ -16333,7 +16789,10 @@
               </a:pathLst>
             </a:custGeom>
             <a:solidFill>
-              <a:srgbClr val="30475E"/>
+              <a:schemeClr val="accent1">
+                <a:lumMod val="60000"/>
+                <a:lumOff val="40000"/>
+              </a:schemeClr>
             </a:solidFill>
             <a:ln>
               <a:noFill/>
@@ -16392,7 +16851,9 @@
               </a:pathLst>
             </a:custGeom>
             <a:solidFill>
-              <a:srgbClr val="222831"/>
+              <a:schemeClr val="accent5">
+                <a:lumMod val="75000"/>
+              </a:schemeClr>
             </a:solidFill>
             <a:ln>
               <a:noFill/>
@@ -16437,7 +16898,9 @@
             <a:r>
               <a:rPr lang="en" sz="3067" dirty="0">
                 <a:solidFill>
-                  <a:srgbClr val="CCCCCC"/>
+                  <a:schemeClr val="accent6">
+                    <a:lumMod val="75000"/>
+                  </a:schemeClr>
                 </a:solidFill>
                 <a:latin typeface="Fira Sans Extra Condensed Medium"/>
                 <a:ea typeface="Fira Sans Extra Condensed Medium"/>
@@ -16448,7 +16911,9 @@
             </a:r>
             <a:endParaRPr sz="3067" dirty="0">
               <a:solidFill>
-                <a:srgbClr val="CCCCCC"/>
+                <a:schemeClr val="accent6">
+                  <a:lumMod val="75000"/>
+                </a:schemeClr>
               </a:solidFill>
               <a:latin typeface="Fira Sans Extra Condensed Medium"/>
               <a:ea typeface="Fira Sans Extra Condensed Medium"/>
@@ -16486,7 +16951,10 @@
             <a:r>
               <a:rPr lang="en" sz="3067" dirty="0">
                 <a:solidFill>
-                  <a:srgbClr val="30475E"/>
+                  <a:schemeClr val="accent1">
+                    <a:lumMod val="60000"/>
+                    <a:lumOff val="40000"/>
+                  </a:schemeClr>
                 </a:solidFill>
                 <a:latin typeface="Fira Sans Extra Condensed Medium"/>
                 <a:ea typeface="Fira Sans Extra Condensed Medium"/>
@@ -16497,7 +16965,10 @@
             </a:r>
             <a:endParaRPr sz="3067" dirty="0">
               <a:solidFill>
-                <a:srgbClr val="30475E"/>
+                <a:schemeClr val="accent1">
+                  <a:lumMod val="60000"/>
+                  <a:lumOff val="40000"/>
+                </a:schemeClr>
               </a:solidFill>
               <a:latin typeface="Fira Sans Extra Condensed Medium"/>
               <a:ea typeface="Fira Sans Extra Condensed Medium"/>
@@ -16584,7 +17055,9 @@
             <a:r>
               <a:rPr lang="en" sz="3067" dirty="0">
                 <a:solidFill>
-                  <a:srgbClr val="222831"/>
+                  <a:schemeClr val="accent5">
+                    <a:lumMod val="75000"/>
+                  </a:schemeClr>
                 </a:solidFill>
                 <a:latin typeface="Fira Sans Extra Condensed Medium"/>
                 <a:ea typeface="Fira Sans Extra Condensed Medium"/>
@@ -16595,7 +17068,9 @@
             </a:r>
             <a:endParaRPr sz="3067" dirty="0">
               <a:solidFill>
-                <a:srgbClr val="222831"/>
+                <a:schemeClr val="accent5">
+                  <a:lumMod val="75000"/>
+                </a:schemeClr>
               </a:solidFill>
               <a:latin typeface="Fira Sans Extra Condensed Medium"/>
               <a:ea typeface="Fira Sans Extra Condensed Medium"/>
@@ -16748,7 +17223,7 @@
             </a:pPr>
             <a:r>
               <a:rPr lang="en-GB" sz="3600" b="1" dirty="0">
-                <a:latin typeface="Fira Sans Medium"/>
+                <a:latin typeface="+mj-lt"/>
                 <a:ea typeface="Fira Sans Medium"/>
                 <a:cs typeface="Fira Sans Medium"/>
                 <a:sym typeface="Fira Sans Medium"/>
@@ -22923,7 +23398,7 @@
               </a:bodyPr>
               <a:lstStyle/>
               <a:p>
-                <a:endParaRPr sz="2400"/>
+                <a:endParaRPr sz="2400" dirty="0"/>
               </a:p>
             </p:txBody>
           </p:sp>
@@ -43064,7 +43539,7 @@
                 <a:cs typeface="Roboto"/>
                 <a:sym typeface="Roboto"/>
               </a:rPr>
-              <a:t> 10 – 20 faster than PostgreSQL</a:t>
+              <a:t> 10 – 20x faster than PostgreSQL</a:t>
             </a:r>
             <a:endParaRPr sz="1400" dirty="0">
               <a:latin typeface="Roboto"/>
@@ -46799,7 +47274,7 @@
   <p:cSld>
     <p:spTree>
       <p:nvGrpSpPr>
-        <p:cNvPr id="1" name=""/>
+        <p:cNvPr id="1" name="Shape 516"/>
         <p:cNvGrpSpPr/>
         <p:nvPr/>
       </p:nvGrpSpPr>
@@ -46813,67 +47288,2688 @@
       </p:grpSpPr>
       <p:sp>
         <p:nvSpPr>
-          <p:cNvPr id="2" name="Title 1">
-            <a:extLst>
-              <a:ext uri="{FF2B5EF4-FFF2-40B4-BE49-F238E27FC236}">
-                <a16:creationId xmlns:a16="http://schemas.microsoft.com/office/drawing/2014/main" id="{F95A70B9-D451-D270-0CD6-D2FC63C4EDD5}"/>
-              </a:ext>
-            </a:extLst>
-          </p:cNvPr>
-          <p:cNvSpPr>
+          <p:cNvPr id="517" name="Google Shape;517;p28"/>
+          <p:cNvSpPr txBox="1">
             <a:spLocks noGrp="1"/>
           </p:cNvSpPr>
           <p:nvPr>
             <p:ph type="title"/>
           </p:nvPr>
         </p:nvSpPr>
-        <p:spPr/>
+        <p:spPr>
+          <a:xfrm>
+            <a:off x="609600" y="548600"/>
+            <a:ext cx="10972800" cy="642000"/>
+          </a:xfrm>
+          <a:prstGeom prst="rect">
+            <a:avLst/>
+          </a:prstGeom>
+        </p:spPr>
         <p:txBody>
-          <a:bodyPr/>
+          <a:bodyPr spcFirstLastPara="1" vert="horz" wrap="square" lIns="121900" tIns="121900" rIns="121900" bIns="121900" rtlCol="0" anchor="ctr" anchorCtr="0">
+            <a:noAutofit/>
+          </a:bodyPr>
           <a:lstStyle/>
           <a:p>
+            <a:pPr algn="ctr">
+              <a:spcBef>
+                <a:spcPts val="0"/>
+              </a:spcBef>
+            </a:pPr>
             <a:r>
-              <a:rPr lang="en-GB" dirty="0"/>
-              <a:t>SQL vs SQLite the differences</a:t>
+              <a:rPr lang="en-GB" b="1"/>
+              <a:t>SQLite Database </a:t>
             </a:r>
+            <a:r>
+              <a:rPr lang="en-GB" b="1" dirty="0"/>
+              <a:t>Key Features</a:t>
+            </a:r>
+            <a:endParaRPr dirty="0">
+              <a:solidFill>
+                <a:schemeClr val="dk1"/>
+              </a:solidFill>
+            </a:endParaRPr>
           </a:p>
         </p:txBody>
       </p:sp>
       <p:sp>
         <p:nvSpPr>
-          <p:cNvPr id="3" name="Content Placeholder 2">
+          <p:cNvPr id="518" name="Google Shape;518;p28"/>
+          <p:cNvSpPr/>
+          <p:nvPr/>
+        </p:nvSpPr>
+        <p:spPr>
+          <a:xfrm>
+            <a:off x="609600" y="3563533"/>
+            <a:ext cx="5930400" cy="1210800"/>
+          </a:xfrm>
+          <a:prstGeom prst="roundRect">
+            <a:avLst>
+              <a:gd name="adj" fmla="val 50000"/>
+            </a:avLst>
+          </a:prstGeom>
+          <a:solidFill>
+            <a:schemeClr val="accent6">
+              <a:lumMod val="75000"/>
+            </a:schemeClr>
+          </a:solidFill>
+          <a:ln>
+            <a:noFill/>
+          </a:ln>
+        </p:spPr>
+        <p:txBody>
+          <a:bodyPr spcFirstLastPara="1" wrap="square" lIns="121900" tIns="121900" rIns="121900" bIns="121900" anchor="ctr" anchorCtr="0">
+            <a:noAutofit/>
+          </a:bodyPr>
+          <a:lstStyle/>
+          <a:p>
+            <a:endParaRPr sz="2400" dirty="0"/>
+          </a:p>
+        </p:txBody>
+      </p:sp>
+      <p:sp>
+        <p:nvSpPr>
+          <p:cNvPr id="519" name="Google Shape;519;p28"/>
+          <p:cNvSpPr/>
+          <p:nvPr/>
+        </p:nvSpPr>
+        <p:spPr>
+          <a:xfrm>
+            <a:off x="609600" y="5098633"/>
+            <a:ext cx="5930400" cy="1210800"/>
+          </a:xfrm>
+          <a:prstGeom prst="roundRect">
+            <a:avLst>
+              <a:gd name="adj" fmla="val 50000"/>
+            </a:avLst>
+          </a:prstGeom>
+          <a:solidFill>
+            <a:schemeClr val="accent4"/>
+          </a:solidFill>
+          <a:ln>
+            <a:noFill/>
+          </a:ln>
+        </p:spPr>
+        <p:txBody>
+          <a:bodyPr spcFirstLastPara="1" wrap="square" lIns="121900" tIns="121900" rIns="121900" bIns="121900" anchor="ctr" anchorCtr="0">
+            <a:noAutofit/>
+          </a:bodyPr>
+          <a:lstStyle/>
+          <a:p>
+            <a:endParaRPr sz="2400"/>
+          </a:p>
+        </p:txBody>
+      </p:sp>
+      <p:sp>
+        <p:nvSpPr>
+          <p:cNvPr id="520" name="Google Shape;520;p28"/>
+          <p:cNvSpPr/>
+          <p:nvPr/>
+        </p:nvSpPr>
+        <p:spPr>
+          <a:xfrm>
+            <a:off x="609600" y="2028433"/>
+            <a:ext cx="5930400" cy="1210800"/>
+          </a:xfrm>
+          <a:prstGeom prst="roundRect">
+            <a:avLst>
+              <a:gd name="adj" fmla="val 50000"/>
+            </a:avLst>
+          </a:prstGeom>
+          <a:solidFill>
+            <a:schemeClr val="accent5">
+              <a:lumMod val="75000"/>
+            </a:schemeClr>
+          </a:solidFill>
+          <a:ln>
+            <a:noFill/>
+          </a:ln>
+        </p:spPr>
+        <p:txBody>
+          <a:bodyPr spcFirstLastPara="1" wrap="square" lIns="121900" tIns="121900" rIns="121900" bIns="121900" anchor="ctr" anchorCtr="0">
+            <a:noAutofit/>
+          </a:bodyPr>
+          <a:lstStyle/>
+          <a:p>
+            <a:endParaRPr sz="2400"/>
+          </a:p>
+        </p:txBody>
+      </p:sp>
+      <p:sp>
+        <p:nvSpPr>
+          <p:cNvPr id="521" name="Google Shape;521;p28"/>
+          <p:cNvSpPr txBox="1"/>
+          <p:nvPr/>
+        </p:nvSpPr>
+        <p:spPr>
+          <a:xfrm>
+            <a:off x="3824332" y="5458667"/>
+            <a:ext cx="2715667" cy="498800"/>
+          </a:xfrm>
+          <a:prstGeom prst="rect">
+            <a:avLst/>
+          </a:prstGeom>
+          <a:noFill/>
+          <a:ln>
+            <a:noFill/>
+          </a:ln>
+        </p:spPr>
+        <p:txBody>
+          <a:bodyPr spcFirstLastPara="1" wrap="square" lIns="121900" tIns="121900" rIns="121900" bIns="121900" anchor="ctr" anchorCtr="0">
+            <a:noAutofit/>
+          </a:bodyPr>
+          <a:lstStyle/>
+          <a:p>
+            <a:r>
+              <a:rPr lang="nl-NL" sz="1600" dirty="0" err="1">
+                <a:solidFill>
+                  <a:schemeClr val="lt1"/>
+                </a:solidFill>
+                <a:latin typeface="Roboto Medium"/>
+                <a:ea typeface="Roboto Medium"/>
+                <a:cs typeface="Roboto Medium"/>
+                <a:sym typeface="Roboto Medium"/>
+              </a:rPr>
+              <a:t>To</a:t>
+            </a:r>
+            <a:r>
+              <a:rPr lang="nl-NL" sz="1600" dirty="0">
+                <a:solidFill>
+                  <a:schemeClr val="lt1"/>
+                </a:solidFill>
+                <a:latin typeface="Roboto Medium"/>
+                <a:ea typeface="Roboto Medium"/>
+                <a:cs typeface="Roboto Medium"/>
+                <a:sym typeface="Roboto Medium"/>
+              </a:rPr>
+              <a:t> store </a:t>
+            </a:r>
+            <a:r>
+              <a:rPr lang="nl-NL" sz="1600" dirty="0" err="1">
+                <a:solidFill>
+                  <a:schemeClr val="lt1"/>
+                </a:solidFill>
+                <a:latin typeface="Roboto Medium"/>
+                <a:ea typeface="Roboto Medium"/>
+                <a:cs typeface="Roboto Medium"/>
+                <a:sym typeface="Roboto Medium"/>
+              </a:rPr>
+              <a:t>the</a:t>
+            </a:r>
+            <a:r>
+              <a:rPr lang="nl-NL" sz="1600" dirty="0">
+                <a:solidFill>
+                  <a:schemeClr val="lt1"/>
+                </a:solidFill>
+                <a:latin typeface="Roboto Medium"/>
+                <a:ea typeface="Roboto Medium"/>
+                <a:cs typeface="Roboto Medium"/>
+                <a:sym typeface="Roboto Medium"/>
+              </a:rPr>
+              <a:t> state of </a:t>
+            </a:r>
+            <a:r>
+              <a:rPr lang="nl-NL" sz="1600" dirty="0" err="1">
+                <a:solidFill>
+                  <a:schemeClr val="lt1"/>
+                </a:solidFill>
+                <a:latin typeface="Roboto Medium"/>
+                <a:ea typeface="Roboto Medium"/>
+                <a:cs typeface="Roboto Medium"/>
+                <a:sym typeface="Roboto Medium"/>
+              </a:rPr>
+              <a:t>the</a:t>
+            </a:r>
+            <a:r>
+              <a:rPr lang="nl-NL" sz="1600" dirty="0">
+                <a:solidFill>
+                  <a:schemeClr val="lt1"/>
+                </a:solidFill>
+                <a:latin typeface="Roboto Medium"/>
+                <a:ea typeface="Roboto Medium"/>
+                <a:cs typeface="Roboto Medium"/>
+                <a:sym typeface="Roboto Medium"/>
+              </a:rPr>
+              <a:t> DB </a:t>
+            </a:r>
+            <a:r>
+              <a:rPr lang="nl-NL" sz="1600" dirty="0" err="1">
+                <a:solidFill>
+                  <a:schemeClr val="lt1"/>
+                </a:solidFill>
+                <a:latin typeface="Roboto Medium"/>
+                <a:ea typeface="Roboto Medium"/>
+                <a:cs typeface="Roboto Medium"/>
+                <a:sym typeface="Roboto Medium"/>
+              </a:rPr>
+              <a:t>and</a:t>
+            </a:r>
+            <a:r>
+              <a:rPr lang="nl-NL" sz="1600" dirty="0">
+                <a:solidFill>
+                  <a:schemeClr val="lt1"/>
+                </a:solidFill>
+                <a:latin typeface="Roboto Medium"/>
+                <a:ea typeface="Roboto Medium"/>
+                <a:cs typeface="Roboto Medium"/>
+                <a:sym typeface="Roboto Medium"/>
+              </a:rPr>
+              <a:t> save changes</a:t>
+            </a:r>
+            <a:endParaRPr sz="1600" dirty="0">
+              <a:solidFill>
+                <a:schemeClr val="lt1"/>
+              </a:solidFill>
+              <a:latin typeface="Roboto Medium"/>
+              <a:ea typeface="Roboto Medium"/>
+              <a:cs typeface="Roboto Medium"/>
+              <a:sym typeface="Roboto Medium"/>
+            </a:endParaRPr>
+          </a:p>
+        </p:txBody>
+      </p:sp>
+      <p:sp>
+        <p:nvSpPr>
+          <p:cNvPr id="522" name="Google Shape;522;p28"/>
+          <p:cNvSpPr txBox="1"/>
+          <p:nvPr/>
+        </p:nvSpPr>
+        <p:spPr>
+          <a:xfrm>
+            <a:off x="3805017" y="3919533"/>
+            <a:ext cx="2400400" cy="498800"/>
+          </a:xfrm>
+          <a:prstGeom prst="rect">
+            <a:avLst/>
+          </a:prstGeom>
+          <a:noFill/>
+          <a:ln>
+            <a:noFill/>
+          </a:ln>
+        </p:spPr>
+        <p:txBody>
+          <a:bodyPr spcFirstLastPara="1" wrap="square" lIns="121900" tIns="121900" rIns="121900" bIns="121900" anchor="ctr" anchorCtr="0">
+            <a:noAutofit/>
+          </a:bodyPr>
+          <a:lstStyle/>
+          <a:p>
+            <a:r>
+              <a:rPr lang="en" sz="1600" dirty="0">
+                <a:solidFill>
+                  <a:schemeClr val="lt1"/>
+                </a:solidFill>
+                <a:latin typeface="Roboto Medium"/>
+                <a:ea typeface="Roboto Medium"/>
+                <a:cs typeface="Roboto Medium"/>
+                <a:sym typeface="Roboto Medium"/>
+              </a:rPr>
+              <a:t>Dynamic Memory Allocation</a:t>
+            </a:r>
+            <a:endParaRPr sz="1600" dirty="0">
+              <a:solidFill>
+                <a:schemeClr val="lt1"/>
+              </a:solidFill>
+              <a:latin typeface="Roboto Medium"/>
+              <a:ea typeface="Roboto Medium"/>
+              <a:cs typeface="Roboto Medium"/>
+              <a:sym typeface="Roboto Medium"/>
+            </a:endParaRPr>
+          </a:p>
+        </p:txBody>
+      </p:sp>
+      <p:sp>
+        <p:nvSpPr>
+          <p:cNvPr id="523" name="Google Shape;523;p28"/>
+          <p:cNvSpPr txBox="1"/>
+          <p:nvPr/>
+        </p:nvSpPr>
+        <p:spPr>
+          <a:xfrm>
+            <a:off x="3805067" y="2390836"/>
+            <a:ext cx="2400400" cy="498800"/>
+          </a:xfrm>
+          <a:prstGeom prst="rect">
+            <a:avLst/>
+          </a:prstGeom>
+          <a:noFill/>
+          <a:ln>
+            <a:noFill/>
+          </a:ln>
+        </p:spPr>
+        <p:txBody>
+          <a:bodyPr spcFirstLastPara="1" wrap="square" lIns="121900" tIns="121900" rIns="121900" bIns="121900" anchor="ctr" anchorCtr="0">
+            <a:noAutofit/>
+          </a:bodyPr>
+          <a:lstStyle/>
+          <a:p>
+            <a:pPr>
+              <a:buClr>
+                <a:srgbClr val="000000"/>
+              </a:buClr>
+              <a:buSzPts val="1100"/>
+            </a:pPr>
+            <a:r>
+              <a:rPr lang="en" sz="1600" dirty="0">
+                <a:solidFill>
+                  <a:schemeClr val="lt1"/>
+                </a:solidFill>
+                <a:latin typeface="Roboto Medium"/>
+                <a:ea typeface="Roboto Medium"/>
+                <a:cs typeface="Roboto Medium"/>
+                <a:sym typeface="Roboto Medium"/>
+              </a:rPr>
+              <a:t>T</a:t>
+            </a:r>
+            <a:r>
+              <a:rPr lang="en-GB" sz="1600" dirty="0">
+                <a:solidFill>
+                  <a:schemeClr val="lt1"/>
+                </a:solidFill>
+                <a:latin typeface="Roboto Medium"/>
+                <a:ea typeface="Roboto Medium"/>
+                <a:cs typeface="Roboto Medium"/>
+                <a:sym typeface="Roboto Medium"/>
+              </a:rPr>
+              <a:t>h</a:t>
+            </a:r>
+            <a:r>
+              <a:rPr lang="en" sz="1600" dirty="0">
+                <a:solidFill>
+                  <a:schemeClr val="lt1"/>
+                </a:solidFill>
+                <a:latin typeface="Roboto Medium"/>
+                <a:ea typeface="Roboto Medium"/>
+                <a:cs typeface="Roboto Medium"/>
+                <a:sym typeface="Roboto Medium"/>
+              </a:rPr>
+              <a:t>e main method of indexing used</a:t>
+            </a:r>
+            <a:endParaRPr sz="1600" dirty="0">
+              <a:solidFill>
+                <a:schemeClr val="lt1"/>
+              </a:solidFill>
+              <a:latin typeface="Roboto Medium"/>
+              <a:ea typeface="Roboto Medium"/>
+              <a:cs typeface="Roboto Medium"/>
+              <a:sym typeface="Roboto Medium"/>
+            </a:endParaRPr>
+          </a:p>
+        </p:txBody>
+      </p:sp>
+      <p:sp>
+        <p:nvSpPr>
+          <p:cNvPr id="524" name="Google Shape;524;p28"/>
+          <p:cNvSpPr/>
+          <p:nvPr/>
+        </p:nvSpPr>
+        <p:spPr>
+          <a:xfrm>
+            <a:off x="811764" y="3778933"/>
+            <a:ext cx="780000" cy="780000"/>
+          </a:xfrm>
+          <a:prstGeom prst="ellipse">
+            <a:avLst/>
+          </a:prstGeom>
+          <a:solidFill>
+            <a:srgbClr val="FFFFFF"/>
+          </a:solidFill>
+          <a:ln>
+            <a:noFill/>
+          </a:ln>
+        </p:spPr>
+        <p:txBody>
+          <a:bodyPr spcFirstLastPara="1" wrap="square" lIns="121900" tIns="60933" rIns="121900" bIns="60933" anchor="ctr" anchorCtr="0">
+            <a:noAutofit/>
+          </a:bodyPr>
+          <a:lstStyle/>
+          <a:p>
+            <a:pPr algn="ctr"/>
+            <a:endParaRPr sz="4800">
+              <a:solidFill>
+                <a:srgbClr val="FFFFFF"/>
+              </a:solidFill>
+              <a:latin typeface="Lato Light"/>
+              <a:ea typeface="Lato Light"/>
+              <a:cs typeface="Lato Light"/>
+              <a:sym typeface="Lato Light"/>
+            </a:endParaRPr>
+          </a:p>
+        </p:txBody>
+      </p:sp>
+      <p:sp>
+        <p:nvSpPr>
+          <p:cNvPr id="525" name="Google Shape;525;p28"/>
+          <p:cNvSpPr txBox="1"/>
+          <p:nvPr/>
+        </p:nvSpPr>
+        <p:spPr>
+          <a:xfrm>
+            <a:off x="2395418" y="3928933"/>
+            <a:ext cx="1409600" cy="480000"/>
+          </a:xfrm>
+          <a:prstGeom prst="rect">
+            <a:avLst/>
+          </a:prstGeom>
+          <a:noFill/>
+          <a:ln>
+            <a:noFill/>
+          </a:ln>
+        </p:spPr>
+        <p:txBody>
+          <a:bodyPr spcFirstLastPara="1" wrap="square" lIns="121900" tIns="60933" rIns="121900" bIns="60933" anchor="ctr" anchorCtr="0">
+            <a:noAutofit/>
+          </a:bodyPr>
+          <a:lstStyle/>
+          <a:p>
+            <a:pPr algn="ctr"/>
+            <a:r>
+              <a:rPr lang="en" sz="2667" dirty="0">
+                <a:solidFill>
+                  <a:srgbClr val="FFFFFF"/>
+                </a:solidFill>
+                <a:latin typeface="Fira Sans Condensed SemiBold"/>
+                <a:ea typeface="Fira Sans Condensed SemiBold"/>
+                <a:cs typeface="Fira Sans Condensed SemiBold"/>
+                <a:sym typeface="Fira Sans Condensed SemiBold"/>
+              </a:rPr>
+              <a:t>DMA</a:t>
+            </a:r>
+            <a:endParaRPr sz="2667" dirty="0">
+              <a:solidFill>
+                <a:srgbClr val="FFFFFF"/>
+              </a:solidFill>
+              <a:latin typeface="Fira Sans Condensed SemiBold"/>
+              <a:ea typeface="Fira Sans Condensed SemiBold"/>
+              <a:cs typeface="Fira Sans Condensed SemiBold"/>
+              <a:sym typeface="Fira Sans Condensed SemiBold"/>
+            </a:endParaRPr>
+          </a:p>
+        </p:txBody>
+      </p:sp>
+      <p:sp>
+        <p:nvSpPr>
+          <p:cNvPr id="526" name="Google Shape;526;p28"/>
+          <p:cNvSpPr txBox="1"/>
+          <p:nvPr/>
+        </p:nvSpPr>
+        <p:spPr>
+          <a:xfrm>
+            <a:off x="1591950" y="3928933"/>
+            <a:ext cx="803600" cy="480000"/>
+          </a:xfrm>
+          <a:prstGeom prst="rect">
+            <a:avLst/>
+          </a:prstGeom>
+          <a:noFill/>
+          <a:ln>
+            <a:noFill/>
+          </a:ln>
+        </p:spPr>
+        <p:txBody>
+          <a:bodyPr spcFirstLastPara="1" wrap="square" lIns="121900" tIns="60933" rIns="121900" bIns="60933" anchor="ctr" anchorCtr="0">
+            <a:noAutofit/>
+          </a:bodyPr>
+          <a:lstStyle/>
+          <a:p>
+            <a:pPr algn="ctr"/>
+            <a:r>
+              <a:rPr lang="en" sz="2667">
+                <a:solidFill>
+                  <a:srgbClr val="FFFFFF"/>
+                </a:solidFill>
+                <a:latin typeface="Fira Sans Condensed ExtraBold"/>
+                <a:ea typeface="Fira Sans Condensed ExtraBold"/>
+                <a:cs typeface="Fira Sans Condensed ExtraBold"/>
+                <a:sym typeface="Fira Sans Condensed ExtraBold"/>
+              </a:rPr>
+              <a:t>02</a:t>
+            </a:r>
+            <a:endParaRPr sz="2667">
+              <a:solidFill>
+                <a:srgbClr val="FFFFFF"/>
+              </a:solidFill>
+              <a:latin typeface="Fira Sans Condensed ExtraBold"/>
+              <a:ea typeface="Fira Sans Condensed ExtraBold"/>
+              <a:cs typeface="Fira Sans Condensed ExtraBold"/>
+              <a:sym typeface="Fira Sans Condensed ExtraBold"/>
+            </a:endParaRPr>
+          </a:p>
+        </p:txBody>
+      </p:sp>
+      <p:sp>
+        <p:nvSpPr>
+          <p:cNvPr id="527" name="Google Shape;527;p28"/>
+          <p:cNvSpPr/>
+          <p:nvPr/>
+        </p:nvSpPr>
+        <p:spPr>
+          <a:xfrm>
+            <a:off x="831080" y="5318067"/>
+            <a:ext cx="780000" cy="780000"/>
+          </a:xfrm>
+          <a:prstGeom prst="ellipse">
+            <a:avLst/>
+          </a:prstGeom>
+          <a:solidFill>
+            <a:srgbClr val="FFFFFF"/>
+          </a:solidFill>
+          <a:ln>
+            <a:noFill/>
+          </a:ln>
+        </p:spPr>
+        <p:txBody>
+          <a:bodyPr spcFirstLastPara="1" wrap="square" lIns="121900" tIns="60933" rIns="121900" bIns="60933" anchor="ctr" anchorCtr="0">
+            <a:noAutofit/>
+          </a:bodyPr>
+          <a:lstStyle/>
+          <a:p>
+            <a:pPr algn="ctr"/>
+            <a:endParaRPr sz="4800">
+              <a:solidFill>
+                <a:srgbClr val="FFFFFF"/>
+              </a:solidFill>
+              <a:latin typeface="Lato Light"/>
+              <a:ea typeface="Lato Light"/>
+              <a:cs typeface="Lato Light"/>
+              <a:sym typeface="Lato Light"/>
+            </a:endParaRPr>
+          </a:p>
+        </p:txBody>
+      </p:sp>
+      <p:sp>
+        <p:nvSpPr>
+          <p:cNvPr id="528" name="Google Shape;528;p28"/>
+          <p:cNvSpPr txBox="1"/>
+          <p:nvPr/>
+        </p:nvSpPr>
+        <p:spPr>
+          <a:xfrm>
+            <a:off x="2414735" y="5468067"/>
+            <a:ext cx="1409600" cy="480000"/>
+          </a:xfrm>
+          <a:prstGeom prst="rect">
+            <a:avLst/>
+          </a:prstGeom>
+          <a:noFill/>
+          <a:ln>
+            <a:noFill/>
+          </a:ln>
+        </p:spPr>
+        <p:txBody>
+          <a:bodyPr spcFirstLastPara="1" wrap="square" lIns="121900" tIns="60933" rIns="121900" bIns="60933" anchor="ctr" anchorCtr="0">
+            <a:noAutofit/>
+          </a:bodyPr>
+          <a:lstStyle/>
+          <a:p>
+            <a:pPr algn="ctr"/>
+            <a:r>
+              <a:rPr lang="en" sz="2667" dirty="0">
+                <a:solidFill>
+                  <a:srgbClr val="FFFFFF"/>
+                </a:solidFill>
+                <a:latin typeface="Fira Sans Condensed SemiBold"/>
+                <a:ea typeface="Fira Sans Condensed SemiBold"/>
+                <a:cs typeface="Fira Sans Condensed SemiBold"/>
+                <a:sym typeface="Fira Sans Condensed SemiBold"/>
+              </a:rPr>
+              <a:t>Format</a:t>
+            </a:r>
+            <a:endParaRPr sz="2667" dirty="0">
+              <a:solidFill>
+                <a:srgbClr val="FFFFFF"/>
+              </a:solidFill>
+              <a:latin typeface="Fira Sans Condensed SemiBold"/>
+              <a:ea typeface="Fira Sans Condensed SemiBold"/>
+              <a:cs typeface="Fira Sans Condensed SemiBold"/>
+              <a:sym typeface="Fira Sans Condensed SemiBold"/>
+            </a:endParaRPr>
+          </a:p>
+        </p:txBody>
+      </p:sp>
+      <p:sp>
+        <p:nvSpPr>
+          <p:cNvPr id="529" name="Google Shape;529;p28"/>
+          <p:cNvSpPr txBox="1"/>
+          <p:nvPr/>
+        </p:nvSpPr>
+        <p:spPr>
+          <a:xfrm>
+            <a:off x="1611267" y="5468067"/>
+            <a:ext cx="803600" cy="480000"/>
+          </a:xfrm>
+          <a:prstGeom prst="rect">
+            <a:avLst/>
+          </a:prstGeom>
+          <a:noFill/>
+          <a:ln>
+            <a:noFill/>
+          </a:ln>
+        </p:spPr>
+        <p:txBody>
+          <a:bodyPr spcFirstLastPara="1" wrap="square" lIns="121900" tIns="60933" rIns="121900" bIns="60933" anchor="ctr" anchorCtr="0">
+            <a:noAutofit/>
+          </a:bodyPr>
+          <a:lstStyle/>
+          <a:p>
+            <a:pPr algn="ctr"/>
+            <a:r>
+              <a:rPr lang="en" sz="2667">
+                <a:solidFill>
+                  <a:srgbClr val="FFFFFF"/>
+                </a:solidFill>
+                <a:latin typeface="Fira Sans Condensed ExtraBold"/>
+                <a:ea typeface="Fira Sans Condensed ExtraBold"/>
+                <a:cs typeface="Fira Sans Condensed ExtraBold"/>
+                <a:sym typeface="Fira Sans Condensed ExtraBold"/>
+              </a:rPr>
+              <a:t>03</a:t>
+            </a:r>
+            <a:endParaRPr sz="2667">
+              <a:solidFill>
+                <a:srgbClr val="FFFFFF"/>
+              </a:solidFill>
+              <a:latin typeface="Fira Sans Condensed ExtraBold"/>
+              <a:ea typeface="Fira Sans Condensed ExtraBold"/>
+              <a:cs typeface="Fira Sans Condensed ExtraBold"/>
+              <a:sym typeface="Fira Sans Condensed ExtraBold"/>
+            </a:endParaRPr>
+          </a:p>
+        </p:txBody>
+      </p:sp>
+      <p:sp>
+        <p:nvSpPr>
+          <p:cNvPr id="531" name="Google Shape;531;p28"/>
+          <p:cNvSpPr txBox="1"/>
+          <p:nvPr/>
+        </p:nvSpPr>
+        <p:spPr>
+          <a:xfrm>
+            <a:off x="2395468" y="2400236"/>
+            <a:ext cx="1409600" cy="480000"/>
+          </a:xfrm>
+          <a:prstGeom prst="rect">
+            <a:avLst/>
+          </a:prstGeom>
+          <a:noFill/>
+          <a:ln>
+            <a:noFill/>
+          </a:ln>
+        </p:spPr>
+        <p:txBody>
+          <a:bodyPr spcFirstLastPara="1" wrap="square" lIns="121900" tIns="60933" rIns="121900" bIns="60933" anchor="ctr" anchorCtr="0">
+            <a:noAutofit/>
+          </a:bodyPr>
+          <a:lstStyle/>
+          <a:p>
+            <a:pPr algn="ctr"/>
+            <a:r>
+              <a:rPr lang="en" sz="2667" dirty="0">
+                <a:solidFill>
+                  <a:srgbClr val="FFFFFF"/>
+                </a:solidFill>
+                <a:latin typeface="Fira Sans Condensed SemiBold"/>
+                <a:ea typeface="Fira Sans Condensed SemiBold"/>
+                <a:cs typeface="Fira Sans Condensed SemiBold"/>
+                <a:sym typeface="Fira Sans Condensed SemiBold"/>
+              </a:rPr>
+              <a:t>B-Tree</a:t>
+            </a:r>
+            <a:endParaRPr sz="2667" dirty="0">
+              <a:solidFill>
+                <a:srgbClr val="FFFFFF"/>
+              </a:solidFill>
+              <a:latin typeface="Fira Sans Condensed SemiBold"/>
+              <a:ea typeface="Fira Sans Condensed SemiBold"/>
+              <a:cs typeface="Fira Sans Condensed SemiBold"/>
+              <a:sym typeface="Fira Sans Condensed SemiBold"/>
+            </a:endParaRPr>
+          </a:p>
+        </p:txBody>
+      </p:sp>
+      <p:sp>
+        <p:nvSpPr>
+          <p:cNvPr id="530" name="Google Shape;530;p28"/>
+          <p:cNvSpPr/>
+          <p:nvPr/>
+        </p:nvSpPr>
+        <p:spPr>
+          <a:xfrm>
+            <a:off x="811813" y="2250236"/>
+            <a:ext cx="780000" cy="780000"/>
+          </a:xfrm>
+          <a:prstGeom prst="ellipse">
+            <a:avLst/>
+          </a:prstGeom>
+          <a:solidFill>
+            <a:schemeClr val="bg1"/>
+          </a:solidFill>
+          <a:ln>
+            <a:noFill/>
+          </a:ln>
+        </p:spPr>
+        <p:txBody>
+          <a:bodyPr spcFirstLastPara="1" wrap="square" lIns="121900" tIns="60933" rIns="121900" bIns="60933" anchor="ctr" anchorCtr="0">
+            <a:noAutofit/>
+          </a:bodyPr>
+          <a:lstStyle/>
+          <a:p>
+            <a:pPr algn="ctr"/>
+            <a:endParaRPr sz="4800">
+              <a:solidFill>
+                <a:srgbClr val="FFFFFF"/>
+              </a:solidFill>
+              <a:latin typeface="Lato Light"/>
+              <a:ea typeface="Lato Light"/>
+              <a:cs typeface="Lato Light"/>
+              <a:sym typeface="Lato Light"/>
+            </a:endParaRPr>
+          </a:p>
+        </p:txBody>
+      </p:sp>
+      <p:sp>
+        <p:nvSpPr>
+          <p:cNvPr id="532" name="Google Shape;532;p28"/>
+          <p:cNvSpPr txBox="1"/>
+          <p:nvPr/>
+        </p:nvSpPr>
+        <p:spPr>
+          <a:xfrm>
+            <a:off x="1592000" y="2400233"/>
+            <a:ext cx="803600" cy="480000"/>
+          </a:xfrm>
+          <a:prstGeom prst="rect">
+            <a:avLst/>
+          </a:prstGeom>
+          <a:noFill/>
+          <a:ln>
+            <a:noFill/>
+          </a:ln>
+        </p:spPr>
+        <p:txBody>
+          <a:bodyPr spcFirstLastPara="1" wrap="square" lIns="121900" tIns="60933" rIns="121900" bIns="60933" anchor="ctr" anchorCtr="0">
+            <a:noAutofit/>
+          </a:bodyPr>
+          <a:lstStyle/>
+          <a:p>
+            <a:pPr algn="ctr"/>
+            <a:r>
+              <a:rPr lang="en" sz="2667">
+                <a:solidFill>
+                  <a:srgbClr val="FFFFFF"/>
+                </a:solidFill>
+                <a:latin typeface="Fira Sans Condensed ExtraBold"/>
+                <a:ea typeface="Fira Sans Condensed ExtraBold"/>
+                <a:cs typeface="Fira Sans Condensed ExtraBold"/>
+                <a:sym typeface="Fira Sans Condensed ExtraBold"/>
+              </a:rPr>
+              <a:t>01</a:t>
+            </a:r>
+            <a:endParaRPr sz="2667">
+              <a:solidFill>
+                <a:srgbClr val="FFFFFF"/>
+              </a:solidFill>
+              <a:latin typeface="Fira Sans Condensed ExtraBold"/>
+              <a:ea typeface="Fira Sans Condensed ExtraBold"/>
+              <a:cs typeface="Fira Sans Condensed ExtraBold"/>
+              <a:sym typeface="Fira Sans Condensed ExtraBold"/>
+            </a:endParaRPr>
+          </a:p>
+        </p:txBody>
+      </p:sp>
+      <p:grpSp>
+        <p:nvGrpSpPr>
+          <p:cNvPr id="541" name="Google Shape;541;p28"/>
+          <p:cNvGrpSpPr/>
+          <p:nvPr/>
+        </p:nvGrpSpPr>
+        <p:grpSpPr>
+          <a:xfrm>
+            <a:off x="1043649" y="3986052"/>
+            <a:ext cx="316219" cy="365749"/>
+            <a:chOff x="-16775350" y="3683300"/>
+            <a:chExt cx="267800" cy="306425"/>
+          </a:xfrm>
+        </p:grpSpPr>
+        <p:sp>
+          <p:nvSpPr>
+            <p:cNvPr id="542" name="Google Shape;542;p28"/>
+            <p:cNvSpPr/>
+            <p:nvPr/>
+          </p:nvSpPr>
+          <p:spPr>
+            <a:xfrm>
+              <a:off x="-16775350" y="3683300"/>
+              <a:ext cx="267800" cy="306425"/>
+            </a:xfrm>
+            <a:custGeom>
+              <a:avLst/>
+              <a:gdLst/>
+              <a:ahLst/>
+              <a:cxnLst/>
+              <a:rect l="l" t="t" r="r" b="b"/>
+              <a:pathLst>
+                <a:path w="10712" h="12257" extrusionOk="0">
+                  <a:moveTo>
+                    <a:pt x="5356" y="1"/>
+                  </a:moveTo>
+                  <a:cubicBezTo>
+                    <a:pt x="2395" y="1"/>
+                    <a:pt x="0" y="2395"/>
+                    <a:pt x="0" y="5357"/>
+                  </a:cubicBezTo>
+                  <a:lnTo>
+                    <a:pt x="0" y="11847"/>
+                  </a:lnTo>
+                  <a:cubicBezTo>
+                    <a:pt x="0" y="12036"/>
+                    <a:pt x="158" y="12193"/>
+                    <a:pt x="347" y="12193"/>
+                  </a:cubicBezTo>
+                  <a:lnTo>
+                    <a:pt x="1418" y="12193"/>
+                  </a:lnTo>
+                  <a:lnTo>
+                    <a:pt x="1418" y="11153"/>
+                  </a:lnTo>
+                  <a:cubicBezTo>
+                    <a:pt x="1418" y="10303"/>
+                    <a:pt x="1702" y="9578"/>
+                    <a:pt x="2206" y="8917"/>
+                  </a:cubicBezTo>
+                  <a:lnTo>
+                    <a:pt x="2741" y="8224"/>
+                  </a:lnTo>
+                  <a:lnTo>
+                    <a:pt x="2017" y="7121"/>
+                  </a:lnTo>
+                  <a:cubicBezTo>
+                    <a:pt x="1607" y="6522"/>
+                    <a:pt x="1418" y="5829"/>
+                    <a:pt x="1418" y="5136"/>
+                  </a:cubicBezTo>
+                  <a:cubicBezTo>
+                    <a:pt x="1418" y="4128"/>
+                    <a:pt x="2080" y="3183"/>
+                    <a:pt x="3025" y="2994"/>
+                  </a:cubicBezTo>
+                  <a:cubicBezTo>
+                    <a:pt x="3197" y="2953"/>
+                    <a:pt x="3371" y="2933"/>
+                    <a:pt x="3544" y="2933"/>
+                  </a:cubicBezTo>
+                  <a:cubicBezTo>
+                    <a:pt x="4034" y="2933"/>
+                    <a:pt x="4511" y="3092"/>
+                    <a:pt x="4884" y="3372"/>
+                  </a:cubicBezTo>
+                  <a:cubicBezTo>
+                    <a:pt x="5041" y="3529"/>
+                    <a:pt x="5199" y="3687"/>
+                    <a:pt x="5293" y="3844"/>
+                  </a:cubicBezTo>
+                  <a:cubicBezTo>
+                    <a:pt x="5388" y="3687"/>
+                    <a:pt x="5514" y="3561"/>
+                    <a:pt x="5671" y="3466"/>
+                  </a:cubicBezTo>
+                  <a:cubicBezTo>
+                    <a:pt x="6052" y="3086"/>
+                    <a:pt x="6649" y="2896"/>
+                    <a:pt x="7187" y="2896"/>
+                  </a:cubicBezTo>
+                  <a:cubicBezTo>
+                    <a:pt x="7228" y="2896"/>
+                    <a:pt x="7269" y="2897"/>
+                    <a:pt x="7310" y="2899"/>
+                  </a:cubicBezTo>
+                  <a:cubicBezTo>
+                    <a:pt x="8412" y="3025"/>
+                    <a:pt x="9263" y="4002"/>
+                    <a:pt x="9263" y="5136"/>
+                  </a:cubicBezTo>
+                  <a:cubicBezTo>
+                    <a:pt x="9263" y="5735"/>
+                    <a:pt x="9137" y="6302"/>
+                    <a:pt x="8885" y="6837"/>
+                  </a:cubicBezTo>
+                  <a:cubicBezTo>
+                    <a:pt x="8664" y="7404"/>
+                    <a:pt x="8349" y="7877"/>
+                    <a:pt x="7940" y="8255"/>
+                  </a:cubicBezTo>
+                  <a:cubicBezTo>
+                    <a:pt x="8349" y="8665"/>
+                    <a:pt x="8664" y="9137"/>
+                    <a:pt x="8885" y="9673"/>
+                  </a:cubicBezTo>
+                  <a:cubicBezTo>
+                    <a:pt x="9137" y="10240"/>
+                    <a:pt x="9263" y="10775"/>
+                    <a:pt x="9263" y="11374"/>
+                  </a:cubicBezTo>
+                  <a:lnTo>
+                    <a:pt x="9263" y="12256"/>
+                  </a:lnTo>
+                  <a:lnTo>
+                    <a:pt x="10302" y="12256"/>
+                  </a:lnTo>
+                  <a:cubicBezTo>
+                    <a:pt x="10523" y="12256"/>
+                    <a:pt x="10681" y="12099"/>
+                    <a:pt x="10681" y="11878"/>
+                  </a:cubicBezTo>
+                  <a:lnTo>
+                    <a:pt x="10681" y="5420"/>
+                  </a:lnTo>
+                  <a:cubicBezTo>
+                    <a:pt x="10712" y="2395"/>
+                    <a:pt x="8286" y="1"/>
+                    <a:pt x="5356" y="1"/>
+                  </a:cubicBezTo>
+                  <a:close/>
+                </a:path>
+              </a:pathLst>
+            </a:custGeom>
+            <a:solidFill>
+              <a:schemeClr val="accent3"/>
+            </a:solidFill>
+            <a:ln>
+              <a:noFill/>
+            </a:ln>
+          </p:spPr>
+          <p:txBody>
+            <a:bodyPr spcFirstLastPara="1" wrap="square" lIns="121900" tIns="121900" rIns="121900" bIns="121900" anchor="ctr" anchorCtr="0">
+              <a:noAutofit/>
+            </a:bodyPr>
+            <a:lstStyle/>
+            <a:p>
+              <a:endParaRPr sz="2400"/>
+            </a:p>
+          </p:txBody>
+        </p:sp>
+        <p:sp>
+          <p:nvSpPr>
+            <p:cNvPr id="543" name="Google Shape;543;p28"/>
+            <p:cNvSpPr/>
+            <p:nvPr/>
+          </p:nvSpPr>
+          <p:spPr>
+            <a:xfrm>
+              <a:off x="-16648550" y="3847925"/>
+              <a:ext cx="13425" cy="21275"/>
+            </a:xfrm>
+            <a:custGeom>
+              <a:avLst/>
+              <a:gdLst/>
+              <a:ahLst/>
+              <a:cxnLst/>
+              <a:rect l="l" t="t" r="r" b="b"/>
+              <a:pathLst>
+                <a:path w="537" h="851" extrusionOk="0">
+                  <a:moveTo>
+                    <a:pt x="284" y="0"/>
+                  </a:moveTo>
+                  <a:lnTo>
+                    <a:pt x="1" y="252"/>
+                  </a:lnTo>
+                  <a:lnTo>
+                    <a:pt x="284" y="851"/>
+                  </a:lnTo>
+                  <a:lnTo>
+                    <a:pt x="536" y="252"/>
+                  </a:lnTo>
+                  <a:lnTo>
+                    <a:pt x="284" y="0"/>
+                  </a:lnTo>
+                  <a:close/>
+                </a:path>
+              </a:pathLst>
+            </a:custGeom>
+            <a:solidFill>
+              <a:schemeClr val="accent3"/>
+            </a:solidFill>
+            <a:ln>
+              <a:noFill/>
+            </a:ln>
+          </p:spPr>
+          <p:txBody>
+            <a:bodyPr spcFirstLastPara="1" wrap="square" lIns="121900" tIns="121900" rIns="121900" bIns="121900" anchor="ctr" anchorCtr="0">
+              <a:noAutofit/>
+            </a:bodyPr>
+            <a:lstStyle/>
+            <a:p>
+              <a:endParaRPr sz="2400"/>
+            </a:p>
+          </p:txBody>
+        </p:sp>
+        <p:sp>
+          <p:nvSpPr>
+            <p:cNvPr id="544" name="Google Shape;544;p28"/>
+            <p:cNvSpPr/>
+            <p:nvPr/>
+          </p:nvSpPr>
+          <p:spPr>
+            <a:xfrm>
+              <a:off x="-16722575" y="3771400"/>
+              <a:ext cx="161475" cy="215950"/>
+            </a:xfrm>
+            <a:custGeom>
+              <a:avLst/>
+              <a:gdLst/>
+              <a:ahLst/>
+              <a:cxnLst/>
+              <a:rect l="l" t="t" r="r" b="b"/>
+              <a:pathLst>
+                <a:path w="6459" h="8638" extrusionOk="0">
+                  <a:moveTo>
+                    <a:pt x="1827" y="1486"/>
+                  </a:moveTo>
+                  <a:cubicBezTo>
+                    <a:pt x="2017" y="1486"/>
+                    <a:pt x="2174" y="1644"/>
+                    <a:pt x="2174" y="1833"/>
+                  </a:cubicBezTo>
+                  <a:cubicBezTo>
+                    <a:pt x="2174" y="2022"/>
+                    <a:pt x="2017" y="2179"/>
+                    <a:pt x="1827" y="2179"/>
+                  </a:cubicBezTo>
+                  <a:cubicBezTo>
+                    <a:pt x="1607" y="2179"/>
+                    <a:pt x="1449" y="2022"/>
+                    <a:pt x="1449" y="1833"/>
+                  </a:cubicBezTo>
+                  <a:cubicBezTo>
+                    <a:pt x="1449" y="1644"/>
+                    <a:pt x="1607" y="1486"/>
+                    <a:pt x="1827" y="1486"/>
+                  </a:cubicBezTo>
+                  <a:close/>
+                  <a:moveTo>
+                    <a:pt x="4663" y="1486"/>
+                  </a:moveTo>
+                  <a:cubicBezTo>
+                    <a:pt x="4852" y="1486"/>
+                    <a:pt x="5009" y="1644"/>
+                    <a:pt x="5009" y="1833"/>
+                  </a:cubicBezTo>
+                  <a:cubicBezTo>
+                    <a:pt x="5009" y="2022"/>
+                    <a:pt x="4852" y="2179"/>
+                    <a:pt x="4663" y="2179"/>
+                  </a:cubicBezTo>
+                  <a:cubicBezTo>
+                    <a:pt x="4442" y="2179"/>
+                    <a:pt x="4285" y="2022"/>
+                    <a:pt x="4285" y="1833"/>
+                  </a:cubicBezTo>
+                  <a:cubicBezTo>
+                    <a:pt x="4285" y="1644"/>
+                    <a:pt x="4442" y="1486"/>
+                    <a:pt x="4663" y="1486"/>
+                  </a:cubicBezTo>
+                  <a:close/>
+                  <a:moveTo>
+                    <a:pt x="3257" y="2219"/>
+                  </a:moveTo>
+                  <a:cubicBezTo>
+                    <a:pt x="3348" y="2219"/>
+                    <a:pt x="3434" y="2258"/>
+                    <a:pt x="3497" y="2337"/>
+                  </a:cubicBezTo>
+                  <a:lnTo>
+                    <a:pt x="4222" y="3061"/>
+                  </a:lnTo>
+                  <a:cubicBezTo>
+                    <a:pt x="4285" y="3124"/>
+                    <a:pt x="4348" y="3282"/>
+                    <a:pt x="4253" y="3439"/>
+                  </a:cubicBezTo>
+                  <a:lnTo>
+                    <a:pt x="3560" y="4857"/>
+                  </a:lnTo>
+                  <a:cubicBezTo>
+                    <a:pt x="3466" y="4983"/>
+                    <a:pt x="3340" y="5046"/>
+                    <a:pt x="3245" y="5046"/>
+                  </a:cubicBezTo>
+                  <a:cubicBezTo>
+                    <a:pt x="3119" y="5046"/>
+                    <a:pt x="2962" y="4983"/>
+                    <a:pt x="2930" y="4857"/>
+                  </a:cubicBezTo>
+                  <a:lnTo>
+                    <a:pt x="2206" y="3439"/>
+                  </a:lnTo>
+                  <a:cubicBezTo>
+                    <a:pt x="2143" y="3313"/>
+                    <a:pt x="2174" y="3124"/>
+                    <a:pt x="2300" y="3061"/>
+                  </a:cubicBezTo>
+                  <a:lnTo>
+                    <a:pt x="2993" y="2337"/>
+                  </a:lnTo>
+                  <a:cubicBezTo>
+                    <a:pt x="3072" y="2258"/>
+                    <a:pt x="3166" y="2219"/>
+                    <a:pt x="3257" y="2219"/>
+                  </a:cubicBezTo>
+                  <a:close/>
+                  <a:moveTo>
+                    <a:pt x="5044" y="1"/>
+                  </a:moveTo>
+                  <a:cubicBezTo>
+                    <a:pt x="4682" y="1"/>
+                    <a:pt x="4348" y="125"/>
+                    <a:pt x="4064" y="352"/>
+                  </a:cubicBezTo>
+                  <a:cubicBezTo>
+                    <a:pt x="3749" y="635"/>
+                    <a:pt x="3592" y="1045"/>
+                    <a:pt x="3592" y="1423"/>
+                  </a:cubicBezTo>
+                  <a:cubicBezTo>
+                    <a:pt x="3592" y="1612"/>
+                    <a:pt x="3434" y="1770"/>
+                    <a:pt x="3245" y="1770"/>
+                  </a:cubicBezTo>
+                  <a:cubicBezTo>
+                    <a:pt x="3025" y="1770"/>
+                    <a:pt x="2867" y="1612"/>
+                    <a:pt x="2867" y="1423"/>
+                  </a:cubicBezTo>
+                  <a:cubicBezTo>
+                    <a:pt x="2867" y="982"/>
+                    <a:pt x="2678" y="604"/>
+                    <a:pt x="2332" y="320"/>
+                  </a:cubicBezTo>
+                  <a:cubicBezTo>
+                    <a:pt x="2072" y="108"/>
+                    <a:pt x="1759" y="1"/>
+                    <a:pt x="1419" y="1"/>
+                  </a:cubicBezTo>
+                  <a:cubicBezTo>
+                    <a:pt x="1306" y="1"/>
+                    <a:pt x="1190" y="13"/>
+                    <a:pt x="1071" y="37"/>
+                  </a:cubicBezTo>
+                  <a:cubicBezTo>
+                    <a:pt x="410" y="194"/>
+                    <a:pt x="0" y="887"/>
+                    <a:pt x="0" y="1549"/>
+                  </a:cubicBezTo>
+                  <a:cubicBezTo>
+                    <a:pt x="0" y="2085"/>
+                    <a:pt x="158" y="2652"/>
+                    <a:pt x="473" y="3124"/>
+                  </a:cubicBezTo>
+                  <a:lnTo>
+                    <a:pt x="1386" y="4448"/>
+                  </a:lnTo>
+                  <a:cubicBezTo>
+                    <a:pt x="1449" y="4574"/>
+                    <a:pt x="1449" y="4763"/>
+                    <a:pt x="1386" y="4889"/>
+                  </a:cubicBezTo>
+                  <a:lnTo>
+                    <a:pt x="662" y="5802"/>
+                  </a:lnTo>
+                  <a:cubicBezTo>
+                    <a:pt x="284" y="6275"/>
+                    <a:pt x="32" y="6905"/>
+                    <a:pt x="32" y="7566"/>
+                  </a:cubicBezTo>
+                  <a:lnTo>
+                    <a:pt x="32" y="8638"/>
+                  </a:lnTo>
+                  <a:lnTo>
+                    <a:pt x="6459" y="8638"/>
+                  </a:lnTo>
+                  <a:lnTo>
+                    <a:pt x="6459" y="7756"/>
+                  </a:lnTo>
+                  <a:cubicBezTo>
+                    <a:pt x="6459" y="7283"/>
+                    <a:pt x="6396" y="6779"/>
+                    <a:pt x="6175" y="6338"/>
+                  </a:cubicBezTo>
+                  <a:cubicBezTo>
+                    <a:pt x="5860" y="5708"/>
+                    <a:pt x="5545" y="5424"/>
+                    <a:pt x="5136" y="4920"/>
+                  </a:cubicBezTo>
+                  <a:cubicBezTo>
+                    <a:pt x="4978" y="4794"/>
+                    <a:pt x="4978" y="4574"/>
+                    <a:pt x="5136" y="4416"/>
+                  </a:cubicBezTo>
+                  <a:cubicBezTo>
+                    <a:pt x="5608" y="3943"/>
+                    <a:pt x="5860" y="3691"/>
+                    <a:pt x="6144" y="2967"/>
+                  </a:cubicBezTo>
+                  <a:cubicBezTo>
+                    <a:pt x="6333" y="2526"/>
+                    <a:pt x="6427" y="2022"/>
+                    <a:pt x="6427" y="1549"/>
+                  </a:cubicBezTo>
+                  <a:cubicBezTo>
+                    <a:pt x="6427" y="793"/>
+                    <a:pt x="5860" y="100"/>
+                    <a:pt x="5167" y="5"/>
+                  </a:cubicBezTo>
+                  <a:cubicBezTo>
+                    <a:pt x="5126" y="2"/>
+                    <a:pt x="5085" y="1"/>
+                    <a:pt x="5044" y="1"/>
+                  </a:cubicBezTo>
+                  <a:close/>
+                </a:path>
+              </a:pathLst>
+            </a:custGeom>
+            <a:solidFill>
+              <a:schemeClr val="accent3"/>
+            </a:solidFill>
+            <a:ln>
+              <a:noFill/>
+            </a:ln>
+          </p:spPr>
+          <p:txBody>
+            <a:bodyPr spcFirstLastPara="1" wrap="square" lIns="121900" tIns="121900" rIns="121900" bIns="121900" anchor="ctr" anchorCtr="0">
+              <a:noAutofit/>
+            </a:bodyPr>
+            <a:lstStyle/>
+            <a:p>
+              <a:endParaRPr sz="2400"/>
+            </a:p>
+          </p:txBody>
+        </p:sp>
+      </p:grpSp>
+      <p:grpSp>
+        <p:nvGrpSpPr>
+          <p:cNvPr id="545" name="Google Shape;545;p28"/>
+          <p:cNvGrpSpPr/>
+          <p:nvPr/>
+        </p:nvGrpSpPr>
+        <p:grpSpPr>
+          <a:xfrm>
+            <a:off x="1042024" y="5523045"/>
+            <a:ext cx="358107" cy="361959"/>
+            <a:chOff x="-18270275" y="3710875"/>
+            <a:chExt cx="303275" cy="303250"/>
+          </a:xfrm>
+        </p:grpSpPr>
+        <p:sp>
+          <p:nvSpPr>
+            <p:cNvPr id="546" name="Google Shape;546;p28"/>
+            <p:cNvSpPr/>
+            <p:nvPr/>
+          </p:nvSpPr>
+          <p:spPr>
+            <a:xfrm>
+              <a:off x="-18240325" y="3896975"/>
+              <a:ext cx="59875" cy="71475"/>
+            </a:xfrm>
+            <a:custGeom>
+              <a:avLst/>
+              <a:gdLst/>
+              <a:ahLst/>
+              <a:cxnLst/>
+              <a:rect l="l" t="t" r="r" b="b"/>
+              <a:pathLst>
+                <a:path w="2395" h="2859" extrusionOk="0">
+                  <a:moveTo>
+                    <a:pt x="1520" y="0"/>
+                  </a:moveTo>
+                  <a:cubicBezTo>
+                    <a:pt x="1300" y="0"/>
+                    <a:pt x="1085" y="84"/>
+                    <a:pt x="945" y="244"/>
+                  </a:cubicBezTo>
+                  <a:lnTo>
+                    <a:pt x="0" y="1189"/>
+                  </a:lnTo>
+                  <a:cubicBezTo>
+                    <a:pt x="725" y="1220"/>
+                    <a:pt x="1418" y="1567"/>
+                    <a:pt x="1827" y="2165"/>
+                  </a:cubicBezTo>
+                  <a:cubicBezTo>
+                    <a:pt x="1827" y="2165"/>
+                    <a:pt x="2048" y="2386"/>
+                    <a:pt x="2395" y="2859"/>
+                  </a:cubicBezTo>
+                  <a:cubicBezTo>
+                    <a:pt x="2395" y="2670"/>
+                    <a:pt x="2363" y="2512"/>
+                    <a:pt x="2363" y="2354"/>
+                  </a:cubicBezTo>
+                  <a:lnTo>
+                    <a:pt x="2363" y="811"/>
+                  </a:lnTo>
+                  <a:cubicBezTo>
+                    <a:pt x="2363" y="496"/>
+                    <a:pt x="2205" y="244"/>
+                    <a:pt x="1890" y="86"/>
+                  </a:cubicBezTo>
+                  <a:cubicBezTo>
+                    <a:pt x="1775" y="28"/>
+                    <a:pt x="1647" y="0"/>
+                    <a:pt x="1520" y="0"/>
+                  </a:cubicBezTo>
+                  <a:close/>
+                </a:path>
+              </a:pathLst>
+            </a:custGeom>
+            <a:solidFill>
+              <a:schemeClr val="accent4"/>
+            </a:solidFill>
+            <a:ln>
+              <a:noFill/>
+            </a:ln>
+          </p:spPr>
+          <p:txBody>
+            <a:bodyPr spcFirstLastPara="1" wrap="square" lIns="121900" tIns="121900" rIns="121900" bIns="121900" anchor="ctr" anchorCtr="0">
+              <a:noAutofit/>
+            </a:bodyPr>
+            <a:lstStyle/>
+            <a:p>
+              <a:endParaRPr sz="2400"/>
+            </a:p>
+          </p:txBody>
+        </p:sp>
+        <p:sp>
+          <p:nvSpPr>
+            <p:cNvPr id="547" name="Google Shape;547;p28"/>
+            <p:cNvSpPr/>
+            <p:nvPr/>
+          </p:nvSpPr>
+          <p:spPr>
+            <a:xfrm>
+              <a:off x="-18254500" y="3765100"/>
+              <a:ext cx="267800" cy="249025"/>
+            </a:xfrm>
+            <a:custGeom>
+              <a:avLst/>
+              <a:gdLst/>
+              <a:ahLst/>
+              <a:cxnLst/>
+              <a:rect l="l" t="t" r="r" b="b"/>
+              <a:pathLst>
+                <a:path w="10712" h="9961" extrusionOk="0">
+                  <a:moveTo>
+                    <a:pt x="2583" y="2880"/>
+                  </a:moveTo>
+                  <a:cubicBezTo>
+                    <a:pt x="2670" y="2880"/>
+                    <a:pt x="2757" y="2919"/>
+                    <a:pt x="2835" y="2998"/>
+                  </a:cubicBezTo>
+                  <a:lnTo>
+                    <a:pt x="3560" y="3691"/>
+                  </a:lnTo>
+                  <a:cubicBezTo>
+                    <a:pt x="3718" y="3849"/>
+                    <a:pt x="3718" y="4038"/>
+                    <a:pt x="3560" y="4195"/>
+                  </a:cubicBezTo>
+                  <a:cubicBezTo>
+                    <a:pt x="3466" y="4290"/>
+                    <a:pt x="3403" y="4321"/>
+                    <a:pt x="3308" y="4321"/>
+                  </a:cubicBezTo>
+                  <a:cubicBezTo>
+                    <a:pt x="3245" y="4321"/>
+                    <a:pt x="3119" y="4290"/>
+                    <a:pt x="3088" y="4195"/>
+                  </a:cubicBezTo>
+                  <a:lnTo>
+                    <a:pt x="2363" y="3502"/>
+                  </a:lnTo>
+                  <a:cubicBezTo>
+                    <a:pt x="2174" y="3345"/>
+                    <a:pt x="2174" y="3093"/>
+                    <a:pt x="2331" y="2998"/>
+                  </a:cubicBezTo>
+                  <a:cubicBezTo>
+                    <a:pt x="2410" y="2919"/>
+                    <a:pt x="2497" y="2880"/>
+                    <a:pt x="2583" y="2880"/>
+                  </a:cubicBezTo>
+                  <a:close/>
+                  <a:moveTo>
+                    <a:pt x="8286" y="2880"/>
+                  </a:moveTo>
+                  <a:cubicBezTo>
+                    <a:pt x="8372" y="2880"/>
+                    <a:pt x="8459" y="2919"/>
+                    <a:pt x="8538" y="2998"/>
+                  </a:cubicBezTo>
+                  <a:cubicBezTo>
+                    <a:pt x="8695" y="3156"/>
+                    <a:pt x="8695" y="3345"/>
+                    <a:pt x="8538" y="3502"/>
+                  </a:cubicBezTo>
+                  <a:lnTo>
+                    <a:pt x="7845" y="4195"/>
+                  </a:lnTo>
+                  <a:cubicBezTo>
+                    <a:pt x="7750" y="4290"/>
+                    <a:pt x="7687" y="4321"/>
+                    <a:pt x="7593" y="4321"/>
+                  </a:cubicBezTo>
+                  <a:cubicBezTo>
+                    <a:pt x="7530" y="4321"/>
+                    <a:pt x="7404" y="4290"/>
+                    <a:pt x="7372" y="4195"/>
+                  </a:cubicBezTo>
+                  <a:cubicBezTo>
+                    <a:pt x="7183" y="4038"/>
+                    <a:pt x="7183" y="3817"/>
+                    <a:pt x="7341" y="3691"/>
+                  </a:cubicBezTo>
+                  <a:lnTo>
+                    <a:pt x="8034" y="2998"/>
+                  </a:lnTo>
+                  <a:cubicBezTo>
+                    <a:pt x="8113" y="2919"/>
+                    <a:pt x="8199" y="2880"/>
+                    <a:pt x="8286" y="2880"/>
+                  </a:cubicBezTo>
+                  <a:close/>
+                  <a:moveTo>
+                    <a:pt x="5272" y="0"/>
+                  </a:moveTo>
+                  <a:cubicBezTo>
+                    <a:pt x="3911" y="0"/>
+                    <a:pt x="2618" y="504"/>
+                    <a:pt x="1607" y="1486"/>
+                  </a:cubicBezTo>
+                  <a:cubicBezTo>
+                    <a:pt x="567" y="2526"/>
+                    <a:pt x="0" y="3849"/>
+                    <a:pt x="0" y="5361"/>
+                  </a:cubicBezTo>
+                  <a:lnTo>
+                    <a:pt x="0" y="5897"/>
+                  </a:lnTo>
+                  <a:lnTo>
+                    <a:pt x="977" y="4983"/>
+                  </a:lnTo>
+                  <a:cubicBezTo>
+                    <a:pt x="1267" y="4693"/>
+                    <a:pt x="1651" y="4534"/>
+                    <a:pt x="2044" y="4534"/>
+                  </a:cubicBezTo>
+                  <a:cubicBezTo>
+                    <a:pt x="2291" y="4534"/>
+                    <a:pt x="2541" y="4597"/>
+                    <a:pt x="2772" y="4731"/>
+                  </a:cubicBezTo>
+                  <a:cubicBezTo>
+                    <a:pt x="3277" y="4983"/>
+                    <a:pt x="3623" y="5519"/>
+                    <a:pt x="3623" y="6086"/>
+                  </a:cubicBezTo>
+                  <a:lnTo>
+                    <a:pt x="3623" y="7629"/>
+                  </a:lnTo>
+                  <a:cubicBezTo>
+                    <a:pt x="3623" y="8575"/>
+                    <a:pt x="4190" y="9709"/>
+                    <a:pt x="5041" y="9961"/>
+                  </a:cubicBezTo>
+                  <a:lnTo>
+                    <a:pt x="5041" y="8701"/>
+                  </a:lnTo>
+                  <a:lnTo>
+                    <a:pt x="4411" y="7913"/>
+                  </a:lnTo>
+                  <a:cubicBezTo>
+                    <a:pt x="4379" y="7818"/>
+                    <a:pt x="4348" y="7755"/>
+                    <a:pt x="4348" y="7661"/>
+                  </a:cubicBezTo>
+                  <a:cubicBezTo>
+                    <a:pt x="4348" y="7062"/>
+                    <a:pt x="4820" y="6590"/>
+                    <a:pt x="5387" y="6590"/>
+                  </a:cubicBezTo>
+                  <a:cubicBezTo>
+                    <a:pt x="5986" y="6590"/>
+                    <a:pt x="6459" y="7062"/>
+                    <a:pt x="6459" y="7661"/>
+                  </a:cubicBezTo>
+                  <a:cubicBezTo>
+                    <a:pt x="6459" y="7755"/>
+                    <a:pt x="6427" y="7818"/>
+                    <a:pt x="6396" y="7913"/>
+                  </a:cubicBezTo>
+                  <a:lnTo>
+                    <a:pt x="5765" y="8701"/>
+                  </a:lnTo>
+                  <a:lnTo>
+                    <a:pt x="5765" y="9961"/>
+                  </a:lnTo>
+                  <a:cubicBezTo>
+                    <a:pt x="6616" y="9709"/>
+                    <a:pt x="7183" y="8575"/>
+                    <a:pt x="7183" y="7629"/>
+                  </a:cubicBezTo>
+                  <a:lnTo>
+                    <a:pt x="7183" y="6086"/>
+                  </a:lnTo>
+                  <a:cubicBezTo>
+                    <a:pt x="7183" y="5519"/>
+                    <a:pt x="7498" y="4983"/>
+                    <a:pt x="8034" y="4731"/>
+                  </a:cubicBezTo>
+                  <a:cubicBezTo>
+                    <a:pt x="8265" y="4597"/>
+                    <a:pt x="8511" y="4534"/>
+                    <a:pt x="8752" y="4534"/>
+                  </a:cubicBezTo>
+                  <a:cubicBezTo>
+                    <a:pt x="9135" y="4534"/>
+                    <a:pt x="9508" y="4693"/>
+                    <a:pt x="9798" y="4983"/>
+                  </a:cubicBezTo>
+                  <a:lnTo>
+                    <a:pt x="10712" y="5897"/>
+                  </a:lnTo>
+                  <a:lnTo>
+                    <a:pt x="10712" y="5550"/>
+                  </a:lnTo>
+                  <a:cubicBezTo>
+                    <a:pt x="10712" y="2557"/>
+                    <a:pt x="8380" y="68"/>
+                    <a:pt x="5513" y="5"/>
+                  </a:cubicBezTo>
+                  <a:cubicBezTo>
+                    <a:pt x="5433" y="2"/>
+                    <a:pt x="5352" y="0"/>
+                    <a:pt x="5272" y="0"/>
+                  </a:cubicBezTo>
+                  <a:close/>
+                </a:path>
+              </a:pathLst>
+            </a:custGeom>
+            <a:solidFill>
+              <a:schemeClr val="accent4"/>
+            </a:solidFill>
+            <a:ln>
+              <a:noFill/>
+            </a:ln>
+          </p:spPr>
+          <p:txBody>
+            <a:bodyPr spcFirstLastPara="1" wrap="square" lIns="121900" tIns="121900" rIns="121900" bIns="121900" anchor="ctr" anchorCtr="0">
+              <a:noAutofit/>
+            </a:bodyPr>
+            <a:lstStyle/>
+            <a:p>
+              <a:endParaRPr sz="2400"/>
+            </a:p>
+          </p:txBody>
+        </p:sp>
+        <p:sp>
+          <p:nvSpPr>
+            <p:cNvPr id="548" name="Google Shape;548;p28"/>
+            <p:cNvSpPr/>
+            <p:nvPr/>
+          </p:nvSpPr>
+          <p:spPr>
+            <a:xfrm>
+              <a:off x="-18057600" y="3896625"/>
+              <a:ext cx="61450" cy="71825"/>
+            </a:xfrm>
+            <a:custGeom>
+              <a:avLst/>
+              <a:gdLst/>
+              <a:ahLst/>
+              <a:cxnLst/>
+              <a:rect l="l" t="t" r="r" b="b"/>
+              <a:pathLst>
+                <a:path w="2458" h="2873" extrusionOk="0">
+                  <a:moveTo>
+                    <a:pt x="885" y="0"/>
+                  </a:moveTo>
+                  <a:cubicBezTo>
+                    <a:pt x="760" y="0"/>
+                    <a:pt x="630" y="32"/>
+                    <a:pt x="504" y="100"/>
+                  </a:cubicBezTo>
+                  <a:cubicBezTo>
+                    <a:pt x="252" y="258"/>
+                    <a:pt x="32" y="510"/>
+                    <a:pt x="32" y="825"/>
+                  </a:cubicBezTo>
+                  <a:lnTo>
+                    <a:pt x="32" y="2368"/>
+                  </a:lnTo>
+                  <a:cubicBezTo>
+                    <a:pt x="32" y="2526"/>
+                    <a:pt x="32" y="2684"/>
+                    <a:pt x="0" y="2873"/>
+                  </a:cubicBezTo>
+                  <a:lnTo>
+                    <a:pt x="32" y="2841"/>
+                  </a:lnTo>
+                  <a:lnTo>
+                    <a:pt x="567" y="2179"/>
+                  </a:lnTo>
+                  <a:cubicBezTo>
+                    <a:pt x="630" y="2053"/>
+                    <a:pt x="725" y="1959"/>
+                    <a:pt x="819" y="1864"/>
+                  </a:cubicBezTo>
+                  <a:cubicBezTo>
+                    <a:pt x="1260" y="1455"/>
+                    <a:pt x="1828" y="1171"/>
+                    <a:pt x="2458" y="1171"/>
+                  </a:cubicBezTo>
+                  <a:lnTo>
+                    <a:pt x="1450" y="258"/>
+                  </a:lnTo>
+                  <a:cubicBezTo>
+                    <a:pt x="1309" y="97"/>
+                    <a:pt x="1104" y="0"/>
+                    <a:pt x="885" y="0"/>
+                  </a:cubicBezTo>
+                  <a:close/>
+                </a:path>
+              </a:pathLst>
+            </a:custGeom>
+            <a:solidFill>
+              <a:schemeClr val="accent4"/>
+            </a:solidFill>
+            <a:ln>
+              <a:noFill/>
+            </a:ln>
+          </p:spPr>
+          <p:txBody>
+            <a:bodyPr spcFirstLastPara="1" wrap="square" lIns="121900" tIns="121900" rIns="121900" bIns="121900" anchor="ctr" anchorCtr="0">
+              <a:noAutofit/>
+            </a:bodyPr>
+            <a:lstStyle/>
+            <a:p>
+              <a:endParaRPr sz="2400"/>
+            </a:p>
+          </p:txBody>
+        </p:sp>
+        <p:sp>
+          <p:nvSpPr>
+            <p:cNvPr id="549" name="Google Shape;549;p28"/>
+            <p:cNvSpPr/>
+            <p:nvPr/>
+          </p:nvSpPr>
+          <p:spPr>
+            <a:xfrm>
+              <a:off x="-18127700" y="3949125"/>
+              <a:ext cx="18125" cy="16975"/>
+            </a:xfrm>
+            <a:custGeom>
+              <a:avLst/>
+              <a:gdLst/>
+              <a:ahLst/>
+              <a:cxnLst/>
+              <a:rect l="l" t="t" r="r" b="b"/>
+              <a:pathLst>
+                <a:path w="725" h="679" extrusionOk="0">
+                  <a:moveTo>
+                    <a:pt x="351" y="1"/>
+                  </a:moveTo>
+                  <a:cubicBezTo>
+                    <a:pt x="197" y="1"/>
+                    <a:pt x="48" y="79"/>
+                    <a:pt x="0" y="237"/>
+                  </a:cubicBezTo>
+                  <a:lnTo>
+                    <a:pt x="378" y="678"/>
+                  </a:lnTo>
+                  <a:lnTo>
+                    <a:pt x="725" y="237"/>
+                  </a:lnTo>
+                  <a:cubicBezTo>
+                    <a:pt x="662" y="79"/>
+                    <a:pt x="504" y="1"/>
+                    <a:pt x="351" y="1"/>
+                  </a:cubicBezTo>
+                  <a:close/>
+                </a:path>
+              </a:pathLst>
+            </a:custGeom>
+            <a:solidFill>
+              <a:schemeClr val="accent4"/>
+            </a:solidFill>
+            <a:ln>
+              <a:noFill/>
+            </a:ln>
+          </p:spPr>
+          <p:txBody>
+            <a:bodyPr spcFirstLastPara="1" wrap="square" lIns="121900" tIns="121900" rIns="121900" bIns="121900" anchor="ctr" anchorCtr="0">
+              <a:noAutofit/>
+            </a:bodyPr>
+            <a:lstStyle/>
+            <a:p>
+              <a:endParaRPr sz="2400"/>
+            </a:p>
+          </p:txBody>
+        </p:sp>
+        <p:sp>
+          <p:nvSpPr>
+            <p:cNvPr id="550" name="Google Shape;550;p28"/>
+            <p:cNvSpPr/>
+            <p:nvPr/>
+          </p:nvSpPr>
+          <p:spPr>
+            <a:xfrm>
+              <a:off x="-18270275" y="3710875"/>
+              <a:ext cx="107150" cy="98475"/>
+            </a:xfrm>
+            <a:custGeom>
+              <a:avLst/>
+              <a:gdLst/>
+              <a:ahLst/>
+              <a:cxnLst/>
+              <a:rect l="l" t="t" r="r" b="b"/>
+              <a:pathLst>
+                <a:path w="4286" h="3939" extrusionOk="0">
+                  <a:moveTo>
+                    <a:pt x="347" y="0"/>
+                  </a:moveTo>
+                  <a:cubicBezTo>
+                    <a:pt x="158" y="0"/>
+                    <a:pt x="32" y="189"/>
+                    <a:pt x="32" y="379"/>
+                  </a:cubicBezTo>
+                  <a:lnTo>
+                    <a:pt x="1" y="1103"/>
+                  </a:lnTo>
+                  <a:cubicBezTo>
+                    <a:pt x="1" y="2174"/>
+                    <a:pt x="474" y="3214"/>
+                    <a:pt x="1230" y="3939"/>
+                  </a:cubicBezTo>
+                  <a:cubicBezTo>
+                    <a:pt x="1387" y="3655"/>
+                    <a:pt x="1576" y="3403"/>
+                    <a:pt x="1860" y="3182"/>
+                  </a:cubicBezTo>
+                  <a:cubicBezTo>
+                    <a:pt x="2553" y="2521"/>
+                    <a:pt x="3403" y="2017"/>
+                    <a:pt x="4286" y="1733"/>
+                  </a:cubicBezTo>
+                  <a:cubicBezTo>
+                    <a:pt x="3593" y="694"/>
+                    <a:pt x="2364" y="0"/>
+                    <a:pt x="1072" y="0"/>
+                  </a:cubicBezTo>
+                  <a:close/>
+                </a:path>
+              </a:pathLst>
+            </a:custGeom>
+            <a:solidFill>
+              <a:schemeClr val="accent4"/>
+            </a:solidFill>
+            <a:ln>
+              <a:noFill/>
+            </a:ln>
+          </p:spPr>
+          <p:txBody>
+            <a:bodyPr spcFirstLastPara="1" wrap="square" lIns="121900" tIns="121900" rIns="121900" bIns="121900" anchor="ctr" anchorCtr="0">
+              <a:noAutofit/>
+            </a:bodyPr>
+            <a:lstStyle/>
+            <a:p>
+              <a:endParaRPr sz="2400"/>
+            </a:p>
+          </p:txBody>
+        </p:sp>
+        <p:sp>
+          <p:nvSpPr>
+            <p:cNvPr id="551" name="Google Shape;551;p28"/>
+            <p:cNvSpPr/>
+            <p:nvPr/>
+          </p:nvSpPr>
+          <p:spPr>
+            <a:xfrm>
+              <a:off x="-18074925" y="3710875"/>
+              <a:ext cx="107925" cy="99275"/>
+            </a:xfrm>
+            <a:custGeom>
+              <a:avLst/>
+              <a:gdLst/>
+              <a:ahLst/>
+              <a:cxnLst/>
+              <a:rect l="l" t="t" r="r" b="b"/>
+              <a:pathLst>
+                <a:path w="4317" h="3971" extrusionOk="0">
+                  <a:moveTo>
+                    <a:pt x="3245" y="0"/>
+                  </a:moveTo>
+                  <a:cubicBezTo>
+                    <a:pt x="1953" y="0"/>
+                    <a:pt x="725" y="662"/>
+                    <a:pt x="0" y="1733"/>
+                  </a:cubicBezTo>
+                  <a:cubicBezTo>
+                    <a:pt x="1197" y="2111"/>
+                    <a:pt x="2269" y="2899"/>
+                    <a:pt x="3056" y="3970"/>
+                  </a:cubicBezTo>
+                  <a:cubicBezTo>
+                    <a:pt x="3844" y="3214"/>
+                    <a:pt x="4316" y="2206"/>
+                    <a:pt x="4316" y="1103"/>
+                  </a:cubicBezTo>
+                  <a:lnTo>
+                    <a:pt x="4316" y="379"/>
+                  </a:lnTo>
+                  <a:cubicBezTo>
+                    <a:pt x="4316" y="189"/>
+                    <a:pt x="4159" y="0"/>
+                    <a:pt x="3970" y="0"/>
+                  </a:cubicBezTo>
+                  <a:close/>
+                </a:path>
+              </a:pathLst>
+            </a:custGeom>
+            <a:solidFill>
+              <a:schemeClr val="accent4"/>
+            </a:solidFill>
+            <a:ln>
+              <a:noFill/>
+            </a:ln>
+          </p:spPr>
+          <p:txBody>
+            <a:bodyPr spcFirstLastPara="1" wrap="square" lIns="121900" tIns="121900" rIns="121900" bIns="121900" anchor="ctr" anchorCtr="0">
+              <a:noAutofit/>
+            </a:bodyPr>
+            <a:lstStyle/>
+            <a:p>
+              <a:endParaRPr sz="2400"/>
+            </a:p>
+          </p:txBody>
+        </p:sp>
+      </p:grpSp>
+      <p:sp>
+        <p:nvSpPr>
+          <p:cNvPr id="2" name="Google Shape;530;p28">
             <a:extLst>
               <a:ext uri="{FF2B5EF4-FFF2-40B4-BE49-F238E27FC236}">
-                <a16:creationId xmlns:a16="http://schemas.microsoft.com/office/drawing/2014/main" id="{D5289D01-2AD9-215F-8C89-06248745E69C}"/>
+                <a16:creationId xmlns:a16="http://schemas.microsoft.com/office/drawing/2014/main" id="{368DC462-AF38-A8CE-90F0-9A222EFC5793}"/>
               </a:ext>
             </a:extLst>
           </p:cNvPr>
-          <p:cNvSpPr>
-            <a:spLocks noGrp="1"/>
-          </p:cNvSpPr>
-          <p:nvPr>
-            <p:ph idx="1"/>
-          </p:nvPr>
+          <p:cNvSpPr/>
+          <p:nvPr/>
         </p:nvSpPr>
-        <p:spPr/>
+        <p:spPr>
+          <a:xfrm>
+            <a:off x="803792" y="3792548"/>
+            <a:ext cx="780000" cy="780000"/>
+          </a:xfrm>
+          <a:prstGeom prst="ellipse">
+            <a:avLst/>
+          </a:prstGeom>
+          <a:solidFill>
+            <a:schemeClr val="bg1"/>
+          </a:solidFill>
+          <a:ln>
+            <a:noFill/>
+          </a:ln>
+        </p:spPr>
         <p:txBody>
-          <a:bodyPr/>
+          <a:bodyPr spcFirstLastPara="1" wrap="square" lIns="121900" tIns="60933" rIns="121900" bIns="60933" anchor="ctr" anchorCtr="0">
+            <a:noAutofit/>
+          </a:bodyPr>
           <a:lstStyle/>
           <a:p>
-            <a:endParaRPr lang="en-GB"/>
+            <a:pPr algn="ctr"/>
+            <a:endParaRPr sz="4800">
+              <a:solidFill>
+                <a:srgbClr val="FFFFFF"/>
+              </a:solidFill>
+              <a:latin typeface="Lato Light"/>
+              <a:ea typeface="Lato Light"/>
+              <a:cs typeface="Lato Light"/>
+              <a:sym typeface="Lato Light"/>
+            </a:endParaRPr>
           </a:p>
         </p:txBody>
       </p:sp>
+      <p:sp>
+        <p:nvSpPr>
+          <p:cNvPr id="3" name="Google Shape;530;p28">
+            <a:extLst>
+              <a:ext uri="{FF2B5EF4-FFF2-40B4-BE49-F238E27FC236}">
+                <a16:creationId xmlns:a16="http://schemas.microsoft.com/office/drawing/2014/main" id="{35032622-CFF4-6E98-D011-924CE3A573AB}"/>
+              </a:ext>
+            </a:extLst>
+          </p:cNvPr>
+          <p:cNvSpPr/>
+          <p:nvPr/>
+        </p:nvSpPr>
+        <p:spPr>
+          <a:xfrm>
+            <a:off x="841779" y="5318067"/>
+            <a:ext cx="780000" cy="780000"/>
+          </a:xfrm>
+          <a:prstGeom prst="ellipse">
+            <a:avLst/>
+          </a:prstGeom>
+          <a:solidFill>
+            <a:schemeClr val="bg1"/>
+          </a:solidFill>
+          <a:ln>
+            <a:noFill/>
+          </a:ln>
+        </p:spPr>
+        <p:txBody>
+          <a:bodyPr spcFirstLastPara="1" wrap="square" lIns="121900" tIns="60933" rIns="121900" bIns="60933" anchor="ctr" anchorCtr="0">
+            <a:noAutofit/>
+          </a:bodyPr>
+          <a:lstStyle/>
+          <a:p>
+            <a:pPr algn="ctr"/>
+            <a:endParaRPr sz="4800">
+              <a:solidFill>
+                <a:srgbClr val="FFFFFF"/>
+              </a:solidFill>
+              <a:latin typeface="Lato Light"/>
+              <a:ea typeface="Lato Light"/>
+              <a:cs typeface="Lato Light"/>
+              <a:sym typeface="Lato Light"/>
+            </a:endParaRPr>
+          </a:p>
+        </p:txBody>
+      </p:sp>
+      <p:pic>
+        <p:nvPicPr>
+          <p:cNvPr id="7" name="Picture 6" descr="Shape&#10;&#10;Description automatically generated with low confidence">
+            <a:extLst>
+              <a:ext uri="{FF2B5EF4-FFF2-40B4-BE49-F238E27FC236}">
+                <a16:creationId xmlns:a16="http://schemas.microsoft.com/office/drawing/2014/main" id="{BB35E874-DEC7-4C57-E639-FA3396ED577E}"/>
+              </a:ext>
+            </a:extLst>
+          </p:cNvPr>
+          <p:cNvPicPr>
+            <a:picLocks noChangeAspect="1"/>
+          </p:cNvPicPr>
+          <p:nvPr/>
+        </p:nvPicPr>
+        <p:blipFill>
+          <a:blip r:embed="rId3">
+            <a:duotone>
+              <a:schemeClr val="bg2">
+                <a:shade val="45000"/>
+                <a:satMod val="135000"/>
+              </a:schemeClr>
+              <a:prstClr val="white"/>
+            </a:duotone>
+            <a:extLst>
+              <a:ext uri="{28A0092B-C50C-407E-A947-70E740481C1C}">
+                <a14:useLocalDpi xmlns:a14="http://schemas.microsoft.com/office/drawing/2010/main" val="0"/>
+              </a:ext>
+            </a:extLst>
+          </a:blip>
+          <a:stretch>
+            <a:fillRect/>
+          </a:stretch>
+        </p:blipFill>
+        <p:spPr>
+          <a:xfrm>
+            <a:off x="922776" y="2308312"/>
+            <a:ext cx="557536" cy="557536"/>
+          </a:xfrm>
+          <a:prstGeom prst="rect">
+            <a:avLst/>
+          </a:prstGeom>
+        </p:spPr>
+      </p:pic>
+      <p:pic>
+        <p:nvPicPr>
+          <p:cNvPr id="9" name="Picture 8" descr="Shape&#10;&#10;Description automatically generated with low confidence">
+            <a:extLst>
+              <a:ext uri="{FF2B5EF4-FFF2-40B4-BE49-F238E27FC236}">
+                <a16:creationId xmlns:a16="http://schemas.microsoft.com/office/drawing/2014/main" id="{BD912517-89AA-D3AD-C970-1A39239A84A3}"/>
+              </a:ext>
+            </a:extLst>
+          </p:cNvPr>
+          <p:cNvPicPr>
+            <a:picLocks noChangeAspect="1"/>
+          </p:cNvPicPr>
+          <p:nvPr/>
+        </p:nvPicPr>
+        <p:blipFill>
+          <a:blip r:embed="rId4">
+            <a:duotone>
+              <a:schemeClr val="bg2">
+                <a:shade val="45000"/>
+                <a:satMod val="135000"/>
+              </a:schemeClr>
+              <a:prstClr val="white"/>
+            </a:duotone>
+            <a:extLst>
+              <a:ext uri="{28A0092B-C50C-407E-A947-70E740481C1C}">
+                <a14:useLocalDpi xmlns:a14="http://schemas.microsoft.com/office/drawing/2010/main" val="0"/>
+              </a:ext>
+            </a:extLst>
+          </a:blip>
+          <a:stretch>
+            <a:fillRect/>
+          </a:stretch>
+        </p:blipFill>
+        <p:spPr>
+          <a:xfrm>
+            <a:off x="895187" y="3892474"/>
+            <a:ext cx="596375" cy="596375"/>
+          </a:xfrm>
+          <a:prstGeom prst="rect">
+            <a:avLst/>
+          </a:prstGeom>
+        </p:spPr>
+      </p:pic>
+      <p:pic>
+        <p:nvPicPr>
+          <p:cNvPr id="11" name="Picture 10" descr="Icon&#10;&#10;Description automatically generated with medium confidence">
+            <a:extLst>
+              <a:ext uri="{FF2B5EF4-FFF2-40B4-BE49-F238E27FC236}">
+                <a16:creationId xmlns:a16="http://schemas.microsoft.com/office/drawing/2014/main" id="{63F02CC4-DBFA-4D60-71F0-35FC44231CE0}"/>
+              </a:ext>
+            </a:extLst>
+          </p:cNvPr>
+          <p:cNvPicPr>
+            <a:picLocks noChangeAspect="1"/>
+          </p:cNvPicPr>
+          <p:nvPr/>
+        </p:nvPicPr>
+        <p:blipFill>
+          <a:blip r:embed="rId5">
+            <a:duotone>
+              <a:schemeClr val="bg2">
+                <a:shade val="45000"/>
+                <a:satMod val="135000"/>
+              </a:schemeClr>
+              <a:prstClr val="white"/>
+            </a:duotone>
+            <a:extLst>
+              <a:ext uri="{28A0092B-C50C-407E-A947-70E740481C1C}">
+                <a14:useLocalDpi xmlns:a14="http://schemas.microsoft.com/office/drawing/2010/main" val="0"/>
+              </a:ext>
+            </a:extLst>
+          </a:blip>
+          <a:stretch>
+            <a:fillRect/>
+          </a:stretch>
+        </p:blipFill>
+        <p:spPr>
+          <a:xfrm>
+            <a:off x="926376" y="5458667"/>
+            <a:ext cx="533998" cy="533998"/>
+          </a:xfrm>
+          <a:prstGeom prst="rect">
+            <a:avLst/>
+          </a:prstGeom>
+        </p:spPr>
+      </p:pic>
+      <p:sp>
+        <p:nvSpPr>
+          <p:cNvPr id="13" name="Rounded Rectangle 71">
+            <a:extLst>
+              <a:ext uri="{FF2B5EF4-FFF2-40B4-BE49-F238E27FC236}">
+                <a16:creationId xmlns:a16="http://schemas.microsoft.com/office/drawing/2014/main" id="{288310B8-837F-8458-8E9D-605E9731FC0B}"/>
+              </a:ext>
+            </a:extLst>
+          </p:cNvPr>
+          <p:cNvSpPr/>
+          <p:nvPr/>
+        </p:nvSpPr>
+        <p:spPr>
+          <a:xfrm>
+            <a:off x="7062774" y="2308312"/>
+            <a:ext cx="4840187" cy="1623138"/>
+          </a:xfrm>
+          <a:prstGeom prst="roundRect">
+            <a:avLst/>
+          </a:prstGeom>
+          <a:solidFill>
+            <a:schemeClr val="bg1"/>
+          </a:solidFill>
+          <a:ln w="63500">
+            <a:solidFill>
+              <a:schemeClr val="accent6"/>
+            </a:solidFill>
+          </a:ln>
+        </p:spPr>
+        <p:style>
+          <a:lnRef idx="2">
+            <a:schemeClr val="accent1">
+              <a:shade val="50000"/>
+            </a:schemeClr>
+          </a:lnRef>
+          <a:fillRef idx="1">
+            <a:schemeClr val="accent1"/>
+          </a:fillRef>
+          <a:effectRef idx="0">
+            <a:schemeClr val="accent1"/>
+          </a:effectRef>
+          <a:fontRef idx="minor">
+            <a:schemeClr val="lt1"/>
+          </a:fontRef>
+        </p:style>
+        <p:txBody>
+          <a:bodyPr rtlCol="0" anchor="ctr"/>
+          <a:lstStyle/>
+          <a:p>
+            <a:pPr algn="ctr"/>
+            <a:endParaRPr lang="en-GB" dirty="0">
+              <a:solidFill>
+                <a:schemeClr val="tx1"/>
+              </a:solidFill>
+            </a:endParaRPr>
+          </a:p>
+          <a:p>
+            <a:pPr algn="ctr"/>
+            <a:r>
+              <a:rPr lang="en-GB" dirty="0">
+                <a:solidFill>
+                  <a:schemeClr val="tx1"/>
+                </a:solidFill>
+              </a:rPr>
+              <a:t>SQLite uses dynamic memory allocation to obtain memory for storing various objects and to build a memory cache of the database file and to hold the results of queries.</a:t>
+            </a:r>
+            <a:endParaRPr lang="en-NL" dirty="0">
+              <a:solidFill>
+                <a:schemeClr val="tx1"/>
+              </a:solidFill>
+            </a:endParaRPr>
+          </a:p>
+          <a:p>
+            <a:pPr algn="ctr"/>
+            <a:endParaRPr lang="ko-KR" altLang="en-US" dirty="0">
+              <a:solidFill>
+                <a:schemeClr val="tx1"/>
+              </a:solidFill>
+            </a:endParaRPr>
+          </a:p>
+        </p:txBody>
+      </p:sp>
+      <p:cxnSp>
+        <p:nvCxnSpPr>
+          <p:cNvPr id="15" name="Elbow Connector 14">
+            <a:extLst>
+              <a:ext uri="{FF2B5EF4-FFF2-40B4-BE49-F238E27FC236}">
+                <a16:creationId xmlns:a16="http://schemas.microsoft.com/office/drawing/2014/main" id="{C4AA9B79-153D-7B27-6912-DCA9AF428F6C}"/>
+              </a:ext>
+            </a:extLst>
+          </p:cNvPr>
+          <p:cNvCxnSpPr>
+            <a:stCxn id="518" idx="3"/>
+            <a:endCxn id="13" idx="1"/>
+          </p:cNvCxnSpPr>
+          <p:nvPr/>
+        </p:nvCxnSpPr>
+        <p:spPr>
+          <a:xfrm flipV="1">
+            <a:off x="6540000" y="3119881"/>
+            <a:ext cx="522774" cy="1049052"/>
+          </a:xfrm>
+          <a:prstGeom prst="bentConnector3">
+            <a:avLst/>
+          </a:prstGeom>
+          <a:ln>
+            <a:tailEnd type="triangle"/>
+          </a:ln>
+        </p:spPr>
+        <p:style>
+          <a:lnRef idx="3">
+            <a:schemeClr val="accent6"/>
+          </a:lnRef>
+          <a:fillRef idx="0">
+            <a:schemeClr val="accent6"/>
+          </a:fillRef>
+          <a:effectRef idx="2">
+            <a:schemeClr val="accent6"/>
+          </a:effectRef>
+          <a:fontRef idx="minor">
+            <a:schemeClr val="tx1"/>
+          </a:fontRef>
+        </p:style>
+      </p:cxnSp>
+      <p:sp>
+        <p:nvSpPr>
+          <p:cNvPr id="16" name="Rounded Rectangle 71">
+            <a:extLst>
+              <a:ext uri="{FF2B5EF4-FFF2-40B4-BE49-F238E27FC236}">
+                <a16:creationId xmlns:a16="http://schemas.microsoft.com/office/drawing/2014/main" id="{B7CF771D-93C2-A5F4-BC00-0F509C869EBF}"/>
+              </a:ext>
+            </a:extLst>
+          </p:cNvPr>
+          <p:cNvSpPr/>
+          <p:nvPr/>
+        </p:nvSpPr>
+        <p:spPr>
+          <a:xfrm>
+            <a:off x="7062775" y="4774333"/>
+            <a:ext cx="4840187" cy="1862038"/>
+          </a:xfrm>
+          <a:prstGeom prst="roundRect">
+            <a:avLst/>
+          </a:prstGeom>
+          <a:solidFill>
+            <a:schemeClr val="bg1"/>
+          </a:solidFill>
+          <a:ln w="63500">
+            <a:solidFill>
+              <a:schemeClr val="accent4">
+                <a:lumMod val="60000"/>
+                <a:lumOff val="40000"/>
+              </a:schemeClr>
+            </a:solidFill>
+          </a:ln>
+        </p:spPr>
+        <p:style>
+          <a:lnRef idx="2">
+            <a:schemeClr val="accent1">
+              <a:shade val="50000"/>
+            </a:schemeClr>
+          </a:lnRef>
+          <a:fillRef idx="1">
+            <a:schemeClr val="accent1"/>
+          </a:fillRef>
+          <a:effectRef idx="0">
+            <a:schemeClr val="accent1"/>
+          </a:effectRef>
+          <a:fontRef idx="minor">
+            <a:schemeClr val="lt1"/>
+          </a:fontRef>
+        </p:style>
+        <p:txBody>
+          <a:bodyPr rtlCol="0" anchor="ctr"/>
+          <a:lstStyle/>
+          <a:p>
+            <a:pPr algn="ctr"/>
+            <a:r>
+              <a:rPr lang="en-GB" dirty="0">
+                <a:solidFill>
+                  <a:schemeClr val="tx1"/>
+                </a:solidFill>
+              </a:rPr>
+              <a:t>The complete state of an SQLite database is contained in a single file on disk called the "main database file".</a:t>
+            </a:r>
+          </a:p>
+          <a:p>
+            <a:pPr algn="ctr"/>
+            <a:r>
+              <a:rPr lang="en-GB" dirty="0">
+                <a:solidFill>
+                  <a:schemeClr val="tx1"/>
+                </a:solidFill>
+              </a:rPr>
+              <a:t>During a transaction, SQLite stores additional information in a second file called the "rollback journal” or WAL file.</a:t>
+            </a:r>
+          </a:p>
+        </p:txBody>
+      </p:sp>
+      <p:cxnSp>
+        <p:nvCxnSpPr>
+          <p:cNvPr id="17" name="Elbow Connector 16">
+            <a:extLst>
+              <a:ext uri="{FF2B5EF4-FFF2-40B4-BE49-F238E27FC236}">
+                <a16:creationId xmlns:a16="http://schemas.microsoft.com/office/drawing/2014/main" id="{23C2BC7D-F286-04ED-DC64-005B90757BE6}"/>
+              </a:ext>
+            </a:extLst>
+          </p:cNvPr>
+          <p:cNvCxnSpPr>
+            <a:cxnSpLocks/>
+            <a:stCxn id="521" idx="3"/>
+            <a:endCxn id="16" idx="1"/>
+          </p:cNvCxnSpPr>
+          <p:nvPr/>
+        </p:nvCxnSpPr>
+        <p:spPr>
+          <a:xfrm flipV="1">
+            <a:off x="6539999" y="5705352"/>
+            <a:ext cx="522776" cy="2715"/>
+          </a:xfrm>
+          <a:prstGeom prst="bentConnector3">
+            <a:avLst/>
+          </a:prstGeom>
+          <a:ln>
+            <a:tailEnd type="triangle"/>
+          </a:ln>
+        </p:spPr>
+        <p:style>
+          <a:lnRef idx="3">
+            <a:schemeClr val="accent4"/>
+          </a:lnRef>
+          <a:fillRef idx="0">
+            <a:schemeClr val="accent4"/>
+          </a:fillRef>
+          <a:effectRef idx="2">
+            <a:schemeClr val="accent4"/>
+          </a:effectRef>
+          <a:fontRef idx="minor">
+            <a:schemeClr val="tx1"/>
+          </a:fontRef>
+        </p:style>
+      </p:cxnSp>
     </p:spTree>
-    <p:extLst>
-      <p:ext uri="{BB962C8B-B14F-4D97-AF65-F5344CB8AC3E}">
-        <p14:creationId xmlns:p14="http://schemas.microsoft.com/office/powerpoint/2010/main" val="2818610950"/>
-      </p:ext>
-    </p:extLst>
   </p:cSld>
   <p:clrMapOvr>
     <a:masterClrMapping/>
   </p:clrMapOvr>
+  <p:timing>
+    <p:tnLst>
+      <p:par>
+        <p:cTn id="1" dur="indefinite" restart="never" nodeType="tmRoot">
+          <p:childTnLst>
+            <p:seq concurrent="1" nextAc="seek">
+              <p:cTn id="2" dur="indefinite" nodeType="mainSeq">
+                <p:childTnLst>
+                  <p:par>
+                    <p:cTn id="3" fill="hold">
+                      <p:stCondLst>
+                        <p:cond delay="indefinite"/>
+                        <p:cond evt="onBegin" delay="0">
+                          <p:tn val="2"/>
+                        </p:cond>
+                      </p:stCondLst>
+                      <p:childTnLst>
+                        <p:par>
+                          <p:cTn id="4" fill="hold">
+                            <p:stCondLst>
+                              <p:cond delay="0"/>
+                            </p:stCondLst>
+                            <p:childTnLst>
+                              <p:par>
+                                <p:cTn id="5" presetID="1" presetClass="exit" presetSubtype="0" fill="hold" nodeType="withEffect">
+                                  <p:stCondLst>
+                                    <p:cond delay="0"/>
+                                  </p:stCondLst>
+                                  <p:childTnLst>
+                                    <p:set>
+                                      <p:cBhvr>
+                                        <p:cTn id="6" dur="1" fill="hold">
+                                          <p:stCondLst>
+                                            <p:cond delay="0"/>
+                                          </p:stCondLst>
+                                        </p:cTn>
+                                        <p:tgtEl>
+                                          <p:spTgt spid="15"/>
+                                        </p:tgtEl>
+                                        <p:attrNameLst>
+                                          <p:attrName>style.visibility</p:attrName>
+                                        </p:attrNameLst>
+                                      </p:cBhvr>
+                                      <p:to>
+                                        <p:strVal val="hidden"/>
+                                      </p:to>
+                                    </p:set>
+                                  </p:childTnLst>
+                                </p:cTn>
+                              </p:par>
+                              <p:par>
+                                <p:cTn id="7" presetID="1" presetClass="exit" presetSubtype="0" fill="hold" grpId="0" nodeType="withEffect">
+                                  <p:stCondLst>
+                                    <p:cond delay="0"/>
+                                  </p:stCondLst>
+                                  <p:childTnLst>
+                                    <p:set>
+                                      <p:cBhvr>
+                                        <p:cTn id="8" dur="1" fill="hold">
+                                          <p:stCondLst>
+                                            <p:cond delay="0"/>
+                                          </p:stCondLst>
+                                        </p:cTn>
+                                        <p:tgtEl>
+                                          <p:spTgt spid="13"/>
+                                        </p:tgtEl>
+                                        <p:attrNameLst>
+                                          <p:attrName>style.visibility</p:attrName>
+                                        </p:attrNameLst>
+                                      </p:cBhvr>
+                                      <p:to>
+                                        <p:strVal val="hidden"/>
+                                      </p:to>
+                                    </p:set>
+                                  </p:childTnLst>
+                                </p:cTn>
+                              </p:par>
+                              <p:par>
+                                <p:cTn id="9" presetID="1" presetClass="exit" presetSubtype="0" fill="hold" grpId="0" nodeType="withEffect">
+                                  <p:stCondLst>
+                                    <p:cond delay="0"/>
+                                  </p:stCondLst>
+                                  <p:childTnLst>
+                                    <p:set>
+                                      <p:cBhvr>
+                                        <p:cTn id="10" dur="1" fill="hold">
+                                          <p:stCondLst>
+                                            <p:cond delay="0"/>
+                                          </p:stCondLst>
+                                        </p:cTn>
+                                        <p:tgtEl>
+                                          <p:spTgt spid="16"/>
+                                        </p:tgtEl>
+                                        <p:attrNameLst>
+                                          <p:attrName>style.visibility</p:attrName>
+                                        </p:attrNameLst>
+                                      </p:cBhvr>
+                                      <p:to>
+                                        <p:strVal val="hidden"/>
+                                      </p:to>
+                                    </p:set>
+                                  </p:childTnLst>
+                                </p:cTn>
+                              </p:par>
+                              <p:par>
+                                <p:cTn id="11" presetID="1" presetClass="exit" presetSubtype="0" fill="hold" nodeType="withEffect">
+                                  <p:stCondLst>
+                                    <p:cond delay="0"/>
+                                  </p:stCondLst>
+                                  <p:childTnLst>
+                                    <p:set>
+                                      <p:cBhvr>
+                                        <p:cTn id="12" dur="1" fill="hold">
+                                          <p:stCondLst>
+                                            <p:cond delay="0"/>
+                                          </p:stCondLst>
+                                        </p:cTn>
+                                        <p:tgtEl>
+                                          <p:spTgt spid="17"/>
+                                        </p:tgtEl>
+                                        <p:attrNameLst>
+                                          <p:attrName>style.visibility</p:attrName>
+                                        </p:attrNameLst>
+                                      </p:cBhvr>
+                                      <p:to>
+                                        <p:strVal val="hidden"/>
+                                      </p:to>
+                                    </p:set>
+                                  </p:childTnLst>
+                                </p:cTn>
+                              </p:par>
+                            </p:childTnLst>
+                          </p:cTn>
+                        </p:par>
+                      </p:childTnLst>
+                    </p:cTn>
+                  </p:par>
+                  <p:par>
+                    <p:cTn id="13" fill="hold">
+                      <p:stCondLst>
+                        <p:cond delay="indefinite"/>
+                      </p:stCondLst>
+                      <p:childTnLst>
+                        <p:par>
+                          <p:cTn id="14" fill="hold">
+                            <p:stCondLst>
+                              <p:cond delay="0"/>
+                            </p:stCondLst>
+                            <p:childTnLst>
+                              <p:par>
+                                <p:cTn id="15" presetID="1" presetClass="entr" presetSubtype="0" fill="hold" grpId="1" nodeType="clickEffect">
+                                  <p:stCondLst>
+                                    <p:cond delay="0"/>
+                                  </p:stCondLst>
+                                  <p:childTnLst>
+                                    <p:set>
+                                      <p:cBhvr>
+                                        <p:cTn id="16" dur="1" fill="hold">
+                                          <p:stCondLst>
+                                            <p:cond delay="0"/>
+                                          </p:stCondLst>
+                                        </p:cTn>
+                                        <p:tgtEl>
+                                          <p:spTgt spid="13"/>
+                                        </p:tgtEl>
+                                        <p:attrNameLst>
+                                          <p:attrName>style.visibility</p:attrName>
+                                        </p:attrNameLst>
+                                      </p:cBhvr>
+                                      <p:to>
+                                        <p:strVal val="visible"/>
+                                      </p:to>
+                                    </p:set>
+                                  </p:childTnLst>
+                                </p:cTn>
+                              </p:par>
+                              <p:par>
+                                <p:cTn id="17" presetID="1" presetClass="entr" presetSubtype="0" fill="hold" nodeType="withEffect">
+                                  <p:stCondLst>
+                                    <p:cond delay="0"/>
+                                  </p:stCondLst>
+                                  <p:childTnLst>
+                                    <p:set>
+                                      <p:cBhvr>
+                                        <p:cTn id="18" dur="1" fill="hold">
+                                          <p:stCondLst>
+                                            <p:cond delay="0"/>
+                                          </p:stCondLst>
+                                        </p:cTn>
+                                        <p:tgtEl>
+                                          <p:spTgt spid="15"/>
+                                        </p:tgtEl>
+                                        <p:attrNameLst>
+                                          <p:attrName>style.visibility</p:attrName>
+                                        </p:attrNameLst>
+                                      </p:cBhvr>
+                                      <p:to>
+                                        <p:strVal val="visible"/>
+                                      </p:to>
+                                    </p:set>
+                                  </p:childTnLst>
+                                </p:cTn>
+                              </p:par>
+                            </p:childTnLst>
+                          </p:cTn>
+                        </p:par>
+                      </p:childTnLst>
+                    </p:cTn>
+                  </p:par>
+                  <p:par>
+                    <p:cTn id="19" fill="hold">
+                      <p:stCondLst>
+                        <p:cond delay="indefinite"/>
+                      </p:stCondLst>
+                      <p:childTnLst>
+                        <p:par>
+                          <p:cTn id="20" fill="hold">
+                            <p:stCondLst>
+                              <p:cond delay="0"/>
+                            </p:stCondLst>
+                            <p:childTnLst>
+                              <p:par>
+                                <p:cTn id="21" presetID="1" presetClass="entr" presetSubtype="0" fill="hold" grpId="1" nodeType="clickEffect">
+                                  <p:stCondLst>
+                                    <p:cond delay="0"/>
+                                  </p:stCondLst>
+                                  <p:childTnLst>
+                                    <p:set>
+                                      <p:cBhvr>
+                                        <p:cTn id="22" dur="1" fill="hold">
+                                          <p:stCondLst>
+                                            <p:cond delay="0"/>
+                                          </p:stCondLst>
+                                        </p:cTn>
+                                        <p:tgtEl>
+                                          <p:spTgt spid="16"/>
+                                        </p:tgtEl>
+                                        <p:attrNameLst>
+                                          <p:attrName>style.visibility</p:attrName>
+                                        </p:attrNameLst>
+                                      </p:cBhvr>
+                                      <p:to>
+                                        <p:strVal val="visible"/>
+                                      </p:to>
+                                    </p:set>
+                                  </p:childTnLst>
+                                </p:cTn>
+                              </p:par>
+                              <p:par>
+                                <p:cTn id="23" presetID="1" presetClass="entr" presetSubtype="0" fill="hold" nodeType="withEffect">
+                                  <p:stCondLst>
+                                    <p:cond delay="0"/>
+                                  </p:stCondLst>
+                                  <p:childTnLst>
+                                    <p:set>
+                                      <p:cBhvr>
+                                        <p:cTn id="24" dur="1" fill="hold">
+                                          <p:stCondLst>
+                                            <p:cond delay="0"/>
+                                          </p:stCondLst>
+                                        </p:cTn>
+                                        <p:tgtEl>
+                                          <p:spTgt spid="17"/>
+                                        </p:tgtEl>
+                                        <p:attrNameLst>
+                                          <p:attrName>style.visibility</p:attrName>
+                                        </p:attrNameLst>
+                                      </p:cBhvr>
+                                      <p:to>
+                                        <p:strVal val="visible"/>
+                                      </p:to>
+                                    </p:set>
+                                  </p:childTnLst>
+                                </p:cTn>
+                              </p:par>
+                            </p:childTnLst>
+                          </p:cTn>
+                        </p:par>
+                      </p:childTnLst>
+                    </p:cTn>
+                  </p:par>
+                </p:childTnLst>
+              </p:cTn>
+              <p:prevCondLst>
+                <p:cond evt="onPrev" delay="0">
+                  <p:tgtEl>
+                    <p:sldTgt/>
+                  </p:tgtEl>
+                </p:cond>
+              </p:prevCondLst>
+              <p:nextCondLst>
+                <p:cond evt="onNext" delay="0">
+                  <p:tgtEl>
+                    <p:sldTgt/>
+                  </p:tgtEl>
+                </p:cond>
+              </p:nextCondLst>
+            </p:seq>
+          </p:childTnLst>
+        </p:cTn>
+      </p:par>
+    </p:tnLst>
+    <p:bldLst>
+      <p:bldP spid="13" grpId="0" animBg="1"/>
+      <p:bldP spid="13" grpId="1" animBg="1"/>
+      <p:bldP spid="16" grpId="0" animBg="1"/>
+      <p:bldP spid="16" grpId="1" animBg="1"/>
+    </p:bldLst>
+  </p:timing>
 </p:sld>
 </file>
 
